--- a/Slides/So You Think You Know Javascript.pptx
+++ b/Slides/So You Think You Know Javascript.pptx
@@ -2,57 +2,59 @@
 <file path=ppt/presentation.xml><?xml version="1.0" encoding="utf-8"?>
 <p:presentation xmlns:a="http://schemas.openxmlformats.org/drawingml/2006/main" xmlns:r="http://schemas.openxmlformats.org/officeDocument/2006/relationships" xmlns:p="http://schemas.openxmlformats.org/presentationml/2006/main" saveSubsetFonts="1">
   <p:sldMasterIdLst>
-    <p:sldMasterId id="2147483648" r:id="rId1"/>
+    <p:sldMasterId id="2147483720" r:id="rId1"/>
   </p:sldMasterIdLst>
   <p:notesMasterIdLst>
-    <p:notesMasterId r:id="rId47"/>
+    <p:notesMasterId r:id="rId49"/>
   </p:notesMasterIdLst>
   <p:sldIdLst>
-    <p:sldId id="256" r:id="rId2"/>
-    <p:sldId id="262" r:id="rId3"/>
-    <p:sldId id="260" r:id="rId4"/>
-    <p:sldId id="267" r:id="rId5"/>
-    <p:sldId id="259" r:id="rId6"/>
-    <p:sldId id="261" r:id="rId7"/>
-    <p:sldId id="266" r:id="rId8"/>
-    <p:sldId id="265" r:id="rId9"/>
-    <p:sldId id="268" r:id="rId10"/>
-    <p:sldId id="272" r:id="rId11"/>
-    <p:sldId id="273" r:id="rId12"/>
-    <p:sldId id="274" r:id="rId13"/>
-    <p:sldId id="275" r:id="rId14"/>
-    <p:sldId id="276" r:id="rId15"/>
-    <p:sldId id="279" r:id="rId16"/>
-    <p:sldId id="278" r:id="rId17"/>
-    <p:sldId id="280" r:id="rId18"/>
-    <p:sldId id="281" r:id="rId19"/>
-    <p:sldId id="282" r:id="rId20"/>
-    <p:sldId id="283" r:id="rId21"/>
-    <p:sldId id="284" r:id="rId22"/>
-    <p:sldId id="285" r:id="rId23"/>
-    <p:sldId id="288" r:id="rId24"/>
-    <p:sldId id="289" r:id="rId25"/>
-    <p:sldId id="298" r:id="rId26"/>
-    <p:sldId id="301" r:id="rId27"/>
-    <p:sldId id="302" r:id="rId28"/>
-    <p:sldId id="291" r:id="rId29"/>
-    <p:sldId id="294" r:id="rId30"/>
-    <p:sldId id="297" r:id="rId31"/>
-    <p:sldId id="292" r:id="rId32"/>
-    <p:sldId id="286" r:id="rId33"/>
-    <p:sldId id="295" r:id="rId34"/>
-    <p:sldId id="310" r:id="rId35"/>
-    <p:sldId id="296" r:id="rId36"/>
-    <p:sldId id="303" r:id="rId37"/>
-    <p:sldId id="308" r:id="rId38"/>
-    <p:sldId id="257" r:id="rId39"/>
-    <p:sldId id="304" r:id="rId40"/>
-    <p:sldId id="258" r:id="rId41"/>
-    <p:sldId id="311" r:id="rId42"/>
-    <p:sldId id="271" r:id="rId43"/>
-    <p:sldId id="305" r:id="rId44"/>
-    <p:sldId id="309" r:id="rId45"/>
-    <p:sldId id="306" r:id="rId46"/>
+    <p:sldId id="313" r:id="rId2"/>
+    <p:sldId id="256" r:id="rId3"/>
+    <p:sldId id="262" r:id="rId4"/>
+    <p:sldId id="260" r:id="rId5"/>
+    <p:sldId id="267" r:id="rId6"/>
+    <p:sldId id="259" r:id="rId7"/>
+    <p:sldId id="261" r:id="rId8"/>
+    <p:sldId id="266" r:id="rId9"/>
+    <p:sldId id="265" r:id="rId10"/>
+    <p:sldId id="268" r:id="rId11"/>
+    <p:sldId id="272" r:id="rId12"/>
+    <p:sldId id="273" r:id="rId13"/>
+    <p:sldId id="274" r:id="rId14"/>
+    <p:sldId id="275" r:id="rId15"/>
+    <p:sldId id="276" r:id="rId16"/>
+    <p:sldId id="279" r:id="rId17"/>
+    <p:sldId id="278" r:id="rId18"/>
+    <p:sldId id="280" r:id="rId19"/>
+    <p:sldId id="281" r:id="rId20"/>
+    <p:sldId id="282" r:id="rId21"/>
+    <p:sldId id="283" r:id="rId22"/>
+    <p:sldId id="284" r:id="rId23"/>
+    <p:sldId id="312" r:id="rId24"/>
+    <p:sldId id="288" r:id="rId25"/>
+    <p:sldId id="285" r:id="rId26"/>
+    <p:sldId id="289" r:id="rId27"/>
+    <p:sldId id="298" r:id="rId28"/>
+    <p:sldId id="301" r:id="rId29"/>
+    <p:sldId id="302" r:id="rId30"/>
+    <p:sldId id="291" r:id="rId31"/>
+    <p:sldId id="294" r:id="rId32"/>
+    <p:sldId id="297" r:id="rId33"/>
+    <p:sldId id="292" r:id="rId34"/>
+    <p:sldId id="286" r:id="rId35"/>
+    <p:sldId id="295" r:id="rId36"/>
+    <p:sldId id="310" r:id="rId37"/>
+    <p:sldId id="296" r:id="rId38"/>
+    <p:sldId id="303" r:id="rId39"/>
+    <p:sldId id="308" r:id="rId40"/>
+    <p:sldId id="257" r:id="rId41"/>
+    <p:sldId id="304" r:id="rId42"/>
+    <p:sldId id="258" r:id="rId43"/>
+    <p:sldId id="311" r:id="rId44"/>
+    <p:sldId id="271" r:id="rId45"/>
+    <p:sldId id="305" r:id="rId46"/>
+    <p:sldId id="309" r:id="rId47"/>
+    <p:sldId id="306" r:id="rId48"/>
   </p:sldIdLst>
   <p:sldSz cx="9144000" cy="6858000" type="screen4x3"/>
   <p:notesSz cx="6858000" cy="9144000"/>
@@ -582,7 +584,7 @@
           <a:p>
             <a:fld id="{680E7421-152F-4C5F-A339-C37B49386B6D}" type="slidenum">
               <a:rPr lang="en-GB" smtClean="0"/>
-              <a:t>1</a:t>
+              <a:t>2</a:t>
             </a:fld>
             <a:endParaRPr lang="en-GB"/>
           </a:p>
@@ -592,6 +594,102 @@
     <p:extLst>
       <p:ext uri="{BB962C8B-B14F-4D97-AF65-F5344CB8AC3E}">
         <p14:creationId xmlns:p14="http://schemas.microsoft.com/office/powerpoint/2010/main" val="2826732040"/>
+      </p:ext>
+    </p:extLst>
+  </p:cSld>
+  <p:clrMapOvr>
+    <a:masterClrMapping/>
+  </p:clrMapOvr>
+</p:notes>
+</file>
+
+<file path=ppt/notesSlides/notesSlide10.xml><?xml version="1.0" encoding="utf-8"?>
+<p:notes xmlns:a="http://schemas.openxmlformats.org/drawingml/2006/main" xmlns:r="http://schemas.openxmlformats.org/officeDocument/2006/relationships" xmlns:p="http://schemas.openxmlformats.org/presentationml/2006/main">
+  <p:cSld>
+    <p:spTree>
+      <p:nvGrpSpPr>
+        <p:cNvPr id="1" name=""/>
+        <p:cNvGrpSpPr/>
+        <p:nvPr/>
+      </p:nvGrpSpPr>
+      <p:grpSpPr>
+        <a:xfrm>
+          <a:off x="0" y="0"/>
+          <a:ext cx="0" cy="0"/>
+          <a:chOff x="0" y="0"/>
+          <a:chExt cx="0" cy="0"/>
+        </a:xfrm>
+      </p:grpSpPr>
+      <p:sp>
+        <p:nvSpPr>
+          <p:cNvPr id="2" name="Slide Image Placeholder 1"/>
+          <p:cNvSpPr>
+            <a:spLocks noGrp="1" noRot="1" noChangeAspect="1"/>
+          </p:cNvSpPr>
+          <p:nvPr>
+            <p:ph type="sldImg"/>
+          </p:nvPr>
+        </p:nvSpPr>
+        <p:spPr/>
+      </p:sp>
+      <p:sp>
+        <p:nvSpPr>
+          <p:cNvPr id="3" name="Notes Placeholder 2"/>
+          <p:cNvSpPr>
+            <a:spLocks noGrp="1"/>
+          </p:cNvSpPr>
+          <p:nvPr>
+            <p:ph type="body" idx="1"/>
+          </p:nvPr>
+        </p:nvSpPr>
+        <p:spPr/>
+        <p:txBody>
+          <a:bodyPr/>
+          <a:lstStyle/>
+          <a:p>
+            <a:r>
+              <a:rPr lang="en-GB" sz="1200" b="0" i="0" kern="1200" dirty="0" smtClean="0">
+                <a:solidFill>
+                  <a:schemeClr val="tx1"/>
+                </a:solidFill>
+                <a:effectLst/>
+                <a:latin typeface="+mn-lt"/>
+                <a:ea typeface="+mn-ea"/>
+                <a:cs typeface="+mn-cs"/>
+              </a:rPr>
+              <a:t>In Self, and other prototype-based languages, the duality between classes and object instances is eliminated.</a:t>
+            </a:r>
+            <a:endParaRPr lang="en-GB" dirty="0"/>
+          </a:p>
+        </p:txBody>
+      </p:sp>
+      <p:sp>
+        <p:nvSpPr>
+          <p:cNvPr id="4" name="Slide Number Placeholder 3"/>
+          <p:cNvSpPr>
+            <a:spLocks noGrp="1"/>
+          </p:cNvSpPr>
+          <p:nvPr>
+            <p:ph type="sldNum" sz="quarter" idx="10"/>
+          </p:nvPr>
+        </p:nvSpPr>
+        <p:spPr/>
+        <p:txBody>
+          <a:bodyPr/>
+          <a:lstStyle/>
+          <a:p>
+            <a:fld id="{680E7421-152F-4C5F-A339-C37B49386B6D}" type="slidenum">
+              <a:rPr lang="en-GB" smtClean="0"/>
+              <a:t>23</a:t>
+            </a:fld>
+            <a:endParaRPr lang="en-GB"/>
+          </a:p>
+        </p:txBody>
+      </p:sp>
+    </p:spTree>
+    <p:extLst>
+      <p:ext uri="{BB962C8B-B14F-4D97-AF65-F5344CB8AC3E}">
+        <p14:creationId xmlns:p14="http://schemas.microsoft.com/office/powerpoint/2010/main" val="2139152777"/>
       </p:ext>
     </p:extLst>
   </p:cSld>
@@ -687,7 +785,7 @@
           <a:p>
             <a:fld id="{680E7421-152F-4C5F-A339-C37B49386B6D}" type="slidenum">
               <a:rPr lang="en-GB" smtClean="0"/>
-              <a:t>10</a:t>
+              <a:t>11</a:t>
             </a:fld>
             <a:endParaRPr lang="en-GB"/>
           </a:p>
@@ -750,45 +848,6 @@
           <a:bodyPr/>
           <a:lstStyle/>
           <a:p>
-            <a:r>
-              <a:rPr lang="en-GB" dirty="0" smtClean="0"/>
-              <a:t>1958 – John McCarthy</a:t>
-            </a:r>
-            <a:r>
-              <a:rPr lang="en-GB" baseline="0" dirty="0" smtClean="0"/>
-              <a:t> joins MIT and starts the MIT AI Project</a:t>
-            </a:r>
-            <a:endParaRPr lang="en-GB" dirty="0" smtClean="0"/>
-          </a:p>
-          <a:p>
-            <a:r>
-              <a:rPr lang="en-GB" dirty="0" smtClean="0"/>
-              <a:t>1960</a:t>
-            </a:r>
-            <a:r>
-              <a:rPr lang="en-GB" baseline="0" dirty="0" smtClean="0"/>
-              <a:t> – John McCarthy publishes his design for Lisp in Communications of the Association for Computing Machinery (ACM)</a:t>
-            </a:r>
-          </a:p>
-          <a:p>
-            <a:endParaRPr lang="en-GB" baseline="0" dirty="0" smtClean="0"/>
-          </a:p>
-          <a:p>
-            <a:r>
-              <a:rPr lang="en-GB" baseline="0" dirty="0" smtClean="0"/>
-              <a:t>Steve Russell realizes that the </a:t>
-            </a:r>
-            <a:r>
-              <a:rPr lang="en-GB" i="1" baseline="0" dirty="0" err="1" smtClean="0"/>
-              <a:t>eval</a:t>
-            </a:r>
-            <a:r>
-              <a:rPr lang="en-GB" i="0" baseline="0" dirty="0" smtClean="0"/>
-              <a:t> function, as well as being part of the language design, would actually work as a Lisp interpreter – and much to JM’s surprise, suddenly Lisp exists. </a:t>
-            </a:r>
-            <a:endParaRPr lang="en-GB" baseline="0" dirty="0" smtClean="0"/>
-          </a:p>
-          <a:p>
             <a:endParaRPr lang="en-GB" dirty="0"/>
           </a:p>
         </p:txBody>
@@ -810,7 +869,7 @@
           <a:p>
             <a:fld id="{680E7421-152F-4C5F-A339-C37B49386B6D}" type="slidenum">
               <a:rPr lang="en-GB" smtClean="0"/>
-              <a:t>11</a:t>
+              <a:t>12</a:t>
             </a:fld>
             <a:endParaRPr lang="en-GB"/>
           </a:p>
@@ -873,76 +932,6 @@
           <a:bodyPr/>
           <a:lstStyle/>
           <a:p>
-            <a:r>
-              <a:rPr lang="en-GB" dirty="0" smtClean="0"/>
-              <a:t>A minimalist dialect</a:t>
-            </a:r>
-            <a:r>
-              <a:rPr lang="en-GB" baseline="0" dirty="0" smtClean="0"/>
-              <a:t> of Lisp (c.f. Common Lisp)</a:t>
-            </a:r>
-          </a:p>
-          <a:p>
-            <a:endParaRPr lang="en-GB" baseline="0" dirty="0" smtClean="0"/>
-          </a:p>
-          <a:p>
-            <a:r>
-              <a:rPr lang="en-GB" baseline="0" dirty="0" smtClean="0"/>
-              <a:t>Developed by Guy L Steele (GLS) and Gerald Jay </a:t>
-            </a:r>
-            <a:r>
-              <a:rPr lang="en-GB" baseline="0" dirty="0" err="1" smtClean="0"/>
-              <a:t>Sussman</a:t>
-            </a:r>
-            <a:r>
-              <a:rPr lang="en-GB" baseline="0" dirty="0" smtClean="0"/>
-              <a:t> (</a:t>
-            </a:r>
-          </a:p>
-          <a:p>
-            <a:endParaRPr lang="en-GB" baseline="0" dirty="0" smtClean="0"/>
-          </a:p>
-          <a:p>
-            <a:r>
-              <a:rPr lang="en-GB" baseline="0" dirty="0" smtClean="0"/>
-              <a:t>Very closely based on the lambda calculus. Originally a derivation of an earlier programming language called Planner – they dubbed it Schemer, but the PDP-10 had a 6-character limit on the ITS file-system, hence SCHEME.</a:t>
-            </a:r>
-          </a:p>
-          <a:p>
-            <a:endParaRPr lang="en-GB" baseline="0" dirty="0" smtClean="0"/>
-          </a:p>
-          <a:p>
-            <a:r>
-              <a:rPr lang="en-GB" baseline="0" dirty="0" smtClean="0"/>
-              <a:t>Scheme was the first dialect of Lisp to choose </a:t>
-            </a:r>
-            <a:r>
-              <a:rPr lang="en-GB" i="1" baseline="0" dirty="0" smtClean="0"/>
-              <a:t>lexical </a:t>
-            </a:r>
-            <a:r>
-              <a:rPr lang="en-GB" i="0" baseline="0" dirty="0" smtClean="0"/>
-              <a:t>or </a:t>
-            </a:r>
-            <a:r>
-              <a:rPr lang="en-GB" i="1" baseline="0" dirty="0" smtClean="0"/>
-              <a:t>static scope</a:t>
-            </a:r>
-            <a:r>
-              <a:rPr lang="en-GB" i="0" baseline="0" dirty="0" smtClean="0"/>
-              <a:t> (borrowed from </a:t>
-            </a:r>
-            <a:r>
-              <a:rPr lang="en-GB" i="0" baseline="0" dirty="0" err="1" smtClean="0"/>
-              <a:t>Algol</a:t>
-            </a:r>
-            <a:r>
-              <a:rPr lang="en-GB" i="0" baseline="0" dirty="0" smtClean="0"/>
-              <a:t>) – which we’ll look at in a moment.</a:t>
-            </a:r>
-            <a:endParaRPr lang="en-GB" baseline="0" dirty="0" smtClean="0"/>
-          </a:p>
-          <a:p>
             <a:endParaRPr lang="en-GB" dirty="0"/>
           </a:p>
         </p:txBody>
@@ -964,7 +953,7 @@
           <a:p>
             <a:fld id="{680E7421-152F-4C5F-A339-C37B49386B6D}" type="slidenum">
               <a:rPr lang="en-GB" smtClean="0"/>
-              <a:t>12</a:t>
+              <a:t>13</a:t>
             </a:fld>
             <a:endParaRPr lang="en-GB"/>
           </a:p>
@@ -1027,201 +1016,7 @@
           <a:bodyPr/>
           <a:lstStyle/>
           <a:p>
-            <a:r>
-              <a:rPr lang="en-GB" dirty="0" smtClean="0"/>
-              <a:t>March 1995 – Larry</a:t>
-            </a:r>
-            <a:r>
-              <a:rPr lang="en-GB" baseline="0" dirty="0" smtClean="0"/>
-              <a:t> Page goes to visit Stanford University where he’s considering doing a graduate programme in Comp Sci. Sergey </a:t>
-            </a:r>
-            <a:r>
-              <a:rPr lang="en-GB" baseline="0" dirty="0" err="1" smtClean="0"/>
-              <a:t>Brin</a:t>
-            </a:r>
-            <a:r>
-              <a:rPr lang="en-GB" baseline="0" dirty="0" smtClean="0"/>
-              <a:t>, already a student in the graduate programme, is assigned to show him around. </a:t>
-            </a:r>
-          </a:p>
-          <a:p>
-            <a:endParaRPr lang="en-GB" dirty="0" smtClean="0"/>
-          </a:p>
-          <a:p>
-            <a:r>
-              <a:rPr lang="en-GB" dirty="0" smtClean="0"/>
-              <a:t>May 1995 – Brendan </a:t>
-            </a:r>
-            <a:r>
-              <a:rPr lang="en-GB" dirty="0" err="1" smtClean="0"/>
-              <a:t>Eich</a:t>
-            </a:r>
-            <a:r>
-              <a:rPr lang="en-GB" dirty="0" smtClean="0"/>
-              <a:t> is recruited</a:t>
-            </a:r>
-            <a:r>
-              <a:rPr lang="en-GB" baseline="0" dirty="0" smtClean="0"/>
-              <a:t> to Netscape with “the promise of doing Scheme in a browser” </a:t>
-            </a:r>
-          </a:p>
-          <a:p>
-            <a:r>
-              <a:rPr lang="en-GB" baseline="0" dirty="0" smtClean="0"/>
-              <a:t> (</a:t>
-            </a:r>
-            <a:r>
-              <a:rPr lang="en-GB" dirty="0" smtClean="0">
-                <a:hlinkClick r:id="rId3"/>
-              </a:rPr>
-              <a:t>http://brendaneich.com/tag/history/</a:t>
-            </a:r>
-            <a:r>
-              <a:rPr lang="en-GB" dirty="0" smtClean="0"/>
-              <a:t>)</a:t>
-            </a:r>
-          </a:p>
-          <a:p>
-            <a:endParaRPr lang="en-GB" dirty="0" smtClean="0"/>
-          </a:p>
-          <a:p>
-            <a:r>
-              <a:rPr lang="en-GB" dirty="0" smtClean="0"/>
-              <a:t>Java</a:t>
-            </a:r>
-            <a:r>
-              <a:rPr lang="en-GB" baseline="0" dirty="0" smtClean="0"/>
-              <a:t> was looming. Bill Joy (founder of Sun Microsystems) </a:t>
-            </a:r>
-            <a:r>
-              <a:rPr lang="en-GB" baseline="0" dirty="0" err="1" smtClean="0"/>
-              <a:t>grokked</a:t>
-            </a:r>
-            <a:r>
-              <a:rPr lang="en-GB" baseline="0" dirty="0" smtClean="0"/>
-              <a:t> the idea of a light-weight scripting language as a companion to full-blown compiled Java applets.</a:t>
-            </a:r>
-          </a:p>
-          <a:p>
             <a:endParaRPr lang="en-GB" baseline="0" dirty="0" smtClean="0"/>
-          </a:p>
-          <a:p>
-            <a:r>
-              <a:rPr lang="en-GB" baseline="0" dirty="0" smtClean="0"/>
-              <a:t>Netscape upper management said the language “must look like Java” and there was a general consensus that it had to run in the browser, in source form – no linkers, no compilers.</a:t>
-            </a:r>
-          </a:p>
-          <a:p>
-            <a:endParaRPr lang="en-GB" baseline="0" dirty="0" smtClean="0"/>
-          </a:p>
-          <a:p>
-            <a:r>
-              <a:rPr lang="en-GB" baseline="0" dirty="0" err="1" smtClean="0"/>
-              <a:t>Eich</a:t>
-            </a:r>
-            <a:r>
-              <a:rPr lang="en-GB" baseline="0" dirty="0" smtClean="0"/>
-              <a:t> designs his Java-like syntax, borrowing first-class functions and lexical scoping from Scheme; the project is codenamed “Mocha”</a:t>
-            </a:r>
-          </a:p>
-          <a:p>
-            <a:endParaRPr lang="en-GB" baseline="0" dirty="0" smtClean="0"/>
-          </a:p>
-          <a:p>
-            <a:r>
-              <a:rPr lang="en-GB" baseline="0" dirty="0" smtClean="0"/>
-              <a:t>August 11, 1995 – Alonzo Church dies in Ohio aged 92</a:t>
-            </a:r>
-          </a:p>
-          <a:p>
-            <a:endParaRPr lang="en-GB" baseline="0" dirty="0" smtClean="0"/>
-          </a:p>
-          <a:p>
-            <a:r>
-              <a:rPr lang="en-GB" baseline="0" dirty="0" smtClean="0"/>
-              <a:t>September 1995 – “</a:t>
-            </a:r>
-            <a:r>
-              <a:rPr lang="en-GB" baseline="0" dirty="0" err="1" smtClean="0"/>
-              <a:t>LiveScript</a:t>
-            </a:r>
-            <a:r>
-              <a:rPr lang="en-GB" baseline="0" dirty="0" smtClean="0"/>
-              <a:t>” makes its debut in Netscape Navigator 2.0 beta</a:t>
-            </a:r>
-          </a:p>
-          <a:p>
-            <a:r>
-              <a:rPr lang="en-GB" baseline="0" dirty="0" smtClean="0"/>
-              <a:t>Larry Page joins Sergey </a:t>
-            </a:r>
-            <a:r>
-              <a:rPr lang="en-GB" baseline="0" dirty="0" err="1" smtClean="0"/>
-              <a:t>Brin</a:t>
-            </a:r>
-            <a:r>
-              <a:rPr lang="en-GB" baseline="0" dirty="0" smtClean="0"/>
-              <a:t> at Stanford.</a:t>
-            </a:r>
-          </a:p>
-          <a:p>
-            <a:endParaRPr lang="en-GB" baseline="0" dirty="0" smtClean="0"/>
-          </a:p>
-          <a:p>
-            <a:r>
-              <a:rPr lang="en-GB" baseline="0" dirty="0" smtClean="0"/>
-              <a:t>December 4</a:t>
-            </a:r>
-            <a:r>
-              <a:rPr lang="en-GB" baseline="30000" dirty="0" smtClean="0"/>
-              <a:t>th</a:t>
-            </a:r>
-            <a:r>
-              <a:rPr lang="en-GB" baseline="0" dirty="0" smtClean="0"/>
-              <a:t>, 1995 – </a:t>
-            </a:r>
-            <a:r>
-              <a:rPr lang="en-GB" baseline="0" dirty="0" err="1" smtClean="0"/>
-              <a:t>Livescript</a:t>
-            </a:r>
-            <a:r>
-              <a:rPr lang="en-GB" baseline="0" dirty="0" smtClean="0"/>
-              <a:t> officially renamed to </a:t>
-            </a:r>
-            <a:r>
-              <a:rPr lang="en-GB" baseline="0" dirty="0" err="1" smtClean="0"/>
-              <a:t>Javascript</a:t>
-            </a:r>
-            <a:r>
-              <a:rPr lang="en-GB" baseline="0" dirty="0" smtClean="0"/>
-              <a:t>, confusing everybody.</a:t>
-            </a:r>
-          </a:p>
-          <a:p>
-            <a:endParaRPr lang="en-GB" baseline="0" dirty="0" smtClean="0"/>
-          </a:p>
-          <a:p>
-            <a:r>
-              <a:rPr lang="en-GB" baseline="0" dirty="0" smtClean="0"/>
-              <a:t>January 1996 – Page &amp; </a:t>
-            </a:r>
-            <a:r>
-              <a:rPr lang="en-GB" baseline="0" dirty="0" err="1" smtClean="0"/>
-              <a:t>Brin</a:t>
-            </a:r>
-            <a:r>
-              <a:rPr lang="en-GB" baseline="0" dirty="0" smtClean="0"/>
-              <a:t> start working on an idea they’ve got for a search engine</a:t>
-            </a:r>
-          </a:p>
-          <a:p>
-            <a:endParaRPr lang="en-GB" baseline="0" dirty="0" smtClean="0"/>
-          </a:p>
-          <a:p>
-            <a:r>
-              <a:rPr lang="en-GB" baseline="0" dirty="0" smtClean="0"/>
-              <a:t>March 1996 – official release of Netscape 2.0</a:t>
-            </a:r>
           </a:p>
         </p:txBody>
       </p:sp>
@@ -1242,7 +1037,7 @@
           <a:p>
             <a:fld id="{680E7421-152F-4C5F-A339-C37B49386B6D}" type="slidenum">
               <a:rPr lang="en-GB" smtClean="0"/>
-              <a:t>13</a:t>
+              <a:t>14</a:t>
             </a:fld>
             <a:endParaRPr lang="en-GB"/>
           </a:p>
@@ -1326,7 +1121,7 @@
           <a:p>
             <a:fld id="{680E7421-152F-4C5F-A339-C37B49386B6D}" type="slidenum">
               <a:rPr lang="en-GB" smtClean="0"/>
-              <a:t>16</a:t>
+              <a:t>17</a:t>
             </a:fld>
             <a:endParaRPr lang="en-GB"/>
           </a:p>
@@ -1446,7 +1241,7 @@
           <a:p>
             <a:fld id="{680E7421-152F-4C5F-A339-C37B49386B6D}" type="slidenum">
               <a:rPr lang="en-GB" smtClean="0"/>
-              <a:t>17</a:t>
+              <a:t>18</a:t>
             </a:fld>
             <a:endParaRPr lang="en-GB"/>
           </a:p>
@@ -1589,7 +1384,7 @@
           <a:p>
             <a:fld id="{680E7421-152F-4C5F-A339-C37B49386B6D}" type="slidenum">
               <a:rPr lang="en-GB" smtClean="0"/>
-              <a:t>18</a:t>
+              <a:t>19</a:t>
             </a:fld>
             <a:endParaRPr lang="en-GB"/>
           </a:p>
@@ -1599,6 +1394,121 @@
     <p:extLst>
       <p:ext uri="{BB962C8B-B14F-4D97-AF65-F5344CB8AC3E}">
         <p14:creationId xmlns:p14="http://schemas.microsoft.com/office/powerpoint/2010/main" val="4126551459"/>
+      </p:ext>
+    </p:extLst>
+  </p:cSld>
+  <p:clrMapOvr>
+    <a:masterClrMapping/>
+  </p:clrMapOvr>
+</p:notes>
+</file>
+
+<file path=ppt/notesSlides/notesSlide9.xml><?xml version="1.0" encoding="utf-8"?>
+<p:notes xmlns:a="http://schemas.openxmlformats.org/drawingml/2006/main" xmlns:r="http://schemas.openxmlformats.org/officeDocument/2006/relationships" xmlns:p="http://schemas.openxmlformats.org/presentationml/2006/main">
+  <p:cSld>
+    <p:spTree>
+      <p:nvGrpSpPr>
+        <p:cNvPr id="1" name=""/>
+        <p:cNvGrpSpPr/>
+        <p:nvPr/>
+      </p:nvGrpSpPr>
+      <p:grpSpPr>
+        <a:xfrm>
+          <a:off x="0" y="0"/>
+          <a:ext cx="0" cy="0"/>
+          <a:chOff x="0" y="0"/>
+          <a:chExt cx="0" cy="0"/>
+        </a:xfrm>
+      </p:grpSpPr>
+      <p:sp>
+        <p:nvSpPr>
+          <p:cNvPr id="2" name="Slide Image Placeholder 1"/>
+          <p:cNvSpPr>
+            <a:spLocks noGrp="1" noRot="1" noChangeAspect="1"/>
+          </p:cNvSpPr>
+          <p:nvPr>
+            <p:ph type="sldImg"/>
+          </p:nvPr>
+        </p:nvSpPr>
+        <p:spPr/>
+      </p:sp>
+      <p:sp>
+        <p:nvSpPr>
+          <p:cNvPr id="3" name="Notes Placeholder 2"/>
+          <p:cNvSpPr>
+            <a:spLocks noGrp="1"/>
+          </p:cNvSpPr>
+          <p:nvPr>
+            <p:ph type="body" idx="1"/>
+          </p:nvPr>
+        </p:nvSpPr>
+        <p:spPr/>
+        <p:txBody>
+          <a:bodyPr/>
+          <a:lstStyle/>
+          <a:p>
+            <a:r>
+              <a:rPr lang="en-GB" dirty="0" smtClean="0"/>
+              <a:t>Regex literals from Perl</a:t>
+            </a:r>
+          </a:p>
+          <a:p>
+            <a:r>
+              <a:rPr lang="en-GB" dirty="0" smtClean="0"/>
+              <a:t>Prototyped inheritance from self</a:t>
+            </a:r>
+          </a:p>
+          <a:p>
+            <a:r>
+              <a:rPr lang="en-GB" dirty="0" smtClean="0"/>
+              <a:t>Curly braces from </a:t>
+            </a:r>
+            <a:r>
+              <a:rPr lang="en-GB" dirty="0" err="1" smtClean="0"/>
+              <a:t>Javascript</a:t>
+            </a:r>
+            <a:endParaRPr lang="en-GB" dirty="0" smtClean="0"/>
+          </a:p>
+          <a:p>
+            <a:r>
+              <a:rPr lang="en-GB" dirty="0" smtClean="0"/>
+              <a:t>Everything</a:t>
+            </a:r>
+            <a:r>
+              <a:rPr lang="en-GB" baseline="0" dirty="0" smtClean="0"/>
+              <a:t> else from Scheme</a:t>
+            </a:r>
+            <a:endParaRPr lang="en-GB" dirty="0"/>
+          </a:p>
+        </p:txBody>
+      </p:sp>
+      <p:sp>
+        <p:nvSpPr>
+          <p:cNvPr id="4" name="Slide Number Placeholder 3"/>
+          <p:cNvSpPr>
+            <a:spLocks noGrp="1"/>
+          </p:cNvSpPr>
+          <p:nvPr>
+            <p:ph type="sldNum" sz="quarter" idx="10"/>
+          </p:nvPr>
+        </p:nvSpPr>
+        <p:spPr/>
+        <p:txBody>
+          <a:bodyPr/>
+          <a:lstStyle/>
+          <a:p>
+            <a:fld id="{680E7421-152F-4C5F-A339-C37B49386B6D}" type="slidenum">
+              <a:rPr lang="en-GB" smtClean="0"/>
+              <a:t>21</a:t>
+            </a:fld>
+            <a:endParaRPr lang="en-GB"/>
+          </a:p>
+        </p:txBody>
+      </p:sp>
+    </p:spTree>
+    <p:extLst>
+      <p:ext uri="{BB962C8B-B14F-4D97-AF65-F5344CB8AC3E}">
+        <p14:creationId xmlns:p14="http://schemas.microsoft.com/office/powerpoint/2010/main" val="3726384715"/>
       </p:ext>
     </p:extLst>
   </p:cSld>
@@ -1838,6 +1748,11 @@
         </p:txBody>
       </p:sp>
     </p:spTree>
+    <p:extLst>
+      <p:ext uri="{BB962C8B-B14F-4D97-AF65-F5344CB8AC3E}">
+        <p14:creationId xmlns:p14="http://schemas.microsoft.com/office/powerpoint/2010/main" val="2758244230"/>
+      </p:ext>
+    </p:extLst>
   </p:cSld>
   <p:clrMapOvr>
     <a:masterClrMapping/>
@@ -2003,6 +1918,11 @@
         </p:txBody>
       </p:sp>
     </p:spTree>
+    <p:extLst>
+      <p:ext uri="{BB962C8B-B14F-4D97-AF65-F5344CB8AC3E}">
+        <p14:creationId xmlns:p14="http://schemas.microsoft.com/office/powerpoint/2010/main" val="3574220041"/>
+      </p:ext>
+    </p:extLst>
   </p:cSld>
   <p:clrMapOvr>
     <a:masterClrMapping/>
@@ -2178,6 +2098,11 @@
         </p:txBody>
       </p:sp>
     </p:spTree>
+    <p:extLst>
+      <p:ext uri="{BB962C8B-B14F-4D97-AF65-F5344CB8AC3E}">
+        <p14:creationId xmlns:p14="http://schemas.microsoft.com/office/powerpoint/2010/main" val="3659696286"/>
+      </p:ext>
+    </p:extLst>
   </p:cSld>
   <p:clrMapOvr>
     <a:masterClrMapping/>
@@ -2343,6 +2268,11 @@
         </p:txBody>
       </p:sp>
     </p:spTree>
+    <p:extLst>
+      <p:ext uri="{BB962C8B-B14F-4D97-AF65-F5344CB8AC3E}">
+        <p14:creationId xmlns:p14="http://schemas.microsoft.com/office/powerpoint/2010/main" val="4195198214"/>
+      </p:ext>
+    </p:extLst>
   </p:cSld>
   <p:clrMapOvr>
     <a:masterClrMapping/>
@@ -2584,6 +2514,11 @@
         </p:txBody>
       </p:sp>
     </p:spTree>
+    <p:extLst>
+      <p:ext uri="{BB962C8B-B14F-4D97-AF65-F5344CB8AC3E}">
+        <p14:creationId xmlns:p14="http://schemas.microsoft.com/office/powerpoint/2010/main" val="2354423350"/>
+      </p:ext>
+    </p:extLst>
   </p:cSld>
   <p:clrMapOvr>
     <a:masterClrMapping/>
@@ -2867,6 +2802,11 @@
         </p:txBody>
       </p:sp>
     </p:spTree>
+    <p:extLst>
+      <p:ext uri="{BB962C8B-B14F-4D97-AF65-F5344CB8AC3E}">
+        <p14:creationId xmlns:p14="http://schemas.microsoft.com/office/powerpoint/2010/main" val="547036700"/>
+      </p:ext>
+    </p:extLst>
   </p:cSld>
   <p:clrMapOvr>
     <a:masterClrMapping/>
@@ -3284,6 +3224,11 @@
         </p:txBody>
       </p:sp>
     </p:spTree>
+    <p:extLst>
+      <p:ext uri="{BB962C8B-B14F-4D97-AF65-F5344CB8AC3E}">
+        <p14:creationId xmlns:p14="http://schemas.microsoft.com/office/powerpoint/2010/main" val="2138923743"/>
+      </p:ext>
+    </p:extLst>
   </p:cSld>
   <p:clrMapOvr>
     <a:masterClrMapping/>
@@ -3397,6 +3342,11 @@
         </p:txBody>
       </p:sp>
     </p:spTree>
+    <p:extLst>
+      <p:ext uri="{BB962C8B-B14F-4D97-AF65-F5344CB8AC3E}">
+        <p14:creationId xmlns:p14="http://schemas.microsoft.com/office/powerpoint/2010/main" val="3597451202"/>
+      </p:ext>
+    </p:extLst>
   </p:cSld>
   <p:clrMapOvr>
     <a:masterClrMapping/>
@@ -3487,6 +3437,11 @@
         </p:txBody>
       </p:sp>
     </p:spTree>
+    <p:extLst>
+      <p:ext uri="{BB962C8B-B14F-4D97-AF65-F5344CB8AC3E}">
+        <p14:creationId xmlns:p14="http://schemas.microsoft.com/office/powerpoint/2010/main" val="2630420917"/>
+      </p:ext>
+    </p:extLst>
   </p:cSld>
   <p:clrMapOvr>
     <a:masterClrMapping/>
@@ -3759,6 +3714,11 @@
         </p:txBody>
       </p:sp>
     </p:spTree>
+    <p:extLst>
+      <p:ext uri="{BB962C8B-B14F-4D97-AF65-F5344CB8AC3E}">
+        <p14:creationId xmlns:p14="http://schemas.microsoft.com/office/powerpoint/2010/main" val="448021710"/>
+      </p:ext>
+    </p:extLst>
   </p:cSld>
   <p:clrMapOvr>
     <a:masterClrMapping/>
@@ -4007,6 +3967,11 @@
         </p:txBody>
       </p:sp>
     </p:spTree>
+    <p:extLst>
+      <p:ext uri="{BB962C8B-B14F-4D97-AF65-F5344CB8AC3E}">
+        <p14:creationId xmlns:p14="http://schemas.microsoft.com/office/powerpoint/2010/main" val="2487262328"/>
+      </p:ext>
+    </p:extLst>
   </p:cSld>
   <p:clrMapOvr>
     <a:masterClrMapping/>
@@ -4251,20 +4216,25 @@
         </p:txBody>
       </p:sp>
     </p:spTree>
+    <p:extLst>
+      <p:ext uri="{BB962C8B-B14F-4D97-AF65-F5344CB8AC3E}">
+        <p14:creationId xmlns:p14="http://schemas.microsoft.com/office/powerpoint/2010/main" val="2538704773"/>
+      </p:ext>
+    </p:extLst>
   </p:cSld>
   <p:clrMap bg1="lt1" tx1="dk1" bg2="lt2" tx2="dk2" accent1="accent1" accent2="accent2" accent3="accent3" accent4="accent4" accent5="accent5" accent6="accent6" hlink="hlink" folHlink="folHlink"/>
   <p:sldLayoutIdLst>
-    <p:sldLayoutId id="2147483649" r:id="rId1"/>
-    <p:sldLayoutId id="2147483650" r:id="rId2"/>
-    <p:sldLayoutId id="2147483651" r:id="rId3"/>
-    <p:sldLayoutId id="2147483652" r:id="rId4"/>
-    <p:sldLayoutId id="2147483653" r:id="rId5"/>
-    <p:sldLayoutId id="2147483654" r:id="rId6"/>
-    <p:sldLayoutId id="2147483655" r:id="rId7"/>
-    <p:sldLayoutId id="2147483656" r:id="rId8"/>
-    <p:sldLayoutId id="2147483657" r:id="rId9"/>
-    <p:sldLayoutId id="2147483658" r:id="rId10"/>
-    <p:sldLayoutId id="2147483659" r:id="rId11"/>
+    <p:sldLayoutId id="2147483721" r:id="rId1"/>
+    <p:sldLayoutId id="2147483722" r:id="rId2"/>
+    <p:sldLayoutId id="2147483723" r:id="rId3"/>
+    <p:sldLayoutId id="2147483724" r:id="rId4"/>
+    <p:sldLayoutId id="2147483725" r:id="rId5"/>
+    <p:sldLayoutId id="2147483726" r:id="rId6"/>
+    <p:sldLayoutId id="2147483727" r:id="rId7"/>
+    <p:sldLayoutId id="2147483728" r:id="rId8"/>
+    <p:sldLayoutId id="2147483729" r:id="rId9"/>
+    <p:sldLayoutId id="2147483730" r:id="rId10"/>
+    <p:sldLayoutId id="2147483731" r:id="rId11"/>
   </p:sldLayoutIdLst>
   <p:txStyles>
     <p:titleStyle>
@@ -4538,63 +4508,445 @@
       </p:grpSpPr>
       <p:sp>
         <p:nvSpPr>
-          <p:cNvPr id="2" name="Title 1"/>
-          <p:cNvSpPr>
-            <a:spLocks noGrp="1"/>
-          </p:cNvSpPr>
-          <p:nvPr>
-            <p:ph type="ctrTitle"/>
-          </p:nvPr>
-        </p:nvSpPr>
-        <p:spPr/>
-        <p:txBody>
-          <a:bodyPr/>
-          <a:lstStyle/>
-          <a:p>
-            <a:r>
-              <a:rPr lang="en-GB" dirty="0" smtClean="0"/>
-              <a:t>So…</a:t>
-            </a:r>
-            <a:endParaRPr lang="en-GB" dirty="0"/>
-          </a:p>
-        </p:txBody>
-      </p:sp>
-      <p:sp>
-        <p:nvSpPr>
-          <p:cNvPr id="3" name="Subtitle 2"/>
-          <p:cNvSpPr>
-            <a:spLocks noGrp="1"/>
-          </p:cNvSpPr>
-          <p:nvPr>
-            <p:ph type="subTitle" idx="1"/>
-          </p:nvPr>
-        </p:nvSpPr>
-        <p:spPr/>
-        <p:txBody>
-          <a:bodyPr/>
-          <a:lstStyle/>
-          <a:p>
-            <a:r>
-              <a:rPr lang="en-GB" dirty="0" smtClean="0"/>
-              <a:t>You think you know </a:t>
-            </a:r>
-            <a:r>
-              <a:rPr lang="en-GB" dirty="0" err="1" smtClean="0"/>
-              <a:t>Javascript</a:t>
-            </a:r>
-            <a:r>
-              <a:rPr lang="en-GB" dirty="0" smtClean="0"/>
-              <a:t>?</a:t>
-            </a:r>
-            <a:endParaRPr lang="en-GB" dirty="0"/>
+          <p:cNvPr id="4" name="Content Placeholder 3"/>
+          <p:cNvSpPr>
+            <a:spLocks noGrp="1"/>
+          </p:cNvSpPr>
+          <p:nvPr>
+            <p:ph idx="1"/>
+          </p:nvPr>
+        </p:nvSpPr>
+        <p:spPr>
+          <a:xfrm>
+            <a:off x="457200" y="332656"/>
+            <a:ext cx="8229600" cy="6192688"/>
+          </a:xfrm>
+        </p:spPr>
+        <p:txBody>
+          <a:bodyPr>
+            <a:normAutofit fontScale="55000" lnSpcReduction="20000"/>
+          </a:bodyPr>
+          <a:lstStyle/>
+          <a:p>
+            <a:pPr marL="0" indent="0">
+              <a:lnSpc>
+                <a:spcPct val="170000"/>
+              </a:lnSpc>
+              <a:buNone/>
+            </a:pPr>
+            <a:r>
+              <a:rPr lang="en-GB" dirty="0">
+                <a:latin typeface="Courier New" pitchFamily="49" charset="0"/>
+                <a:cs typeface="Courier New" pitchFamily="49" charset="0"/>
+              </a:rPr>
+              <a:t>HTTP/1.1 200 </a:t>
+            </a:r>
+            <a:r>
+              <a:rPr lang="en-GB" dirty="0" smtClean="0">
+                <a:latin typeface="Courier New" pitchFamily="49" charset="0"/>
+                <a:cs typeface="Courier New" pitchFamily="49" charset="0"/>
+              </a:rPr>
+              <a:t>OK</a:t>
+            </a:r>
+            <a:br>
+              <a:rPr lang="en-GB" dirty="0" smtClean="0">
+                <a:latin typeface="Courier New" pitchFamily="49" charset="0"/>
+                <a:cs typeface="Courier New" pitchFamily="49" charset="0"/>
+              </a:rPr>
+            </a:br>
+            <a:r>
+              <a:rPr lang="en-GB" b="1" dirty="0" smtClean="0">
+                <a:latin typeface="Courier New" pitchFamily="49" charset="0"/>
+                <a:cs typeface="Courier New" pitchFamily="49" charset="0"/>
+              </a:rPr>
+              <a:t>Server: </a:t>
+            </a:r>
+            <a:r>
+              <a:rPr lang="en-GB" dirty="0" smtClean="0">
+                <a:latin typeface="Courier New" pitchFamily="49" charset="0"/>
+                <a:cs typeface="Courier New" pitchFamily="49" charset="0"/>
+              </a:rPr>
+              <a:t>skillsmatter.com</a:t>
+            </a:r>
+            <a:br>
+              <a:rPr lang="en-GB" dirty="0" smtClean="0">
+                <a:latin typeface="Courier New" pitchFamily="49" charset="0"/>
+                <a:cs typeface="Courier New" pitchFamily="49" charset="0"/>
+              </a:rPr>
+            </a:br>
+            <a:r>
+              <a:rPr lang="en-GB" b="1" dirty="0" smtClean="0">
+                <a:latin typeface="Courier New" pitchFamily="49" charset="0"/>
+                <a:cs typeface="Courier New" pitchFamily="49" charset="0"/>
+              </a:rPr>
+              <a:t>Content-Type:</a:t>
+            </a:r>
+            <a:r>
+              <a:rPr lang="en-GB" dirty="0" smtClean="0">
+                <a:latin typeface="Courier New" pitchFamily="49" charset="0"/>
+                <a:cs typeface="Courier New" pitchFamily="49" charset="0"/>
+              </a:rPr>
+              <a:t> application/x-slides-and-code-and-crap-jokes</a:t>
+            </a:r>
+            <a:br>
+              <a:rPr lang="en-GB" dirty="0" smtClean="0">
+                <a:latin typeface="Courier New" pitchFamily="49" charset="0"/>
+                <a:cs typeface="Courier New" pitchFamily="49" charset="0"/>
+              </a:rPr>
+            </a:br>
+            <a:r>
+              <a:rPr lang="en-GB" b="1" dirty="0" smtClean="0">
+                <a:latin typeface="Courier New" pitchFamily="49" charset="0"/>
+                <a:cs typeface="Courier New" pitchFamily="49" charset="0"/>
+              </a:rPr>
+              <a:t>Content-Encoding:</a:t>
+            </a:r>
+            <a:r>
+              <a:rPr lang="en-GB" dirty="0" smtClean="0">
+                <a:latin typeface="Courier New" pitchFamily="49" charset="0"/>
+                <a:cs typeface="Courier New" pitchFamily="49" charset="0"/>
+              </a:rPr>
+              <a:t> text/</a:t>
+            </a:r>
+            <a:r>
+              <a:rPr lang="en-GB" dirty="0" err="1" smtClean="0">
+                <a:latin typeface="Courier New" pitchFamily="49" charset="0"/>
+                <a:cs typeface="Courier New" pitchFamily="49" charset="0"/>
+              </a:rPr>
+              <a:t>javascript</a:t>
+            </a:r>
+            <a:r>
+              <a:rPr lang="en-GB" dirty="0" smtClean="0">
+                <a:latin typeface="Courier New" pitchFamily="49" charset="0"/>
+                <a:cs typeface="Courier New" pitchFamily="49" charset="0"/>
+              </a:rPr>
+              <a:t>, text/</a:t>
+            </a:r>
+            <a:r>
+              <a:rPr lang="en-GB" dirty="0" err="1" smtClean="0">
+                <a:latin typeface="Courier New" pitchFamily="49" charset="0"/>
+                <a:cs typeface="Courier New" pitchFamily="49" charset="0"/>
+              </a:rPr>
+              <a:t>css</a:t>
+            </a:r>
+            <a:r>
+              <a:rPr lang="en-GB" dirty="0" smtClean="0">
+                <a:latin typeface="Courier New" pitchFamily="49" charset="0"/>
+                <a:cs typeface="Courier New" pitchFamily="49" charset="0"/>
+              </a:rPr>
+              <a:t>, text/html</a:t>
+            </a:r>
+            <a:br>
+              <a:rPr lang="en-GB" dirty="0" smtClean="0">
+                <a:latin typeface="Courier New" pitchFamily="49" charset="0"/>
+                <a:cs typeface="Courier New" pitchFamily="49" charset="0"/>
+              </a:rPr>
+            </a:br>
+            <a:r>
+              <a:rPr lang="en-GB" b="1" dirty="0" smtClean="0">
+                <a:latin typeface="Courier New" pitchFamily="49" charset="0"/>
+                <a:cs typeface="Courier New" pitchFamily="49" charset="0"/>
+              </a:rPr>
+              <a:t>Cache-Control</a:t>
+            </a:r>
+            <a:r>
+              <a:rPr lang="en-GB" b="1" dirty="0">
+                <a:latin typeface="Courier New" pitchFamily="49" charset="0"/>
+                <a:cs typeface="Courier New" pitchFamily="49" charset="0"/>
+              </a:rPr>
+              <a:t>: </a:t>
+            </a:r>
+            <a:r>
+              <a:rPr lang="en-GB" dirty="0" smtClean="0">
+                <a:latin typeface="Courier New" pitchFamily="49" charset="0"/>
+                <a:cs typeface="Courier New" pitchFamily="49" charset="0"/>
+              </a:rPr>
+              <a:t>remember, share, tell-your-friends</a:t>
+            </a:r>
+            <a:br>
+              <a:rPr lang="en-GB" dirty="0" smtClean="0">
+                <a:latin typeface="Courier New" pitchFamily="49" charset="0"/>
+                <a:cs typeface="Courier New" pitchFamily="49" charset="0"/>
+              </a:rPr>
+            </a:br>
+            <a:r>
+              <a:rPr lang="en-GB" b="1" dirty="0" smtClean="0">
+                <a:latin typeface="Courier New" pitchFamily="49" charset="0"/>
+                <a:cs typeface="Courier New" pitchFamily="49" charset="0"/>
+              </a:rPr>
+              <a:t>Content-Length</a:t>
+            </a:r>
+            <a:r>
+              <a:rPr lang="en-GB" b="1" dirty="0">
+                <a:latin typeface="Courier New" pitchFamily="49" charset="0"/>
+                <a:cs typeface="Courier New" pitchFamily="49" charset="0"/>
+              </a:rPr>
+              <a:t>:</a:t>
+            </a:r>
+            <a:r>
+              <a:rPr lang="en-GB" dirty="0">
+                <a:latin typeface="Courier New" pitchFamily="49" charset="0"/>
+                <a:cs typeface="Courier New" pitchFamily="49" charset="0"/>
+              </a:rPr>
+              <a:t> </a:t>
+            </a:r>
+            <a:r>
+              <a:rPr lang="en-GB" dirty="0" smtClean="0">
+                <a:latin typeface="Courier New" pitchFamily="49" charset="0"/>
+                <a:cs typeface="Courier New" pitchFamily="49" charset="0"/>
+              </a:rPr>
+              <a:t>about-1½-hours</a:t>
+            </a:r>
+            <a:br>
+              <a:rPr lang="en-GB" dirty="0" smtClean="0">
+                <a:latin typeface="Courier New" pitchFamily="49" charset="0"/>
+                <a:cs typeface="Courier New" pitchFamily="49" charset="0"/>
+              </a:rPr>
+            </a:br>
+            <a:r>
+              <a:rPr lang="en-GB" b="1" dirty="0" smtClean="0">
+                <a:latin typeface="Courier New" pitchFamily="49" charset="0"/>
+                <a:cs typeface="Courier New" pitchFamily="49" charset="0"/>
+              </a:rPr>
+              <a:t>Date</a:t>
+            </a:r>
+            <a:r>
+              <a:rPr lang="en-GB" b="1" dirty="0">
+                <a:latin typeface="Courier New" pitchFamily="49" charset="0"/>
+                <a:cs typeface="Courier New" pitchFamily="49" charset="0"/>
+              </a:rPr>
+              <a:t>: </a:t>
+            </a:r>
+            <a:r>
+              <a:rPr lang="en-GB" dirty="0" smtClean="0">
+                <a:latin typeface="Courier New" pitchFamily="49" charset="0"/>
+                <a:cs typeface="Courier New" pitchFamily="49" charset="0"/>
+              </a:rPr>
+              <a:t>Tue, 05 </a:t>
+            </a:r>
+            <a:r>
+              <a:rPr lang="en-GB" dirty="0">
+                <a:latin typeface="Courier New" pitchFamily="49" charset="0"/>
+                <a:cs typeface="Courier New" pitchFamily="49" charset="0"/>
+              </a:rPr>
+              <a:t>Apr 2011 </a:t>
+            </a:r>
+            <a:r>
+              <a:rPr lang="en-GB" dirty="0" smtClean="0">
+                <a:latin typeface="Courier New" pitchFamily="49" charset="0"/>
+                <a:cs typeface="Courier New" pitchFamily="49" charset="0"/>
+              </a:rPr>
+              <a:t>18:30:00 BST </a:t>
+            </a:r>
+            <a:br>
+              <a:rPr lang="en-GB" dirty="0" smtClean="0">
+                <a:latin typeface="Courier New" pitchFamily="49" charset="0"/>
+                <a:cs typeface="Courier New" pitchFamily="49" charset="0"/>
+              </a:rPr>
+            </a:br>
+            <a:r>
+              <a:rPr lang="en-GB" b="1" dirty="0" smtClean="0">
+                <a:latin typeface="Courier New" pitchFamily="49" charset="0"/>
+                <a:cs typeface="Courier New" pitchFamily="49" charset="0"/>
+              </a:rPr>
+              <a:t>Set-Cookie:</a:t>
+            </a:r>
+            <a:r>
+              <a:rPr lang="en-GB" dirty="0" smtClean="0">
+                <a:latin typeface="Courier New" pitchFamily="49" charset="0"/>
+                <a:cs typeface="Courier New" pitchFamily="49" charset="0"/>
+              </a:rPr>
+              <a:t> flavour=</a:t>
+            </a:r>
+            <a:r>
+              <a:rPr lang="en-GB" dirty="0" err="1" smtClean="0">
+                <a:latin typeface="Courier New" pitchFamily="49" charset="0"/>
+                <a:cs typeface="Courier New" pitchFamily="49" charset="0"/>
+              </a:rPr>
+              <a:t>chocolate_chip</a:t>
+            </a:r>
+            <a:r>
+              <a:rPr lang="en-GB" dirty="0" smtClean="0">
+                <a:latin typeface="Courier New" pitchFamily="49" charset="0"/>
+                <a:cs typeface="Courier New" pitchFamily="49" charset="0"/>
+              </a:rPr>
+              <a:t>;</a:t>
+            </a:r>
+            <a:r>
+              <a:rPr lang="en-GB" dirty="0" smtClean="0">
+                <a:latin typeface="Courier New" pitchFamily="49" charset="0"/>
+                <a:cs typeface="Courier New" pitchFamily="49" charset="0"/>
+              </a:rPr>
+              <a:t> path=/;</a:t>
+            </a:r>
+            <a:r>
+              <a:rPr lang="en-GB" smtClean="0">
+                <a:latin typeface="Courier New" pitchFamily="49" charset="0"/>
+                <a:cs typeface="Courier New" pitchFamily="49" charset="0"/>
+              </a:rPr>
+              <a:t/>
+            </a:r>
+            <a:br>
+              <a:rPr lang="en-GB" smtClean="0">
+                <a:latin typeface="Courier New" pitchFamily="49" charset="0"/>
+                <a:cs typeface="Courier New" pitchFamily="49" charset="0"/>
+              </a:rPr>
+            </a:br>
+            <a:r>
+              <a:rPr lang="en-GB" b="1" smtClean="0">
+                <a:latin typeface="Courier New" pitchFamily="49" charset="0"/>
+                <a:cs typeface="Courier New" pitchFamily="49" charset="0"/>
+              </a:rPr>
+              <a:t>X-Subject</a:t>
+            </a:r>
+            <a:r>
+              <a:rPr lang="en-GB" b="1" dirty="0" smtClean="0">
+                <a:latin typeface="Courier New" pitchFamily="49" charset="0"/>
+                <a:cs typeface="Courier New" pitchFamily="49" charset="0"/>
+              </a:rPr>
+              <a:t>: </a:t>
+            </a:r>
+            <a:r>
+              <a:rPr lang="en-GB" dirty="0" smtClean="0">
+                <a:latin typeface="Courier New" pitchFamily="49" charset="0"/>
+                <a:cs typeface="Courier New" pitchFamily="49" charset="0"/>
+              </a:rPr>
+              <a:t>JavaScript</a:t>
+            </a:r>
+            <a:br>
+              <a:rPr lang="en-GB" dirty="0" smtClean="0">
+                <a:latin typeface="Courier New" pitchFamily="49" charset="0"/>
+                <a:cs typeface="Courier New" pitchFamily="49" charset="0"/>
+              </a:rPr>
+            </a:br>
+            <a:r>
+              <a:rPr lang="en-GB" b="1" dirty="0" smtClean="0">
+                <a:latin typeface="Courier New" pitchFamily="49" charset="0"/>
+                <a:cs typeface="Courier New" pitchFamily="49" charset="0"/>
+              </a:rPr>
+              <a:t>X-Powered-By: </a:t>
+            </a:r>
+            <a:r>
+              <a:rPr lang="en-GB" dirty="0" smtClean="0">
+                <a:latin typeface="Courier New" pitchFamily="49" charset="0"/>
+                <a:cs typeface="Courier New" pitchFamily="49" charset="0"/>
+              </a:rPr>
+              <a:t>monmouth-coffee-and-80s-music</a:t>
+            </a:r>
+            <a:br>
+              <a:rPr lang="en-GB" dirty="0" smtClean="0">
+                <a:latin typeface="Courier New" pitchFamily="49" charset="0"/>
+                <a:cs typeface="Courier New" pitchFamily="49" charset="0"/>
+              </a:rPr>
+            </a:br>
+            <a:r>
+              <a:rPr lang="en-GB" b="1" dirty="0" smtClean="0">
+                <a:latin typeface="Courier New" pitchFamily="49" charset="0"/>
+                <a:cs typeface="Courier New" pitchFamily="49" charset="0"/>
+              </a:rPr>
+              <a:t>X-Speaker-Name: </a:t>
+            </a:r>
+            <a:r>
+              <a:rPr lang="en-GB" dirty="0" smtClean="0">
+                <a:latin typeface="Courier New" pitchFamily="49" charset="0"/>
+                <a:cs typeface="Courier New" pitchFamily="49" charset="0"/>
+              </a:rPr>
+              <a:t>Dylan Beattie</a:t>
+            </a:r>
+            <a:br>
+              <a:rPr lang="en-GB" dirty="0" smtClean="0">
+                <a:latin typeface="Courier New" pitchFamily="49" charset="0"/>
+                <a:cs typeface="Courier New" pitchFamily="49" charset="0"/>
+              </a:rPr>
+            </a:br>
+            <a:r>
+              <a:rPr lang="en-GB" b="1" dirty="0" smtClean="0">
+                <a:latin typeface="Courier New" pitchFamily="49" charset="0"/>
+                <a:cs typeface="Courier New" pitchFamily="49" charset="0"/>
+              </a:rPr>
+              <a:t>X-Speaker-Email: </a:t>
+            </a:r>
+            <a:r>
+              <a:rPr lang="en-GB" dirty="0" smtClean="0">
+                <a:latin typeface="Courier New" pitchFamily="49" charset="0"/>
+                <a:cs typeface="Courier New" pitchFamily="49" charset="0"/>
+              </a:rPr>
+              <a:t>dylan@dylanbeattie.net</a:t>
+            </a:r>
+            <a:br>
+              <a:rPr lang="en-GB" dirty="0" smtClean="0">
+                <a:latin typeface="Courier New" pitchFamily="49" charset="0"/>
+                <a:cs typeface="Courier New" pitchFamily="49" charset="0"/>
+              </a:rPr>
+            </a:br>
+            <a:r>
+              <a:rPr lang="en-GB" b="1" dirty="0" smtClean="0">
+                <a:latin typeface="Courier New" pitchFamily="49" charset="0"/>
+                <a:cs typeface="Courier New" pitchFamily="49" charset="0"/>
+              </a:rPr>
+              <a:t>X-Speaker-Twitter: </a:t>
+            </a:r>
+            <a:r>
+              <a:rPr lang="en-GB" dirty="0" smtClean="0">
+                <a:latin typeface="Courier New" pitchFamily="49" charset="0"/>
+                <a:cs typeface="Courier New" pitchFamily="49" charset="0"/>
+              </a:rPr>
+              <a:t>@</a:t>
+            </a:r>
+            <a:r>
+              <a:rPr lang="en-GB" dirty="0" err="1" smtClean="0">
+                <a:latin typeface="Courier New" pitchFamily="49" charset="0"/>
+                <a:cs typeface="Courier New" pitchFamily="49" charset="0"/>
+              </a:rPr>
+              <a:t>dylanbeattie</a:t>
+            </a:r>
+            <a:r>
+              <a:rPr lang="en-GB" dirty="0" smtClean="0">
+                <a:latin typeface="Courier New" pitchFamily="49" charset="0"/>
+                <a:cs typeface="Courier New" pitchFamily="49" charset="0"/>
+              </a:rPr>
+              <a:t/>
+            </a:r>
+            <a:br>
+              <a:rPr lang="en-GB" dirty="0" smtClean="0">
+                <a:latin typeface="Courier New" pitchFamily="49" charset="0"/>
+                <a:cs typeface="Courier New" pitchFamily="49" charset="0"/>
+              </a:rPr>
+            </a:br>
+            <a:r>
+              <a:rPr lang="en-GB" b="1" dirty="0" smtClean="0">
+                <a:latin typeface="Courier New" pitchFamily="49" charset="0"/>
+                <a:cs typeface="Courier New" pitchFamily="49" charset="0"/>
+              </a:rPr>
+              <a:t>X-Speaker-Website: </a:t>
+            </a:r>
+            <a:r>
+              <a:rPr lang="en-GB" dirty="0" smtClean="0">
+                <a:latin typeface="Courier New" pitchFamily="49" charset="0"/>
+                <a:cs typeface="Courier New" pitchFamily="49" charset="0"/>
+              </a:rPr>
+              <a:t>www.dylanbeattie.net </a:t>
+            </a:r>
           </a:p>
         </p:txBody>
       </p:sp>
     </p:spTree>
+    <p:extLst>
+      <p:ext uri="{BB962C8B-B14F-4D97-AF65-F5344CB8AC3E}">
+        <p14:creationId xmlns:p14="http://schemas.microsoft.com/office/powerpoint/2010/main" val="3533413541"/>
+      </p:ext>
+    </p:extLst>
   </p:cSld>
   <p:clrMapOvr>
     <a:masterClrMapping/>
   </p:clrMapOvr>
+  <p:timing>
+    <p:tnLst>
+      <p:par>
+        <p:cTn id="1" dur="indefinite" restart="never" nodeType="tmRoot"/>
+      </p:par>
+    </p:tnLst>
+  </p:timing>
 </p:sld>
 </file>
 
@@ -4627,12 +4979,15 @@
         </p:nvSpPr>
         <p:spPr/>
         <p:txBody>
-          <a:bodyPr/>
-          <a:lstStyle/>
-          <a:p>
+          <a:bodyPr>
+            <a:normAutofit/>
+          </a:bodyPr>
+          <a:lstStyle/>
+          <a:p>
+            <a:pPr algn="r"/>
             <a:r>
               <a:rPr lang="en-GB" dirty="0" smtClean="0"/>
-              <a:t>A little history</a:t>
+              <a:t>Name That Language – Round 8</a:t>
             </a:r>
             <a:endParaRPr lang="en-GB" dirty="0"/>
           </a:p>
@@ -4640,66 +4995,271 @@
       </p:sp>
       <p:sp>
         <p:nvSpPr>
-          <p:cNvPr id="3" name="Content Placeholder 2"/>
-          <p:cNvSpPr>
-            <a:spLocks noGrp="1"/>
-          </p:cNvSpPr>
-          <p:nvPr>
-            <p:ph idx="1"/>
-          </p:nvPr>
-        </p:nvSpPr>
-        <p:spPr/>
-        <p:txBody>
-          <a:bodyPr/>
-          <a:lstStyle/>
-          <a:p>
-            <a:pPr lvl="0"/>
-            <a:r>
-              <a:rPr lang="en-GB" dirty="0" smtClean="0"/>
-              <a:t>1936</a:t>
-            </a:r>
-            <a:r>
-              <a:rPr lang="en-GB" baseline="0" dirty="0" smtClean="0"/>
-              <a:t> – Alonzo </a:t>
-            </a:r>
-            <a:r>
-              <a:rPr lang="en-GB" baseline="0" dirty="0" smtClean="0"/>
-              <a:t>Church publishes the </a:t>
-            </a:r>
-            <a:r>
-              <a:rPr lang="en-GB" baseline="0" dirty="0" err="1" smtClean="0"/>
-              <a:t>untyped</a:t>
-            </a:r>
-            <a:r>
-              <a:rPr lang="en-GB" baseline="0" dirty="0" smtClean="0"/>
-              <a:t> lambda </a:t>
-            </a:r>
-            <a:r>
-              <a:rPr lang="en-GB" baseline="0" dirty="0" smtClean="0"/>
-              <a:t>calculus</a:t>
-            </a:r>
-          </a:p>
-          <a:p>
-            <a:pPr lvl="0"/>
-            <a:r>
-              <a:rPr lang="en-GB" dirty="0" smtClean="0"/>
-              <a:t>1937 – Alan Turing, under Church – theory of digital computing.</a:t>
-            </a:r>
-            <a:endParaRPr lang="en-GB" baseline="0" dirty="0" smtClean="0"/>
-          </a:p>
-          <a:p>
-            <a:pPr lvl="0"/>
-            <a:r>
-              <a:rPr lang="en-GB" dirty="0" smtClean="0"/>
-              <a:t>1939 – World War 2</a:t>
-            </a:r>
-          </a:p>
-          <a:p>
-            <a:pPr lvl="1"/>
-            <a:r>
-              <a:rPr lang="en-GB" dirty="0" smtClean="0"/>
-              <a:t>Turing </a:t>
-            </a:r>
+          <p:cNvPr id="18433" name="Rectangle 1"/>
+          <p:cNvSpPr>
+            <a:spLocks noChangeArrowheads="1"/>
+          </p:cNvSpPr>
+          <p:nvPr/>
+        </p:nvSpPr>
+        <p:spPr bwMode="auto">
+          <a:xfrm rot="10800000" flipH="1" flipV="1">
+            <a:off x="251520" y="2810226"/>
+            <a:ext cx="8568952" cy="646331"/>
+          </a:xfrm>
+          <a:prstGeom prst="rect">
+            <a:avLst/>
+          </a:prstGeom>
+          <a:solidFill>
+            <a:schemeClr val="bg1"/>
+          </a:solidFill>
+          <a:ln w="9525">
+            <a:noFill/>
+            <a:miter lim="800000"/>
+            <a:headEnd/>
+            <a:tailEnd/>
+          </a:ln>
+          <a:effectLst/>
+        </p:spPr>
+        <p:txBody>
+          <a:bodyPr vert="horz" wrap="square" lIns="91440" tIns="45720" rIns="91440" bIns="45720" numCol="1" anchor="ctr" anchorCtr="0" compatLnSpc="1">
+            <a:prstTxWarp prst="textNoShape">
+              <a:avLst/>
+            </a:prstTxWarp>
+            <a:spAutoFit/>
+          </a:bodyPr>
+          <a:lstStyle/>
+          <a:p>
+            <a:pPr marL="0" marR="0" lvl="0" indent="0" algn="l" defTabSz="914400" rtl="0" eaLnBrk="1" fontAlgn="base" latinLnBrk="0" hangingPunct="1">
+              <a:lnSpc>
+                <a:spcPct val="100000"/>
+              </a:lnSpc>
+              <a:spcBef>
+                <a:spcPct val="0"/>
+              </a:spcBef>
+              <a:spcAft>
+                <a:spcPct val="0"/>
+              </a:spcAft>
+              <a:buClrTx/>
+              <a:buSzTx/>
+              <a:buFontTx/>
+              <a:buNone/>
+              <a:tabLst/>
+            </a:pPr>
+            <a:endParaRPr kumimoji="0" lang="en-US" sz="3600" i="0" u="none" strike="noStrike" cap="none" normalizeH="0" baseline="0" dirty="0" smtClean="0">
+              <a:ln>
+                <a:noFill/>
+              </a:ln>
+              <a:effectLst/>
+              <a:latin typeface="Consolas" pitchFamily="49" charset="0"/>
+              <a:cs typeface="Consolas" pitchFamily="49" charset="0"/>
+            </a:endParaRPr>
+          </a:p>
+        </p:txBody>
+      </p:sp>
+      <p:sp>
+        <p:nvSpPr>
+          <p:cNvPr id="20481" name="Rectangle 1"/>
+          <p:cNvSpPr>
+            <a:spLocks noChangeArrowheads="1"/>
+          </p:cNvSpPr>
+          <p:nvPr/>
+        </p:nvSpPr>
+        <p:spPr bwMode="auto">
+          <a:xfrm>
+            <a:off x="467544" y="2386138"/>
+            <a:ext cx="8208912" cy="1277273"/>
+          </a:xfrm>
+          <a:prstGeom prst="rect">
+            <a:avLst/>
+          </a:prstGeom>
+          <a:noFill/>
+          <a:ln w="9525">
+            <a:noFill/>
+            <a:miter lim="800000"/>
+            <a:headEnd/>
+            <a:tailEnd/>
+          </a:ln>
+          <a:effectLst/>
+        </p:spPr>
+        <p:txBody>
+          <a:bodyPr vert="horz" wrap="square" lIns="91440" tIns="45720" rIns="91440" bIns="0" numCol="1" anchor="ctr" anchorCtr="0" compatLnSpc="1">
+            <a:prstTxWarp prst="textNoShape">
+              <a:avLst/>
+            </a:prstTxWarp>
+            <a:spAutoFit/>
+          </a:bodyPr>
+          <a:lstStyle/>
+          <a:p>
+            <a:pPr lvl="0" fontAlgn="base">
+              <a:spcBef>
+                <a:spcPct val="0"/>
+              </a:spcBef>
+              <a:spcAft>
+                <a:spcPct val="0"/>
+              </a:spcAft>
+            </a:pPr>
+            <a:r>
+              <a:rPr lang="en-GB" sz="2000" dirty="0">
+                <a:solidFill>
+                  <a:srgbClr val="000000"/>
+                </a:solidFill>
+                <a:latin typeface="Consolas" pitchFamily="49" charset="0"/>
+                <a:ea typeface="Times New Roman" pitchFamily="18" charset="0"/>
+                <a:cs typeface="Consolas" pitchFamily="49" charset="0"/>
+              </a:rPr>
+              <a:t> </a:t>
+            </a:r>
+            <a:r>
+              <a:rPr lang="en-GB" sz="2000" dirty="0" err="1">
+                <a:solidFill>
+                  <a:srgbClr val="000000"/>
+                </a:solidFill>
+                <a:latin typeface="Consolas" pitchFamily="49" charset="0"/>
+                <a:ea typeface="Times New Roman" pitchFamily="18" charset="0"/>
+                <a:cs typeface="Consolas" pitchFamily="49" charset="0"/>
+              </a:rPr>
+              <a:t>Number.prototype.factorial</a:t>
+            </a:r>
+            <a:r>
+              <a:rPr lang="en-GB" sz="2000" dirty="0">
+                <a:solidFill>
+                  <a:srgbClr val="000000"/>
+                </a:solidFill>
+                <a:latin typeface="Consolas" pitchFamily="49" charset="0"/>
+                <a:ea typeface="Times New Roman" pitchFamily="18" charset="0"/>
+                <a:cs typeface="Consolas" pitchFamily="49" charset="0"/>
+              </a:rPr>
+              <a:t> = function() {</a:t>
+            </a:r>
+          </a:p>
+          <a:p>
+            <a:pPr lvl="0" fontAlgn="base">
+              <a:spcBef>
+                <a:spcPct val="0"/>
+              </a:spcBef>
+              <a:spcAft>
+                <a:spcPct val="0"/>
+              </a:spcAft>
+            </a:pPr>
+            <a:r>
+              <a:rPr lang="en-GB" sz="2000" dirty="0">
+                <a:solidFill>
+                  <a:srgbClr val="000000"/>
+                </a:solidFill>
+                <a:latin typeface="Consolas" pitchFamily="49" charset="0"/>
+                <a:ea typeface="Times New Roman" pitchFamily="18" charset="0"/>
+                <a:cs typeface="Consolas" pitchFamily="49" charset="0"/>
+              </a:rPr>
+              <a:t> </a:t>
+            </a:r>
+            <a:r>
+              <a:rPr lang="en-GB" sz="2000" dirty="0" smtClean="0">
+                <a:solidFill>
+                  <a:srgbClr val="000000"/>
+                </a:solidFill>
+                <a:latin typeface="Consolas" pitchFamily="49" charset="0"/>
+                <a:ea typeface="Times New Roman" pitchFamily="18" charset="0"/>
+                <a:cs typeface="Consolas" pitchFamily="49" charset="0"/>
+              </a:rPr>
+              <a:t>   </a:t>
+            </a:r>
+            <a:r>
+              <a:rPr lang="en-GB" sz="2000" dirty="0">
+                <a:solidFill>
+                  <a:srgbClr val="000000"/>
+                </a:solidFill>
+                <a:latin typeface="Consolas" pitchFamily="49" charset="0"/>
+                <a:ea typeface="Times New Roman" pitchFamily="18" charset="0"/>
+                <a:cs typeface="Consolas" pitchFamily="49" charset="0"/>
+              </a:rPr>
+              <a:t>if (this &lt; 2) return(1);</a:t>
+            </a:r>
+          </a:p>
+          <a:p>
+            <a:pPr lvl="0" fontAlgn="base">
+              <a:spcBef>
+                <a:spcPct val="0"/>
+              </a:spcBef>
+              <a:spcAft>
+                <a:spcPct val="0"/>
+              </a:spcAft>
+            </a:pPr>
+            <a:r>
+              <a:rPr lang="en-GB" sz="2000" dirty="0">
+                <a:solidFill>
+                  <a:srgbClr val="000000"/>
+                </a:solidFill>
+                <a:latin typeface="Consolas" pitchFamily="49" charset="0"/>
+                <a:ea typeface="Times New Roman" pitchFamily="18" charset="0"/>
+                <a:cs typeface="Consolas" pitchFamily="49" charset="0"/>
+              </a:rPr>
+              <a:t> </a:t>
+            </a:r>
+            <a:r>
+              <a:rPr lang="en-GB" sz="2000" dirty="0" smtClean="0">
+                <a:solidFill>
+                  <a:srgbClr val="000000"/>
+                </a:solidFill>
+                <a:latin typeface="Consolas" pitchFamily="49" charset="0"/>
+                <a:ea typeface="Times New Roman" pitchFamily="18" charset="0"/>
+                <a:cs typeface="Consolas" pitchFamily="49" charset="0"/>
+              </a:rPr>
+              <a:t>   </a:t>
+            </a:r>
+            <a:r>
+              <a:rPr lang="en-GB" sz="2000" dirty="0">
+                <a:solidFill>
+                  <a:srgbClr val="000000"/>
+                </a:solidFill>
+                <a:latin typeface="Consolas" pitchFamily="49" charset="0"/>
+                <a:ea typeface="Times New Roman" pitchFamily="18" charset="0"/>
+                <a:cs typeface="Consolas" pitchFamily="49" charset="0"/>
+              </a:rPr>
+              <a:t>return(this * ((this - 1).factorial()));</a:t>
+            </a:r>
+          </a:p>
+          <a:p>
+            <a:pPr lvl="0" fontAlgn="base">
+              <a:spcBef>
+                <a:spcPct val="0"/>
+              </a:spcBef>
+              <a:spcAft>
+                <a:spcPct val="0"/>
+              </a:spcAft>
+            </a:pPr>
+            <a:r>
+              <a:rPr lang="en-GB" sz="2000" dirty="0">
+                <a:solidFill>
+                  <a:srgbClr val="000000"/>
+                </a:solidFill>
+                <a:latin typeface="Consolas" pitchFamily="49" charset="0"/>
+                <a:ea typeface="Times New Roman" pitchFamily="18" charset="0"/>
+                <a:cs typeface="Consolas" pitchFamily="49" charset="0"/>
+              </a:rPr>
+              <a:t> </a:t>
+            </a:r>
+            <a:r>
+              <a:rPr lang="en-GB" sz="2000" dirty="0" smtClean="0">
+                <a:solidFill>
+                  <a:srgbClr val="000000"/>
+                </a:solidFill>
+                <a:latin typeface="Consolas" pitchFamily="49" charset="0"/>
+                <a:ea typeface="Times New Roman" pitchFamily="18" charset="0"/>
+                <a:cs typeface="Consolas" pitchFamily="49" charset="0"/>
+              </a:rPr>
+              <a:t>}</a:t>
+            </a:r>
+            <a:endParaRPr kumimoji="0" lang="en-GB" sz="2000" b="0" i="0" u="none" strike="noStrike" cap="none" normalizeH="0" baseline="0" dirty="0" smtClean="0">
+              <a:ln>
+                <a:noFill/>
+              </a:ln>
+              <a:solidFill>
+                <a:schemeClr val="tx1"/>
+              </a:solidFill>
+              <a:effectLst/>
+              <a:latin typeface="Consolas" pitchFamily="49" charset="0"/>
+              <a:cs typeface="Consolas" pitchFamily="49" charset="0"/>
+            </a:endParaRPr>
           </a:p>
         </p:txBody>
       </p:sp>
@@ -4708,6 +5268,14 @@
   <p:clrMapOvr>
     <a:masterClrMapping/>
   </p:clrMapOvr>
+  <mc:AlternateContent xmlns:mc="http://schemas.openxmlformats.org/markup-compatibility/2006">
+    <mc:Choice xmlns:p14="http://schemas.microsoft.com/office/powerpoint/2010/main" Requires="p14">
+      <p:transition spd="slow" p14:dur="2000"/>
+    </mc:Choice>
+    <mc:Fallback>
+      <p:transition spd="slow"/>
+    </mc:Fallback>
+  </mc:AlternateContent>
 </p:sld>
 </file>
 
@@ -4745,7 +5313,7 @@
           <a:p>
             <a:r>
               <a:rPr lang="en-GB" dirty="0" smtClean="0"/>
-              <a:t>LISP</a:t>
+              <a:t>A little history</a:t>
             </a:r>
             <a:endParaRPr lang="en-GB" dirty="0"/>
           </a:p>
@@ -4766,20 +5334,77 @@
           <a:bodyPr/>
           <a:lstStyle/>
           <a:p>
-            <a:endParaRPr lang="en-GB"/>
+            <a:pPr lvl="0"/>
+            <a:r>
+              <a:rPr lang="en-GB" dirty="0" smtClean="0"/>
+              <a:t>1936</a:t>
+            </a:r>
+            <a:r>
+              <a:rPr lang="en-GB" baseline="0" dirty="0" smtClean="0"/>
+              <a:t> – </a:t>
+            </a:r>
+            <a:r>
+              <a:rPr lang="en-GB" baseline="0" dirty="0" smtClean="0"/>
+              <a:t>Princeton :</a:t>
+            </a:r>
+            <a:r>
+              <a:rPr lang="en-GB" dirty="0" smtClean="0"/>
+              <a:t> </a:t>
+            </a:r>
+            <a:r>
+              <a:rPr lang="en-GB" baseline="0" dirty="0" smtClean="0"/>
+              <a:t>Alonzo Church publishes the </a:t>
+            </a:r>
+            <a:r>
+              <a:rPr lang="en-GB" baseline="0" dirty="0" err="1" smtClean="0"/>
+              <a:t>untyped</a:t>
+            </a:r>
+            <a:r>
+              <a:rPr lang="en-GB" baseline="0" dirty="0" smtClean="0"/>
+              <a:t> lambda </a:t>
+            </a:r>
+            <a:r>
+              <a:rPr lang="en-GB" baseline="0" dirty="0" smtClean="0"/>
+              <a:t>calculus</a:t>
+            </a:r>
+          </a:p>
+          <a:p>
+            <a:pPr lvl="0"/>
+            <a:r>
+              <a:rPr lang="en-GB" dirty="0" smtClean="0"/>
+              <a:t>1937 – Alan Turing, under Church – theory of digital computing.</a:t>
+            </a:r>
+            <a:endParaRPr lang="en-GB" baseline="0" dirty="0" smtClean="0"/>
+          </a:p>
+          <a:p>
+            <a:pPr lvl="0"/>
+            <a:r>
+              <a:rPr lang="en-GB" dirty="0" smtClean="0"/>
+              <a:t>1939 – World War 2</a:t>
+            </a:r>
+          </a:p>
+          <a:p>
+            <a:pPr lvl="1"/>
+            <a:r>
+              <a:rPr lang="en-GB" dirty="0" smtClean="0"/>
+              <a:t>Turing </a:t>
+            </a:r>
           </a:p>
         </p:txBody>
       </p:sp>
     </p:spTree>
-    <p:extLst>
-      <p:ext uri="{BB962C8B-B14F-4D97-AF65-F5344CB8AC3E}">
-        <p14:creationId xmlns:p14="http://schemas.microsoft.com/office/powerpoint/2010/main" val="910850063"/>
-      </p:ext>
-    </p:extLst>
   </p:cSld>
   <p:clrMapOvr>
     <a:masterClrMapping/>
   </p:clrMapOvr>
+  <mc:AlternateContent xmlns:mc="http://schemas.openxmlformats.org/markup-compatibility/2006">
+    <mc:Choice xmlns:p14="http://schemas.microsoft.com/office/powerpoint/2010/main" Requires="p14">
+      <p:transition spd="slow" p14:dur="2000"/>
+    </mc:Choice>
+    <mc:Fallback>
+      <p:transition spd="slow"/>
+    </mc:Fallback>
+  </mc:AlternateContent>
 </p:sld>
 </file>
 
@@ -4817,7 +5442,7 @@
           <a:p>
             <a:r>
               <a:rPr lang="en-GB" dirty="0" smtClean="0"/>
-              <a:t>Scheme</a:t>
+              <a:t>LISP</a:t>
             </a:r>
             <a:endParaRPr lang="en-GB" dirty="0"/>
           </a:p>
@@ -4835,23 +5460,62 @@
         </p:nvSpPr>
         <p:spPr/>
         <p:txBody>
-          <a:bodyPr/>
-          <a:lstStyle/>
-          <a:p>
-            <a:endParaRPr lang="en-GB"/>
+          <a:bodyPr>
+            <a:normAutofit fontScale="92500" lnSpcReduction="10000"/>
+          </a:bodyPr>
+          <a:lstStyle/>
+          <a:p>
+            <a:r>
+              <a:rPr lang="en-GB" dirty="0"/>
+              <a:t>1958 – John McCarthy joins MIT and starts the MIT AI Project</a:t>
+            </a:r>
+          </a:p>
+          <a:p>
+            <a:r>
+              <a:rPr lang="en-GB" dirty="0"/>
+              <a:t>1960 – John McCarthy publishes his design for Lisp in Communications of the Association for Computing Machinery (ACM)</a:t>
+            </a:r>
+          </a:p>
+          <a:p>
+            <a:endParaRPr lang="en-GB" dirty="0"/>
+          </a:p>
+          <a:p>
+            <a:r>
+              <a:rPr lang="en-GB" dirty="0"/>
+              <a:t>Steve Russell realizes that the </a:t>
+            </a:r>
+            <a:r>
+              <a:rPr lang="en-GB" i="1" dirty="0" err="1"/>
+              <a:t>eval</a:t>
+            </a:r>
+            <a:r>
+              <a:rPr lang="en-GB" dirty="0"/>
+              <a:t> function, as well as being part of the language design, would actually work as a Lisp interpreter – and much to JM’s surprise, suddenly Lisp exists. </a:t>
+            </a:r>
+          </a:p>
+          <a:p>
+            <a:endParaRPr lang="en-GB" dirty="0"/>
           </a:p>
         </p:txBody>
       </p:sp>
     </p:spTree>
     <p:extLst>
       <p:ext uri="{BB962C8B-B14F-4D97-AF65-F5344CB8AC3E}">
-        <p14:creationId xmlns:p14="http://schemas.microsoft.com/office/powerpoint/2010/main" val="656864497"/>
+        <p14:creationId xmlns:p14="http://schemas.microsoft.com/office/powerpoint/2010/main" val="910850063"/>
       </p:ext>
     </p:extLst>
   </p:cSld>
   <p:clrMapOvr>
     <a:masterClrMapping/>
   </p:clrMapOvr>
+  <mc:AlternateContent xmlns:mc="http://schemas.openxmlformats.org/markup-compatibility/2006">
+    <mc:Choice xmlns:p14="http://schemas.microsoft.com/office/powerpoint/2010/main" Requires="p14">
+      <p:transition spd="slow" p14:dur="2000"/>
+    </mc:Choice>
+    <mc:Fallback>
+      <p:transition spd="slow"/>
+    </mc:Fallback>
+  </mc:AlternateContent>
 </p:sld>
 </file>
 
@@ -4889,7 +5553,7 @@
           <a:p>
             <a:r>
               <a:rPr lang="en-GB" dirty="0" smtClean="0"/>
-              <a:t>Netscape</a:t>
+              <a:t>Scheme</a:t>
             </a:r>
             <a:endParaRPr lang="en-GB" dirty="0"/>
           </a:p>
@@ -4907,23 +5571,111 @@
         </p:nvSpPr>
         <p:spPr/>
         <p:txBody>
-          <a:bodyPr/>
-          <a:lstStyle/>
-          <a:p>
-            <a:endParaRPr lang="en-GB"/>
+          <a:bodyPr>
+            <a:normAutofit fontScale="77500" lnSpcReduction="20000"/>
+          </a:bodyPr>
+          <a:lstStyle/>
+          <a:p>
+            <a:r>
+              <a:rPr lang="en-GB" dirty="0"/>
+              <a:t>A minimalist dialect of </a:t>
+            </a:r>
+            <a:r>
+              <a:rPr lang="en-GB" dirty="0" smtClean="0"/>
+              <a:t>Lisp </a:t>
+            </a:r>
+            <a:r>
+              <a:rPr lang="en-GB" dirty="0"/>
+              <a:t>(c.f. Common Lisp)</a:t>
+            </a:r>
+          </a:p>
+          <a:p>
+            <a:endParaRPr lang="en-GB" dirty="0"/>
+          </a:p>
+          <a:p>
+            <a:r>
+              <a:rPr lang="en-GB" dirty="0"/>
+              <a:t>Developed by Guy L Steele (GLS) and Gerald Jay </a:t>
+            </a:r>
+            <a:r>
+              <a:rPr lang="en-GB" dirty="0" err="1"/>
+              <a:t>Sussman</a:t>
+            </a:r>
+            <a:r>
+              <a:rPr lang="en-GB" dirty="0"/>
+              <a:t> </a:t>
+            </a:r>
+            <a:r>
+              <a:rPr lang="en-GB" dirty="0" smtClean="0"/>
+              <a:t>between 1975 - 1980</a:t>
+            </a:r>
+            <a:endParaRPr lang="en-GB" dirty="0"/>
+          </a:p>
+          <a:p>
+            <a:endParaRPr lang="en-GB" dirty="0"/>
+          </a:p>
+          <a:p>
+            <a:r>
+              <a:rPr lang="en-GB" dirty="0"/>
+              <a:t>Very closely based on the lambda calculus. Originally a derivation of an earlier programming language called Planner – they dubbed it Schemer, but the PDP-10 had a 6-character limit on the ITS file-system, hence SCHEME.</a:t>
+            </a:r>
+          </a:p>
+          <a:p>
+            <a:endParaRPr lang="en-GB" dirty="0"/>
+          </a:p>
+          <a:p>
+            <a:r>
+              <a:rPr lang="en-GB" dirty="0"/>
+              <a:t>Scheme was the first dialect of Lisp to choose </a:t>
+            </a:r>
+            <a:r>
+              <a:rPr lang="en-GB" i="1" dirty="0"/>
+              <a:t>lexical </a:t>
+            </a:r>
+            <a:r>
+              <a:rPr lang="en-GB" dirty="0"/>
+              <a:t>or </a:t>
+            </a:r>
+            <a:r>
+              <a:rPr lang="en-GB" i="1" dirty="0"/>
+              <a:t>static scope</a:t>
+            </a:r>
+            <a:r>
+              <a:rPr lang="en-GB" dirty="0"/>
+              <a:t> (borrowed from </a:t>
+            </a:r>
+            <a:r>
+              <a:rPr lang="en-GB" dirty="0" err="1"/>
+              <a:t>Algol</a:t>
+            </a:r>
+            <a:r>
+              <a:rPr lang="en-GB" dirty="0"/>
+              <a:t>) – which we’ll look at in a moment.</a:t>
+            </a:r>
+          </a:p>
+          <a:p>
+            <a:endParaRPr lang="en-GB" dirty="0"/>
           </a:p>
         </p:txBody>
       </p:sp>
     </p:spTree>
     <p:extLst>
       <p:ext uri="{BB962C8B-B14F-4D97-AF65-F5344CB8AC3E}">
-        <p14:creationId xmlns:p14="http://schemas.microsoft.com/office/powerpoint/2010/main" val="837701220"/>
+        <p14:creationId xmlns:p14="http://schemas.microsoft.com/office/powerpoint/2010/main" val="656864497"/>
       </p:ext>
     </p:extLst>
   </p:cSld>
   <p:clrMapOvr>
     <a:masterClrMapping/>
   </p:clrMapOvr>
+  <mc:AlternateContent xmlns:mc="http://schemas.openxmlformats.org/markup-compatibility/2006">
+    <mc:Choice xmlns:p14="http://schemas.microsoft.com/office/powerpoint/2010/main" Requires="p14">
+      <p:transition spd="slow" p14:dur="2000"/>
+    </mc:Choice>
+    <mc:Fallback>
+      <p:transition spd="slow"/>
+    </mc:Fallback>
+  </mc:AlternateContent>
 </p:sld>
 </file>
 
@@ -4960,61 +5712,237 @@
           <a:lstStyle/>
           <a:p>
             <a:r>
-              <a:rPr lang="en-GB" dirty="0" err="1" smtClean="0"/>
+              <a:rPr lang="en-GB" dirty="0" smtClean="0"/>
+              <a:t>Netscape</a:t>
+            </a:r>
+            <a:endParaRPr lang="en-GB" dirty="0"/>
+          </a:p>
+        </p:txBody>
+      </p:sp>
+      <p:sp>
+        <p:nvSpPr>
+          <p:cNvPr id="3" name="Content Placeholder 2"/>
+          <p:cNvSpPr>
+            <a:spLocks noGrp="1"/>
+          </p:cNvSpPr>
+          <p:nvPr>
+            <p:ph idx="1"/>
+          </p:nvPr>
+        </p:nvSpPr>
+        <p:spPr/>
+        <p:txBody>
+          <a:bodyPr>
+            <a:normAutofit fontScale="32500" lnSpcReduction="20000"/>
+          </a:bodyPr>
+          <a:lstStyle/>
+          <a:p>
+            <a:r>
+              <a:rPr lang="en-GB" dirty="0"/>
+              <a:t>March 1995 – Larry Page goes to visit Stanford University where he’s considering doing a graduate programme in Comp Sci. Sergey </a:t>
+            </a:r>
+            <a:r>
+              <a:rPr lang="en-GB" dirty="0" err="1"/>
+              <a:t>Brin</a:t>
+            </a:r>
+            <a:r>
+              <a:rPr lang="en-GB" dirty="0"/>
+              <a:t>, already a student in the graduate programme, is assigned to show him around. </a:t>
+            </a:r>
+          </a:p>
+          <a:p>
+            <a:endParaRPr lang="en-GB" dirty="0"/>
+          </a:p>
+          <a:p>
+            <a:r>
+              <a:rPr lang="en-GB" dirty="0"/>
+              <a:t>May 1995 – Brendan </a:t>
+            </a:r>
+            <a:r>
+              <a:rPr lang="en-GB" dirty="0" err="1"/>
+              <a:t>Eich</a:t>
+            </a:r>
+            <a:r>
+              <a:rPr lang="en-GB" dirty="0"/>
+              <a:t> is recruited to Netscape with “the promise of doing Scheme in a browser” </a:t>
+            </a:r>
+          </a:p>
+          <a:p>
+            <a:r>
+              <a:rPr lang="en-GB" dirty="0"/>
+              <a:t> (</a:t>
+            </a:r>
+            <a:r>
+              <a:rPr lang="en-GB" dirty="0">
+                <a:hlinkClick r:id="rId3"/>
+              </a:rPr>
+              <a:t>http://brendaneich.com/tag/history/</a:t>
+            </a:r>
+            <a:r>
+              <a:rPr lang="en-GB" dirty="0"/>
+              <a:t>)</a:t>
+            </a:r>
+          </a:p>
+          <a:p>
+            <a:endParaRPr lang="en-GB" dirty="0"/>
+          </a:p>
+          <a:p>
+            <a:r>
+              <a:rPr lang="en-GB" dirty="0"/>
+              <a:t>Java was looming. Bill Joy (founder of Sun Microsystems) </a:t>
+            </a:r>
+            <a:r>
+              <a:rPr lang="en-GB" dirty="0" err="1"/>
+              <a:t>grokked</a:t>
+            </a:r>
+            <a:r>
+              <a:rPr lang="en-GB" dirty="0"/>
+              <a:t> the idea of a light-weight scripting language as a companion to full-blown compiled Java applets.</a:t>
+            </a:r>
+          </a:p>
+          <a:p>
+            <a:endParaRPr lang="en-GB" dirty="0"/>
+          </a:p>
+          <a:p>
+            <a:r>
+              <a:rPr lang="en-GB" dirty="0"/>
+              <a:t>Netscape upper management said the language “must look like Java” and there was a general consensus that it had to run in the browser, in source form – no linkers, no compilers.</a:t>
+            </a:r>
+          </a:p>
+          <a:p>
+            <a:endParaRPr lang="en-GB" dirty="0"/>
+          </a:p>
+          <a:p>
+            <a:r>
+              <a:rPr lang="en-GB" dirty="0" err="1"/>
+              <a:t>Eich</a:t>
+            </a:r>
+            <a:r>
+              <a:rPr lang="en-GB" dirty="0"/>
+              <a:t> designs his Java-like syntax, borrowing first-class functions and lexical scoping from Scheme; the project is codenamed “Mocha”</a:t>
+            </a:r>
+          </a:p>
+          <a:p>
+            <a:endParaRPr lang="en-GB" dirty="0"/>
+          </a:p>
+          <a:p>
+            <a:r>
+              <a:rPr lang="en-GB" dirty="0"/>
+              <a:t>August 11, 1995 – Alonzo Church dies in Ohio aged 92</a:t>
+            </a:r>
+          </a:p>
+          <a:p>
+            <a:endParaRPr lang="en-GB" dirty="0"/>
+          </a:p>
+          <a:p>
+            <a:r>
+              <a:rPr lang="en-GB" dirty="0"/>
+              <a:t>September 1995 – “</a:t>
+            </a:r>
+            <a:r>
+              <a:rPr lang="en-GB" dirty="0" err="1"/>
+              <a:t>LiveScript</a:t>
+            </a:r>
+            <a:r>
+              <a:rPr lang="en-GB" dirty="0"/>
+              <a:t>” makes its debut in Netscape Navigator 2.0 beta</a:t>
+            </a:r>
+          </a:p>
+          <a:p>
+            <a:r>
+              <a:rPr lang="en-GB" dirty="0"/>
+              <a:t>Larry Page joins Sergey </a:t>
+            </a:r>
+            <a:r>
+              <a:rPr lang="en-GB" dirty="0" err="1"/>
+              <a:t>Brin</a:t>
+            </a:r>
+            <a:r>
+              <a:rPr lang="en-GB" dirty="0"/>
+              <a:t> at Stanford.</a:t>
+            </a:r>
+          </a:p>
+          <a:p>
+            <a:endParaRPr lang="en-GB" dirty="0"/>
+          </a:p>
+          <a:p>
+            <a:r>
+              <a:rPr lang="en-GB" dirty="0"/>
+              <a:t>December 4</a:t>
+            </a:r>
+            <a:r>
+              <a:rPr lang="en-GB" baseline="30000" dirty="0"/>
+              <a:t>th</a:t>
+            </a:r>
+            <a:r>
+              <a:rPr lang="en-GB" dirty="0"/>
+              <a:t>, 1995 – </a:t>
+            </a:r>
+            <a:r>
+              <a:rPr lang="en-GB" dirty="0" err="1"/>
+              <a:t>Livescript</a:t>
+            </a:r>
+            <a:r>
+              <a:rPr lang="en-GB" dirty="0"/>
+              <a:t> officially renamed to </a:t>
+            </a:r>
+            <a:r>
+              <a:rPr lang="en-GB" dirty="0" err="1"/>
               <a:t>Javascript</a:t>
             </a:r>
+            <a:r>
+              <a:rPr lang="en-GB" dirty="0"/>
+              <a:t>, confusing everybody.</a:t>
+            </a:r>
+          </a:p>
+          <a:p>
             <a:endParaRPr lang="en-GB" dirty="0"/>
           </a:p>
-        </p:txBody>
-      </p:sp>
-      <p:sp>
-        <p:nvSpPr>
-          <p:cNvPr id="3" name="Content Placeholder 2"/>
-          <p:cNvSpPr>
-            <a:spLocks noGrp="1"/>
-          </p:cNvSpPr>
-          <p:nvPr>
-            <p:ph idx="1"/>
-          </p:nvPr>
-        </p:nvSpPr>
-        <p:spPr/>
-        <p:txBody>
-          <a:bodyPr/>
-          <a:lstStyle/>
-          <a:p>
-            <a:r>
-              <a:rPr lang="en-GB" dirty="0" smtClean="0"/>
-              <a:t>function keyword</a:t>
-            </a:r>
-            <a:r>
-              <a:rPr lang="en-GB" baseline="0" dirty="0" smtClean="0"/>
-              <a:t> from AWK</a:t>
-            </a:r>
-          </a:p>
-          <a:p>
-            <a:r>
-              <a:rPr lang="en-GB" baseline="0" dirty="0" smtClean="0"/>
-              <a:t>curly brackets from Java</a:t>
-            </a:r>
-          </a:p>
-          <a:p>
-            <a:r>
-              <a:rPr lang="en-GB" baseline="0" dirty="0" smtClean="0"/>
-              <a:t>everything else from Scheme</a:t>
-            </a:r>
+          <a:p>
+            <a:r>
+              <a:rPr lang="en-GB" dirty="0"/>
+              <a:t>January 1996 – Page &amp; </a:t>
+            </a:r>
+            <a:r>
+              <a:rPr lang="en-GB" dirty="0" err="1"/>
+              <a:t>Brin</a:t>
+            </a:r>
+            <a:r>
+              <a:rPr lang="en-GB" dirty="0"/>
+              <a:t> start working on an idea they’ve got for a search engine</a:t>
+            </a:r>
+          </a:p>
+          <a:p>
+            <a:endParaRPr lang="en-GB" dirty="0"/>
+          </a:p>
+          <a:p>
+            <a:r>
+              <a:rPr lang="en-GB" dirty="0"/>
+              <a:t>March 1996 – official release of Netscape 2.0</a:t>
+            </a:r>
+          </a:p>
+          <a:p>
+            <a:endParaRPr lang="en-GB" dirty="0"/>
           </a:p>
         </p:txBody>
       </p:sp>
     </p:spTree>
     <p:extLst>
       <p:ext uri="{BB962C8B-B14F-4D97-AF65-F5344CB8AC3E}">
-        <p14:creationId xmlns:p14="http://schemas.microsoft.com/office/powerpoint/2010/main" val="4187172656"/>
+        <p14:creationId xmlns:p14="http://schemas.microsoft.com/office/powerpoint/2010/main" val="837701220"/>
       </p:ext>
     </p:extLst>
   </p:cSld>
   <p:clrMapOvr>
     <a:masterClrMapping/>
   </p:clrMapOvr>
+  <mc:AlternateContent xmlns:mc="http://schemas.openxmlformats.org/markup-compatibility/2006">
+    <mc:Choice xmlns:p14="http://schemas.microsoft.com/office/powerpoint/2010/main" Requires="p14">
+      <p:transition spd="slow" p14:dur="2000"/>
+    </mc:Choice>
+    <mc:Fallback>
+      <p:transition spd="slow"/>
+    </mc:Fallback>
+  </mc:AlternateContent>
 </p:sld>
 </file>
 
@@ -5052,7 +5980,7 @@
           <a:p>
             <a:r>
               <a:rPr lang="en-GB" dirty="0" err="1" smtClean="0"/>
-              <a:t>JScript</a:t>
+              <a:t>Javascript</a:t>
             </a:r>
             <a:endParaRPr lang="en-GB" dirty="0"/>
           </a:p>
@@ -5075,49 +6003,51 @@
           <a:p>
             <a:r>
               <a:rPr lang="en-GB" dirty="0" smtClean="0"/>
-              <a:t>Microsoft’s clone of Netscape JavaScript</a:t>
+              <a:t>function keyword</a:t>
+            </a:r>
+            <a:r>
+              <a:rPr lang="en-GB" baseline="0" dirty="0" smtClean="0"/>
+              <a:t> from AWK</a:t>
             </a:r>
           </a:p>
           <a:p>
             <a:r>
               <a:rPr lang="en-GB" dirty="0" smtClean="0"/>
-              <a:t>Aug 1996 – Internet Explorer 3.0</a:t>
-            </a:r>
-          </a:p>
-          <a:p>
-            <a:pPr lvl="1"/>
-            <a:r>
-              <a:rPr lang="en-GB" dirty="0" smtClean="0"/>
-              <a:t>support almost everything… except the </a:t>
-            </a:r>
-            <a:r>
-              <a:rPr lang="en-GB" dirty="0" err="1" smtClean="0"/>
-              <a:t>document.images</a:t>
-            </a:r>
-            <a:r>
-              <a:rPr lang="en-GB" dirty="0" smtClean="0"/>
-              <a:t> array</a:t>
-            </a:r>
-          </a:p>
-          <a:p>
-            <a:r>
-              <a:rPr lang="en-GB" dirty="0" smtClean="0"/>
-              <a:t>Jan 1997 – IIS 3.0</a:t>
-            </a:r>
-            <a:endParaRPr lang="en-GB" dirty="0"/>
+              <a:t>prototype inheritance from Self</a:t>
+            </a:r>
+          </a:p>
+          <a:p>
+            <a:r>
+              <a:rPr lang="en-GB" baseline="0" dirty="0" smtClean="0"/>
+              <a:t>curly brackets from Java</a:t>
+            </a:r>
+          </a:p>
+          <a:p>
+            <a:r>
+              <a:rPr lang="en-GB" baseline="0" dirty="0" smtClean="0"/>
+              <a:t>everything else from Scheme</a:t>
+            </a:r>
           </a:p>
         </p:txBody>
       </p:sp>
     </p:spTree>
     <p:extLst>
       <p:ext uri="{BB962C8B-B14F-4D97-AF65-F5344CB8AC3E}">
-        <p14:creationId xmlns:p14="http://schemas.microsoft.com/office/powerpoint/2010/main" val="1937642497"/>
+        <p14:creationId xmlns:p14="http://schemas.microsoft.com/office/powerpoint/2010/main" val="4187172656"/>
       </p:ext>
     </p:extLst>
   </p:cSld>
   <p:clrMapOvr>
     <a:masterClrMapping/>
   </p:clrMapOvr>
+  <mc:AlternateContent xmlns:mc="http://schemas.openxmlformats.org/markup-compatibility/2006">
+    <mc:Choice xmlns:p14="http://schemas.microsoft.com/office/powerpoint/2010/main" Requires="p14">
+      <p:transition spd="slow" p14:dur="2000"/>
+    </mc:Choice>
+    <mc:Fallback>
+      <p:transition spd="slow"/>
+    </mc:Fallback>
+  </mc:AlternateContent>
 </p:sld>
 </file>
 
@@ -5155,6 +6085,117 @@
           <a:p>
             <a:r>
               <a:rPr lang="en-GB" dirty="0" err="1" smtClean="0"/>
+              <a:t>JScript</a:t>
+            </a:r>
+            <a:endParaRPr lang="en-GB" dirty="0"/>
+          </a:p>
+        </p:txBody>
+      </p:sp>
+      <p:sp>
+        <p:nvSpPr>
+          <p:cNvPr id="3" name="Content Placeholder 2"/>
+          <p:cNvSpPr>
+            <a:spLocks noGrp="1"/>
+          </p:cNvSpPr>
+          <p:nvPr>
+            <p:ph idx="1"/>
+          </p:nvPr>
+        </p:nvSpPr>
+        <p:spPr/>
+        <p:txBody>
+          <a:bodyPr/>
+          <a:lstStyle/>
+          <a:p>
+            <a:r>
+              <a:rPr lang="en-GB" dirty="0" smtClean="0"/>
+              <a:t>Microsoft’s clone of Netscape JavaScript</a:t>
+            </a:r>
+          </a:p>
+          <a:p>
+            <a:r>
+              <a:rPr lang="en-GB" dirty="0" smtClean="0"/>
+              <a:t>Aug 1996 – Internet Explorer 3.0</a:t>
+            </a:r>
+          </a:p>
+          <a:p>
+            <a:pPr lvl="1"/>
+            <a:r>
+              <a:rPr lang="en-GB" dirty="0" smtClean="0"/>
+              <a:t>support almost everything… except the </a:t>
+            </a:r>
+            <a:r>
+              <a:rPr lang="en-GB" dirty="0" err="1" smtClean="0"/>
+              <a:t>document.images</a:t>
+            </a:r>
+            <a:r>
+              <a:rPr lang="en-GB" dirty="0" smtClean="0"/>
+              <a:t> array</a:t>
+            </a:r>
+          </a:p>
+          <a:p>
+            <a:r>
+              <a:rPr lang="en-GB" dirty="0" smtClean="0"/>
+              <a:t>Jan 1997 – IIS 3.0</a:t>
+            </a:r>
+            <a:endParaRPr lang="en-GB" dirty="0"/>
+          </a:p>
+        </p:txBody>
+      </p:sp>
+    </p:spTree>
+    <p:extLst>
+      <p:ext uri="{BB962C8B-B14F-4D97-AF65-F5344CB8AC3E}">
+        <p14:creationId xmlns:p14="http://schemas.microsoft.com/office/powerpoint/2010/main" val="1937642497"/>
+      </p:ext>
+    </p:extLst>
+  </p:cSld>
+  <p:clrMapOvr>
+    <a:masterClrMapping/>
+  </p:clrMapOvr>
+  <mc:AlternateContent xmlns:mc="http://schemas.openxmlformats.org/markup-compatibility/2006">
+    <mc:Choice xmlns:p14="http://schemas.microsoft.com/office/powerpoint/2010/main" Requires="p14">
+      <p:transition spd="slow" p14:dur="2000"/>
+    </mc:Choice>
+    <mc:Fallback>
+      <p:transition spd="slow"/>
+    </mc:Fallback>
+  </mc:AlternateContent>
+</p:sld>
+</file>
+
+<file path=ppt/slides/slide17.xml><?xml version="1.0" encoding="utf-8"?>
+<p:sld xmlns:a="http://schemas.openxmlformats.org/drawingml/2006/main" xmlns:r="http://schemas.openxmlformats.org/officeDocument/2006/relationships" xmlns:p="http://schemas.openxmlformats.org/presentationml/2006/main">
+  <p:cSld>
+    <p:spTree>
+      <p:nvGrpSpPr>
+        <p:cNvPr id="1" name=""/>
+        <p:cNvGrpSpPr/>
+        <p:nvPr/>
+      </p:nvGrpSpPr>
+      <p:grpSpPr>
+        <a:xfrm>
+          <a:off x="0" y="0"/>
+          <a:ext cx="0" cy="0"/>
+          <a:chOff x="0" y="0"/>
+          <a:chExt cx="0" cy="0"/>
+        </a:xfrm>
+      </p:grpSpPr>
+      <p:sp>
+        <p:nvSpPr>
+          <p:cNvPr id="2" name="Title 1"/>
+          <p:cNvSpPr>
+            <a:spLocks noGrp="1"/>
+          </p:cNvSpPr>
+          <p:nvPr>
+            <p:ph type="title"/>
+          </p:nvPr>
+        </p:nvSpPr>
+        <p:spPr/>
+        <p:txBody>
+          <a:bodyPr/>
+          <a:lstStyle/>
+          <a:p>
+            <a:r>
+              <a:rPr lang="en-GB" dirty="0" err="1" smtClean="0"/>
               <a:t>ECMAScript</a:t>
             </a:r>
             <a:endParaRPr lang="en-GB" dirty="0"/>
@@ -5173,7 +6214,9 @@
         </p:nvSpPr>
         <p:spPr/>
         <p:txBody>
-          <a:bodyPr/>
+          <a:bodyPr>
+            <a:normAutofit/>
+          </a:bodyPr>
           <a:lstStyle/>
           <a:p>
             <a:r>
@@ -5247,10 +6290,18 @@
   <p:clrMapOvr>
     <a:masterClrMapping/>
   </p:clrMapOvr>
+  <mc:AlternateContent xmlns:mc="http://schemas.openxmlformats.org/markup-compatibility/2006">
+    <mc:Choice xmlns:p14="http://schemas.microsoft.com/office/powerpoint/2010/main" Requires="p14">
+      <p:transition spd="slow" p14:dur="2000"/>
+    </mc:Choice>
+    <mc:Fallback>
+      <p:transition spd="slow"/>
+    </mc:Fallback>
+  </mc:AlternateContent>
 </p:sld>
 </file>
 
-<file path=ppt/slides/slide17.xml><?xml version="1.0" encoding="utf-8"?>
+<file path=ppt/slides/slide18.xml><?xml version="1.0" encoding="utf-8"?>
 <p:sld xmlns:a="http://schemas.openxmlformats.org/drawingml/2006/main" xmlns:r="http://schemas.openxmlformats.org/officeDocument/2006/relationships" xmlns:p="http://schemas.openxmlformats.org/presentationml/2006/main">
   <p:cSld>
     <p:spTree>
@@ -5507,209 +6558,14 @@
   <p:clrMapOvr>
     <a:masterClrMapping/>
   </p:clrMapOvr>
-</p:sld>
-</file>
-
-<file path=ppt/slides/slide18.xml><?xml version="1.0" encoding="utf-8"?>
-<p:sld xmlns:a="http://schemas.openxmlformats.org/drawingml/2006/main" xmlns:r="http://schemas.openxmlformats.org/officeDocument/2006/relationships" xmlns:p="http://schemas.openxmlformats.org/presentationml/2006/main">
-  <p:cSld>
-    <p:spTree>
-      <p:nvGrpSpPr>
-        <p:cNvPr id="1" name=""/>
-        <p:cNvGrpSpPr/>
-        <p:nvPr/>
-      </p:nvGrpSpPr>
-      <p:grpSpPr>
-        <a:xfrm>
-          <a:off x="0" y="0"/>
-          <a:ext cx="0" cy="0"/>
-          <a:chOff x="0" y="0"/>
-          <a:chExt cx="0" cy="0"/>
-        </a:xfrm>
-      </p:grpSpPr>
-      <p:sp>
-        <p:nvSpPr>
-          <p:cNvPr id="2" name="Title 1"/>
-          <p:cNvSpPr>
-            <a:spLocks noGrp="1"/>
-          </p:cNvSpPr>
-          <p:nvPr>
-            <p:ph type="title"/>
-          </p:nvPr>
-        </p:nvSpPr>
-        <p:spPr/>
-        <p:txBody>
-          <a:bodyPr>
-            <a:normAutofit fontScale="90000"/>
-          </a:bodyPr>
-          <a:lstStyle/>
-          <a:p>
-            <a:r>
-              <a:rPr lang="en-GB" dirty="0" smtClean="0"/>
-              <a:t>Mobile And now for the really good stuff…</a:t>
-            </a:r>
-            <a:endParaRPr lang="en-GB" dirty="0"/>
-          </a:p>
-        </p:txBody>
-      </p:sp>
-      <p:sp>
-        <p:nvSpPr>
-          <p:cNvPr id="4" name="Content Placeholder 3"/>
-          <p:cNvSpPr>
-            <a:spLocks noGrp="1"/>
-          </p:cNvSpPr>
-          <p:nvPr>
-            <p:ph idx="1"/>
-          </p:nvPr>
-        </p:nvSpPr>
-        <p:spPr/>
-        <p:txBody>
-          <a:bodyPr>
-            <a:normAutofit fontScale="77500" lnSpcReduction="20000"/>
-          </a:bodyPr>
-          <a:lstStyle/>
-          <a:p>
-            <a:pPr lvl="0"/>
-            <a:r>
-              <a:rPr lang="en-GB" dirty="0" smtClean="0"/>
-              <a:t>March 21</a:t>
-            </a:r>
-            <a:r>
-              <a:rPr lang="en-GB" baseline="30000" dirty="0" smtClean="0"/>
-              <a:t>st</a:t>
-            </a:r>
-            <a:r>
-              <a:rPr lang="en-GB" dirty="0" smtClean="0"/>
-              <a:t>, 2006 – Jack Dorsey tweets “Just setting up my </a:t>
-            </a:r>
-            <a:r>
-              <a:rPr lang="en-GB" dirty="0" err="1" smtClean="0"/>
-              <a:t>twttr</a:t>
-            </a:r>
-            <a:r>
-              <a:rPr lang="en-GB" dirty="0" smtClean="0"/>
-              <a:t>”</a:t>
-            </a:r>
-          </a:p>
-          <a:p>
-            <a:pPr lvl="0"/>
-            <a:r>
-              <a:rPr lang="en-GB" sz="4000" kern="1200" dirty="0" smtClean="0">
-                <a:solidFill>
-                  <a:schemeClr val="tx1"/>
-                </a:solidFill>
-                <a:effectLst/>
-                <a:latin typeface="+mj-lt"/>
-                <a:ea typeface="+mj-ea"/>
-                <a:cs typeface="+mj-cs"/>
-              </a:rPr>
-              <a:t>July 2006 – JSON described formally in RFC 4627</a:t>
-            </a:r>
-            <a:endParaRPr lang="en-GB" dirty="0" smtClean="0"/>
-          </a:p>
-          <a:p>
-            <a:r>
-              <a:rPr lang="en-GB" dirty="0" smtClean="0"/>
-              <a:t>August 2006 – John</a:t>
-            </a:r>
-            <a:r>
-              <a:rPr lang="en-GB" baseline="0" dirty="0" smtClean="0"/>
-              <a:t> </a:t>
-            </a:r>
-            <a:r>
-              <a:rPr lang="en-GB" baseline="0" dirty="0" err="1" smtClean="0"/>
-              <a:t>Resig</a:t>
-            </a:r>
-            <a:r>
-              <a:rPr lang="en-GB" baseline="0" dirty="0" smtClean="0"/>
-              <a:t> launches </a:t>
-            </a:r>
-            <a:r>
-              <a:rPr lang="en-GB" dirty="0" err="1" smtClean="0"/>
-              <a:t>jQuery</a:t>
-            </a:r>
-            <a:r>
-              <a:rPr lang="en-GB" dirty="0" smtClean="0"/>
-              <a:t> 1.0</a:t>
-            </a:r>
-          </a:p>
-          <a:p>
-            <a:r>
-              <a:rPr lang="en-GB" dirty="0" smtClean="0"/>
-              <a:t>January 29</a:t>
-            </a:r>
-            <a:r>
-              <a:rPr lang="en-GB" baseline="30000" dirty="0" smtClean="0"/>
-              <a:t>th</a:t>
-            </a:r>
-            <a:r>
-              <a:rPr lang="en-GB" dirty="0" smtClean="0"/>
-              <a:t>, 2007 – Steve Jobs announces the iPhone</a:t>
-            </a:r>
-          </a:p>
-          <a:p>
-            <a:r>
-              <a:rPr lang="en-GB" dirty="0" smtClean="0"/>
-              <a:t>March 2007 – Twitter “owns” </a:t>
-            </a:r>
-            <a:r>
-              <a:rPr lang="en-GB" dirty="0" err="1" smtClean="0"/>
-              <a:t>SxSW</a:t>
-            </a:r>
-            <a:r>
-              <a:rPr lang="en-GB" dirty="0" smtClean="0"/>
-              <a:t> festival</a:t>
-            </a:r>
-          </a:p>
-          <a:p>
-            <a:r>
-              <a:rPr lang="en-GB" dirty="0" smtClean="0"/>
-              <a:t>June 2007 – iPhone</a:t>
-            </a:r>
-            <a:r>
-              <a:rPr lang="en-GB" baseline="0" dirty="0" smtClean="0"/>
-              <a:t> goes on sale</a:t>
-            </a:r>
-          </a:p>
-          <a:p>
-            <a:r>
-              <a:rPr lang="en-GB" baseline="0" dirty="0" smtClean="0"/>
-              <a:t>November 5</a:t>
-            </a:r>
-            <a:r>
-              <a:rPr lang="en-GB" baseline="30000" dirty="0" smtClean="0"/>
-              <a:t>th</a:t>
-            </a:r>
-            <a:r>
-              <a:rPr lang="en-GB" baseline="0" dirty="0" smtClean="0"/>
-              <a:t>, 2007 – Open Handset Alliance announce Android smartphone OS based on Linux Kernel 2.6</a:t>
-            </a:r>
-          </a:p>
-          <a:p>
-            <a:r>
-              <a:rPr lang="en-GB" baseline="0" dirty="0" smtClean="0"/>
-              <a:t>July 11, 2008 – iPhone 3GS</a:t>
-            </a:r>
-            <a:endParaRPr lang="en-GB" dirty="0" smtClean="0"/>
-          </a:p>
-          <a:p>
-            <a:r>
-              <a:rPr lang="en-GB" dirty="0" smtClean="0"/>
-              <a:t>September 2008 – Google release Chrome beta</a:t>
-            </a:r>
-          </a:p>
-        </p:txBody>
-      </p:sp>
-    </p:spTree>
-    <p:extLst>
-      <p:ext uri="{BB962C8B-B14F-4D97-AF65-F5344CB8AC3E}">
-        <p14:creationId xmlns:p14="http://schemas.microsoft.com/office/powerpoint/2010/main" val="1183496477"/>
-      </p:ext>
-    </p:extLst>
-  </p:cSld>
-  <p:clrMapOvr>
-    <a:masterClrMapping/>
-  </p:clrMapOvr>
+  <mc:AlternateContent xmlns:mc="http://schemas.openxmlformats.org/markup-compatibility/2006">
+    <mc:Choice xmlns:p14="http://schemas.microsoft.com/office/powerpoint/2010/main" Requires="p14">
+      <p:transition spd="slow" p14:dur="2000"/>
+    </mc:Choice>
+    <mc:Fallback>
+      <p:transition spd="slow"/>
+    </mc:Fallback>
+  </mc:AlternateContent>
 </p:sld>
 </file>
 
@@ -5742,223 +6598,171 @@
         </p:nvSpPr>
         <p:spPr/>
         <p:txBody>
-          <a:bodyPr/>
+          <a:bodyPr>
+            <a:normAutofit fontScale="90000"/>
+          </a:bodyPr>
           <a:lstStyle/>
           <a:p>
             <a:r>
               <a:rPr lang="en-GB" dirty="0" smtClean="0"/>
-              <a:t>…and the</a:t>
+              <a:t>Mobile And now for the really good stuff…</a:t>
+            </a:r>
+            <a:endParaRPr lang="en-GB" dirty="0"/>
+          </a:p>
+        </p:txBody>
+      </p:sp>
+      <p:sp>
+        <p:nvSpPr>
+          <p:cNvPr id="4" name="Content Placeholder 3"/>
+          <p:cNvSpPr>
+            <a:spLocks noGrp="1"/>
+          </p:cNvSpPr>
+          <p:nvPr>
+            <p:ph idx="1"/>
+          </p:nvPr>
+        </p:nvSpPr>
+        <p:spPr/>
+        <p:txBody>
+          <a:bodyPr>
+            <a:normAutofit fontScale="77500" lnSpcReduction="20000"/>
+          </a:bodyPr>
+          <a:lstStyle/>
+          <a:p>
+            <a:pPr lvl="0"/>
+            <a:r>
+              <a:rPr lang="en-GB" dirty="0" smtClean="0"/>
+              <a:t>March 21</a:t>
+            </a:r>
+            <a:r>
+              <a:rPr lang="en-GB" baseline="30000" dirty="0" smtClean="0"/>
+              <a:t>st</a:t>
+            </a:r>
+            <a:r>
+              <a:rPr lang="en-GB" dirty="0" smtClean="0"/>
+              <a:t>, 2006 – Jack Dorsey tweets “Just setting up my </a:t>
+            </a:r>
+            <a:r>
+              <a:rPr lang="en-GB" dirty="0" err="1" smtClean="0"/>
+              <a:t>twttr</a:t>
+            </a:r>
+            <a:r>
+              <a:rPr lang="en-GB" dirty="0" smtClean="0"/>
+              <a:t>”</a:t>
+            </a:r>
+          </a:p>
+          <a:p>
+            <a:pPr lvl="0"/>
+            <a:r>
+              <a:rPr lang="en-GB" sz="4000" kern="1200" dirty="0" smtClean="0">
+                <a:solidFill>
+                  <a:schemeClr val="tx1"/>
+                </a:solidFill>
+                <a:effectLst/>
+                <a:latin typeface="+mj-lt"/>
+                <a:ea typeface="+mj-ea"/>
+                <a:cs typeface="+mj-cs"/>
+              </a:rPr>
+              <a:t>July 2006 – JSON described formally in RFC 4627</a:t>
+            </a:r>
+            <a:endParaRPr lang="en-GB" dirty="0" smtClean="0"/>
+          </a:p>
+          <a:p>
+            <a:r>
+              <a:rPr lang="en-GB" dirty="0" smtClean="0"/>
+              <a:t>August 2006 – John</a:t>
             </a:r>
             <a:r>
               <a:rPr lang="en-GB" baseline="0" dirty="0" smtClean="0"/>
-              <a:t> server?</a:t>
-            </a:r>
-            <a:endParaRPr lang="en-GB" dirty="0"/>
-          </a:p>
-        </p:txBody>
-      </p:sp>
-      <p:sp>
-        <p:nvSpPr>
-          <p:cNvPr id="3" name="Content Placeholder 2"/>
-          <p:cNvSpPr>
-            <a:spLocks noGrp="1"/>
-          </p:cNvSpPr>
-          <p:nvPr>
-            <p:ph idx="1"/>
-          </p:nvPr>
-        </p:nvSpPr>
-        <p:spPr/>
-        <p:txBody>
-          <a:bodyPr>
-            <a:normAutofit fontScale="47500" lnSpcReduction="20000"/>
-          </a:bodyPr>
-          <a:lstStyle/>
-          <a:p>
+              <a:t> </a:t>
+            </a:r>
+            <a:r>
+              <a:rPr lang="en-GB" baseline="0" dirty="0" err="1" smtClean="0"/>
+              <a:t>Resig</a:t>
+            </a:r>
+            <a:r>
+              <a:rPr lang="en-GB" baseline="0" dirty="0" smtClean="0"/>
+              <a:t> launches </a:t>
+            </a:r>
+            <a:r>
+              <a:rPr lang="en-GB" dirty="0" err="1" smtClean="0"/>
+              <a:t>jQuery</a:t>
+            </a:r>
             <a:r>
               <a:rPr lang="en-GB" dirty="0" smtClean="0"/>
-              <a:t>1996 – </a:t>
+              <a:t> 1.0</a:t>
+            </a:r>
+          </a:p>
+          <a:p>
+            <a:r>
+              <a:rPr lang="en-GB" dirty="0" smtClean="0"/>
+              <a:t>January 29</a:t>
+            </a:r>
+            <a:r>
+              <a:rPr lang="en-GB" baseline="30000" dirty="0" smtClean="0"/>
+              <a:t>th</a:t>
+            </a:r>
+            <a:r>
+              <a:rPr lang="en-GB" dirty="0" smtClean="0"/>
+              <a:t>, 2007 – Steve Jobs announces the iPhone</a:t>
+            </a:r>
+          </a:p>
+          <a:p>
+            <a:r>
+              <a:rPr lang="en-GB" dirty="0" smtClean="0"/>
+              <a:t>March 2007 – Twitter “o </a:t>
             </a:r>
             <a:r>
               <a:rPr lang="en-GB" dirty="0" err="1" smtClean="0"/>
-              <a:t>LiveWire</a:t>
+              <a:t>wns</a:t>
             </a:r>
             <a:r>
               <a:rPr lang="en-GB" dirty="0" smtClean="0"/>
-              <a:t> is part of Netscape</a:t>
+              <a:t>” </a:t>
+            </a:r>
+            <a:r>
+              <a:rPr lang="en-GB" dirty="0" err="1" smtClean="0"/>
+              <a:t>SxSW</a:t>
+            </a:r>
+            <a:r>
+              <a:rPr lang="en-GB" dirty="0" smtClean="0"/>
+              <a:t> festival</a:t>
+            </a:r>
+          </a:p>
+          <a:p>
+            <a:r>
+              <a:rPr lang="en-GB" dirty="0" smtClean="0"/>
+              <a:t>June 2007 – iPhone</a:t>
             </a:r>
             <a:r>
               <a:rPr lang="en-GB" baseline="0" dirty="0" smtClean="0"/>
-              <a:t> Enterprise Server 2.0</a:t>
+              <a:t> goes on sale</a:t>
             </a:r>
           </a:p>
           <a:p>
             <a:r>
               <a:rPr lang="en-GB" baseline="0" dirty="0" smtClean="0"/>
-              <a:t>1997 – IIS 3.0 introduces ASP and </a:t>
-            </a:r>
-            <a:r>
-              <a:rPr lang="en-GB" baseline="0" dirty="0" err="1" smtClean="0"/>
-              <a:t>JScript</a:t>
+              <a:t>November 5</a:t>
+            </a:r>
+            <a:r>
+              <a:rPr lang="en-GB" baseline="30000" dirty="0" smtClean="0"/>
+              <a:t>th</a:t>
             </a:r>
             <a:r>
               <a:rPr lang="en-GB" baseline="0" dirty="0" smtClean="0"/>
-              <a:t> to Windows NT 4.0</a:t>
+              <a:t>, 2007 – Open Handset Alliance announce Android smartphone OS based on Linux Kernel 2.6</a:t>
             </a:r>
           </a:p>
           <a:p>
             <a:r>
               <a:rPr lang="en-GB" baseline="0" dirty="0" smtClean="0"/>
-              <a:t>2002 – Microsoft .NET 1.0 includes JScript.NET 1.0</a:t>
-            </a:r>
-          </a:p>
-          <a:p>
-            <a:r>
-              <a:rPr lang="en-GB" baseline="0" dirty="0" smtClean="0"/>
-              <a:t>2003 - .NET 1.1. Last supported release of JScript.NET</a:t>
-            </a:r>
-          </a:p>
-          <a:p>
-            <a:endParaRPr lang="en-GB" baseline="0" dirty="0" smtClean="0"/>
-          </a:p>
-          <a:p>
-            <a:endParaRPr lang="en-GB" baseline="0" dirty="0" smtClean="0"/>
-          </a:p>
-          <a:p>
-            <a:r>
-              <a:rPr lang="en-GB" baseline="0" dirty="0" smtClean="0"/>
-              <a:t>big</a:t>
-            </a:r>
-          </a:p>
-          <a:p>
-            <a:r>
-              <a:rPr lang="en-GB" baseline="0" dirty="0" smtClean="0"/>
-              <a:t>gap</a:t>
-            </a:r>
-          </a:p>
-          <a:p>
-            <a:endParaRPr lang="en-GB" baseline="0" dirty="0" smtClean="0"/>
-          </a:p>
-          <a:p>
-            <a:endParaRPr lang="en-GB" baseline="0" dirty="0" smtClean="0"/>
+              <a:t>July 11, 2008 – iPhone 3GS</a:t>
+            </a:r>
+            <a:endParaRPr lang="en-GB" dirty="0" smtClean="0"/>
           </a:p>
           <a:p>
             <a:r>
               <a:rPr lang="en-GB" dirty="0" smtClean="0"/>
-              <a:t>February 2009 – </a:t>
-            </a:r>
-            <a:r>
-              <a:rPr lang="en-GB" dirty="0" err="1" smtClean="0"/>
-              <a:t>Ryah</a:t>
-            </a:r>
-            <a:r>
-              <a:rPr lang="en-GB" baseline="0" dirty="0" smtClean="0"/>
-              <a:t> Dahl announces a new server project based on the V8 </a:t>
-            </a:r>
-            <a:r>
-              <a:rPr lang="en-GB" baseline="0" dirty="0" err="1" smtClean="0"/>
-              <a:t>Javascript</a:t>
-            </a:r>
-            <a:r>
-              <a:rPr lang="en-GB" baseline="0" dirty="0" smtClean="0"/>
-              <a:t> engine</a:t>
-            </a:r>
-            <a:endParaRPr lang="en-GB" dirty="0" smtClean="0"/>
-          </a:p>
-          <a:p>
-            <a:r>
-              <a:rPr lang="en-GB" dirty="0" smtClean="0"/>
-              <a:t>March 2009 – </a:t>
-            </a:r>
-            <a:r>
-              <a:rPr lang="en-GB" dirty="0" err="1" smtClean="0"/>
-              <a:t>ServerJS</a:t>
-            </a:r>
-            <a:r>
-              <a:rPr lang="en-GB" dirty="0" smtClean="0"/>
-              <a:t> API 0.1</a:t>
-            </a:r>
-          </a:p>
-          <a:p>
-            <a:r>
-              <a:rPr lang="en-GB" baseline="0" dirty="0" smtClean="0"/>
-              <a:t>August 2009 – </a:t>
-            </a:r>
-            <a:r>
-              <a:rPr lang="en-GB" baseline="0" dirty="0" err="1" smtClean="0"/>
-              <a:t>ServerJS</a:t>
-            </a:r>
-            <a:r>
-              <a:rPr lang="en-GB" baseline="0" dirty="0" smtClean="0"/>
-              <a:t> renamed to </a:t>
-            </a:r>
-            <a:r>
-              <a:rPr lang="en-GB" baseline="0" dirty="0" err="1" smtClean="0"/>
-              <a:t>CommonJS</a:t>
-            </a:r>
-            <a:endParaRPr lang="en-GB" baseline="0" dirty="0" smtClean="0"/>
-          </a:p>
-          <a:p>
-            <a:pPr lvl="1"/>
-            <a:r>
-              <a:rPr lang="en-GB" baseline="0" dirty="0" err="1" smtClean="0"/>
-              <a:t>NodeJS</a:t>
-            </a:r>
-            <a:r>
-              <a:rPr lang="en-GB" baseline="0" dirty="0" smtClean="0"/>
-              <a:t> presented at </a:t>
-            </a:r>
-            <a:r>
-              <a:rPr lang="en-GB" baseline="0" dirty="0" err="1" smtClean="0"/>
-              <a:t>JSConf</a:t>
-            </a:r>
-            <a:endParaRPr lang="en-GB" baseline="0" dirty="0" smtClean="0"/>
-          </a:p>
-          <a:p>
-            <a:r>
-              <a:rPr lang="en-GB" baseline="0" dirty="0" smtClean="0"/>
-              <a:t>Jan 2010</a:t>
-            </a:r>
-          </a:p>
-          <a:p>
-            <a:pPr lvl="1"/>
-            <a:r>
-              <a:rPr lang="en-GB" baseline="0" dirty="0" smtClean="0"/>
-              <a:t> Open source </a:t>
-            </a:r>
-            <a:r>
-              <a:rPr lang="en-GB" baseline="0" dirty="0" err="1" smtClean="0"/>
-              <a:t>IronJS</a:t>
-            </a:r>
-            <a:r>
-              <a:rPr lang="en-GB" baseline="0" dirty="0" smtClean="0"/>
-              <a:t> project announced – a full .NET implementation of </a:t>
-            </a:r>
-            <a:r>
-              <a:rPr lang="en-GB" baseline="0" dirty="0" err="1" smtClean="0"/>
-              <a:t>Javascript</a:t>
-            </a:r>
-            <a:r>
-              <a:rPr lang="en-GB" baseline="0" dirty="0" smtClean="0"/>
-              <a:t> written on top of the DLR using F#</a:t>
-            </a:r>
-          </a:p>
-          <a:p>
-            <a:pPr lvl="1"/>
-            <a:r>
-              <a:rPr lang="en-GB" baseline="0" dirty="0" smtClean="0"/>
-              <a:t>Google launch the Nexus One handset</a:t>
-            </a:r>
-          </a:p>
-          <a:p>
-            <a:r>
-              <a:rPr lang="en-GB" baseline="0" dirty="0" smtClean="0"/>
-              <a:t>April 2010 – Steve Jobs famous “Thoughts on Flash” </a:t>
-            </a:r>
-          </a:p>
-          <a:p>
-            <a:r>
-              <a:rPr lang="en-GB" baseline="0" dirty="0" smtClean="0"/>
-              <a:t>May 2010 – Google announce the “Chrome Web Store”</a:t>
+              <a:t>September 2008 – Google release Chrome beta</a:t>
             </a:r>
           </a:p>
         </p:txBody>
@@ -5966,13 +6770,21 @@
     </p:spTree>
     <p:extLst>
       <p:ext uri="{BB962C8B-B14F-4D97-AF65-F5344CB8AC3E}">
-        <p14:creationId xmlns:p14="http://schemas.microsoft.com/office/powerpoint/2010/main" val="1216906223"/>
+        <p14:creationId xmlns:p14="http://schemas.microsoft.com/office/powerpoint/2010/main" val="1183496477"/>
       </p:ext>
     </p:extLst>
   </p:cSld>
   <p:clrMapOvr>
     <a:masterClrMapping/>
   </p:clrMapOvr>
+  <mc:AlternateContent xmlns:mc="http://schemas.openxmlformats.org/markup-compatibility/2006">
+    <mc:Choice xmlns:p14="http://schemas.microsoft.com/office/powerpoint/2010/main" Requires="p14">
+      <p:transition spd="slow" p14:dur="2000"/>
+    </mc:Choice>
+    <mc:Fallback>
+      <p:transition spd="slow"/>
+    </mc:Fallback>
+  </mc:AlternateContent>
 </p:sld>
 </file>
 
@@ -6000,7 +6812,7 @@
             <a:spLocks noGrp="1"/>
           </p:cNvSpPr>
           <p:nvPr>
-            <p:ph type="title"/>
+            <p:ph type="ctrTitle"/>
           </p:nvPr>
         </p:nvSpPr>
         <p:spPr/>
@@ -6010,7 +6822,7 @@
           <a:p>
             <a:r>
               <a:rPr lang="en-GB" dirty="0" smtClean="0"/>
-              <a:t>Name That Language – Round 1</a:t>
+              <a:t>So…</a:t>
             </a:r>
             <a:endParaRPr lang="en-GB" dirty="0"/>
           </a:p>
@@ -6018,163 +6830,32 @@
       </p:sp>
       <p:sp>
         <p:nvSpPr>
-          <p:cNvPr id="18433" name="Rectangle 1"/>
-          <p:cNvSpPr>
-            <a:spLocks noChangeArrowheads="1"/>
-          </p:cNvSpPr>
-          <p:nvPr/>
-        </p:nvSpPr>
-        <p:spPr bwMode="auto">
-          <a:xfrm rot="10800000" flipH="1" flipV="1">
-            <a:off x="251520" y="1979230"/>
-            <a:ext cx="8568952" cy="2308324"/>
-          </a:xfrm>
-          <a:prstGeom prst="rect">
-            <a:avLst/>
-          </a:prstGeom>
-          <a:solidFill>
-            <a:schemeClr val="bg1"/>
-          </a:solidFill>
-          <a:ln w="9525">
-            <a:noFill/>
-            <a:miter lim="800000"/>
-            <a:headEnd/>
-            <a:tailEnd/>
-          </a:ln>
-          <a:effectLst/>
-        </p:spPr>
-        <p:txBody>
-          <a:bodyPr vert="horz" wrap="square" lIns="91440" tIns="45720" rIns="91440" bIns="45720" numCol="1" anchor="ctr" anchorCtr="0" compatLnSpc="1">
-            <a:prstTxWarp prst="textNoShape">
-              <a:avLst/>
-            </a:prstTxWarp>
-            <a:spAutoFit/>
-          </a:bodyPr>
-          <a:lstStyle/>
-          <a:p>
-            <a:pPr marL="0" marR="0" lvl="0" indent="0" algn="l" defTabSz="914400" rtl="0" eaLnBrk="1" fontAlgn="base" latinLnBrk="0" hangingPunct="1">
-              <a:lnSpc>
-                <a:spcPct val="100000"/>
-              </a:lnSpc>
-              <a:spcBef>
-                <a:spcPct val="0"/>
-              </a:spcBef>
-              <a:spcAft>
-                <a:spcPct val="0"/>
-              </a:spcAft>
-              <a:buClrTx/>
-              <a:buSzTx/>
-              <a:buFontTx/>
-              <a:buNone/>
-              <a:tabLst/>
-            </a:pPr>
-            <a:r>
-              <a:rPr kumimoji="0" lang="en-US" sz="3600" i="0" u="none" strike="noStrike" cap="none" normalizeH="0" baseline="0" dirty="0" err="1" smtClean="0">
-                <a:ln>
-                  <a:noFill/>
-                </a:ln>
-                <a:effectLst/>
-                <a:latin typeface="Consolas" pitchFamily="49" charset="0"/>
-                <a:cs typeface="Consolas" pitchFamily="49" charset="0"/>
-              </a:rPr>
-              <a:t>int</a:t>
-            </a:r>
-            <a:r>
-              <a:rPr kumimoji="0" lang="en-US" sz="3600" i="0" u="none" strike="noStrike" cap="none" normalizeH="0" baseline="0" dirty="0" smtClean="0">
-                <a:ln>
-                  <a:noFill/>
-                </a:ln>
-                <a:effectLst/>
-                <a:latin typeface="Consolas" pitchFamily="49" charset="0"/>
-                <a:cs typeface="Consolas" pitchFamily="49" charset="0"/>
-              </a:rPr>
-              <a:t> Factorial(</a:t>
-            </a:r>
-            <a:r>
-              <a:rPr kumimoji="0" lang="en-US" sz="3600" i="0" u="none" strike="noStrike" cap="none" normalizeH="0" baseline="0" dirty="0" err="1" smtClean="0">
-                <a:ln>
-                  <a:noFill/>
-                </a:ln>
-                <a:effectLst/>
-                <a:latin typeface="Consolas" pitchFamily="49" charset="0"/>
-                <a:cs typeface="Consolas" pitchFamily="49" charset="0"/>
-              </a:rPr>
-              <a:t>int</a:t>
-            </a:r>
-            <a:r>
-              <a:rPr kumimoji="0" lang="en-US" sz="3600" i="0" u="none" strike="noStrike" cap="none" normalizeH="0" baseline="0" dirty="0" smtClean="0">
-                <a:ln>
-                  <a:noFill/>
-                </a:ln>
-                <a:effectLst/>
-                <a:latin typeface="Consolas" pitchFamily="49" charset="0"/>
-                <a:cs typeface="Consolas" pitchFamily="49" charset="0"/>
-              </a:rPr>
-              <a:t> n) {</a:t>
-            </a:r>
-            <a:br>
-              <a:rPr kumimoji="0" lang="en-US" sz="3600" i="0" u="none" strike="noStrike" cap="none" normalizeH="0" baseline="0" dirty="0" smtClean="0">
-                <a:ln>
-                  <a:noFill/>
-                </a:ln>
-                <a:effectLst/>
-                <a:latin typeface="Consolas" pitchFamily="49" charset="0"/>
-                <a:cs typeface="Consolas" pitchFamily="49" charset="0"/>
-              </a:rPr>
-            </a:br>
-            <a:r>
-              <a:rPr kumimoji="0" lang="en-US" sz="3600" i="0" u="none" strike="noStrike" cap="none" normalizeH="0" baseline="0" dirty="0" smtClean="0">
-                <a:ln>
-                  <a:noFill/>
-                </a:ln>
-                <a:effectLst/>
-                <a:latin typeface="Consolas" pitchFamily="49" charset="0"/>
-                <a:cs typeface="Consolas" pitchFamily="49" charset="0"/>
-              </a:rPr>
-              <a:t>    if (n &lt; 2) return(1);</a:t>
-            </a:r>
-            <a:br>
-              <a:rPr kumimoji="0" lang="en-US" sz="3600" i="0" u="none" strike="noStrike" cap="none" normalizeH="0" baseline="0" dirty="0" smtClean="0">
-                <a:ln>
-                  <a:noFill/>
-                </a:ln>
-                <a:effectLst/>
-                <a:latin typeface="Consolas" pitchFamily="49" charset="0"/>
-                <a:cs typeface="Consolas" pitchFamily="49" charset="0"/>
-              </a:rPr>
-            </a:br>
-            <a:r>
-              <a:rPr kumimoji="0" lang="en-US" sz="3600" i="0" u="none" strike="noStrike" cap="none" normalizeH="0" baseline="0" dirty="0" smtClean="0">
-                <a:ln>
-                  <a:noFill/>
-                </a:ln>
-                <a:effectLst/>
-                <a:latin typeface="Consolas" pitchFamily="49" charset="0"/>
-                <a:cs typeface="Consolas" pitchFamily="49" charset="0"/>
-              </a:rPr>
-              <a:t>    return n * Factorial(n - 1);</a:t>
-            </a:r>
-            <a:br>
-              <a:rPr kumimoji="0" lang="en-US" sz="3600" i="0" u="none" strike="noStrike" cap="none" normalizeH="0" baseline="0" dirty="0" smtClean="0">
-                <a:ln>
-                  <a:noFill/>
-                </a:ln>
-                <a:effectLst/>
-                <a:latin typeface="Consolas" pitchFamily="49" charset="0"/>
-                <a:cs typeface="Consolas" pitchFamily="49" charset="0"/>
-              </a:rPr>
-            </a:br>
-            <a:r>
-              <a:rPr kumimoji="0" lang="en-US" sz="3600" i="0" u="none" strike="noStrike" cap="none" normalizeH="0" baseline="0" dirty="0" smtClean="0">
-                <a:ln>
-                  <a:noFill/>
-                </a:ln>
-                <a:effectLst/>
-                <a:latin typeface="Consolas" pitchFamily="49" charset="0"/>
-                <a:cs typeface="Consolas" pitchFamily="49" charset="0"/>
-              </a:rPr>
-              <a:t>} </a:t>
-            </a:r>
+          <p:cNvPr id="3" name="Subtitle 2"/>
+          <p:cNvSpPr>
+            <a:spLocks noGrp="1"/>
+          </p:cNvSpPr>
+          <p:nvPr>
+            <p:ph type="subTitle" idx="1"/>
+          </p:nvPr>
+        </p:nvSpPr>
+        <p:spPr/>
+        <p:txBody>
+          <a:bodyPr/>
+          <a:lstStyle/>
+          <a:p>
+            <a:r>
+              <a:rPr lang="en-GB" dirty="0" smtClean="0"/>
+              <a:t>You think you know </a:t>
+            </a:r>
+            <a:r>
+              <a:rPr lang="en-GB" dirty="0" err="1" smtClean="0"/>
+              <a:t>Javascript</a:t>
+            </a:r>
+            <a:r>
+              <a:rPr lang="en-GB" dirty="0" smtClean="0"/>
+              <a:t>?</a:t>
+            </a:r>
+            <a:endParaRPr lang="en-GB" dirty="0"/>
           </a:p>
         </p:txBody>
       </p:sp>
@@ -6183,6 +6864,21 @@
   <p:clrMapOvr>
     <a:masterClrMapping/>
   </p:clrMapOvr>
+  <mc:AlternateContent xmlns:mc="http://schemas.openxmlformats.org/markup-compatibility/2006">
+    <mc:Choice xmlns:p14="http://schemas.microsoft.com/office/powerpoint/2010/main" Requires="p14">
+      <p:transition spd="slow" p14:dur="2000"/>
+    </mc:Choice>
+    <mc:Fallback>
+      <p:transition spd="slow"/>
+    </mc:Fallback>
+  </mc:AlternateContent>
+  <p:timing>
+    <p:tnLst>
+      <p:par>
+        <p:cTn id="1" dur="indefinite" restart="never" nodeType="tmRoot"/>
+      </p:par>
+    </p:tnLst>
+  </p:timing>
 </p:sld>
 </file>
 
@@ -6219,46 +6915,241 @@
           <a:lstStyle/>
           <a:p>
             <a:r>
+              <a:rPr lang="en-GB" dirty="0" smtClean="0"/>
+              <a:t>…and the</a:t>
+            </a:r>
+            <a:r>
+              <a:rPr lang="en-GB" baseline="0" dirty="0" smtClean="0"/>
+              <a:t> server?</a:t>
+            </a:r>
+            <a:endParaRPr lang="en-GB" dirty="0"/>
+          </a:p>
+        </p:txBody>
+      </p:sp>
+      <p:sp>
+        <p:nvSpPr>
+          <p:cNvPr id="3" name="Content Placeholder 2"/>
+          <p:cNvSpPr>
+            <a:spLocks noGrp="1"/>
+          </p:cNvSpPr>
+          <p:nvPr>
+            <p:ph idx="1"/>
+          </p:nvPr>
+        </p:nvSpPr>
+        <p:spPr/>
+        <p:txBody>
+          <a:bodyPr>
+            <a:normAutofit fontScale="47500" lnSpcReduction="20000"/>
+          </a:bodyPr>
+          <a:lstStyle/>
+          <a:p>
+            <a:r>
+              <a:rPr lang="en-GB" dirty="0" smtClean="0"/>
+              <a:t>1996 – </a:t>
+            </a:r>
+            <a:r>
               <a:rPr lang="en-GB" dirty="0" err="1" smtClean="0"/>
+              <a:t>LiveWire</a:t>
+            </a:r>
+            <a:r>
+              <a:rPr lang="en-GB" dirty="0" smtClean="0"/>
+              <a:t> is part of Netscape</a:t>
+            </a:r>
+            <a:r>
+              <a:rPr lang="en-GB" baseline="0" dirty="0" smtClean="0"/>
+              <a:t> Enterprise Server 2.0</a:t>
+            </a:r>
+          </a:p>
+          <a:p>
+            <a:r>
+              <a:rPr lang="en-GB" baseline="0" dirty="0" smtClean="0"/>
+              <a:t>1997 – IIS 3.0 introduces ASP and </a:t>
+            </a:r>
+            <a:r>
+              <a:rPr lang="en-GB" baseline="0" dirty="0" err="1" smtClean="0"/>
+              <a:t>JScript</a:t>
+            </a:r>
+            <a:r>
+              <a:rPr lang="en-GB" baseline="0" dirty="0" smtClean="0"/>
+              <a:t> to Windows NT 4.0</a:t>
+            </a:r>
+          </a:p>
+          <a:p>
+            <a:r>
+              <a:rPr lang="en-GB" baseline="0" dirty="0" smtClean="0"/>
+              <a:t>2002 – Microsoft .NET 1.0 includes JScript.NET 1.0</a:t>
+            </a:r>
+          </a:p>
+          <a:p>
+            <a:r>
+              <a:rPr lang="en-GB" baseline="0" dirty="0" smtClean="0"/>
+              <a:t>2003 - .NET 1.1. Last supported release of JScript.NET</a:t>
+            </a:r>
+          </a:p>
+          <a:p>
+            <a:endParaRPr lang="en-GB" baseline="0" dirty="0" smtClean="0"/>
+          </a:p>
+          <a:p>
+            <a:endParaRPr lang="en-GB" baseline="0" dirty="0" smtClean="0"/>
+          </a:p>
+          <a:p>
+            <a:r>
+              <a:rPr lang="en-GB" baseline="0" dirty="0" smtClean="0"/>
+              <a:t>big</a:t>
+            </a:r>
+          </a:p>
+          <a:p>
+            <a:r>
+              <a:rPr lang="en-GB" baseline="0" dirty="0" smtClean="0"/>
+              <a:t>gap</a:t>
+            </a:r>
+          </a:p>
+          <a:p>
+            <a:endParaRPr lang="en-GB" baseline="0" dirty="0" smtClean="0"/>
+          </a:p>
+          <a:p>
+            <a:endParaRPr lang="en-GB" baseline="0" dirty="0" smtClean="0"/>
+          </a:p>
+          <a:p>
+            <a:r>
+              <a:rPr lang="en-GB" dirty="0" smtClean="0"/>
+              <a:t>February 2009 – </a:t>
+            </a:r>
+            <a:r>
+              <a:rPr lang="en-GB" dirty="0" err="1" smtClean="0"/>
+              <a:t>Ryah</a:t>
+            </a:r>
+            <a:r>
+              <a:rPr lang="en-GB" baseline="0" dirty="0" smtClean="0"/>
+              <a:t> Dahl announces a new server project based on the V8 </a:t>
+            </a:r>
+            <a:r>
+              <a:rPr lang="en-GB" baseline="0" dirty="0" err="1" smtClean="0"/>
               <a:t>Javascript</a:t>
             </a:r>
             <a:r>
               <a:rPr lang="en-GB" baseline="0" dirty="0" smtClean="0"/>
-              <a:t> : The Good Parts</a:t>
-            </a:r>
-            <a:endParaRPr lang="en-GB" dirty="0"/>
-          </a:p>
-        </p:txBody>
-      </p:sp>
-      <p:sp>
-        <p:nvSpPr>
-          <p:cNvPr id="3" name="Content Placeholder 2"/>
-          <p:cNvSpPr>
-            <a:spLocks noGrp="1"/>
-          </p:cNvSpPr>
-          <p:nvPr>
-            <p:ph idx="1"/>
-          </p:nvPr>
-        </p:nvSpPr>
-        <p:spPr/>
-        <p:txBody>
-          <a:bodyPr/>
-          <a:lstStyle/>
-          <a:p>
-            <a:endParaRPr lang="en-GB"/>
+              <a:t> engine</a:t>
+            </a:r>
+            <a:endParaRPr lang="en-GB" dirty="0" smtClean="0"/>
+          </a:p>
+          <a:p>
+            <a:r>
+              <a:rPr lang="en-GB" dirty="0" smtClean="0"/>
+              <a:t>March 2009 – </a:t>
+            </a:r>
+            <a:r>
+              <a:rPr lang="en-GB" dirty="0" err="1" smtClean="0"/>
+              <a:t>ServerJS</a:t>
+            </a:r>
+            <a:r>
+              <a:rPr lang="en-GB" dirty="0" smtClean="0"/>
+              <a:t> API 0.1</a:t>
+            </a:r>
+          </a:p>
+          <a:p>
+            <a:r>
+              <a:rPr lang="en-GB" baseline="0" dirty="0" smtClean="0"/>
+              <a:t>August 2009 – </a:t>
+            </a:r>
+            <a:r>
+              <a:rPr lang="en-GB" baseline="0" dirty="0" err="1" smtClean="0"/>
+              <a:t>ServerJS</a:t>
+            </a:r>
+            <a:r>
+              <a:rPr lang="en-GB" baseline="0" dirty="0" smtClean="0"/>
+              <a:t> renamed to </a:t>
+            </a:r>
+            <a:r>
+              <a:rPr lang="en-GB" baseline="0" dirty="0" err="1" smtClean="0"/>
+              <a:t>CommonJS</a:t>
+            </a:r>
+            <a:endParaRPr lang="en-GB" baseline="0" dirty="0" smtClean="0"/>
+          </a:p>
+          <a:p>
+            <a:pPr lvl="1"/>
+            <a:r>
+              <a:rPr lang="en-GB" baseline="0" dirty="0" err="1" smtClean="0"/>
+              <a:t>NodeJS</a:t>
+            </a:r>
+            <a:r>
+              <a:rPr lang="en-GB" baseline="0" dirty="0" smtClean="0"/>
+              <a:t> presented at </a:t>
+            </a:r>
+            <a:r>
+              <a:rPr lang="en-GB" baseline="0" dirty="0" err="1" smtClean="0"/>
+              <a:t>JSConf</a:t>
+            </a:r>
+            <a:endParaRPr lang="en-GB" baseline="0" dirty="0" smtClean="0"/>
+          </a:p>
+          <a:p>
+            <a:r>
+              <a:rPr lang="en-GB" baseline="0" dirty="0" smtClean="0"/>
+              <a:t>Jan 2010</a:t>
+            </a:r>
+          </a:p>
+          <a:p>
+            <a:pPr lvl="1"/>
+            <a:r>
+              <a:rPr lang="en-GB" baseline="0" dirty="0" smtClean="0"/>
+              <a:t> Open source </a:t>
+            </a:r>
+            <a:r>
+              <a:rPr lang="en-GB" baseline="0" dirty="0" err="1" smtClean="0"/>
+              <a:t>IronJS</a:t>
+            </a:r>
+            <a:r>
+              <a:rPr lang="en-GB" baseline="0" dirty="0" smtClean="0"/>
+              <a:t> project announced – a full .NET implementation of </a:t>
+            </a:r>
+            <a:r>
+              <a:rPr lang="en-GB" baseline="0" dirty="0" err="1" smtClean="0"/>
+              <a:t>Javascript</a:t>
+            </a:r>
+            <a:r>
+              <a:rPr lang="en-GB" baseline="0" dirty="0" smtClean="0"/>
+              <a:t> written on top of the DLR using F#</a:t>
+            </a:r>
+          </a:p>
+          <a:p>
+            <a:pPr lvl="1"/>
+            <a:r>
+              <a:rPr lang="en-GB" baseline="0" dirty="0" smtClean="0"/>
+              <a:t>Google launch the Nexus One handset</a:t>
+            </a:r>
+          </a:p>
+          <a:p>
+            <a:r>
+              <a:rPr lang="en-GB" baseline="0" dirty="0" smtClean="0"/>
+              <a:t>April 2010 – Steve Jobs famous “Thoughts on Flash” </a:t>
+            </a:r>
+          </a:p>
+          <a:p>
+            <a:r>
+              <a:rPr lang="en-GB" baseline="0" dirty="0" smtClean="0"/>
+              <a:t>May 2010 – Google announce the “Chrome Web Store”</a:t>
+            </a:r>
           </a:p>
         </p:txBody>
       </p:sp>
     </p:spTree>
     <p:extLst>
       <p:ext uri="{BB962C8B-B14F-4D97-AF65-F5344CB8AC3E}">
-        <p14:creationId xmlns:p14="http://schemas.microsoft.com/office/powerpoint/2010/main" val="2221834488"/>
+        <p14:creationId xmlns:p14="http://schemas.microsoft.com/office/powerpoint/2010/main" val="1216906223"/>
       </p:ext>
     </p:extLst>
   </p:cSld>
   <p:clrMapOvr>
     <a:masterClrMapping/>
   </p:clrMapOvr>
+  <mc:AlternateContent xmlns:mc="http://schemas.openxmlformats.org/markup-compatibility/2006">
+    <mc:Choice xmlns:p14="http://schemas.microsoft.com/office/powerpoint/2010/main" Requires="p14">
+      <p:transition spd="slow" p14:dur="2000"/>
+    </mc:Choice>
+    <mc:Fallback>
+      <p:transition spd="slow"/>
+    </mc:Fallback>
+  </mc:AlternateContent>
 </p:sld>
 </file>
 
@@ -6295,42 +7186,35 @@
           <a:lstStyle/>
           <a:p>
             <a:r>
-              <a:rPr lang="en-GB" dirty="0" smtClean="0"/>
-              <a:t>Functions</a:t>
+              <a:rPr lang="en-GB" dirty="0" err="1" smtClean="0"/>
+              <a:t>Javascript</a:t>
+            </a:r>
+            <a:r>
+              <a:rPr lang="en-GB" baseline="0" dirty="0" smtClean="0"/>
+              <a:t> : The Good Parts</a:t>
             </a:r>
             <a:endParaRPr lang="en-GB" dirty="0"/>
-          </a:p>
-        </p:txBody>
-      </p:sp>
-      <p:sp>
-        <p:nvSpPr>
-          <p:cNvPr id="3" name="Content Placeholder 2"/>
-          <p:cNvSpPr>
-            <a:spLocks noGrp="1"/>
-          </p:cNvSpPr>
-          <p:nvPr>
-            <p:ph idx="1"/>
-          </p:nvPr>
-        </p:nvSpPr>
-        <p:spPr/>
-        <p:txBody>
-          <a:bodyPr/>
-          <a:lstStyle/>
-          <a:p>
-            <a:endParaRPr lang="en-GB"/>
           </a:p>
         </p:txBody>
       </p:sp>
     </p:spTree>
     <p:extLst>
       <p:ext uri="{BB962C8B-B14F-4D97-AF65-F5344CB8AC3E}">
-        <p14:creationId xmlns:p14="http://schemas.microsoft.com/office/powerpoint/2010/main" val="1423979825"/>
+        <p14:creationId xmlns:p14="http://schemas.microsoft.com/office/powerpoint/2010/main" val="2221834488"/>
       </p:ext>
     </p:extLst>
   </p:cSld>
   <p:clrMapOvr>
     <a:masterClrMapping/>
   </p:clrMapOvr>
+  <mc:AlternateContent xmlns:mc="http://schemas.openxmlformats.org/markup-compatibility/2006">
+    <mc:Choice xmlns:p14="http://schemas.microsoft.com/office/powerpoint/2010/main" Requires="p14">
+      <p:transition spd="slow" p14:dur="2000"/>
+    </mc:Choice>
+    <mc:Fallback>
+      <p:transition spd="slow"/>
+    </mc:Fallback>
+  </mc:AlternateContent>
 </p:sld>
 </file>
 
@@ -6368,7 +7252,7 @@
           <a:p>
             <a:r>
               <a:rPr lang="en-GB" dirty="0" smtClean="0"/>
-              <a:t>Loose Typing</a:t>
+              <a:t>Functions</a:t>
             </a:r>
             <a:endParaRPr lang="en-GB" dirty="0"/>
           </a:p>
@@ -6396,13 +7280,21 @@
     </p:spTree>
     <p:extLst>
       <p:ext uri="{BB962C8B-B14F-4D97-AF65-F5344CB8AC3E}">
-        <p14:creationId xmlns:p14="http://schemas.microsoft.com/office/powerpoint/2010/main" val="1345058122"/>
+        <p14:creationId xmlns:p14="http://schemas.microsoft.com/office/powerpoint/2010/main" val="1423979825"/>
       </p:ext>
     </p:extLst>
   </p:cSld>
   <p:clrMapOvr>
     <a:masterClrMapping/>
   </p:clrMapOvr>
+  <mc:AlternateContent xmlns:mc="http://schemas.openxmlformats.org/markup-compatibility/2006">
+    <mc:Choice xmlns:p14="http://schemas.microsoft.com/office/powerpoint/2010/main" Requires="p14">
+      <p:transition spd="slow" p14:dur="2000"/>
+    </mc:Choice>
+    <mc:Fallback>
+      <p:transition spd="slow"/>
+    </mc:Fallback>
+  </mc:AlternateContent>
 </p:sld>
 </file>
 
@@ -6440,7 +7332,7 @@
           <a:p>
             <a:r>
               <a:rPr lang="en-GB" dirty="0" smtClean="0"/>
-              <a:t>Dynamic Objects</a:t>
+              <a:t>Prototyped inheritance</a:t>
             </a:r>
             <a:endParaRPr lang="en-GB" dirty="0"/>
           </a:p>
@@ -6468,13 +7360,21 @@
     </p:spTree>
     <p:extLst>
       <p:ext uri="{BB962C8B-B14F-4D97-AF65-F5344CB8AC3E}">
-        <p14:creationId xmlns:p14="http://schemas.microsoft.com/office/powerpoint/2010/main" val="565444107"/>
+        <p14:creationId xmlns:p14="http://schemas.microsoft.com/office/powerpoint/2010/main" val="636125739"/>
       </p:ext>
     </p:extLst>
   </p:cSld>
   <p:clrMapOvr>
     <a:masterClrMapping/>
   </p:clrMapOvr>
+  <mc:AlternateContent xmlns:mc="http://schemas.openxmlformats.org/markup-compatibility/2006">
+    <mc:Choice xmlns:p14="http://schemas.microsoft.com/office/powerpoint/2010/main" Requires="p14">
+      <p:transition spd="slow" p14:dur="2000"/>
+    </mc:Choice>
+    <mc:Fallback>
+      <p:transition spd="slow"/>
+    </mc:Fallback>
+  </mc:AlternateContent>
 </p:sld>
 </file>
 
@@ -6512,11 +7412,7 @@
           <a:p>
             <a:r>
               <a:rPr lang="en-GB" dirty="0" smtClean="0"/>
-              <a:t>Object</a:t>
-            </a:r>
-            <a:r>
-              <a:rPr lang="en-GB" baseline="0" dirty="0" smtClean="0"/>
-              <a:t> Literals</a:t>
+              <a:t>Dynamic Objects</a:t>
             </a:r>
             <a:endParaRPr lang="en-GB" dirty="0"/>
           </a:p>
@@ -6544,13 +7440,21 @@
     </p:spTree>
     <p:extLst>
       <p:ext uri="{BB962C8B-B14F-4D97-AF65-F5344CB8AC3E}">
-        <p14:creationId xmlns:p14="http://schemas.microsoft.com/office/powerpoint/2010/main" val="3852315355"/>
+        <p14:creationId xmlns:p14="http://schemas.microsoft.com/office/powerpoint/2010/main" val="565444107"/>
       </p:ext>
     </p:extLst>
   </p:cSld>
   <p:clrMapOvr>
     <a:masterClrMapping/>
   </p:clrMapOvr>
+  <mc:AlternateContent xmlns:mc="http://schemas.openxmlformats.org/markup-compatibility/2006">
+    <mc:Choice xmlns:p14="http://schemas.microsoft.com/office/powerpoint/2010/main" Requires="p14">
+      <p:transition spd="slow" p14:dur="2000"/>
+    </mc:Choice>
+    <mc:Fallback>
+      <p:transition spd="slow"/>
+    </mc:Fallback>
+  </mc:AlternateContent>
 </p:sld>
 </file>
 
@@ -6588,7 +7492,7 @@
           <a:p>
             <a:r>
               <a:rPr lang="en-GB" dirty="0" smtClean="0"/>
-              <a:t>regex literals</a:t>
+              <a:t>Loose Typing</a:t>
             </a:r>
             <a:endParaRPr lang="en-GB" dirty="0"/>
           </a:p>
@@ -6616,13 +7520,21 @@
     </p:spTree>
     <p:extLst>
       <p:ext uri="{BB962C8B-B14F-4D97-AF65-F5344CB8AC3E}">
-        <p14:creationId xmlns:p14="http://schemas.microsoft.com/office/powerpoint/2010/main" val="2823881731"/>
+        <p14:creationId xmlns:p14="http://schemas.microsoft.com/office/powerpoint/2010/main" val="1345058122"/>
       </p:ext>
     </p:extLst>
   </p:cSld>
   <p:clrMapOvr>
     <a:masterClrMapping/>
   </p:clrMapOvr>
+  <mc:AlternateContent xmlns:mc="http://schemas.openxmlformats.org/markup-compatibility/2006">
+    <mc:Choice xmlns:p14="http://schemas.microsoft.com/office/powerpoint/2010/main" Requires="p14">
+      <p:transition spd="slow" p14:dur="2000"/>
+    </mc:Choice>
+    <mc:Fallback>
+      <p:transition spd="slow"/>
+    </mc:Fallback>
+  </mc:AlternateContent>
 </p:sld>
 </file>
 
@@ -6660,7 +7572,11 @@
           <a:p>
             <a:r>
               <a:rPr lang="en-GB" dirty="0" smtClean="0"/>
-              <a:t>exceptions</a:t>
+              <a:t>Object</a:t>
+            </a:r>
+            <a:r>
+              <a:rPr lang="en-GB" baseline="0" dirty="0" smtClean="0"/>
+              <a:t> Literals</a:t>
             </a:r>
             <a:endParaRPr lang="en-GB" dirty="0"/>
           </a:p>
@@ -6688,13 +7604,21 @@
     </p:spTree>
     <p:extLst>
       <p:ext uri="{BB962C8B-B14F-4D97-AF65-F5344CB8AC3E}">
-        <p14:creationId xmlns:p14="http://schemas.microsoft.com/office/powerpoint/2010/main" val="2746586850"/>
+        <p14:creationId xmlns:p14="http://schemas.microsoft.com/office/powerpoint/2010/main" val="3852315355"/>
       </p:ext>
     </p:extLst>
   </p:cSld>
   <p:clrMapOvr>
     <a:masterClrMapping/>
   </p:clrMapOvr>
+  <mc:AlternateContent xmlns:mc="http://schemas.openxmlformats.org/markup-compatibility/2006">
+    <mc:Choice xmlns:p14="http://schemas.microsoft.com/office/powerpoint/2010/main" Requires="p14">
+      <p:transition spd="slow" p14:dur="2000"/>
+    </mc:Choice>
+    <mc:Fallback>
+      <p:transition spd="slow"/>
+    </mc:Fallback>
+  </mc:AlternateContent>
 </p:sld>
 </file>
 
@@ -6732,11 +7656,7 @@
           <a:p>
             <a:r>
               <a:rPr lang="en-GB" dirty="0" smtClean="0"/>
-              <a:t>closures and </a:t>
-            </a:r>
-            <a:r>
-              <a:rPr lang="en-GB" dirty="0" err="1" smtClean="0"/>
-              <a:t>callbacks</a:t>
+              <a:t>regex literals</a:t>
             </a:r>
             <a:endParaRPr lang="en-GB" dirty="0"/>
           </a:p>
@@ -6764,13 +7684,21 @@
     </p:spTree>
     <p:extLst>
       <p:ext uri="{BB962C8B-B14F-4D97-AF65-F5344CB8AC3E}">
-        <p14:creationId xmlns:p14="http://schemas.microsoft.com/office/powerpoint/2010/main" val="218911309"/>
+        <p14:creationId xmlns:p14="http://schemas.microsoft.com/office/powerpoint/2010/main" val="2823881731"/>
       </p:ext>
     </p:extLst>
   </p:cSld>
   <p:clrMapOvr>
     <a:masterClrMapping/>
   </p:clrMapOvr>
+  <mc:AlternateContent xmlns:mc="http://schemas.openxmlformats.org/markup-compatibility/2006">
+    <mc:Choice xmlns:p14="http://schemas.microsoft.com/office/powerpoint/2010/main" Requires="p14">
+      <p:transition spd="slow" p14:dur="2000"/>
+    </mc:Choice>
+    <mc:Fallback>
+      <p:transition spd="slow"/>
+    </mc:Fallback>
+  </mc:AlternateContent>
 </p:sld>
 </file>
 
@@ -6807,12 +7735,8 @@
           <a:lstStyle/>
           <a:p>
             <a:r>
-              <a:rPr lang="en-GB" dirty="0" err="1" smtClean="0"/>
-              <a:t>Javascript</a:t>
-            </a:r>
-            <a:r>
               <a:rPr lang="en-GB" dirty="0" smtClean="0"/>
-              <a:t>: The Gotchas</a:t>
+              <a:t>exceptions</a:t>
             </a:r>
             <a:endParaRPr lang="en-GB" dirty="0"/>
           </a:p>
@@ -6840,13 +7764,21 @@
     </p:spTree>
     <p:extLst>
       <p:ext uri="{BB962C8B-B14F-4D97-AF65-F5344CB8AC3E}">
-        <p14:creationId xmlns:p14="http://schemas.microsoft.com/office/powerpoint/2010/main" val="1792698592"/>
+        <p14:creationId xmlns:p14="http://schemas.microsoft.com/office/powerpoint/2010/main" val="2746586850"/>
       </p:ext>
     </p:extLst>
   </p:cSld>
   <p:clrMapOvr>
     <a:masterClrMapping/>
   </p:clrMapOvr>
+  <mc:AlternateContent xmlns:mc="http://schemas.openxmlformats.org/markup-compatibility/2006">
+    <mc:Choice xmlns:p14="http://schemas.microsoft.com/office/powerpoint/2010/main" Requires="p14">
+      <p:transition spd="slow" p14:dur="2000"/>
+    </mc:Choice>
+    <mc:Fallback>
+      <p:transition spd="slow"/>
+    </mc:Fallback>
+  </mc:AlternateContent>
 </p:sld>
 </file>
 
@@ -6884,7 +7816,11 @@
           <a:p>
             <a:r>
               <a:rPr lang="en-GB" dirty="0" smtClean="0"/>
-              <a:t>scope</a:t>
+              <a:t>closures and </a:t>
+            </a:r>
+            <a:r>
+              <a:rPr lang="en-GB" dirty="0" err="1" smtClean="0"/>
+              <a:t>callbacks</a:t>
             </a:r>
             <a:endParaRPr lang="en-GB" dirty="0"/>
           </a:p>
@@ -6912,13 +7848,21 @@
     </p:spTree>
     <p:extLst>
       <p:ext uri="{BB962C8B-B14F-4D97-AF65-F5344CB8AC3E}">
-        <p14:creationId xmlns:p14="http://schemas.microsoft.com/office/powerpoint/2010/main" val="2170781727"/>
+        <p14:creationId xmlns:p14="http://schemas.microsoft.com/office/powerpoint/2010/main" val="218911309"/>
       </p:ext>
     </p:extLst>
   </p:cSld>
   <p:clrMapOvr>
     <a:masterClrMapping/>
   </p:clrMapOvr>
+  <mc:AlternateContent xmlns:mc="http://schemas.openxmlformats.org/markup-compatibility/2006">
+    <mc:Choice xmlns:p14="http://schemas.microsoft.com/office/powerpoint/2010/main" Requires="p14">
+      <p:transition spd="slow" p14:dur="2000"/>
+    </mc:Choice>
+    <mc:Fallback>
+      <p:transition spd="slow"/>
+    </mc:Fallback>
+  </mc:AlternateContent>
 </p:sld>
 </file>
 
@@ -6951,12 +7895,14 @@
         </p:nvSpPr>
         <p:spPr/>
         <p:txBody>
-          <a:bodyPr/>
+          <a:bodyPr>
+            <a:normAutofit/>
+          </a:bodyPr>
           <a:lstStyle/>
           <a:p>
             <a:r>
               <a:rPr lang="en-GB" dirty="0" smtClean="0"/>
-              <a:t>Name That Language – Round 2</a:t>
+              <a:t>Name That Language – Round 1</a:t>
             </a:r>
             <a:endParaRPr lang="en-GB" dirty="0"/>
           </a:p>
@@ -6964,101 +7910,102 @@
       </p:sp>
       <p:sp>
         <p:nvSpPr>
-          <p:cNvPr id="5" name="Rectangle 4"/>
-          <p:cNvSpPr/>
+          <p:cNvPr id="18433" name="Rectangle 1"/>
+          <p:cNvSpPr>
+            <a:spLocks noChangeArrowheads="1"/>
+          </p:cNvSpPr>
           <p:nvPr/>
         </p:nvSpPr>
-        <p:spPr>
-          <a:xfrm>
-            <a:off x="683568" y="1988840"/>
-            <a:ext cx="7776864" cy="2308324"/>
+        <p:spPr bwMode="auto">
+          <a:xfrm rot="10800000" flipH="1" flipV="1">
+            <a:off x="251520" y="1979230"/>
+            <a:ext cx="8568952" cy="2308324"/>
           </a:xfrm>
           <a:prstGeom prst="rect">
             <a:avLst/>
           </a:prstGeom>
+          <a:solidFill>
+            <a:schemeClr val="bg1"/>
+          </a:solidFill>
+          <a:ln w="9525">
+            <a:noFill/>
+            <a:miter lim="800000"/>
+            <a:headEnd/>
+            <a:tailEnd/>
+          </a:ln>
+          <a:effectLst/>
         </p:spPr>
         <p:txBody>
-          <a:bodyPr wrap="square">
+          <a:bodyPr vert="horz" wrap="square" lIns="91440" tIns="45720" rIns="91440" bIns="45720" numCol="1" anchor="ctr" anchorCtr="0" compatLnSpc="1">
+            <a:prstTxWarp prst="textNoShape">
+              <a:avLst/>
+            </a:prstTxWarp>
             <a:spAutoFit/>
           </a:bodyPr>
           <a:lstStyle/>
           <a:p>
-            <a:pPr lvl="0" fontAlgn="base">
+            <a:pPr marL="0" marR="0" lvl="0" indent="0" algn="l" defTabSz="914400" rtl="0" eaLnBrk="1" fontAlgn="base" latinLnBrk="0" hangingPunct="1">
+              <a:lnSpc>
+                <a:spcPct val="100000"/>
+              </a:lnSpc>
               <a:spcBef>
                 <a:spcPct val="0"/>
               </a:spcBef>
               <a:spcAft>
                 <a:spcPct val="0"/>
               </a:spcAft>
+              <a:buClrTx/>
+              <a:buSzTx/>
+              <a:buFontTx/>
+              <a:buNone/>
+              <a:tabLst/>
             </a:pPr>
             <a:r>
-              <a:rPr kumimoji="0" lang="en-US" sz="3600" b="1" i="0" u="none" strike="noStrike" cap="none" normalizeH="0" baseline="0" dirty="0" smtClean="0">
-                <a:ln>
-                  <a:noFill/>
-                </a:ln>
-                <a:effectLst/>
-                <a:latin typeface="Consolas" pitchFamily="49" charset="0"/>
-                <a:cs typeface="Consolas" pitchFamily="49" charset="0"/>
-              </a:rPr>
-              <a:t>(define</a:t>
-            </a:r>
-            <a:r>
-              <a:rPr kumimoji="0" lang="en-US" sz="3600" b="0" i="0" u="none" strike="noStrike" cap="none" normalizeH="0" baseline="0" dirty="0" smtClean="0">
-                <a:ln>
-                  <a:noFill/>
-                </a:ln>
-                <a:effectLst/>
-                <a:latin typeface="Consolas" pitchFamily="49" charset="0"/>
-                <a:cs typeface="Consolas" pitchFamily="49" charset="0"/>
-              </a:rPr>
-              <a:t> </a:t>
-            </a:r>
-            <a:r>
-              <a:rPr kumimoji="0" lang="en-US" sz="3600" b="1" i="0" u="none" strike="noStrike" cap="none" normalizeH="0" baseline="0" dirty="0" smtClean="0">
-                <a:ln>
-                  <a:noFill/>
-                </a:ln>
-                <a:effectLst/>
-                <a:latin typeface="Consolas" pitchFamily="49" charset="0"/>
-                <a:cs typeface="Consolas" pitchFamily="49" charset="0"/>
-              </a:rPr>
-              <a:t>(</a:t>
-            </a:r>
-            <a:r>
-              <a:rPr kumimoji="0" lang="en-US" sz="3600" b="0" i="0" u="none" strike="noStrike" cap="none" normalizeH="0" baseline="0" dirty="0" smtClean="0">
-                <a:ln>
-                  <a:noFill/>
-                </a:ln>
-                <a:effectLst/>
-                <a:latin typeface="Consolas" pitchFamily="49" charset="0"/>
-                <a:cs typeface="Consolas" pitchFamily="49" charset="0"/>
-              </a:rPr>
-              <a:t>factorial n</a:t>
-            </a:r>
-            <a:r>
-              <a:rPr kumimoji="0" lang="en-US" sz="3600" b="1" i="0" u="none" strike="noStrike" cap="none" normalizeH="0" baseline="0" dirty="0" smtClean="0">
-                <a:ln>
-                  <a:noFill/>
-                </a:ln>
-                <a:effectLst/>
-                <a:latin typeface="Consolas" pitchFamily="49" charset="0"/>
-                <a:cs typeface="Consolas" pitchFamily="49" charset="0"/>
-              </a:rPr>
-              <a:t>)</a:t>
-            </a:r>
-            <a:r>
-              <a:rPr kumimoji="0" lang="en-US" sz="3600" b="0" i="0" u="none" strike="noStrike" cap="none" normalizeH="0" baseline="0" dirty="0" smtClean="0">
-                <a:ln>
-                  <a:noFill/>
-                </a:ln>
-                <a:effectLst/>
-                <a:latin typeface="Consolas" pitchFamily="49" charset="0"/>
-                <a:cs typeface="Consolas" pitchFamily="49" charset="0"/>
-              </a:rPr>
-              <a:t/>
+              <a:rPr kumimoji="0" lang="en-US" sz="3600" i="0" u="none" strike="noStrike" cap="none" normalizeH="0" baseline="0" dirty="0" err="1" smtClean="0">
+                <a:ln>
+                  <a:noFill/>
+                </a:ln>
+                <a:effectLst/>
+                <a:latin typeface="Consolas" pitchFamily="49" charset="0"/>
+                <a:cs typeface="Consolas" pitchFamily="49" charset="0"/>
+              </a:rPr>
+              <a:t>int</a:t>
+            </a:r>
+            <a:r>
+              <a:rPr kumimoji="0" lang="en-US" sz="3600" i="0" u="none" strike="noStrike" cap="none" normalizeH="0" baseline="0" dirty="0" smtClean="0">
+                <a:ln>
+                  <a:noFill/>
+                </a:ln>
+                <a:effectLst/>
+                <a:latin typeface="Consolas" pitchFamily="49" charset="0"/>
+                <a:cs typeface="Consolas" pitchFamily="49" charset="0"/>
+              </a:rPr>
+              <a:t> Factorial(</a:t>
+            </a:r>
+            <a:r>
+              <a:rPr kumimoji="0" lang="en-US" sz="3600" i="0" u="none" strike="noStrike" cap="none" normalizeH="0" baseline="0" dirty="0" err="1" smtClean="0">
+                <a:ln>
+                  <a:noFill/>
+                </a:ln>
+                <a:effectLst/>
+                <a:latin typeface="Consolas" pitchFamily="49" charset="0"/>
+                <a:cs typeface="Consolas" pitchFamily="49" charset="0"/>
+              </a:rPr>
+              <a:t>int</a:t>
+            </a:r>
+            <a:r>
+              <a:rPr kumimoji="0" lang="en-US" sz="3600" i="0" u="none" strike="noStrike" cap="none" normalizeH="0" baseline="0" dirty="0" smtClean="0">
+                <a:ln>
+                  <a:noFill/>
+                </a:ln>
+                <a:effectLst/>
+                <a:latin typeface="Consolas" pitchFamily="49" charset="0"/>
+                <a:cs typeface="Consolas" pitchFamily="49" charset="0"/>
+              </a:rPr>
+              <a:t> n) {</a:t>
             </a:r>
             <a:br>
-              <a:rPr kumimoji="0" lang="en-US" sz="3600" b="0" i="0" u="none" strike="noStrike" cap="none" normalizeH="0" baseline="0" dirty="0" smtClean="0">
+              <a:rPr kumimoji="0" lang="en-US" sz="3600" i="0" u="none" strike="noStrike" cap="none" normalizeH="0" baseline="0" dirty="0" smtClean="0">
                 <a:ln>
                   <a:noFill/>
                 </a:ln>
@@ -7068,91 +8015,18 @@
               </a:rPr>
             </a:br>
             <a:r>
-              <a:rPr kumimoji="0" lang="en-US" sz="3600" b="0" i="0" u="none" strike="noStrike" cap="none" normalizeH="0" baseline="0" dirty="0" smtClean="0">
-                <a:ln>
-                  <a:noFill/>
-                </a:ln>
-                <a:effectLst/>
-                <a:latin typeface="Consolas" pitchFamily="49" charset="0"/>
-                <a:cs typeface="Consolas" pitchFamily="49" charset="0"/>
-              </a:rPr>
-              <a:t>  </a:t>
-            </a:r>
-            <a:r>
-              <a:rPr kumimoji="0" lang="en-US" sz="3600" b="1" i="0" u="none" strike="noStrike" cap="none" normalizeH="0" baseline="0" dirty="0" smtClean="0">
-                <a:ln>
-                  <a:noFill/>
-                </a:ln>
-                <a:effectLst/>
-                <a:latin typeface="Consolas" pitchFamily="49" charset="0"/>
-                <a:cs typeface="Consolas" pitchFamily="49" charset="0"/>
-              </a:rPr>
-              <a:t>(if</a:t>
-            </a:r>
-            <a:r>
-              <a:rPr kumimoji="0" lang="en-US" sz="3600" b="0" i="0" u="none" strike="noStrike" cap="none" normalizeH="0" baseline="0" dirty="0" smtClean="0">
-                <a:ln>
-                  <a:noFill/>
-                </a:ln>
-                <a:effectLst/>
-                <a:latin typeface="Consolas" pitchFamily="49" charset="0"/>
-                <a:cs typeface="Consolas" pitchFamily="49" charset="0"/>
-              </a:rPr>
-              <a:t> </a:t>
-            </a:r>
-            <a:r>
-              <a:rPr kumimoji="0" lang="en-US" sz="3600" b="1" i="0" u="none" strike="noStrike" cap="none" normalizeH="0" baseline="0" dirty="0" smtClean="0">
-                <a:ln>
-                  <a:noFill/>
-                </a:ln>
-                <a:effectLst/>
-                <a:latin typeface="Consolas" pitchFamily="49" charset="0"/>
-                <a:cs typeface="Consolas" pitchFamily="49" charset="0"/>
-              </a:rPr>
-              <a:t>(</a:t>
-            </a:r>
-            <a:r>
-              <a:rPr kumimoji="0" lang="en-US" sz="3600" b="0" i="0" u="none" strike="noStrike" cap="none" normalizeH="0" baseline="0" dirty="0" smtClean="0">
-                <a:ln>
-                  <a:noFill/>
-                </a:ln>
-                <a:effectLst/>
-                <a:latin typeface="Consolas" pitchFamily="49" charset="0"/>
-                <a:cs typeface="Consolas" pitchFamily="49" charset="0"/>
-              </a:rPr>
-              <a:t>&lt; n </a:t>
-            </a:r>
-            <a:r>
-              <a:rPr lang="en-US" sz="3600" b="1" dirty="0">
-                <a:latin typeface="Consolas" pitchFamily="49" charset="0"/>
-                <a:cs typeface="Consolas" pitchFamily="49" charset="0"/>
-              </a:rPr>
-              <a:t>2</a:t>
-            </a:r>
-            <a:r>
-              <a:rPr kumimoji="0" lang="en-US" sz="3600" b="1" i="0" u="none" strike="noStrike" cap="none" normalizeH="0" baseline="0" dirty="0" smtClean="0">
-                <a:ln>
-                  <a:noFill/>
-                </a:ln>
-                <a:effectLst/>
-                <a:latin typeface="Consolas" pitchFamily="49" charset="0"/>
-                <a:cs typeface="Consolas" pitchFamily="49" charset="0"/>
-              </a:rPr>
-              <a:t>)</a:t>
-            </a:r>
-            <a:r>
-              <a:rPr kumimoji="0" lang="en-US" sz="3600" b="0" i="0" u="none" strike="noStrike" cap="none" normalizeH="0" baseline="0" dirty="0" smtClean="0">
-                <a:ln>
-                  <a:noFill/>
-                </a:ln>
-                <a:effectLst/>
-                <a:latin typeface="Consolas" pitchFamily="49" charset="0"/>
-                <a:cs typeface="Consolas" pitchFamily="49" charset="0"/>
-              </a:rPr>
-              <a:t/>
+              <a:rPr kumimoji="0" lang="en-US" sz="3600" i="0" u="none" strike="noStrike" cap="none" normalizeH="0" baseline="0" dirty="0" smtClean="0">
+                <a:ln>
+                  <a:noFill/>
+                </a:ln>
+                <a:effectLst/>
+                <a:latin typeface="Consolas" pitchFamily="49" charset="0"/>
+                <a:cs typeface="Consolas" pitchFamily="49" charset="0"/>
+              </a:rPr>
+              <a:t>    if (n &lt; 2) return(1);</a:t>
             </a:r>
             <a:br>
-              <a:rPr kumimoji="0" lang="en-US" sz="3600" b="0" i="0" u="none" strike="noStrike" cap="none" normalizeH="0" baseline="0" dirty="0" smtClean="0">
+              <a:rPr kumimoji="0" lang="en-US" sz="3600" i="0" u="none" strike="noStrike" cap="none" normalizeH="0" baseline="0" dirty="0" smtClean="0">
                 <a:ln>
                   <a:noFill/>
                 </a:ln>
@@ -7162,40 +8036,18 @@
               </a:rPr>
             </a:br>
             <a:r>
-              <a:rPr kumimoji="0" lang="en-US" sz="3600" b="0" i="0" u="none" strike="noStrike" cap="none" normalizeH="0" baseline="0" dirty="0" smtClean="0">
-                <a:ln>
-                  <a:noFill/>
-                </a:ln>
-                <a:effectLst/>
-                <a:latin typeface="Consolas" pitchFamily="49" charset="0"/>
-                <a:cs typeface="Consolas" pitchFamily="49" charset="0"/>
-              </a:rPr>
-              <a:t>   </a:t>
-            </a:r>
-            <a:r>
-              <a:rPr kumimoji="0" lang="en-US" sz="3600" b="1" i="0" u="none" strike="noStrike" cap="none" normalizeH="0" baseline="0" dirty="0" smtClean="0">
-                <a:ln>
-                  <a:noFill/>
-                </a:ln>
-                <a:effectLst/>
-                <a:latin typeface="Consolas" pitchFamily="49" charset="0"/>
-                <a:cs typeface="Consolas" pitchFamily="49" charset="0"/>
-              </a:rPr>
-              <a:t>1</a:t>
-            </a:r>
-            <a:r>
-              <a:rPr kumimoji="0" lang="en-US" sz="3600" b="0" i="0" u="none" strike="noStrike" cap="none" normalizeH="0" baseline="0" dirty="0" smtClean="0">
-                <a:ln>
-                  <a:noFill/>
-                </a:ln>
-                <a:effectLst/>
-                <a:latin typeface="Consolas" pitchFamily="49" charset="0"/>
-                <a:cs typeface="Consolas" pitchFamily="49" charset="0"/>
-              </a:rPr>
-              <a:t/>
+              <a:rPr kumimoji="0" lang="en-US" sz="3600" i="0" u="none" strike="noStrike" cap="none" normalizeH="0" baseline="0" dirty="0" smtClean="0">
+                <a:ln>
+                  <a:noFill/>
+                </a:ln>
+                <a:effectLst/>
+                <a:latin typeface="Consolas" pitchFamily="49" charset="0"/>
+                <a:cs typeface="Consolas" pitchFamily="49" charset="0"/>
+              </a:rPr>
+              <a:t>    return n * Factorial(n - 1);</a:t>
             </a:r>
             <a:br>
-              <a:rPr kumimoji="0" lang="en-US" sz="3600" b="0" i="0" u="none" strike="noStrike" cap="none" normalizeH="0" baseline="0" dirty="0" smtClean="0">
+              <a:rPr kumimoji="0" lang="en-US" sz="3600" i="0" u="none" strike="noStrike" cap="none" normalizeH="0" baseline="0" dirty="0" smtClean="0">
                 <a:ln>
                   <a:noFill/>
                 </a:ln>
@@ -7205,103 +8057,15 @@
               </a:rPr>
             </a:br>
             <a:r>
-              <a:rPr kumimoji="0" lang="en-US" sz="3600" b="0" i="0" u="none" strike="noStrike" cap="none" normalizeH="0" baseline="0" dirty="0" smtClean="0">
-                <a:ln>
-                  <a:noFill/>
-                </a:ln>
-                <a:effectLst/>
-                <a:latin typeface="Consolas" pitchFamily="49" charset="0"/>
-                <a:cs typeface="Consolas" pitchFamily="49" charset="0"/>
-              </a:rPr>
-              <a:t>   </a:t>
-            </a:r>
-            <a:r>
-              <a:rPr kumimoji="0" lang="en-US" sz="3600" b="1" i="0" u="none" strike="noStrike" cap="none" normalizeH="0" baseline="0" dirty="0" smtClean="0">
-                <a:ln>
-                  <a:noFill/>
-                </a:ln>
-                <a:effectLst/>
-                <a:latin typeface="Consolas" pitchFamily="49" charset="0"/>
-                <a:cs typeface="Consolas" pitchFamily="49" charset="0"/>
-              </a:rPr>
-              <a:t>(</a:t>
-            </a:r>
-            <a:r>
-              <a:rPr kumimoji="0" lang="en-US" sz="3600" b="0" i="0" u="none" strike="noStrike" cap="none" normalizeH="0" baseline="0" dirty="0" smtClean="0">
-                <a:ln>
-                  <a:noFill/>
-                </a:ln>
-                <a:effectLst/>
-                <a:latin typeface="Consolas" pitchFamily="49" charset="0"/>
-                <a:cs typeface="Consolas" pitchFamily="49" charset="0"/>
-              </a:rPr>
-              <a:t>* n </a:t>
-            </a:r>
-            <a:r>
-              <a:rPr kumimoji="0" lang="en-US" sz="3600" b="1" i="0" u="none" strike="noStrike" cap="none" normalizeH="0" baseline="0" dirty="0" smtClean="0">
-                <a:ln>
-                  <a:noFill/>
-                </a:ln>
-                <a:effectLst/>
-                <a:latin typeface="Consolas" pitchFamily="49" charset="0"/>
-                <a:cs typeface="Consolas" pitchFamily="49" charset="0"/>
-              </a:rPr>
-              <a:t>(</a:t>
-            </a:r>
-            <a:r>
-              <a:rPr kumimoji="0" lang="en-US" sz="3600" b="0" i="0" u="none" strike="noStrike" cap="none" normalizeH="0" baseline="0" dirty="0" smtClean="0">
-                <a:ln>
-                  <a:noFill/>
-                </a:ln>
-                <a:effectLst/>
-                <a:latin typeface="Consolas" pitchFamily="49" charset="0"/>
-                <a:cs typeface="Consolas" pitchFamily="49" charset="0"/>
-              </a:rPr>
-              <a:t>factorial </a:t>
-            </a:r>
-            <a:r>
-              <a:rPr kumimoji="0" lang="en-US" sz="3600" b="1" i="0" u="none" strike="noStrike" cap="none" normalizeH="0" baseline="0" dirty="0" smtClean="0">
-                <a:ln>
-                  <a:noFill/>
-                </a:ln>
-                <a:effectLst/>
-                <a:latin typeface="Consolas" pitchFamily="49" charset="0"/>
-                <a:cs typeface="Consolas" pitchFamily="49" charset="0"/>
-              </a:rPr>
-              <a:t>(</a:t>
-            </a:r>
-            <a:r>
-              <a:rPr kumimoji="0" lang="en-US" sz="3600" b="0" i="0" u="none" strike="noStrike" cap="none" normalizeH="0" baseline="0" dirty="0" smtClean="0">
-                <a:ln>
-                  <a:noFill/>
-                </a:ln>
-                <a:effectLst/>
-                <a:latin typeface="Consolas" pitchFamily="49" charset="0"/>
-                <a:cs typeface="Consolas" pitchFamily="49" charset="0"/>
-              </a:rPr>
-              <a:t>- n </a:t>
-            </a:r>
-            <a:r>
-              <a:rPr kumimoji="0" lang="en-US" sz="3600" b="1" i="0" u="none" strike="noStrike" cap="none" normalizeH="0" baseline="0" dirty="0" smtClean="0">
-                <a:ln>
-                  <a:noFill/>
-                </a:ln>
-                <a:effectLst/>
-                <a:latin typeface="Consolas" pitchFamily="49" charset="0"/>
-                <a:cs typeface="Consolas" pitchFamily="49" charset="0"/>
-              </a:rPr>
-              <a:t>1))))</a:t>
-            </a:r>
-            <a:r>
-              <a:rPr kumimoji="0" lang="en-US" sz="3600" b="0" i="0" u="none" strike="noStrike" cap="none" normalizeH="0" baseline="0" dirty="0" smtClean="0">
-                <a:ln>
-                  <a:noFill/>
-                </a:ln>
-                <a:effectLst/>
-                <a:latin typeface="Consolas" pitchFamily="49" charset="0"/>
-                <a:cs typeface="Consolas" pitchFamily="49" charset="0"/>
-              </a:rPr>
-              <a:t> </a:t>
+              <a:rPr kumimoji="0" lang="en-US" sz="3600" i="0" u="none" strike="noStrike" cap="none" normalizeH="0" baseline="0" dirty="0" smtClean="0">
+                <a:ln>
+                  <a:noFill/>
+                </a:ln>
+                <a:effectLst/>
+                <a:latin typeface="Consolas" pitchFamily="49" charset="0"/>
+                <a:cs typeface="Consolas" pitchFamily="49" charset="0"/>
+              </a:rPr>
+              <a:t>} </a:t>
             </a:r>
           </a:p>
         </p:txBody>
@@ -7311,6 +8075,14 @@
   <p:clrMapOvr>
     <a:masterClrMapping/>
   </p:clrMapOvr>
+  <mc:AlternateContent xmlns:mc="http://schemas.openxmlformats.org/markup-compatibility/2006">
+    <mc:Choice xmlns:p14="http://schemas.microsoft.com/office/powerpoint/2010/main" Requires="p14">
+      <p:transition spd="slow" p14:dur="2000"/>
+    </mc:Choice>
+    <mc:Fallback>
+      <p:transition spd="slow"/>
+    </mc:Fallback>
+  </mc:AlternateContent>
 </p:sld>
 </file>
 
@@ -7347,8 +8119,12 @@
           <a:lstStyle/>
           <a:p>
             <a:r>
+              <a:rPr lang="en-GB" dirty="0" err="1" smtClean="0"/>
+              <a:t>Javascript</a:t>
+            </a:r>
+            <a:r>
               <a:rPr lang="en-GB" dirty="0" smtClean="0"/>
-              <a:t>truth</a:t>
+              <a:t>: The Gotchas</a:t>
             </a:r>
             <a:endParaRPr lang="en-GB" dirty="0"/>
           </a:p>
@@ -7376,13 +8152,21 @@
     </p:spTree>
     <p:extLst>
       <p:ext uri="{BB962C8B-B14F-4D97-AF65-F5344CB8AC3E}">
-        <p14:creationId xmlns:p14="http://schemas.microsoft.com/office/powerpoint/2010/main" val="3191141142"/>
+        <p14:creationId xmlns:p14="http://schemas.microsoft.com/office/powerpoint/2010/main" val="1792698592"/>
       </p:ext>
     </p:extLst>
   </p:cSld>
   <p:clrMapOvr>
     <a:masterClrMapping/>
   </p:clrMapOvr>
+  <mc:AlternateContent xmlns:mc="http://schemas.openxmlformats.org/markup-compatibility/2006">
+    <mc:Choice xmlns:p14="http://schemas.microsoft.com/office/powerpoint/2010/main" Requires="p14">
+      <p:transition spd="slow" p14:dur="2000"/>
+    </mc:Choice>
+    <mc:Fallback>
+      <p:transition spd="slow"/>
+    </mc:Fallback>
+  </mc:AlternateContent>
 </p:sld>
 </file>
 
@@ -7420,7 +8204,7 @@
           <a:p>
             <a:r>
               <a:rPr lang="en-GB" dirty="0" smtClean="0"/>
-              <a:t>semicolons</a:t>
+              <a:t>scope</a:t>
             </a:r>
             <a:endParaRPr lang="en-GB" dirty="0"/>
           </a:p>
@@ -7448,13 +8232,21 @@
     </p:spTree>
     <p:extLst>
       <p:ext uri="{BB962C8B-B14F-4D97-AF65-F5344CB8AC3E}">
-        <p14:creationId xmlns:p14="http://schemas.microsoft.com/office/powerpoint/2010/main" val="2115361213"/>
+        <p14:creationId xmlns:p14="http://schemas.microsoft.com/office/powerpoint/2010/main" val="2170781727"/>
       </p:ext>
     </p:extLst>
   </p:cSld>
   <p:clrMapOvr>
     <a:masterClrMapping/>
   </p:clrMapOvr>
+  <mc:AlternateContent xmlns:mc="http://schemas.openxmlformats.org/markup-compatibility/2006">
+    <mc:Choice xmlns:p14="http://schemas.microsoft.com/office/powerpoint/2010/main" Requires="p14">
+      <p:transition spd="slow" p14:dur="2000"/>
+    </mc:Choice>
+    <mc:Fallback>
+      <p:transition spd="slow"/>
+    </mc:Fallback>
+  </mc:AlternateContent>
 </p:sld>
 </file>
 
@@ -7492,7 +8284,7 @@
           <a:p>
             <a:r>
               <a:rPr lang="en-GB" dirty="0" smtClean="0"/>
-              <a:t>this and event handlers</a:t>
+              <a:t>truth</a:t>
             </a:r>
             <a:endParaRPr lang="en-GB" dirty="0"/>
           </a:p>
@@ -7513,24 +8305,28 @@
           <a:bodyPr/>
           <a:lstStyle/>
           <a:p>
-            <a:r>
-              <a:rPr lang="en-GB" dirty="0" smtClean="0"/>
-              <a:t>function binding</a:t>
-            </a:r>
-            <a:endParaRPr lang="en-GB" dirty="0"/>
+            <a:endParaRPr lang="en-GB"/>
           </a:p>
         </p:txBody>
       </p:sp>
     </p:spTree>
     <p:extLst>
       <p:ext uri="{BB962C8B-B14F-4D97-AF65-F5344CB8AC3E}">
-        <p14:creationId xmlns:p14="http://schemas.microsoft.com/office/powerpoint/2010/main" val="259883720"/>
+        <p14:creationId xmlns:p14="http://schemas.microsoft.com/office/powerpoint/2010/main" val="3191141142"/>
       </p:ext>
     </p:extLst>
   </p:cSld>
   <p:clrMapOvr>
     <a:masterClrMapping/>
   </p:clrMapOvr>
+  <mc:AlternateContent xmlns:mc="http://schemas.openxmlformats.org/markup-compatibility/2006">
+    <mc:Choice xmlns:p14="http://schemas.microsoft.com/office/powerpoint/2010/main" Requires="p14">
+      <p:transition spd="slow" p14:dur="2000"/>
+    </mc:Choice>
+    <mc:Fallback>
+      <p:transition spd="slow"/>
+    </mc:Fallback>
+  </mc:AlternateContent>
 </p:sld>
 </file>
 
@@ -7568,7 +8364,7 @@
           <a:p>
             <a:r>
               <a:rPr lang="en-GB" dirty="0" smtClean="0"/>
-              <a:t>Arrays that aren’t really arrays</a:t>
+              <a:t>semicolons</a:t>
             </a:r>
             <a:endParaRPr lang="en-GB" dirty="0"/>
           </a:p>
@@ -7589,27 +8385,28 @@
           <a:bodyPr/>
           <a:lstStyle/>
           <a:p>
-            <a:r>
-              <a:rPr lang="en-GB" dirty="0" err="1" smtClean="0"/>
-              <a:t>array.length</a:t>
-            </a:r>
-            <a:r>
-              <a:rPr lang="en-GB" baseline="0" dirty="0" smtClean="0"/>
-              <a:t> – the highest integer index plus one</a:t>
-            </a:r>
+            <a:endParaRPr lang="en-GB"/>
           </a:p>
         </p:txBody>
       </p:sp>
     </p:spTree>
     <p:extLst>
       <p:ext uri="{BB962C8B-B14F-4D97-AF65-F5344CB8AC3E}">
-        <p14:creationId xmlns:p14="http://schemas.microsoft.com/office/powerpoint/2010/main" val="3140080712"/>
+        <p14:creationId xmlns:p14="http://schemas.microsoft.com/office/powerpoint/2010/main" val="2115361213"/>
       </p:ext>
     </p:extLst>
   </p:cSld>
   <p:clrMapOvr>
     <a:masterClrMapping/>
   </p:clrMapOvr>
+  <mc:AlternateContent xmlns:mc="http://schemas.openxmlformats.org/markup-compatibility/2006">
+    <mc:Choice xmlns:p14="http://schemas.microsoft.com/office/powerpoint/2010/main" Requires="p14">
+      <p:transition spd="slow" p14:dur="2000"/>
+    </mc:Choice>
+    <mc:Fallback>
+      <p:transition spd="slow"/>
+    </mc:Fallback>
+  </mc:AlternateContent>
 </p:sld>
 </file>
 
@@ -7645,10 +8442,9 @@
           <a:bodyPr/>
           <a:lstStyle/>
           <a:p>
-            <a:pPr lvl="0"/>
-            <a:r>
-              <a:rPr lang="en-GB" baseline="0" dirty="0" smtClean="0"/>
-              <a:t>type coercion</a:t>
+            <a:r>
+              <a:rPr lang="en-GB" dirty="0" smtClean="0"/>
+              <a:t>this and event handlers</a:t>
             </a:r>
             <a:endParaRPr lang="en-GB" dirty="0"/>
           </a:p>
@@ -7669,20 +8465,32 @@
           <a:bodyPr/>
           <a:lstStyle/>
           <a:p>
-            <a:endParaRPr lang="en-GB"/>
+            <a:r>
+              <a:rPr lang="en-GB" dirty="0" smtClean="0"/>
+              <a:t>function binding</a:t>
+            </a:r>
+            <a:endParaRPr lang="en-GB" dirty="0"/>
           </a:p>
         </p:txBody>
       </p:sp>
     </p:spTree>
     <p:extLst>
       <p:ext uri="{BB962C8B-B14F-4D97-AF65-F5344CB8AC3E}">
-        <p14:creationId xmlns:p14="http://schemas.microsoft.com/office/powerpoint/2010/main" val="649950254"/>
+        <p14:creationId xmlns:p14="http://schemas.microsoft.com/office/powerpoint/2010/main" val="259883720"/>
       </p:ext>
     </p:extLst>
   </p:cSld>
   <p:clrMapOvr>
     <a:masterClrMapping/>
   </p:clrMapOvr>
+  <mc:AlternateContent xmlns:mc="http://schemas.openxmlformats.org/markup-compatibility/2006">
+    <mc:Choice xmlns:p14="http://schemas.microsoft.com/office/powerpoint/2010/main" Requires="p14">
+      <p:transition spd="slow" p14:dur="2000"/>
+    </mc:Choice>
+    <mc:Fallback>
+      <p:transition spd="slow"/>
+    </mc:Fallback>
+  </mc:AlternateContent>
 </p:sld>
 </file>
 
@@ -7715,51 +8523,41 @@
         </p:nvSpPr>
         <p:spPr/>
         <p:txBody>
+          <a:bodyPr>
+            <a:normAutofit/>
+          </a:bodyPr>
+          <a:lstStyle/>
+          <a:p>
+            <a:r>
+              <a:rPr lang="en-GB" dirty="0" smtClean="0"/>
+              <a:t>Arrays that aren’t really arrays</a:t>
+            </a:r>
+            <a:endParaRPr lang="en-GB" dirty="0"/>
+          </a:p>
+        </p:txBody>
+      </p:sp>
+      <p:sp>
+        <p:nvSpPr>
+          <p:cNvPr id="3" name="Content Placeholder 2"/>
+          <p:cNvSpPr>
+            <a:spLocks noGrp="1"/>
+          </p:cNvSpPr>
+          <p:nvPr>
+            <p:ph idx="1"/>
+          </p:nvPr>
+        </p:nvSpPr>
+        <p:spPr/>
+        <p:txBody>
           <a:bodyPr/>
           <a:lstStyle/>
           <a:p>
             <a:r>
               <a:rPr lang="en-GB" dirty="0" err="1" smtClean="0"/>
-              <a:t>Javascript</a:t>
-            </a:r>
-            <a:r>
-              <a:rPr lang="en-GB" dirty="0" smtClean="0"/>
-              <a:t>: The Missing Pieces</a:t>
-            </a:r>
-            <a:endParaRPr lang="en-GB" dirty="0"/>
-          </a:p>
-        </p:txBody>
-      </p:sp>
-      <p:sp>
-        <p:nvSpPr>
-          <p:cNvPr id="3" name="Content Placeholder 2"/>
-          <p:cNvSpPr>
-            <a:spLocks noGrp="1"/>
-          </p:cNvSpPr>
-          <p:nvPr>
-            <p:ph idx="1"/>
-          </p:nvPr>
-        </p:nvSpPr>
-        <p:spPr/>
-        <p:txBody>
-          <a:bodyPr/>
-          <a:lstStyle/>
-          <a:p>
-            <a:r>
-              <a:rPr lang="en-GB" dirty="0" smtClean="0"/>
-              <a:t>IO</a:t>
-            </a:r>
-          </a:p>
-          <a:p>
-            <a:r>
-              <a:rPr lang="en-GB" dirty="0" smtClean="0"/>
-              <a:t>Networking</a:t>
-            </a:r>
-          </a:p>
-          <a:p>
-            <a:r>
-              <a:rPr lang="en-GB" dirty="0" smtClean="0"/>
-              <a:t>Everything Else</a:t>
+              <a:t>array.length</a:t>
+            </a:r>
+            <a:r>
+              <a:rPr lang="en-GB" baseline="0" dirty="0" smtClean="0"/>
+              <a:t> – the highest integer index plus one</a:t>
             </a:r>
           </a:p>
         </p:txBody>
@@ -7767,13 +8565,21 @@
     </p:spTree>
     <p:extLst>
       <p:ext uri="{BB962C8B-B14F-4D97-AF65-F5344CB8AC3E}">
-        <p14:creationId xmlns:p14="http://schemas.microsoft.com/office/powerpoint/2010/main" val="4251563071"/>
+        <p14:creationId xmlns:p14="http://schemas.microsoft.com/office/powerpoint/2010/main" val="3140080712"/>
       </p:ext>
     </p:extLst>
   </p:cSld>
   <p:clrMapOvr>
     <a:masterClrMapping/>
   </p:clrMapOvr>
+  <mc:AlternateContent xmlns:mc="http://schemas.openxmlformats.org/markup-compatibility/2006">
+    <mc:Choice xmlns:p14="http://schemas.microsoft.com/office/powerpoint/2010/main" Requires="p14">
+      <p:transition spd="slow" p14:dur="2000"/>
+    </mc:Choice>
+    <mc:Fallback>
+      <p:transition spd="slow"/>
+    </mc:Fallback>
+  </mc:AlternateContent>
 </p:sld>
 </file>
 
@@ -7809,9 +8615,10 @@
           <a:bodyPr/>
           <a:lstStyle/>
           <a:p>
-            <a:r>
-              <a:rPr lang="en-GB" dirty="0" smtClean="0"/>
-              <a:t>Cool Stuff</a:t>
+            <a:pPr lvl="0"/>
+            <a:r>
+              <a:rPr lang="en-GB" baseline="0" dirty="0" smtClean="0"/>
+              <a:t>type coercion</a:t>
             </a:r>
             <a:endParaRPr lang="en-GB" dirty="0"/>
           </a:p>
@@ -7839,13 +8646,21 @@
     </p:spTree>
     <p:extLst>
       <p:ext uri="{BB962C8B-B14F-4D97-AF65-F5344CB8AC3E}">
-        <p14:creationId xmlns:p14="http://schemas.microsoft.com/office/powerpoint/2010/main" val="2598950759"/>
+        <p14:creationId xmlns:p14="http://schemas.microsoft.com/office/powerpoint/2010/main" val="649950254"/>
       </p:ext>
     </p:extLst>
   </p:cSld>
   <p:clrMapOvr>
     <a:masterClrMapping/>
   </p:clrMapOvr>
+  <mc:AlternateContent xmlns:mc="http://schemas.openxmlformats.org/markup-compatibility/2006">
+    <mc:Choice xmlns:p14="http://schemas.microsoft.com/office/powerpoint/2010/main" Requires="p14">
+      <p:transition spd="slow" p14:dur="2000"/>
+    </mc:Choice>
+    <mc:Fallback>
+      <p:transition spd="slow"/>
+    </mc:Fallback>
+  </mc:AlternateContent>
 </p:sld>
 </file>
 
@@ -7878,50 +8693,75 @@
         </p:nvSpPr>
         <p:spPr/>
         <p:txBody>
+          <a:bodyPr>
+            <a:normAutofit/>
+          </a:bodyPr>
+          <a:lstStyle/>
+          <a:p>
+            <a:r>
+              <a:rPr lang="en-GB" dirty="0" err="1" smtClean="0"/>
+              <a:t>Javascript</a:t>
+            </a:r>
+            <a:r>
+              <a:rPr lang="en-GB" dirty="0" smtClean="0"/>
+              <a:t>: The Missing Pieces</a:t>
+            </a:r>
+            <a:endParaRPr lang="en-GB" dirty="0"/>
+          </a:p>
+        </p:txBody>
+      </p:sp>
+      <p:sp>
+        <p:nvSpPr>
+          <p:cNvPr id="3" name="Content Placeholder 2"/>
+          <p:cNvSpPr>
+            <a:spLocks noGrp="1"/>
+          </p:cNvSpPr>
+          <p:nvPr>
+            <p:ph idx="1"/>
+          </p:nvPr>
+        </p:nvSpPr>
+        <p:spPr/>
+        <p:txBody>
           <a:bodyPr/>
           <a:lstStyle/>
           <a:p>
             <a:r>
-              <a:rPr lang="en-GB" dirty="0" err="1" smtClean="0"/>
-              <a:t>CommonJS</a:t>
-            </a:r>
-            <a:endParaRPr lang="en-GB" dirty="0"/>
-          </a:p>
-        </p:txBody>
-      </p:sp>
-      <p:sp>
-        <p:nvSpPr>
-          <p:cNvPr id="3" name="Content Placeholder 2"/>
-          <p:cNvSpPr>
-            <a:spLocks noGrp="1"/>
-          </p:cNvSpPr>
-          <p:nvPr>
-            <p:ph idx="1"/>
-          </p:nvPr>
-        </p:nvSpPr>
-        <p:spPr/>
-        <p:txBody>
-          <a:bodyPr/>
-          <a:lstStyle/>
-          <a:p>
-            <a:r>
               <a:rPr lang="en-GB" dirty="0" smtClean="0"/>
-              <a:t>how to use requires</a:t>
-            </a:r>
-            <a:endParaRPr lang="en-GB" dirty="0"/>
+              <a:t>IO</a:t>
+            </a:r>
+          </a:p>
+          <a:p>
+            <a:r>
+              <a:rPr lang="en-GB" dirty="0" smtClean="0"/>
+              <a:t>Networking</a:t>
+            </a:r>
+          </a:p>
+          <a:p>
+            <a:r>
+              <a:rPr lang="en-GB" dirty="0" smtClean="0"/>
+              <a:t>Everything Else</a:t>
+            </a:r>
           </a:p>
         </p:txBody>
       </p:sp>
     </p:spTree>
     <p:extLst>
       <p:ext uri="{BB962C8B-B14F-4D97-AF65-F5344CB8AC3E}">
-        <p14:creationId xmlns:p14="http://schemas.microsoft.com/office/powerpoint/2010/main" val="3398446601"/>
+        <p14:creationId xmlns:p14="http://schemas.microsoft.com/office/powerpoint/2010/main" val="4251563071"/>
       </p:ext>
     </p:extLst>
   </p:cSld>
   <p:clrMapOvr>
     <a:masterClrMapping/>
   </p:clrMapOvr>
+  <mc:AlternateContent xmlns:mc="http://schemas.openxmlformats.org/markup-compatibility/2006">
+    <mc:Choice xmlns:p14="http://schemas.microsoft.com/office/powerpoint/2010/main" Requires="p14">
+      <p:transition spd="slow" p14:dur="2000"/>
+    </mc:Choice>
+    <mc:Fallback>
+      <p:transition spd="slow"/>
+    </mc:Fallback>
+  </mc:AlternateContent>
 </p:sld>
 </file>
 
@@ -7959,7 +8799,7 @@
           <a:p>
             <a:r>
               <a:rPr lang="en-GB" dirty="0" smtClean="0"/>
-              <a:t>JavaScript Pop Quiz #1</a:t>
+              <a:t>Cool Stuff</a:t>
             </a:r>
             <a:endParaRPr lang="en-GB" dirty="0"/>
           </a:p>
@@ -7977,265 +8817,31 @@
         </p:nvSpPr>
         <p:spPr/>
         <p:txBody>
-          <a:bodyPr>
-            <a:noAutofit/>
-          </a:bodyPr>
-          <a:lstStyle/>
-          <a:p>
-            <a:pPr>
-              <a:lnSpc>
-                <a:spcPct val="120000"/>
-              </a:lnSpc>
-              <a:buNone/>
-            </a:pPr>
-            <a:r>
-              <a:rPr lang="en-GB" sz="2000" dirty="0" err="1">
-                <a:latin typeface="Consolas" pitchFamily="49" charset="0"/>
-                <a:cs typeface="Consolas" pitchFamily="49" charset="0"/>
-              </a:rPr>
-              <a:t>var</a:t>
-            </a:r>
-            <a:r>
-              <a:rPr lang="en-GB" sz="2000" dirty="0">
-                <a:latin typeface="Consolas" pitchFamily="49" charset="0"/>
-                <a:cs typeface="Consolas" pitchFamily="49" charset="0"/>
-              </a:rPr>
-              <a:t> alerts = </a:t>
-            </a:r>
-            <a:r>
-              <a:rPr lang="en-GB" sz="2000" dirty="0" smtClean="0">
-                <a:latin typeface="Consolas" pitchFamily="49" charset="0"/>
-                <a:cs typeface="Consolas" pitchFamily="49" charset="0"/>
-              </a:rPr>
-              <a:t>[];</a:t>
-            </a:r>
-          </a:p>
-          <a:p>
-            <a:pPr>
-              <a:lnSpc>
-                <a:spcPct val="120000"/>
-              </a:lnSpc>
-              <a:buNone/>
-            </a:pPr>
-            <a:r>
-              <a:rPr lang="en-GB" sz="2000" dirty="0" smtClean="0">
-                <a:latin typeface="Consolas" pitchFamily="49" charset="0"/>
-                <a:cs typeface="Consolas" pitchFamily="49" charset="0"/>
-              </a:rPr>
-              <a:t>for(</a:t>
-            </a:r>
-            <a:r>
-              <a:rPr lang="en-GB" sz="2000" dirty="0" err="1" smtClean="0">
-                <a:latin typeface="Consolas" pitchFamily="49" charset="0"/>
-                <a:cs typeface="Consolas" pitchFamily="49" charset="0"/>
-              </a:rPr>
-              <a:t>var</a:t>
-            </a:r>
-            <a:r>
-              <a:rPr lang="en-GB" sz="2000" dirty="0" smtClean="0">
-                <a:latin typeface="Consolas" pitchFamily="49" charset="0"/>
-                <a:cs typeface="Consolas" pitchFamily="49" charset="0"/>
-              </a:rPr>
-              <a:t> x = 0; x &lt; 3; x++) {</a:t>
-            </a:r>
-            <a:endParaRPr lang="en-GB" sz="2000" dirty="0">
-              <a:latin typeface="Consolas" pitchFamily="49" charset="0"/>
-              <a:cs typeface="Consolas" pitchFamily="49" charset="0"/>
-            </a:endParaRPr>
-          </a:p>
-          <a:p>
-            <a:pPr>
-              <a:lnSpc>
-                <a:spcPct val="120000"/>
-              </a:lnSpc>
-              <a:buNone/>
-            </a:pPr>
-            <a:r>
-              <a:rPr lang="en-GB" sz="2000" dirty="0" smtClean="0">
-                <a:latin typeface="Consolas" pitchFamily="49" charset="0"/>
-                <a:cs typeface="Consolas" pitchFamily="49" charset="0"/>
-              </a:rPr>
-              <a:t>	</a:t>
-            </a:r>
-            <a:r>
-              <a:rPr lang="en-GB" sz="2000" dirty="0" err="1" smtClean="0">
-                <a:latin typeface="Consolas" pitchFamily="49" charset="0"/>
-                <a:cs typeface="Consolas" pitchFamily="49" charset="0"/>
-              </a:rPr>
-              <a:t>alerts.push</a:t>
-            </a:r>
-            <a:r>
-              <a:rPr lang="en-GB" sz="2000" dirty="0" smtClean="0">
-                <a:latin typeface="Consolas" pitchFamily="49" charset="0"/>
-                <a:cs typeface="Consolas" pitchFamily="49" charset="0"/>
-              </a:rPr>
-              <a:t>(function() { </a:t>
-            </a:r>
-            <a:br>
-              <a:rPr lang="en-GB" sz="2000" dirty="0" smtClean="0">
-                <a:latin typeface="Consolas" pitchFamily="49" charset="0"/>
-                <a:cs typeface="Consolas" pitchFamily="49" charset="0"/>
-              </a:rPr>
-            </a:br>
-            <a:r>
-              <a:rPr lang="en-GB" sz="2000" dirty="0" smtClean="0">
-                <a:latin typeface="Consolas" pitchFamily="49" charset="0"/>
-                <a:cs typeface="Consolas" pitchFamily="49" charset="0"/>
-              </a:rPr>
-              <a:t>	</a:t>
-            </a:r>
-            <a:r>
-              <a:rPr lang="en-GB" sz="2000" dirty="0" err="1" smtClean="0">
-                <a:latin typeface="Consolas" pitchFamily="49" charset="0"/>
-                <a:cs typeface="Consolas" pitchFamily="49" charset="0"/>
-              </a:rPr>
-              <a:t>document.write</a:t>
-            </a:r>
-            <a:r>
-              <a:rPr lang="en-GB" sz="2000" dirty="0" smtClean="0">
-                <a:latin typeface="Consolas" pitchFamily="49" charset="0"/>
-                <a:cs typeface="Consolas" pitchFamily="49" charset="0"/>
-              </a:rPr>
-              <a:t>(x + ', '); </a:t>
-            </a:r>
-            <a:br>
-              <a:rPr lang="en-GB" sz="2000" dirty="0" smtClean="0">
-                <a:latin typeface="Consolas" pitchFamily="49" charset="0"/>
-                <a:cs typeface="Consolas" pitchFamily="49" charset="0"/>
-              </a:rPr>
-            </a:br>
-            <a:r>
-              <a:rPr lang="en-GB" sz="2000" dirty="0" smtClean="0">
-                <a:latin typeface="Consolas" pitchFamily="49" charset="0"/>
-                <a:cs typeface="Consolas" pitchFamily="49" charset="0"/>
-              </a:rPr>
-              <a:t>});</a:t>
-            </a:r>
-            <a:endParaRPr lang="en-GB" sz="2000" dirty="0">
-              <a:latin typeface="Consolas" pitchFamily="49" charset="0"/>
-              <a:cs typeface="Consolas" pitchFamily="49" charset="0"/>
-            </a:endParaRPr>
-          </a:p>
-          <a:p>
-            <a:pPr>
-              <a:lnSpc>
-                <a:spcPct val="120000"/>
-              </a:lnSpc>
-              <a:buNone/>
-            </a:pPr>
-            <a:r>
-              <a:rPr lang="en-GB" sz="2000" dirty="0" smtClean="0">
-                <a:latin typeface="Consolas" pitchFamily="49" charset="0"/>
-                <a:cs typeface="Consolas" pitchFamily="49" charset="0"/>
-              </a:rPr>
-              <a:t>}</a:t>
-            </a:r>
-            <a:br>
-              <a:rPr lang="en-GB" sz="2000" dirty="0" smtClean="0">
-                <a:latin typeface="Consolas" pitchFamily="49" charset="0"/>
-                <a:cs typeface="Consolas" pitchFamily="49" charset="0"/>
-              </a:rPr>
-            </a:br>
-            <a:endParaRPr lang="en-GB" sz="2000" dirty="0" smtClean="0">
-              <a:latin typeface="Consolas" pitchFamily="49" charset="0"/>
-              <a:cs typeface="Consolas" pitchFamily="49" charset="0"/>
-            </a:endParaRPr>
-          </a:p>
-          <a:p>
-            <a:pPr>
-              <a:lnSpc>
-                <a:spcPct val="120000"/>
-              </a:lnSpc>
-              <a:buNone/>
-            </a:pPr>
-            <a:r>
-              <a:rPr lang="en-GB" sz="2000" dirty="0" smtClean="0">
-                <a:latin typeface="Consolas" pitchFamily="49" charset="0"/>
-                <a:cs typeface="Consolas" pitchFamily="49" charset="0"/>
-              </a:rPr>
-              <a:t>for (</a:t>
-            </a:r>
-            <a:r>
-              <a:rPr lang="en-GB" sz="2000" dirty="0" err="1" smtClean="0">
-                <a:latin typeface="Consolas" pitchFamily="49" charset="0"/>
-                <a:cs typeface="Consolas" pitchFamily="49" charset="0"/>
-              </a:rPr>
-              <a:t>var</a:t>
-            </a:r>
-            <a:r>
-              <a:rPr lang="en-GB" sz="2000" dirty="0" smtClean="0">
-                <a:latin typeface="Consolas" pitchFamily="49" charset="0"/>
-                <a:cs typeface="Consolas" pitchFamily="49" charset="0"/>
-              </a:rPr>
-              <a:t> y = 0; y &lt; 3; y++) { (alerts[y])(); }</a:t>
-            </a:r>
-          </a:p>
-          <a:p>
-            <a:pPr>
-              <a:lnSpc>
-                <a:spcPct val="120000"/>
-              </a:lnSpc>
-              <a:buNone/>
-            </a:pPr>
-            <a:endParaRPr lang="en-GB" sz="2000" dirty="0" smtClean="0">
-              <a:latin typeface="Consolas" pitchFamily="49" charset="0"/>
-              <a:cs typeface="Consolas" pitchFamily="49" charset="0"/>
-            </a:endParaRPr>
-          </a:p>
-          <a:p>
-            <a:pPr>
-              <a:lnSpc>
-                <a:spcPct val="120000"/>
-              </a:lnSpc>
-              <a:buNone/>
-            </a:pPr>
-            <a:r>
-              <a:rPr lang="en-GB" sz="2000" dirty="0" smtClean="0">
-                <a:latin typeface="Consolas" pitchFamily="49" charset="0"/>
-                <a:cs typeface="Consolas" pitchFamily="49" charset="0"/>
-              </a:rPr>
-              <a:t>for (</a:t>
-            </a:r>
-            <a:r>
-              <a:rPr lang="en-GB" sz="2000" dirty="0" err="1" smtClean="0">
-                <a:latin typeface="Consolas" pitchFamily="49" charset="0"/>
-                <a:cs typeface="Consolas" pitchFamily="49" charset="0"/>
-              </a:rPr>
-              <a:t>var</a:t>
-            </a:r>
-            <a:r>
-              <a:rPr lang="en-GB" sz="2000" dirty="0" smtClean="0">
-                <a:latin typeface="Consolas" pitchFamily="49" charset="0"/>
-                <a:cs typeface="Consolas" pitchFamily="49" charset="0"/>
-              </a:rPr>
-              <a:t> x = 0; x &lt; 3; x++) { (alerts[</a:t>
-            </a:r>
-            <a:r>
-              <a:rPr lang="en-GB" sz="2000" dirty="0">
-                <a:latin typeface="Consolas" pitchFamily="49" charset="0"/>
-                <a:cs typeface="Consolas" pitchFamily="49" charset="0"/>
-              </a:rPr>
-              <a:t>x</a:t>
-            </a:r>
-            <a:r>
-              <a:rPr lang="en-GB" sz="2000" dirty="0" smtClean="0">
-                <a:latin typeface="Consolas" pitchFamily="49" charset="0"/>
-                <a:cs typeface="Consolas" pitchFamily="49" charset="0"/>
-              </a:rPr>
-              <a:t>])(); }</a:t>
-            </a:r>
-            <a:endParaRPr lang="en-GB" sz="2000" dirty="0">
-              <a:latin typeface="Consolas" pitchFamily="49" charset="0"/>
-              <a:cs typeface="Consolas" pitchFamily="49" charset="0"/>
-            </a:endParaRPr>
+          <a:bodyPr/>
+          <a:lstStyle/>
+          <a:p>
+            <a:endParaRPr lang="en-GB"/>
           </a:p>
         </p:txBody>
       </p:sp>
     </p:spTree>
+    <p:extLst>
+      <p:ext uri="{BB962C8B-B14F-4D97-AF65-F5344CB8AC3E}">
+        <p14:creationId xmlns:p14="http://schemas.microsoft.com/office/powerpoint/2010/main" val="2598950759"/>
+      </p:ext>
+    </p:extLst>
   </p:cSld>
   <p:clrMapOvr>
     <a:masterClrMapping/>
   </p:clrMapOvr>
+  <mc:AlternateContent xmlns:mc="http://schemas.openxmlformats.org/markup-compatibility/2006">
+    <mc:Choice xmlns:p14="http://schemas.microsoft.com/office/powerpoint/2010/main" Requires="p14">
+      <p:transition spd="slow" p14:dur="2000"/>
+    </mc:Choice>
+    <mc:Fallback>
+      <p:transition spd="slow"/>
+    </mc:Fallback>
+  </mc:AlternateContent>
 </p:sld>
 </file>
 
@@ -8272,42 +8878,54 @@
           <a:lstStyle/>
           <a:p>
             <a:r>
+              <a:rPr lang="en-GB" dirty="0" err="1" smtClean="0"/>
+              <a:t>CommonJS</a:t>
+            </a:r>
+            <a:endParaRPr lang="en-GB" dirty="0"/>
+          </a:p>
+        </p:txBody>
+      </p:sp>
+      <p:sp>
+        <p:nvSpPr>
+          <p:cNvPr id="3" name="Content Placeholder 2"/>
+          <p:cNvSpPr>
+            <a:spLocks noGrp="1"/>
+          </p:cNvSpPr>
+          <p:nvPr>
+            <p:ph idx="1"/>
+          </p:nvPr>
+        </p:nvSpPr>
+        <p:spPr/>
+        <p:txBody>
+          <a:bodyPr/>
+          <a:lstStyle/>
+          <a:p>
+            <a:r>
               <a:rPr lang="en-GB" dirty="0" smtClean="0"/>
-              <a:t>Knockout</a:t>
+              <a:t>how to use requires</a:t>
             </a:r>
             <a:endParaRPr lang="en-GB" dirty="0"/>
-          </a:p>
-        </p:txBody>
-      </p:sp>
-      <p:sp>
-        <p:nvSpPr>
-          <p:cNvPr id="3" name="Content Placeholder 2"/>
-          <p:cNvSpPr>
-            <a:spLocks noGrp="1"/>
-          </p:cNvSpPr>
-          <p:nvPr>
-            <p:ph idx="1"/>
-          </p:nvPr>
-        </p:nvSpPr>
-        <p:spPr/>
-        <p:txBody>
-          <a:bodyPr/>
-          <a:lstStyle/>
-          <a:p>
-            <a:endParaRPr lang="en-GB"/>
           </a:p>
         </p:txBody>
       </p:sp>
     </p:spTree>
     <p:extLst>
       <p:ext uri="{BB962C8B-B14F-4D97-AF65-F5344CB8AC3E}">
-        <p14:creationId xmlns:p14="http://schemas.microsoft.com/office/powerpoint/2010/main" val="177327435"/>
+        <p14:creationId xmlns:p14="http://schemas.microsoft.com/office/powerpoint/2010/main" val="3398446601"/>
       </p:ext>
     </p:extLst>
   </p:cSld>
   <p:clrMapOvr>
     <a:masterClrMapping/>
   </p:clrMapOvr>
+  <mc:AlternateContent xmlns:mc="http://schemas.openxmlformats.org/markup-compatibility/2006">
+    <mc:Choice xmlns:p14="http://schemas.microsoft.com/office/powerpoint/2010/main" Requires="p14">
+      <p:transition spd="slow" p14:dur="2000"/>
+    </mc:Choice>
+    <mc:Fallback>
+      <p:transition spd="slow"/>
+    </mc:Fallback>
+  </mc:AlternateContent>
 </p:sld>
 </file>
 
@@ -8340,12 +8958,14 @@
         </p:nvSpPr>
         <p:spPr/>
         <p:txBody>
-          <a:bodyPr/>
+          <a:bodyPr>
+            <a:normAutofit/>
+          </a:bodyPr>
           <a:lstStyle/>
           <a:p>
             <a:r>
               <a:rPr lang="en-GB" dirty="0" smtClean="0"/>
-              <a:t>Name That Language – Round 3</a:t>
+              <a:t>Name That Language – Round 2</a:t>
             </a:r>
             <a:endParaRPr lang="en-GB" dirty="0"/>
           </a:p>
@@ -8353,102 +8973,101 @@
       </p:sp>
       <p:sp>
         <p:nvSpPr>
-          <p:cNvPr id="18433" name="Rectangle 1"/>
-          <p:cNvSpPr>
-            <a:spLocks noChangeArrowheads="1"/>
-          </p:cNvSpPr>
+          <p:cNvPr id="5" name="Rectangle 4"/>
+          <p:cNvSpPr/>
           <p:nvPr/>
         </p:nvSpPr>
-        <p:spPr bwMode="auto">
-          <a:xfrm rot="10800000" flipH="1" flipV="1">
-            <a:off x="251520" y="1979230"/>
-            <a:ext cx="8568952" cy="2308324"/>
+        <p:spPr>
+          <a:xfrm>
+            <a:off x="683568" y="1988840"/>
+            <a:ext cx="7776864" cy="2308324"/>
           </a:xfrm>
           <a:prstGeom prst="rect">
             <a:avLst/>
           </a:prstGeom>
-          <a:solidFill>
-            <a:schemeClr val="bg1"/>
-          </a:solidFill>
-          <a:ln w="9525">
-            <a:noFill/>
-            <a:miter lim="800000"/>
-            <a:headEnd/>
-            <a:tailEnd/>
-          </a:ln>
-          <a:effectLst/>
         </p:spPr>
         <p:txBody>
-          <a:bodyPr vert="horz" wrap="square" lIns="91440" tIns="45720" rIns="91440" bIns="45720" numCol="1" anchor="ctr" anchorCtr="0" compatLnSpc="1">
-            <a:prstTxWarp prst="textNoShape">
-              <a:avLst/>
-            </a:prstTxWarp>
+          <a:bodyPr wrap="square">
             <a:spAutoFit/>
           </a:bodyPr>
           <a:lstStyle/>
           <a:p>
-            <a:pPr marL="0" marR="0" lvl="0" indent="0" algn="l" defTabSz="914400" rtl="0" eaLnBrk="1" fontAlgn="base" latinLnBrk="0" hangingPunct="1">
-              <a:lnSpc>
-                <a:spcPct val="100000"/>
-              </a:lnSpc>
+            <a:pPr lvl="0" fontAlgn="base">
               <a:spcBef>
                 <a:spcPct val="0"/>
               </a:spcBef>
               <a:spcAft>
                 <a:spcPct val="0"/>
               </a:spcAft>
-              <a:buClrTx/>
-              <a:buSzTx/>
-              <a:buFontTx/>
-              <a:buNone/>
-              <a:tabLst/>
             </a:pPr>
             <a:r>
-              <a:rPr kumimoji="0" lang="en-US" sz="3600" i="0" u="none" strike="noStrike" cap="none" normalizeH="0" baseline="0" dirty="0" err="1" smtClean="0">
-                <a:ln>
-                  <a:noFill/>
-                </a:ln>
-                <a:effectLst/>
-                <a:latin typeface="Consolas" pitchFamily="49" charset="0"/>
-                <a:cs typeface="Consolas" pitchFamily="49" charset="0"/>
-              </a:rPr>
-              <a:t>int</a:t>
-            </a:r>
-            <a:r>
-              <a:rPr kumimoji="0" lang="en-US" sz="3600" i="0" u="none" strike="noStrike" cap="none" normalizeH="0" baseline="0" dirty="0" smtClean="0">
-                <a:ln>
-                  <a:noFill/>
-                </a:ln>
-                <a:effectLst/>
-                <a:latin typeface="Consolas" pitchFamily="49" charset="0"/>
-                <a:cs typeface="Consolas" pitchFamily="49" charset="0"/>
-              </a:rPr>
-              <a:t> Factorial(</a:t>
-            </a:r>
-            <a:r>
-              <a:rPr kumimoji="0" lang="en-US" sz="3600" i="0" u="none" strike="noStrike" cap="none" normalizeH="0" baseline="0" dirty="0" err="1" smtClean="0">
-                <a:ln>
-                  <a:noFill/>
-                </a:ln>
-                <a:effectLst/>
-                <a:latin typeface="Consolas" pitchFamily="49" charset="0"/>
-                <a:cs typeface="Consolas" pitchFamily="49" charset="0"/>
-              </a:rPr>
-              <a:t>int</a:t>
-            </a:r>
-            <a:r>
-              <a:rPr kumimoji="0" lang="en-US" sz="3600" i="0" u="none" strike="noStrike" cap="none" normalizeH="0" baseline="0" dirty="0" smtClean="0">
-                <a:ln>
-                  <a:noFill/>
-                </a:ln>
-                <a:effectLst/>
-                <a:latin typeface="Consolas" pitchFamily="49" charset="0"/>
-                <a:cs typeface="Consolas" pitchFamily="49" charset="0"/>
-              </a:rPr>
-              <a:t> n) {</a:t>
+              <a:rPr kumimoji="0" lang="en-US" sz="3600" b="1" i="0" u="none" strike="noStrike" cap="none" normalizeH="0" baseline="0" dirty="0" smtClean="0">
+                <a:ln>
+                  <a:noFill/>
+                </a:ln>
+                <a:effectLst/>
+                <a:latin typeface="Consolas" pitchFamily="49" charset="0"/>
+                <a:cs typeface="Consolas" pitchFamily="49" charset="0"/>
+              </a:rPr>
+              <a:t>(define</a:t>
+            </a:r>
+            <a:r>
+              <a:rPr kumimoji="0" lang="en-US" sz="3600" b="0" i="0" u="none" strike="noStrike" cap="none" normalizeH="0" baseline="0" dirty="0" smtClean="0">
+                <a:ln>
+                  <a:noFill/>
+                </a:ln>
+                <a:effectLst/>
+                <a:latin typeface="Consolas" pitchFamily="49" charset="0"/>
+                <a:cs typeface="Consolas" pitchFamily="49" charset="0"/>
+              </a:rPr>
+              <a:t> </a:t>
+            </a:r>
+            <a:r>
+              <a:rPr kumimoji="0" lang="en-US" sz="3600" b="1" i="0" u="none" strike="noStrike" cap="none" normalizeH="0" baseline="0" dirty="0" smtClean="0">
+                <a:ln>
+                  <a:noFill/>
+                </a:ln>
+                <a:effectLst/>
+                <a:latin typeface="Consolas" pitchFamily="49" charset="0"/>
+                <a:cs typeface="Consolas" pitchFamily="49" charset="0"/>
+              </a:rPr>
+              <a:t>(</a:t>
+            </a:r>
+            <a:r>
+              <a:rPr kumimoji="0" lang="en-US" sz="3600" b="0" i="0" u="none" strike="noStrike" cap="none" normalizeH="0" baseline="0" dirty="0" smtClean="0">
+                <a:ln>
+                  <a:noFill/>
+                </a:ln>
+                <a:effectLst/>
+                <a:latin typeface="Consolas" pitchFamily="49" charset="0"/>
+                <a:cs typeface="Consolas" pitchFamily="49" charset="0"/>
+              </a:rPr>
+              <a:t>factorial n</a:t>
+            </a:r>
+            <a:r>
+              <a:rPr kumimoji="0" lang="en-US" sz="3600" b="1" i="0" u="none" strike="noStrike" cap="none" normalizeH="0" baseline="0" dirty="0" smtClean="0">
+                <a:ln>
+                  <a:noFill/>
+                </a:ln>
+                <a:effectLst/>
+                <a:latin typeface="Consolas" pitchFamily="49" charset="0"/>
+                <a:cs typeface="Consolas" pitchFamily="49" charset="0"/>
+              </a:rPr>
+              <a:t>)</a:t>
+            </a:r>
+            <a:r>
+              <a:rPr kumimoji="0" lang="en-US" sz="3600" b="0" i="0" u="none" strike="noStrike" cap="none" normalizeH="0" baseline="0" dirty="0" smtClean="0">
+                <a:ln>
+                  <a:noFill/>
+                </a:ln>
+                <a:effectLst/>
+                <a:latin typeface="Consolas" pitchFamily="49" charset="0"/>
+                <a:cs typeface="Consolas" pitchFamily="49" charset="0"/>
+              </a:rPr>
+              <a:t/>
             </a:r>
             <a:br>
-              <a:rPr kumimoji="0" lang="en-US" sz="3600" i="0" u="none" strike="noStrike" cap="none" normalizeH="0" baseline="0" dirty="0" smtClean="0">
+              <a:rPr kumimoji="0" lang="en-US" sz="3600" b="0" i="0" u="none" strike="noStrike" cap="none" normalizeH="0" baseline="0" dirty="0" smtClean="0">
                 <a:ln>
                   <a:noFill/>
                 </a:ln>
@@ -8458,18 +9077,91 @@
               </a:rPr>
             </a:br>
             <a:r>
-              <a:rPr kumimoji="0" lang="en-US" sz="3600" i="0" u="none" strike="noStrike" cap="none" normalizeH="0" baseline="0" dirty="0" smtClean="0">
-                <a:ln>
-                  <a:noFill/>
-                </a:ln>
-                <a:effectLst/>
-                <a:latin typeface="Consolas" pitchFamily="49" charset="0"/>
-                <a:cs typeface="Consolas" pitchFamily="49" charset="0"/>
-              </a:rPr>
-              <a:t>    if (n &lt; 2) return(1);</a:t>
+              <a:rPr kumimoji="0" lang="en-US" sz="3600" b="0" i="0" u="none" strike="noStrike" cap="none" normalizeH="0" baseline="0" dirty="0" smtClean="0">
+                <a:ln>
+                  <a:noFill/>
+                </a:ln>
+                <a:effectLst/>
+                <a:latin typeface="Consolas" pitchFamily="49" charset="0"/>
+                <a:cs typeface="Consolas" pitchFamily="49" charset="0"/>
+              </a:rPr>
+              <a:t>  </a:t>
+            </a:r>
+            <a:r>
+              <a:rPr kumimoji="0" lang="en-US" sz="3600" b="1" i="0" u="none" strike="noStrike" cap="none" normalizeH="0" baseline="0" dirty="0" smtClean="0">
+                <a:ln>
+                  <a:noFill/>
+                </a:ln>
+                <a:effectLst/>
+                <a:latin typeface="Consolas" pitchFamily="49" charset="0"/>
+                <a:cs typeface="Consolas" pitchFamily="49" charset="0"/>
+              </a:rPr>
+              <a:t>(if</a:t>
+            </a:r>
+            <a:r>
+              <a:rPr kumimoji="0" lang="en-US" sz="3600" b="0" i="0" u="none" strike="noStrike" cap="none" normalizeH="0" baseline="0" dirty="0" smtClean="0">
+                <a:ln>
+                  <a:noFill/>
+                </a:ln>
+                <a:effectLst/>
+                <a:latin typeface="Consolas" pitchFamily="49" charset="0"/>
+                <a:cs typeface="Consolas" pitchFamily="49" charset="0"/>
+              </a:rPr>
+              <a:t> </a:t>
+            </a:r>
+            <a:r>
+              <a:rPr kumimoji="0" lang="en-US" sz="3600" b="1" i="0" u="none" strike="noStrike" cap="none" normalizeH="0" baseline="0" dirty="0" smtClean="0">
+                <a:ln>
+                  <a:noFill/>
+                </a:ln>
+                <a:effectLst/>
+                <a:latin typeface="Consolas" pitchFamily="49" charset="0"/>
+                <a:cs typeface="Consolas" pitchFamily="49" charset="0"/>
+              </a:rPr>
+              <a:t>(</a:t>
+            </a:r>
+            <a:r>
+              <a:rPr kumimoji="0" lang="en-US" sz="3600" b="0" i="0" u="none" strike="noStrike" cap="none" normalizeH="0" baseline="0" dirty="0" smtClean="0">
+                <a:ln>
+                  <a:noFill/>
+                </a:ln>
+                <a:effectLst/>
+                <a:latin typeface="Consolas" pitchFamily="49" charset="0"/>
+                <a:cs typeface="Consolas" pitchFamily="49" charset="0"/>
+              </a:rPr>
+              <a:t>&lt; n </a:t>
+            </a:r>
+            <a:r>
+              <a:rPr lang="en-US" sz="3600" b="1" dirty="0">
+                <a:latin typeface="Consolas" pitchFamily="49" charset="0"/>
+                <a:cs typeface="Consolas" pitchFamily="49" charset="0"/>
+              </a:rPr>
+              <a:t>2</a:t>
+            </a:r>
+            <a:r>
+              <a:rPr kumimoji="0" lang="en-US" sz="3600" b="1" i="0" u="none" strike="noStrike" cap="none" normalizeH="0" baseline="0" dirty="0" smtClean="0">
+                <a:ln>
+                  <a:noFill/>
+                </a:ln>
+                <a:effectLst/>
+                <a:latin typeface="Consolas" pitchFamily="49" charset="0"/>
+                <a:cs typeface="Consolas" pitchFamily="49" charset="0"/>
+              </a:rPr>
+              <a:t>)</a:t>
+            </a:r>
+            <a:r>
+              <a:rPr kumimoji="0" lang="en-US" sz="3600" b="0" i="0" u="none" strike="noStrike" cap="none" normalizeH="0" baseline="0" dirty="0" smtClean="0">
+                <a:ln>
+                  <a:noFill/>
+                </a:ln>
+                <a:effectLst/>
+                <a:latin typeface="Consolas" pitchFamily="49" charset="0"/>
+                <a:cs typeface="Consolas" pitchFamily="49" charset="0"/>
+              </a:rPr>
+              <a:t/>
             </a:r>
             <a:br>
-              <a:rPr kumimoji="0" lang="en-US" sz="3600" i="0" u="none" strike="noStrike" cap="none" normalizeH="0" baseline="0" dirty="0" smtClean="0">
+              <a:rPr kumimoji="0" lang="en-US" sz="3600" b="0" i="0" u="none" strike="noStrike" cap="none" normalizeH="0" baseline="0" dirty="0" smtClean="0">
                 <a:ln>
                   <a:noFill/>
                 </a:ln>
@@ -8479,18 +9171,40 @@
               </a:rPr>
             </a:br>
             <a:r>
-              <a:rPr kumimoji="0" lang="en-US" sz="3600" i="0" u="none" strike="noStrike" cap="none" normalizeH="0" baseline="0" dirty="0" smtClean="0">
-                <a:ln>
-                  <a:noFill/>
-                </a:ln>
-                <a:effectLst/>
-                <a:latin typeface="Consolas" pitchFamily="49" charset="0"/>
-                <a:cs typeface="Consolas" pitchFamily="49" charset="0"/>
-              </a:rPr>
-              <a:t>    return n * Factorial(n - 1);</a:t>
+              <a:rPr kumimoji="0" lang="en-US" sz="3600" b="0" i="0" u="none" strike="noStrike" cap="none" normalizeH="0" baseline="0" dirty="0" smtClean="0">
+                <a:ln>
+                  <a:noFill/>
+                </a:ln>
+                <a:effectLst/>
+                <a:latin typeface="Consolas" pitchFamily="49" charset="0"/>
+                <a:cs typeface="Consolas" pitchFamily="49" charset="0"/>
+              </a:rPr>
+              <a:t>   </a:t>
+            </a:r>
+            <a:r>
+              <a:rPr kumimoji="0" lang="en-US" sz="3600" b="1" i="0" u="none" strike="noStrike" cap="none" normalizeH="0" baseline="0" dirty="0" smtClean="0">
+                <a:ln>
+                  <a:noFill/>
+                </a:ln>
+                <a:effectLst/>
+                <a:latin typeface="Consolas" pitchFamily="49" charset="0"/>
+                <a:cs typeface="Consolas" pitchFamily="49" charset="0"/>
+              </a:rPr>
+              <a:t>1</a:t>
+            </a:r>
+            <a:r>
+              <a:rPr kumimoji="0" lang="en-US" sz="3600" b="0" i="0" u="none" strike="noStrike" cap="none" normalizeH="0" baseline="0" dirty="0" smtClean="0">
+                <a:ln>
+                  <a:noFill/>
+                </a:ln>
+                <a:effectLst/>
+                <a:latin typeface="Consolas" pitchFamily="49" charset="0"/>
+                <a:cs typeface="Consolas" pitchFamily="49" charset="0"/>
+              </a:rPr>
+              <a:t/>
             </a:r>
             <a:br>
-              <a:rPr kumimoji="0" lang="en-US" sz="3600" i="0" u="none" strike="noStrike" cap="none" normalizeH="0" baseline="0" dirty="0" smtClean="0">
+              <a:rPr kumimoji="0" lang="en-US" sz="3600" b="0" i="0" u="none" strike="noStrike" cap="none" normalizeH="0" baseline="0" dirty="0" smtClean="0">
                 <a:ln>
                   <a:noFill/>
                 </a:ln>
@@ -8500,15 +9214,103 @@
               </a:rPr>
             </a:br>
             <a:r>
-              <a:rPr kumimoji="0" lang="en-US" sz="3600" i="0" u="none" strike="noStrike" cap="none" normalizeH="0" baseline="0" dirty="0" smtClean="0">
-                <a:ln>
-                  <a:noFill/>
-                </a:ln>
-                <a:effectLst/>
-                <a:latin typeface="Consolas" pitchFamily="49" charset="0"/>
-                <a:cs typeface="Consolas" pitchFamily="49" charset="0"/>
-              </a:rPr>
-              <a:t>} </a:t>
+              <a:rPr kumimoji="0" lang="en-US" sz="3600" b="0" i="0" u="none" strike="noStrike" cap="none" normalizeH="0" baseline="0" dirty="0" smtClean="0">
+                <a:ln>
+                  <a:noFill/>
+                </a:ln>
+                <a:effectLst/>
+                <a:latin typeface="Consolas" pitchFamily="49" charset="0"/>
+                <a:cs typeface="Consolas" pitchFamily="49" charset="0"/>
+              </a:rPr>
+              <a:t>   </a:t>
+            </a:r>
+            <a:r>
+              <a:rPr kumimoji="0" lang="en-US" sz="3600" b="1" i="0" u="none" strike="noStrike" cap="none" normalizeH="0" baseline="0" dirty="0" smtClean="0">
+                <a:ln>
+                  <a:noFill/>
+                </a:ln>
+                <a:effectLst/>
+                <a:latin typeface="Consolas" pitchFamily="49" charset="0"/>
+                <a:cs typeface="Consolas" pitchFamily="49" charset="0"/>
+              </a:rPr>
+              <a:t>(</a:t>
+            </a:r>
+            <a:r>
+              <a:rPr kumimoji="0" lang="en-US" sz="3600" b="0" i="0" u="none" strike="noStrike" cap="none" normalizeH="0" baseline="0" dirty="0" smtClean="0">
+                <a:ln>
+                  <a:noFill/>
+                </a:ln>
+                <a:effectLst/>
+                <a:latin typeface="Consolas" pitchFamily="49" charset="0"/>
+                <a:cs typeface="Consolas" pitchFamily="49" charset="0"/>
+              </a:rPr>
+              <a:t>* n </a:t>
+            </a:r>
+            <a:r>
+              <a:rPr kumimoji="0" lang="en-US" sz="3600" b="1" i="0" u="none" strike="noStrike" cap="none" normalizeH="0" baseline="0" dirty="0" smtClean="0">
+                <a:ln>
+                  <a:noFill/>
+                </a:ln>
+                <a:effectLst/>
+                <a:latin typeface="Consolas" pitchFamily="49" charset="0"/>
+                <a:cs typeface="Consolas" pitchFamily="49" charset="0"/>
+              </a:rPr>
+              <a:t>(</a:t>
+            </a:r>
+            <a:r>
+              <a:rPr kumimoji="0" lang="en-US" sz="3600" b="0" i="0" u="none" strike="noStrike" cap="none" normalizeH="0" baseline="0" dirty="0" smtClean="0">
+                <a:ln>
+                  <a:noFill/>
+                </a:ln>
+                <a:effectLst/>
+                <a:latin typeface="Consolas" pitchFamily="49" charset="0"/>
+                <a:cs typeface="Consolas" pitchFamily="49" charset="0"/>
+              </a:rPr>
+              <a:t>factorial </a:t>
+            </a:r>
+            <a:r>
+              <a:rPr kumimoji="0" lang="en-US" sz="3600" b="1" i="0" u="none" strike="noStrike" cap="none" normalizeH="0" baseline="0" dirty="0" smtClean="0">
+                <a:ln>
+                  <a:noFill/>
+                </a:ln>
+                <a:effectLst/>
+                <a:latin typeface="Consolas" pitchFamily="49" charset="0"/>
+                <a:cs typeface="Consolas" pitchFamily="49" charset="0"/>
+              </a:rPr>
+              <a:t>(</a:t>
+            </a:r>
+            <a:r>
+              <a:rPr kumimoji="0" lang="en-US" sz="3600" b="0" i="0" u="none" strike="noStrike" cap="none" normalizeH="0" baseline="0" dirty="0" smtClean="0">
+                <a:ln>
+                  <a:noFill/>
+                </a:ln>
+                <a:effectLst/>
+                <a:latin typeface="Consolas" pitchFamily="49" charset="0"/>
+                <a:cs typeface="Consolas" pitchFamily="49" charset="0"/>
+              </a:rPr>
+              <a:t>- n </a:t>
+            </a:r>
+            <a:r>
+              <a:rPr kumimoji="0" lang="en-US" sz="3600" b="1" i="0" u="none" strike="noStrike" cap="none" normalizeH="0" baseline="0" dirty="0" smtClean="0">
+                <a:ln>
+                  <a:noFill/>
+                </a:ln>
+                <a:effectLst/>
+                <a:latin typeface="Consolas" pitchFamily="49" charset="0"/>
+                <a:cs typeface="Consolas" pitchFamily="49" charset="0"/>
+              </a:rPr>
+              <a:t>1))))</a:t>
+            </a:r>
+            <a:r>
+              <a:rPr kumimoji="0" lang="en-US" sz="3600" b="0" i="0" u="none" strike="noStrike" cap="none" normalizeH="0" baseline="0" dirty="0" smtClean="0">
+                <a:ln>
+                  <a:noFill/>
+                </a:ln>
+                <a:effectLst/>
+                <a:latin typeface="Consolas" pitchFamily="49" charset="0"/>
+                <a:cs typeface="Consolas" pitchFamily="49" charset="0"/>
+              </a:rPr>
+              <a:t> </a:t>
             </a:r>
           </a:p>
         </p:txBody>
@@ -8518,6 +9320,14 @@
   <p:clrMapOvr>
     <a:masterClrMapping/>
   </p:clrMapOvr>
+  <mc:AlternateContent xmlns:mc="http://schemas.openxmlformats.org/markup-compatibility/2006">
+    <mc:Choice xmlns:p14="http://schemas.microsoft.com/office/powerpoint/2010/main" Requires="p14">
+      <p:transition spd="slow" p14:dur="2000"/>
+    </mc:Choice>
+    <mc:Fallback>
+      <p:transition spd="slow"/>
+    </mc:Fallback>
+  </mc:AlternateContent>
 </p:sld>
 </file>
 
@@ -8555,7 +9365,7 @@
           <a:p>
             <a:r>
               <a:rPr lang="en-GB" dirty="0" smtClean="0"/>
-              <a:t>JavaScript Pop Quiz #2</a:t>
+              <a:t>JavaScript Pop Quiz #1</a:t>
             </a:r>
             <a:endParaRPr lang="en-GB" dirty="0"/>
           </a:p>
@@ -8568,20 +9378,10 @@
             <a:spLocks noGrp="1"/>
           </p:cNvSpPr>
           <p:nvPr>
-            <p:ph sz="half" idx="1"/>
-          </p:nvPr>
-        </p:nvSpPr>
-        <p:spPr>
-          <a:xfrm>
-            <a:off x="467544" y="1556792"/>
-            <a:ext cx="4038600" cy="4525963"/>
-          </a:xfrm>
-          <a:ln w="12700">
-            <a:solidFill>
-              <a:schemeClr val="tx1"/>
-            </a:solidFill>
-          </a:ln>
-        </p:spPr>
+            <p:ph idx="1"/>
+          </p:nvPr>
+        </p:nvSpPr>
+        <p:spPr/>
         <p:txBody>
           <a:bodyPr>
             <a:noAutofit/>
@@ -8595,45 +9395,25 @@
               <a:buNone/>
             </a:pPr>
             <a:r>
+              <a:rPr lang="en-GB" sz="2000" dirty="0" err="1">
+                <a:latin typeface="Consolas" pitchFamily="49" charset="0"/>
+                <a:cs typeface="Consolas" pitchFamily="49" charset="0"/>
+              </a:rPr>
+              <a:t>var</a:t>
+            </a:r>
+            <a:r>
+              <a:rPr lang="en-GB" sz="2000" dirty="0">
+                <a:latin typeface="Consolas" pitchFamily="49" charset="0"/>
+                <a:cs typeface="Consolas" pitchFamily="49" charset="0"/>
+              </a:rPr>
+              <a:t> alerts = </a:t>
+            </a:r>
+            <a:r>
               <a:rPr lang="en-GB" sz="2000" dirty="0" smtClean="0">
                 <a:latin typeface="Consolas" pitchFamily="49" charset="0"/>
                 <a:cs typeface="Consolas" pitchFamily="49" charset="0"/>
               </a:rPr>
-              <a:t>function </a:t>
-            </a:r>
-            <a:r>
-              <a:rPr lang="en-GB" sz="2000" dirty="0" err="1" smtClean="0">
-                <a:latin typeface="Consolas" pitchFamily="49" charset="0"/>
-                <a:cs typeface="Consolas" pitchFamily="49" charset="0"/>
-              </a:rPr>
-              <a:t>GetGuru</a:t>
-            </a:r>
-            <a:r>
-              <a:rPr lang="en-GB" sz="2000" dirty="0" smtClean="0">
-                <a:latin typeface="Consolas" pitchFamily="49" charset="0"/>
-                <a:cs typeface="Consolas" pitchFamily="49" charset="0"/>
-              </a:rPr>
-              <a:t>() {</a:t>
-            </a:r>
-            <a:r>
-              <a:rPr lang="en-GB" sz="2000" dirty="0">
-                <a:latin typeface="Consolas" pitchFamily="49" charset="0"/>
-                <a:cs typeface="Consolas" pitchFamily="49" charset="0"/>
-              </a:rPr>
-              <a:t/>
-            </a:r>
-            <a:br>
-              <a:rPr lang="en-GB" sz="2000" dirty="0">
-                <a:latin typeface="Consolas" pitchFamily="49" charset="0"/>
-                <a:cs typeface="Consolas" pitchFamily="49" charset="0"/>
-              </a:rPr>
-            </a:br>
-            <a:r>
-              <a:rPr lang="en-GB" sz="2000" dirty="0" smtClean="0">
-                <a:latin typeface="Consolas" pitchFamily="49" charset="0"/>
-                <a:cs typeface="Consolas" pitchFamily="49" charset="0"/>
-              </a:rPr>
-              <a:t>return {</a:t>
+              <a:t>[];</a:t>
             </a:r>
           </a:p>
           <a:p>
@@ -8644,19 +9424,30 @@
               <a:buNone/>
             </a:pPr>
             <a:r>
-              <a:rPr lang="en-GB" sz="2000" dirty="0">
-                <a:latin typeface="Consolas" pitchFamily="49" charset="0"/>
-                <a:cs typeface="Consolas" pitchFamily="49" charset="0"/>
-              </a:rPr>
-              <a:t>	</a:t>
-            </a:r>
-            <a:r>
               <a:rPr lang="en-GB" sz="2000" dirty="0" smtClean="0">
                 <a:latin typeface="Consolas" pitchFamily="49" charset="0"/>
                 <a:cs typeface="Consolas" pitchFamily="49" charset="0"/>
               </a:rPr>
-              <a:t>  name = 'Jon Skeet',</a:t>
-            </a:r>
+              <a:t>for(</a:t>
+            </a:r>
+            <a:r>
+              <a:rPr lang="en-GB" sz="2000" dirty="0" err="1" smtClean="0">
+                <a:latin typeface="Consolas" pitchFamily="49" charset="0"/>
+                <a:cs typeface="Consolas" pitchFamily="49" charset="0"/>
+              </a:rPr>
+              <a:t>var</a:t>
+            </a:r>
+            <a:r>
+              <a:rPr lang="en-GB" sz="2000" dirty="0" smtClean="0">
+                <a:latin typeface="Consolas" pitchFamily="49" charset="0"/>
+                <a:cs typeface="Consolas" pitchFamily="49" charset="0"/>
+              </a:rPr>
+              <a:t> x = 0; x &lt; 3; x++) {</a:t>
+            </a:r>
+            <a:endParaRPr lang="en-GB" sz="2000" dirty="0">
+              <a:latin typeface="Consolas" pitchFamily="49" charset="0"/>
+              <a:cs typeface="Consolas" pitchFamily="49" charset="0"/>
+            </a:endParaRPr>
           </a:p>
           <a:p>
             <a:pPr>
@@ -8670,8 +9461,66 @@
                 <a:latin typeface="Consolas" pitchFamily="49" charset="0"/>
                 <a:cs typeface="Consolas" pitchFamily="49" charset="0"/>
               </a:rPr>
-              <a:t>     job = 'Guru'</a:t>
-            </a:r>
+              <a:t>	</a:t>
+            </a:r>
+            <a:r>
+              <a:rPr lang="en-GB" sz="2000" dirty="0" err="1" smtClean="0">
+                <a:latin typeface="Consolas" pitchFamily="49" charset="0"/>
+                <a:cs typeface="Consolas" pitchFamily="49" charset="0"/>
+              </a:rPr>
+              <a:t>alerts.push</a:t>
+            </a:r>
+            <a:r>
+              <a:rPr lang="en-GB" sz="2000" dirty="0" smtClean="0">
+                <a:latin typeface="Consolas" pitchFamily="49" charset="0"/>
+                <a:cs typeface="Consolas" pitchFamily="49" charset="0"/>
+              </a:rPr>
+              <a:t>(function() { </a:t>
+            </a:r>
+            <a:br>
+              <a:rPr lang="en-GB" sz="2000" dirty="0" smtClean="0">
+                <a:latin typeface="Consolas" pitchFamily="49" charset="0"/>
+                <a:cs typeface="Consolas" pitchFamily="49" charset="0"/>
+              </a:rPr>
+            </a:br>
+            <a:r>
+              <a:rPr lang="en-GB" sz="2000" dirty="0" smtClean="0">
+                <a:latin typeface="Consolas" pitchFamily="49" charset="0"/>
+                <a:cs typeface="Consolas" pitchFamily="49" charset="0"/>
+              </a:rPr>
+              <a:t>	</a:t>
+            </a:r>
+            <a:r>
+              <a:rPr lang="en-GB" sz="2000" dirty="0" err="1" smtClean="0">
+                <a:latin typeface="Consolas" pitchFamily="49" charset="0"/>
+                <a:cs typeface="Consolas" pitchFamily="49" charset="0"/>
+              </a:rPr>
+              <a:t>document.write</a:t>
+            </a:r>
+            <a:r>
+              <a:rPr lang="en-GB" sz="2000" dirty="0" smtClean="0">
+                <a:latin typeface="Consolas" pitchFamily="49" charset="0"/>
+                <a:cs typeface="Consolas" pitchFamily="49" charset="0"/>
+              </a:rPr>
+              <a:t>(x + ', '); </a:t>
+            </a:r>
+            <a:br>
+              <a:rPr lang="en-GB" sz="2000" dirty="0" smtClean="0">
+                <a:latin typeface="Consolas" pitchFamily="49" charset="0"/>
+                <a:cs typeface="Consolas" pitchFamily="49" charset="0"/>
+              </a:rPr>
+            </a:br>
+            <a:r>
+              <a:rPr lang="en-GB" sz="2000" dirty="0" smtClean="0">
+                <a:latin typeface="Consolas" pitchFamily="49" charset="0"/>
+                <a:cs typeface="Consolas" pitchFamily="49" charset="0"/>
+              </a:rPr>
+              <a:t>});</a:t>
+            </a:r>
+            <a:endParaRPr lang="en-GB" sz="2000" dirty="0">
+              <a:latin typeface="Consolas" pitchFamily="49" charset="0"/>
+              <a:cs typeface="Consolas" pitchFamily="49" charset="0"/>
+            </a:endParaRPr>
           </a:p>
           <a:p>
             <a:pPr>
@@ -8685,8 +9534,18 @@
                 <a:latin typeface="Consolas" pitchFamily="49" charset="0"/>
                 <a:cs typeface="Consolas" pitchFamily="49" charset="0"/>
               </a:rPr>
-              <a:t>   };</a:t>
-            </a:r>
+              <a:t>}</a:t>
+            </a:r>
+            <a:br>
+              <a:rPr lang="en-GB" sz="2000" dirty="0" smtClean="0">
+                <a:latin typeface="Consolas" pitchFamily="49" charset="0"/>
+                <a:cs typeface="Consolas" pitchFamily="49" charset="0"/>
+              </a:rPr>
+            </a:br>
+            <a:endParaRPr lang="en-GB" sz="2000" dirty="0" smtClean="0">
+              <a:latin typeface="Consolas" pitchFamily="49" charset="0"/>
+              <a:cs typeface="Consolas" pitchFamily="49" charset="0"/>
+            </a:endParaRPr>
           </a:p>
           <a:p>
             <a:pPr>
@@ -8696,41 +9555,27 @@
               <a:buNone/>
             </a:pPr>
             <a:r>
-              <a:rPr lang="en-GB" sz="2000" dirty="0">
-                <a:latin typeface="Consolas" pitchFamily="49" charset="0"/>
-                <a:cs typeface="Consolas" pitchFamily="49" charset="0"/>
-              </a:rPr>
-              <a:t>}</a:t>
-            </a:r>
-          </a:p>
-        </p:txBody>
-      </p:sp>
-      <p:sp>
-        <p:nvSpPr>
-          <p:cNvPr id="5" name="Content Placeholder 2"/>
-          <p:cNvSpPr>
-            <a:spLocks noGrp="1"/>
-          </p:cNvSpPr>
-          <p:nvPr>
-            <p:ph sz="half" idx="1"/>
-          </p:nvPr>
-        </p:nvSpPr>
-        <p:spPr>
-          <a:xfrm>
-            <a:off x="4644008" y="1556792"/>
-            <a:ext cx="4038600" cy="4525963"/>
-          </a:xfrm>
-          <a:ln w="12700">
-            <a:solidFill>
-              <a:schemeClr val="tx1"/>
-            </a:solidFill>
-          </a:ln>
-        </p:spPr>
-        <p:txBody>
-          <a:bodyPr>
-            <a:noAutofit/>
-          </a:bodyPr>
-          <a:lstStyle/>
+              <a:rPr lang="en-GB" sz="2000" dirty="0" smtClean="0">
+                <a:latin typeface="Consolas" pitchFamily="49" charset="0"/>
+                <a:cs typeface="Consolas" pitchFamily="49" charset="0"/>
+              </a:rPr>
+              <a:t>for (</a:t>
+            </a:r>
+            <a:r>
+              <a:rPr lang="en-GB" sz="2000" dirty="0" err="1" smtClean="0">
+                <a:latin typeface="Consolas" pitchFamily="49" charset="0"/>
+                <a:cs typeface="Consolas" pitchFamily="49" charset="0"/>
+              </a:rPr>
+              <a:t>var</a:t>
+            </a:r>
+            <a:r>
+              <a:rPr lang="en-GB" sz="2000" dirty="0" smtClean="0">
+                <a:latin typeface="Consolas" pitchFamily="49" charset="0"/>
+                <a:cs typeface="Consolas" pitchFamily="49" charset="0"/>
+              </a:rPr>
+              <a:t> y = 0; y &lt; 3; y++) { (alerts[y])(); }</a:t>
+            </a:r>
+          </a:p>
           <a:p>
             <a:pPr>
               <a:lnSpc>
@@ -8738,27 +9583,10 @@
               </a:lnSpc>
               <a:buNone/>
             </a:pPr>
-            <a:r>
-              <a:rPr lang="en-GB" sz="2000" dirty="0" smtClean="0">
-                <a:latin typeface="Consolas" pitchFamily="49" charset="0"/>
-                <a:cs typeface="Consolas" pitchFamily="49" charset="0"/>
-              </a:rPr>
-              <a:t>function </a:t>
-            </a:r>
-            <a:r>
-              <a:rPr lang="en-GB" sz="2000" dirty="0" err="1" smtClean="0">
-                <a:latin typeface="Consolas" pitchFamily="49" charset="0"/>
-                <a:cs typeface="Consolas" pitchFamily="49" charset="0"/>
-              </a:rPr>
-              <a:t>GetGuru</a:t>
-            </a:r>
-            <a:r>
-              <a:rPr lang="en-GB" sz="2000" dirty="0" smtClean="0">
-                <a:latin typeface="Consolas" pitchFamily="49" charset="0"/>
-                <a:cs typeface="Consolas" pitchFamily="49" charset="0"/>
-              </a:rPr>
-              <a:t>()</a:t>
-            </a:r>
+            <a:endParaRPr lang="en-GB" sz="2000" dirty="0" smtClean="0">
+              <a:latin typeface="Consolas" pitchFamily="49" charset="0"/>
+              <a:cs typeface="Consolas" pitchFamily="49" charset="0"/>
+            </a:endParaRPr>
           </a:p>
           <a:p>
             <a:pPr>
@@ -8768,106 +9596,44 @@
               <a:buNone/>
             </a:pPr>
             <a:r>
+              <a:rPr lang="en-GB" sz="2000" dirty="0" smtClean="0">
+                <a:latin typeface="Consolas" pitchFamily="49" charset="0"/>
+                <a:cs typeface="Consolas" pitchFamily="49" charset="0"/>
+              </a:rPr>
+              <a:t>for (</a:t>
+            </a:r>
+            <a:r>
+              <a:rPr lang="en-GB" sz="2000" dirty="0" err="1" smtClean="0">
+                <a:latin typeface="Consolas" pitchFamily="49" charset="0"/>
+                <a:cs typeface="Consolas" pitchFamily="49" charset="0"/>
+              </a:rPr>
+              <a:t>var</a:t>
+            </a:r>
+            <a:r>
+              <a:rPr lang="en-GB" sz="2000" dirty="0" smtClean="0">
+                <a:latin typeface="Consolas" pitchFamily="49" charset="0"/>
+                <a:cs typeface="Consolas" pitchFamily="49" charset="0"/>
+              </a:rPr>
+              <a:t> x = 0; x &lt; 3; x++) { (alerts[</a:t>
+            </a:r>
+            <a:r>
               <a:rPr lang="en-GB" sz="2000" dirty="0">
                 <a:latin typeface="Consolas" pitchFamily="49" charset="0"/>
                 <a:cs typeface="Consolas" pitchFamily="49" charset="0"/>
               </a:rPr>
-              <a:t>{</a:t>
-            </a:r>
-            <a:endParaRPr lang="en-GB" sz="2000" dirty="0" smtClean="0">
+              <a:t>x</a:t>
+            </a:r>
+            <a:r>
+              <a:rPr lang="en-GB" sz="2000" dirty="0" smtClean="0">
+                <a:latin typeface="Consolas" pitchFamily="49" charset="0"/>
+                <a:cs typeface="Consolas" pitchFamily="49" charset="0"/>
+              </a:rPr>
+              <a:t>])(); }</a:t>
+            </a:r>
+            <a:endParaRPr lang="en-GB" sz="2000" dirty="0">
               <a:latin typeface="Consolas" pitchFamily="49" charset="0"/>
               <a:cs typeface="Consolas" pitchFamily="49" charset="0"/>
             </a:endParaRPr>
-          </a:p>
-          <a:p>
-            <a:pPr>
-              <a:lnSpc>
-                <a:spcPct val="120000"/>
-              </a:lnSpc>
-              <a:buNone/>
-            </a:pPr>
-            <a:r>
-              <a:rPr lang="en-GB" sz="2000" dirty="0" smtClean="0">
-                <a:latin typeface="Consolas" pitchFamily="49" charset="0"/>
-                <a:cs typeface="Consolas" pitchFamily="49" charset="0"/>
-              </a:rPr>
-              <a:t>  return </a:t>
-            </a:r>
-          </a:p>
-          <a:p>
-            <a:pPr>
-              <a:lnSpc>
-                <a:spcPct val="120000"/>
-              </a:lnSpc>
-              <a:buNone/>
-            </a:pPr>
-            <a:r>
-              <a:rPr lang="en-GB" sz="2000" dirty="0" smtClean="0">
-                <a:latin typeface="Consolas" pitchFamily="49" charset="0"/>
-                <a:cs typeface="Consolas" pitchFamily="49" charset="0"/>
-              </a:rPr>
-              <a:t>  {</a:t>
-            </a:r>
-          </a:p>
-          <a:p>
-            <a:pPr>
-              <a:lnSpc>
-                <a:spcPct val="120000"/>
-              </a:lnSpc>
-              <a:buNone/>
-            </a:pPr>
-            <a:r>
-              <a:rPr lang="en-GB" sz="2000" dirty="0" smtClean="0">
-                <a:latin typeface="Consolas" pitchFamily="49" charset="0"/>
-                <a:cs typeface="Consolas" pitchFamily="49" charset="0"/>
-              </a:rPr>
-              <a:t>    name = 'Jon Skeet',</a:t>
-            </a:r>
-          </a:p>
-          <a:p>
-            <a:pPr>
-              <a:lnSpc>
-                <a:spcPct val="120000"/>
-              </a:lnSpc>
-              <a:buNone/>
-            </a:pPr>
-            <a:r>
-              <a:rPr lang="en-GB" sz="2000" dirty="0" smtClean="0">
-                <a:latin typeface="Consolas" pitchFamily="49" charset="0"/>
-                <a:cs typeface="Consolas" pitchFamily="49" charset="0"/>
-              </a:rPr>
-              <a:t>    job = 'Guru'</a:t>
-            </a:r>
-          </a:p>
-          <a:p>
-            <a:pPr>
-              <a:lnSpc>
-                <a:spcPct val="120000"/>
-              </a:lnSpc>
-              <a:buNone/>
-            </a:pPr>
-            <a:r>
-              <a:rPr lang="en-GB" sz="2000" dirty="0" smtClean="0">
-                <a:latin typeface="Consolas" pitchFamily="49" charset="0"/>
-                <a:cs typeface="Consolas" pitchFamily="49" charset="0"/>
-              </a:rPr>
-              <a:t>  };</a:t>
-            </a:r>
-          </a:p>
-          <a:p>
-            <a:pPr>
-              <a:lnSpc>
-                <a:spcPct val="120000"/>
-              </a:lnSpc>
-              <a:buNone/>
-            </a:pPr>
-            <a:r>
-              <a:rPr lang="en-GB" sz="2000" dirty="0">
-                <a:latin typeface="Consolas" pitchFamily="49" charset="0"/>
-                <a:cs typeface="Consolas" pitchFamily="49" charset="0"/>
-              </a:rPr>
-              <a:t>}</a:t>
-            </a:r>
           </a:p>
         </p:txBody>
       </p:sp>
@@ -8876,6 +9642,14 @@
   <p:clrMapOvr>
     <a:masterClrMapping/>
   </p:clrMapOvr>
+  <mc:AlternateContent xmlns:mc="http://schemas.openxmlformats.org/markup-compatibility/2006">
+    <mc:Choice xmlns:p14="http://schemas.microsoft.com/office/powerpoint/2010/main" Requires="p14">
+      <p:transition spd="slow" p14:dur="2000"/>
+    </mc:Choice>
+    <mc:Fallback>
+      <p:transition spd="slow"/>
+    </mc:Fallback>
+  </mc:AlternateContent>
 </p:sld>
 </file>
 
@@ -8911,6 +9685,10 @@
           <a:bodyPr/>
           <a:lstStyle/>
           <a:p>
+            <a:r>
+              <a:rPr lang="en-GB" dirty="0" smtClean="0"/>
+              <a:t>Knockout</a:t>
+            </a:r>
             <a:endParaRPr lang="en-GB" dirty="0"/>
           </a:p>
         </p:txBody>
@@ -8937,13 +9715,21 @@
     </p:spTree>
     <p:extLst>
       <p:ext uri="{BB962C8B-B14F-4D97-AF65-F5344CB8AC3E}">
-        <p14:creationId xmlns:p14="http://schemas.microsoft.com/office/powerpoint/2010/main" val="1756515905"/>
+        <p14:creationId xmlns:p14="http://schemas.microsoft.com/office/powerpoint/2010/main" val="177327435"/>
       </p:ext>
     </p:extLst>
   </p:cSld>
   <p:clrMapOvr>
     <a:masterClrMapping/>
   </p:clrMapOvr>
+  <mc:AlternateContent xmlns:mc="http://schemas.openxmlformats.org/markup-compatibility/2006">
+    <mc:Choice xmlns:p14="http://schemas.microsoft.com/office/powerpoint/2010/main" Requires="p14">
+      <p:transition spd="slow" p14:dur="2000"/>
+    </mc:Choice>
+    <mc:Fallback>
+      <p:transition spd="slow"/>
+    </mc:Fallback>
+  </mc:AlternateContent>
 </p:sld>
 </file>
 
@@ -8980,12 +9766,8 @@
           <a:lstStyle/>
           <a:p>
             <a:r>
-              <a:rPr lang="en-GB" dirty="0" err="1" smtClean="0"/>
-              <a:t>Javascript</a:t>
-            </a:r>
-            <a:r>
               <a:rPr lang="en-GB" dirty="0" smtClean="0"/>
-              <a:t> Pop Quiz #3</a:t>
+              <a:t>JavaScript Pop Quiz #2</a:t>
             </a:r>
             <a:endParaRPr lang="en-GB" dirty="0"/>
           </a:p>
@@ -8998,45 +9780,305 @@
             <a:spLocks noGrp="1"/>
           </p:cNvSpPr>
           <p:nvPr>
-            <p:ph idx="1"/>
-          </p:nvPr>
-        </p:nvSpPr>
-        <p:spPr/>
-        <p:txBody>
-          <a:bodyPr/>
-          <a:lstStyle/>
-          <a:p>
-            <a:r>
-              <a:rPr lang="en-GB" dirty="0"/>
-              <a:t>    try {</a:t>
+            <p:ph sz="half" idx="1"/>
+          </p:nvPr>
+        </p:nvSpPr>
+        <p:spPr>
+          <a:xfrm>
+            <a:off x="467544" y="1556792"/>
+            <a:ext cx="4038600" cy="4525963"/>
+          </a:xfrm>
+          <a:ln w="12700">
+            <a:solidFill>
+              <a:schemeClr val="tx1"/>
+            </a:solidFill>
+          </a:ln>
+        </p:spPr>
+        <p:txBody>
+          <a:bodyPr>
+            <a:noAutofit/>
+          </a:bodyPr>
+          <a:lstStyle/>
+          <a:p>
+            <a:pPr>
+              <a:lnSpc>
+                <a:spcPct val="120000"/>
+              </a:lnSpc>
+              <a:buNone/>
+            </a:pPr>
+            <a:r>
+              <a:rPr lang="en-GB" sz="2000" dirty="0" smtClean="0">
+                <a:latin typeface="Consolas" pitchFamily="49" charset="0"/>
+                <a:cs typeface="Consolas" pitchFamily="49" charset="0"/>
+              </a:rPr>
+              <a:t>function </a:t>
+            </a:r>
+            <a:r>
+              <a:rPr lang="en-GB" sz="2000" dirty="0" err="1" smtClean="0">
+                <a:latin typeface="Consolas" pitchFamily="49" charset="0"/>
+                <a:cs typeface="Consolas" pitchFamily="49" charset="0"/>
+              </a:rPr>
+              <a:t>GetGuru</a:t>
+            </a:r>
+            <a:r>
+              <a:rPr lang="en-GB" sz="2000" dirty="0" smtClean="0">
+                <a:latin typeface="Consolas" pitchFamily="49" charset="0"/>
+                <a:cs typeface="Consolas" pitchFamily="49" charset="0"/>
+              </a:rPr>
+              <a:t>() {</a:t>
+            </a:r>
+            <a:r>
+              <a:rPr lang="en-GB" sz="2000" dirty="0">
+                <a:latin typeface="Consolas" pitchFamily="49" charset="0"/>
+                <a:cs typeface="Consolas" pitchFamily="49" charset="0"/>
+              </a:rPr>
+              <a:t/>
             </a:r>
             <a:br>
-              <a:rPr lang="en-GB" dirty="0"/>
+              <a:rPr lang="en-GB" sz="2000" dirty="0">
+                <a:latin typeface="Consolas" pitchFamily="49" charset="0"/>
+                <a:cs typeface="Consolas" pitchFamily="49" charset="0"/>
+              </a:rPr>
             </a:br>
             <a:r>
-              <a:rPr lang="en-GB" dirty="0"/>
-              <a:t>        return(true);</a:t>
-            </a:r>
-            <a:br>
-              <a:rPr lang="en-GB" dirty="0"/>
-            </a:br>
-            <a:r>
-              <a:rPr lang="en-GB" dirty="0"/>
-              <a:t>    } finally {</a:t>
-            </a:r>
-            <a:br>
-              <a:rPr lang="en-GB" dirty="0"/>
-            </a:br>
-            <a:r>
-              <a:rPr lang="en-GB" dirty="0"/>
-              <a:t>        return(false);</a:t>
-            </a:r>
-            <a:br>
-              <a:rPr lang="en-GB" dirty="0"/>
-            </a:br>
-            <a:r>
-              <a:rPr lang="en-GB" dirty="0"/>
-              <a:t>    }</a:t>
+              <a:rPr lang="en-GB" sz="2000" dirty="0" smtClean="0">
+                <a:latin typeface="Consolas" pitchFamily="49" charset="0"/>
+                <a:cs typeface="Consolas" pitchFamily="49" charset="0"/>
+              </a:rPr>
+              <a:t>return {</a:t>
+            </a:r>
+          </a:p>
+          <a:p>
+            <a:pPr>
+              <a:lnSpc>
+                <a:spcPct val="120000"/>
+              </a:lnSpc>
+              <a:buNone/>
+            </a:pPr>
+            <a:r>
+              <a:rPr lang="en-GB" sz="2000" dirty="0">
+                <a:latin typeface="Consolas" pitchFamily="49" charset="0"/>
+                <a:cs typeface="Consolas" pitchFamily="49" charset="0"/>
+              </a:rPr>
+              <a:t>	</a:t>
+            </a:r>
+            <a:r>
+              <a:rPr lang="en-GB" sz="2000" dirty="0" smtClean="0">
+                <a:latin typeface="Consolas" pitchFamily="49" charset="0"/>
+                <a:cs typeface="Consolas" pitchFamily="49" charset="0"/>
+              </a:rPr>
+              <a:t>  name = 'Jon Skeet',</a:t>
+            </a:r>
+          </a:p>
+          <a:p>
+            <a:pPr>
+              <a:lnSpc>
+                <a:spcPct val="120000"/>
+              </a:lnSpc>
+              <a:buNone/>
+            </a:pPr>
+            <a:r>
+              <a:rPr lang="en-GB" sz="2000" dirty="0" smtClean="0">
+                <a:latin typeface="Consolas" pitchFamily="49" charset="0"/>
+                <a:cs typeface="Consolas" pitchFamily="49" charset="0"/>
+              </a:rPr>
+              <a:t>     job = 'Guru'</a:t>
+            </a:r>
+          </a:p>
+          <a:p>
+            <a:pPr>
+              <a:lnSpc>
+                <a:spcPct val="120000"/>
+              </a:lnSpc>
+              <a:buNone/>
+            </a:pPr>
+            <a:r>
+              <a:rPr lang="en-GB" sz="2000" dirty="0" smtClean="0">
+                <a:latin typeface="Consolas" pitchFamily="49" charset="0"/>
+                <a:cs typeface="Consolas" pitchFamily="49" charset="0"/>
+              </a:rPr>
+              <a:t>   };</a:t>
+            </a:r>
+          </a:p>
+          <a:p>
+            <a:pPr>
+              <a:lnSpc>
+                <a:spcPct val="120000"/>
+              </a:lnSpc>
+              <a:buNone/>
+            </a:pPr>
+            <a:r>
+              <a:rPr lang="en-GB" sz="2000" dirty="0">
+                <a:latin typeface="Consolas" pitchFamily="49" charset="0"/>
+                <a:cs typeface="Consolas" pitchFamily="49" charset="0"/>
+              </a:rPr>
+              <a:t>}</a:t>
+            </a:r>
+          </a:p>
+        </p:txBody>
+      </p:sp>
+      <p:sp>
+        <p:nvSpPr>
+          <p:cNvPr id="5" name="Content Placeholder 2"/>
+          <p:cNvSpPr>
+            <a:spLocks noGrp="1"/>
+          </p:cNvSpPr>
+          <p:nvPr>
+            <p:ph sz="half" idx="2"/>
+          </p:nvPr>
+        </p:nvSpPr>
+        <p:spPr>
+          <a:xfrm>
+            <a:off x="4644008" y="1556792"/>
+            <a:ext cx="4038600" cy="4525963"/>
+          </a:xfrm>
+          <a:ln w="12700">
+            <a:solidFill>
+              <a:schemeClr val="tx1"/>
+            </a:solidFill>
+          </a:ln>
+        </p:spPr>
+        <p:txBody>
+          <a:bodyPr>
+            <a:noAutofit/>
+          </a:bodyPr>
+          <a:lstStyle/>
+          <a:p>
+            <a:pPr>
+              <a:lnSpc>
+                <a:spcPct val="120000"/>
+              </a:lnSpc>
+              <a:buNone/>
+            </a:pPr>
+            <a:r>
+              <a:rPr lang="en-GB" sz="2000" dirty="0" smtClean="0">
+                <a:latin typeface="Consolas" pitchFamily="49" charset="0"/>
+                <a:cs typeface="Consolas" pitchFamily="49" charset="0"/>
+              </a:rPr>
+              <a:t>function </a:t>
+            </a:r>
+            <a:r>
+              <a:rPr lang="en-GB" sz="2000" dirty="0" err="1" smtClean="0">
+                <a:latin typeface="Consolas" pitchFamily="49" charset="0"/>
+                <a:cs typeface="Consolas" pitchFamily="49" charset="0"/>
+              </a:rPr>
+              <a:t>GetGuru</a:t>
+            </a:r>
+            <a:r>
+              <a:rPr lang="en-GB" sz="2000" dirty="0" smtClean="0">
+                <a:latin typeface="Consolas" pitchFamily="49" charset="0"/>
+                <a:cs typeface="Consolas" pitchFamily="49" charset="0"/>
+              </a:rPr>
+              <a:t>()</a:t>
+            </a:r>
+          </a:p>
+          <a:p>
+            <a:pPr>
+              <a:lnSpc>
+                <a:spcPct val="120000"/>
+              </a:lnSpc>
+              <a:buNone/>
+            </a:pPr>
+            <a:r>
+              <a:rPr lang="en-GB" sz="2000" dirty="0">
+                <a:latin typeface="Consolas" pitchFamily="49" charset="0"/>
+                <a:cs typeface="Consolas" pitchFamily="49" charset="0"/>
+              </a:rPr>
+              <a:t>{</a:t>
+            </a:r>
+            <a:endParaRPr lang="en-GB" sz="2000" dirty="0" smtClean="0">
+              <a:latin typeface="Consolas" pitchFamily="49" charset="0"/>
+              <a:cs typeface="Consolas" pitchFamily="49" charset="0"/>
+            </a:endParaRPr>
+          </a:p>
+          <a:p>
+            <a:pPr>
+              <a:lnSpc>
+                <a:spcPct val="120000"/>
+              </a:lnSpc>
+              <a:buNone/>
+            </a:pPr>
+            <a:r>
+              <a:rPr lang="en-GB" sz="2000" dirty="0" smtClean="0">
+                <a:latin typeface="Consolas" pitchFamily="49" charset="0"/>
+                <a:cs typeface="Consolas" pitchFamily="49" charset="0"/>
+              </a:rPr>
+              <a:t>  return </a:t>
+            </a:r>
+          </a:p>
+          <a:p>
+            <a:pPr>
+              <a:lnSpc>
+                <a:spcPct val="120000"/>
+              </a:lnSpc>
+              <a:buNone/>
+            </a:pPr>
+            <a:r>
+              <a:rPr lang="en-GB" sz="2000" dirty="0" smtClean="0">
+                <a:latin typeface="Consolas" pitchFamily="49" charset="0"/>
+                <a:cs typeface="Consolas" pitchFamily="49" charset="0"/>
+              </a:rPr>
+              <a:t>  {</a:t>
+            </a:r>
+          </a:p>
+          <a:p>
+            <a:pPr>
+              <a:lnSpc>
+                <a:spcPct val="120000"/>
+              </a:lnSpc>
+              <a:buNone/>
+            </a:pPr>
+            <a:r>
+              <a:rPr lang="en-GB" sz="2000" dirty="0" smtClean="0">
+                <a:latin typeface="Consolas" pitchFamily="49" charset="0"/>
+                <a:cs typeface="Consolas" pitchFamily="49" charset="0"/>
+              </a:rPr>
+              <a:t>    name = 'Jon Skeet',</a:t>
+            </a:r>
+          </a:p>
+          <a:p>
+            <a:pPr>
+              <a:lnSpc>
+                <a:spcPct val="120000"/>
+              </a:lnSpc>
+              <a:buNone/>
+            </a:pPr>
+            <a:r>
+              <a:rPr lang="en-GB" sz="2000" dirty="0" smtClean="0">
+                <a:latin typeface="Consolas" pitchFamily="49" charset="0"/>
+                <a:cs typeface="Consolas" pitchFamily="49" charset="0"/>
+              </a:rPr>
+              <a:t>    job = 'Guru'</a:t>
+            </a:r>
+          </a:p>
+          <a:p>
+            <a:pPr>
+              <a:lnSpc>
+                <a:spcPct val="120000"/>
+              </a:lnSpc>
+              <a:buNone/>
+            </a:pPr>
+            <a:r>
+              <a:rPr lang="en-GB" sz="2000" dirty="0" smtClean="0">
+                <a:latin typeface="Consolas" pitchFamily="49" charset="0"/>
+                <a:cs typeface="Consolas" pitchFamily="49" charset="0"/>
+              </a:rPr>
+              <a:t>  };</a:t>
+            </a:r>
+          </a:p>
+          <a:p>
+            <a:pPr>
+              <a:lnSpc>
+                <a:spcPct val="120000"/>
+              </a:lnSpc>
+              <a:buNone/>
+            </a:pPr>
+            <a:r>
+              <a:rPr lang="en-GB" sz="2000" dirty="0">
+                <a:latin typeface="Consolas" pitchFamily="49" charset="0"/>
+                <a:cs typeface="Consolas" pitchFamily="49" charset="0"/>
+              </a:rPr>
+              <a:t>}</a:t>
             </a:r>
           </a:p>
         </p:txBody>
@@ -9046,6 +10088,14 @@
   <p:clrMapOvr>
     <a:masterClrMapping/>
   </p:clrMapOvr>
+  <mc:AlternateContent xmlns:mc="http://schemas.openxmlformats.org/markup-compatibility/2006">
+    <mc:Choice xmlns:p14="http://schemas.microsoft.com/office/powerpoint/2010/main" Requires="p14">
+      <p:transition spd="slow" p14:dur="2000"/>
+    </mc:Choice>
+    <mc:Fallback>
+      <p:transition spd="slow"/>
+    </mc:Fallback>
+  </mc:AlternateContent>
 </p:sld>
 </file>
 
@@ -9081,10 +10131,6 @@
           <a:bodyPr/>
           <a:lstStyle/>
           <a:p>
-            <a:r>
-              <a:rPr lang="en-GB" dirty="0" err="1" smtClean="0"/>
-              <a:t>Mustache</a:t>
-            </a:r>
             <a:endParaRPr lang="en-GB" dirty="0"/>
           </a:p>
         </p:txBody>
@@ -9111,13 +10157,28 @@
     </p:spTree>
     <p:extLst>
       <p:ext uri="{BB962C8B-B14F-4D97-AF65-F5344CB8AC3E}">
-        <p14:creationId xmlns:p14="http://schemas.microsoft.com/office/powerpoint/2010/main" val="2936035119"/>
+        <p14:creationId xmlns:p14="http://schemas.microsoft.com/office/powerpoint/2010/main" val="1756515905"/>
       </p:ext>
     </p:extLst>
   </p:cSld>
   <p:clrMapOvr>
     <a:masterClrMapping/>
   </p:clrMapOvr>
+  <mc:AlternateContent xmlns:mc="http://schemas.openxmlformats.org/markup-compatibility/2006">
+    <mc:Choice xmlns:p14="http://schemas.microsoft.com/office/powerpoint/2010/main" Requires="p14">
+      <p:transition spd="slow" p14:dur="2000"/>
+    </mc:Choice>
+    <mc:Fallback>
+      <p:transition spd="slow"/>
+    </mc:Fallback>
+  </mc:AlternateContent>
+  <p:timing>
+    <p:tnLst>
+      <p:par>
+        <p:cTn id="1" dur="indefinite" restart="never" nodeType="tmRoot"/>
+      </p:par>
+    </p:tnLst>
+  </p:timing>
 </p:sld>
 </file>
 
@@ -9154,8 +10215,12 @@
           <a:lstStyle/>
           <a:p>
             <a:r>
+              <a:rPr lang="en-GB" dirty="0" err="1" smtClean="0"/>
+              <a:t>Javascript</a:t>
+            </a:r>
+            <a:r>
               <a:rPr lang="en-GB" dirty="0" smtClean="0"/>
-              <a:t>HTML5 manifests</a:t>
+              <a:t> Pop Quiz #3</a:t>
             </a:r>
             <a:endParaRPr lang="en-GB" dirty="0"/>
           </a:p>
@@ -9176,20 +10241,54 @@
           <a:bodyPr/>
           <a:lstStyle/>
           <a:p>
-            <a:endParaRPr lang="en-GB"/>
+            <a:r>
+              <a:rPr lang="en-GB" dirty="0"/>
+              <a:t>    try {</a:t>
+            </a:r>
+            <a:br>
+              <a:rPr lang="en-GB" dirty="0"/>
+            </a:br>
+            <a:r>
+              <a:rPr lang="en-GB" dirty="0"/>
+              <a:t>        return(true);</a:t>
+            </a:r>
+            <a:br>
+              <a:rPr lang="en-GB" dirty="0"/>
+            </a:br>
+            <a:r>
+              <a:rPr lang="en-GB" dirty="0"/>
+              <a:t>    } finally {</a:t>
+            </a:r>
+            <a:br>
+              <a:rPr lang="en-GB" dirty="0"/>
+            </a:br>
+            <a:r>
+              <a:rPr lang="en-GB" dirty="0"/>
+              <a:t>        return(false);</a:t>
+            </a:r>
+            <a:br>
+              <a:rPr lang="en-GB" dirty="0"/>
+            </a:br>
+            <a:r>
+              <a:rPr lang="en-GB" dirty="0"/>
+              <a:t>    }</a:t>
+            </a:r>
           </a:p>
         </p:txBody>
       </p:sp>
     </p:spTree>
-    <p:extLst>
-      <p:ext uri="{BB962C8B-B14F-4D97-AF65-F5344CB8AC3E}">
-        <p14:creationId xmlns:p14="http://schemas.microsoft.com/office/powerpoint/2010/main" val="1630902965"/>
-      </p:ext>
-    </p:extLst>
   </p:cSld>
   <p:clrMapOvr>
     <a:masterClrMapping/>
   </p:clrMapOvr>
+  <mc:AlternateContent xmlns:mc="http://schemas.openxmlformats.org/markup-compatibility/2006">
+    <mc:Choice xmlns:p14="http://schemas.microsoft.com/office/powerpoint/2010/main" Requires="p14">
+      <p:transition spd="slow" p14:dur="2000"/>
+    </mc:Choice>
+    <mc:Fallback>
+      <p:transition spd="slow"/>
+    </mc:Fallback>
+  </mc:AlternateContent>
 </p:sld>
 </file>
 
@@ -9222,6 +10321,176 @@
         </p:nvSpPr>
         <p:spPr/>
         <p:txBody>
+          <a:bodyPr>
+            <a:normAutofit fontScale="90000"/>
+          </a:bodyPr>
+          <a:lstStyle/>
+          <a:p>
+            <a:r>
+              <a:rPr lang="en-GB" dirty="0" smtClean="0"/>
+              <a:t>Layout Engines (</a:t>
+            </a:r>
+            <a:r>
+              <a:rPr lang="en-GB" dirty="0" err="1" smtClean="0"/>
+              <a:t>Mustache</a:t>
+            </a:r>
+            <a:r>
+              <a:rPr lang="en-GB" baseline="0" dirty="0" smtClean="0"/>
+              <a:t> / Tempo)</a:t>
+            </a:r>
+            <a:endParaRPr lang="en-GB" dirty="0"/>
+          </a:p>
+        </p:txBody>
+      </p:sp>
+      <p:sp>
+        <p:nvSpPr>
+          <p:cNvPr id="3" name="Content Placeholder 2"/>
+          <p:cNvSpPr>
+            <a:spLocks noGrp="1"/>
+          </p:cNvSpPr>
+          <p:nvPr>
+            <p:ph idx="1"/>
+          </p:nvPr>
+        </p:nvSpPr>
+        <p:spPr/>
+        <p:txBody>
+          <a:bodyPr/>
+          <a:lstStyle/>
+          <a:p>
+            <a:endParaRPr lang="en-GB"/>
+          </a:p>
+        </p:txBody>
+      </p:sp>
+    </p:spTree>
+    <p:extLst>
+      <p:ext uri="{BB962C8B-B14F-4D97-AF65-F5344CB8AC3E}">
+        <p14:creationId xmlns:p14="http://schemas.microsoft.com/office/powerpoint/2010/main" val="2936035119"/>
+      </p:ext>
+    </p:extLst>
+  </p:cSld>
+  <p:clrMapOvr>
+    <a:masterClrMapping/>
+  </p:clrMapOvr>
+  <mc:AlternateContent xmlns:mc="http://schemas.openxmlformats.org/markup-compatibility/2006">
+    <mc:Choice xmlns:p14="http://schemas.microsoft.com/office/powerpoint/2010/main" Requires="p14">
+      <p:transition spd="slow" p14:dur="2000"/>
+    </mc:Choice>
+    <mc:Fallback>
+      <p:transition spd="slow"/>
+    </mc:Fallback>
+  </mc:AlternateContent>
+</p:sld>
+</file>
+
+<file path=ppt/slides/slide46.xml><?xml version="1.0" encoding="utf-8"?>
+<p:sld xmlns:a="http://schemas.openxmlformats.org/drawingml/2006/main" xmlns:r="http://schemas.openxmlformats.org/officeDocument/2006/relationships" xmlns:p="http://schemas.openxmlformats.org/presentationml/2006/main">
+  <p:cSld>
+    <p:spTree>
+      <p:nvGrpSpPr>
+        <p:cNvPr id="1" name=""/>
+        <p:cNvGrpSpPr/>
+        <p:nvPr/>
+      </p:nvGrpSpPr>
+      <p:grpSpPr>
+        <a:xfrm>
+          <a:off x="0" y="0"/>
+          <a:ext cx="0" cy="0"/>
+          <a:chOff x="0" y="0"/>
+          <a:chExt cx="0" cy="0"/>
+        </a:xfrm>
+      </p:grpSpPr>
+      <p:sp>
+        <p:nvSpPr>
+          <p:cNvPr id="2" name="Title 1"/>
+          <p:cNvSpPr>
+            <a:spLocks noGrp="1"/>
+          </p:cNvSpPr>
+          <p:nvPr>
+            <p:ph type="title"/>
+          </p:nvPr>
+        </p:nvSpPr>
+        <p:spPr/>
+        <p:txBody>
+          <a:bodyPr/>
+          <a:lstStyle/>
+          <a:p>
+            <a:r>
+              <a:rPr lang="en-GB" dirty="0" smtClean="0"/>
+              <a:t>HTML5 manifests</a:t>
+            </a:r>
+            <a:endParaRPr lang="en-GB" dirty="0"/>
+          </a:p>
+        </p:txBody>
+      </p:sp>
+      <p:sp>
+        <p:nvSpPr>
+          <p:cNvPr id="3" name="Content Placeholder 2"/>
+          <p:cNvSpPr>
+            <a:spLocks noGrp="1"/>
+          </p:cNvSpPr>
+          <p:nvPr>
+            <p:ph idx="1"/>
+          </p:nvPr>
+        </p:nvSpPr>
+        <p:spPr/>
+        <p:txBody>
+          <a:bodyPr/>
+          <a:lstStyle/>
+          <a:p>
+            <a:endParaRPr lang="en-GB"/>
+          </a:p>
+        </p:txBody>
+      </p:sp>
+    </p:spTree>
+    <p:extLst>
+      <p:ext uri="{BB962C8B-B14F-4D97-AF65-F5344CB8AC3E}">
+        <p14:creationId xmlns:p14="http://schemas.microsoft.com/office/powerpoint/2010/main" val="1630902965"/>
+      </p:ext>
+    </p:extLst>
+  </p:cSld>
+  <p:clrMapOvr>
+    <a:masterClrMapping/>
+  </p:clrMapOvr>
+  <mc:AlternateContent xmlns:mc="http://schemas.openxmlformats.org/markup-compatibility/2006">
+    <mc:Choice xmlns:p14="http://schemas.microsoft.com/office/powerpoint/2010/main" Requires="p14">
+      <p:transition spd="slow" p14:dur="2000"/>
+    </mc:Choice>
+    <mc:Fallback>
+      <p:transition spd="slow"/>
+    </mc:Fallback>
+  </mc:AlternateContent>
+</p:sld>
+</file>
+
+<file path=ppt/slides/slide47.xml><?xml version="1.0" encoding="utf-8"?>
+<p:sld xmlns:a="http://schemas.openxmlformats.org/drawingml/2006/main" xmlns:r="http://schemas.openxmlformats.org/officeDocument/2006/relationships" xmlns:p="http://schemas.openxmlformats.org/presentationml/2006/main">
+  <p:cSld>
+    <p:spTree>
+      <p:nvGrpSpPr>
+        <p:cNvPr id="1" name=""/>
+        <p:cNvGrpSpPr/>
+        <p:nvPr/>
+      </p:nvGrpSpPr>
+      <p:grpSpPr>
+        <a:xfrm>
+          <a:off x="0" y="0"/>
+          <a:ext cx="0" cy="0"/>
+          <a:chOff x="0" y="0"/>
+          <a:chExt cx="0" cy="0"/>
+        </a:xfrm>
+      </p:grpSpPr>
+      <p:sp>
+        <p:nvSpPr>
+          <p:cNvPr id="2" name="Title 1"/>
+          <p:cNvSpPr>
+            <a:spLocks noGrp="1"/>
+          </p:cNvSpPr>
+          <p:nvPr>
+            <p:ph type="title"/>
+          </p:nvPr>
+        </p:nvSpPr>
+        <p:spPr/>
+        <p:txBody>
           <a:bodyPr/>
           <a:lstStyle/>
           <a:p>
@@ -9271,6 +10540,14 @@
   <p:clrMapOvr>
     <a:masterClrMapping/>
   </p:clrMapOvr>
+  <mc:AlternateContent xmlns:mc="http://schemas.openxmlformats.org/markup-compatibility/2006">
+    <mc:Choice xmlns:p14="http://schemas.microsoft.com/office/powerpoint/2010/main" Requires="p14">
+      <p:transition spd="slow" p14:dur="2000"/>
+    </mc:Choice>
+    <mc:Fallback>
+      <p:transition spd="slow"/>
+    </mc:Fallback>
+  </mc:AlternateContent>
 </p:sld>
 </file>
 
@@ -9303,7 +10580,229 @@
         </p:nvSpPr>
         <p:spPr/>
         <p:txBody>
-          <a:bodyPr/>
+          <a:bodyPr>
+            <a:normAutofit/>
+          </a:bodyPr>
+          <a:lstStyle/>
+          <a:p>
+            <a:r>
+              <a:rPr lang="en-GB" dirty="0" smtClean="0"/>
+              <a:t>Name That Language – Round 3</a:t>
+            </a:r>
+            <a:endParaRPr lang="en-GB" dirty="0"/>
+          </a:p>
+        </p:txBody>
+      </p:sp>
+      <p:sp>
+        <p:nvSpPr>
+          <p:cNvPr id="18433" name="Rectangle 1"/>
+          <p:cNvSpPr>
+            <a:spLocks noChangeArrowheads="1"/>
+          </p:cNvSpPr>
+          <p:nvPr/>
+        </p:nvSpPr>
+        <p:spPr bwMode="auto">
+          <a:xfrm rot="10800000" flipH="1" flipV="1">
+            <a:off x="251520" y="1979230"/>
+            <a:ext cx="8568952" cy="2308324"/>
+          </a:xfrm>
+          <a:prstGeom prst="rect">
+            <a:avLst/>
+          </a:prstGeom>
+          <a:solidFill>
+            <a:schemeClr val="bg1"/>
+          </a:solidFill>
+          <a:ln w="9525">
+            <a:noFill/>
+            <a:miter lim="800000"/>
+            <a:headEnd/>
+            <a:tailEnd/>
+          </a:ln>
+          <a:effectLst/>
+        </p:spPr>
+        <p:txBody>
+          <a:bodyPr vert="horz" wrap="square" lIns="91440" tIns="45720" rIns="91440" bIns="45720" numCol="1" anchor="ctr" anchorCtr="0" compatLnSpc="1">
+            <a:prstTxWarp prst="textNoShape">
+              <a:avLst/>
+            </a:prstTxWarp>
+            <a:spAutoFit/>
+          </a:bodyPr>
+          <a:lstStyle/>
+          <a:p>
+            <a:pPr marL="0" marR="0" lvl="0" indent="0" algn="l" defTabSz="914400" rtl="0" eaLnBrk="1" fontAlgn="base" latinLnBrk="0" hangingPunct="1">
+              <a:lnSpc>
+                <a:spcPct val="100000"/>
+              </a:lnSpc>
+              <a:spcBef>
+                <a:spcPct val="0"/>
+              </a:spcBef>
+              <a:spcAft>
+                <a:spcPct val="0"/>
+              </a:spcAft>
+              <a:buClrTx/>
+              <a:buSzTx/>
+              <a:buFontTx/>
+              <a:buNone/>
+              <a:tabLst/>
+            </a:pPr>
+            <a:r>
+              <a:rPr kumimoji="0" lang="en-US" sz="3600" i="0" u="none" strike="noStrike" cap="none" normalizeH="0" baseline="0" dirty="0" err="1" smtClean="0">
+                <a:ln>
+                  <a:noFill/>
+                </a:ln>
+                <a:effectLst/>
+                <a:latin typeface="Consolas" pitchFamily="49" charset="0"/>
+                <a:cs typeface="Consolas" pitchFamily="49" charset="0"/>
+              </a:rPr>
+              <a:t>int</a:t>
+            </a:r>
+            <a:r>
+              <a:rPr kumimoji="0" lang="en-US" sz="3600" i="0" u="none" strike="noStrike" cap="none" normalizeH="0" baseline="0" dirty="0" smtClean="0">
+                <a:ln>
+                  <a:noFill/>
+                </a:ln>
+                <a:effectLst/>
+                <a:latin typeface="Consolas" pitchFamily="49" charset="0"/>
+                <a:cs typeface="Consolas" pitchFamily="49" charset="0"/>
+              </a:rPr>
+              <a:t> Factorial(</a:t>
+            </a:r>
+            <a:r>
+              <a:rPr kumimoji="0" lang="en-US" sz="3600" i="0" u="none" strike="noStrike" cap="none" normalizeH="0" baseline="0" dirty="0" err="1" smtClean="0">
+                <a:ln>
+                  <a:noFill/>
+                </a:ln>
+                <a:effectLst/>
+                <a:latin typeface="Consolas" pitchFamily="49" charset="0"/>
+                <a:cs typeface="Consolas" pitchFamily="49" charset="0"/>
+              </a:rPr>
+              <a:t>int</a:t>
+            </a:r>
+            <a:r>
+              <a:rPr kumimoji="0" lang="en-US" sz="3600" i="0" u="none" strike="noStrike" cap="none" normalizeH="0" baseline="0" dirty="0" smtClean="0">
+                <a:ln>
+                  <a:noFill/>
+                </a:ln>
+                <a:effectLst/>
+                <a:latin typeface="Consolas" pitchFamily="49" charset="0"/>
+                <a:cs typeface="Consolas" pitchFamily="49" charset="0"/>
+              </a:rPr>
+              <a:t> n) {</a:t>
+            </a:r>
+            <a:br>
+              <a:rPr kumimoji="0" lang="en-US" sz="3600" i="0" u="none" strike="noStrike" cap="none" normalizeH="0" baseline="0" dirty="0" smtClean="0">
+                <a:ln>
+                  <a:noFill/>
+                </a:ln>
+                <a:effectLst/>
+                <a:latin typeface="Consolas" pitchFamily="49" charset="0"/>
+                <a:cs typeface="Consolas" pitchFamily="49" charset="0"/>
+              </a:rPr>
+            </a:br>
+            <a:r>
+              <a:rPr kumimoji="0" lang="en-US" sz="3600" i="0" u="none" strike="noStrike" cap="none" normalizeH="0" baseline="0" dirty="0" smtClean="0">
+                <a:ln>
+                  <a:noFill/>
+                </a:ln>
+                <a:effectLst/>
+                <a:latin typeface="Consolas" pitchFamily="49" charset="0"/>
+                <a:cs typeface="Consolas" pitchFamily="49" charset="0"/>
+              </a:rPr>
+              <a:t>    if (n &lt; 2) return(1);</a:t>
+            </a:r>
+            <a:br>
+              <a:rPr kumimoji="0" lang="en-US" sz="3600" i="0" u="none" strike="noStrike" cap="none" normalizeH="0" baseline="0" dirty="0" smtClean="0">
+                <a:ln>
+                  <a:noFill/>
+                </a:ln>
+                <a:effectLst/>
+                <a:latin typeface="Consolas" pitchFamily="49" charset="0"/>
+                <a:cs typeface="Consolas" pitchFamily="49" charset="0"/>
+              </a:rPr>
+            </a:br>
+            <a:r>
+              <a:rPr kumimoji="0" lang="en-US" sz="3600" i="0" u="none" strike="noStrike" cap="none" normalizeH="0" baseline="0" dirty="0" smtClean="0">
+                <a:ln>
+                  <a:noFill/>
+                </a:ln>
+                <a:effectLst/>
+                <a:latin typeface="Consolas" pitchFamily="49" charset="0"/>
+                <a:cs typeface="Consolas" pitchFamily="49" charset="0"/>
+              </a:rPr>
+              <a:t>    return n * Factorial(n - 1);</a:t>
+            </a:r>
+            <a:br>
+              <a:rPr kumimoji="0" lang="en-US" sz="3600" i="0" u="none" strike="noStrike" cap="none" normalizeH="0" baseline="0" dirty="0" smtClean="0">
+                <a:ln>
+                  <a:noFill/>
+                </a:ln>
+                <a:effectLst/>
+                <a:latin typeface="Consolas" pitchFamily="49" charset="0"/>
+                <a:cs typeface="Consolas" pitchFamily="49" charset="0"/>
+              </a:rPr>
+            </a:br>
+            <a:r>
+              <a:rPr kumimoji="0" lang="en-US" sz="3600" i="0" u="none" strike="noStrike" cap="none" normalizeH="0" baseline="0" dirty="0" smtClean="0">
+                <a:ln>
+                  <a:noFill/>
+                </a:ln>
+                <a:effectLst/>
+                <a:latin typeface="Consolas" pitchFamily="49" charset="0"/>
+                <a:cs typeface="Consolas" pitchFamily="49" charset="0"/>
+              </a:rPr>
+              <a:t>} </a:t>
+            </a:r>
+          </a:p>
+        </p:txBody>
+      </p:sp>
+    </p:spTree>
+  </p:cSld>
+  <p:clrMapOvr>
+    <a:masterClrMapping/>
+  </p:clrMapOvr>
+  <mc:AlternateContent xmlns:mc="http://schemas.openxmlformats.org/markup-compatibility/2006">
+    <mc:Choice xmlns:p14="http://schemas.microsoft.com/office/powerpoint/2010/main" Requires="p14">
+      <p:transition spd="slow" p14:dur="2000"/>
+    </mc:Choice>
+    <mc:Fallback>
+      <p:transition spd="slow"/>
+    </mc:Fallback>
+  </mc:AlternateContent>
+</p:sld>
+</file>
+
+<file path=ppt/slides/slide6.xml><?xml version="1.0" encoding="utf-8"?>
+<p:sld xmlns:a="http://schemas.openxmlformats.org/drawingml/2006/main" xmlns:r="http://schemas.openxmlformats.org/officeDocument/2006/relationships" xmlns:p="http://schemas.openxmlformats.org/presentationml/2006/main">
+  <p:cSld>
+    <p:spTree>
+      <p:nvGrpSpPr>
+        <p:cNvPr id="1" name=""/>
+        <p:cNvGrpSpPr/>
+        <p:nvPr/>
+      </p:nvGrpSpPr>
+      <p:grpSpPr>
+        <a:xfrm>
+          <a:off x="0" y="0"/>
+          <a:ext cx="0" cy="0"/>
+          <a:chOff x="0" y="0"/>
+          <a:chExt cx="0" cy="0"/>
+        </a:xfrm>
+      </p:grpSpPr>
+      <p:sp>
+        <p:nvSpPr>
+          <p:cNvPr id="2" name="Title 1"/>
+          <p:cNvSpPr>
+            <a:spLocks noGrp="1"/>
+          </p:cNvSpPr>
+          <p:nvPr>
+            <p:ph type="title"/>
+          </p:nvPr>
+        </p:nvSpPr>
+        <p:spPr/>
+        <p:txBody>
+          <a:bodyPr>
+            <a:normAutofit/>
+          </a:bodyPr>
           <a:lstStyle/>
           <a:p>
             <a:r>
@@ -9861,216 +11360,14 @@
   <p:clrMapOvr>
     <a:masterClrMapping/>
   </p:clrMapOvr>
-</p:sld>
-</file>
-
-<file path=ppt/slides/slide6.xml><?xml version="1.0" encoding="utf-8"?>
-<p:sld xmlns:a="http://schemas.openxmlformats.org/drawingml/2006/main" xmlns:r="http://schemas.openxmlformats.org/officeDocument/2006/relationships" xmlns:p="http://schemas.openxmlformats.org/presentationml/2006/main">
-  <p:cSld>
-    <p:spTree>
-      <p:nvGrpSpPr>
-        <p:cNvPr id="1" name=""/>
-        <p:cNvGrpSpPr/>
-        <p:nvPr/>
-      </p:nvGrpSpPr>
-      <p:grpSpPr>
-        <a:xfrm>
-          <a:off x="0" y="0"/>
-          <a:ext cx="0" cy="0"/>
-          <a:chOff x="0" y="0"/>
-          <a:chExt cx="0" cy="0"/>
-        </a:xfrm>
-      </p:grpSpPr>
-      <p:sp>
-        <p:nvSpPr>
-          <p:cNvPr id="2" name="Title 1"/>
-          <p:cNvSpPr>
-            <a:spLocks noGrp="1"/>
-          </p:cNvSpPr>
-          <p:nvPr>
-            <p:ph type="title"/>
-          </p:nvPr>
-        </p:nvSpPr>
-        <p:spPr/>
-        <p:txBody>
-          <a:bodyPr/>
-          <a:lstStyle/>
-          <a:p>
-            <a:r>
-              <a:rPr lang="en-GB" dirty="0" smtClean="0"/>
-              <a:t>Name That Language – Round 5</a:t>
-            </a:r>
-            <a:endParaRPr lang="en-GB" dirty="0"/>
-          </a:p>
-        </p:txBody>
-      </p:sp>
-      <p:sp>
-        <p:nvSpPr>
-          <p:cNvPr id="18433" name="Rectangle 1"/>
-          <p:cNvSpPr>
-            <a:spLocks noChangeArrowheads="1"/>
-          </p:cNvSpPr>
-          <p:nvPr/>
-        </p:nvSpPr>
-        <p:spPr bwMode="auto">
-          <a:xfrm rot="10800000" flipH="1" flipV="1">
-            <a:off x="251520" y="1979230"/>
-            <a:ext cx="8568952" cy="2308324"/>
-          </a:xfrm>
-          <a:prstGeom prst="rect">
-            <a:avLst/>
-          </a:prstGeom>
-          <a:solidFill>
-            <a:schemeClr val="bg1"/>
-          </a:solidFill>
-          <a:ln w="9525">
-            <a:noFill/>
-            <a:miter lim="800000"/>
-            <a:headEnd/>
-            <a:tailEnd/>
-          </a:ln>
-          <a:effectLst/>
-        </p:spPr>
-        <p:txBody>
-          <a:bodyPr vert="horz" wrap="square" lIns="91440" tIns="45720" rIns="91440" bIns="45720" numCol="1" anchor="ctr" anchorCtr="0" compatLnSpc="1">
-            <a:prstTxWarp prst="textNoShape">
-              <a:avLst/>
-            </a:prstTxWarp>
-            <a:spAutoFit/>
-          </a:bodyPr>
-          <a:lstStyle/>
-          <a:p>
-            <a:pPr marL="0" marR="0" lvl="0" indent="0" algn="l" defTabSz="914400" rtl="0" eaLnBrk="1" fontAlgn="base" latinLnBrk="0" hangingPunct="1">
-              <a:lnSpc>
-                <a:spcPct val="100000"/>
-              </a:lnSpc>
-              <a:spcBef>
-                <a:spcPct val="0"/>
-              </a:spcBef>
-              <a:spcAft>
-                <a:spcPct val="0"/>
-              </a:spcAft>
-              <a:buClrTx/>
-              <a:buSzTx/>
-              <a:buFontTx/>
-              <a:buNone/>
-              <a:tabLst/>
-            </a:pPr>
-            <a:r>
-              <a:rPr kumimoji="0" lang="en-US" sz="3600" i="0" u="none" strike="noStrike" cap="none" normalizeH="0" baseline="0" dirty="0" err="1" smtClean="0">
-                <a:ln>
-                  <a:noFill/>
-                </a:ln>
-                <a:effectLst/>
-                <a:latin typeface="Consolas" pitchFamily="49" charset="0"/>
-                <a:cs typeface="Consolas" pitchFamily="49" charset="0"/>
-              </a:rPr>
-              <a:t>int</a:t>
-            </a:r>
-            <a:r>
-              <a:rPr kumimoji="0" lang="en-US" sz="3600" i="0" u="none" strike="noStrike" cap="none" normalizeH="0" baseline="0" dirty="0" smtClean="0">
-                <a:ln>
-                  <a:noFill/>
-                </a:ln>
-                <a:effectLst/>
-                <a:latin typeface="Consolas" pitchFamily="49" charset="0"/>
-                <a:cs typeface="Consolas" pitchFamily="49" charset="0"/>
-              </a:rPr>
-              <a:t> Factorial(</a:t>
-            </a:r>
-            <a:r>
-              <a:rPr kumimoji="0" lang="en-US" sz="3600" i="0" u="none" strike="noStrike" cap="none" normalizeH="0" baseline="0" dirty="0" err="1" smtClean="0">
-                <a:ln>
-                  <a:noFill/>
-                </a:ln>
-                <a:effectLst/>
-                <a:latin typeface="Consolas" pitchFamily="49" charset="0"/>
-                <a:cs typeface="Consolas" pitchFamily="49" charset="0"/>
-              </a:rPr>
-              <a:t>int</a:t>
-            </a:r>
-            <a:r>
-              <a:rPr kumimoji="0" lang="en-US" sz="3600" i="0" u="none" strike="noStrike" cap="none" normalizeH="0" baseline="0" dirty="0" smtClean="0">
-                <a:ln>
-                  <a:noFill/>
-                </a:ln>
-                <a:effectLst/>
-                <a:latin typeface="Consolas" pitchFamily="49" charset="0"/>
-                <a:cs typeface="Consolas" pitchFamily="49" charset="0"/>
-              </a:rPr>
-              <a:t> n) {</a:t>
-            </a:r>
-            <a:br>
-              <a:rPr kumimoji="0" lang="en-US" sz="3600" i="0" u="none" strike="noStrike" cap="none" normalizeH="0" baseline="0" dirty="0" smtClean="0">
-                <a:ln>
-                  <a:noFill/>
-                </a:ln>
-                <a:effectLst/>
-                <a:latin typeface="Consolas" pitchFamily="49" charset="0"/>
-                <a:cs typeface="Consolas" pitchFamily="49" charset="0"/>
-              </a:rPr>
-            </a:br>
-            <a:r>
-              <a:rPr kumimoji="0" lang="en-US" sz="3600" i="0" u="none" strike="noStrike" cap="none" normalizeH="0" baseline="0" dirty="0" smtClean="0">
-                <a:ln>
-                  <a:noFill/>
-                </a:ln>
-                <a:effectLst/>
-                <a:latin typeface="Consolas" pitchFamily="49" charset="0"/>
-                <a:cs typeface="Consolas" pitchFamily="49" charset="0"/>
-              </a:rPr>
-              <a:t>    if (n &lt; 2) return(1);</a:t>
-            </a:r>
-            <a:br>
-              <a:rPr kumimoji="0" lang="en-US" sz="3600" i="0" u="none" strike="noStrike" cap="none" normalizeH="0" baseline="0" dirty="0" smtClean="0">
-                <a:ln>
-                  <a:noFill/>
-                </a:ln>
-                <a:effectLst/>
-                <a:latin typeface="Consolas" pitchFamily="49" charset="0"/>
-                <a:cs typeface="Consolas" pitchFamily="49" charset="0"/>
-              </a:rPr>
-            </a:br>
-            <a:r>
-              <a:rPr kumimoji="0" lang="en-US" sz="3600" i="0" u="none" strike="noStrike" cap="none" normalizeH="0" baseline="0" dirty="0" smtClean="0">
-                <a:ln>
-                  <a:noFill/>
-                </a:ln>
-                <a:effectLst/>
-                <a:latin typeface="Consolas" pitchFamily="49" charset="0"/>
-                <a:cs typeface="Consolas" pitchFamily="49" charset="0"/>
-              </a:rPr>
-              <a:t>    return n * Factorial(n - 1);</a:t>
-            </a:r>
-            <a:br>
-              <a:rPr kumimoji="0" lang="en-US" sz="3600" i="0" u="none" strike="noStrike" cap="none" normalizeH="0" baseline="0" dirty="0" smtClean="0">
-                <a:ln>
-                  <a:noFill/>
-                </a:ln>
-                <a:effectLst/>
-                <a:latin typeface="Consolas" pitchFamily="49" charset="0"/>
-                <a:cs typeface="Consolas" pitchFamily="49" charset="0"/>
-              </a:rPr>
-            </a:br>
-            <a:r>
-              <a:rPr kumimoji="0" lang="en-US" sz="3600" i="0" u="none" strike="noStrike" cap="none" normalizeH="0" baseline="0" dirty="0" smtClean="0">
-                <a:ln>
-                  <a:noFill/>
-                </a:ln>
-                <a:effectLst/>
-                <a:latin typeface="Consolas" pitchFamily="49" charset="0"/>
-                <a:cs typeface="Consolas" pitchFamily="49" charset="0"/>
-              </a:rPr>
-              <a:t>} </a:t>
-            </a:r>
-          </a:p>
-        </p:txBody>
-      </p:sp>
-    </p:spTree>
-  </p:cSld>
-  <p:clrMapOvr>
-    <a:masterClrMapping/>
-  </p:clrMapOvr>
+  <mc:AlternateContent xmlns:mc="http://schemas.openxmlformats.org/markup-compatibility/2006">
+    <mc:Choice xmlns:p14="http://schemas.microsoft.com/office/powerpoint/2010/main" Requires="p14">
+      <p:transition spd="slow" p14:dur="2000"/>
+    </mc:Choice>
+    <mc:Fallback>
+      <p:transition spd="slow"/>
+    </mc:Fallback>
+  </mc:AlternateContent>
 </p:sld>
 </file>
 
@@ -10103,12 +11400,14 @@
         </p:nvSpPr>
         <p:spPr/>
         <p:txBody>
-          <a:bodyPr/>
+          <a:bodyPr>
+            <a:normAutofit/>
+          </a:bodyPr>
           <a:lstStyle/>
           <a:p>
             <a:r>
               <a:rPr lang="en-GB" dirty="0" smtClean="0"/>
-              <a:t>Name That Language – Round 6</a:t>
+              <a:t>Name That Language – Round 5</a:t>
             </a:r>
             <a:endParaRPr lang="en-GB" dirty="0"/>
           </a:p>
@@ -10167,6 +11466,17 @@
               <a:tabLst/>
             </a:pPr>
             <a:r>
+              <a:rPr kumimoji="0" lang="en-US" sz="3600" i="0" u="none" strike="noStrike" cap="none" normalizeH="0" baseline="0" dirty="0" err="1" smtClean="0">
+                <a:ln>
+                  <a:noFill/>
+                </a:ln>
+                <a:effectLst/>
+                <a:latin typeface="Consolas" pitchFamily="49" charset="0"/>
+                <a:cs typeface="Consolas" pitchFamily="49" charset="0"/>
+              </a:rPr>
+              <a:t>int</a:t>
+            </a:r>
+            <a:r>
               <a:rPr kumimoji="0" lang="en-US" sz="3600" i="0" u="none" strike="noStrike" cap="none" normalizeH="0" baseline="0" dirty="0" smtClean="0">
                 <a:ln>
                   <a:noFill/>
@@ -10175,7 +11485,29 @@
                 <a:latin typeface="Consolas" pitchFamily="49" charset="0"/>
                 <a:cs typeface="Consolas" pitchFamily="49" charset="0"/>
               </a:rPr>
-              <a:t>function Factorial(n) {</a:t>
+              <a:t> Factorial(</a:t>
+            </a:r>
+            <a:r>
+              <a:rPr kumimoji="0" lang="en-US" sz="3600" i="0" u="none" strike="noStrike" cap="none" normalizeH="0" baseline="0" dirty="0" err="1" smtClean="0">
+                <a:ln>
+                  <a:noFill/>
+                </a:ln>
+                <a:effectLst/>
+                <a:latin typeface="Consolas" pitchFamily="49" charset="0"/>
+                <a:cs typeface="Consolas" pitchFamily="49" charset="0"/>
+              </a:rPr>
+              <a:t>int</a:t>
+            </a:r>
+            <a:r>
+              <a:rPr kumimoji="0" lang="en-US" sz="3600" i="0" u="none" strike="noStrike" cap="none" normalizeH="0" baseline="0" dirty="0" smtClean="0">
+                <a:ln>
+                  <a:noFill/>
+                </a:ln>
+                <a:effectLst/>
+                <a:latin typeface="Consolas" pitchFamily="49" charset="0"/>
+                <a:cs typeface="Consolas" pitchFamily="49" charset="0"/>
+              </a:rPr>
+              <a:t> n) {</a:t>
             </a:r>
             <a:br>
               <a:rPr kumimoji="0" lang="en-US" sz="3600" i="0" u="none" strike="noStrike" cap="none" normalizeH="0" baseline="0" dirty="0" smtClean="0">
@@ -10248,6 +11580,14 @@
   <p:clrMapOvr>
     <a:masterClrMapping/>
   </p:clrMapOvr>
+  <mc:AlternateContent xmlns:mc="http://schemas.openxmlformats.org/markup-compatibility/2006">
+    <mc:Choice xmlns:p14="http://schemas.microsoft.com/office/powerpoint/2010/main" Requires="p14">
+      <p:transition spd="slow" p14:dur="2000"/>
+    </mc:Choice>
+    <mc:Fallback>
+      <p:transition spd="slow"/>
+    </mc:Fallback>
+  </mc:AlternateContent>
 </p:sld>
 </file>
 
@@ -10280,7 +11620,196 @@
         </p:nvSpPr>
         <p:spPr/>
         <p:txBody>
-          <a:bodyPr/>
+          <a:bodyPr>
+            <a:normAutofit/>
+          </a:bodyPr>
+          <a:lstStyle/>
+          <a:p>
+            <a:r>
+              <a:rPr lang="en-GB" dirty="0" smtClean="0"/>
+              <a:t>Name That Language – Round 6</a:t>
+            </a:r>
+            <a:endParaRPr lang="en-GB" dirty="0"/>
+          </a:p>
+        </p:txBody>
+      </p:sp>
+      <p:sp>
+        <p:nvSpPr>
+          <p:cNvPr id="18433" name="Rectangle 1"/>
+          <p:cNvSpPr>
+            <a:spLocks noChangeArrowheads="1"/>
+          </p:cNvSpPr>
+          <p:nvPr/>
+        </p:nvSpPr>
+        <p:spPr bwMode="auto">
+          <a:xfrm rot="10800000" flipH="1" flipV="1">
+            <a:off x="251520" y="1979230"/>
+            <a:ext cx="8568952" cy="2308324"/>
+          </a:xfrm>
+          <a:prstGeom prst="rect">
+            <a:avLst/>
+          </a:prstGeom>
+          <a:solidFill>
+            <a:schemeClr val="bg1"/>
+          </a:solidFill>
+          <a:ln w="9525">
+            <a:noFill/>
+            <a:miter lim="800000"/>
+            <a:headEnd/>
+            <a:tailEnd/>
+          </a:ln>
+          <a:effectLst/>
+        </p:spPr>
+        <p:txBody>
+          <a:bodyPr vert="horz" wrap="square" lIns="91440" tIns="45720" rIns="91440" bIns="45720" numCol="1" anchor="ctr" anchorCtr="0" compatLnSpc="1">
+            <a:prstTxWarp prst="textNoShape">
+              <a:avLst/>
+            </a:prstTxWarp>
+            <a:spAutoFit/>
+          </a:bodyPr>
+          <a:lstStyle/>
+          <a:p>
+            <a:pPr marL="0" marR="0" lvl="0" indent="0" algn="l" defTabSz="914400" rtl="0" eaLnBrk="1" fontAlgn="base" latinLnBrk="0" hangingPunct="1">
+              <a:lnSpc>
+                <a:spcPct val="100000"/>
+              </a:lnSpc>
+              <a:spcBef>
+                <a:spcPct val="0"/>
+              </a:spcBef>
+              <a:spcAft>
+                <a:spcPct val="0"/>
+              </a:spcAft>
+              <a:buClrTx/>
+              <a:buSzTx/>
+              <a:buFontTx/>
+              <a:buNone/>
+              <a:tabLst/>
+            </a:pPr>
+            <a:r>
+              <a:rPr kumimoji="0" lang="en-US" sz="3600" i="0" u="none" strike="noStrike" cap="none" normalizeH="0" baseline="0" dirty="0" smtClean="0">
+                <a:ln>
+                  <a:noFill/>
+                </a:ln>
+                <a:effectLst/>
+                <a:latin typeface="Consolas" pitchFamily="49" charset="0"/>
+                <a:cs typeface="Consolas" pitchFamily="49" charset="0"/>
+              </a:rPr>
+              <a:t>function Factorial(n) {</a:t>
+            </a:r>
+            <a:br>
+              <a:rPr kumimoji="0" lang="en-US" sz="3600" i="0" u="none" strike="noStrike" cap="none" normalizeH="0" baseline="0" dirty="0" smtClean="0">
+                <a:ln>
+                  <a:noFill/>
+                </a:ln>
+                <a:effectLst/>
+                <a:latin typeface="Consolas" pitchFamily="49" charset="0"/>
+                <a:cs typeface="Consolas" pitchFamily="49" charset="0"/>
+              </a:rPr>
+            </a:br>
+            <a:r>
+              <a:rPr kumimoji="0" lang="en-US" sz="3600" i="0" u="none" strike="noStrike" cap="none" normalizeH="0" baseline="0" dirty="0" smtClean="0">
+                <a:ln>
+                  <a:noFill/>
+                </a:ln>
+                <a:effectLst/>
+                <a:latin typeface="Consolas" pitchFamily="49" charset="0"/>
+                <a:cs typeface="Consolas" pitchFamily="49" charset="0"/>
+              </a:rPr>
+              <a:t>    if (n &lt; 2) return(1);</a:t>
+            </a:r>
+            <a:br>
+              <a:rPr kumimoji="0" lang="en-US" sz="3600" i="0" u="none" strike="noStrike" cap="none" normalizeH="0" baseline="0" dirty="0" smtClean="0">
+                <a:ln>
+                  <a:noFill/>
+                </a:ln>
+                <a:effectLst/>
+                <a:latin typeface="Consolas" pitchFamily="49" charset="0"/>
+                <a:cs typeface="Consolas" pitchFamily="49" charset="0"/>
+              </a:rPr>
+            </a:br>
+            <a:r>
+              <a:rPr kumimoji="0" lang="en-US" sz="3600" i="0" u="none" strike="noStrike" cap="none" normalizeH="0" baseline="0" dirty="0" smtClean="0">
+                <a:ln>
+                  <a:noFill/>
+                </a:ln>
+                <a:effectLst/>
+                <a:latin typeface="Consolas" pitchFamily="49" charset="0"/>
+                <a:cs typeface="Consolas" pitchFamily="49" charset="0"/>
+              </a:rPr>
+              <a:t>    return n * Factorial(n - 1);</a:t>
+            </a:r>
+            <a:br>
+              <a:rPr kumimoji="0" lang="en-US" sz="3600" i="0" u="none" strike="noStrike" cap="none" normalizeH="0" baseline="0" dirty="0" smtClean="0">
+                <a:ln>
+                  <a:noFill/>
+                </a:ln>
+                <a:effectLst/>
+                <a:latin typeface="Consolas" pitchFamily="49" charset="0"/>
+                <a:cs typeface="Consolas" pitchFamily="49" charset="0"/>
+              </a:rPr>
+            </a:br>
+            <a:r>
+              <a:rPr kumimoji="0" lang="en-US" sz="3600" i="0" u="none" strike="noStrike" cap="none" normalizeH="0" baseline="0" dirty="0" smtClean="0">
+                <a:ln>
+                  <a:noFill/>
+                </a:ln>
+                <a:effectLst/>
+                <a:latin typeface="Consolas" pitchFamily="49" charset="0"/>
+                <a:cs typeface="Consolas" pitchFamily="49" charset="0"/>
+              </a:rPr>
+              <a:t>} </a:t>
+            </a:r>
+          </a:p>
+        </p:txBody>
+      </p:sp>
+    </p:spTree>
+  </p:cSld>
+  <p:clrMapOvr>
+    <a:masterClrMapping/>
+  </p:clrMapOvr>
+  <mc:AlternateContent xmlns:mc="http://schemas.openxmlformats.org/markup-compatibility/2006">
+    <mc:Choice xmlns:p14="http://schemas.microsoft.com/office/powerpoint/2010/main" Requires="p14">
+      <p:transition spd="slow" p14:dur="2000"/>
+    </mc:Choice>
+    <mc:Fallback>
+      <p:transition spd="slow"/>
+    </mc:Fallback>
+  </mc:AlternateContent>
+</p:sld>
+</file>
+
+<file path=ppt/slides/slide9.xml><?xml version="1.0" encoding="utf-8"?>
+<p:sld xmlns:a="http://schemas.openxmlformats.org/drawingml/2006/main" xmlns:r="http://schemas.openxmlformats.org/officeDocument/2006/relationships" xmlns:p="http://schemas.openxmlformats.org/presentationml/2006/main">
+  <p:cSld>
+    <p:spTree>
+      <p:nvGrpSpPr>
+        <p:cNvPr id="1" name=""/>
+        <p:cNvGrpSpPr/>
+        <p:nvPr/>
+      </p:nvGrpSpPr>
+      <p:grpSpPr>
+        <a:xfrm>
+          <a:off x="0" y="0"/>
+          <a:ext cx="0" cy="0"/>
+          <a:chOff x="0" y="0"/>
+          <a:chExt cx="0" cy="0"/>
+        </a:xfrm>
+      </p:grpSpPr>
+      <p:sp>
+        <p:nvSpPr>
+          <p:cNvPr id="2" name="Title 1"/>
+          <p:cNvSpPr>
+            <a:spLocks noGrp="1"/>
+          </p:cNvSpPr>
+          <p:nvPr>
+            <p:ph type="title"/>
+          </p:nvPr>
+        </p:nvSpPr>
+        <p:spPr/>
+        <p:txBody>
+          <a:bodyPr>
+            <a:normAutofit/>
+          </a:bodyPr>
           <a:lstStyle/>
           <a:p>
             <a:r>
@@ -11271,325 +12800,14 @@
   <p:clrMapOvr>
     <a:masterClrMapping/>
   </p:clrMapOvr>
-</p:sld>
-</file>
-
-<file path=ppt/slides/slide9.xml><?xml version="1.0" encoding="utf-8"?>
-<p:sld xmlns:a="http://schemas.openxmlformats.org/drawingml/2006/main" xmlns:r="http://schemas.openxmlformats.org/officeDocument/2006/relationships" xmlns:p="http://schemas.openxmlformats.org/presentationml/2006/main">
-  <p:cSld>
-    <p:spTree>
-      <p:nvGrpSpPr>
-        <p:cNvPr id="1" name=""/>
-        <p:cNvGrpSpPr/>
-        <p:nvPr/>
-      </p:nvGrpSpPr>
-      <p:grpSpPr>
-        <a:xfrm>
-          <a:off x="0" y="0"/>
-          <a:ext cx="0" cy="0"/>
-          <a:chOff x="0" y="0"/>
-          <a:chExt cx="0" cy="0"/>
-        </a:xfrm>
-      </p:grpSpPr>
-      <p:sp>
-        <p:nvSpPr>
-          <p:cNvPr id="2" name="Title 1"/>
-          <p:cNvSpPr>
-            <a:spLocks noGrp="1"/>
-          </p:cNvSpPr>
-          <p:nvPr>
-            <p:ph type="title"/>
-          </p:nvPr>
-        </p:nvSpPr>
-        <p:spPr/>
-        <p:txBody>
-          <a:bodyPr/>
-          <a:lstStyle/>
-          <a:p>
-            <a:pPr algn="r"/>
-            <a:r>
-              <a:rPr lang="en-GB" dirty="0" smtClean="0"/>
-              <a:t>Name That Language – Round 8</a:t>
-            </a:r>
-            <a:endParaRPr lang="en-GB" dirty="0"/>
-          </a:p>
-        </p:txBody>
-      </p:sp>
-      <p:sp>
-        <p:nvSpPr>
-          <p:cNvPr id="18433" name="Rectangle 1"/>
-          <p:cNvSpPr>
-            <a:spLocks noChangeArrowheads="1"/>
-          </p:cNvSpPr>
-          <p:nvPr/>
-        </p:nvSpPr>
-        <p:spPr bwMode="auto">
-          <a:xfrm rot="10800000" flipH="1" flipV="1">
-            <a:off x="251520" y="2810226"/>
-            <a:ext cx="8568952" cy="646331"/>
-          </a:xfrm>
-          <a:prstGeom prst="rect">
-            <a:avLst/>
-          </a:prstGeom>
-          <a:solidFill>
-            <a:schemeClr val="bg1"/>
-          </a:solidFill>
-          <a:ln w="9525">
-            <a:noFill/>
-            <a:miter lim="800000"/>
-            <a:headEnd/>
-            <a:tailEnd/>
-          </a:ln>
-          <a:effectLst/>
-        </p:spPr>
-        <p:txBody>
-          <a:bodyPr vert="horz" wrap="square" lIns="91440" tIns="45720" rIns="91440" bIns="45720" numCol="1" anchor="ctr" anchorCtr="0" compatLnSpc="1">
-            <a:prstTxWarp prst="textNoShape">
-              <a:avLst/>
-            </a:prstTxWarp>
-            <a:spAutoFit/>
-          </a:bodyPr>
-          <a:lstStyle/>
-          <a:p>
-            <a:pPr marL="0" marR="0" lvl="0" indent="0" algn="l" defTabSz="914400" rtl="0" eaLnBrk="1" fontAlgn="base" latinLnBrk="0" hangingPunct="1">
-              <a:lnSpc>
-                <a:spcPct val="100000"/>
-              </a:lnSpc>
-              <a:spcBef>
-                <a:spcPct val="0"/>
-              </a:spcBef>
-              <a:spcAft>
-                <a:spcPct val="0"/>
-              </a:spcAft>
-              <a:buClrTx/>
-              <a:buSzTx/>
-              <a:buFontTx/>
-              <a:buNone/>
-              <a:tabLst/>
-            </a:pPr>
-            <a:endParaRPr kumimoji="0" lang="en-US" sz="3600" i="0" u="none" strike="noStrike" cap="none" normalizeH="0" baseline="0" dirty="0" smtClean="0">
-              <a:ln>
-                <a:noFill/>
-              </a:ln>
-              <a:effectLst/>
-              <a:latin typeface="Consolas" pitchFamily="49" charset="0"/>
-              <a:cs typeface="Consolas" pitchFamily="49" charset="0"/>
-            </a:endParaRPr>
-          </a:p>
-        </p:txBody>
-      </p:sp>
-      <p:sp>
-        <p:nvSpPr>
-          <p:cNvPr id="20481" name="Rectangle 1"/>
-          <p:cNvSpPr>
-            <a:spLocks noChangeArrowheads="1"/>
-          </p:cNvSpPr>
-          <p:nvPr/>
-        </p:nvSpPr>
-        <p:spPr bwMode="auto">
-          <a:xfrm>
-            <a:off x="467544" y="2386138"/>
-            <a:ext cx="8208912" cy="1277273"/>
-          </a:xfrm>
-          <a:prstGeom prst="rect">
-            <a:avLst/>
-          </a:prstGeom>
-          <a:noFill/>
-          <a:ln w="9525">
-            <a:noFill/>
-            <a:miter lim="800000"/>
-            <a:headEnd/>
-            <a:tailEnd/>
-          </a:ln>
-          <a:effectLst/>
-        </p:spPr>
-        <p:txBody>
-          <a:bodyPr vert="horz" wrap="square" lIns="91440" tIns="45720" rIns="91440" bIns="0" numCol="1" anchor="ctr" anchorCtr="0" compatLnSpc="1">
-            <a:prstTxWarp prst="textNoShape">
-              <a:avLst/>
-            </a:prstTxWarp>
-            <a:spAutoFit/>
-          </a:bodyPr>
-          <a:lstStyle/>
-          <a:p>
-            <a:pPr lvl="0" fontAlgn="base">
-              <a:spcBef>
-                <a:spcPct val="0"/>
-              </a:spcBef>
-              <a:spcAft>
-                <a:spcPct val="0"/>
-              </a:spcAft>
-            </a:pPr>
-            <a:r>
-              <a:rPr lang="en-GB" sz="2000" dirty="0">
-                <a:solidFill>
-                  <a:srgbClr val="000000"/>
-                </a:solidFill>
-                <a:latin typeface="Consolas" pitchFamily="49" charset="0"/>
-                <a:ea typeface="Times New Roman" pitchFamily="18" charset="0"/>
-                <a:cs typeface="Consolas" pitchFamily="49" charset="0"/>
-              </a:rPr>
-              <a:t> </a:t>
-            </a:r>
-            <a:r>
-              <a:rPr lang="en-GB" sz="2000" dirty="0" err="1">
-                <a:solidFill>
-                  <a:srgbClr val="000000"/>
-                </a:solidFill>
-                <a:latin typeface="Consolas" pitchFamily="49" charset="0"/>
-                <a:ea typeface="Times New Roman" pitchFamily="18" charset="0"/>
-                <a:cs typeface="Consolas" pitchFamily="49" charset="0"/>
-              </a:rPr>
-              <a:t>Number.prototype.factorial</a:t>
-            </a:r>
-            <a:r>
-              <a:rPr lang="en-GB" sz="2000" dirty="0">
-                <a:solidFill>
-                  <a:srgbClr val="000000"/>
-                </a:solidFill>
-                <a:latin typeface="Consolas" pitchFamily="49" charset="0"/>
-                <a:ea typeface="Times New Roman" pitchFamily="18" charset="0"/>
-                <a:cs typeface="Consolas" pitchFamily="49" charset="0"/>
-              </a:rPr>
-              <a:t> = function() {</a:t>
-            </a:r>
-          </a:p>
-          <a:p>
-            <a:pPr lvl="0" fontAlgn="base">
-              <a:spcBef>
-                <a:spcPct val="0"/>
-              </a:spcBef>
-              <a:spcAft>
-                <a:spcPct val="0"/>
-              </a:spcAft>
-            </a:pPr>
-            <a:r>
-              <a:rPr lang="en-GB" sz="2000" dirty="0">
-                <a:solidFill>
-                  <a:srgbClr val="000000"/>
-                </a:solidFill>
-                <a:latin typeface="Consolas" pitchFamily="49" charset="0"/>
-                <a:ea typeface="Times New Roman" pitchFamily="18" charset="0"/>
-                <a:cs typeface="Consolas" pitchFamily="49" charset="0"/>
-              </a:rPr>
-              <a:t> </a:t>
-            </a:r>
-            <a:r>
-              <a:rPr lang="en-GB" sz="2000" dirty="0" smtClean="0">
-                <a:solidFill>
-                  <a:srgbClr val="000000"/>
-                </a:solidFill>
-                <a:latin typeface="Consolas" pitchFamily="49" charset="0"/>
-                <a:ea typeface="Times New Roman" pitchFamily="18" charset="0"/>
-                <a:cs typeface="Consolas" pitchFamily="49" charset="0"/>
-              </a:rPr>
-              <a:t>   </a:t>
-            </a:r>
-            <a:r>
-              <a:rPr lang="en-GB" sz="2000" dirty="0">
-                <a:solidFill>
-                  <a:srgbClr val="000000"/>
-                </a:solidFill>
-                <a:latin typeface="Consolas" pitchFamily="49" charset="0"/>
-                <a:ea typeface="Times New Roman" pitchFamily="18" charset="0"/>
-                <a:cs typeface="Consolas" pitchFamily="49" charset="0"/>
-              </a:rPr>
-              <a:t>if (this &lt; 2) return(1);</a:t>
-            </a:r>
-          </a:p>
-          <a:p>
-            <a:pPr lvl="0" fontAlgn="base">
-              <a:spcBef>
-                <a:spcPct val="0"/>
-              </a:spcBef>
-              <a:spcAft>
-                <a:spcPct val="0"/>
-              </a:spcAft>
-            </a:pPr>
-            <a:r>
-              <a:rPr lang="en-GB" sz="2000" dirty="0">
-                <a:solidFill>
-                  <a:srgbClr val="000000"/>
-                </a:solidFill>
-                <a:latin typeface="Consolas" pitchFamily="49" charset="0"/>
-                <a:ea typeface="Times New Roman" pitchFamily="18" charset="0"/>
-                <a:cs typeface="Consolas" pitchFamily="49" charset="0"/>
-              </a:rPr>
-              <a:t> </a:t>
-            </a:r>
-            <a:r>
-              <a:rPr lang="en-GB" sz="2000" dirty="0" smtClean="0">
-                <a:solidFill>
-                  <a:srgbClr val="000000"/>
-                </a:solidFill>
-                <a:latin typeface="Consolas" pitchFamily="49" charset="0"/>
-                <a:ea typeface="Times New Roman" pitchFamily="18" charset="0"/>
-                <a:cs typeface="Consolas" pitchFamily="49" charset="0"/>
-              </a:rPr>
-              <a:t>   </a:t>
-            </a:r>
-            <a:r>
-              <a:rPr lang="en-GB" sz="2000" dirty="0">
-                <a:solidFill>
-                  <a:srgbClr val="000000"/>
-                </a:solidFill>
-                <a:latin typeface="Consolas" pitchFamily="49" charset="0"/>
-                <a:ea typeface="Times New Roman" pitchFamily="18" charset="0"/>
-                <a:cs typeface="Consolas" pitchFamily="49" charset="0"/>
-              </a:rPr>
-              <a:t>return(this * ((this - 1).factorial()));</a:t>
-            </a:r>
-          </a:p>
-          <a:p>
-            <a:pPr lvl="0" fontAlgn="base">
-              <a:spcBef>
-                <a:spcPct val="0"/>
-              </a:spcBef>
-              <a:spcAft>
-                <a:spcPct val="0"/>
-              </a:spcAft>
-            </a:pPr>
-            <a:r>
-              <a:rPr lang="en-GB" sz="2000" dirty="0">
-                <a:solidFill>
-                  <a:srgbClr val="000000"/>
-                </a:solidFill>
-                <a:latin typeface="Consolas" pitchFamily="49" charset="0"/>
-                <a:ea typeface="Times New Roman" pitchFamily="18" charset="0"/>
-                <a:cs typeface="Consolas" pitchFamily="49" charset="0"/>
-              </a:rPr>
-              <a:t> </a:t>
-            </a:r>
-            <a:r>
-              <a:rPr lang="en-GB" sz="2000" dirty="0" smtClean="0">
-                <a:solidFill>
-                  <a:srgbClr val="000000"/>
-                </a:solidFill>
-                <a:latin typeface="Consolas" pitchFamily="49" charset="0"/>
-                <a:ea typeface="Times New Roman" pitchFamily="18" charset="0"/>
-                <a:cs typeface="Consolas" pitchFamily="49" charset="0"/>
-              </a:rPr>
-              <a:t>}</a:t>
-            </a:r>
-            <a:endParaRPr kumimoji="0" lang="en-GB" sz="2000" b="0" i="0" u="none" strike="noStrike" cap="none" normalizeH="0" baseline="0" dirty="0" smtClean="0">
-              <a:ln>
-                <a:noFill/>
-              </a:ln>
-              <a:solidFill>
-                <a:schemeClr val="tx1"/>
-              </a:solidFill>
-              <a:effectLst/>
-              <a:latin typeface="Consolas" pitchFamily="49" charset="0"/>
-              <a:cs typeface="Consolas" pitchFamily="49" charset="0"/>
-            </a:endParaRPr>
-          </a:p>
-        </p:txBody>
-      </p:sp>
-    </p:spTree>
-  </p:cSld>
-  <p:clrMapOvr>
-    <a:masterClrMapping/>
-  </p:clrMapOvr>
+  <mc:AlternateContent xmlns:mc="http://schemas.openxmlformats.org/markup-compatibility/2006">
+    <mc:Choice xmlns:p14="http://schemas.microsoft.com/office/powerpoint/2010/main" Requires="p14">
+      <p:transition spd="slow" p14:dur="2000"/>
+    </mc:Choice>
+    <mc:Fallback>
+      <p:transition spd="slow"/>
+    </mc:Fallback>
+  </mc:AlternateContent>
 </p:sld>
 </file>
 
@@ -11668,6 +12886,7 @@
         <a:font script="Mong" typeface="Mongolian Baiti"/>
         <a:font script="Viet" typeface="Times New Roman"/>
         <a:font script="Uigh" typeface="Microsoft Uighur"/>
+        <a:font script="Geor" typeface="Sylfaen"/>
       </a:majorFont>
       <a:minorFont>
         <a:latin typeface="Calibri"/>
@@ -11702,6 +12921,7 @@
         <a:font script="Mong" typeface="Mongolian Baiti"/>
         <a:font script="Viet" typeface="Arial"/>
         <a:font script="Uigh" typeface="Microsoft Uighur"/>
+        <a:font script="Geor" typeface="Sylfaen"/>
       </a:minorFont>
     </a:fontScheme>
     <a:fmtScheme name="Office">

--- a/Slides/So You Think You Know Javascript.pptx
+++ b/Slides/So You Think You Know Javascript.pptx
@@ -237,7 +237,7 @@
           <a:p>
             <a:fld id="{1A072DB4-5734-40B7-9405-EBC05FE61D64}" type="datetimeFigureOut">
               <a:rPr lang="en-GB" smtClean="0"/>
-              <a:t>03/04/2011</a:t>
+              <a:t>04/04/2011</a:t>
             </a:fld>
             <a:endParaRPr lang="en-GB"/>
           </a:p>
@@ -555,11 +555,7 @@
             </a:r>
             <a:r>
               <a:rPr lang="en-GB" baseline="0" dirty="0" smtClean="0"/>
-              <a:t> is to modern software what the electric guitar is to modern music. Versatile, accessible, purists hate it, beginners love it, and it’s absolutely bloody everywhere – for better or for worse</a:t>
-            </a:r>
-            <a:r>
-              <a:rPr lang="en-GB" baseline="0" dirty="0" smtClean="0"/>
-              <a:t>.</a:t>
+              <a:t> is to modern software what the electric guitar is to modern music. Versatile, accessible, purists hate it, beginners love it, and it’s absolutely bloody everywhere – for better or for worse.</a:t>
             </a:r>
           </a:p>
           <a:p>
@@ -574,7 +570,6 @@
               <a:rPr lang="en-GB" baseline="0" dirty="0" smtClean="0"/>
               <a:t> has been called the “world’s most misunderstood programming language”, and tonight I’m hoping to clear up some of that misunderstanding, to explore how – and why – JS has ended up being so misunderstood, and to show you some of the amazing work that people are doing with this remarkable language.</a:t>
             </a:r>
-            <a:endParaRPr lang="en-GB" baseline="0" dirty="0" smtClean="0"/>
           </a:p>
           <a:p>
             <a:endParaRPr lang="en-GB" baseline="0" dirty="0" smtClean="0"/>
@@ -1770,11 +1765,7 @@
             </a:pPr>
             <a:r>
               <a:rPr lang="en-GB" dirty="0" smtClean="0"/>
-              <a:t>JSON </a:t>
-            </a:r>
-            <a:r>
-              <a:rPr lang="en-GB" dirty="0" smtClean="0"/>
-              <a:t>– originally</a:t>
+              <a:t>JSON – originally</a:t>
             </a:r>
             <a:r>
               <a:rPr lang="en-GB" baseline="0" dirty="0" smtClean="0"/>
@@ -1792,11 +1783,7 @@
           <a:p>
             <a:r>
               <a:rPr lang="en-GB" baseline="0" dirty="0" smtClean="0"/>
-              <a:t>- </a:t>
-            </a:r>
-            <a:r>
-              <a:rPr lang="en-GB" baseline="0" dirty="0" smtClean="0"/>
-              <a:t>but there was already the Java Speech </a:t>
+              <a:t>- but there was already the Java Speech </a:t>
             </a:r>
             <a:r>
               <a:rPr lang="en-GB" baseline="0" dirty="0" err="1" smtClean="0"/>
@@ -1810,15 +1797,7 @@
           <a:p>
             <a:r>
               <a:rPr lang="en-GB" baseline="0" dirty="0" smtClean="0"/>
-              <a:t>- </a:t>
-            </a:r>
-            <a:r>
-              <a:rPr lang="en-GB" baseline="0" dirty="0" smtClean="0"/>
-              <a:t>so they renamed it </a:t>
-            </a:r>
-            <a:r>
-              <a:rPr lang="en-GB" baseline="0" dirty="0" smtClean="0"/>
-              <a:t>JSON</a:t>
+              <a:t>- so they renamed it JSON</a:t>
             </a:r>
           </a:p>
           <a:p>
@@ -2423,11 +2402,7 @@
             </a:r>
             <a:r>
               <a:rPr lang="en-GB" baseline="0" dirty="0" smtClean="0"/>
-              <a:t> else from </a:t>
-            </a:r>
-            <a:r>
-              <a:rPr lang="en-GB" baseline="0" dirty="0" smtClean="0"/>
-              <a:t>Scheme</a:t>
+              <a:t> else from Scheme</a:t>
             </a:r>
           </a:p>
           <a:p>
@@ -2521,6 +2496,90 @@
           <a:bodyPr/>
           <a:lstStyle/>
           <a:p>
+            <a:endParaRPr lang="en-GB" dirty="0"/>
+          </a:p>
+        </p:txBody>
+      </p:sp>
+      <p:sp>
+        <p:nvSpPr>
+          <p:cNvPr id="4" name="Slide Number Placeholder 3"/>
+          <p:cNvSpPr>
+            <a:spLocks noGrp="1"/>
+          </p:cNvSpPr>
+          <p:nvPr>
+            <p:ph type="sldNum" sz="quarter" idx="10"/>
+          </p:nvPr>
+        </p:nvSpPr>
+        <p:spPr/>
+        <p:txBody>
+          <a:bodyPr/>
+          <a:lstStyle/>
+          <a:p>
+            <a:fld id="{680E7421-152F-4C5F-A339-C37B49386B6D}" type="slidenum">
+              <a:rPr lang="en-GB" smtClean="0"/>
+              <a:t>19</a:t>
+            </a:fld>
+            <a:endParaRPr lang="en-GB"/>
+          </a:p>
+        </p:txBody>
+      </p:sp>
+    </p:spTree>
+    <p:extLst>
+      <p:ext uri="{BB962C8B-B14F-4D97-AF65-F5344CB8AC3E}">
+        <p14:creationId xmlns:p14="http://schemas.microsoft.com/office/powerpoint/2010/main" val="130714547"/>
+      </p:ext>
+    </p:extLst>
+  </p:cSld>
+  <p:clrMapOvr>
+    <a:masterClrMapping/>
+  </p:clrMapOvr>
+</p:notes>
+</file>
+
+<file path=ppt/notesSlides/notesSlide19.xml><?xml version="1.0" encoding="utf-8"?>
+<p:notes xmlns:a="http://schemas.openxmlformats.org/drawingml/2006/main" xmlns:r="http://schemas.openxmlformats.org/officeDocument/2006/relationships" xmlns:p="http://schemas.openxmlformats.org/presentationml/2006/main">
+  <p:cSld>
+    <p:spTree>
+      <p:nvGrpSpPr>
+        <p:cNvPr id="1" name=""/>
+        <p:cNvGrpSpPr/>
+        <p:nvPr/>
+      </p:nvGrpSpPr>
+      <p:grpSpPr>
+        <a:xfrm>
+          <a:off x="0" y="0"/>
+          <a:ext cx="0" cy="0"/>
+          <a:chOff x="0" y="0"/>
+          <a:chExt cx="0" cy="0"/>
+        </a:xfrm>
+      </p:grpSpPr>
+      <p:sp>
+        <p:nvSpPr>
+          <p:cNvPr id="2" name="Slide Image Placeholder 1"/>
+          <p:cNvSpPr>
+            <a:spLocks noGrp="1" noRot="1" noChangeAspect="1"/>
+          </p:cNvSpPr>
+          <p:nvPr>
+            <p:ph type="sldImg"/>
+          </p:nvPr>
+        </p:nvSpPr>
+        <p:spPr/>
+      </p:sp>
+      <p:sp>
+        <p:nvSpPr>
+          <p:cNvPr id="3" name="Notes Placeholder 2"/>
+          <p:cNvSpPr>
+            <a:spLocks noGrp="1"/>
+          </p:cNvSpPr>
+          <p:nvPr>
+            <p:ph type="body" idx="1"/>
+          </p:nvPr>
+        </p:nvSpPr>
+        <p:spPr/>
+        <p:txBody>
+          <a:bodyPr/>
+          <a:lstStyle/>
+          <a:p>
             <a:r>
               <a:rPr lang="en-GB" sz="1200" b="0" i="0" kern="1200" dirty="0" smtClean="0">
                 <a:solidFill>
@@ -2531,7 +2590,81 @@
                 <a:ea typeface="+mn-ea"/>
                 <a:cs typeface="+mn-cs"/>
               </a:rPr>
-              <a:t>In Self, and other prototype-based languages, the duality between classes and object instances is eliminated.</a:t>
+              <a:t>In Self, and other prototype-based languages, the duality between classes and object instances is eliminated</a:t>
+            </a:r>
+            <a:r>
+              <a:rPr lang="en-GB" sz="1200" b="0" i="0" kern="1200" dirty="0" smtClean="0">
+                <a:solidFill>
+                  <a:schemeClr val="tx1"/>
+                </a:solidFill>
+                <a:effectLst/>
+                <a:latin typeface="+mn-lt"/>
+                <a:ea typeface="+mn-ea"/>
+                <a:cs typeface="+mn-cs"/>
+              </a:rPr>
+              <a:t>.</a:t>
+            </a:r>
+          </a:p>
+          <a:p>
+            <a:endParaRPr lang="en-GB" sz="1200" b="0" i="0" kern="1200" dirty="0" smtClean="0">
+              <a:solidFill>
+                <a:schemeClr val="tx1"/>
+              </a:solidFill>
+              <a:effectLst/>
+              <a:latin typeface="+mn-lt"/>
+              <a:ea typeface="+mn-ea"/>
+              <a:cs typeface="+mn-cs"/>
+            </a:endParaRPr>
+          </a:p>
+          <a:p>
+            <a:r>
+              <a:rPr lang="en-GB" sz="1200" b="0" i="0" kern="1200" dirty="0" smtClean="0">
+                <a:solidFill>
+                  <a:schemeClr val="tx1"/>
+                </a:solidFill>
+                <a:effectLst/>
+                <a:latin typeface="+mn-lt"/>
+                <a:ea typeface="+mn-ea"/>
+                <a:cs typeface="+mn-cs"/>
+              </a:rPr>
+              <a:t>In classical inheritance,</a:t>
+            </a:r>
+            <a:r>
+              <a:rPr lang="en-GB" sz="1200" b="0" i="0" kern="1200" baseline="0" dirty="0" smtClean="0">
+                <a:solidFill>
+                  <a:schemeClr val="tx1"/>
+                </a:solidFill>
+                <a:effectLst/>
+                <a:latin typeface="+mn-lt"/>
+                <a:ea typeface="+mn-ea"/>
+                <a:cs typeface="+mn-cs"/>
+              </a:rPr>
+              <a:t> when you pass someone an instance of vehicle, the compiler refers to the class declaration to see what it can do.</a:t>
+            </a:r>
+          </a:p>
+          <a:p>
+            <a:endParaRPr lang="en-GB" sz="1200" b="0" i="0" kern="1200" baseline="0" dirty="0" smtClean="0">
+              <a:solidFill>
+                <a:schemeClr val="tx1"/>
+              </a:solidFill>
+              <a:effectLst/>
+              <a:latin typeface="+mn-lt"/>
+              <a:ea typeface="+mn-ea"/>
+              <a:cs typeface="+mn-cs"/>
+            </a:endParaRPr>
+          </a:p>
+          <a:p>
+            <a:r>
+              <a:rPr lang="en-GB" sz="1200" b="0" i="0" kern="1200" baseline="0" dirty="0" smtClean="0">
+                <a:solidFill>
+                  <a:schemeClr val="tx1"/>
+                </a:solidFill>
+                <a:effectLst/>
+                <a:latin typeface="+mn-lt"/>
+                <a:ea typeface="+mn-ea"/>
+                <a:cs typeface="+mn-cs"/>
+              </a:rPr>
+              <a:t>In prototyped inheritance, every instance keeps a REFERENCE to its originating class, but that’s just a loose object reference. Objects are disconnected from their definitions.</a:t>
             </a:r>
             <a:endParaRPr lang="en-GB" dirty="0"/>
           </a:p>
@@ -3504,7 +3637,7 @@
           <a:p>
             <a:fld id="{79FF1FDB-4612-42CD-8C9A-3A5EF85AE542}" type="datetimeFigureOut">
               <a:rPr lang="en-GB" smtClean="0"/>
-              <a:t>03/04/2011</a:t>
+              <a:t>04/04/2011</a:t>
             </a:fld>
             <a:endParaRPr lang="en-GB"/>
           </a:p>
@@ -3674,7 +3807,7 @@
           <a:p>
             <a:fld id="{79FF1FDB-4612-42CD-8C9A-3A5EF85AE542}" type="datetimeFigureOut">
               <a:rPr lang="en-GB" smtClean="0"/>
-              <a:t>03/04/2011</a:t>
+              <a:t>04/04/2011</a:t>
             </a:fld>
             <a:endParaRPr lang="en-GB"/>
           </a:p>
@@ -3854,7 +3987,7 @@
           <a:p>
             <a:fld id="{79FF1FDB-4612-42CD-8C9A-3A5EF85AE542}" type="datetimeFigureOut">
               <a:rPr lang="en-GB" smtClean="0"/>
-              <a:t>03/04/2011</a:t>
+              <a:t>04/04/2011</a:t>
             </a:fld>
             <a:endParaRPr lang="en-GB"/>
           </a:p>
@@ -4024,7 +4157,7 @@
           <a:p>
             <a:fld id="{79FF1FDB-4612-42CD-8C9A-3A5EF85AE542}" type="datetimeFigureOut">
               <a:rPr lang="en-GB" smtClean="0"/>
-              <a:t>03/04/2011</a:t>
+              <a:t>04/04/2011</a:t>
             </a:fld>
             <a:endParaRPr lang="en-GB"/>
           </a:p>
@@ -4270,7 +4403,7 @@
           <a:p>
             <a:fld id="{79FF1FDB-4612-42CD-8C9A-3A5EF85AE542}" type="datetimeFigureOut">
               <a:rPr lang="en-GB" smtClean="0"/>
-              <a:t>03/04/2011</a:t>
+              <a:t>04/04/2011</a:t>
             </a:fld>
             <a:endParaRPr lang="en-GB"/>
           </a:p>
@@ -4558,7 +4691,7 @@
           <a:p>
             <a:fld id="{79FF1FDB-4612-42CD-8C9A-3A5EF85AE542}" type="datetimeFigureOut">
               <a:rPr lang="en-GB" smtClean="0"/>
-              <a:t>03/04/2011</a:t>
+              <a:t>04/04/2011</a:t>
             </a:fld>
             <a:endParaRPr lang="en-GB"/>
           </a:p>
@@ -4980,7 +5113,7 @@
           <a:p>
             <a:fld id="{79FF1FDB-4612-42CD-8C9A-3A5EF85AE542}" type="datetimeFigureOut">
               <a:rPr lang="en-GB" smtClean="0"/>
-              <a:t>03/04/2011</a:t>
+              <a:t>04/04/2011</a:t>
             </a:fld>
             <a:endParaRPr lang="en-GB"/>
           </a:p>
@@ -5098,7 +5231,7 @@
           <a:p>
             <a:fld id="{79FF1FDB-4612-42CD-8C9A-3A5EF85AE542}" type="datetimeFigureOut">
               <a:rPr lang="en-GB" smtClean="0"/>
-              <a:t>03/04/2011</a:t>
+              <a:t>04/04/2011</a:t>
             </a:fld>
             <a:endParaRPr lang="en-GB"/>
           </a:p>
@@ -5193,7 +5326,7 @@
           <a:p>
             <a:fld id="{79FF1FDB-4612-42CD-8C9A-3A5EF85AE542}" type="datetimeFigureOut">
               <a:rPr lang="en-GB" smtClean="0"/>
-              <a:t>03/04/2011</a:t>
+              <a:t>04/04/2011</a:t>
             </a:fld>
             <a:endParaRPr lang="en-GB"/>
           </a:p>
@@ -5470,7 +5603,7 @@
           <a:p>
             <a:fld id="{79FF1FDB-4612-42CD-8C9A-3A5EF85AE542}" type="datetimeFigureOut">
               <a:rPr lang="en-GB" smtClean="0"/>
-              <a:t>03/04/2011</a:t>
+              <a:t>04/04/2011</a:t>
             </a:fld>
             <a:endParaRPr lang="en-GB"/>
           </a:p>
@@ -5723,7 +5856,7 @@
           <a:p>
             <a:fld id="{79FF1FDB-4612-42CD-8C9A-3A5EF85AE542}" type="datetimeFigureOut">
               <a:rPr lang="en-GB" smtClean="0"/>
-              <a:t>03/04/2011</a:t>
+              <a:t>04/04/2011</a:t>
             </a:fld>
             <a:endParaRPr lang="en-GB"/>
           </a:p>
@@ -5936,7 +6069,7 @@
           <a:p>
             <a:fld id="{79FF1FDB-4612-42CD-8C9A-3A5EF85AE542}" type="datetimeFigureOut">
               <a:rPr lang="en-GB" smtClean="0"/>
-              <a:t>03/04/2011</a:t>
+              <a:t>04/04/2011</a:t>
             </a:fld>
             <a:endParaRPr lang="en-GB"/>
           </a:p>
@@ -6384,37 +6517,17 @@
                 <a:latin typeface="Consolas" pitchFamily="49" charset="0"/>
                 <a:cs typeface="Consolas" pitchFamily="49" charset="0"/>
               </a:rPr>
-              <a:t>Server: </a:t>
-            </a:r>
-            <a:r>
-              <a:rPr lang="en-GB" sz="1800" b="1" dirty="0" smtClean="0">
+              <a:t>Server: 		</a:t>
+            </a:r>
+            <a:r>
+              <a:rPr lang="en-GB" sz="1800" dirty="0" smtClean="0">
                 <a:solidFill>
                   <a:srgbClr val="00FF00"/>
                 </a:solidFill>
                 <a:latin typeface="Consolas" pitchFamily="49" charset="0"/>
                 <a:cs typeface="Consolas" pitchFamily="49" charset="0"/>
               </a:rPr>
-              <a:t>		</a:t>
-            </a:r>
-            <a:r>
-              <a:rPr lang="en-GB" sz="1800" dirty="0" smtClean="0">
-                <a:solidFill>
-                  <a:srgbClr val="00FF00"/>
-                </a:solidFill>
-                <a:latin typeface="Consolas" pitchFamily="49" charset="0"/>
-                <a:cs typeface="Consolas" pitchFamily="49" charset="0"/>
-              </a:rPr>
               <a:t>skillsmatter.com</a:t>
-            </a:r>
-            <a:r>
-              <a:rPr lang="en-GB" sz="1800" dirty="0" smtClean="0">
-                <a:solidFill>
-                  <a:srgbClr val="00FF00"/>
-                </a:solidFill>
-                <a:latin typeface="Consolas" pitchFamily="49" charset="0"/>
-                <a:cs typeface="Consolas" pitchFamily="49" charset="0"/>
-              </a:rPr>
-              <a:t/>
             </a:r>
             <a:br>
               <a:rPr lang="en-GB" sz="1800" dirty="0" smtClean="0">
@@ -6443,27 +6556,7 @@
                 <a:latin typeface="Consolas" pitchFamily="49" charset="0"/>
                 <a:cs typeface="Consolas" pitchFamily="49" charset="0"/>
               </a:rPr>
-              <a:t> </a:t>
-            </a:r>
-            <a:r>
-              <a:rPr lang="en-GB" sz="1800" dirty="0" smtClean="0">
-                <a:solidFill>
-                  <a:srgbClr val="00FF00"/>
-                </a:solidFill>
-                <a:latin typeface="Consolas" pitchFamily="49" charset="0"/>
-                <a:cs typeface="Consolas" pitchFamily="49" charset="0"/>
-              </a:rPr>
-              <a:t>		application/x-slides-and-code-and-crap-jokes</a:t>
-            </a:r>
-            <a:r>
-              <a:rPr lang="en-GB" sz="1800" dirty="0" smtClean="0">
-                <a:solidFill>
-                  <a:srgbClr val="00FF00"/>
-                </a:solidFill>
-                <a:latin typeface="Consolas" pitchFamily="49" charset="0"/>
-                <a:cs typeface="Consolas" pitchFamily="49" charset="0"/>
-              </a:rPr>
-              <a:t/>
+              <a:t> 		application/x-slides-and-code-and-crap-jokes</a:t>
             </a:r>
             <a:br>
               <a:rPr lang="en-GB" sz="1800" dirty="0" smtClean="0">
@@ -6492,17 +6585,7 @@
                 <a:latin typeface="Consolas" pitchFamily="49" charset="0"/>
                 <a:cs typeface="Consolas" pitchFamily="49" charset="0"/>
               </a:rPr>
-              <a:t> </a:t>
-            </a:r>
-            <a:r>
-              <a:rPr lang="en-GB" sz="1800" dirty="0" smtClean="0">
-                <a:solidFill>
-                  <a:srgbClr val="00FF00"/>
-                </a:solidFill>
-                <a:latin typeface="Consolas" pitchFamily="49" charset="0"/>
-                <a:cs typeface="Consolas" pitchFamily="49" charset="0"/>
-              </a:rPr>
-              <a:t>	text/</a:t>
+              <a:t> 	text/</a:t>
             </a:r>
             <a:r>
               <a:rPr lang="en-GB" sz="1800" dirty="0" err="1" smtClean="0">
@@ -6591,17 +6674,7 @@
                 <a:latin typeface="Consolas" pitchFamily="49" charset="0"/>
                 <a:cs typeface="Consolas" pitchFamily="49" charset="0"/>
               </a:rPr>
-              <a:t>remember</a:t>
-            </a:r>
-            <a:r>
-              <a:rPr lang="en-GB" sz="1800" dirty="0" smtClean="0">
-                <a:solidFill>
-                  <a:srgbClr val="00FF00"/>
-                </a:solidFill>
-                <a:latin typeface="Consolas" pitchFamily="49" charset="0"/>
-                <a:cs typeface="Consolas" pitchFamily="49" charset="0"/>
-              </a:rPr>
-              <a:t>, share, tell-your-friends</a:t>
+              <a:t>remember, share, tell-your-friends</a:t>
             </a:r>
             <a:br>
               <a:rPr lang="en-GB" sz="1800" dirty="0" smtClean="0">
@@ -6650,17 +6723,7 @@
                 <a:latin typeface="Consolas" pitchFamily="49" charset="0"/>
                 <a:cs typeface="Consolas" pitchFamily="49" charset="0"/>
               </a:rPr>
-              <a:t>	about-1</a:t>
-            </a:r>
-            <a:r>
-              <a:rPr lang="en-GB" sz="1800" dirty="0" smtClean="0">
-                <a:solidFill>
-                  <a:srgbClr val="00FF00"/>
-                </a:solidFill>
-                <a:latin typeface="Consolas" pitchFamily="49" charset="0"/>
-                <a:cs typeface="Consolas" pitchFamily="49" charset="0"/>
-              </a:rPr>
-              <a:t>½-hours</a:t>
+              <a:t>	about-1½-hours</a:t>
             </a:r>
             <a:br>
               <a:rPr lang="en-GB" sz="1800" dirty="0" smtClean="0">
@@ -6709,17 +6772,7 @@
                 <a:latin typeface="Consolas" pitchFamily="49" charset="0"/>
                 <a:cs typeface="Consolas" pitchFamily="49" charset="0"/>
               </a:rPr>
-              <a:t>Tue</a:t>
-            </a:r>
-            <a:r>
-              <a:rPr lang="en-GB" sz="1800" dirty="0" smtClean="0">
-                <a:solidFill>
-                  <a:srgbClr val="00FF00"/>
-                </a:solidFill>
-                <a:latin typeface="Consolas" pitchFamily="49" charset="0"/>
-                <a:cs typeface="Consolas" pitchFamily="49" charset="0"/>
-              </a:rPr>
-              <a:t>, 05 </a:t>
+              <a:t>Tue, 05 </a:t>
             </a:r>
             <a:r>
               <a:rPr lang="en-GB" sz="1800" dirty="0">
@@ -6768,17 +6821,7 @@
                 <a:latin typeface="Consolas" pitchFamily="49" charset="0"/>
                 <a:cs typeface="Consolas" pitchFamily="49" charset="0"/>
               </a:rPr>
-              <a:t> </a:t>
-            </a:r>
-            <a:r>
-              <a:rPr lang="en-GB" sz="1800" dirty="0" smtClean="0">
-                <a:solidFill>
-                  <a:srgbClr val="00FF00"/>
-                </a:solidFill>
-                <a:latin typeface="Consolas" pitchFamily="49" charset="0"/>
-                <a:cs typeface="Consolas" pitchFamily="49" charset="0"/>
-              </a:rPr>
-              <a:t>		flavour=</a:t>
+              <a:t> 		flavour=</a:t>
             </a:r>
             <a:r>
               <a:rPr lang="en-GB" sz="1800" dirty="0" err="1" smtClean="0">
@@ -6817,37 +6860,17 @@
                 <a:latin typeface="Consolas" pitchFamily="49" charset="0"/>
                 <a:cs typeface="Consolas" pitchFamily="49" charset="0"/>
               </a:rPr>
-              <a:t>X-Subject: </a:t>
-            </a:r>
-            <a:r>
-              <a:rPr lang="en-GB" sz="1800" b="1" dirty="0" smtClean="0">
+              <a:t>X-Subject: 		</a:t>
+            </a:r>
+            <a:r>
+              <a:rPr lang="en-GB" sz="1800" dirty="0" smtClean="0">
                 <a:solidFill>
                   <a:srgbClr val="00FF00"/>
                 </a:solidFill>
                 <a:latin typeface="Consolas" pitchFamily="49" charset="0"/>
                 <a:cs typeface="Consolas" pitchFamily="49" charset="0"/>
               </a:rPr>
-              <a:t>		</a:t>
-            </a:r>
-            <a:r>
-              <a:rPr lang="en-GB" sz="1800" dirty="0" smtClean="0">
-                <a:solidFill>
-                  <a:srgbClr val="00FF00"/>
-                </a:solidFill>
-                <a:latin typeface="Consolas" pitchFamily="49" charset="0"/>
-                <a:cs typeface="Consolas" pitchFamily="49" charset="0"/>
-              </a:rPr>
               <a:t>JavaScript</a:t>
-            </a:r>
-            <a:r>
-              <a:rPr lang="en-GB" sz="1800" dirty="0" smtClean="0">
-                <a:solidFill>
-                  <a:srgbClr val="00FF00"/>
-                </a:solidFill>
-                <a:latin typeface="Consolas" pitchFamily="49" charset="0"/>
-                <a:cs typeface="Consolas" pitchFamily="49" charset="0"/>
-              </a:rPr>
-              <a:t/>
             </a:r>
             <a:br>
               <a:rPr lang="en-GB" sz="1800" dirty="0" smtClean="0">
@@ -6866,37 +6889,17 @@
                 <a:latin typeface="Consolas" pitchFamily="49" charset="0"/>
                 <a:cs typeface="Consolas" pitchFamily="49" charset="0"/>
               </a:rPr>
-              <a:t>X-Powered-By: </a:t>
-            </a:r>
-            <a:r>
-              <a:rPr lang="en-GB" sz="1800" b="1" dirty="0" smtClean="0">
+              <a:t>X-Powered-By: 		</a:t>
+            </a:r>
+            <a:r>
+              <a:rPr lang="en-GB" sz="1800" dirty="0" smtClean="0">
                 <a:solidFill>
                   <a:srgbClr val="00FF00"/>
                 </a:solidFill>
                 <a:latin typeface="Consolas" pitchFamily="49" charset="0"/>
                 <a:cs typeface="Consolas" pitchFamily="49" charset="0"/>
               </a:rPr>
-              <a:t>		</a:t>
-            </a:r>
-            <a:r>
-              <a:rPr lang="en-GB" sz="1800" dirty="0" smtClean="0">
-                <a:solidFill>
-                  <a:srgbClr val="00FF00"/>
-                </a:solidFill>
-                <a:latin typeface="Consolas" pitchFamily="49" charset="0"/>
-                <a:cs typeface="Consolas" pitchFamily="49" charset="0"/>
-              </a:rPr>
               <a:t>monmouth-coffee-and-80s-music</a:t>
-            </a:r>
-            <a:r>
-              <a:rPr lang="en-GB" sz="1800" dirty="0" smtClean="0">
-                <a:solidFill>
-                  <a:srgbClr val="00FF00"/>
-                </a:solidFill>
-                <a:latin typeface="Consolas" pitchFamily="49" charset="0"/>
-                <a:cs typeface="Consolas" pitchFamily="49" charset="0"/>
-              </a:rPr>
-              <a:t/>
             </a:r>
             <a:br>
               <a:rPr lang="en-GB" sz="1800" dirty="0" smtClean="0">
@@ -6915,37 +6918,17 @@
                 <a:latin typeface="Consolas" pitchFamily="49" charset="0"/>
                 <a:cs typeface="Consolas" pitchFamily="49" charset="0"/>
               </a:rPr>
-              <a:t>X-Speaker-Name: </a:t>
-            </a:r>
-            <a:r>
-              <a:rPr lang="en-GB" sz="1800" b="1" dirty="0" smtClean="0">
+              <a:t>X-Speaker-Name: 	</a:t>
+            </a:r>
+            <a:r>
+              <a:rPr lang="en-GB" sz="1800" dirty="0" smtClean="0">
                 <a:solidFill>
                   <a:srgbClr val="00FF00"/>
                 </a:solidFill>
                 <a:latin typeface="Consolas" pitchFamily="49" charset="0"/>
                 <a:cs typeface="Consolas" pitchFamily="49" charset="0"/>
               </a:rPr>
-              <a:t>	</a:t>
-            </a:r>
-            <a:r>
-              <a:rPr lang="en-GB" sz="1800" dirty="0" smtClean="0">
-                <a:solidFill>
-                  <a:srgbClr val="00FF00"/>
-                </a:solidFill>
-                <a:latin typeface="Consolas" pitchFamily="49" charset="0"/>
-                <a:cs typeface="Consolas" pitchFamily="49" charset="0"/>
-              </a:rPr>
-              <a:t>Dylan </a:t>
-            </a:r>
-            <a:r>
-              <a:rPr lang="en-GB" sz="1800" dirty="0" smtClean="0">
-                <a:solidFill>
-                  <a:srgbClr val="00FF00"/>
-                </a:solidFill>
-                <a:latin typeface="Consolas" pitchFamily="49" charset="0"/>
-                <a:cs typeface="Consolas" pitchFamily="49" charset="0"/>
-              </a:rPr>
-              <a:t>Beattie</a:t>
+              <a:t>Dylan Beattie</a:t>
             </a:r>
             <a:br>
               <a:rPr lang="en-GB" sz="1800" dirty="0" smtClean="0">
@@ -6964,37 +6947,17 @@
                 <a:latin typeface="Consolas" pitchFamily="49" charset="0"/>
                 <a:cs typeface="Consolas" pitchFamily="49" charset="0"/>
               </a:rPr>
-              <a:t>X-Speaker-Email: </a:t>
-            </a:r>
-            <a:r>
-              <a:rPr lang="en-GB" sz="1800" b="1" dirty="0" smtClean="0">
+              <a:t>X-Speaker-Email: 	</a:t>
+            </a:r>
+            <a:r>
+              <a:rPr lang="en-GB" sz="1800" dirty="0" smtClean="0">
                 <a:solidFill>
                   <a:srgbClr val="00FF00"/>
                 </a:solidFill>
                 <a:latin typeface="Consolas" pitchFamily="49" charset="0"/>
                 <a:cs typeface="Consolas" pitchFamily="49" charset="0"/>
               </a:rPr>
-              <a:t>	</a:t>
-            </a:r>
-            <a:r>
-              <a:rPr lang="en-GB" sz="1800" dirty="0" smtClean="0">
-                <a:solidFill>
-                  <a:srgbClr val="00FF00"/>
-                </a:solidFill>
-                <a:latin typeface="Consolas" pitchFamily="49" charset="0"/>
-                <a:cs typeface="Consolas" pitchFamily="49" charset="0"/>
-              </a:rPr>
               <a:t>dylan@dylanbeattie.net</a:t>
-            </a:r>
-            <a:r>
-              <a:rPr lang="en-GB" sz="1800" dirty="0" smtClean="0">
-                <a:solidFill>
-                  <a:srgbClr val="00FF00"/>
-                </a:solidFill>
-                <a:latin typeface="Consolas" pitchFamily="49" charset="0"/>
-                <a:cs typeface="Consolas" pitchFamily="49" charset="0"/>
-              </a:rPr>
-              <a:t/>
             </a:r>
             <a:br>
               <a:rPr lang="en-GB" sz="1800" dirty="0" smtClean="0">
@@ -7013,17 +6976,7 @@
                 <a:latin typeface="Consolas" pitchFamily="49" charset="0"/>
                 <a:cs typeface="Consolas" pitchFamily="49" charset="0"/>
               </a:rPr>
-              <a:t>X-Speaker-Twitter: </a:t>
-            </a:r>
-            <a:r>
-              <a:rPr lang="en-GB" sz="1800" b="1" dirty="0" smtClean="0">
-                <a:solidFill>
-                  <a:srgbClr val="00FF00"/>
-                </a:solidFill>
-                <a:latin typeface="Consolas" pitchFamily="49" charset="0"/>
-                <a:cs typeface="Consolas" pitchFamily="49" charset="0"/>
-              </a:rPr>
-              <a:t>	</a:t>
+              <a:t>X-Speaker-Twitter: 	</a:t>
             </a:r>
             <a:r>
               <a:rPr lang="en-GB" sz="1800" dirty="0" smtClean="0">
@@ -7072,35 +7025,18 @@
                 <a:latin typeface="Consolas" pitchFamily="49" charset="0"/>
                 <a:cs typeface="Consolas" pitchFamily="49" charset="0"/>
               </a:rPr>
-              <a:t>X-Speaker-Website: </a:t>
-            </a:r>
-            <a:r>
-              <a:rPr lang="en-GB" sz="1800" b="1" dirty="0" smtClean="0">
+              <a:t>X-Speaker-Website: 	</a:t>
+            </a:r>
+            <a:r>
+              <a:rPr lang="en-GB" sz="1800" dirty="0" smtClean="0">
                 <a:solidFill>
                   <a:srgbClr val="00FF00"/>
                 </a:solidFill>
                 <a:latin typeface="Consolas" pitchFamily="49" charset="0"/>
                 <a:cs typeface="Consolas" pitchFamily="49" charset="0"/>
               </a:rPr>
-              <a:t>	</a:t>
-            </a:r>
-            <a:r>
-              <a:rPr lang="en-GB" sz="1800" dirty="0" smtClean="0">
-                <a:solidFill>
-                  <a:srgbClr val="00FF00"/>
-                </a:solidFill>
-                <a:latin typeface="Consolas" pitchFamily="49" charset="0"/>
-                <a:cs typeface="Consolas" pitchFamily="49" charset="0"/>
-              </a:rPr>
               <a:t>www.dylanbeattie.net </a:t>
             </a:r>
-            <a:endParaRPr lang="en-GB" sz="1800" dirty="0" smtClean="0">
-              <a:solidFill>
-                <a:srgbClr val="00FF00"/>
-              </a:solidFill>
-              <a:latin typeface="Consolas" pitchFamily="49" charset="0"/>
-              <a:cs typeface="Consolas" pitchFamily="49" charset="0"/>
-            </a:endParaRPr>
           </a:p>
         </p:txBody>
       </p:sp>
@@ -9887,15 +9823,7 @@
               <a:srgbClr val="C0C0C0"/>
             </a:contourClr>
           </a:sp3d>
-          <a:extLst>
-            <a:ext uri="{909E8E84-426E-40DD-AFC4-6F175D3DCCD1}">
-              <a14:hiddenFill xmlns:a14="http://schemas.microsoft.com/office/drawing/2010/main">
-                <a:solidFill>
-                  <a:srgbClr val="FFFFFF"/>
-                </a:solidFill>
-              </a14:hiddenFill>
-            </a:ext>
-          </a:extLst>
+          <a:extLst/>
         </p:spPr>
       </p:pic>
       <p:pic>
@@ -10178,10 +10106,266 @@
         </p:nvSpPr>
         <p:spPr/>
         <p:txBody>
-          <a:bodyPr/>
+          <a:bodyPr>
+            <a:normAutofit fontScale="70000" lnSpcReduction="20000"/>
+          </a:bodyPr>
           <a:lstStyle/>
           <a:p>
-            <a:endParaRPr lang="en-GB"/>
+            <a:pPr marL="0" indent="0">
+              <a:buNone/>
+            </a:pPr>
+            <a:r>
+              <a:rPr lang="en-GB" dirty="0" smtClean="0">
+                <a:latin typeface="Consolas" pitchFamily="49" charset="0"/>
+                <a:cs typeface="Consolas" pitchFamily="49" charset="0"/>
+              </a:rPr>
+              <a:t>function </a:t>
+            </a:r>
+            <a:r>
+              <a:rPr lang="en-GB" dirty="0" err="1" smtClean="0">
+                <a:latin typeface="Consolas" pitchFamily="49" charset="0"/>
+                <a:cs typeface="Consolas" pitchFamily="49" charset="0"/>
+              </a:rPr>
+              <a:t>addCheese</a:t>
+            </a:r>
+            <a:r>
+              <a:rPr lang="en-GB" dirty="0" smtClean="0">
+                <a:latin typeface="Consolas" pitchFamily="49" charset="0"/>
+                <a:cs typeface="Consolas" pitchFamily="49" charset="0"/>
+              </a:rPr>
+              <a:t>(food) {</a:t>
+            </a:r>
+          </a:p>
+          <a:p>
+            <a:pPr marL="0" indent="0">
+              <a:buNone/>
+            </a:pPr>
+            <a:r>
+              <a:rPr lang="en-GB" dirty="0">
+                <a:latin typeface="Consolas" pitchFamily="49" charset="0"/>
+                <a:cs typeface="Consolas" pitchFamily="49" charset="0"/>
+              </a:rPr>
+              <a:t>	</a:t>
+            </a:r>
+            <a:r>
+              <a:rPr lang="en-GB" dirty="0" smtClean="0">
+                <a:latin typeface="Consolas" pitchFamily="49" charset="0"/>
+                <a:cs typeface="Consolas" pitchFamily="49" charset="0"/>
+              </a:rPr>
+              <a:t>return(food + “ with cheese”);</a:t>
+            </a:r>
+            <a:endParaRPr lang="en-GB" dirty="0" smtClean="0">
+              <a:latin typeface="Consolas" pitchFamily="49" charset="0"/>
+              <a:cs typeface="Consolas" pitchFamily="49" charset="0"/>
+            </a:endParaRPr>
+          </a:p>
+          <a:p>
+            <a:pPr marL="0" indent="0">
+              <a:buNone/>
+            </a:pPr>
+            <a:r>
+              <a:rPr lang="en-GB" dirty="0" smtClean="0">
+                <a:latin typeface="Consolas" pitchFamily="49" charset="0"/>
+                <a:cs typeface="Consolas" pitchFamily="49" charset="0"/>
+              </a:rPr>
+              <a:t>}</a:t>
+            </a:r>
+          </a:p>
+          <a:p>
+            <a:pPr marL="0" indent="0">
+              <a:buNone/>
+            </a:pPr>
+            <a:r>
+              <a:rPr lang="en-GB" dirty="0" smtClean="0">
+                <a:latin typeface="Consolas" pitchFamily="49" charset="0"/>
+                <a:cs typeface="Consolas" pitchFamily="49" charset="0"/>
+              </a:rPr>
+              <a:t>function </a:t>
+            </a:r>
+            <a:r>
+              <a:rPr lang="en-GB" dirty="0" err="1" smtClean="0">
+                <a:latin typeface="Consolas" pitchFamily="49" charset="0"/>
+                <a:cs typeface="Consolas" pitchFamily="49" charset="0"/>
+              </a:rPr>
+              <a:t>addBacon</a:t>
+            </a:r>
+            <a:r>
+              <a:rPr lang="en-GB" dirty="0" smtClean="0">
+                <a:latin typeface="Consolas" pitchFamily="49" charset="0"/>
+                <a:cs typeface="Consolas" pitchFamily="49" charset="0"/>
+              </a:rPr>
+              <a:t>(food) {</a:t>
+            </a:r>
+          </a:p>
+          <a:p>
+            <a:pPr marL="0" indent="0">
+              <a:buNone/>
+            </a:pPr>
+            <a:r>
+              <a:rPr lang="en-GB" dirty="0">
+                <a:latin typeface="Consolas" pitchFamily="49" charset="0"/>
+                <a:cs typeface="Consolas" pitchFamily="49" charset="0"/>
+              </a:rPr>
+              <a:t>	</a:t>
+            </a:r>
+            <a:r>
+              <a:rPr lang="en-GB" dirty="0" smtClean="0">
+                <a:latin typeface="Consolas" pitchFamily="49" charset="0"/>
+                <a:cs typeface="Consolas" pitchFamily="49" charset="0"/>
+              </a:rPr>
+              <a:t>return(food + “ with bacon”);</a:t>
+            </a:r>
+          </a:p>
+          <a:p>
+            <a:pPr marL="0" indent="0">
+              <a:buNone/>
+            </a:pPr>
+            <a:r>
+              <a:rPr lang="en-GB" dirty="0" smtClean="0">
+                <a:latin typeface="Consolas" pitchFamily="49" charset="0"/>
+                <a:cs typeface="Consolas" pitchFamily="49" charset="0"/>
+              </a:rPr>
+              <a:t>}</a:t>
+            </a:r>
+          </a:p>
+          <a:p>
+            <a:pPr marL="0" indent="0">
+              <a:buNone/>
+            </a:pPr>
+            <a:r>
+              <a:rPr lang="en-GB" dirty="0" smtClean="0">
+                <a:latin typeface="Consolas" pitchFamily="49" charset="0"/>
+                <a:cs typeface="Consolas" pitchFamily="49" charset="0"/>
+              </a:rPr>
+              <a:t>function combine(f1, f2) {</a:t>
+            </a:r>
+          </a:p>
+          <a:p>
+            <a:pPr marL="0" indent="0">
+              <a:buNone/>
+            </a:pPr>
+            <a:r>
+              <a:rPr lang="en-GB" dirty="0">
+                <a:latin typeface="Consolas" pitchFamily="49" charset="0"/>
+                <a:cs typeface="Consolas" pitchFamily="49" charset="0"/>
+              </a:rPr>
+              <a:t>	</a:t>
+            </a:r>
+            <a:r>
+              <a:rPr lang="en-GB" dirty="0" smtClean="0">
+                <a:latin typeface="Consolas" pitchFamily="49" charset="0"/>
+                <a:cs typeface="Consolas" pitchFamily="49" charset="0"/>
+              </a:rPr>
+              <a:t>return(function(x) { f1(f2(x)) });</a:t>
+            </a:r>
+          </a:p>
+          <a:p>
+            <a:pPr marL="0" indent="0">
+              <a:buNone/>
+            </a:pPr>
+            <a:r>
+              <a:rPr lang="en-GB" dirty="0" smtClean="0">
+                <a:latin typeface="Consolas" pitchFamily="49" charset="0"/>
+                <a:cs typeface="Consolas" pitchFamily="49" charset="0"/>
+              </a:rPr>
+              <a:t>}</a:t>
+            </a:r>
+          </a:p>
+          <a:p>
+            <a:pPr marL="0" indent="0">
+              <a:buNone/>
+            </a:pPr>
+            <a:r>
+              <a:rPr lang="en-GB" dirty="0" err="1" smtClean="0">
+                <a:latin typeface="Consolas" pitchFamily="49" charset="0"/>
+                <a:cs typeface="Consolas" pitchFamily="49" charset="0"/>
+              </a:rPr>
+              <a:t>var</a:t>
+            </a:r>
+            <a:r>
+              <a:rPr lang="en-GB" dirty="0" smtClean="0">
+                <a:latin typeface="Consolas" pitchFamily="49" charset="0"/>
+                <a:cs typeface="Consolas" pitchFamily="49" charset="0"/>
+              </a:rPr>
+              <a:t> </a:t>
+            </a:r>
+            <a:r>
+              <a:rPr lang="en-GB" dirty="0" err="1" smtClean="0">
+                <a:latin typeface="Consolas" pitchFamily="49" charset="0"/>
+                <a:cs typeface="Consolas" pitchFamily="49" charset="0"/>
+              </a:rPr>
+              <a:t>makeAwesome</a:t>
+            </a:r>
+            <a:r>
+              <a:rPr lang="en-GB" dirty="0" smtClean="0">
+                <a:latin typeface="Consolas" pitchFamily="49" charset="0"/>
+                <a:cs typeface="Consolas" pitchFamily="49" charset="0"/>
+              </a:rPr>
+              <a:t> = combine(</a:t>
+            </a:r>
+            <a:r>
+              <a:rPr lang="en-GB" dirty="0" err="1" smtClean="0">
+                <a:latin typeface="Consolas" pitchFamily="49" charset="0"/>
+                <a:cs typeface="Consolas" pitchFamily="49" charset="0"/>
+              </a:rPr>
+              <a:t>addCheese</a:t>
+            </a:r>
+            <a:r>
+              <a:rPr lang="en-GB" dirty="0" smtClean="0">
+                <a:latin typeface="Consolas" pitchFamily="49" charset="0"/>
+                <a:cs typeface="Consolas" pitchFamily="49" charset="0"/>
+              </a:rPr>
+              <a:t>, </a:t>
+            </a:r>
+            <a:r>
+              <a:rPr lang="en-GB" dirty="0" err="1" smtClean="0">
+                <a:latin typeface="Consolas" pitchFamily="49" charset="0"/>
+                <a:cs typeface="Consolas" pitchFamily="49" charset="0"/>
+              </a:rPr>
+              <a:t>addBacon</a:t>
+            </a:r>
+            <a:r>
+              <a:rPr lang="en-GB" dirty="0" smtClean="0">
+                <a:latin typeface="Consolas" pitchFamily="49" charset="0"/>
+                <a:cs typeface="Consolas" pitchFamily="49" charset="0"/>
+              </a:rPr>
+              <a:t>);</a:t>
+            </a:r>
+          </a:p>
+          <a:p>
+            <a:pPr marL="0" indent="0">
+              <a:buNone/>
+            </a:pPr>
+            <a:endParaRPr lang="en-GB" dirty="0">
+              <a:latin typeface="Consolas" pitchFamily="49" charset="0"/>
+              <a:cs typeface="Consolas" pitchFamily="49" charset="0"/>
+            </a:endParaRPr>
+          </a:p>
+          <a:p>
+            <a:pPr marL="0" indent="0">
+              <a:buNone/>
+            </a:pPr>
+            <a:r>
+              <a:rPr lang="en-GB" dirty="0" smtClean="0">
+                <a:latin typeface="Consolas" pitchFamily="49" charset="0"/>
+                <a:cs typeface="Consolas" pitchFamily="49" charset="0"/>
+              </a:rPr>
+              <a:t>alert(</a:t>
+            </a:r>
+            <a:r>
+              <a:rPr lang="en-GB" dirty="0" err="1" smtClean="0">
+                <a:latin typeface="Consolas" pitchFamily="49" charset="0"/>
+                <a:cs typeface="Consolas" pitchFamily="49" charset="0"/>
+              </a:rPr>
+              <a:t>makeAwesome</a:t>
+            </a:r>
+            <a:r>
+              <a:rPr lang="en-GB" dirty="0" smtClean="0">
+                <a:latin typeface="Consolas" pitchFamily="49" charset="0"/>
+                <a:cs typeface="Consolas" pitchFamily="49" charset="0"/>
+              </a:rPr>
+              <a:t>(“ice-cream”));</a:t>
+            </a:r>
           </a:p>
         </p:txBody>
       </p:sp>
@@ -10319,7 +10503,7 @@
       </p:grpSpPr>
       <p:sp>
         <p:nvSpPr>
-          <p:cNvPr id="2" name="Title 1"/>
+          <p:cNvPr id="6" name="Title 5"/>
           <p:cNvSpPr>
             <a:spLocks noGrp="1"/>
           </p:cNvSpPr>
@@ -10342,7 +10526,7 @@
       </p:sp>
       <p:sp>
         <p:nvSpPr>
-          <p:cNvPr id="3" name="Content Placeholder 2"/>
+          <p:cNvPr id="8" name="Content Placeholder 2"/>
           <p:cNvSpPr>
             <a:spLocks noGrp="1"/>
           </p:cNvSpPr>
@@ -10350,12 +10534,202 @@
             <p:ph idx="1"/>
           </p:nvPr>
         </p:nvSpPr>
-        <p:spPr/>
-        <p:txBody>
-          <a:bodyPr/>
+        <p:spPr>
+          <a:xfrm>
+            <a:off x="457200" y="1600200"/>
+            <a:ext cx="8229600" cy="4525963"/>
+          </a:xfrm>
+        </p:spPr>
+        <p:txBody>
+          <a:bodyPr>
+            <a:normAutofit/>
+          </a:bodyPr>
           <a:lstStyle/>
           <a:p>
-            <a:endParaRPr lang="en-GB"/>
+            <a:pPr marL="0" indent="0">
+              <a:buNone/>
+            </a:pPr>
+            <a:r>
+              <a:rPr lang="en-GB" sz="2000" dirty="0" err="1" smtClean="0">
+                <a:latin typeface="Consolas" pitchFamily="49" charset="0"/>
+                <a:cs typeface="Consolas" pitchFamily="49" charset="0"/>
+              </a:rPr>
+              <a:t>var</a:t>
+            </a:r>
+            <a:r>
+              <a:rPr lang="en-GB" sz="2000" dirty="0" smtClean="0">
+                <a:latin typeface="Consolas" pitchFamily="49" charset="0"/>
+                <a:cs typeface="Consolas" pitchFamily="49" charset="0"/>
+              </a:rPr>
+              <a:t> Hero = function(name, alias) {</a:t>
+            </a:r>
+          </a:p>
+          <a:p>
+            <a:pPr marL="0" indent="0">
+              <a:buNone/>
+            </a:pPr>
+            <a:r>
+              <a:rPr lang="en-GB" sz="2000" dirty="0">
+                <a:latin typeface="Consolas" pitchFamily="49" charset="0"/>
+                <a:cs typeface="Consolas" pitchFamily="49" charset="0"/>
+              </a:rPr>
+              <a:t> </a:t>
+            </a:r>
+            <a:r>
+              <a:rPr lang="en-GB" sz="2000" dirty="0" smtClean="0">
+                <a:latin typeface="Consolas" pitchFamily="49" charset="0"/>
+                <a:cs typeface="Consolas" pitchFamily="49" charset="0"/>
+              </a:rPr>
+              <a:t>  this.name = name;</a:t>
+            </a:r>
+          </a:p>
+          <a:p>
+            <a:pPr marL="0" indent="0">
+              <a:buNone/>
+            </a:pPr>
+            <a:r>
+              <a:rPr lang="en-GB" sz="2000" dirty="0" smtClean="0">
+                <a:latin typeface="Consolas" pitchFamily="49" charset="0"/>
+                <a:cs typeface="Consolas" pitchFamily="49" charset="0"/>
+              </a:rPr>
+              <a:t>   </a:t>
+            </a:r>
+            <a:r>
+              <a:rPr lang="en-GB" sz="2000" dirty="0" err="1" smtClean="0">
+                <a:latin typeface="Consolas" pitchFamily="49" charset="0"/>
+                <a:cs typeface="Consolas" pitchFamily="49" charset="0"/>
+              </a:rPr>
+              <a:t>this.alias</a:t>
+            </a:r>
+            <a:r>
+              <a:rPr lang="en-GB" sz="2000" dirty="0" smtClean="0">
+                <a:latin typeface="Consolas" pitchFamily="49" charset="0"/>
+                <a:cs typeface="Consolas" pitchFamily="49" charset="0"/>
+              </a:rPr>
+              <a:t> = alias;</a:t>
+            </a:r>
+          </a:p>
+          <a:p>
+            <a:pPr marL="0" indent="0">
+              <a:buNone/>
+            </a:pPr>
+            <a:r>
+              <a:rPr lang="en-GB" sz="2000" dirty="0" smtClean="0">
+                <a:latin typeface="Consolas" pitchFamily="49" charset="0"/>
+                <a:cs typeface="Consolas" pitchFamily="49" charset="0"/>
+              </a:rPr>
+              <a:t>}</a:t>
+            </a:r>
+          </a:p>
+          <a:p>
+            <a:pPr marL="0" indent="0">
+              <a:buNone/>
+            </a:pPr>
+            <a:endParaRPr lang="en-GB" sz="2000" dirty="0">
+              <a:latin typeface="Consolas" pitchFamily="49" charset="0"/>
+              <a:cs typeface="Consolas" pitchFamily="49" charset="0"/>
+            </a:endParaRPr>
+          </a:p>
+          <a:p>
+            <a:pPr marL="0" indent="0">
+              <a:buNone/>
+            </a:pPr>
+            <a:r>
+              <a:rPr lang="en-GB" sz="2000" dirty="0" err="1" smtClean="0">
+                <a:latin typeface="Consolas" pitchFamily="49" charset="0"/>
+                <a:cs typeface="Consolas" pitchFamily="49" charset="0"/>
+              </a:rPr>
+              <a:t>var</a:t>
+            </a:r>
+            <a:r>
+              <a:rPr lang="en-GB" sz="2000" dirty="0" smtClean="0">
+                <a:latin typeface="Consolas" pitchFamily="49" charset="0"/>
+                <a:cs typeface="Consolas" pitchFamily="49" charset="0"/>
+              </a:rPr>
+              <a:t> superman = new Hero(“Superman”, “Clark Kent”);</a:t>
+            </a:r>
+          </a:p>
+          <a:p>
+            <a:pPr marL="0" indent="0">
+              <a:buNone/>
+            </a:pPr>
+            <a:endParaRPr lang="en-GB" sz="2000" dirty="0" smtClean="0">
+              <a:latin typeface="Consolas" pitchFamily="49" charset="0"/>
+              <a:cs typeface="Consolas" pitchFamily="49" charset="0"/>
+            </a:endParaRPr>
+          </a:p>
+          <a:p>
+            <a:pPr marL="0" indent="0">
+              <a:buNone/>
+            </a:pPr>
+            <a:r>
+              <a:rPr lang="en-GB" sz="2000" dirty="0" err="1" smtClean="0">
+                <a:latin typeface="Consolas" pitchFamily="49" charset="0"/>
+                <a:cs typeface="Consolas" pitchFamily="49" charset="0"/>
+              </a:rPr>
+              <a:t>superman.cape</a:t>
+            </a:r>
+            <a:r>
+              <a:rPr lang="en-GB" sz="2000" dirty="0" smtClean="0">
+                <a:latin typeface="Consolas" pitchFamily="49" charset="0"/>
+                <a:cs typeface="Consolas" pitchFamily="49" charset="0"/>
+              </a:rPr>
+              <a:t> = “red”;</a:t>
+            </a:r>
+          </a:p>
+          <a:p>
+            <a:pPr marL="0" indent="0">
+              <a:buNone/>
+            </a:pPr>
+            <a:r>
+              <a:rPr lang="en-GB" sz="2000" dirty="0" err="1" smtClean="0">
+                <a:latin typeface="Consolas" pitchFamily="49" charset="0"/>
+                <a:cs typeface="Consolas" pitchFamily="49" charset="0"/>
+              </a:rPr>
+              <a:t>superman.fly</a:t>
+            </a:r>
+            <a:r>
+              <a:rPr lang="en-GB" sz="2000" dirty="0" smtClean="0">
+                <a:latin typeface="Consolas" pitchFamily="49" charset="0"/>
+                <a:cs typeface="Consolas" pitchFamily="49" charset="0"/>
+              </a:rPr>
+              <a:t> = function() {</a:t>
+            </a:r>
+          </a:p>
+          <a:p>
+            <a:pPr marL="0" indent="0">
+              <a:buNone/>
+            </a:pPr>
+            <a:r>
+              <a:rPr lang="en-GB" sz="2000" dirty="0">
+                <a:latin typeface="Consolas" pitchFamily="49" charset="0"/>
+                <a:cs typeface="Consolas" pitchFamily="49" charset="0"/>
+              </a:rPr>
+              <a:t>	</a:t>
+            </a:r>
+            <a:r>
+              <a:rPr lang="en-GB" sz="2000" dirty="0" smtClean="0">
+                <a:latin typeface="Consolas" pitchFamily="49" charset="0"/>
+                <a:cs typeface="Consolas" pitchFamily="49" charset="0"/>
+              </a:rPr>
+              <a:t>return(“Faster than a speeding bullet!”);</a:t>
+            </a:r>
+          </a:p>
+          <a:p>
+            <a:pPr marL="0" indent="0">
+              <a:buNone/>
+            </a:pPr>
+            <a:r>
+              <a:rPr lang="en-GB" sz="2000" dirty="0">
+                <a:latin typeface="Consolas" pitchFamily="49" charset="0"/>
+                <a:cs typeface="Consolas" pitchFamily="49" charset="0"/>
+              </a:rPr>
+              <a:t>}</a:t>
+            </a:r>
+            <a:endParaRPr lang="en-GB" sz="2000" dirty="0" smtClean="0">
+              <a:latin typeface="Consolas" pitchFamily="49" charset="0"/>
+              <a:cs typeface="Consolas" pitchFamily="49" charset="0"/>
+            </a:endParaRPr>
           </a:p>
         </p:txBody>
       </p:sp>
@@ -10986,7 +11360,7 @@
           <a:p>
             <a:r>
               <a:rPr lang="en-GB" dirty="0" smtClean="0"/>
-              <a:t>scope</a:t>
+              <a:t>Scope and Hoisting</a:t>
             </a:r>
             <a:endParaRPr lang="en-GB" dirty="0"/>
           </a:p>
@@ -11007,7 +11381,7 @@
           <a:bodyPr/>
           <a:lstStyle/>
           <a:p>
-            <a:endParaRPr lang="en-GB"/>
+            <a:endParaRPr lang="en-GB" dirty="0"/>
           </a:p>
         </p:txBody>
       </p:sp>
@@ -12839,29 +13213,7 @@
                 <a:latin typeface="Consolas" pitchFamily="49" charset="0"/>
                 <a:cs typeface="Consolas" pitchFamily="49" charset="0"/>
               </a:rPr>
-              <a:t>   </a:t>
-            </a:r>
-            <a:r>
-              <a:rPr kumimoji="0" lang="en-US" sz="3600" i="0" u="none" strike="noStrike" cap="none" normalizeH="0" baseline="0" dirty="0" smtClean="0">
-                <a:ln>
-                  <a:noFill/>
-                </a:ln>
-                <a:effectLst/>
-                <a:latin typeface="Consolas" pitchFamily="49" charset="0"/>
-                <a:cs typeface="Consolas" pitchFamily="49" charset="0"/>
-              </a:rPr>
-              <a:t>(1)</a:t>
-            </a:r>
-            <a:r>
-              <a:rPr kumimoji="0" lang="en-US" sz="3600" i="0" u="none" strike="noStrike" cap="none" normalizeH="0" baseline="0" dirty="0" smtClean="0">
-                <a:ln>
-                  <a:noFill/>
-                </a:ln>
-                <a:effectLst/>
-                <a:latin typeface="Consolas" pitchFamily="49" charset="0"/>
-                <a:cs typeface="Consolas" pitchFamily="49" charset="0"/>
-              </a:rPr>
-              <a:t/>
+              <a:t>   (1)</a:t>
             </a:r>
             <a:br>
               <a:rPr kumimoji="0" lang="en-US" sz="3600" i="0" u="none" strike="noStrike" cap="none" normalizeH="0" baseline="0" dirty="0" smtClean="0">

--- a/Slides/So You Think You Know Javascript.pptx
+++ b/Slides/So You Think You Know Javascript.pptx
@@ -5,7 +5,7 @@
     <p:sldMasterId id="2147483720" r:id="rId1"/>
   </p:sldMasterIdLst>
   <p:notesMasterIdLst>
-    <p:notesMasterId r:id="rId48"/>
+    <p:notesMasterId r:id="rId47"/>
   </p:notesMasterIdLst>
   <p:sldIdLst>
     <p:sldId id="313" r:id="rId2"/>
@@ -36,8 +36,8 @@
     <p:sldId id="302" r:id="rId27"/>
     <p:sldId id="291" r:id="rId28"/>
     <p:sldId id="294" r:id="rId29"/>
-    <p:sldId id="297" r:id="rId30"/>
-    <p:sldId id="292" r:id="rId31"/>
+    <p:sldId id="316" r:id="rId30"/>
+    <p:sldId id="297" r:id="rId31"/>
     <p:sldId id="286" r:id="rId32"/>
     <p:sldId id="295" r:id="rId33"/>
     <p:sldId id="310" r:id="rId34"/>
@@ -47,13 +47,12 @@
     <p:sldId id="257" r:id="rId38"/>
     <p:sldId id="304" r:id="rId39"/>
     <p:sldId id="258" r:id="rId40"/>
-    <p:sldId id="311" r:id="rId41"/>
-    <p:sldId id="271" r:id="rId42"/>
-    <p:sldId id="305" r:id="rId43"/>
+    <p:sldId id="271" r:id="rId41"/>
+    <p:sldId id="305" r:id="rId42"/>
+    <p:sldId id="306" r:id="rId43"/>
     <p:sldId id="309" r:id="rId44"/>
-    <p:sldId id="306" r:id="rId45"/>
-    <p:sldId id="282" r:id="rId46"/>
-    <p:sldId id="315" r:id="rId47"/>
+    <p:sldId id="317" r:id="rId45"/>
+    <p:sldId id="315" r:id="rId46"/>
   </p:sldIdLst>
   <p:sldSz cx="9144000" cy="6858000" type="screen4x3"/>
   <p:notesSz cx="6858000" cy="9144000"/>
@@ -237,6 +236,7 @@
           <a:p>
             <a:fld id="{1A072DB4-5734-40B7-9405-EBC05FE61D64}" type="datetimeFigureOut">
               <a:rPr lang="en-GB" smtClean="0"/>
+              <a:pPr/>
               <a:t>04/04/2011</a:t>
             </a:fld>
             <a:endParaRPr lang="en-GB"/>
@@ -396,6 +396,7 @@
           <a:p>
             <a:fld id="{680E7421-152F-4C5F-A339-C37B49386B6D}" type="slidenum">
               <a:rPr lang="en-GB" smtClean="0"/>
+              <a:pPr/>
               <a:t>‹#›</a:t>
             </a:fld>
             <a:endParaRPr lang="en-GB"/>
@@ -405,7 +406,7 @@
     </p:spTree>
     <p:extLst>
       <p:ext uri="{BB962C8B-B14F-4D97-AF65-F5344CB8AC3E}">
-        <p14:creationId xmlns:p14="http://schemas.microsoft.com/office/powerpoint/2010/main" val="610612025"/>
+        <p14:creationId xmlns:p14="http://schemas.microsoft.com/office/powerpoint/2010/main" xmlns="" val="610612025"/>
       </p:ext>
     </p:extLst>
   </p:cSld>
@@ -596,6 +597,7 @@
           <a:p>
             <a:fld id="{680E7421-152F-4C5F-A339-C37B49386B6D}" type="slidenum">
               <a:rPr lang="en-GB" smtClean="0"/>
+              <a:pPr/>
               <a:t>2</a:t>
             </a:fld>
             <a:endParaRPr lang="en-GB"/>
@@ -605,7 +607,7 @@
     </p:spTree>
     <p:extLst>
       <p:ext uri="{BB962C8B-B14F-4D97-AF65-F5344CB8AC3E}">
-        <p14:creationId xmlns:p14="http://schemas.microsoft.com/office/powerpoint/2010/main" val="2826732040"/>
+        <p14:creationId xmlns:p14="http://schemas.microsoft.com/office/powerpoint/2010/main" xmlns="" val="2826732040"/>
       </p:ext>
     </p:extLst>
   </p:cSld>
@@ -743,6 +745,7 @@
           <a:p>
             <a:fld id="{680E7421-152F-4C5F-A339-C37B49386B6D}" type="slidenum">
               <a:rPr lang="en-GB" smtClean="0"/>
+              <a:pPr/>
               <a:t>11</a:t>
             </a:fld>
             <a:endParaRPr lang="en-GB"/>
@@ -752,7 +755,7 @@
     </p:spTree>
     <p:extLst>
       <p:ext uri="{BB962C8B-B14F-4D97-AF65-F5344CB8AC3E}">
-        <p14:creationId xmlns:p14="http://schemas.microsoft.com/office/powerpoint/2010/main" val="1081184773"/>
+        <p14:creationId xmlns:p14="http://schemas.microsoft.com/office/powerpoint/2010/main" xmlns="" val="1081184773"/>
       </p:ext>
     </p:extLst>
   </p:cSld>
@@ -867,6 +870,7 @@
           <a:p>
             <a:fld id="{680E7421-152F-4C5F-A339-C37B49386B6D}" type="slidenum">
               <a:rPr lang="en-GB" smtClean="0"/>
+              <a:pPr/>
               <a:t>12</a:t>
             </a:fld>
             <a:endParaRPr lang="en-GB"/>
@@ -876,7 +880,7 @@
     </p:spTree>
     <p:extLst>
       <p:ext uri="{BB962C8B-B14F-4D97-AF65-F5344CB8AC3E}">
-        <p14:creationId xmlns:p14="http://schemas.microsoft.com/office/powerpoint/2010/main" val="233567828"/>
+        <p14:creationId xmlns:p14="http://schemas.microsoft.com/office/powerpoint/2010/main" xmlns="" val="233567828"/>
       </p:ext>
     </p:extLst>
   </p:cSld>
@@ -1016,6 +1020,7 @@
           <a:p>
             <a:fld id="{680E7421-152F-4C5F-A339-C37B49386B6D}" type="slidenum">
               <a:rPr lang="en-GB" smtClean="0"/>
+              <a:pPr/>
               <a:t>13</a:t>
             </a:fld>
             <a:endParaRPr lang="en-GB"/>
@@ -1025,7 +1030,7 @@
     </p:spTree>
     <p:extLst>
       <p:ext uri="{BB962C8B-B14F-4D97-AF65-F5344CB8AC3E}">
-        <p14:creationId xmlns:p14="http://schemas.microsoft.com/office/powerpoint/2010/main" val="2125697358"/>
+        <p14:creationId xmlns:p14="http://schemas.microsoft.com/office/powerpoint/2010/main" xmlns="" val="2125697358"/>
       </p:ext>
     </p:extLst>
   </p:cSld>
@@ -1328,6 +1333,7 @@
           <a:p>
             <a:fld id="{680E7421-152F-4C5F-A339-C37B49386B6D}" type="slidenum">
               <a:rPr lang="en-GB" smtClean="0"/>
+              <a:pPr/>
               <a:t>14</a:t>
             </a:fld>
             <a:endParaRPr lang="en-GB"/>
@@ -1337,7 +1343,7 @@
     </p:spTree>
     <p:extLst>
       <p:ext uri="{BB962C8B-B14F-4D97-AF65-F5344CB8AC3E}">
-        <p14:creationId xmlns:p14="http://schemas.microsoft.com/office/powerpoint/2010/main" val="2417948286"/>
+        <p14:creationId xmlns:p14="http://schemas.microsoft.com/office/powerpoint/2010/main" xmlns="" val="2417948286"/>
       </p:ext>
     </p:extLst>
   </p:cSld>
@@ -1508,6 +1514,7 @@
           <a:p>
             <a:fld id="{680E7421-152F-4C5F-A339-C37B49386B6D}" type="slidenum">
               <a:rPr lang="en-GB" smtClean="0"/>
+              <a:pPr/>
               <a:t>15</a:t>
             </a:fld>
             <a:endParaRPr lang="en-GB"/>
@@ -1517,7 +1524,7 @@
     </p:spTree>
     <p:extLst>
       <p:ext uri="{BB962C8B-B14F-4D97-AF65-F5344CB8AC3E}">
-        <p14:creationId xmlns:p14="http://schemas.microsoft.com/office/powerpoint/2010/main" val="3266073170"/>
+        <p14:creationId xmlns:p14="http://schemas.microsoft.com/office/powerpoint/2010/main" xmlns="" val="3266073170"/>
       </p:ext>
     </p:extLst>
   </p:cSld>
@@ -1968,6 +1975,7 @@
           <a:p>
             <a:fld id="{680E7421-152F-4C5F-A339-C37B49386B6D}" type="slidenum">
               <a:rPr lang="en-GB" smtClean="0"/>
+              <a:pPr/>
               <a:t>16</a:t>
             </a:fld>
             <a:endParaRPr lang="en-GB"/>
@@ -1977,7 +1985,7 @@
     </p:spTree>
     <p:extLst>
       <p:ext uri="{BB962C8B-B14F-4D97-AF65-F5344CB8AC3E}">
-        <p14:creationId xmlns:p14="http://schemas.microsoft.com/office/powerpoint/2010/main" val="3972150295"/>
+        <p14:creationId xmlns:p14="http://schemas.microsoft.com/office/powerpoint/2010/main" xmlns="" val="3972150295"/>
       </p:ext>
     </p:extLst>
   </p:cSld>
@@ -2054,25 +2062,16 @@
             </a:r>
           </a:p>
           <a:p>
-            <a:pPr lvl="0"/>
-            <a:r>
-              <a:rPr lang="en-GB" sz="1600" kern="1200" dirty="0" smtClean="0">
-                <a:solidFill>
-                  <a:schemeClr val="tx1"/>
-                </a:solidFill>
-                <a:effectLst/>
-                <a:latin typeface="+mn-lt"/>
-                <a:ea typeface="+mn-ea"/>
-                <a:cs typeface="+mn-cs"/>
-              </a:rPr>
-              <a:t>July 2006 – JSON described formally in RFC 4627</a:t>
-            </a:r>
             <a:endParaRPr lang="en-GB" dirty="0" smtClean="0"/>
           </a:p>
           <a:p>
             <a:r>
               <a:rPr lang="en-GB" dirty="0" smtClean="0"/>
-              <a:t>August 2006 – John</a:t>
+              <a:t>August </a:t>
+            </a:r>
+            <a:r>
+              <a:rPr lang="en-GB" dirty="0" smtClean="0"/>
+              <a:t>2006 – John</a:t>
             </a:r>
             <a:r>
               <a:rPr lang="en-GB" baseline="0" dirty="0" smtClean="0"/>
@@ -2092,8 +2091,53 @@
             </a:r>
             <a:r>
               <a:rPr lang="en-GB" dirty="0" smtClean="0"/>
-              <a:t> 1.0</a:t>
-            </a:r>
+              <a:t> </a:t>
+            </a:r>
+            <a:r>
+              <a:rPr lang="en-GB" dirty="0" smtClean="0"/>
+              <a:t>1.0</a:t>
+            </a:r>
+          </a:p>
+          <a:p>
+            <a:endParaRPr lang="en-GB" dirty="0" smtClean="0"/>
+          </a:p>
+          <a:p>
+            <a:r>
+              <a:rPr lang="en-GB" dirty="0" smtClean="0"/>
+              <a:t>John </a:t>
+            </a:r>
+            <a:r>
+              <a:rPr lang="en-GB" dirty="0" err="1" smtClean="0"/>
+              <a:t>Resig</a:t>
+            </a:r>
+            <a:r>
+              <a:rPr lang="en-GB" dirty="0" smtClean="0"/>
+              <a:t> is to </a:t>
+            </a:r>
+            <a:r>
+              <a:rPr lang="en-GB" dirty="0" err="1" smtClean="0"/>
+              <a:t>Javascript</a:t>
+            </a:r>
+            <a:r>
+              <a:rPr lang="en-GB" dirty="0" smtClean="0"/>
+              <a:t> what </a:t>
+            </a:r>
+            <a:r>
+              <a:rPr lang="en-GB" dirty="0" err="1" smtClean="0"/>
+              <a:t>Jimi</a:t>
+            </a:r>
+            <a:r>
+              <a:rPr lang="en-GB" dirty="0" smtClean="0"/>
+              <a:t> Hendrix was to the electric guitar – he did something singularly amazing</a:t>
+            </a:r>
+            <a:r>
+              <a:rPr lang="en-GB" baseline="0" dirty="0" smtClean="0"/>
+              <a:t> that just wouldn't have been possible using anything else.</a:t>
+            </a:r>
+            <a:endParaRPr lang="en-GB" dirty="0" smtClean="0"/>
+          </a:p>
+          <a:p>
+            <a:endParaRPr lang="en-GB" dirty="0" smtClean="0"/>
           </a:p>
           <a:p>
             <a:r>
@@ -2134,7 +2178,11 @@
           <a:p>
             <a:r>
               <a:rPr lang="en-GB" dirty="0" smtClean="0"/>
-              <a:t>June 2007 – iPhone</a:t>
+              <a:t>June </a:t>
+            </a:r>
+            <a:r>
+              <a:rPr lang="en-GB" dirty="0" smtClean="0"/>
+              <a:t>2007 – iPhone</a:t>
             </a:r>
             <a:r>
               <a:rPr lang="en-GB" baseline="0" dirty="0" smtClean="0"/>
@@ -2310,6 +2358,7 @@
           <a:p>
             <a:fld id="{680E7421-152F-4C5F-A339-C37B49386B6D}" type="slidenum">
               <a:rPr lang="en-GB" smtClean="0"/>
+              <a:pPr/>
               <a:t>17</a:t>
             </a:fld>
             <a:endParaRPr lang="en-GB"/>
@@ -2319,7 +2368,7 @@
     </p:spTree>
     <p:extLst>
       <p:ext uri="{BB962C8B-B14F-4D97-AF65-F5344CB8AC3E}">
-        <p14:creationId xmlns:p14="http://schemas.microsoft.com/office/powerpoint/2010/main" val="4126551459"/>
+        <p14:creationId xmlns:p14="http://schemas.microsoft.com/office/powerpoint/2010/main" xmlns="" val="4126551459"/>
       </p:ext>
     </p:extLst>
   </p:cSld>
@@ -2433,6 +2482,7 @@
           <a:p>
             <a:fld id="{680E7421-152F-4C5F-A339-C37B49386B6D}" type="slidenum">
               <a:rPr lang="en-GB" smtClean="0"/>
+              <a:pPr/>
               <a:t>18</a:t>
             </a:fld>
             <a:endParaRPr lang="en-GB"/>
@@ -2442,7 +2492,7 @@
     </p:spTree>
     <p:extLst>
       <p:ext uri="{BB962C8B-B14F-4D97-AF65-F5344CB8AC3E}">
-        <p14:creationId xmlns:p14="http://schemas.microsoft.com/office/powerpoint/2010/main" val="3726384715"/>
+        <p14:creationId xmlns:p14="http://schemas.microsoft.com/office/powerpoint/2010/main" xmlns="" val="3726384715"/>
       </p:ext>
     </p:extLst>
   </p:cSld>
@@ -2517,6 +2567,7 @@
           <a:p>
             <a:fld id="{680E7421-152F-4C5F-A339-C37B49386B6D}" type="slidenum">
               <a:rPr lang="en-GB" smtClean="0"/>
+              <a:pPr/>
               <a:t>19</a:t>
             </a:fld>
             <a:endParaRPr lang="en-GB"/>
@@ -2526,7 +2577,7 @@
     </p:spTree>
     <p:extLst>
       <p:ext uri="{BB962C8B-B14F-4D97-AF65-F5344CB8AC3E}">
-        <p14:creationId xmlns:p14="http://schemas.microsoft.com/office/powerpoint/2010/main" val="130714547"/>
+        <p14:creationId xmlns:p14="http://schemas.microsoft.com/office/powerpoint/2010/main" xmlns="" val="130714547"/>
       </p:ext>
     </p:extLst>
   </p:cSld>
@@ -2590,19 +2641,7 @@
                 <a:ea typeface="+mn-ea"/>
                 <a:cs typeface="+mn-cs"/>
               </a:rPr>
-              <a:t>In Self, and other prototype-based languages, the duality between classes and object instances is eliminated</a:t>
-            </a:r>
-            <a:r>
-              <a:rPr lang="en-GB" sz="1200" b="0" i="0" kern="1200" dirty="0" smtClean="0">
-                <a:solidFill>
-                  <a:schemeClr val="tx1"/>
-                </a:solidFill>
-                <a:effectLst/>
-                <a:latin typeface="+mn-lt"/>
-                <a:ea typeface="+mn-ea"/>
-                <a:cs typeface="+mn-cs"/>
-              </a:rPr>
-              <a:t>.</a:t>
+              <a:t>In Self, and other prototype-based languages, the duality between classes and object instances is eliminated.</a:t>
             </a:r>
           </a:p>
           <a:p>
@@ -2687,6 +2726,7 @@
           <a:p>
             <a:fld id="{680E7421-152F-4C5F-A339-C37B49386B6D}" type="slidenum">
               <a:rPr lang="en-GB" smtClean="0"/>
+              <a:pPr/>
               <a:t>20</a:t>
             </a:fld>
             <a:endParaRPr lang="en-GB"/>
@@ -2696,7 +2736,7 @@
     </p:spTree>
     <p:extLst>
       <p:ext uri="{BB962C8B-B14F-4D97-AF65-F5344CB8AC3E}">
-        <p14:creationId xmlns:p14="http://schemas.microsoft.com/office/powerpoint/2010/main" val="2139152777"/>
+        <p14:creationId xmlns:p14="http://schemas.microsoft.com/office/powerpoint/2010/main" xmlns="" val="2139152777"/>
       </p:ext>
     </p:extLst>
   </p:cSld>
@@ -2785,6 +2825,7 @@
           <a:p>
             <a:fld id="{680E7421-152F-4C5F-A339-C37B49386B6D}" type="slidenum">
               <a:rPr lang="en-GB" smtClean="0"/>
+              <a:pPr/>
               <a:t>3</a:t>
             </a:fld>
             <a:endParaRPr lang="en-GB"/>
@@ -2794,9 +2835,783 @@
     </p:spTree>
     <p:extLst>
       <p:ext uri="{BB962C8B-B14F-4D97-AF65-F5344CB8AC3E}">
-        <p14:creationId xmlns:p14="http://schemas.microsoft.com/office/powerpoint/2010/main" val="601231661"/>
+        <p14:creationId xmlns:p14="http://schemas.microsoft.com/office/powerpoint/2010/main" xmlns="" val="601231661"/>
       </p:ext>
     </p:extLst>
+  </p:cSld>
+  <p:clrMapOvr>
+    <a:masterClrMapping/>
+  </p:clrMapOvr>
+</p:notes>
+</file>
+
+<file path=ppt/notesSlides/notesSlide20.xml><?xml version="1.0" encoding="utf-8"?>
+<p:notes xmlns:a="http://schemas.openxmlformats.org/drawingml/2006/main" xmlns:r="http://schemas.openxmlformats.org/officeDocument/2006/relationships" xmlns:p="http://schemas.openxmlformats.org/presentationml/2006/main">
+  <p:cSld>
+    <p:spTree>
+      <p:nvGrpSpPr>
+        <p:cNvPr id="1" name=""/>
+        <p:cNvGrpSpPr/>
+        <p:nvPr/>
+      </p:nvGrpSpPr>
+      <p:grpSpPr>
+        <a:xfrm>
+          <a:off x="0" y="0"/>
+          <a:ext cx="0" cy="0"/>
+          <a:chOff x="0" y="0"/>
+          <a:chExt cx="0" cy="0"/>
+        </a:xfrm>
+      </p:grpSpPr>
+      <p:sp>
+        <p:nvSpPr>
+          <p:cNvPr id="2" name="Slide Image Placeholder 1"/>
+          <p:cNvSpPr>
+            <a:spLocks noGrp="1" noRot="1" noChangeAspect="1"/>
+          </p:cNvSpPr>
+          <p:nvPr>
+            <p:ph type="sldImg"/>
+          </p:nvPr>
+        </p:nvSpPr>
+        <p:spPr/>
+      </p:sp>
+      <p:sp>
+        <p:nvSpPr>
+          <p:cNvPr id="3" name="Notes Placeholder 2"/>
+          <p:cNvSpPr>
+            <a:spLocks noGrp="1"/>
+          </p:cNvSpPr>
+          <p:nvPr>
+            <p:ph type="body" idx="1"/>
+          </p:nvPr>
+        </p:nvSpPr>
+        <p:spPr/>
+        <p:txBody>
+          <a:bodyPr>
+            <a:normAutofit/>
+          </a:bodyPr>
+          <a:lstStyle/>
+          <a:p>
+            <a:endParaRPr lang="en-GB" dirty="0"/>
+          </a:p>
+        </p:txBody>
+      </p:sp>
+      <p:sp>
+        <p:nvSpPr>
+          <p:cNvPr id="4" name="Slide Number Placeholder 3"/>
+          <p:cNvSpPr>
+            <a:spLocks noGrp="1"/>
+          </p:cNvSpPr>
+          <p:nvPr>
+            <p:ph type="sldNum" sz="quarter" idx="10"/>
+          </p:nvPr>
+        </p:nvSpPr>
+        <p:spPr/>
+        <p:txBody>
+          <a:bodyPr/>
+          <a:lstStyle/>
+          <a:p>
+            <a:fld id="{680E7421-152F-4C5F-A339-C37B49386B6D}" type="slidenum">
+              <a:rPr lang="en-GB" smtClean="0"/>
+              <a:pPr/>
+              <a:t>22</a:t>
+            </a:fld>
+            <a:endParaRPr lang="en-GB"/>
+          </a:p>
+        </p:txBody>
+      </p:sp>
+    </p:spTree>
+  </p:cSld>
+  <p:clrMapOvr>
+    <a:masterClrMapping/>
+  </p:clrMapOvr>
+</p:notes>
+</file>
+
+<file path=ppt/notesSlides/notesSlide21.xml><?xml version="1.0" encoding="utf-8"?>
+<p:notes xmlns:a="http://schemas.openxmlformats.org/drawingml/2006/main" xmlns:r="http://schemas.openxmlformats.org/officeDocument/2006/relationships" xmlns:p="http://schemas.openxmlformats.org/presentationml/2006/main">
+  <p:cSld>
+    <p:spTree>
+      <p:nvGrpSpPr>
+        <p:cNvPr id="1" name=""/>
+        <p:cNvGrpSpPr/>
+        <p:nvPr/>
+      </p:nvGrpSpPr>
+      <p:grpSpPr>
+        <a:xfrm>
+          <a:off x="0" y="0"/>
+          <a:ext cx="0" cy="0"/>
+          <a:chOff x="0" y="0"/>
+          <a:chExt cx="0" cy="0"/>
+        </a:xfrm>
+      </p:grpSpPr>
+      <p:sp>
+        <p:nvSpPr>
+          <p:cNvPr id="2" name="Slide Image Placeholder 1"/>
+          <p:cNvSpPr>
+            <a:spLocks noGrp="1" noRot="1" noChangeAspect="1"/>
+          </p:cNvSpPr>
+          <p:nvPr>
+            <p:ph type="sldImg"/>
+          </p:nvPr>
+        </p:nvSpPr>
+        <p:spPr/>
+      </p:sp>
+      <p:sp>
+        <p:nvSpPr>
+          <p:cNvPr id="3" name="Notes Placeholder 2"/>
+          <p:cNvSpPr>
+            <a:spLocks noGrp="1"/>
+          </p:cNvSpPr>
+          <p:nvPr>
+            <p:ph type="body" idx="1"/>
+          </p:nvPr>
+        </p:nvSpPr>
+        <p:spPr/>
+        <p:txBody>
+          <a:bodyPr>
+            <a:normAutofit/>
+          </a:bodyPr>
+          <a:lstStyle/>
+          <a:p>
+            <a:endParaRPr lang="en-GB" dirty="0"/>
+          </a:p>
+        </p:txBody>
+      </p:sp>
+      <p:sp>
+        <p:nvSpPr>
+          <p:cNvPr id="4" name="Slide Number Placeholder 3"/>
+          <p:cNvSpPr>
+            <a:spLocks noGrp="1"/>
+          </p:cNvSpPr>
+          <p:nvPr>
+            <p:ph type="sldNum" sz="quarter" idx="10"/>
+          </p:nvPr>
+        </p:nvSpPr>
+        <p:spPr/>
+        <p:txBody>
+          <a:bodyPr/>
+          <a:lstStyle/>
+          <a:p>
+            <a:fld id="{680E7421-152F-4C5F-A339-C37B49386B6D}" type="slidenum">
+              <a:rPr lang="en-GB" smtClean="0"/>
+              <a:pPr/>
+              <a:t>29</a:t>
+            </a:fld>
+            <a:endParaRPr lang="en-GB"/>
+          </a:p>
+        </p:txBody>
+      </p:sp>
+    </p:spTree>
+  </p:cSld>
+  <p:clrMapOvr>
+    <a:masterClrMapping/>
+  </p:clrMapOvr>
+</p:notes>
+</file>
+
+<file path=ppt/notesSlides/notesSlide22.xml><?xml version="1.0" encoding="utf-8"?>
+<p:notes xmlns:a="http://schemas.openxmlformats.org/drawingml/2006/main" xmlns:r="http://schemas.openxmlformats.org/officeDocument/2006/relationships" xmlns:p="http://schemas.openxmlformats.org/presentationml/2006/main">
+  <p:cSld>
+    <p:spTree>
+      <p:nvGrpSpPr>
+        <p:cNvPr id="1" name=""/>
+        <p:cNvGrpSpPr/>
+        <p:nvPr/>
+      </p:nvGrpSpPr>
+      <p:grpSpPr>
+        <a:xfrm>
+          <a:off x="0" y="0"/>
+          <a:ext cx="0" cy="0"/>
+          <a:chOff x="0" y="0"/>
+          <a:chExt cx="0" cy="0"/>
+        </a:xfrm>
+      </p:grpSpPr>
+      <p:sp>
+        <p:nvSpPr>
+          <p:cNvPr id="2" name="Slide Image Placeholder 1"/>
+          <p:cNvSpPr>
+            <a:spLocks noGrp="1" noRot="1" noChangeAspect="1"/>
+          </p:cNvSpPr>
+          <p:nvPr>
+            <p:ph type="sldImg"/>
+          </p:nvPr>
+        </p:nvSpPr>
+        <p:spPr/>
+      </p:sp>
+      <p:sp>
+        <p:nvSpPr>
+          <p:cNvPr id="3" name="Notes Placeholder 2"/>
+          <p:cNvSpPr>
+            <a:spLocks noGrp="1"/>
+          </p:cNvSpPr>
+          <p:nvPr>
+            <p:ph type="body" idx="1"/>
+          </p:nvPr>
+        </p:nvSpPr>
+        <p:spPr/>
+        <p:txBody>
+          <a:bodyPr>
+            <a:normAutofit/>
+          </a:bodyPr>
+          <a:lstStyle/>
+          <a:p>
+            <a:r>
+              <a:rPr lang="en-GB" dirty="0" smtClean="0"/>
+              <a:t>When you're assigning event handlers, you are NOT saying "when I click this button, instantiate</a:t>
+            </a:r>
+            <a:r>
+              <a:rPr lang="en-GB" baseline="0" dirty="0" smtClean="0"/>
+              <a:t> a new Controller object and run the Click() method on it" You are saying "there is a block of code that happens to be on that Controller object, and I want you to use that code as your click handler"</a:t>
+            </a:r>
+          </a:p>
+          <a:p>
+            <a:endParaRPr lang="en-GB" baseline="0" dirty="0" smtClean="0"/>
+          </a:p>
+          <a:p>
+            <a:r>
+              <a:rPr lang="en-GB" baseline="0" dirty="0" smtClean="0"/>
+              <a:t>"this" does not mean "the object that defined this behaviour", it means "the object that INVOKED this behaviour"</a:t>
+            </a:r>
+          </a:p>
+          <a:p>
+            <a:endParaRPr lang="en-GB" baseline="0" dirty="0" smtClean="0"/>
+          </a:p>
+          <a:p>
+            <a:r>
+              <a:rPr lang="en-GB" baseline="0" dirty="0" smtClean="0"/>
+              <a:t>So when you assign a code to a button's click event, when the code runs, 'this' refers to the button – NOT to the controller or object that defines it.</a:t>
+            </a:r>
+          </a:p>
+          <a:p>
+            <a:endParaRPr lang="en-GB" baseline="0" dirty="0" smtClean="0"/>
+          </a:p>
+          <a:p>
+            <a:endParaRPr lang="en-GB" baseline="0" dirty="0" smtClean="0"/>
+          </a:p>
+          <a:p>
+            <a:endParaRPr lang="en-GB" baseline="0" dirty="0" smtClean="0"/>
+          </a:p>
+        </p:txBody>
+      </p:sp>
+      <p:sp>
+        <p:nvSpPr>
+          <p:cNvPr id="4" name="Slide Number Placeholder 3"/>
+          <p:cNvSpPr>
+            <a:spLocks noGrp="1"/>
+          </p:cNvSpPr>
+          <p:nvPr>
+            <p:ph type="sldNum" sz="quarter" idx="10"/>
+          </p:nvPr>
+        </p:nvSpPr>
+        <p:spPr/>
+        <p:txBody>
+          <a:bodyPr/>
+          <a:lstStyle/>
+          <a:p>
+            <a:fld id="{680E7421-152F-4C5F-A339-C37B49386B6D}" type="slidenum">
+              <a:rPr lang="en-GB" smtClean="0"/>
+              <a:pPr/>
+              <a:t>31</a:t>
+            </a:fld>
+            <a:endParaRPr lang="en-GB"/>
+          </a:p>
+        </p:txBody>
+      </p:sp>
+    </p:spTree>
+  </p:cSld>
+  <p:clrMapOvr>
+    <a:masterClrMapping/>
+  </p:clrMapOvr>
+</p:notes>
+</file>
+
+<file path=ppt/notesSlides/notesSlide23.xml><?xml version="1.0" encoding="utf-8"?>
+<p:notes xmlns:a="http://schemas.openxmlformats.org/drawingml/2006/main" xmlns:r="http://schemas.openxmlformats.org/officeDocument/2006/relationships" xmlns:p="http://schemas.openxmlformats.org/presentationml/2006/main">
+  <p:cSld>
+    <p:spTree>
+      <p:nvGrpSpPr>
+        <p:cNvPr id="1" name=""/>
+        <p:cNvGrpSpPr/>
+        <p:nvPr/>
+      </p:nvGrpSpPr>
+      <p:grpSpPr>
+        <a:xfrm>
+          <a:off x="0" y="0"/>
+          <a:ext cx="0" cy="0"/>
+          <a:chOff x="0" y="0"/>
+          <a:chExt cx="0" cy="0"/>
+        </a:xfrm>
+      </p:grpSpPr>
+      <p:sp>
+        <p:nvSpPr>
+          <p:cNvPr id="2" name="Slide Image Placeholder 1"/>
+          <p:cNvSpPr>
+            <a:spLocks noGrp="1" noRot="1" noChangeAspect="1"/>
+          </p:cNvSpPr>
+          <p:nvPr>
+            <p:ph type="sldImg"/>
+          </p:nvPr>
+        </p:nvSpPr>
+        <p:spPr/>
+      </p:sp>
+      <p:sp>
+        <p:nvSpPr>
+          <p:cNvPr id="3" name="Notes Placeholder 2"/>
+          <p:cNvSpPr>
+            <a:spLocks noGrp="1"/>
+          </p:cNvSpPr>
+          <p:nvPr>
+            <p:ph type="body" idx="1"/>
+          </p:nvPr>
+        </p:nvSpPr>
+        <p:spPr/>
+        <p:txBody>
+          <a:bodyPr>
+            <a:normAutofit/>
+          </a:bodyPr>
+          <a:lstStyle/>
+          <a:p>
+            <a:endParaRPr lang="en-GB" dirty="0"/>
+          </a:p>
+        </p:txBody>
+      </p:sp>
+      <p:sp>
+        <p:nvSpPr>
+          <p:cNvPr id="4" name="Slide Number Placeholder 3"/>
+          <p:cNvSpPr>
+            <a:spLocks noGrp="1"/>
+          </p:cNvSpPr>
+          <p:nvPr>
+            <p:ph type="sldNum" sz="quarter" idx="10"/>
+          </p:nvPr>
+        </p:nvSpPr>
+        <p:spPr/>
+        <p:txBody>
+          <a:bodyPr/>
+          <a:lstStyle/>
+          <a:p>
+            <a:fld id="{680E7421-152F-4C5F-A339-C37B49386B6D}" type="slidenum">
+              <a:rPr lang="en-GB" smtClean="0"/>
+              <a:pPr/>
+              <a:t>32</a:t>
+            </a:fld>
+            <a:endParaRPr lang="en-GB"/>
+          </a:p>
+        </p:txBody>
+      </p:sp>
+    </p:spTree>
+  </p:cSld>
+  <p:clrMapOvr>
+    <a:masterClrMapping/>
+  </p:clrMapOvr>
+</p:notes>
+</file>
+
+<file path=ppt/notesSlides/notesSlide24.xml><?xml version="1.0" encoding="utf-8"?>
+<p:notes xmlns:a="http://schemas.openxmlformats.org/drawingml/2006/main" xmlns:r="http://schemas.openxmlformats.org/officeDocument/2006/relationships" xmlns:p="http://schemas.openxmlformats.org/presentationml/2006/main">
+  <p:cSld>
+    <p:spTree>
+      <p:nvGrpSpPr>
+        <p:cNvPr id="1" name=""/>
+        <p:cNvGrpSpPr/>
+        <p:nvPr/>
+      </p:nvGrpSpPr>
+      <p:grpSpPr>
+        <a:xfrm>
+          <a:off x="0" y="0"/>
+          <a:ext cx="0" cy="0"/>
+          <a:chOff x="0" y="0"/>
+          <a:chExt cx="0" cy="0"/>
+        </a:xfrm>
+      </p:grpSpPr>
+      <p:sp>
+        <p:nvSpPr>
+          <p:cNvPr id="2" name="Slide Image Placeholder 1"/>
+          <p:cNvSpPr>
+            <a:spLocks noGrp="1" noRot="1" noChangeAspect="1"/>
+          </p:cNvSpPr>
+          <p:nvPr>
+            <p:ph type="sldImg"/>
+          </p:nvPr>
+        </p:nvSpPr>
+        <p:spPr/>
+      </p:sp>
+      <p:sp>
+        <p:nvSpPr>
+          <p:cNvPr id="3" name="Notes Placeholder 2"/>
+          <p:cNvSpPr>
+            <a:spLocks noGrp="1"/>
+          </p:cNvSpPr>
+          <p:nvPr>
+            <p:ph type="body" idx="1"/>
+          </p:nvPr>
+        </p:nvSpPr>
+        <p:spPr/>
+        <p:txBody>
+          <a:bodyPr>
+            <a:normAutofit/>
+          </a:bodyPr>
+          <a:lstStyle/>
+          <a:p>
+            <a:r>
+              <a:rPr lang="en-GB" dirty="0" smtClean="0"/>
+              <a:t>Be careful.</a:t>
+            </a:r>
+          </a:p>
+          <a:p>
+            <a:endParaRPr lang="en-GB" dirty="0" smtClean="0"/>
+          </a:p>
+          <a:p>
+            <a:r>
+              <a:rPr lang="en-GB" dirty="0" smtClean="0"/>
+              <a:t>Dates</a:t>
+            </a:r>
+            <a:r>
+              <a:rPr lang="en-GB" baseline="0" dirty="0" smtClean="0"/>
+              <a:t> – all date/times are true EXCEPT midnight on January 1</a:t>
+            </a:r>
+            <a:r>
+              <a:rPr lang="en-GB" baseline="30000" dirty="0" smtClean="0"/>
+              <a:t>st</a:t>
+            </a:r>
+            <a:r>
+              <a:rPr lang="en-GB" baseline="0" dirty="0" smtClean="0"/>
+              <a:t>, 1970. As someone said who was there "It was midnight, New Years Eve, the dawn of a new decade, and there was optimism everywhere; everyone thought Vietnam was over, Nixon was honest, and we'd all be living on the moon by 2001. Looking back on it – it *was* false"</a:t>
+            </a:r>
+          </a:p>
+          <a:p>
+            <a:endParaRPr lang="en-GB" baseline="0" dirty="0" smtClean="0"/>
+          </a:p>
+          <a:p>
+            <a:r>
+              <a:rPr lang="en-GB" baseline="0" dirty="0" smtClean="0"/>
+              <a:t>"false" is true. "0" is true. </a:t>
+            </a:r>
+          </a:p>
+          <a:p>
+            <a:endParaRPr lang="en-GB" baseline="0" dirty="0" smtClean="0"/>
+          </a:p>
+          <a:p>
+            <a:r>
+              <a:rPr lang="en-GB" baseline="0" dirty="0" smtClean="0"/>
+              <a:t>"5" + 3 = 53</a:t>
+            </a:r>
+          </a:p>
+          <a:p>
+            <a:r>
+              <a:rPr lang="en-GB" baseline="0" dirty="0" smtClean="0"/>
+              <a:t>"5" – 3 = 2</a:t>
+            </a:r>
+          </a:p>
+          <a:p>
+            <a:endParaRPr lang="en-GB" dirty="0"/>
+          </a:p>
+        </p:txBody>
+      </p:sp>
+      <p:sp>
+        <p:nvSpPr>
+          <p:cNvPr id="4" name="Slide Number Placeholder 3"/>
+          <p:cNvSpPr>
+            <a:spLocks noGrp="1"/>
+          </p:cNvSpPr>
+          <p:nvPr>
+            <p:ph type="sldNum" sz="quarter" idx="10"/>
+          </p:nvPr>
+        </p:nvSpPr>
+        <p:spPr/>
+        <p:txBody>
+          <a:bodyPr/>
+          <a:lstStyle/>
+          <a:p>
+            <a:fld id="{680E7421-152F-4C5F-A339-C37B49386B6D}" type="slidenum">
+              <a:rPr lang="en-GB" smtClean="0"/>
+              <a:pPr/>
+              <a:t>33</a:t>
+            </a:fld>
+            <a:endParaRPr lang="en-GB"/>
+          </a:p>
+        </p:txBody>
+      </p:sp>
+    </p:spTree>
+  </p:cSld>
+  <p:clrMapOvr>
+    <a:masterClrMapping/>
+  </p:clrMapOvr>
+</p:notes>
+</file>
+
+<file path=ppt/notesSlides/notesSlide25.xml><?xml version="1.0" encoding="utf-8"?>
+<p:notes xmlns:a="http://schemas.openxmlformats.org/drawingml/2006/main" xmlns:r="http://schemas.openxmlformats.org/officeDocument/2006/relationships" xmlns:p="http://schemas.openxmlformats.org/presentationml/2006/main">
+  <p:cSld>
+    <p:spTree>
+      <p:nvGrpSpPr>
+        <p:cNvPr id="1" name=""/>
+        <p:cNvGrpSpPr/>
+        <p:nvPr/>
+      </p:nvGrpSpPr>
+      <p:grpSpPr>
+        <a:xfrm>
+          <a:off x="0" y="0"/>
+          <a:ext cx="0" cy="0"/>
+          <a:chOff x="0" y="0"/>
+          <a:chExt cx="0" cy="0"/>
+        </a:xfrm>
+      </p:grpSpPr>
+      <p:sp>
+        <p:nvSpPr>
+          <p:cNvPr id="2" name="Slide Image Placeholder 1"/>
+          <p:cNvSpPr>
+            <a:spLocks noGrp="1" noRot="1" noChangeAspect="1"/>
+          </p:cNvSpPr>
+          <p:nvPr>
+            <p:ph type="sldImg"/>
+          </p:nvPr>
+        </p:nvSpPr>
+        <p:spPr/>
+      </p:sp>
+      <p:sp>
+        <p:nvSpPr>
+          <p:cNvPr id="3" name="Notes Placeholder 2"/>
+          <p:cNvSpPr>
+            <a:spLocks noGrp="1"/>
+          </p:cNvSpPr>
+          <p:nvPr>
+            <p:ph type="body" idx="1"/>
+          </p:nvPr>
+        </p:nvSpPr>
+        <p:spPr/>
+        <p:txBody>
+          <a:bodyPr>
+            <a:normAutofit/>
+          </a:bodyPr>
+          <a:lstStyle/>
+          <a:p>
+            <a:r>
+              <a:rPr lang="en-GB" dirty="0" err="1" smtClean="0"/>
+              <a:t>Javascript</a:t>
+            </a:r>
+            <a:r>
+              <a:rPr lang="en-GB" dirty="0" smtClean="0"/>
+              <a:t> defines NOTHING. The</a:t>
+            </a:r>
+            <a:r>
+              <a:rPr lang="en-GB" baseline="0" dirty="0" smtClean="0"/>
+              <a:t> core language has no networking, no I/O, no </a:t>
+            </a:r>
+            <a:r>
+              <a:rPr lang="en-GB" baseline="0" dirty="0" err="1" smtClean="0"/>
+              <a:t>filesystem</a:t>
+            </a:r>
+            <a:r>
+              <a:rPr lang="en-GB" baseline="0" dirty="0" smtClean="0"/>
+              <a:t> access – in fact, it doesn't even define any extension mechanism for adding these things.</a:t>
+            </a:r>
+          </a:p>
+          <a:p>
+            <a:endParaRPr lang="en-GB" baseline="0" dirty="0" smtClean="0"/>
+          </a:p>
+          <a:p>
+            <a:r>
+              <a:rPr lang="en-GB" baseline="0" dirty="0" smtClean="0"/>
+              <a:t>Making </a:t>
+            </a:r>
+            <a:r>
+              <a:rPr lang="en-GB" baseline="0" dirty="0" err="1" smtClean="0"/>
+              <a:t>Javascript</a:t>
+            </a:r>
+            <a:r>
+              <a:rPr lang="en-GB" baseline="0" dirty="0" smtClean="0"/>
+              <a:t> talk to the rest of the world is ALL about the host – the engine that's actually running the code.</a:t>
+            </a:r>
+          </a:p>
+          <a:p>
+            <a:endParaRPr lang="en-GB" baseline="0" dirty="0" smtClean="0"/>
+          </a:p>
+          <a:p>
+            <a:r>
+              <a:rPr lang="en-GB" baseline="0" dirty="0" smtClean="0"/>
+              <a:t>When the engine is a browser, </a:t>
+            </a:r>
+            <a:r>
+              <a:rPr lang="en-GB" baseline="0" dirty="0" err="1" smtClean="0"/>
+              <a:t>Javascript</a:t>
+            </a:r>
+            <a:r>
+              <a:rPr lang="en-GB" baseline="0" dirty="0" smtClean="0"/>
+              <a:t> gets full access to the DOM, and to various things like </a:t>
+            </a:r>
+            <a:r>
+              <a:rPr lang="en-GB" baseline="0" dirty="0" err="1" smtClean="0"/>
+              <a:t>XMLHttpRequest</a:t>
+            </a:r>
+            <a:r>
+              <a:rPr lang="en-GB" baseline="0" dirty="0" smtClean="0"/>
+              <a:t> that are exposed by the browser's </a:t>
+            </a:r>
+            <a:r>
+              <a:rPr lang="en-GB" baseline="0" dirty="0" err="1" smtClean="0"/>
+              <a:t>Javascript</a:t>
+            </a:r>
+            <a:r>
+              <a:rPr lang="en-GB" baseline="0" dirty="0" smtClean="0"/>
+              <a:t> runtime. You know that slide earlier about "</a:t>
+            </a:r>
+            <a:r>
+              <a:rPr lang="en-GB" baseline="0" dirty="0" err="1" smtClean="0"/>
+              <a:t>Javscript</a:t>
+            </a:r>
+            <a:r>
+              <a:rPr lang="en-GB" baseline="0" dirty="0" smtClean="0"/>
+              <a:t>: The Complete Guide" </a:t>
+            </a:r>
+            <a:r>
+              <a:rPr lang="en-GB" baseline="0" dirty="0" err="1" smtClean="0"/>
+              <a:t>vs</a:t>
+            </a:r>
+            <a:r>
+              <a:rPr lang="en-GB" baseline="0" dirty="0" smtClean="0"/>
+              <a:t> "</a:t>
+            </a:r>
+            <a:r>
+              <a:rPr lang="en-GB" baseline="0" dirty="0" err="1" smtClean="0"/>
+              <a:t>Javascript</a:t>
+            </a:r>
+            <a:r>
+              <a:rPr lang="en-GB" baseline="0" dirty="0" smtClean="0"/>
+              <a:t>: The Good Parts" ? That's because the Complete </a:t>
+            </a:r>
+            <a:r>
+              <a:rPr lang="en-GB" baseline="0" dirty="0" err="1" smtClean="0"/>
+              <a:t>GUide</a:t>
+            </a:r>
+            <a:r>
+              <a:rPr lang="en-GB" baseline="0" dirty="0" smtClean="0"/>
+              <a:t> actually covers every DOM element, event and attribute, and documents their cross-browser implementations and </a:t>
+            </a:r>
+            <a:r>
+              <a:rPr lang="en-GB" baseline="0" dirty="0" err="1" smtClean="0"/>
+              <a:t>compability</a:t>
+            </a:r>
+            <a:r>
+              <a:rPr lang="en-GB" baseline="0" dirty="0" smtClean="0"/>
+              <a:t> issues.</a:t>
+            </a:r>
+          </a:p>
+          <a:p>
+            <a:endParaRPr lang="en-GB" baseline="0" dirty="0" smtClean="0"/>
+          </a:p>
+          <a:p>
+            <a:endParaRPr lang="en-GB" baseline="0" dirty="0" smtClean="0"/>
+          </a:p>
+        </p:txBody>
+      </p:sp>
+      <p:sp>
+        <p:nvSpPr>
+          <p:cNvPr id="4" name="Slide Number Placeholder 3"/>
+          <p:cNvSpPr>
+            <a:spLocks noGrp="1"/>
+          </p:cNvSpPr>
+          <p:nvPr>
+            <p:ph type="sldNum" sz="quarter" idx="10"/>
+          </p:nvPr>
+        </p:nvSpPr>
+        <p:spPr/>
+        <p:txBody>
+          <a:bodyPr/>
+          <a:lstStyle/>
+          <a:p>
+            <a:fld id="{680E7421-152F-4C5F-A339-C37B49386B6D}" type="slidenum">
+              <a:rPr lang="en-GB" smtClean="0"/>
+              <a:pPr/>
+              <a:t>34</a:t>
+            </a:fld>
+            <a:endParaRPr lang="en-GB"/>
+          </a:p>
+        </p:txBody>
+      </p:sp>
+    </p:spTree>
+  </p:cSld>
+  <p:clrMapOvr>
+    <a:masterClrMapping/>
+  </p:clrMapOvr>
+</p:notes>
+</file>
+
+<file path=ppt/notesSlides/notesSlide26.xml><?xml version="1.0" encoding="utf-8"?>
+<p:notes xmlns:a="http://schemas.openxmlformats.org/drawingml/2006/main" xmlns:r="http://schemas.openxmlformats.org/officeDocument/2006/relationships" xmlns:p="http://schemas.openxmlformats.org/presentationml/2006/main">
+  <p:cSld>
+    <p:spTree>
+      <p:nvGrpSpPr>
+        <p:cNvPr id="1" name=""/>
+        <p:cNvGrpSpPr/>
+        <p:nvPr/>
+      </p:nvGrpSpPr>
+      <p:grpSpPr>
+        <a:xfrm>
+          <a:off x="0" y="0"/>
+          <a:ext cx="0" cy="0"/>
+          <a:chOff x="0" y="0"/>
+          <a:chExt cx="0" cy="0"/>
+        </a:xfrm>
+      </p:grpSpPr>
+      <p:sp>
+        <p:nvSpPr>
+          <p:cNvPr id="2" name="Slide Image Placeholder 1"/>
+          <p:cNvSpPr>
+            <a:spLocks noGrp="1" noRot="1" noChangeAspect="1"/>
+          </p:cNvSpPr>
+          <p:nvPr>
+            <p:ph type="sldImg"/>
+          </p:nvPr>
+        </p:nvSpPr>
+        <p:spPr/>
+      </p:sp>
+      <p:sp>
+        <p:nvSpPr>
+          <p:cNvPr id="3" name="Notes Placeholder 2"/>
+          <p:cNvSpPr>
+            <a:spLocks noGrp="1"/>
+          </p:cNvSpPr>
+          <p:nvPr>
+            <p:ph type="body" idx="1"/>
+          </p:nvPr>
+        </p:nvSpPr>
+        <p:spPr/>
+        <p:txBody>
+          <a:bodyPr>
+            <a:normAutofit/>
+          </a:bodyPr>
+          <a:lstStyle/>
+          <a:p>
+            <a:endParaRPr lang="en-GB" dirty="0"/>
+          </a:p>
+        </p:txBody>
+      </p:sp>
+      <p:sp>
+        <p:nvSpPr>
+          <p:cNvPr id="4" name="Slide Number Placeholder 3"/>
+          <p:cNvSpPr>
+            <a:spLocks noGrp="1"/>
+          </p:cNvSpPr>
+          <p:nvPr>
+            <p:ph type="sldNum" sz="quarter" idx="10"/>
+          </p:nvPr>
+        </p:nvSpPr>
+        <p:spPr/>
+        <p:txBody>
+          <a:bodyPr/>
+          <a:lstStyle/>
+          <a:p>
+            <a:fld id="{680E7421-152F-4C5F-A339-C37B49386B6D}" type="slidenum">
+              <a:rPr lang="en-GB" smtClean="0"/>
+              <a:pPr/>
+              <a:t>36</a:t>
+            </a:fld>
+            <a:endParaRPr lang="en-GB"/>
+          </a:p>
+        </p:txBody>
+      </p:sp>
+    </p:spTree>
   </p:cSld>
   <p:clrMapOvr>
     <a:masterClrMapping/>
@@ -2885,6 +3700,7 @@
           <a:p>
             <a:fld id="{680E7421-152F-4C5F-A339-C37B49386B6D}" type="slidenum">
               <a:rPr lang="en-GB" smtClean="0"/>
+              <a:pPr/>
               <a:t>4</a:t>
             </a:fld>
             <a:endParaRPr lang="en-GB"/>
@@ -2894,7 +3710,7 @@
     </p:spTree>
     <p:extLst>
       <p:ext uri="{BB962C8B-B14F-4D97-AF65-F5344CB8AC3E}">
-        <p14:creationId xmlns:p14="http://schemas.microsoft.com/office/powerpoint/2010/main" val="1031692254"/>
+        <p14:creationId xmlns:p14="http://schemas.microsoft.com/office/powerpoint/2010/main" xmlns="" val="1031692254"/>
       </p:ext>
     </p:extLst>
   </p:cSld>
@@ -2973,6 +3789,7 @@
           <a:p>
             <a:fld id="{680E7421-152F-4C5F-A339-C37B49386B6D}" type="slidenum">
               <a:rPr lang="en-GB" smtClean="0"/>
+              <a:pPr/>
               <a:t>5</a:t>
             </a:fld>
             <a:endParaRPr lang="en-GB"/>
@@ -2982,7 +3799,7 @@
     </p:spTree>
     <p:extLst>
       <p:ext uri="{BB962C8B-B14F-4D97-AF65-F5344CB8AC3E}">
-        <p14:creationId xmlns:p14="http://schemas.microsoft.com/office/powerpoint/2010/main" val="355567362"/>
+        <p14:creationId xmlns:p14="http://schemas.microsoft.com/office/powerpoint/2010/main" xmlns="" val="355567362"/>
       </p:ext>
     </p:extLst>
   </p:cSld>
@@ -3065,6 +3882,7 @@
           <a:p>
             <a:fld id="{680E7421-152F-4C5F-A339-C37B49386B6D}" type="slidenum">
               <a:rPr lang="en-GB" smtClean="0"/>
+              <a:pPr/>
               <a:t>6</a:t>
             </a:fld>
             <a:endParaRPr lang="en-GB"/>
@@ -3074,7 +3892,7 @@
     </p:spTree>
     <p:extLst>
       <p:ext uri="{BB962C8B-B14F-4D97-AF65-F5344CB8AC3E}">
-        <p14:creationId xmlns:p14="http://schemas.microsoft.com/office/powerpoint/2010/main" val="4045155336"/>
+        <p14:creationId xmlns:p14="http://schemas.microsoft.com/office/powerpoint/2010/main" xmlns="" val="4045155336"/>
       </p:ext>
     </p:extLst>
   </p:cSld>
@@ -3153,6 +3971,7 @@
           <a:p>
             <a:fld id="{680E7421-152F-4C5F-A339-C37B49386B6D}" type="slidenum">
               <a:rPr lang="en-GB" smtClean="0"/>
+              <a:pPr/>
               <a:t>7</a:t>
             </a:fld>
             <a:endParaRPr lang="en-GB"/>
@@ -3162,7 +3981,7 @@
     </p:spTree>
     <p:extLst>
       <p:ext uri="{BB962C8B-B14F-4D97-AF65-F5344CB8AC3E}">
-        <p14:creationId xmlns:p14="http://schemas.microsoft.com/office/powerpoint/2010/main" val="3296244990"/>
+        <p14:creationId xmlns:p14="http://schemas.microsoft.com/office/powerpoint/2010/main" xmlns="" val="3296244990"/>
       </p:ext>
     </p:extLst>
   </p:cSld>
@@ -3245,6 +4064,7 @@
           <a:p>
             <a:fld id="{680E7421-152F-4C5F-A339-C37B49386B6D}" type="slidenum">
               <a:rPr lang="en-GB" smtClean="0"/>
+              <a:pPr/>
               <a:t>8</a:t>
             </a:fld>
             <a:endParaRPr lang="en-GB"/>
@@ -3254,7 +4074,7 @@
     </p:spTree>
     <p:extLst>
       <p:ext uri="{BB962C8B-B14F-4D97-AF65-F5344CB8AC3E}">
-        <p14:creationId xmlns:p14="http://schemas.microsoft.com/office/powerpoint/2010/main" val="1000632246"/>
+        <p14:creationId xmlns:p14="http://schemas.microsoft.com/office/powerpoint/2010/main" xmlns="" val="1000632246"/>
       </p:ext>
     </p:extLst>
   </p:cSld>
@@ -3337,6 +4157,7 @@
           <a:p>
             <a:fld id="{680E7421-152F-4C5F-A339-C37B49386B6D}" type="slidenum">
               <a:rPr lang="en-GB" smtClean="0"/>
+              <a:pPr/>
               <a:t>9</a:t>
             </a:fld>
             <a:endParaRPr lang="en-GB"/>
@@ -3346,7 +4167,7 @@
     </p:spTree>
     <p:extLst>
       <p:ext uri="{BB962C8B-B14F-4D97-AF65-F5344CB8AC3E}">
-        <p14:creationId xmlns:p14="http://schemas.microsoft.com/office/powerpoint/2010/main" val="182042685"/>
+        <p14:creationId xmlns:p14="http://schemas.microsoft.com/office/powerpoint/2010/main" xmlns="" val="182042685"/>
       </p:ext>
     </p:extLst>
   </p:cSld>
@@ -3437,6 +4258,7 @@
           <a:p>
             <a:fld id="{680E7421-152F-4C5F-A339-C37B49386B6D}" type="slidenum">
               <a:rPr lang="en-GB" smtClean="0"/>
+              <a:pPr/>
               <a:t>10</a:t>
             </a:fld>
             <a:endParaRPr lang="en-GB"/>
@@ -3446,7 +4268,7 @@
     </p:spTree>
     <p:extLst>
       <p:ext uri="{BB962C8B-B14F-4D97-AF65-F5344CB8AC3E}">
-        <p14:creationId xmlns:p14="http://schemas.microsoft.com/office/powerpoint/2010/main" val="2946709928"/>
+        <p14:creationId xmlns:p14="http://schemas.microsoft.com/office/powerpoint/2010/main" xmlns="" val="2946709928"/>
       </p:ext>
     </p:extLst>
   </p:cSld>
@@ -3637,6 +4459,7 @@
           <a:p>
             <a:fld id="{79FF1FDB-4612-42CD-8C9A-3A5EF85AE542}" type="datetimeFigureOut">
               <a:rPr lang="en-GB" smtClean="0"/>
+              <a:pPr/>
               <a:t>04/04/2011</a:t>
             </a:fld>
             <a:endParaRPr lang="en-GB"/>
@@ -3679,6 +4502,7 @@
           <a:p>
             <a:fld id="{E5B8B548-BADF-4327-8D27-B4FBC30564E4}" type="slidenum">
               <a:rPr lang="en-GB" smtClean="0"/>
+              <a:pPr/>
               <a:t>‹#›</a:t>
             </a:fld>
             <a:endParaRPr lang="en-GB"/>
@@ -3688,7 +4512,7 @@
     </p:spTree>
     <p:extLst>
       <p:ext uri="{BB962C8B-B14F-4D97-AF65-F5344CB8AC3E}">
-        <p14:creationId xmlns:p14="http://schemas.microsoft.com/office/powerpoint/2010/main" val="2758244230"/>
+        <p14:creationId xmlns:p14="http://schemas.microsoft.com/office/powerpoint/2010/main" xmlns="" val="2758244230"/>
       </p:ext>
     </p:extLst>
   </p:cSld>
@@ -3807,6 +4631,7 @@
           <a:p>
             <a:fld id="{79FF1FDB-4612-42CD-8C9A-3A5EF85AE542}" type="datetimeFigureOut">
               <a:rPr lang="en-GB" smtClean="0"/>
+              <a:pPr/>
               <a:t>04/04/2011</a:t>
             </a:fld>
             <a:endParaRPr lang="en-GB"/>
@@ -3849,6 +4674,7 @@
           <a:p>
             <a:fld id="{E5B8B548-BADF-4327-8D27-B4FBC30564E4}" type="slidenum">
               <a:rPr lang="en-GB" smtClean="0"/>
+              <a:pPr/>
               <a:t>‹#›</a:t>
             </a:fld>
             <a:endParaRPr lang="en-GB"/>
@@ -3858,7 +4684,7 @@
     </p:spTree>
     <p:extLst>
       <p:ext uri="{BB962C8B-B14F-4D97-AF65-F5344CB8AC3E}">
-        <p14:creationId xmlns:p14="http://schemas.microsoft.com/office/powerpoint/2010/main" val="3574220041"/>
+        <p14:creationId xmlns:p14="http://schemas.microsoft.com/office/powerpoint/2010/main" xmlns="" val="3574220041"/>
       </p:ext>
     </p:extLst>
   </p:cSld>
@@ -3987,6 +4813,7 @@
           <a:p>
             <a:fld id="{79FF1FDB-4612-42CD-8C9A-3A5EF85AE542}" type="datetimeFigureOut">
               <a:rPr lang="en-GB" smtClean="0"/>
+              <a:pPr/>
               <a:t>04/04/2011</a:t>
             </a:fld>
             <a:endParaRPr lang="en-GB"/>
@@ -4029,6 +4856,7 @@
           <a:p>
             <a:fld id="{E5B8B548-BADF-4327-8D27-B4FBC30564E4}" type="slidenum">
               <a:rPr lang="en-GB" smtClean="0"/>
+              <a:pPr/>
               <a:t>‹#›</a:t>
             </a:fld>
             <a:endParaRPr lang="en-GB"/>
@@ -4038,7 +4866,7 @@
     </p:spTree>
     <p:extLst>
       <p:ext uri="{BB962C8B-B14F-4D97-AF65-F5344CB8AC3E}">
-        <p14:creationId xmlns:p14="http://schemas.microsoft.com/office/powerpoint/2010/main" val="3659696286"/>
+        <p14:creationId xmlns:p14="http://schemas.microsoft.com/office/powerpoint/2010/main" xmlns="" val="3659696286"/>
       </p:ext>
     </p:extLst>
   </p:cSld>
@@ -4157,6 +4985,7 @@
           <a:p>
             <a:fld id="{79FF1FDB-4612-42CD-8C9A-3A5EF85AE542}" type="datetimeFigureOut">
               <a:rPr lang="en-GB" smtClean="0"/>
+              <a:pPr/>
               <a:t>04/04/2011</a:t>
             </a:fld>
             <a:endParaRPr lang="en-GB"/>
@@ -4199,6 +5028,7 @@
           <a:p>
             <a:fld id="{E5B8B548-BADF-4327-8D27-B4FBC30564E4}" type="slidenum">
               <a:rPr lang="en-GB" smtClean="0"/>
+              <a:pPr/>
               <a:t>‹#›</a:t>
             </a:fld>
             <a:endParaRPr lang="en-GB"/>
@@ -4208,7 +5038,7 @@
     </p:spTree>
     <p:extLst>
       <p:ext uri="{BB962C8B-B14F-4D97-AF65-F5344CB8AC3E}">
-        <p14:creationId xmlns:p14="http://schemas.microsoft.com/office/powerpoint/2010/main" val="4195198214"/>
+        <p14:creationId xmlns:p14="http://schemas.microsoft.com/office/powerpoint/2010/main" xmlns="" val="4195198214"/>
       </p:ext>
     </p:extLst>
   </p:cSld>
@@ -4403,6 +5233,7 @@
           <a:p>
             <a:fld id="{79FF1FDB-4612-42CD-8C9A-3A5EF85AE542}" type="datetimeFigureOut">
               <a:rPr lang="en-GB" smtClean="0"/>
+              <a:pPr/>
               <a:t>04/04/2011</a:t>
             </a:fld>
             <a:endParaRPr lang="en-GB"/>
@@ -4445,6 +5276,7 @@
           <a:p>
             <a:fld id="{E5B8B548-BADF-4327-8D27-B4FBC30564E4}" type="slidenum">
               <a:rPr lang="en-GB" smtClean="0"/>
+              <a:pPr/>
               <a:t>‹#›</a:t>
             </a:fld>
             <a:endParaRPr lang="en-GB"/>
@@ -4454,7 +5286,7 @@
     </p:spTree>
     <p:extLst>
       <p:ext uri="{BB962C8B-B14F-4D97-AF65-F5344CB8AC3E}">
-        <p14:creationId xmlns:p14="http://schemas.microsoft.com/office/powerpoint/2010/main" val="2354423350"/>
+        <p14:creationId xmlns:p14="http://schemas.microsoft.com/office/powerpoint/2010/main" xmlns="" val="2354423350"/>
       </p:ext>
     </p:extLst>
   </p:cSld>
@@ -4691,6 +5523,7 @@
           <a:p>
             <a:fld id="{79FF1FDB-4612-42CD-8C9A-3A5EF85AE542}" type="datetimeFigureOut">
               <a:rPr lang="en-GB" smtClean="0"/>
+              <a:pPr/>
               <a:t>04/04/2011</a:t>
             </a:fld>
             <a:endParaRPr lang="en-GB"/>
@@ -4733,6 +5566,7 @@
           <a:p>
             <a:fld id="{E5B8B548-BADF-4327-8D27-B4FBC30564E4}" type="slidenum">
               <a:rPr lang="en-GB" smtClean="0"/>
+              <a:pPr/>
               <a:t>‹#›</a:t>
             </a:fld>
             <a:endParaRPr lang="en-GB"/>
@@ -4742,7 +5576,7 @@
     </p:spTree>
     <p:extLst>
       <p:ext uri="{BB962C8B-B14F-4D97-AF65-F5344CB8AC3E}">
-        <p14:creationId xmlns:p14="http://schemas.microsoft.com/office/powerpoint/2010/main" val="547036700"/>
+        <p14:creationId xmlns:p14="http://schemas.microsoft.com/office/powerpoint/2010/main" xmlns="" val="547036700"/>
       </p:ext>
     </p:extLst>
   </p:cSld>
@@ -5113,6 +5947,7 @@
           <a:p>
             <a:fld id="{79FF1FDB-4612-42CD-8C9A-3A5EF85AE542}" type="datetimeFigureOut">
               <a:rPr lang="en-GB" smtClean="0"/>
+              <a:pPr/>
               <a:t>04/04/2011</a:t>
             </a:fld>
             <a:endParaRPr lang="en-GB"/>
@@ -5155,6 +5990,7 @@
           <a:p>
             <a:fld id="{E5B8B548-BADF-4327-8D27-B4FBC30564E4}" type="slidenum">
               <a:rPr lang="en-GB" smtClean="0"/>
+              <a:pPr/>
               <a:t>‹#›</a:t>
             </a:fld>
             <a:endParaRPr lang="en-GB"/>
@@ -5164,7 +6000,7 @@
     </p:spTree>
     <p:extLst>
       <p:ext uri="{BB962C8B-B14F-4D97-AF65-F5344CB8AC3E}">
-        <p14:creationId xmlns:p14="http://schemas.microsoft.com/office/powerpoint/2010/main" val="2138923743"/>
+        <p14:creationId xmlns:p14="http://schemas.microsoft.com/office/powerpoint/2010/main" xmlns="" val="2138923743"/>
       </p:ext>
     </p:extLst>
   </p:cSld>
@@ -5231,6 +6067,7 @@
           <a:p>
             <a:fld id="{79FF1FDB-4612-42CD-8C9A-3A5EF85AE542}" type="datetimeFigureOut">
               <a:rPr lang="en-GB" smtClean="0"/>
+              <a:pPr/>
               <a:t>04/04/2011</a:t>
             </a:fld>
             <a:endParaRPr lang="en-GB"/>
@@ -5273,6 +6110,7 @@
           <a:p>
             <a:fld id="{E5B8B548-BADF-4327-8D27-B4FBC30564E4}" type="slidenum">
               <a:rPr lang="en-GB" smtClean="0"/>
+              <a:pPr/>
               <a:t>‹#›</a:t>
             </a:fld>
             <a:endParaRPr lang="en-GB"/>
@@ -5282,7 +6120,7 @@
     </p:spTree>
     <p:extLst>
       <p:ext uri="{BB962C8B-B14F-4D97-AF65-F5344CB8AC3E}">
-        <p14:creationId xmlns:p14="http://schemas.microsoft.com/office/powerpoint/2010/main" val="3597451202"/>
+        <p14:creationId xmlns:p14="http://schemas.microsoft.com/office/powerpoint/2010/main" xmlns="" val="3597451202"/>
       </p:ext>
     </p:extLst>
   </p:cSld>
@@ -5326,6 +6164,7 @@
           <a:p>
             <a:fld id="{79FF1FDB-4612-42CD-8C9A-3A5EF85AE542}" type="datetimeFigureOut">
               <a:rPr lang="en-GB" smtClean="0"/>
+              <a:pPr/>
               <a:t>04/04/2011</a:t>
             </a:fld>
             <a:endParaRPr lang="en-GB"/>
@@ -5368,6 +6207,7 @@
           <a:p>
             <a:fld id="{E5B8B548-BADF-4327-8D27-B4FBC30564E4}" type="slidenum">
               <a:rPr lang="en-GB" smtClean="0"/>
+              <a:pPr/>
               <a:t>‹#›</a:t>
             </a:fld>
             <a:endParaRPr lang="en-GB"/>
@@ -5377,7 +6217,7 @@
     </p:spTree>
     <p:extLst>
       <p:ext uri="{BB962C8B-B14F-4D97-AF65-F5344CB8AC3E}">
-        <p14:creationId xmlns:p14="http://schemas.microsoft.com/office/powerpoint/2010/main" val="2630420917"/>
+        <p14:creationId xmlns:p14="http://schemas.microsoft.com/office/powerpoint/2010/main" xmlns="" val="2630420917"/>
       </p:ext>
     </p:extLst>
   </p:cSld>
@@ -5603,6 +6443,7 @@
           <a:p>
             <a:fld id="{79FF1FDB-4612-42CD-8C9A-3A5EF85AE542}" type="datetimeFigureOut">
               <a:rPr lang="en-GB" smtClean="0"/>
+              <a:pPr/>
               <a:t>04/04/2011</a:t>
             </a:fld>
             <a:endParaRPr lang="en-GB"/>
@@ -5645,6 +6486,7 @@
           <a:p>
             <a:fld id="{E5B8B548-BADF-4327-8D27-B4FBC30564E4}" type="slidenum">
               <a:rPr lang="en-GB" smtClean="0"/>
+              <a:pPr/>
               <a:t>‹#›</a:t>
             </a:fld>
             <a:endParaRPr lang="en-GB"/>
@@ -5654,7 +6496,7 @@
     </p:spTree>
     <p:extLst>
       <p:ext uri="{BB962C8B-B14F-4D97-AF65-F5344CB8AC3E}">
-        <p14:creationId xmlns:p14="http://schemas.microsoft.com/office/powerpoint/2010/main" val="448021710"/>
+        <p14:creationId xmlns:p14="http://schemas.microsoft.com/office/powerpoint/2010/main" xmlns="" val="448021710"/>
       </p:ext>
     </p:extLst>
   </p:cSld>
@@ -5856,6 +6698,7 @@
           <a:p>
             <a:fld id="{79FF1FDB-4612-42CD-8C9A-3A5EF85AE542}" type="datetimeFigureOut">
               <a:rPr lang="en-GB" smtClean="0"/>
+              <a:pPr/>
               <a:t>04/04/2011</a:t>
             </a:fld>
             <a:endParaRPr lang="en-GB"/>
@@ -5898,6 +6741,7 @@
           <a:p>
             <a:fld id="{E5B8B548-BADF-4327-8D27-B4FBC30564E4}" type="slidenum">
               <a:rPr lang="en-GB" smtClean="0"/>
+              <a:pPr/>
               <a:t>‹#›</a:t>
             </a:fld>
             <a:endParaRPr lang="en-GB"/>
@@ -5907,7 +6751,7 @@
     </p:spTree>
     <p:extLst>
       <p:ext uri="{BB962C8B-B14F-4D97-AF65-F5344CB8AC3E}">
-        <p14:creationId xmlns:p14="http://schemas.microsoft.com/office/powerpoint/2010/main" val="2487262328"/>
+        <p14:creationId xmlns:p14="http://schemas.microsoft.com/office/powerpoint/2010/main" xmlns="" val="2487262328"/>
       </p:ext>
     </p:extLst>
   </p:cSld>
@@ -6069,6 +6913,7 @@
           <a:p>
             <a:fld id="{79FF1FDB-4612-42CD-8C9A-3A5EF85AE542}" type="datetimeFigureOut">
               <a:rPr lang="en-GB" smtClean="0"/>
+              <a:pPr/>
               <a:t>04/04/2011</a:t>
             </a:fld>
             <a:endParaRPr lang="en-GB"/>
@@ -6147,6 +6992,7 @@
           <a:p>
             <a:fld id="{E5B8B548-BADF-4327-8D27-B4FBC30564E4}" type="slidenum">
               <a:rPr lang="en-GB" smtClean="0"/>
+              <a:pPr/>
               <a:t>‹#›</a:t>
             </a:fld>
             <a:endParaRPr lang="en-GB"/>
@@ -6156,7 +7002,7 @@
     </p:spTree>
     <p:extLst>
       <p:ext uri="{BB962C8B-B14F-4D97-AF65-F5344CB8AC3E}">
-        <p14:creationId xmlns:p14="http://schemas.microsoft.com/office/powerpoint/2010/main" val="2538704773"/>
+        <p14:creationId xmlns:p14="http://schemas.microsoft.com/office/powerpoint/2010/main" xmlns="" val="2538704773"/>
       </p:ext>
     </p:extLst>
   </p:cSld>
@@ -7043,7 +7889,7 @@
     </p:spTree>
     <p:extLst>
       <p:ext uri="{BB962C8B-B14F-4D97-AF65-F5344CB8AC3E}">
-        <p14:creationId xmlns:p14="http://schemas.microsoft.com/office/powerpoint/2010/main" val="3533413541"/>
+        <p14:creationId xmlns:p14="http://schemas.microsoft.com/office/powerpoint/2010/main" xmlns="" val="3533413541"/>
       </p:ext>
     </p:extLst>
   </p:cSld>
@@ -7378,11 +8224,11 @@
   <p:clrMapOvr>
     <a:masterClrMapping/>
   </p:clrMapOvr>
-  <mc:AlternateContent xmlns:mc="http://schemas.openxmlformats.org/markup-compatibility/2006" xmlns:p14="http://schemas.microsoft.com/office/powerpoint/2010/main">
-    <mc:Choice Requires="p14">
+  <mc:AlternateContent xmlns:mc="http://schemas.openxmlformats.org/markup-compatibility/2006">
+    <mc:Choice xmlns:p14="http://schemas.microsoft.com/office/powerpoint/2010/main" xmlns="" Requires="p14">
       <p:transition spd="slow" p14:dur="2000"/>
     </mc:Choice>
-    <mc:Fallback xmlns="">
+    <mc:Fallback>
       <p:transition spd="slow"/>
     </mc:Fallback>
   </mc:AlternateContent>
@@ -7415,10 +8261,10 @@
           <p:nvPr/>
         </p:nvPicPr>
         <p:blipFill>
-          <a:blip r:embed="rId3">
+          <a:blip r:embed="rId3" cstate="print">
             <a:extLst>
               <a:ext uri="{28A0092B-C50C-407E-A947-70E740481C1C}">
-                <a14:useLocalDpi xmlns:a14="http://schemas.microsoft.com/office/drawing/2010/main" val="0"/>
+                <a14:useLocalDpi xmlns:a14="http://schemas.microsoft.com/office/drawing/2010/main" xmlns="" val="0"/>
               </a:ext>
             </a:extLst>
           </a:blip>
@@ -7438,7 +8284,7 @@
           <a:noFill/>
           <a:extLst>
             <a:ext uri="{909E8E84-426E-40DD-AFC4-6F175D3DCCD1}">
-              <a14:hiddenFill xmlns:a14="http://schemas.microsoft.com/office/drawing/2010/main">
+              <a14:hiddenFill xmlns:a14="http://schemas.microsoft.com/office/drawing/2010/main" xmlns="">
                 <a:solidFill>
                   <a:srgbClr val="FFFFFF"/>
                 </a:solidFill>
@@ -7561,10 +8407,10 @@
           <p:nvPr/>
         </p:nvPicPr>
         <p:blipFill>
-          <a:blip r:embed="rId4">
+          <a:blip r:embed="rId4" cstate="print">
             <a:extLst>
               <a:ext uri="{28A0092B-C50C-407E-A947-70E740481C1C}">
-                <a14:useLocalDpi xmlns:a14="http://schemas.microsoft.com/office/drawing/2010/main" val="0"/>
+                <a14:useLocalDpi xmlns:a14="http://schemas.microsoft.com/office/drawing/2010/main" xmlns="" val="0"/>
               </a:ext>
             </a:extLst>
           </a:blip>
@@ -7584,7 +8430,7 @@
           <a:noFill/>
           <a:extLst>
             <a:ext uri="{909E8E84-426E-40DD-AFC4-6F175D3DCCD1}">
-              <a14:hiddenFill xmlns:a14="http://schemas.microsoft.com/office/drawing/2010/main">
+              <a14:hiddenFill xmlns:a14="http://schemas.microsoft.com/office/drawing/2010/main" xmlns="">
                 <a:solidFill>
                   <a:srgbClr val="FFFFFF"/>
                 </a:solidFill>
@@ -7598,11 +8444,11 @@
   <p:clrMapOvr>
     <a:masterClrMapping/>
   </p:clrMapOvr>
-  <mc:AlternateContent xmlns:mc="http://schemas.openxmlformats.org/markup-compatibility/2006" xmlns:p14="http://schemas.microsoft.com/office/powerpoint/2010/main">
-    <mc:Choice Requires="p14">
+  <mc:AlternateContent xmlns:mc="http://schemas.openxmlformats.org/markup-compatibility/2006">
+    <mc:Choice xmlns:p14="http://schemas.microsoft.com/office/powerpoint/2010/main" xmlns="" Requires="p14">
       <p:transition spd="slow" p14:dur="2000"/>
     </mc:Choice>
-    <mc:Fallback xmlns="">
+    <mc:Fallback>
       <p:transition spd="slow"/>
     </mc:Fallback>
   </mc:AlternateContent>
@@ -7635,10 +8481,10 @@
           <p:nvPr/>
         </p:nvPicPr>
         <p:blipFill>
-          <a:blip r:embed="rId3">
+          <a:blip r:embed="rId3" cstate="print">
             <a:extLst>
               <a:ext uri="{28A0092B-C50C-407E-A947-70E740481C1C}">
-                <a14:useLocalDpi xmlns:a14="http://schemas.microsoft.com/office/drawing/2010/main" val="0"/>
+                <a14:useLocalDpi xmlns:a14="http://schemas.microsoft.com/office/drawing/2010/main" xmlns="" val="0"/>
               </a:ext>
             </a:extLst>
           </a:blip>
@@ -7658,7 +8504,7 @@
           <a:noFill/>
           <a:extLst>
             <a:ext uri="{909E8E84-426E-40DD-AFC4-6F175D3DCCD1}">
-              <a14:hiddenFill xmlns:a14="http://schemas.microsoft.com/office/drawing/2010/main">
+              <a14:hiddenFill xmlns:a14="http://schemas.microsoft.com/office/drawing/2010/main" xmlns="">
                 <a:solidFill>
                   <a:srgbClr val="FFFFFF"/>
                 </a:solidFill>
@@ -7781,10 +8627,10 @@
           <p:nvPr/>
         </p:nvPicPr>
         <p:blipFill>
-          <a:blip r:embed="rId4">
+          <a:blip r:embed="rId4" cstate="print">
             <a:extLst>
               <a:ext uri="{28A0092B-C50C-407E-A947-70E740481C1C}">
-                <a14:useLocalDpi xmlns:a14="http://schemas.microsoft.com/office/drawing/2010/main" val="0"/>
+                <a14:useLocalDpi xmlns:a14="http://schemas.microsoft.com/office/drawing/2010/main" xmlns="" val="0"/>
               </a:ext>
             </a:extLst>
           </a:blip>
@@ -7804,7 +8650,7 @@
           <a:noFill/>
           <a:extLst>
             <a:ext uri="{909E8E84-426E-40DD-AFC4-6F175D3DCCD1}">
-              <a14:hiddenFill xmlns:a14="http://schemas.microsoft.com/office/drawing/2010/main">
+              <a14:hiddenFill xmlns:a14="http://schemas.microsoft.com/office/drawing/2010/main" xmlns="">
                 <a:solidFill>
                   <a:srgbClr val="FFFFFF"/>
                 </a:solidFill>
@@ -7825,7 +8671,7 @@
           <a:blip r:embed="rId5" cstate="print">
             <a:extLst>
               <a:ext uri="{28A0092B-C50C-407E-A947-70E740481C1C}">
-                <a14:useLocalDpi xmlns:a14="http://schemas.microsoft.com/office/drawing/2010/main" val="0"/>
+                <a14:useLocalDpi xmlns:a14="http://schemas.microsoft.com/office/drawing/2010/main" xmlns="" val="0"/>
               </a:ext>
             </a:extLst>
           </a:blip>
@@ -7845,7 +8691,7 @@
           <a:noFill/>
           <a:extLst>
             <a:ext uri="{909E8E84-426E-40DD-AFC4-6F175D3DCCD1}">
-              <a14:hiddenFill xmlns:a14="http://schemas.microsoft.com/office/drawing/2010/main">
+              <a14:hiddenFill xmlns:a14="http://schemas.microsoft.com/office/drawing/2010/main" xmlns="">
                 <a:solidFill>
                   <a:srgbClr val="FFFFFF"/>
                 </a:solidFill>
@@ -7857,18 +8703,18 @@
     </p:spTree>
     <p:extLst>
       <p:ext uri="{BB962C8B-B14F-4D97-AF65-F5344CB8AC3E}">
-        <p14:creationId xmlns:p14="http://schemas.microsoft.com/office/powerpoint/2010/main" val="910850063"/>
+        <p14:creationId xmlns:p14="http://schemas.microsoft.com/office/powerpoint/2010/main" xmlns="" val="910850063"/>
       </p:ext>
     </p:extLst>
   </p:cSld>
   <p:clrMapOvr>
     <a:masterClrMapping/>
   </p:clrMapOvr>
-  <mc:AlternateContent xmlns:mc="http://schemas.openxmlformats.org/markup-compatibility/2006" xmlns:p14="http://schemas.microsoft.com/office/powerpoint/2010/main">
-    <mc:Choice Requires="p14">
+  <mc:AlternateContent xmlns:mc="http://schemas.openxmlformats.org/markup-compatibility/2006">
+    <mc:Choice xmlns:p14="http://schemas.microsoft.com/office/powerpoint/2010/main" xmlns="" Requires="p14">
       <p:transition spd="slow" p14:dur="2000"/>
     </mc:Choice>
-    <mc:Fallback xmlns="">
+    <mc:Fallback>
       <p:transition spd="slow"/>
     </mc:Fallback>
   </mc:AlternateContent>
@@ -7901,10 +8747,10 @@
           <p:nvPr/>
         </p:nvPicPr>
         <p:blipFill>
-          <a:blip r:embed="rId3">
+          <a:blip r:embed="rId3" cstate="print">
             <a:extLst>
               <a:ext uri="{28A0092B-C50C-407E-A947-70E740481C1C}">
-                <a14:useLocalDpi xmlns:a14="http://schemas.microsoft.com/office/drawing/2010/main" val="0"/>
+                <a14:useLocalDpi xmlns:a14="http://schemas.microsoft.com/office/drawing/2010/main" xmlns="" val="0"/>
               </a:ext>
             </a:extLst>
           </a:blip>
@@ -7924,7 +8770,7 @@
           <a:noFill/>
           <a:extLst>
             <a:ext uri="{909E8E84-426E-40DD-AFC4-6F175D3DCCD1}">
-              <a14:hiddenFill xmlns:a14="http://schemas.microsoft.com/office/drawing/2010/main">
+              <a14:hiddenFill xmlns:a14="http://schemas.microsoft.com/office/drawing/2010/main" xmlns="">
                 <a:solidFill>
                   <a:srgbClr val="FFFFFF"/>
                 </a:solidFill>
@@ -8088,10 +8934,10 @@
           <p:nvPr/>
         </p:nvPicPr>
         <p:blipFill>
-          <a:blip r:embed="rId4">
+          <a:blip r:embed="rId4" cstate="print">
             <a:extLst>
               <a:ext uri="{28A0092B-C50C-407E-A947-70E740481C1C}">
-                <a14:useLocalDpi xmlns:a14="http://schemas.microsoft.com/office/drawing/2010/main" val="0"/>
+                <a14:useLocalDpi xmlns:a14="http://schemas.microsoft.com/office/drawing/2010/main" xmlns="" val="0"/>
               </a:ext>
             </a:extLst>
           </a:blip>
@@ -8111,7 +8957,7 @@
           <a:noFill/>
           <a:extLst>
             <a:ext uri="{909E8E84-426E-40DD-AFC4-6F175D3DCCD1}">
-              <a14:hiddenFill xmlns:a14="http://schemas.microsoft.com/office/drawing/2010/main">
+              <a14:hiddenFill xmlns:a14="http://schemas.microsoft.com/office/drawing/2010/main" xmlns="">
                 <a:solidFill>
                   <a:srgbClr val="FFFFFF"/>
                 </a:solidFill>
@@ -8132,7 +8978,7 @@
           <a:blip r:embed="rId5" cstate="print">
             <a:extLst>
               <a:ext uri="{28A0092B-C50C-407E-A947-70E740481C1C}">
-                <a14:useLocalDpi xmlns:a14="http://schemas.microsoft.com/office/drawing/2010/main" val="0"/>
+                <a14:useLocalDpi xmlns:a14="http://schemas.microsoft.com/office/drawing/2010/main" xmlns="" val="0"/>
               </a:ext>
             </a:extLst>
           </a:blip>
@@ -8152,7 +8998,7 @@
           <a:noFill/>
           <a:extLst>
             <a:ext uri="{909E8E84-426E-40DD-AFC4-6F175D3DCCD1}">
-              <a14:hiddenFill xmlns:a14="http://schemas.microsoft.com/office/drawing/2010/main">
+              <a14:hiddenFill xmlns:a14="http://schemas.microsoft.com/office/drawing/2010/main" xmlns="">
                 <a:solidFill>
                   <a:srgbClr val="FFFFFF"/>
                 </a:solidFill>
@@ -8170,10 +9016,10 @@
           <p:nvPr/>
         </p:nvPicPr>
         <p:blipFill>
-          <a:blip r:embed="rId6">
+          <a:blip r:embed="rId6" cstate="print">
             <a:extLst>
               <a:ext uri="{28A0092B-C50C-407E-A947-70E740481C1C}">
-                <a14:useLocalDpi xmlns:a14="http://schemas.microsoft.com/office/drawing/2010/main" val="0"/>
+                <a14:useLocalDpi xmlns:a14="http://schemas.microsoft.com/office/drawing/2010/main" xmlns="" val="0"/>
               </a:ext>
             </a:extLst>
           </a:blip>
@@ -8193,7 +9039,7 @@
           <a:noFill/>
           <a:extLst>
             <a:ext uri="{909E8E84-426E-40DD-AFC4-6F175D3DCCD1}">
-              <a14:hiddenFill xmlns:a14="http://schemas.microsoft.com/office/drawing/2010/main">
+              <a14:hiddenFill xmlns:a14="http://schemas.microsoft.com/office/drawing/2010/main" xmlns="">
                 <a:solidFill>
                   <a:srgbClr val="FFFFFF"/>
                 </a:solidFill>
@@ -8211,10 +9057,10 @@
           <p:nvPr/>
         </p:nvPicPr>
         <p:blipFill>
-          <a:blip r:embed="rId7">
+          <a:blip r:embed="rId7" cstate="print">
             <a:extLst>
               <a:ext uri="{28A0092B-C50C-407E-A947-70E740481C1C}">
-                <a14:useLocalDpi xmlns:a14="http://schemas.microsoft.com/office/drawing/2010/main" val="0"/>
+                <a14:useLocalDpi xmlns:a14="http://schemas.microsoft.com/office/drawing/2010/main" xmlns="" val="0"/>
               </a:ext>
             </a:extLst>
           </a:blip>
@@ -8234,7 +9080,7 @@
           <a:noFill/>
           <a:extLst>
             <a:ext uri="{909E8E84-426E-40DD-AFC4-6F175D3DCCD1}">
-              <a14:hiddenFill xmlns:a14="http://schemas.microsoft.com/office/drawing/2010/main">
+              <a14:hiddenFill xmlns:a14="http://schemas.microsoft.com/office/drawing/2010/main" xmlns="">
                 <a:solidFill>
                   <a:srgbClr val="FFFFFF"/>
                 </a:solidFill>
@@ -8246,7 +9092,7 @@
     </p:spTree>
     <p:extLst>
       <p:ext uri="{BB962C8B-B14F-4D97-AF65-F5344CB8AC3E}">
-        <p14:creationId xmlns:p14="http://schemas.microsoft.com/office/powerpoint/2010/main" val="1673023839"/>
+        <p14:creationId xmlns:p14="http://schemas.microsoft.com/office/powerpoint/2010/main" xmlns="" val="1673023839"/>
       </p:ext>
     </p:extLst>
   </p:cSld>
@@ -8282,10 +9128,10 @@
           <p:nvPr/>
         </p:nvPicPr>
         <p:blipFill>
-          <a:blip r:embed="rId3">
+          <a:blip r:embed="rId3" cstate="print">
             <a:extLst>
               <a:ext uri="{28A0092B-C50C-407E-A947-70E740481C1C}">
-                <a14:useLocalDpi xmlns:a14="http://schemas.microsoft.com/office/drawing/2010/main" val="0"/>
+                <a14:useLocalDpi xmlns:a14="http://schemas.microsoft.com/office/drawing/2010/main" xmlns="" val="0"/>
               </a:ext>
             </a:extLst>
           </a:blip>
@@ -8305,7 +9151,7 @@
           <a:noFill/>
           <a:extLst>
             <a:ext uri="{909E8E84-426E-40DD-AFC4-6F175D3DCCD1}">
-              <a14:hiddenFill xmlns:a14="http://schemas.microsoft.com/office/drawing/2010/main">
+              <a14:hiddenFill xmlns:a14="http://schemas.microsoft.com/office/drawing/2010/main" xmlns="">
                 <a:solidFill>
                   <a:srgbClr val="FFFFFF"/>
                 </a:solidFill>
@@ -8323,10 +9169,10 @@
           <p:nvPr/>
         </p:nvPicPr>
         <p:blipFill>
-          <a:blip r:embed="rId4">
+          <a:blip r:embed="rId4" cstate="print">
             <a:extLst>
               <a:ext uri="{28A0092B-C50C-407E-A947-70E740481C1C}">
-                <a14:useLocalDpi xmlns:a14="http://schemas.microsoft.com/office/drawing/2010/main" val="0"/>
+                <a14:useLocalDpi xmlns:a14="http://schemas.microsoft.com/office/drawing/2010/main" xmlns="" val="0"/>
               </a:ext>
             </a:extLst>
           </a:blip>
@@ -8346,7 +9192,7 @@
           <a:noFill/>
           <a:extLst>
             <a:ext uri="{909E8E84-426E-40DD-AFC4-6F175D3DCCD1}">
-              <a14:hiddenFill xmlns:a14="http://schemas.microsoft.com/office/drawing/2010/main">
+              <a14:hiddenFill xmlns:a14="http://schemas.microsoft.com/office/drawing/2010/main" xmlns="">
                 <a:solidFill>
                   <a:srgbClr val="FFFFFF"/>
                 </a:solidFill>
@@ -8367,7 +9213,7 @@
           <a:blip r:embed="rId5" cstate="print">
             <a:extLst>
               <a:ext uri="{28A0092B-C50C-407E-A947-70E740481C1C}">
-                <a14:useLocalDpi xmlns:a14="http://schemas.microsoft.com/office/drawing/2010/main" val="0"/>
+                <a14:useLocalDpi xmlns:a14="http://schemas.microsoft.com/office/drawing/2010/main" xmlns="" val="0"/>
               </a:ext>
             </a:extLst>
           </a:blip>
@@ -8387,7 +9233,7 @@
           <a:noFill/>
           <a:extLst>
             <a:ext uri="{909E8E84-426E-40DD-AFC4-6F175D3DCCD1}">
-              <a14:hiddenFill xmlns:a14="http://schemas.microsoft.com/office/drawing/2010/main">
+              <a14:hiddenFill xmlns:a14="http://schemas.microsoft.com/office/drawing/2010/main" xmlns="">
                 <a:solidFill>
                   <a:srgbClr val="FFFFFF"/>
                 </a:solidFill>
@@ -8405,10 +9251,10 @@
           <p:nvPr/>
         </p:nvPicPr>
         <p:blipFill>
-          <a:blip r:embed="rId6">
+          <a:blip r:embed="rId6" cstate="print">
             <a:extLst>
               <a:ext uri="{28A0092B-C50C-407E-A947-70E740481C1C}">
-                <a14:useLocalDpi xmlns:a14="http://schemas.microsoft.com/office/drawing/2010/main" val="0"/>
+                <a14:useLocalDpi xmlns:a14="http://schemas.microsoft.com/office/drawing/2010/main" xmlns="" val="0"/>
               </a:ext>
             </a:extLst>
           </a:blip>
@@ -8428,7 +9274,7 @@
           <a:noFill/>
           <a:extLst>
             <a:ext uri="{909E8E84-426E-40DD-AFC4-6F175D3DCCD1}">
-              <a14:hiddenFill xmlns:a14="http://schemas.microsoft.com/office/drawing/2010/main">
+              <a14:hiddenFill xmlns:a14="http://schemas.microsoft.com/office/drawing/2010/main" xmlns="">
                 <a:solidFill>
                   <a:srgbClr val="FFFFFF"/>
                 </a:solidFill>
@@ -8446,10 +9292,10 @@
           <p:nvPr/>
         </p:nvPicPr>
         <p:blipFill>
-          <a:blip r:embed="rId7">
+          <a:blip r:embed="rId7" cstate="print">
             <a:extLst>
               <a:ext uri="{28A0092B-C50C-407E-A947-70E740481C1C}">
-                <a14:useLocalDpi xmlns:a14="http://schemas.microsoft.com/office/drawing/2010/main" val="0"/>
+                <a14:useLocalDpi xmlns:a14="http://schemas.microsoft.com/office/drawing/2010/main" xmlns="" val="0"/>
               </a:ext>
             </a:extLst>
           </a:blip>
@@ -8469,7 +9315,7 @@
           <a:noFill/>
           <a:extLst>
             <a:ext uri="{909E8E84-426E-40DD-AFC4-6F175D3DCCD1}">
-              <a14:hiddenFill xmlns:a14="http://schemas.microsoft.com/office/drawing/2010/main">
+              <a14:hiddenFill xmlns:a14="http://schemas.microsoft.com/office/drawing/2010/main" xmlns="">
                 <a:solidFill>
                   <a:srgbClr val="FFFFFF"/>
                 </a:solidFill>
@@ -8487,10 +9333,10 @@
           <p:nvPr/>
         </p:nvPicPr>
         <p:blipFill>
-          <a:blip r:embed="rId8">
+          <a:blip r:embed="rId8" cstate="print">
             <a:extLst>
               <a:ext uri="{28A0092B-C50C-407E-A947-70E740481C1C}">
-                <a14:useLocalDpi xmlns:a14="http://schemas.microsoft.com/office/drawing/2010/main" val="0"/>
+                <a14:useLocalDpi xmlns:a14="http://schemas.microsoft.com/office/drawing/2010/main" xmlns="" val="0"/>
               </a:ext>
             </a:extLst>
           </a:blip>
@@ -8510,7 +9356,7 @@
           <a:noFill/>
           <a:extLst>
             <a:ext uri="{909E8E84-426E-40DD-AFC4-6F175D3DCCD1}">
-              <a14:hiddenFill xmlns:a14="http://schemas.microsoft.com/office/drawing/2010/main">
+              <a14:hiddenFill xmlns:a14="http://schemas.microsoft.com/office/drawing/2010/main" xmlns="">
                 <a:solidFill>
                   <a:srgbClr val="FFFFFF"/>
                 </a:solidFill>
@@ -8528,10 +9374,10 @@
           <p:nvPr/>
         </p:nvPicPr>
         <p:blipFill>
-          <a:blip r:embed="rId9">
+          <a:blip r:embed="rId9" cstate="print">
             <a:extLst>
               <a:ext uri="{28A0092B-C50C-407E-A947-70E740481C1C}">
-                <a14:useLocalDpi xmlns:a14="http://schemas.microsoft.com/office/drawing/2010/main" val="0"/>
+                <a14:useLocalDpi xmlns:a14="http://schemas.microsoft.com/office/drawing/2010/main" xmlns="" val="0"/>
               </a:ext>
             </a:extLst>
           </a:blip>
@@ -8551,7 +9397,7 @@
           <a:noFill/>
           <a:extLst>
             <a:ext uri="{909E8E84-426E-40DD-AFC4-6F175D3DCCD1}">
-              <a14:hiddenFill xmlns:a14="http://schemas.microsoft.com/office/drawing/2010/main">
+              <a14:hiddenFill xmlns:a14="http://schemas.microsoft.com/office/drawing/2010/main" xmlns="">
                 <a:solidFill>
                   <a:srgbClr val="FFFFFF"/>
                 </a:solidFill>
@@ -8563,18 +9409,18 @@
     </p:spTree>
     <p:extLst>
       <p:ext uri="{BB962C8B-B14F-4D97-AF65-F5344CB8AC3E}">
-        <p14:creationId xmlns:p14="http://schemas.microsoft.com/office/powerpoint/2010/main" val="837701220"/>
+        <p14:creationId xmlns:p14="http://schemas.microsoft.com/office/powerpoint/2010/main" xmlns="" val="837701220"/>
       </p:ext>
     </p:extLst>
   </p:cSld>
   <p:clrMapOvr>
     <a:masterClrMapping/>
   </p:clrMapOvr>
-  <mc:AlternateContent xmlns:mc="http://schemas.openxmlformats.org/markup-compatibility/2006" xmlns:p14="http://schemas.microsoft.com/office/powerpoint/2010/main">
-    <mc:Choice Requires="p14">
+  <mc:AlternateContent xmlns:mc="http://schemas.openxmlformats.org/markup-compatibility/2006">
+    <mc:Choice xmlns:p14="http://schemas.microsoft.com/office/powerpoint/2010/main" xmlns="" Requires="p14">
       <p:transition spd="slow" p14:dur="2000"/>
     </mc:Choice>
-    <mc:Fallback xmlns="">
+    <mc:Fallback>
       <p:transition spd="slow"/>
     </mc:Fallback>
   </mc:AlternateContent>
@@ -8626,10 +9472,10 @@
           <p:nvPr/>
         </p:nvPicPr>
         <p:blipFill>
-          <a:blip r:embed="rId3">
+          <a:blip r:embed="rId3" cstate="print">
             <a:extLst>
               <a:ext uri="{28A0092B-C50C-407E-A947-70E740481C1C}">
-                <a14:useLocalDpi xmlns:a14="http://schemas.microsoft.com/office/drawing/2010/main" val="0"/>
+                <a14:useLocalDpi xmlns:a14="http://schemas.microsoft.com/office/drawing/2010/main" xmlns="" val="0"/>
               </a:ext>
             </a:extLst>
           </a:blip>
@@ -8649,7 +9495,7 @@
           <a:noFill/>
           <a:extLst>
             <a:ext uri="{909E8E84-426E-40DD-AFC4-6F175D3DCCD1}">
-              <a14:hiddenFill xmlns:a14="http://schemas.microsoft.com/office/drawing/2010/main">
+              <a14:hiddenFill xmlns:a14="http://schemas.microsoft.com/office/drawing/2010/main" xmlns="">
                 <a:solidFill>
                   <a:srgbClr val="FFFFFF"/>
                 </a:solidFill>
@@ -8667,10 +9513,10 @@
           <p:nvPr/>
         </p:nvPicPr>
         <p:blipFill>
-          <a:blip r:embed="rId4">
+          <a:blip r:embed="rId4" cstate="print">
             <a:extLst>
               <a:ext uri="{28A0092B-C50C-407E-A947-70E740481C1C}">
-                <a14:useLocalDpi xmlns:a14="http://schemas.microsoft.com/office/drawing/2010/main" val="0"/>
+                <a14:useLocalDpi xmlns:a14="http://schemas.microsoft.com/office/drawing/2010/main" xmlns="" val="0"/>
               </a:ext>
             </a:extLst>
           </a:blip>
@@ -8690,7 +9536,7 @@
           <a:noFill/>
           <a:extLst>
             <a:ext uri="{909E8E84-426E-40DD-AFC4-6F175D3DCCD1}">
-              <a14:hiddenFill xmlns:a14="http://schemas.microsoft.com/office/drawing/2010/main">
+              <a14:hiddenFill xmlns:a14="http://schemas.microsoft.com/office/drawing/2010/main" xmlns="">
                 <a:solidFill>
                   <a:srgbClr val="FFFFFF"/>
                 </a:solidFill>
@@ -8711,7 +9557,7 @@
           <a:blip r:embed="rId5" cstate="print">
             <a:extLst>
               <a:ext uri="{28A0092B-C50C-407E-A947-70E740481C1C}">
-                <a14:useLocalDpi xmlns:a14="http://schemas.microsoft.com/office/drawing/2010/main" val="0"/>
+                <a14:useLocalDpi xmlns:a14="http://schemas.microsoft.com/office/drawing/2010/main" xmlns="" val="0"/>
               </a:ext>
             </a:extLst>
           </a:blip>
@@ -8731,7 +9577,7 @@
           <a:noFill/>
           <a:extLst>
             <a:ext uri="{909E8E84-426E-40DD-AFC4-6F175D3DCCD1}">
-              <a14:hiddenFill xmlns:a14="http://schemas.microsoft.com/office/drawing/2010/main">
+              <a14:hiddenFill xmlns:a14="http://schemas.microsoft.com/office/drawing/2010/main" xmlns="">
                 <a:solidFill>
                   <a:srgbClr val="FFFFFF"/>
                 </a:solidFill>
@@ -8749,10 +9595,10 @@
           <p:nvPr/>
         </p:nvPicPr>
         <p:blipFill>
-          <a:blip r:embed="rId6">
+          <a:blip r:embed="rId6" cstate="print">
             <a:extLst>
               <a:ext uri="{28A0092B-C50C-407E-A947-70E740481C1C}">
-                <a14:useLocalDpi xmlns:a14="http://schemas.microsoft.com/office/drawing/2010/main" val="0"/>
+                <a14:useLocalDpi xmlns:a14="http://schemas.microsoft.com/office/drawing/2010/main" xmlns="" val="0"/>
               </a:ext>
             </a:extLst>
           </a:blip>
@@ -8772,7 +9618,7 @@
           <a:noFill/>
           <a:extLst>
             <a:ext uri="{909E8E84-426E-40DD-AFC4-6F175D3DCCD1}">
-              <a14:hiddenFill xmlns:a14="http://schemas.microsoft.com/office/drawing/2010/main">
+              <a14:hiddenFill xmlns:a14="http://schemas.microsoft.com/office/drawing/2010/main" xmlns="">
                 <a:solidFill>
                   <a:srgbClr val="FFFFFF"/>
                 </a:solidFill>
@@ -8790,10 +9636,10 @@
           <p:nvPr/>
         </p:nvPicPr>
         <p:blipFill>
-          <a:blip r:embed="rId7">
+          <a:blip r:embed="rId7" cstate="print">
             <a:extLst>
               <a:ext uri="{28A0092B-C50C-407E-A947-70E740481C1C}">
-                <a14:useLocalDpi xmlns:a14="http://schemas.microsoft.com/office/drawing/2010/main" val="0"/>
+                <a14:useLocalDpi xmlns:a14="http://schemas.microsoft.com/office/drawing/2010/main" xmlns="" val="0"/>
               </a:ext>
             </a:extLst>
           </a:blip>
@@ -8813,7 +9659,7 @@
           <a:noFill/>
           <a:extLst>
             <a:ext uri="{909E8E84-426E-40DD-AFC4-6F175D3DCCD1}">
-              <a14:hiddenFill xmlns:a14="http://schemas.microsoft.com/office/drawing/2010/main">
+              <a14:hiddenFill xmlns:a14="http://schemas.microsoft.com/office/drawing/2010/main" xmlns="">
                 <a:solidFill>
                   <a:srgbClr val="FFFFFF"/>
                 </a:solidFill>
@@ -8831,10 +9677,10 @@
           <p:nvPr/>
         </p:nvPicPr>
         <p:blipFill>
-          <a:blip r:embed="rId8">
+          <a:blip r:embed="rId8" cstate="print">
             <a:extLst>
               <a:ext uri="{28A0092B-C50C-407E-A947-70E740481C1C}">
-                <a14:useLocalDpi xmlns:a14="http://schemas.microsoft.com/office/drawing/2010/main" val="0"/>
+                <a14:useLocalDpi xmlns:a14="http://schemas.microsoft.com/office/drawing/2010/main" xmlns="" val="0"/>
               </a:ext>
             </a:extLst>
           </a:blip>
@@ -8854,7 +9700,7 @@
           <a:noFill/>
           <a:extLst>
             <a:ext uri="{909E8E84-426E-40DD-AFC4-6F175D3DCCD1}">
-              <a14:hiddenFill xmlns:a14="http://schemas.microsoft.com/office/drawing/2010/main">
+              <a14:hiddenFill xmlns:a14="http://schemas.microsoft.com/office/drawing/2010/main" xmlns="">
                 <a:solidFill>
                   <a:srgbClr val="FFFFFF"/>
                 </a:solidFill>
@@ -8872,10 +9718,10 @@
           <p:nvPr/>
         </p:nvPicPr>
         <p:blipFill>
-          <a:blip r:embed="rId9">
+          <a:blip r:embed="rId9" cstate="print">
             <a:extLst>
               <a:ext uri="{28A0092B-C50C-407E-A947-70E740481C1C}">
-                <a14:useLocalDpi xmlns:a14="http://schemas.microsoft.com/office/drawing/2010/main" val="0"/>
+                <a14:useLocalDpi xmlns:a14="http://schemas.microsoft.com/office/drawing/2010/main" xmlns="" val="0"/>
               </a:ext>
             </a:extLst>
           </a:blip>
@@ -8895,7 +9741,7 @@
           <a:noFill/>
           <a:extLst>
             <a:ext uri="{909E8E84-426E-40DD-AFC4-6F175D3DCCD1}">
-              <a14:hiddenFill xmlns:a14="http://schemas.microsoft.com/office/drawing/2010/main">
+              <a14:hiddenFill xmlns:a14="http://schemas.microsoft.com/office/drawing/2010/main" xmlns="">
                 <a:solidFill>
                   <a:srgbClr val="FFFFFF"/>
                 </a:solidFill>
@@ -8907,18 +9753,18 @@
     </p:spTree>
     <p:extLst>
       <p:ext uri="{BB962C8B-B14F-4D97-AF65-F5344CB8AC3E}">
-        <p14:creationId xmlns:p14="http://schemas.microsoft.com/office/powerpoint/2010/main" val="1937642497"/>
+        <p14:creationId xmlns:p14="http://schemas.microsoft.com/office/powerpoint/2010/main" xmlns="" val="1937642497"/>
       </p:ext>
     </p:extLst>
   </p:cSld>
   <p:clrMapOvr>
     <a:masterClrMapping/>
   </p:clrMapOvr>
-  <mc:AlternateContent xmlns:mc="http://schemas.openxmlformats.org/markup-compatibility/2006" xmlns:p14="http://schemas.microsoft.com/office/powerpoint/2010/main">
-    <mc:Choice Requires="p14">
+  <mc:AlternateContent xmlns:mc="http://schemas.openxmlformats.org/markup-compatibility/2006">
+    <mc:Choice xmlns:p14="http://schemas.microsoft.com/office/powerpoint/2010/main" xmlns="" Requires="p14">
       <p:transition spd="slow" p14:dur="2000"/>
     </mc:Choice>
-    <mc:Fallback xmlns="">
+    <mc:Fallback>
       <p:transition spd="slow"/>
     </mc:Fallback>
   </mc:AlternateContent>
@@ -8951,10 +9797,10 @@
           <p:nvPr/>
         </p:nvPicPr>
         <p:blipFill>
-          <a:blip r:embed="rId3">
+          <a:blip r:embed="rId3" cstate="print">
             <a:extLst>
               <a:ext uri="{28A0092B-C50C-407E-A947-70E740481C1C}">
-                <a14:useLocalDpi xmlns:a14="http://schemas.microsoft.com/office/drawing/2010/main" val="0"/>
+                <a14:useLocalDpi xmlns:a14="http://schemas.microsoft.com/office/drawing/2010/main" xmlns="" val="0"/>
               </a:ext>
             </a:extLst>
           </a:blip>
@@ -8978,14 +9824,14 @@
           <a:effectLst/>
           <a:extLst>
             <a:ext uri="{909E8E84-426E-40DD-AFC4-6F175D3DCCD1}">
-              <a14:hiddenFill xmlns:a14="http://schemas.microsoft.com/office/drawing/2010/main">
+              <a14:hiddenFill xmlns:a14="http://schemas.microsoft.com/office/drawing/2010/main" xmlns="">
                 <a:solidFill>
                   <a:schemeClr val="accent1"/>
                 </a:solidFill>
               </a14:hiddenFill>
             </a:ext>
             <a:ext uri="{91240B29-F687-4F45-9708-019B960494DF}">
-              <a14:hiddenLine xmlns:a14="http://schemas.microsoft.com/office/drawing/2010/main" w="9525">
+              <a14:hiddenLine xmlns:a14="http://schemas.microsoft.com/office/drawing/2010/main" xmlns="" w="9525">
                 <a:solidFill>
                   <a:schemeClr val="tx1"/>
                 </a:solidFill>
@@ -8995,7 +9841,7 @@
               </a14:hiddenLine>
             </a:ext>
             <a:ext uri="{AF507438-7753-43E0-B8FC-AC1667EBCBE1}">
-              <a14:hiddenEffects xmlns:a14="http://schemas.microsoft.com/office/drawing/2010/main">
+              <a14:hiddenEffects xmlns:a14="http://schemas.microsoft.com/office/drawing/2010/main" xmlns="">
                 <a:effectLst>
                   <a:outerShdw dist="35921" dir="2700000" algn="ctr" rotWithShape="0">
                     <a:schemeClr val="bg2"/>
@@ -9034,10 +9880,10 @@
           <p:nvPr/>
         </p:nvPicPr>
         <p:blipFill>
-          <a:blip r:embed="rId4">
+          <a:blip r:embed="rId4" cstate="print">
             <a:extLst>
               <a:ext uri="{28A0092B-C50C-407E-A947-70E740481C1C}">
-                <a14:useLocalDpi xmlns:a14="http://schemas.microsoft.com/office/drawing/2010/main" val="0"/>
+                <a14:useLocalDpi xmlns:a14="http://schemas.microsoft.com/office/drawing/2010/main" xmlns="" val="0"/>
               </a:ext>
             </a:extLst>
           </a:blip>
@@ -9057,7 +9903,7 @@
           <a:noFill/>
           <a:extLst>
             <a:ext uri="{909E8E84-426E-40DD-AFC4-6F175D3DCCD1}">
-              <a14:hiddenFill xmlns:a14="http://schemas.microsoft.com/office/drawing/2010/main">
+              <a14:hiddenFill xmlns:a14="http://schemas.microsoft.com/office/drawing/2010/main" xmlns="">
                 <a:solidFill>
                   <a:srgbClr val="FFFFFF"/>
                 </a:solidFill>
@@ -9075,10 +9921,10 @@
           <p:nvPr/>
         </p:nvPicPr>
         <p:blipFill>
-          <a:blip r:embed="rId5">
+          <a:blip r:embed="rId5" cstate="print">
             <a:extLst>
               <a:ext uri="{28A0092B-C50C-407E-A947-70E740481C1C}">
-                <a14:useLocalDpi xmlns:a14="http://schemas.microsoft.com/office/drawing/2010/main" val="0"/>
+                <a14:useLocalDpi xmlns:a14="http://schemas.microsoft.com/office/drawing/2010/main" xmlns="" val="0"/>
               </a:ext>
             </a:extLst>
           </a:blip>
@@ -9098,7 +9944,7 @@
           <a:noFill/>
           <a:extLst>
             <a:ext uri="{909E8E84-426E-40DD-AFC4-6F175D3DCCD1}">
-              <a14:hiddenFill xmlns:a14="http://schemas.microsoft.com/office/drawing/2010/main">
+              <a14:hiddenFill xmlns:a14="http://schemas.microsoft.com/office/drawing/2010/main" xmlns="">
                 <a:solidFill>
                   <a:srgbClr val="FFFFFF"/>
                 </a:solidFill>
@@ -9119,7 +9965,7 @@
           <a:blip r:embed="rId6" cstate="print">
             <a:extLst>
               <a:ext uri="{28A0092B-C50C-407E-A947-70E740481C1C}">
-                <a14:useLocalDpi xmlns:a14="http://schemas.microsoft.com/office/drawing/2010/main" val="0"/>
+                <a14:useLocalDpi xmlns:a14="http://schemas.microsoft.com/office/drawing/2010/main" xmlns="" val="0"/>
               </a:ext>
             </a:extLst>
           </a:blip>
@@ -9139,7 +9985,7 @@
           <a:noFill/>
           <a:extLst>
             <a:ext uri="{909E8E84-426E-40DD-AFC4-6F175D3DCCD1}">
-              <a14:hiddenFill xmlns:a14="http://schemas.microsoft.com/office/drawing/2010/main">
+              <a14:hiddenFill xmlns:a14="http://schemas.microsoft.com/office/drawing/2010/main" xmlns="">
                 <a:solidFill>
                   <a:srgbClr val="FFFFFF"/>
                 </a:solidFill>
@@ -9157,10 +10003,10 @@
           <p:nvPr/>
         </p:nvPicPr>
         <p:blipFill>
-          <a:blip r:embed="rId7">
+          <a:blip r:embed="rId7" cstate="print">
             <a:extLst>
               <a:ext uri="{28A0092B-C50C-407E-A947-70E740481C1C}">
-                <a14:useLocalDpi xmlns:a14="http://schemas.microsoft.com/office/drawing/2010/main" val="0"/>
+                <a14:useLocalDpi xmlns:a14="http://schemas.microsoft.com/office/drawing/2010/main" xmlns="" val="0"/>
               </a:ext>
             </a:extLst>
           </a:blip>
@@ -9180,7 +10026,7 @@
           <a:noFill/>
           <a:extLst>
             <a:ext uri="{909E8E84-426E-40DD-AFC4-6F175D3DCCD1}">
-              <a14:hiddenFill xmlns:a14="http://schemas.microsoft.com/office/drawing/2010/main">
+              <a14:hiddenFill xmlns:a14="http://schemas.microsoft.com/office/drawing/2010/main" xmlns="">
                 <a:solidFill>
                   <a:srgbClr val="FFFFFF"/>
                 </a:solidFill>
@@ -9198,10 +10044,10 @@
           <p:nvPr/>
         </p:nvPicPr>
         <p:blipFill>
-          <a:blip r:embed="rId8">
+          <a:blip r:embed="rId8" cstate="print">
             <a:extLst>
               <a:ext uri="{28A0092B-C50C-407E-A947-70E740481C1C}">
-                <a14:useLocalDpi xmlns:a14="http://schemas.microsoft.com/office/drawing/2010/main" val="0"/>
+                <a14:useLocalDpi xmlns:a14="http://schemas.microsoft.com/office/drawing/2010/main" xmlns="" val="0"/>
               </a:ext>
             </a:extLst>
           </a:blip>
@@ -9221,7 +10067,7 @@
           <a:noFill/>
           <a:extLst>
             <a:ext uri="{909E8E84-426E-40DD-AFC4-6F175D3DCCD1}">
-              <a14:hiddenFill xmlns:a14="http://schemas.microsoft.com/office/drawing/2010/main">
+              <a14:hiddenFill xmlns:a14="http://schemas.microsoft.com/office/drawing/2010/main" xmlns="">
                 <a:solidFill>
                   <a:srgbClr val="FFFFFF"/>
                 </a:solidFill>
@@ -9239,10 +10085,10 @@
           <p:nvPr/>
         </p:nvPicPr>
         <p:blipFill>
-          <a:blip r:embed="rId9">
+          <a:blip r:embed="rId9" cstate="print">
             <a:extLst>
               <a:ext uri="{28A0092B-C50C-407E-A947-70E740481C1C}">
-                <a14:useLocalDpi xmlns:a14="http://schemas.microsoft.com/office/drawing/2010/main" val="0"/>
+                <a14:useLocalDpi xmlns:a14="http://schemas.microsoft.com/office/drawing/2010/main" xmlns="" val="0"/>
               </a:ext>
             </a:extLst>
           </a:blip>
@@ -9262,7 +10108,7 @@
           <a:noFill/>
           <a:extLst>
             <a:ext uri="{909E8E84-426E-40DD-AFC4-6F175D3DCCD1}">
-              <a14:hiddenFill xmlns:a14="http://schemas.microsoft.com/office/drawing/2010/main">
+              <a14:hiddenFill xmlns:a14="http://schemas.microsoft.com/office/drawing/2010/main" xmlns="">
                 <a:solidFill>
                   <a:srgbClr val="FFFFFF"/>
                 </a:solidFill>
@@ -9280,10 +10126,10 @@
           <p:nvPr/>
         </p:nvPicPr>
         <p:blipFill>
-          <a:blip r:embed="rId10">
+          <a:blip r:embed="rId10" cstate="print">
             <a:extLst>
               <a:ext uri="{28A0092B-C50C-407E-A947-70E740481C1C}">
-                <a14:useLocalDpi xmlns:a14="http://schemas.microsoft.com/office/drawing/2010/main" val="0"/>
+                <a14:useLocalDpi xmlns:a14="http://schemas.microsoft.com/office/drawing/2010/main" xmlns="" val="0"/>
               </a:ext>
             </a:extLst>
           </a:blip>
@@ -9307,14 +10153,14 @@
           <a:effectLst/>
           <a:extLst>
             <a:ext uri="{909E8E84-426E-40DD-AFC4-6F175D3DCCD1}">
-              <a14:hiddenFill xmlns:a14="http://schemas.microsoft.com/office/drawing/2010/main">
+              <a14:hiddenFill xmlns:a14="http://schemas.microsoft.com/office/drawing/2010/main" xmlns="">
                 <a:solidFill>
                   <a:schemeClr val="accent1"/>
                 </a:solidFill>
               </a14:hiddenFill>
             </a:ext>
             <a:ext uri="{91240B29-F687-4F45-9708-019B960494DF}">
-              <a14:hiddenLine xmlns:a14="http://schemas.microsoft.com/office/drawing/2010/main" w="9525">
+              <a14:hiddenLine xmlns:a14="http://schemas.microsoft.com/office/drawing/2010/main" xmlns="" w="9525">
                 <a:solidFill>
                   <a:schemeClr val="tx1"/>
                 </a:solidFill>
@@ -9324,7 +10170,7 @@
               </a14:hiddenLine>
             </a:ext>
             <a:ext uri="{AF507438-7753-43E0-B8FC-AC1667EBCBE1}">
-              <a14:hiddenEffects xmlns:a14="http://schemas.microsoft.com/office/drawing/2010/main">
+              <a14:hiddenEffects xmlns:a14="http://schemas.microsoft.com/office/drawing/2010/main" xmlns="">
                 <a:effectLst>
                   <a:outerShdw dist="35921" dir="2700000" algn="ctr" rotWithShape="0">
                     <a:schemeClr val="bg2"/>
@@ -9338,18 +10184,18 @@
     </p:spTree>
     <p:extLst>
       <p:ext uri="{BB962C8B-B14F-4D97-AF65-F5344CB8AC3E}">
-        <p14:creationId xmlns:p14="http://schemas.microsoft.com/office/powerpoint/2010/main" val="265185508"/>
+        <p14:creationId xmlns:p14="http://schemas.microsoft.com/office/powerpoint/2010/main" xmlns="" val="265185508"/>
       </p:ext>
     </p:extLst>
   </p:cSld>
   <p:clrMapOvr>
     <a:masterClrMapping/>
   </p:clrMapOvr>
-  <mc:AlternateContent xmlns:mc="http://schemas.openxmlformats.org/markup-compatibility/2006" xmlns:p14="http://schemas.microsoft.com/office/powerpoint/2010/main">
-    <mc:Choice Requires="p14">
+  <mc:AlternateContent xmlns:mc="http://schemas.openxmlformats.org/markup-compatibility/2006">
+    <mc:Choice xmlns:p14="http://schemas.microsoft.com/office/powerpoint/2010/main" xmlns="" Requires="p14">
       <p:transition spd="slow" p14:dur="2000"/>
     </mc:Choice>
-    <mc:Fallback xmlns="">
+    <mc:Fallback>
       <p:transition spd="slow"/>
     </mc:Fallback>
   </mc:AlternateContent>
@@ -9385,7 +10231,7 @@
           <a:blip r:embed="rId3" cstate="print">
             <a:extLst>
               <a:ext uri="{28A0092B-C50C-407E-A947-70E740481C1C}">
-                <a14:useLocalDpi xmlns:a14="http://schemas.microsoft.com/office/drawing/2010/main" val="0"/>
+                <a14:useLocalDpi xmlns:a14="http://schemas.microsoft.com/office/drawing/2010/main" xmlns="" val="0"/>
               </a:ext>
             </a:extLst>
           </a:blip>
@@ -9405,7 +10251,7 @@
           <a:noFill/>
           <a:extLst>
             <a:ext uri="{909E8E84-426E-40DD-AFC4-6F175D3DCCD1}">
-              <a14:hiddenFill xmlns:a14="http://schemas.microsoft.com/office/drawing/2010/main">
+              <a14:hiddenFill xmlns:a14="http://schemas.microsoft.com/office/drawing/2010/main" xmlns="">
                 <a:solidFill>
                   <a:srgbClr val="FFFFFF"/>
                 </a:solidFill>
@@ -9426,7 +10272,7 @@
           <a:blip r:embed="rId4" cstate="print">
             <a:extLst>
               <a:ext uri="{28A0092B-C50C-407E-A947-70E740481C1C}">
-                <a14:useLocalDpi xmlns:a14="http://schemas.microsoft.com/office/drawing/2010/main" val="0"/>
+                <a14:useLocalDpi xmlns:a14="http://schemas.microsoft.com/office/drawing/2010/main" xmlns="" val="0"/>
               </a:ext>
             </a:extLst>
           </a:blip>
@@ -9446,7 +10292,7 @@
           <a:noFill/>
           <a:extLst>
             <a:ext uri="{909E8E84-426E-40DD-AFC4-6F175D3DCCD1}">
-              <a14:hiddenFill xmlns:a14="http://schemas.microsoft.com/office/drawing/2010/main">
+              <a14:hiddenFill xmlns:a14="http://schemas.microsoft.com/office/drawing/2010/main" xmlns="">
                 <a:solidFill>
                   <a:srgbClr val="FFFFFF"/>
                 </a:solidFill>
@@ -9467,7 +10313,7 @@
           <a:blip r:embed="rId5" cstate="print">
             <a:extLst>
               <a:ext uri="{28A0092B-C50C-407E-A947-70E740481C1C}">
-                <a14:useLocalDpi xmlns:a14="http://schemas.microsoft.com/office/drawing/2010/main" val="0"/>
+                <a14:useLocalDpi xmlns:a14="http://schemas.microsoft.com/office/drawing/2010/main" xmlns="" val="0"/>
               </a:ext>
             </a:extLst>
           </a:blip>
@@ -9487,7 +10333,7 @@
           <a:noFill/>
           <a:extLst>
             <a:ext uri="{909E8E84-426E-40DD-AFC4-6F175D3DCCD1}">
-              <a14:hiddenFill xmlns:a14="http://schemas.microsoft.com/office/drawing/2010/main">
+              <a14:hiddenFill xmlns:a14="http://schemas.microsoft.com/office/drawing/2010/main" xmlns="">
                 <a:solidFill>
                   <a:srgbClr val="FFFFFF"/>
                 </a:solidFill>
@@ -9508,7 +10354,7 @@
           <a:blip r:embed="rId6" cstate="print">
             <a:extLst>
               <a:ext uri="{28A0092B-C50C-407E-A947-70E740481C1C}">
-                <a14:useLocalDpi xmlns:a14="http://schemas.microsoft.com/office/drawing/2010/main" val="0"/>
+                <a14:useLocalDpi xmlns:a14="http://schemas.microsoft.com/office/drawing/2010/main" xmlns="" val="0"/>
               </a:ext>
             </a:extLst>
           </a:blip>
@@ -9528,7 +10374,7 @@
           <a:noFill/>
           <a:extLst>
             <a:ext uri="{909E8E84-426E-40DD-AFC4-6F175D3DCCD1}">
-              <a14:hiddenFill xmlns:a14="http://schemas.microsoft.com/office/drawing/2010/main">
+              <a14:hiddenFill xmlns:a14="http://schemas.microsoft.com/office/drawing/2010/main" xmlns="">
                 <a:solidFill>
                   <a:srgbClr val="FFFFFF"/>
                 </a:solidFill>
@@ -9549,7 +10395,7 @@
           <a:blip r:embed="rId7" cstate="print">
             <a:extLst>
               <a:ext uri="{28A0092B-C50C-407E-A947-70E740481C1C}">
-                <a14:useLocalDpi xmlns:a14="http://schemas.microsoft.com/office/drawing/2010/main" val="0"/>
+                <a14:useLocalDpi xmlns:a14="http://schemas.microsoft.com/office/drawing/2010/main" xmlns="" val="0"/>
               </a:ext>
             </a:extLst>
           </a:blip>
@@ -9569,7 +10415,7 @@
           <a:noFill/>
           <a:extLst>
             <a:ext uri="{909E8E84-426E-40DD-AFC4-6F175D3DCCD1}">
-              <a14:hiddenFill xmlns:a14="http://schemas.microsoft.com/office/drawing/2010/main">
+              <a14:hiddenFill xmlns:a14="http://schemas.microsoft.com/office/drawing/2010/main" xmlns="">
                 <a:solidFill>
                   <a:srgbClr val="FFFFFF"/>
                 </a:solidFill>
@@ -9590,7 +10436,7 @@
           <a:blip r:embed="rId8" cstate="print">
             <a:extLst>
               <a:ext uri="{28A0092B-C50C-407E-A947-70E740481C1C}">
-                <a14:useLocalDpi xmlns:a14="http://schemas.microsoft.com/office/drawing/2010/main" val="0"/>
+                <a14:useLocalDpi xmlns:a14="http://schemas.microsoft.com/office/drawing/2010/main" xmlns="" val="0"/>
               </a:ext>
             </a:extLst>
           </a:blip>
@@ -9610,7 +10456,7 @@
           <a:noFill/>
           <a:extLst>
             <a:ext uri="{909E8E84-426E-40DD-AFC4-6F175D3DCCD1}">
-              <a14:hiddenFill xmlns:a14="http://schemas.microsoft.com/office/drawing/2010/main">
+              <a14:hiddenFill xmlns:a14="http://schemas.microsoft.com/office/drawing/2010/main" xmlns="">
                 <a:solidFill>
                   <a:srgbClr val="FFFFFF"/>
                 </a:solidFill>
@@ -9631,7 +10477,7 @@
           <a:blip r:embed="rId9" cstate="print">
             <a:extLst>
               <a:ext uri="{28A0092B-C50C-407E-A947-70E740481C1C}">
-                <a14:useLocalDpi xmlns:a14="http://schemas.microsoft.com/office/drawing/2010/main" val="0"/>
+                <a14:useLocalDpi xmlns:a14="http://schemas.microsoft.com/office/drawing/2010/main" xmlns="" val="0"/>
               </a:ext>
             </a:extLst>
           </a:blip>
@@ -9655,14 +10501,14 @@
           <a:effectLst/>
           <a:extLst>
             <a:ext uri="{909E8E84-426E-40DD-AFC4-6F175D3DCCD1}">
-              <a14:hiddenFill xmlns:a14="http://schemas.microsoft.com/office/drawing/2010/main">
+              <a14:hiddenFill xmlns:a14="http://schemas.microsoft.com/office/drawing/2010/main" xmlns="">
                 <a:solidFill>
                   <a:schemeClr val="accent1"/>
                 </a:solidFill>
               </a14:hiddenFill>
             </a:ext>
             <a:ext uri="{91240B29-F687-4F45-9708-019B960494DF}">
-              <a14:hiddenLine xmlns:a14="http://schemas.microsoft.com/office/drawing/2010/main" w="9525">
+              <a14:hiddenLine xmlns:a14="http://schemas.microsoft.com/office/drawing/2010/main" xmlns="" w="9525">
                 <a:solidFill>
                   <a:schemeClr val="tx1"/>
                 </a:solidFill>
@@ -9672,7 +10518,7 @@
               </a14:hiddenLine>
             </a:ext>
             <a:ext uri="{AF507438-7753-43E0-B8FC-AC1667EBCBE1}">
-              <a14:hiddenEffects xmlns:a14="http://schemas.microsoft.com/office/drawing/2010/main">
+              <a14:hiddenEffects xmlns:a14="http://schemas.microsoft.com/office/drawing/2010/main" xmlns="">
                 <a:effectLst>
                   <a:outerShdw dist="35921" dir="2700000" algn="ctr" rotWithShape="0">
                     <a:schemeClr val="bg2"/>
@@ -9695,7 +10541,7 @@
           <a:blip r:embed="rId10" cstate="print">
             <a:extLst>
               <a:ext uri="{28A0092B-C50C-407E-A947-70E740481C1C}">
-                <a14:useLocalDpi xmlns:a14="http://schemas.microsoft.com/office/drawing/2010/main" val="0"/>
+                <a14:useLocalDpi xmlns:a14="http://schemas.microsoft.com/office/drawing/2010/main" xmlns="" val="0"/>
               </a:ext>
             </a:extLst>
           </a:blip>
@@ -9715,7 +10561,7 @@
           <a:noFill/>
           <a:extLst>
             <a:ext uri="{909E8E84-426E-40DD-AFC4-6F175D3DCCD1}">
-              <a14:hiddenFill xmlns:a14="http://schemas.microsoft.com/office/drawing/2010/main">
+              <a14:hiddenFill xmlns:a14="http://schemas.microsoft.com/office/drawing/2010/main" xmlns="">
                 <a:solidFill>
                   <a:srgbClr val="FFFFFF"/>
                 </a:solidFill>
@@ -9733,10 +10579,10 @@
           <p:nvPr/>
         </p:nvPicPr>
         <p:blipFill>
-          <a:blip r:embed="rId11">
+          <a:blip r:embed="rId11" cstate="print">
             <a:extLst>
               <a:ext uri="{28A0092B-C50C-407E-A947-70E740481C1C}">
-                <a14:useLocalDpi xmlns:a14="http://schemas.microsoft.com/office/drawing/2010/main" val="0"/>
+                <a14:useLocalDpi xmlns:a14="http://schemas.microsoft.com/office/drawing/2010/main" xmlns="" val="0"/>
               </a:ext>
             </a:extLst>
           </a:blip>
@@ -9756,7 +10602,7 @@
           <a:noFill/>
           <a:extLst>
             <a:ext uri="{909E8E84-426E-40DD-AFC4-6F175D3DCCD1}">
-              <a14:hiddenFill xmlns:a14="http://schemas.microsoft.com/office/drawing/2010/main">
+              <a14:hiddenFill xmlns:a14="http://schemas.microsoft.com/office/drawing/2010/main" xmlns="">
                 <a:solidFill>
                   <a:srgbClr val="FFFFFF"/>
                 </a:solidFill>
@@ -9774,10 +10620,10 @@
           <p:nvPr/>
         </p:nvPicPr>
         <p:blipFill>
-          <a:blip r:embed="rId12">
+          <a:blip r:embed="rId12" cstate="print">
             <a:extLst>
               <a:ext uri="{28A0092B-C50C-407E-A947-70E740481C1C}">
-                <a14:useLocalDpi xmlns:a14="http://schemas.microsoft.com/office/drawing/2010/main" val="0"/>
+                <a14:useLocalDpi xmlns:a14="http://schemas.microsoft.com/office/drawing/2010/main" xmlns="" val="0"/>
               </a:ext>
             </a:extLst>
           </a:blip>
@@ -9835,10 +10681,10 @@
           <p:nvPr/>
         </p:nvPicPr>
         <p:blipFill>
-          <a:blip r:embed="rId13">
+          <a:blip r:embed="rId13" cstate="print">
             <a:extLst>
               <a:ext uri="{28A0092B-C50C-407E-A947-70E740481C1C}">
-                <a14:useLocalDpi xmlns:a14="http://schemas.microsoft.com/office/drawing/2010/main" val="0"/>
+                <a14:useLocalDpi xmlns:a14="http://schemas.microsoft.com/office/drawing/2010/main" xmlns="" val="0"/>
               </a:ext>
             </a:extLst>
           </a:blip>
@@ -9858,7 +10704,7 @@
           <a:noFill/>
           <a:extLst>
             <a:ext uri="{909E8E84-426E-40DD-AFC4-6F175D3DCCD1}">
-              <a14:hiddenFill xmlns:a14="http://schemas.microsoft.com/office/drawing/2010/main">
+              <a14:hiddenFill xmlns:a14="http://schemas.microsoft.com/office/drawing/2010/main" xmlns="">
                 <a:solidFill>
                   <a:srgbClr val="FFFFFF"/>
                 </a:solidFill>
@@ -9879,7 +10725,7 @@
           <a:blip r:embed="rId14" cstate="print">
             <a:extLst>
               <a:ext uri="{28A0092B-C50C-407E-A947-70E740481C1C}">
-                <a14:useLocalDpi xmlns:a14="http://schemas.microsoft.com/office/drawing/2010/main" val="0"/>
+                <a14:useLocalDpi xmlns:a14="http://schemas.microsoft.com/office/drawing/2010/main" xmlns="" val="0"/>
               </a:ext>
             </a:extLst>
           </a:blip>
@@ -9906,10 +10752,10 @@
           <p:nvPr/>
         </p:nvPicPr>
         <p:blipFill rotWithShape="1">
-          <a:blip r:embed="rId15">
+          <a:blip r:embed="rId15" cstate="print">
             <a:extLst>
               <a:ext uri="{28A0092B-C50C-407E-A947-70E740481C1C}">
-                <a14:useLocalDpi xmlns:a14="http://schemas.microsoft.com/office/drawing/2010/main" val="0"/>
+                <a14:useLocalDpi xmlns:a14="http://schemas.microsoft.com/office/drawing/2010/main" xmlns="" val="0"/>
               </a:ext>
             </a:extLst>
           </a:blip>
@@ -9935,10 +10781,10 @@
           <p:nvPr/>
         </p:nvPicPr>
         <p:blipFill>
-          <a:blip r:embed="rId16">
+          <a:blip r:embed="rId16" cstate="print">
             <a:extLst>
               <a:ext uri="{28A0092B-C50C-407E-A947-70E740481C1C}">
-                <a14:useLocalDpi xmlns:a14="http://schemas.microsoft.com/office/drawing/2010/main" val="0"/>
+                <a14:useLocalDpi xmlns:a14="http://schemas.microsoft.com/office/drawing/2010/main" xmlns="" val="0"/>
               </a:ext>
             </a:extLst>
           </a:blip>
@@ -9959,18 +10805,18 @@
     </p:spTree>
     <p:extLst>
       <p:ext uri="{BB962C8B-B14F-4D97-AF65-F5344CB8AC3E}">
-        <p14:creationId xmlns:p14="http://schemas.microsoft.com/office/powerpoint/2010/main" val="1183496477"/>
+        <p14:creationId xmlns:p14="http://schemas.microsoft.com/office/powerpoint/2010/main" xmlns="" val="1183496477"/>
       </p:ext>
     </p:extLst>
   </p:cSld>
   <p:clrMapOvr>
     <a:masterClrMapping/>
   </p:clrMapOvr>
-  <mc:AlternateContent xmlns:mc="http://schemas.openxmlformats.org/markup-compatibility/2006" xmlns:p14="http://schemas.microsoft.com/office/powerpoint/2010/main">
-    <mc:Choice Requires="p14">
+  <mc:AlternateContent xmlns:mc="http://schemas.openxmlformats.org/markup-compatibility/2006">
+    <mc:Choice xmlns:p14="http://schemas.microsoft.com/office/powerpoint/2010/main" xmlns="" Requires="p14">
       <p:transition spd="slow" p14:dur="2000"/>
     </mc:Choice>
-    <mc:Fallback xmlns="">
+    <mc:Fallback>
       <p:transition spd="slow"/>
     </mc:Fallback>
   </mc:AlternateContent>
@@ -10003,10 +10849,10 @@
           <p:nvPr/>
         </p:nvPicPr>
         <p:blipFill rotWithShape="1">
-          <a:blip r:embed="rId3">
+          <a:blip r:embed="rId3" cstate="print">
             <a:extLst>
               <a:ext uri="{28A0092B-C50C-407E-A947-70E740481C1C}">
-                <a14:useLocalDpi xmlns:a14="http://schemas.microsoft.com/office/drawing/2010/main" val="0"/>
+                <a14:useLocalDpi xmlns:a14="http://schemas.microsoft.com/office/drawing/2010/main" xmlns="" val="0"/>
               </a:ext>
             </a:extLst>
           </a:blip>
@@ -10024,7 +10870,7 @@
           <a:noFill/>
           <a:extLst>
             <a:ext uri="{909E8E84-426E-40DD-AFC4-6F175D3DCCD1}">
-              <a14:hiddenFill xmlns:a14="http://schemas.microsoft.com/office/drawing/2010/main">
+              <a14:hiddenFill xmlns:a14="http://schemas.microsoft.com/office/drawing/2010/main" xmlns="">
                 <a:solidFill>
                   <a:srgbClr val="FFFFFF"/>
                 </a:solidFill>
@@ -10036,18 +10882,18 @@
     </p:spTree>
     <p:extLst>
       <p:ext uri="{BB962C8B-B14F-4D97-AF65-F5344CB8AC3E}">
-        <p14:creationId xmlns:p14="http://schemas.microsoft.com/office/powerpoint/2010/main" val="2221834488"/>
+        <p14:creationId xmlns:p14="http://schemas.microsoft.com/office/powerpoint/2010/main" xmlns="" val="2221834488"/>
       </p:ext>
     </p:extLst>
   </p:cSld>
   <p:clrMapOvr>
     <a:masterClrMapping/>
   </p:clrMapOvr>
-  <mc:AlternateContent xmlns:mc="http://schemas.openxmlformats.org/markup-compatibility/2006" xmlns:p14="http://schemas.microsoft.com/office/powerpoint/2010/main">
-    <mc:Choice Requires="p14">
+  <mc:AlternateContent xmlns:mc="http://schemas.openxmlformats.org/markup-compatibility/2006">
+    <mc:Choice xmlns:p14="http://schemas.microsoft.com/office/powerpoint/2010/main" xmlns="" Requires="p14">
       <p:transition spd="slow" p14:dur="2000"/>
     </mc:Choice>
-    <mc:Fallback xmlns="">
+    <mc:Fallback>
       <p:transition spd="slow"/>
     </mc:Fallback>
   </mc:AlternateContent>
@@ -10154,10 +11000,6 @@
               </a:rPr>
               <a:t>return(food + “ with cheese”);</a:t>
             </a:r>
-            <a:endParaRPr lang="en-GB" dirty="0" smtClean="0">
-              <a:latin typeface="Consolas" pitchFamily="49" charset="0"/>
-              <a:cs typeface="Consolas" pitchFamily="49" charset="0"/>
-            </a:endParaRPr>
           </a:p>
           <a:p>
             <a:pPr marL="0" indent="0">
@@ -10372,18 +11214,18 @@
     </p:spTree>
     <p:extLst>
       <p:ext uri="{BB962C8B-B14F-4D97-AF65-F5344CB8AC3E}">
-        <p14:creationId xmlns:p14="http://schemas.microsoft.com/office/powerpoint/2010/main" val="1423979825"/>
+        <p14:creationId xmlns:p14="http://schemas.microsoft.com/office/powerpoint/2010/main" xmlns="" val="1423979825"/>
       </p:ext>
     </p:extLst>
   </p:cSld>
   <p:clrMapOvr>
     <a:masterClrMapping/>
   </p:clrMapOvr>
-  <mc:AlternateContent xmlns:mc="http://schemas.openxmlformats.org/markup-compatibility/2006" xmlns:p14="http://schemas.microsoft.com/office/powerpoint/2010/main">
-    <mc:Choice Requires="p14">
+  <mc:AlternateContent xmlns:mc="http://schemas.openxmlformats.org/markup-compatibility/2006">
+    <mc:Choice xmlns:p14="http://schemas.microsoft.com/office/powerpoint/2010/main" xmlns="" Requires="p14">
       <p:transition spd="slow" p14:dur="2000"/>
     </mc:Choice>
-    <mc:Fallback xmlns="">
+    <mc:Fallback>
       <p:transition spd="slow"/>
     </mc:Fallback>
   </mc:AlternateContent>
@@ -10466,11 +11308,11 @@
   <p:clrMapOvr>
     <a:masterClrMapping/>
   </p:clrMapOvr>
-  <mc:AlternateContent xmlns:mc="http://schemas.openxmlformats.org/markup-compatibility/2006" xmlns:p14="http://schemas.microsoft.com/office/powerpoint/2010/main">
-    <mc:Choice Requires="p14">
+  <mc:AlternateContent xmlns:mc="http://schemas.openxmlformats.org/markup-compatibility/2006">
+    <mc:Choice xmlns:p14="http://schemas.microsoft.com/office/powerpoint/2010/main" xmlns="" Requires="p14">
       <p:transition spd="slow" p14:dur="2000"/>
     </mc:Choice>
-    <mc:Fallback xmlns="">
+    <mc:Fallback>
       <p:transition spd="slow"/>
     </mc:Fallback>
   </mc:AlternateContent>
@@ -10736,18 +11578,18 @@
     </p:spTree>
     <p:extLst>
       <p:ext uri="{BB962C8B-B14F-4D97-AF65-F5344CB8AC3E}">
-        <p14:creationId xmlns:p14="http://schemas.microsoft.com/office/powerpoint/2010/main" val="636125739"/>
+        <p14:creationId xmlns:p14="http://schemas.microsoft.com/office/powerpoint/2010/main" xmlns="" val="636125739"/>
       </p:ext>
     </p:extLst>
   </p:cSld>
   <p:clrMapOvr>
     <a:masterClrMapping/>
   </p:clrMapOvr>
-  <mc:AlternateContent xmlns:mc="http://schemas.openxmlformats.org/markup-compatibility/2006" xmlns:p14="http://schemas.microsoft.com/office/powerpoint/2010/main">
-    <mc:Choice Requires="p14">
+  <mc:AlternateContent xmlns:mc="http://schemas.openxmlformats.org/markup-compatibility/2006">
+    <mc:Choice xmlns:p14="http://schemas.microsoft.com/office/powerpoint/2010/main" xmlns="" Requires="p14">
       <p:transition spd="slow" p14:dur="2000"/>
     </mc:Choice>
-    <mc:Fallback xmlns="">
+    <mc:Fallback>
       <p:transition spd="slow"/>
     </mc:Fallback>
   </mc:AlternateContent>
@@ -10816,18 +11658,18 @@
     </p:spTree>
     <p:extLst>
       <p:ext uri="{BB962C8B-B14F-4D97-AF65-F5344CB8AC3E}">
-        <p14:creationId xmlns:p14="http://schemas.microsoft.com/office/powerpoint/2010/main" val="565444107"/>
+        <p14:creationId xmlns:p14="http://schemas.microsoft.com/office/powerpoint/2010/main" xmlns="" val="565444107"/>
       </p:ext>
     </p:extLst>
   </p:cSld>
   <p:clrMapOvr>
     <a:masterClrMapping/>
   </p:clrMapOvr>
-  <mc:AlternateContent xmlns:mc="http://schemas.openxmlformats.org/markup-compatibility/2006" xmlns:p14="http://schemas.microsoft.com/office/powerpoint/2010/main">
-    <mc:Choice Requires="p14">
+  <mc:AlternateContent xmlns:mc="http://schemas.openxmlformats.org/markup-compatibility/2006">
+    <mc:Choice xmlns:p14="http://schemas.microsoft.com/office/powerpoint/2010/main" xmlns="" Requires="p14">
       <p:transition spd="slow" p14:dur="2000"/>
     </mc:Choice>
-    <mc:Fallback xmlns="">
+    <mc:Fallback>
       <p:transition spd="slow"/>
     </mc:Fallback>
   </mc:AlternateContent>
@@ -10868,7 +11710,7 @@
           <a:p>
             <a:r>
               <a:rPr lang="en-GB" dirty="0" smtClean="0"/>
-              <a:t>Loose Typing</a:t>
+              <a:t>Quote Marks</a:t>
             </a:r>
             <a:endParaRPr lang="en-GB" dirty="0"/>
           </a:p>
@@ -10886,28 +11728,130 @@
         </p:nvSpPr>
         <p:spPr/>
         <p:txBody>
-          <a:bodyPr/>
+          <a:bodyPr>
+            <a:normAutofit fontScale="92500"/>
+          </a:bodyPr>
           <a:lstStyle/>
           <a:p>
-            <a:endParaRPr lang="en-GB"/>
+            <a:pPr>
+              <a:buNone/>
+            </a:pPr>
+            <a:r>
+              <a:rPr lang="en-GB" dirty="0" smtClean="0"/>
+              <a:t>Either one is fine.</a:t>
+            </a:r>
+          </a:p>
+          <a:p>
+            <a:pPr>
+              <a:buNone/>
+            </a:pPr>
+            <a:endParaRPr lang="en-GB" dirty="0" smtClean="0"/>
+          </a:p>
+          <a:p>
+            <a:pPr>
+              <a:buNone/>
+            </a:pPr>
+            <a:r>
+              <a:rPr lang="en-GB" dirty="0" smtClean="0"/>
+              <a:t>Same as in HTML.</a:t>
+            </a:r>
+          </a:p>
+          <a:p>
+            <a:pPr>
+              <a:buNone/>
+            </a:pPr>
+            <a:endParaRPr lang="en-GB" dirty="0" smtClean="0"/>
+          </a:p>
+          <a:p>
+            <a:pPr>
+              <a:buNone/>
+            </a:pPr>
+            <a:r>
+              <a:rPr lang="en-GB" dirty="0" err="1" smtClean="0"/>
+              <a:t>var</a:t>
+            </a:r>
+            <a:r>
+              <a:rPr lang="en-GB" dirty="0" smtClean="0"/>
+              <a:t> html = </a:t>
+            </a:r>
+            <a:r>
+              <a:rPr lang="en-GB" dirty="0" smtClean="0">
+                <a:solidFill>
+                  <a:srgbClr val="FF0000"/>
+                </a:solidFill>
+              </a:rPr>
+              <a:t>'&lt;a </a:t>
+            </a:r>
+            <a:r>
+              <a:rPr lang="en-GB" dirty="0" err="1" smtClean="0">
+                <a:solidFill>
+                  <a:srgbClr val="FF0000"/>
+                </a:solidFill>
+              </a:rPr>
+              <a:t>href</a:t>
+            </a:r>
+            <a:r>
+              <a:rPr lang="en-GB" dirty="0" smtClean="0">
+                <a:solidFill>
+                  <a:srgbClr val="FF0000"/>
+                </a:solidFill>
+              </a:rPr>
+              <a:t>=</a:t>
+            </a:r>
+            <a:r>
+              <a:rPr lang="en-GB" b="1" dirty="0" smtClean="0">
+                <a:solidFill>
+                  <a:srgbClr val="FF0000"/>
+                </a:solidFill>
+              </a:rPr>
+              <a:t>"http://www.google.com/"&gt;</a:t>
+            </a:r>
+            <a:r>
+              <a:rPr lang="en-GB" dirty="0" smtClean="0">
+                <a:solidFill>
+                  <a:srgbClr val="FF0000"/>
+                </a:solidFill>
+              </a:rPr>
+              <a:t>Google&lt;/a&gt;'</a:t>
+            </a:r>
+            <a:r>
+              <a:rPr lang="en-GB" dirty="0" smtClean="0"/>
+              <a:t>;</a:t>
+            </a:r>
+          </a:p>
+          <a:p>
+            <a:pPr>
+              <a:buNone/>
+            </a:pPr>
+            <a:endParaRPr lang="en-GB" dirty="0" smtClean="0"/>
+          </a:p>
+          <a:p>
+            <a:pPr>
+              <a:buNone/>
+            </a:pPr>
+            <a:r>
+              <a:rPr lang="en-GB" dirty="0" smtClean="0"/>
+              <a:t>VERY useful.</a:t>
+            </a:r>
+            <a:endParaRPr lang="en-GB" dirty="0"/>
           </a:p>
         </p:txBody>
       </p:sp>
     </p:spTree>
     <p:extLst>
       <p:ext uri="{BB962C8B-B14F-4D97-AF65-F5344CB8AC3E}">
-        <p14:creationId xmlns:p14="http://schemas.microsoft.com/office/powerpoint/2010/main" val="1345058122"/>
+        <p14:creationId xmlns:p14="http://schemas.microsoft.com/office/powerpoint/2010/main" xmlns="" val="1345058122"/>
       </p:ext>
     </p:extLst>
   </p:cSld>
   <p:clrMapOvr>
     <a:masterClrMapping/>
   </p:clrMapOvr>
-  <mc:AlternateContent xmlns:mc="http://schemas.openxmlformats.org/markup-compatibility/2006" xmlns:p14="http://schemas.microsoft.com/office/powerpoint/2010/main">
-    <mc:Choice Requires="p14">
+  <mc:AlternateContent xmlns:mc="http://schemas.openxmlformats.org/markup-compatibility/2006">
+    <mc:Choice xmlns:p14="http://schemas.microsoft.com/office/powerpoint/2010/main" xmlns="" Requires="p14">
       <p:transition spd="slow" p14:dur="2000"/>
     </mc:Choice>
-    <mc:Fallback xmlns="">
+    <mc:Fallback>
       <p:transition spd="slow"/>
     </mc:Fallback>
   </mc:AlternateContent>
@@ -10973,25 +11917,80 @@
           <a:bodyPr/>
           <a:lstStyle/>
           <a:p>
-            <a:endParaRPr lang="en-GB"/>
+            <a:pPr>
+              <a:buNone/>
+            </a:pPr>
+            <a:r>
+              <a:rPr lang="en-GB" dirty="0" err="1" smtClean="0"/>
+              <a:t>var</a:t>
+            </a:r>
+            <a:r>
+              <a:rPr lang="en-GB" dirty="0" smtClean="0"/>
+              <a:t> bucket = {};</a:t>
+            </a:r>
+          </a:p>
+          <a:p>
+            <a:pPr>
+              <a:buNone/>
+            </a:pPr>
+            <a:r>
+              <a:rPr lang="en-GB" dirty="0" smtClean="0"/>
+              <a:t>bucket[0] = "A thing";</a:t>
+            </a:r>
+          </a:p>
+          <a:p>
+            <a:pPr>
+              <a:buNone/>
+            </a:pPr>
+            <a:r>
+              <a:rPr lang="en-GB" dirty="0" err="1" smtClean="0"/>
+              <a:t>bucket.snack</a:t>
+            </a:r>
+            <a:r>
+              <a:rPr lang="en-GB" dirty="0" smtClean="0"/>
+              <a:t> = "steak sandwich!";</a:t>
+            </a:r>
+          </a:p>
+          <a:p>
+            <a:pPr>
+              <a:buNone/>
+            </a:pPr>
+            <a:r>
+              <a:rPr lang="en-GB" dirty="0" smtClean="0"/>
+              <a:t>bucket['booze']</a:t>
+            </a:r>
+            <a:r>
+              <a:rPr lang="en-GB" dirty="0"/>
+              <a:t> </a:t>
+            </a:r>
+            <a:r>
+              <a:rPr lang="en-GB" dirty="0" smtClean="0"/>
+              <a:t>= "gin and tonic";</a:t>
+            </a:r>
+          </a:p>
+          <a:p>
+            <a:pPr>
+              <a:buNone/>
+            </a:pPr>
+            <a:endParaRPr lang="en-GB" dirty="0" smtClean="0"/>
           </a:p>
         </p:txBody>
       </p:sp>
     </p:spTree>
     <p:extLst>
       <p:ext uri="{BB962C8B-B14F-4D97-AF65-F5344CB8AC3E}">
-        <p14:creationId xmlns:p14="http://schemas.microsoft.com/office/powerpoint/2010/main" val="3852315355"/>
+        <p14:creationId xmlns:p14="http://schemas.microsoft.com/office/powerpoint/2010/main" xmlns="" val="3852315355"/>
       </p:ext>
     </p:extLst>
   </p:cSld>
   <p:clrMapOvr>
     <a:masterClrMapping/>
   </p:clrMapOvr>
-  <mc:AlternateContent xmlns:mc="http://schemas.openxmlformats.org/markup-compatibility/2006" xmlns:p14="http://schemas.microsoft.com/office/powerpoint/2010/main">
-    <mc:Choice Requires="p14">
+  <mc:AlternateContent xmlns:mc="http://schemas.openxmlformats.org/markup-compatibility/2006">
+    <mc:Choice xmlns:p14="http://schemas.microsoft.com/office/powerpoint/2010/main" xmlns="" Requires="p14">
       <p:transition spd="slow" p14:dur="2000"/>
     </mc:Choice>
-    <mc:Fallback xmlns="">
+    <mc:Fallback>
       <p:transition spd="slow"/>
     </mc:Fallback>
   </mc:AlternateContent>
@@ -11060,18 +12059,18 @@
     </p:spTree>
     <p:extLst>
       <p:ext uri="{BB962C8B-B14F-4D97-AF65-F5344CB8AC3E}">
-        <p14:creationId xmlns:p14="http://schemas.microsoft.com/office/powerpoint/2010/main" val="2823881731"/>
+        <p14:creationId xmlns:p14="http://schemas.microsoft.com/office/powerpoint/2010/main" xmlns="" val="2823881731"/>
       </p:ext>
     </p:extLst>
   </p:cSld>
   <p:clrMapOvr>
     <a:masterClrMapping/>
   </p:clrMapOvr>
-  <mc:AlternateContent xmlns:mc="http://schemas.openxmlformats.org/markup-compatibility/2006" xmlns:p14="http://schemas.microsoft.com/office/powerpoint/2010/main">
-    <mc:Choice Requires="p14">
+  <mc:AlternateContent xmlns:mc="http://schemas.openxmlformats.org/markup-compatibility/2006">
+    <mc:Choice xmlns:p14="http://schemas.microsoft.com/office/powerpoint/2010/main" xmlns="" Requires="p14">
       <p:transition spd="slow" p14:dur="2000"/>
     </mc:Choice>
-    <mc:Fallback xmlns="">
+    <mc:Fallback>
       <p:transition spd="slow"/>
     </mc:Fallback>
   </mc:AlternateContent>
@@ -11140,18 +12139,18 @@
     </p:spTree>
     <p:extLst>
       <p:ext uri="{BB962C8B-B14F-4D97-AF65-F5344CB8AC3E}">
-        <p14:creationId xmlns:p14="http://schemas.microsoft.com/office/powerpoint/2010/main" val="2746586850"/>
+        <p14:creationId xmlns:p14="http://schemas.microsoft.com/office/powerpoint/2010/main" xmlns="" val="2746586850"/>
       </p:ext>
     </p:extLst>
   </p:cSld>
   <p:clrMapOvr>
     <a:masterClrMapping/>
   </p:clrMapOvr>
-  <mc:AlternateContent xmlns:mc="http://schemas.openxmlformats.org/markup-compatibility/2006" xmlns:p14="http://schemas.microsoft.com/office/powerpoint/2010/main">
-    <mc:Choice Requires="p14">
+  <mc:AlternateContent xmlns:mc="http://schemas.openxmlformats.org/markup-compatibility/2006">
+    <mc:Choice xmlns:p14="http://schemas.microsoft.com/office/powerpoint/2010/main" xmlns="" Requires="p14">
       <p:transition spd="slow" p14:dur="2000"/>
     </mc:Choice>
-    <mc:Fallback xmlns="">
+    <mc:Fallback>
       <p:transition spd="slow"/>
     </mc:Fallback>
   </mc:AlternateContent>
@@ -11224,18 +12223,18 @@
     </p:spTree>
     <p:extLst>
       <p:ext uri="{BB962C8B-B14F-4D97-AF65-F5344CB8AC3E}">
-        <p14:creationId xmlns:p14="http://schemas.microsoft.com/office/powerpoint/2010/main" val="218911309"/>
+        <p14:creationId xmlns:p14="http://schemas.microsoft.com/office/powerpoint/2010/main" xmlns="" val="218911309"/>
       </p:ext>
     </p:extLst>
   </p:cSld>
   <p:clrMapOvr>
     <a:masterClrMapping/>
   </p:clrMapOvr>
-  <mc:AlternateContent xmlns:mc="http://schemas.openxmlformats.org/markup-compatibility/2006" xmlns:p14="http://schemas.microsoft.com/office/powerpoint/2010/main">
-    <mc:Choice Requires="p14">
+  <mc:AlternateContent xmlns:mc="http://schemas.openxmlformats.org/markup-compatibility/2006">
+    <mc:Choice xmlns:p14="http://schemas.microsoft.com/office/powerpoint/2010/main" xmlns="" Requires="p14">
       <p:transition spd="slow" p14:dur="2000"/>
     </mc:Choice>
-    <mc:Fallback xmlns="">
+    <mc:Fallback>
       <p:transition spd="slow"/>
     </mc:Fallback>
   </mc:AlternateContent>
@@ -11308,18 +12307,18 @@
     </p:spTree>
     <p:extLst>
       <p:ext uri="{BB962C8B-B14F-4D97-AF65-F5344CB8AC3E}">
-        <p14:creationId xmlns:p14="http://schemas.microsoft.com/office/powerpoint/2010/main" val="1792698592"/>
+        <p14:creationId xmlns:p14="http://schemas.microsoft.com/office/powerpoint/2010/main" xmlns="" val="1792698592"/>
       </p:ext>
     </p:extLst>
   </p:cSld>
   <p:clrMapOvr>
     <a:masterClrMapping/>
   </p:clrMapOvr>
-  <mc:AlternateContent xmlns:mc="http://schemas.openxmlformats.org/markup-compatibility/2006" xmlns:p14="http://schemas.microsoft.com/office/powerpoint/2010/main">
-    <mc:Choice Requires="p14">
+  <mc:AlternateContent xmlns:mc="http://schemas.openxmlformats.org/markup-compatibility/2006">
+    <mc:Choice xmlns:p14="http://schemas.microsoft.com/office/powerpoint/2010/main" xmlns="" Requires="p14">
       <p:transition spd="slow" p14:dur="2000"/>
     </mc:Choice>
-    <mc:Fallback xmlns="">
+    <mc:Fallback>
       <p:transition spd="slow"/>
     </mc:Fallback>
   </mc:AlternateContent>
@@ -11378,28 +12377,225 @@
         </p:nvSpPr>
         <p:spPr/>
         <p:txBody>
-          <a:bodyPr/>
+          <a:bodyPr>
+            <a:normAutofit fontScale="85000" lnSpcReduction="20000"/>
+          </a:bodyPr>
           <a:lstStyle/>
           <a:p>
-            <a:endParaRPr lang="en-GB" dirty="0"/>
+            <a:pPr>
+              <a:buNone/>
+            </a:pPr>
+            <a:r>
+              <a:rPr lang="en-GB" dirty="0" err="1" smtClean="0"/>
+              <a:t>var</a:t>
+            </a:r>
+            <a:r>
+              <a:rPr lang="en-GB" dirty="0" smtClean="0"/>
+              <a:t> alerts = [];</a:t>
+            </a:r>
+            <a:br>
+              <a:rPr lang="en-GB" dirty="0" smtClean="0"/>
+            </a:br>
+            <a:r>
+              <a:rPr lang="en-GB" dirty="0" smtClean="0"/>
+              <a:t>for(</a:t>
+            </a:r>
+            <a:r>
+              <a:rPr lang="en-GB" dirty="0" err="1" smtClean="0"/>
+              <a:t>var</a:t>
+            </a:r>
+            <a:r>
+              <a:rPr lang="en-GB" dirty="0" smtClean="0"/>
+              <a:t> </a:t>
+            </a:r>
+            <a:r>
+              <a:rPr lang="en-GB" dirty="0" err="1" smtClean="0"/>
+              <a:t>i</a:t>
+            </a:r>
+            <a:r>
+              <a:rPr lang="en-GB" dirty="0" smtClean="0"/>
+              <a:t> = 0; </a:t>
+            </a:r>
+            <a:r>
+              <a:rPr lang="en-GB" dirty="0" err="1" smtClean="0"/>
+              <a:t>i</a:t>
+            </a:r>
+            <a:r>
+              <a:rPr lang="en-GB" dirty="0" smtClean="0"/>
+              <a:t> &lt; 3; </a:t>
+            </a:r>
+            <a:r>
+              <a:rPr lang="en-GB" dirty="0" err="1" smtClean="0"/>
+              <a:t>i</a:t>
+            </a:r>
+            <a:r>
+              <a:rPr lang="en-GB" dirty="0" smtClean="0"/>
+              <a:t>++) {</a:t>
+            </a:r>
+            <a:br>
+              <a:rPr lang="en-GB" dirty="0" smtClean="0"/>
+            </a:br>
+            <a:r>
+              <a:rPr lang="en-GB" dirty="0" smtClean="0"/>
+              <a:t>    </a:t>
+            </a:r>
+            <a:r>
+              <a:rPr lang="en-GB" dirty="0" err="1" smtClean="0"/>
+              <a:t>alerts.push</a:t>
+            </a:r>
+            <a:r>
+              <a:rPr lang="en-GB" dirty="0" smtClean="0"/>
+              <a:t>(function() { </a:t>
+            </a:r>
+            <a:r>
+              <a:rPr lang="en-GB" dirty="0" err="1" smtClean="0"/>
+              <a:t>document.write</a:t>
+            </a:r>
+            <a:r>
+              <a:rPr lang="en-GB" dirty="0" smtClean="0"/>
+              <a:t>(</a:t>
+            </a:r>
+            <a:r>
+              <a:rPr lang="en-GB" dirty="0" err="1" smtClean="0"/>
+              <a:t>i</a:t>
+            </a:r>
+            <a:r>
+              <a:rPr lang="en-GB" dirty="0" smtClean="0"/>
+              <a:t> + ', '); });</a:t>
+            </a:r>
+            <a:br>
+              <a:rPr lang="en-GB" dirty="0" smtClean="0"/>
+            </a:br>
+            <a:r>
+              <a:rPr lang="en-GB" dirty="0" smtClean="0"/>
+              <a:t>}</a:t>
+            </a:r>
+            <a:br>
+              <a:rPr lang="en-GB" dirty="0" smtClean="0"/>
+            </a:br>
+            <a:r>
+              <a:rPr lang="en-GB" dirty="0" smtClean="0"/>
+              <a:t/>
+            </a:r>
+            <a:br>
+              <a:rPr lang="en-GB" dirty="0" smtClean="0"/>
+            </a:br>
+            <a:r>
+              <a:rPr lang="en-GB" dirty="0" smtClean="0"/>
+              <a:t>for (</a:t>
+            </a:r>
+            <a:r>
+              <a:rPr lang="en-GB" dirty="0" err="1" smtClean="0"/>
+              <a:t>var</a:t>
+            </a:r>
+            <a:r>
+              <a:rPr lang="en-GB" dirty="0" smtClean="0"/>
+              <a:t> j = 0; j &lt; 3; j++) {</a:t>
+            </a:r>
+            <a:br>
+              <a:rPr lang="en-GB" dirty="0" smtClean="0"/>
+            </a:br>
+            <a:r>
+              <a:rPr lang="en-GB" dirty="0" smtClean="0"/>
+              <a:t>    (alerts[j])();</a:t>
+            </a:r>
+            <a:br>
+              <a:rPr lang="en-GB" dirty="0" smtClean="0"/>
+            </a:br>
+            <a:r>
+              <a:rPr lang="en-GB" dirty="0" smtClean="0"/>
+              <a:t>}</a:t>
+            </a:r>
+            <a:br>
+              <a:rPr lang="en-GB" dirty="0" smtClean="0"/>
+            </a:br>
+            <a:r>
+              <a:rPr lang="en-GB" dirty="0" smtClean="0"/>
+              <a:t/>
+            </a:r>
+            <a:br>
+              <a:rPr lang="en-GB" dirty="0" smtClean="0"/>
+            </a:br>
+            <a:r>
+              <a:rPr lang="en-GB" dirty="0" smtClean="0"/>
+              <a:t>for (</a:t>
+            </a:r>
+            <a:r>
+              <a:rPr lang="en-GB" dirty="0" err="1" smtClean="0"/>
+              <a:t>var</a:t>
+            </a:r>
+            <a:r>
+              <a:rPr lang="en-GB" dirty="0" smtClean="0"/>
+              <a:t> </a:t>
+            </a:r>
+            <a:r>
+              <a:rPr lang="en-GB" dirty="0" err="1" smtClean="0"/>
+              <a:t>i</a:t>
+            </a:r>
+            <a:r>
+              <a:rPr lang="en-GB" dirty="0" smtClean="0"/>
+              <a:t> = 0; </a:t>
+            </a:r>
+            <a:r>
+              <a:rPr lang="en-GB" dirty="0" err="1" smtClean="0"/>
+              <a:t>i</a:t>
+            </a:r>
+            <a:r>
+              <a:rPr lang="en-GB" dirty="0" smtClean="0"/>
+              <a:t> &lt; 3; </a:t>
+            </a:r>
+            <a:r>
+              <a:rPr lang="en-GB" dirty="0" err="1" smtClean="0"/>
+              <a:t>i</a:t>
+            </a:r>
+            <a:r>
+              <a:rPr lang="en-GB" dirty="0" smtClean="0"/>
+              <a:t>++) {</a:t>
+            </a:r>
+            <a:br>
+              <a:rPr lang="en-GB" dirty="0" smtClean="0"/>
+            </a:br>
+            <a:r>
+              <a:rPr lang="en-GB" dirty="0" smtClean="0"/>
+              <a:t>    (alerts[</a:t>
+            </a:r>
+            <a:r>
+              <a:rPr lang="en-GB" dirty="0" err="1" smtClean="0"/>
+              <a:t>i</a:t>
+            </a:r>
+            <a:r>
+              <a:rPr lang="en-GB" dirty="0" smtClean="0"/>
+              <a:t>])();</a:t>
+            </a:r>
+            <a:br>
+              <a:rPr lang="en-GB" dirty="0" smtClean="0"/>
+            </a:br>
+            <a:r>
+              <a:rPr lang="en-GB" dirty="0" smtClean="0"/>
+              <a:t>}</a:t>
+            </a:r>
+            <a:endParaRPr lang="en-GB" dirty="0">
+              <a:latin typeface="Consolas" pitchFamily="49" charset="0"/>
+              <a:cs typeface="Consolas" pitchFamily="49" charset="0"/>
+            </a:endParaRPr>
           </a:p>
         </p:txBody>
       </p:sp>
     </p:spTree>
     <p:extLst>
       <p:ext uri="{BB962C8B-B14F-4D97-AF65-F5344CB8AC3E}">
-        <p14:creationId xmlns:p14="http://schemas.microsoft.com/office/powerpoint/2010/main" val="2170781727"/>
+        <p14:creationId xmlns:p14="http://schemas.microsoft.com/office/powerpoint/2010/main" xmlns="" val="2170781727"/>
       </p:ext>
     </p:extLst>
   </p:cSld>
   <p:clrMapOvr>
     <a:masterClrMapping/>
   </p:clrMapOvr>
-  <mc:AlternateContent xmlns:mc="http://schemas.openxmlformats.org/markup-compatibility/2006" xmlns:p14="http://schemas.microsoft.com/office/powerpoint/2010/main">
-    <mc:Choice Requires="p14">
+  <mc:AlternateContent xmlns:mc="http://schemas.openxmlformats.org/markup-compatibility/2006">
+    <mc:Choice xmlns:p14="http://schemas.microsoft.com/office/powerpoint/2010/main" xmlns="" Requires="p14">
       <p:transition spd="slow" p14:dur="2000"/>
     </mc:Choice>
-    <mc:Fallback xmlns="">
+    <mc:Fallback>
       <p:transition spd="slow"/>
     </mc:Fallback>
   </mc:AlternateContent>
@@ -11440,7 +12636,7 @@
           <a:p>
             <a:r>
               <a:rPr lang="en-GB" dirty="0" smtClean="0"/>
-              <a:t>truth</a:t>
+              <a:t>Scope and Hoisting</a:t>
             </a:r>
             <a:endParaRPr lang="en-GB" dirty="0"/>
           </a:p>
@@ -11458,28 +12654,251 @@
         </p:nvSpPr>
         <p:spPr/>
         <p:txBody>
-          <a:bodyPr/>
+          <a:bodyPr>
+            <a:normAutofit fontScale="85000" lnSpcReduction="20000"/>
+          </a:bodyPr>
           <a:lstStyle/>
           <a:p>
-            <a:endParaRPr lang="en-GB"/>
+            <a:pPr>
+              <a:buNone/>
+            </a:pPr>
+            <a:r>
+              <a:rPr lang="en-GB" dirty="0" err="1" smtClean="0"/>
+              <a:t>var</a:t>
+            </a:r>
+            <a:r>
+              <a:rPr lang="en-GB" dirty="0" smtClean="0"/>
+              <a:t> alerts = </a:t>
+            </a:r>
+            <a:r>
+              <a:rPr lang="en-GB" dirty="0" smtClean="0"/>
+              <a:t>[];</a:t>
+            </a:r>
+            <a:endParaRPr lang="en-GB" dirty="0" smtClean="0"/>
+          </a:p>
+          <a:p>
+            <a:pPr>
+              <a:buNone/>
+            </a:pPr>
+            <a:r>
+              <a:rPr lang="en-GB" dirty="0" err="1" smtClean="0"/>
+              <a:t>var</a:t>
+            </a:r>
+            <a:r>
+              <a:rPr lang="en-GB" dirty="0" smtClean="0"/>
+              <a:t> </a:t>
+            </a:r>
+            <a:r>
+              <a:rPr lang="en-GB" dirty="0" err="1" smtClean="0"/>
+              <a:t>i</a:t>
+            </a:r>
+            <a:r>
+              <a:rPr lang="en-GB" dirty="0" smtClean="0"/>
+              <a:t>, j;</a:t>
+            </a:r>
+          </a:p>
+          <a:p>
+            <a:pPr>
+              <a:buNone/>
+            </a:pPr>
+            <a:r>
+              <a:rPr lang="en-GB" dirty="0" smtClean="0"/>
+              <a:t>for(</a:t>
+            </a:r>
+            <a:r>
+              <a:rPr lang="en-GB" dirty="0" err="1" smtClean="0"/>
+              <a:t>i</a:t>
+            </a:r>
+            <a:r>
+              <a:rPr lang="en-GB" dirty="0" smtClean="0"/>
+              <a:t> </a:t>
+            </a:r>
+            <a:r>
+              <a:rPr lang="en-GB" dirty="0" smtClean="0"/>
+              <a:t>= 0; </a:t>
+            </a:r>
+            <a:r>
+              <a:rPr lang="en-GB" dirty="0" err="1" smtClean="0"/>
+              <a:t>i</a:t>
+            </a:r>
+            <a:r>
+              <a:rPr lang="en-GB" dirty="0" smtClean="0"/>
+              <a:t> &lt; 3; </a:t>
+            </a:r>
+            <a:r>
+              <a:rPr lang="en-GB" dirty="0" err="1" smtClean="0"/>
+              <a:t>i</a:t>
+            </a:r>
+            <a:r>
+              <a:rPr lang="en-GB" dirty="0" smtClean="0"/>
+              <a:t>++) {</a:t>
+            </a:r>
+            <a:br>
+              <a:rPr lang="en-GB" dirty="0" smtClean="0"/>
+            </a:br>
+            <a:r>
+              <a:rPr lang="en-GB" dirty="0" err="1" smtClean="0"/>
+              <a:t>alerts.push</a:t>
+            </a:r>
+            <a:r>
+              <a:rPr lang="en-GB" dirty="0" smtClean="0"/>
+              <a:t>(function</a:t>
+            </a:r>
+            <a:r>
+              <a:rPr lang="en-GB" dirty="0" smtClean="0"/>
+              <a:t>() { </a:t>
+            </a:r>
+            <a:r>
+              <a:rPr lang="en-GB" dirty="0" err="1" smtClean="0"/>
+              <a:t>document.write</a:t>
+            </a:r>
+            <a:r>
+              <a:rPr lang="en-GB" dirty="0" smtClean="0"/>
+              <a:t>(</a:t>
+            </a:r>
+            <a:r>
+              <a:rPr lang="en-GB" dirty="0" err="1" smtClean="0"/>
+              <a:t>i</a:t>
+            </a:r>
+            <a:r>
+              <a:rPr lang="en-GB" dirty="0" smtClean="0"/>
+              <a:t> + ', '); </a:t>
+            </a:r>
+            <a:r>
+              <a:rPr lang="en-GB" dirty="0" smtClean="0"/>
+              <a:t>});</a:t>
+            </a:r>
+          </a:p>
+          <a:p>
+            <a:pPr>
+              <a:buNone/>
+            </a:pPr>
+            <a:r>
+              <a:rPr lang="en-GB" dirty="0" smtClean="0"/>
+              <a:t>}</a:t>
+            </a:r>
+          </a:p>
+          <a:p>
+            <a:pPr>
+              <a:buNone/>
+            </a:pPr>
+            <a:r>
+              <a:rPr lang="en-GB" dirty="0" smtClean="0"/>
+              <a:t>for (j </a:t>
+            </a:r>
+            <a:r>
+              <a:rPr lang="en-GB" dirty="0" smtClean="0"/>
+              <a:t>= 0; j &lt; 3; j++) {</a:t>
+            </a:r>
+            <a:br>
+              <a:rPr lang="en-GB" dirty="0" smtClean="0"/>
+            </a:br>
+            <a:r>
+              <a:rPr lang="en-GB" dirty="0" smtClean="0"/>
+              <a:t>alerts[j]();</a:t>
+            </a:r>
+          </a:p>
+          <a:p>
+            <a:pPr>
+              <a:buNone/>
+            </a:pPr>
+            <a:r>
+              <a:rPr lang="en-GB" dirty="0" smtClean="0"/>
+              <a:t>}</a:t>
+            </a:r>
+          </a:p>
+          <a:p>
+            <a:pPr>
+              <a:buNone/>
+            </a:pPr>
+            <a:r>
+              <a:rPr lang="en-GB" dirty="0" smtClean="0"/>
+              <a:t>for (</a:t>
+            </a:r>
+            <a:r>
+              <a:rPr lang="en-GB" dirty="0" err="1" smtClean="0"/>
+              <a:t>i</a:t>
+            </a:r>
+            <a:r>
+              <a:rPr lang="en-GB" dirty="0" smtClean="0"/>
+              <a:t> </a:t>
+            </a:r>
+            <a:r>
+              <a:rPr lang="en-GB" dirty="0" smtClean="0"/>
+              <a:t>= 0; </a:t>
+            </a:r>
+            <a:r>
+              <a:rPr lang="en-GB" dirty="0" err="1" smtClean="0"/>
+              <a:t>i</a:t>
+            </a:r>
+            <a:r>
+              <a:rPr lang="en-GB" dirty="0" smtClean="0"/>
+              <a:t> &lt; 3; </a:t>
+            </a:r>
+            <a:r>
+              <a:rPr lang="en-GB" dirty="0" err="1" smtClean="0"/>
+              <a:t>i</a:t>
+            </a:r>
+            <a:r>
+              <a:rPr lang="en-GB" dirty="0" smtClean="0"/>
+              <a:t>++) </a:t>
+            </a:r>
+            <a:r>
+              <a:rPr lang="en-GB" dirty="0" smtClean="0"/>
+              <a:t>{</a:t>
+            </a:r>
+          </a:p>
+          <a:p>
+            <a:pPr>
+              <a:buNone/>
+            </a:pPr>
+            <a:r>
+              <a:rPr lang="en-GB" dirty="0" smtClean="0"/>
+              <a:t>	</a:t>
+            </a:r>
+            <a:r>
+              <a:rPr lang="en-GB" dirty="0" smtClean="0"/>
+              <a:t>alerts[</a:t>
+            </a:r>
+            <a:r>
+              <a:rPr lang="en-GB" dirty="0" err="1" smtClean="0"/>
+              <a:t>i</a:t>
+            </a:r>
+            <a:r>
+              <a:rPr lang="en-GB" dirty="0" smtClean="0"/>
+              <a:t>]();</a:t>
+            </a:r>
+          </a:p>
+          <a:p>
+            <a:pPr>
+              <a:buNone/>
+            </a:pPr>
+            <a:r>
+              <a:rPr lang="en-GB" dirty="0" smtClean="0"/>
+              <a:t>}</a:t>
+            </a:r>
+            <a:endParaRPr lang="en-GB" dirty="0">
+              <a:latin typeface="Consolas" pitchFamily="49" charset="0"/>
+              <a:cs typeface="Consolas" pitchFamily="49" charset="0"/>
+            </a:endParaRPr>
           </a:p>
         </p:txBody>
       </p:sp>
     </p:spTree>
     <p:extLst>
       <p:ext uri="{BB962C8B-B14F-4D97-AF65-F5344CB8AC3E}">
-        <p14:creationId xmlns:p14="http://schemas.microsoft.com/office/powerpoint/2010/main" val="3191141142"/>
+        <p14:creationId xmlns:p14="http://schemas.microsoft.com/office/powerpoint/2010/main" xmlns="" val="2170781727"/>
       </p:ext>
     </p:extLst>
   </p:cSld>
   <p:clrMapOvr>
     <a:masterClrMapping/>
   </p:clrMapOvr>
-  <mc:AlternateContent xmlns:mc="http://schemas.openxmlformats.org/markup-compatibility/2006" xmlns:p14="http://schemas.microsoft.com/office/powerpoint/2010/main">
-    <mc:Choice Requires="p14">
+  <mc:AlternateContent xmlns:mc="http://schemas.openxmlformats.org/markup-compatibility/2006">
+    <mc:Choice xmlns:p14="http://schemas.microsoft.com/office/powerpoint/2010/main" xmlns="" Requires="p14">
       <p:transition spd="slow" p14:dur="2000"/>
     </mc:Choice>
-    <mc:Fallback xmlns="">
+    <mc:Fallback>
       <p:transition spd="slow"/>
     </mc:Fallback>
   </mc:AlternateContent>
@@ -11695,11 +13114,11 @@
   <p:clrMapOvr>
     <a:masterClrMapping/>
   </p:clrMapOvr>
-  <mc:AlternateContent xmlns:mc="http://schemas.openxmlformats.org/markup-compatibility/2006" xmlns:p14="http://schemas.microsoft.com/office/powerpoint/2010/main">
-    <mc:Choice Requires="p14">
+  <mc:AlternateContent xmlns:mc="http://schemas.openxmlformats.org/markup-compatibility/2006">
+    <mc:Choice xmlns:p14="http://schemas.microsoft.com/office/powerpoint/2010/main" xmlns="" Requires="p14">
       <p:transition spd="slow" p14:dur="2000"/>
     </mc:Choice>
-    <mc:Fallback xmlns="">
+    <mc:Fallback>
       <p:transition spd="slow"/>
     </mc:Fallback>
   </mc:AlternateContent>
@@ -11740,7 +13159,23 @@
           <a:p>
             <a:r>
               <a:rPr lang="en-GB" dirty="0" smtClean="0"/>
-              <a:t>semicolons</a:t>
+              <a:t>"</a:t>
+            </a:r>
+            <a:r>
+              <a:rPr lang="en-GB" dirty="0" err="1" smtClean="0"/>
+              <a:t>truthy</a:t>
+            </a:r>
+            <a:r>
+              <a:rPr lang="en-GB" dirty="0" smtClean="0"/>
+              <a:t>" and "</a:t>
+            </a:r>
+            <a:r>
+              <a:rPr lang="en-GB" dirty="0" err="1" smtClean="0"/>
+              <a:t>falsy</a:t>
+            </a:r>
+            <a:r>
+              <a:rPr lang="en-GB" dirty="0" smtClean="0"/>
+              <a:t>"</a:t>
             </a:r>
             <a:endParaRPr lang="en-GB" dirty="0"/>
           </a:p>
@@ -11748,38 +13183,184 @@
       </p:sp>
       <p:sp>
         <p:nvSpPr>
-          <p:cNvPr id="3" name="Content Placeholder 2"/>
+          <p:cNvPr id="4" name="Content Placeholder 3"/>
           <p:cNvSpPr>
             <a:spLocks noGrp="1"/>
           </p:cNvSpPr>
           <p:nvPr>
-            <p:ph idx="1"/>
+            <p:ph sz="half" idx="1"/>
           </p:nvPr>
         </p:nvSpPr>
         <p:spPr/>
         <p:txBody>
-          <a:bodyPr/>
+          <a:bodyPr>
+            <a:normAutofit/>
+          </a:bodyPr>
           <a:lstStyle/>
           <a:p>
-            <a:endParaRPr lang="en-GB"/>
+            <a:pPr algn="ctr">
+              <a:buNone/>
+            </a:pPr>
+            <a:r>
+              <a:rPr lang="en-GB" dirty="0" smtClean="0"/>
+              <a:t>False Things:</a:t>
+            </a:r>
+          </a:p>
+          <a:p>
+            <a:pPr algn="ctr">
+              <a:buNone/>
+            </a:pPr>
+            <a:endParaRPr lang="en-GB" dirty="0" smtClean="0"/>
+          </a:p>
+          <a:p>
+            <a:pPr algn="ctr">
+              <a:buNone/>
+            </a:pPr>
+            <a:r>
+              <a:rPr lang="en-GB" dirty="0" smtClean="0"/>
+              <a:t>The empty string</a:t>
+            </a:r>
+          </a:p>
+          <a:p>
+            <a:pPr algn="ctr">
+              <a:buNone/>
+            </a:pPr>
+            <a:r>
+              <a:rPr lang="en-GB" dirty="0" smtClean="0"/>
+              <a:t>Zero</a:t>
+            </a:r>
+          </a:p>
+          <a:p>
+            <a:pPr algn="ctr">
+              <a:buNone/>
+            </a:pPr>
+            <a:r>
+              <a:rPr lang="en-GB" dirty="0" err="1" smtClean="0"/>
+              <a:t>NaN</a:t>
+            </a:r>
+            <a:endParaRPr lang="en-GB" dirty="0" smtClean="0"/>
+          </a:p>
+          <a:p>
+            <a:pPr algn="ctr">
+              <a:buNone/>
+            </a:pPr>
+            <a:r>
+              <a:rPr lang="en-GB" dirty="0" smtClean="0"/>
+              <a:t>null</a:t>
+            </a:r>
+          </a:p>
+          <a:p>
+            <a:pPr algn="ctr">
+              <a:buNone/>
+            </a:pPr>
+            <a:endParaRPr lang="en-GB" dirty="0" smtClean="0"/>
+          </a:p>
+          <a:p>
+            <a:pPr algn="ctr">
+              <a:buNone/>
+            </a:pPr>
+            <a:r>
+              <a:rPr lang="en-GB" dirty="0" smtClean="0"/>
+              <a:t>([] == true)</a:t>
+            </a:r>
+            <a:endParaRPr lang="en-GB" dirty="0"/>
+          </a:p>
+        </p:txBody>
+      </p:sp>
+      <p:sp>
+        <p:nvSpPr>
+          <p:cNvPr id="5" name="Content Placeholder 4"/>
+          <p:cNvSpPr>
+            <a:spLocks noGrp="1"/>
+          </p:cNvSpPr>
+          <p:nvPr>
+            <p:ph sz="half" idx="2"/>
+          </p:nvPr>
+        </p:nvSpPr>
+        <p:spPr/>
+        <p:txBody>
+          <a:bodyPr>
+            <a:normAutofit/>
+          </a:bodyPr>
+          <a:lstStyle/>
+          <a:p>
+            <a:pPr algn="ctr">
+              <a:buNone/>
+            </a:pPr>
+            <a:r>
+              <a:rPr lang="en-GB" dirty="0" smtClean="0"/>
+              <a:t>True Things:</a:t>
+            </a:r>
+          </a:p>
+          <a:p>
+            <a:pPr algn="ctr">
+              <a:buNone/>
+            </a:pPr>
+            <a:endParaRPr lang="en-GB" dirty="0" smtClean="0"/>
+          </a:p>
+          <a:p>
+            <a:pPr algn="ctr">
+              <a:buNone/>
+            </a:pPr>
+            <a:r>
+              <a:rPr lang="en-GB" dirty="0" smtClean="0"/>
+              <a:t>everything else</a:t>
+            </a:r>
+          </a:p>
+          <a:p>
+            <a:pPr algn="ctr">
+              <a:buNone/>
+            </a:pPr>
+            <a:endParaRPr lang="en-GB" dirty="0" smtClean="0"/>
+          </a:p>
+          <a:p>
+            <a:pPr algn="ctr">
+              <a:buNone/>
+            </a:pPr>
+            <a:endParaRPr lang="en-GB" dirty="0" smtClean="0"/>
+          </a:p>
+          <a:p>
+            <a:pPr algn="ctr">
+              <a:buNone/>
+            </a:pPr>
+            <a:r>
+              <a:rPr lang="en-GB" dirty="0" smtClean="0"/>
+              <a:t>([])</a:t>
+            </a:r>
+            <a:endParaRPr lang="en-GB" dirty="0" smtClean="0"/>
+          </a:p>
+          <a:p>
+            <a:pPr algn="ctr">
+              <a:buNone/>
+            </a:pPr>
+            <a:endParaRPr lang="en-GB" dirty="0" smtClean="0"/>
+          </a:p>
+          <a:p>
+            <a:pPr algn="ctr">
+              <a:buNone/>
+            </a:pPr>
+            <a:r>
+              <a:rPr lang="en-GB" dirty="0" smtClean="0"/>
+              <a:t>([] == false)</a:t>
+            </a:r>
           </a:p>
         </p:txBody>
       </p:sp>
     </p:spTree>
     <p:extLst>
       <p:ext uri="{BB962C8B-B14F-4D97-AF65-F5344CB8AC3E}">
-        <p14:creationId xmlns:p14="http://schemas.microsoft.com/office/powerpoint/2010/main" val="2115361213"/>
+        <p14:creationId xmlns:p14="http://schemas.microsoft.com/office/powerpoint/2010/main" xmlns="" val="3191141142"/>
       </p:ext>
     </p:extLst>
   </p:cSld>
   <p:clrMapOvr>
     <a:masterClrMapping/>
   </p:clrMapOvr>
-  <mc:AlternateContent xmlns:mc="http://schemas.openxmlformats.org/markup-compatibility/2006" xmlns:p14="http://schemas.microsoft.com/office/powerpoint/2010/main">
-    <mc:Choice Requires="p14">
+  <mc:AlternateContent xmlns:mc="http://schemas.openxmlformats.org/markup-compatibility/2006">
+    <mc:Choice xmlns:p14="http://schemas.microsoft.com/office/powerpoint/2010/main" xmlns="" Requires="p14">
       <p:transition spd="slow" p14:dur="2000"/>
     </mc:Choice>
-    <mc:Fallback xmlns="">
+    <mc:Fallback>
       <p:transition spd="slow"/>
     </mc:Fallback>
   </mc:AlternateContent>
@@ -11852,18 +13433,18 @@
     </p:spTree>
     <p:extLst>
       <p:ext uri="{BB962C8B-B14F-4D97-AF65-F5344CB8AC3E}">
-        <p14:creationId xmlns:p14="http://schemas.microsoft.com/office/powerpoint/2010/main" val="259883720"/>
+        <p14:creationId xmlns:p14="http://schemas.microsoft.com/office/powerpoint/2010/main" xmlns="" val="259883720"/>
       </p:ext>
     </p:extLst>
   </p:cSld>
   <p:clrMapOvr>
     <a:masterClrMapping/>
   </p:clrMapOvr>
-  <mc:AlternateContent xmlns:mc="http://schemas.openxmlformats.org/markup-compatibility/2006" xmlns:p14="http://schemas.microsoft.com/office/powerpoint/2010/main">
-    <mc:Choice Requires="p14">
+  <mc:AlternateContent xmlns:mc="http://schemas.openxmlformats.org/markup-compatibility/2006">
+    <mc:Choice xmlns:p14="http://schemas.microsoft.com/office/powerpoint/2010/main" xmlns="" Requires="p14">
       <p:transition spd="slow" p14:dur="2000"/>
     </mc:Choice>
-    <mc:Fallback xmlns="">
+    <mc:Fallback>
       <p:transition spd="slow"/>
     </mc:Fallback>
   </mc:AlternateContent>
@@ -11941,18 +13522,18 @@
     </p:spTree>
     <p:extLst>
       <p:ext uri="{BB962C8B-B14F-4D97-AF65-F5344CB8AC3E}">
-        <p14:creationId xmlns:p14="http://schemas.microsoft.com/office/powerpoint/2010/main" val="3140080712"/>
+        <p14:creationId xmlns:p14="http://schemas.microsoft.com/office/powerpoint/2010/main" xmlns="" val="3140080712"/>
       </p:ext>
     </p:extLst>
   </p:cSld>
   <p:clrMapOvr>
     <a:masterClrMapping/>
   </p:clrMapOvr>
-  <mc:AlternateContent xmlns:mc="http://schemas.openxmlformats.org/markup-compatibility/2006" xmlns:p14="http://schemas.microsoft.com/office/powerpoint/2010/main">
-    <mc:Choice Requires="p14">
+  <mc:AlternateContent xmlns:mc="http://schemas.openxmlformats.org/markup-compatibility/2006">
+    <mc:Choice xmlns:p14="http://schemas.microsoft.com/office/powerpoint/2010/main" xmlns="" Requires="p14">
       <p:transition spd="slow" p14:dur="2000"/>
     </mc:Choice>
-    <mc:Fallback xmlns="">
+    <mc:Fallback>
       <p:transition spd="slow"/>
     </mc:Fallback>
   </mc:AlternateContent>
@@ -12022,18 +13603,18 @@
     </p:spTree>
     <p:extLst>
       <p:ext uri="{BB962C8B-B14F-4D97-AF65-F5344CB8AC3E}">
-        <p14:creationId xmlns:p14="http://schemas.microsoft.com/office/powerpoint/2010/main" val="649950254"/>
+        <p14:creationId xmlns:p14="http://schemas.microsoft.com/office/powerpoint/2010/main" xmlns="" val="649950254"/>
       </p:ext>
     </p:extLst>
   </p:cSld>
   <p:clrMapOvr>
     <a:masterClrMapping/>
   </p:clrMapOvr>
-  <mc:AlternateContent xmlns:mc="http://schemas.openxmlformats.org/markup-compatibility/2006" xmlns:p14="http://schemas.microsoft.com/office/powerpoint/2010/main">
-    <mc:Choice Requires="p14">
+  <mc:AlternateContent xmlns:mc="http://schemas.openxmlformats.org/markup-compatibility/2006">
+    <mc:Choice xmlns:p14="http://schemas.microsoft.com/office/powerpoint/2010/main" xmlns="" Requires="p14">
       <p:transition spd="slow" p14:dur="2000"/>
     </mc:Choice>
-    <mc:Fallback xmlns="">
+    <mc:Fallback>
       <p:transition spd="slow"/>
     </mc:Fallback>
   </mc:AlternateContent>
@@ -12123,18 +13704,18 @@
     </p:spTree>
     <p:extLst>
       <p:ext uri="{BB962C8B-B14F-4D97-AF65-F5344CB8AC3E}">
-        <p14:creationId xmlns:p14="http://schemas.microsoft.com/office/powerpoint/2010/main" val="4251563071"/>
+        <p14:creationId xmlns:p14="http://schemas.microsoft.com/office/powerpoint/2010/main" xmlns="" val="4251563071"/>
       </p:ext>
     </p:extLst>
   </p:cSld>
   <p:clrMapOvr>
     <a:masterClrMapping/>
   </p:clrMapOvr>
-  <mc:AlternateContent xmlns:mc="http://schemas.openxmlformats.org/markup-compatibility/2006" xmlns:p14="http://schemas.microsoft.com/office/powerpoint/2010/main">
-    <mc:Choice Requires="p14">
+  <mc:AlternateContent xmlns:mc="http://schemas.openxmlformats.org/markup-compatibility/2006">
+    <mc:Choice xmlns:p14="http://schemas.microsoft.com/office/powerpoint/2010/main" xmlns="" Requires="p14">
       <p:transition spd="slow" p14:dur="2000"/>
     </mc:Choice>
-    <mc:Fallback xmlns="">
+    <mc:Fallback>
       <p:transition spd="slow"/>
     </mc:Fallback>
   </mc:AlternateContent>
@@ -12158,63 +13739,47 @@
           <a:chExt cx="0" cy="0"/>
         </a:xfrm>
       </p:grpSpPr>
-      <p:sp>
-        <p:nvSpPr>
-          <p:cNvPr id="2" name="Title 1"/>
-          <p:cNvSpPr>
-            <a:spLocks noGrp="1"/>
-          </p:cNvSpPr>
-          <p:nvPr>
-            <p:ph type="title"/>
-          </p:nvPr>
-        </p:nvSpPr>
-        <p:spPr/>
-        <p:txBody>
-          <a:bodyPr/>
-          <a:lstStyle/>
-          <a:p>
-            <a:r>
-              <a:rPr lang="en-GB" dirty="0" smtClean="0"/>
-              <a:t>Cool Stuff</a:t>
-            </a:r>
-            <a:endParaRPr lang="en-GB" dirty="0"/>
-          </a:p>
-        </p:txBody>
-      </p:sp>
-      <p:sp>
-        <p:nvSpPr>
-          <p:cNvPr id="3" name="Content Placeholder 2"/>
-          <p:cNvSpPr>
-            <a:spLocks noGrp="1"/>
-          </p:cNvSpPr>
-          <p:nvPr>
-            <p:ph idx="1"/>
-          </p:nvPr>
-        </p:nvSpPr>
-        <p:spPr/>
-        <p:txBody>
-          <a:bodyPr/>
-          <a:lstStyle/>
-          <a:p>
-            <a:endParaRPr lang="en-GB"/>
-          </a:p>
-        </p:txBody>
-      </p:sp>
+      <p:pic>
+        <p:nvPicPr>
+          <p:cNvPr id="19458" name="Picture 2" descr="http://www.pickinglosers.com/files/u11/fonz.jpg"/>
+          <p:cNvPicPr>
+            <a:picLocks noChangeAspect="1" noChangeArrowheads="1"/>
+          </p:cNvPicPr>
+          <p:nvPr/>
+        </p:nvPicPr>
+        <p:blipFill>
+          <a:blip r:embed="rId2" cstate="print"/>
+          <a:srcRect/>
+          <a:stretch>
+            <a:fillRect/>
+          </a:stretch>
+        </p:blipFill>
+        <p:spPr bwMode="auto">
+          <a:xfrm>
+            <a:off x="2051720" y="129096"/>
+            <a:ext cx="5400600" cy="6728904"/>
+          </a:xfrm>
+          <a:prstGeom prst="rect">
+            <a:avLst/>
+          </a:prstGeom>
+          <a:noFill/>
+        </p:spPr>
+      </p:pic>
     </p:spTree>
     <p:extLst>
       <p:ext uri="{BB962C8B-B14F-4D97-AF65-F5344CB8AC3E}">
-        <p14:creationId xmlns:p14="http://schemas.microsoft.com/office/powerpoint/2010/main" val="2598950759"/>
+        <p14:creationId xmlns:p14="http://schemas.microsoft.com/office/powerpoint/2010/main" xmlns="" val="2598950759"/>
       </p:ext>
     </p:extLst>
   </p:cSld>
   <p:clrMapOvr>
     <a:masterClrMapping/>
   </p:clrMapOvr>
-  <mc:AlternateContent xmlns:mc="http://schemas.openxmlformats.org/markup-compatibility/2006" xmlns:p14="http://schemas.microsoft.com/office/powerpoint/2010/main">
-    <mc:Choice Requires="p14">
+  <mc:AlternateContent xmlns:mc="http://schemas.openxmlformats.org/markup-compatibility/2006">
+    <mc:Choice xmlns:p14="http://schemas.microsoft.com/office/powerpoint/2010/main" xmlns="" Requires="p14">
       <p:transition spd="slow" p14:dur="2000"/>
     </mc:Choice>
-    <mc:Fallback xmlns="">
+    <mc:Fallback>
       <p:transition spd="slow"/>
     </mc:Fallback>
   </mc:AlternateContent>
@@ -12287,18 +13852,18 @@
     </p:spTree>
     <p:extLst>
       <p:ext uri="{BB962C8B-B14F-4D97-AF65-F5344CB8AC3E}">
-        <p14:creationId xmlns:p14="http://schemas.microsoft.com/office/powerpoint/2010/main" val="3398446601"/>
+        <p14:creationId xmlns:p14="http://schemas.microsoft.com/office/powerpoint/2010/main" xmlns="" val="3398446601"/>
       </p:ext>
     </p:extLst>
   </p:cSld>
   <p:clrMapOvr>
     <a:masterClrMapping/>
   </p:clrMapOvr>
-  <mc:AlternateContent xmlns:mc="http://schemas.openxmlformats.org/markup-compatibility/2006" xmlns:p14="http://schemas.microsoft.com/office/powerpoint/2010/main">
-    <mc:Choice Requires="p14">
+  <mc:AlternateContent xmlns:mc="http://schemas.openxmlformats.org/markup-compatibility/2006">
+    <mc:Choice xmlns:p14="http://schemas.microsoft.com/office/powerpoint/2010/main" xmlns="" Requires="p14">
       <p:transition spd="slow" p14:dur="2000"/>
     </mc:Choice>
-    <mc:Fallback xmlns="">
+    <mc:Fallback>
       <p:transition spd="slow"/>
     </mc:Fallback>
   </mc:AlternateContent>
@@ -12616,11 +14181,11 @@
   <p:clrMapOvr>
     <a:masterClrMapping/>
   </p:clrMapOvr>
-  <mc:AlternateContent xmlns:mc="http://schemas.openxmlformats.org/markup-compatibility/2006" xmlns:p14="http://schemas.microsoft.com/office/powerpoint/2010/main">
-    <mc:Choice Requires="p14">
+  <mc:AlternateContent xmlns:mc="http://schemas.openxmlformats.org/markup-compatibility/2006">
+    <mc:Choice xmlns:p14="http://schemas.microsoft.com/office/powerpoint/2010/main" xmlns="" Requires="p14">
       <p:transition spd="slow" p14:dur="2000"/>
     </mc:Choice>
-    <mc:Fallback xmlns="">
+    <mc:Fallback>
       <p:transition spd="slow"/>
     </mc:Fallback>
   </mc:AlternateContent>
@@ -12689,18 +14254,18 @@
     </p:spTree>
     <p:extLst>
       <p:ext uri="{BB962C8B-B14F-4D97-AF65-F5344CB8AC3E}">
-        <p14:creationId xmlns:p14="http://schemas.microsoft.com/office/powerpoint/2010/main" val="177327435"/>
+        <p14:creationId xmlns:p14="http://schemas.microsoft.com/office/powerpoint/2010/main" xmlns="" val="177327435"/>
       </p:ext>
     </p:extLst>
   </p:cSld>
   <p:clrMapOvr>
     <a:masterClrMapping/>
   </p:clrMapOvr>
-  <mc:AlternateContent xmlns:mc="http://schemas.openxmlformats.org/markup-compatibility/2006" xmlns:p14="http://schemas.microsoft.com/office/powerpoint/2010/main">
-    <mc:Choice Requires="p14">
+  <mc:AlternateContent xmlns:mc="http://schemas.openxmlformats.org/markup-compatibility/2006">
+    <mc:Choice xmlns:p14="http://schemas.microsoft.com/office/powerpoint/2010/main" xmlns="" Requires="p14">
       <p:transition spd="slow" p14:dur="2000"/>
     </mc:Choice>
-    <mc:Fallback xmlns="">
+    <mc:Fallback>
       <p:transition spd="slow"/>
     </mc:Fallback>
   </mc:AlternateContent>
@@ -13062,11 +14627,11 @@
   <p:clrMapOvr>
     <a:masterClrMapping/>
   </p:clrMapOvr>
-  <mc:AlternateContent xmlns:mc="http://schemas.openxmlformats.org/markup-compatibility/2006" xmlns:p14="http://schemas.microsoft.com/office/powerpoint/2010/main">
-    <mc:Choice Requires="p14">
+  <mc:AlternateContent xmlns:mc="http://schemas.openxmlformats.org/markup-compatibility/2006">
+    <mc:Choice xmlns:p14="http://schemas.microsoft.com/office/powerpoint/2010/main" xmlns="" Requires="p14">
       <p:transition spd="slow" p14:dur="2000"/>
     </mc:Choice>
-    <mc:Fallback xmlns="">
+    <mc:Fallback>
       <p:transition spd="slow"/>
     </mc:Fallback>
   </mc:AlternateContent>
@@ -13244,11 +14809,11 @@
   <p:clrMapOvr>
     <a:masterClrMapping/>
   </p:clrMapOvr>
-  <mc:AlternateContent xmlns:mc="http://schemas.openxmlformats.org/markup-compatibility/2006" xmlns:p14="http://schemas.microsoft.com/office/powerpoint/2010/main">
-    <mc:Choice Requires="p14">
+  <mc:AlternateContent xmlns:mc="http://schemas.openxmlformats.org/markup-compatibility/2006">
+    <mc:Choice xmlns:p14="http://schemas.microsoft.com/office/powerpoint/2010/main" xmlns="" Requires="p14">
       <p:transition spd="slow" p14:dur="2000"/>
     </mc:Choice>
-    <mc:Fallback xmlns="">
+    <mc:Fallback>
       <p:transition spd="slow"/>
     </mc:Fallback>
   </mc:AlternateContent>
@@ -13287,6 +14852,14 @@
           <a:bodyPr/>
           <a:lstStyle/>
           <a:p>
+            <a:r>
+              <a:rPr lang="en-GB" dirty="0" err="1" smtClean="0"/>
+              <a:t>Javascript</a:t>
+            </a:r>
+            <a:r>
+              <a:rPr lang="en-GB" dirty="0" smtClean="0"/>
+              <a:t> Pop Quiz #3</a:t>
+            </a:r>
             <a:endParaRPr lang="en-GB" dirty="0"/>
           </a:p>
         </p:txBody>
@@ -13306,35 +14879,82 @@
           <a:bodyPr/>
           <a:lstStyle/>
           <a:p>
-            <a:endParaRPr lang="en-GB"/>
+            <a:pPr>
+              <a:buNone/>
+            </a:pPr>
+            <a:r>
+              <a:rPr lang="en-GB" dirty="0" smtClean="0"/>
+              <a:t>try</a:t>
+            </a:r>
+            <a:r>
+              <a:rPr lang="en-GB" dirty="0"/>
+              <a:t> </a:t>
+            </a:r>
+            <a:r>
+              <a:rPr lang="en-GB" dirty="0" smtClean="0"/>
+              <a:t>{</a:t>
+            </a:r>
+            <a:br>
+              <a:rPr lang="en-GB" dirty="0" smtClean="0"/>
+            </a:br>
+            <a:r>
+              <a:rPr lang="en-GB" dirty="0" smtClean="0"/>
+              <a:t>return(true);</a:t>
+            </a:r>
+          </a:p>
+          <a:p>
+            <a:pPr>
+              <a:buNone/>
+            </a:pPr>
+            <a:r>
+              <a:rPr lang="en-GB" dirty="0" smtClean="0"/>
+              <a:t>}</a:t>
+            </a:r>
+            <a:r>
+              <a:rPr lang="en-GB" dirty="0"/>
+              <a:t> finally </a:t>
+            </a:r>
+            <a:r>
+              <a:rPr lang="en-GB" dirty="0" smtClean="0"/>
+              <a:t>{</a:t>
+            </a:r>
+            <a:r>
+              <a:rPr lang="en-GB" dirty="0"/>
+              <a:t/>
+            </a:r>
+            <a:br>
+              <a:rPr lang="en-GB" dirty="0"/>
+            </a:br>
+            <a:r>
+              <a:rPr lang="en-GB" dirty="0" smtClean="0"/>
+              <a:t>return(false);</a:t>
+            </a:r>
+          </a:p>
+          <a:p>
+            <a:pPr>
+              <a:buNone/>
+            </a:pPr>
+            <a:r>
+              <a:rPr lang="en-GB" dirty="0" smtClean="0"/>
+              <a:t>}</a:t>
+            </a:r>
+            <a:endParaRPr lang="en-GB" dirty="0"/>
           </a:p>
         </p:txBody>
       </p:sp>
     </p:spTree>
-    <p:extLst>
-      <p:ext uri="{BB962C8B-B14F-4D97-AF65-F5344CB8AC3E}">
-        <p14:creationId xmlns:p14="http://schemas.microsoft.com/office/powerpoint/2010/main" val="1756515905"/>
-      </p:ext>
-    </p:extLst>
   </p:cSld>
   <p:clrMapOvr>
     <a:masterClrMapping/>
   </p:clrMapOvr>
-  <mc:AlternateContent xmlns:mc="http://schemas.openxmlformats.org/markup-compatibility/2006" xmlns:p14="http://schemas.microsoft.com/office/powerpoint/2010/main">
-    <mc:Choice Requires="p14">
+  <mc:AlternateContent xmlns:mc="http://schemas.openxmlformats.org/markup-compatibility/2006">
+    <mc:Choice xmlns:p14="http://schemas.microsoft.com/office/powerpoint/2010/main" xmlns="" Requires="p14">
       <p:transition spd="slow" p14:dur="2000"/>
     </mc:Choice>
-    <mc:Fallback xmlns="">
+    <mc:Fallback>
       <p:transition spd="slow"/>
     </mc:Fallback>
   </mc:AlternateContent>
-  <p:timing>
-    <p:tnLst>
-      <p:par>
-        <p:cTn id="1" dur="indefinite" restart="never" nodeType="tmRoot"/>
-      </p:par>
-    </p:tnLst>
-  </p:timing>
 </p:sld>
 </file>
 
@@ -13367,81 +14987,65 @@
         </p:nvSpPr>
         <p:spPr/>
         <p:txBody>
+          <a:bodyPr>
+            <a:normAutofit/>
+          </a:bodyPr>
+          <a:lstStyle/>
+          <a:p>
+            <a:r>
+              <a:rPr lang="en-GB" dirty="0" smtClean="0"/>
+              <a:t>Layout Engines </a:t>
+            </a:r>
+            <a:r>
+              <a:rPr lang="en-GB" dirty="0" smtClean="0"/>
+              <a:t>(</a:t>
+            </a:r>
+            <a:r>
+              <a:rPr lang="en-GB" baseline="0" dirty="0" smtClean="0"/>
+              <a:t>Tempo</a:t>
+            </a:r>
+            <a:r>
+              <a:rPr lang="en-GB" baseline="0" dirty="0" smtClean="0"/>
+              <a:t>)</a:t>
+            </a:r>
+            <a:endParaRPr lang="en-GB" dirty="0"/>
+          </a:p>
+        </p:txBody>
+      </p:sp>
+      <p:sp>
+        <p:nvSpPr>
+          <p:cNvPr id="3" name="Content Placeholder 2"/>
+          <p:cNvSpPr>
+            <a:spLocks noGrp="1"/>
+          </p:cNvSpPr>
+          <p:nvPr>
+            <p:ph idx="1"/>
+          </p:nvPr>
+        </p:nvSpPr>
+        <p:spPr/>
+        <p:txBody>
           <a:bodyPr/>
           <a:lstStyle/>
           <a:p>
-            <a:r>
-              <a:rPr lang="en-GB" dirty="0" err="1" smtClean="0"/>
-              <a:t>Javascript</a:t>
-            </a:r>
-            <a:r>
-              <a:rPr lang="en-GB" dirty="0" smtClean="0"/>
-              <a:t> Pop Quiz #3</a:t>
-            </a:r>
-            <a:endParaRPr lang="en-GB" dirty="0"/>
-          </a:p>
-        </p:txBody>
-      </p:sp>
-      <p:sp>
-        <p:nvSpPr>
-          <p:cNvPr id="3" name="Content Placeholder 2"/>
-          <p:cNvSpPr>
-            <a:spLocks noGrp="1"/>
-          </p:cNvSpPr>
-          <p:nvPr>
-            <p:ph idx="1"/>
-          </p:nvPr>
-        </p:nvSpPr>
-        <p:spPr/>
-        <p:txBody>
-          <a:bodyPr/>
-          <a:lstStyle/>
-          <a:p>
-            <a:r>
-              <a:rPr lang="en-GB" dirty="0"/>
-              <a:t>    try {</a:t>
-            </a:r>
-            <a:br>
-              <a:rPr lang="en-GB" dirty="0"/>
-            </a:br>
-            <a:r>
-              <a:rPr lang="en-GB" dirty="0"/>
-              <a:t>        return(true);</a:t>
-            </a:r>
-            <a:br>
-              <a:rPr lang="en-GB" dirty="0"/>
-            </a:br>
-            <a:r>
-              <a:rPr lang="en-GB" dirty="0"/>
-              <a:t>    } finally {</a:t>
-            </a:r>
-            <a:br>
-              <a:rPr lang="en-GB" dirty="0"/>
-            </a:br>
-            <a:r>
-              <a:rPr lang="en-GB" dirty="0"/>
-              <a:t>        return(false);</a:t>
-            </a:r>
-            <a:br>
-              <a:rPr lang="en-GB" dirty="0"/>
-            </a:br>
-            <a:r>
-              <a:rPr lang="en-GB" dirty="0"/>
-              <a:t>    }</a:t>
-            </a:r>
+            <a:endParaRPr lang="en-GB"/>
           </a:p>
         </p:txBody>
       </p:sp>
     </p:spTree>
+    <p:extLst>
+      <p:ext uri="{BB962C8B-B14F-4D97-AF65-F5344CB8AC3E}">
+        <p14:creationId xmlns:p14="http://schemas.microsoft.com/office/powerpoint/2010/main" xmlns="" val="2936035119"/>
+      </p:ext>
+    </p:extLst>
   </p:cSld>
   <p:clrMapOvr>
     <a:masterClrMapping/>
   </p:clrMapOvr>
-  <mc:AlternateContent xmlns:mc="http://schemas.openxmlformats.org/markup-compatibility/2006" xmlns:p14="http://schemas.microsoft.com/office/powerpoint/2010/main">
-    <mc:Choice Requires="p14">
+  <mc:AlternateContent xmlns:mc="http://schemas.openxmlformats.org/markup-compatibility/2006">
+    <mc:Choice xmlns:p14="http://schemas.microsoft.com/office/powerpoint/2010/main" xmlns="" Requires="p14">
       <p:transition spd="slow" p14:dur="2000"/>
     </mc:Choice>
-    <mc:Fallback xmlns="">
+    <mc:Fallback>
       <p:transition spd="slow"/>
     </mc:Fallback>
   </mc:AlternateContent>
@@ -13477,61 +15081,64 @@
         </p:nvSpPr>
         <p:spPr/>
         <p:txBody>
-          <a:bodyPr>
-            <a:normAutofit fontScale="90000"/>
-          </a:bodyPr>
-          <a:lstStyle/>
-          <a:p>
-            <a:r>
-              <a:rPr lang="en-GB" dirty="0" smtClean="0"/>
-              <a:t>Layout Engines (</a:t>
-            </a:r>
-            <a:r>
-              <a:rPr lang="en-GB" dirty="0" err="1" smtClean="0"/>
-              <a:t>Mustache</a:t>
-            </a:r>
-            <a:r>
-              <a:rPr lang="en-GB" baseline="0" dirty="0" smtClean="0"/>
-              <a:t> / Tempo)</a:t>
-            </a:r>
-            <a:endParaRPr lang="en-GB" dirty="0"/>
-          </a:p>
-        </p:txBody>
-      </p:sp>
-      <p:sp>
-        <p:nvSpPr>
-          <p:cNvPr id="3" name="Content Placeholder 2"/>
-          <p:cNvSpPr>
-            <a:spLocks noGrp="1"/>
-          </p:cNvSpPr>
-          <p:nvPr>
-            <p:ph idx="1"/>
-          </p:nvPr>
-        </p:nvSpPr>
-        <p:spPr/>
-        <p:txBody>
           <a:bodyPr/>
           <a:lstStyle/>
           <a:p>
-            <a:endParaRPr lang="en-GB"/>
+            <a:r>
+              <a:rPr lang="en-GB" dirty="0" smtClean="0"/>
+              <a:t>A Simple Server in </a:t>
+            </a:r>
+            <a:r>
+              <a:rPr lang="en-GB" dirty="0" err="1" smtClean="0"/>
+              <a:t>NodeJS</a:t>
+            </a:r>
+            <a:endParaRPr lang="en-GB" dirty="0"/>
+          </a:p>
+        </p:txBody>
+      </p:sp>
+      <p:sp>
+        <p:nvSpPr>
+          <p:cNvPr id="3" name="Content Placeholder 2"/>
+          <p:cNvSpPr>
+            <a:spLocks noGrp="1"/>
+          </p:cNvSpPr>
+          <p:nvPr>
+            <p:ph idx="1"/>
+          </p:nvPr>
+        </p:nvSpPr>
+        <p:spPr/>
+        <p:txBody>
+          <a:bodyPr/>
+          <a:lstStyle/>
+          <a:p>
+            <a:endParaRPr lang="en-GB" baseline="0" smtClean="0"/>
+          </a:p>
+          <a:p>
+            <a:endParaRPr lang="en-GB" baseline="0" smtClean="0"/>
+          </a:p>
+          <a:p>
+            <a:endParaRPr lang="en-GB" baseline="0" smtClean="0"/>
+          </a:p>
+          <a:p>
+            <a:endParaRPr lang="en-GB" baseline="0" smtClean="0"/>
           </a:p>
         </p:txBody>
       </p:sp>
     </p:spTree>
     <p:extLst>
       <p:ext uri="{BB962C8B-B14F-4D97-AF65-F5344CB8AC3E}">
-        <p14:creationId xmlns:p14="http://schemas.microsoft.com/office/powerpoint/2010/main" val="2936035119"/>
+        <p14:creationId xmlns:p14="http://schemas.microsoft.com/office/powerpoint/2010/main" xmlns="" val="2582581476"/>
       </p:ext>
     </p:extLst>
   </p:cSld>
   <p:clrMapOvr>
     <a:masterClrMapping/>
   </p:clrMapOvr>
-  <mc:AlternateContent xmlns:mc="http://schemas.openxmlformats.org/markup-compatibility/2006" xmlns:p14="http://schemas.microsoft.com/office/powerpoint/2010/main">
-    <mc:Choice Requires="p14">
+  <mc:AlternateContent xmlns:mc="http://schemas.openxmlformats.org/markup-compatibility/2006">
+    <mc:Choice xmlns:p14="http://schemas.microsoft.com/office/powerpoint/2010/main" xmlns="" Requires="p14">
       <p:transition spd="slow" p14:dur="2000"/>
     </mc:Choice>
-    <mc:Fallback xmlns="">
+    <mc:Fallback>
       <p:transition spd="slow"/>
     </mc:Fallback>
   </mc:AlternateContent>
@@ -13572,7 +15179,7 @@
           <a:p>
             <a:r>
               <a:rPr lang="en-GB" dirty="0" smtClean="0"/>
-              <a:t>HTML5 manifests</a:t>
+              <a:t>Manifests</a:t>
             </a:r>
             <a:endParaRPr lang="en-GB" dirty="0"/>
           </a:p>
@@ -13600,18 +15207,18 @@
     </p:spTree>
     <p:extLst>
       <p:ext uri="{BB962C8B-B14F-4D97-AF65-F5344CB8AC3E}">
-        <p14:creationId xmlns:p14="http://schemas.microsoft.com/office/powerpoint/2010/main" val="1630902965"/>
+        <p14:creationId xmlns:p14="http://schemas.microsoft.com/office/powerpoint/2010/main" xmlns="" val="1630902965"/>
       </p:ext>
     </p:extLst>
   </p:cSld>
   <p:clrMapOvr>
     <a:masterClrMapping/>
   </p:clrMapOvr>
-  <mc:AlternateContent xmlns:mc="http://schemas.openxmlformats.org/markup-compatibility/2006" xmlns:p14="http://schemas.microsoft.com/office/powerpoint/2010/main">
-    <mc:Choice Requires="p14">
+  <mc:AlternateContent xmlns:mc="http://schemas.openxmlformats.org/markup-compatibility/2006">
+    <mc:Choice xmlns:p14="http://schemas.microsoft.com/office/powerpoint/2010/main" xmlns="" Requires="p14">
       <p:transition spd="slow" p14:dur="2000"/>
     </mc:Choice>
-    <mc:Fallback xmlns="">
+    <mc:Fallback>
       <p:transition spd="slow"/>
     </mc:Fallback>
   </mc:AlternateContent>
@@ -13651,8 +15258,8 @@
           <a:lstStyle/>
           <a:p>
             <a:r>
-              <a:rPr lang="en-GB" dirty="0" err="1" smtClean="0"/>
-              <a:t>NodeJS</a:t>
+              <a:rPr lang="en-GB" dirty="0" smtClean="0"/>
+              <a:t>Web Sockets</a:t>
             </a:r>
             <a:endParaRPr lang="en-GB" dirty="0"/>
           </a:p>
@@ -13673,34 +15280,25 @@
           <a:bodyPr/>
           <a:lstStyle/>
           <a:p>
-            <a:endParaRPr lang="en-GB" baseline="0" smtClean="0"/>
-          </a:p>
-          <a:p>
-            <a:endParaRPr lang="en-GB" baseline="0" smtClean="0"/>
-          </a:p>
-          <a:p>
-            <a:endParaRPr lang="en-GB" baseline="0" smtClean="0"/>
-          </a:p>
-          <a:p>
-            <a:endParaRPr lang="en-GB" baseline="0" smtClean="0"/>
+            <a:endParaRPr lang="en-GB"/>
           </a:p>
         </p:txBody>
       </p:sp>
     </p:spTree>
     <p:extLst>
       <p:ext uri="{BB962C8B-B14F-4D97-AF65-F5344CB8AC3E}">
-        <p14:creationId xmlns:p14="http://schemas.microsoft.com/office/powerpoint/2010/main" val="2582581476"/>
+        <p14:creationId xmlns:p14="http://schemas.microsoft.com/office/powerpoint/2010/main" xmlns="" val="1630902965"/>
       </p:ext>
     </p:extLst>
   </p:cSld>
   <p:clrMapOvr>
     <a:masterClrMapping/>
   </p:clrMapOvr>
-  <mc:AlternateContent xmlns:mc="http://schemas.openxmlformats.org/markup-compatibility/2006" xmlns:p14="http://schemas.microsoft.com/office/powerpoint/2010/main">
-    <mc:Choice Requires="p14">
+  <mc:AlternateContent xmlns:mc="http://schemas.openxmlformats.org/markup-compatibility/2006">
+    <mc:Choice xmlns:p14="http://schemas.microsoft.com/office/powerpoint/2010/main" xmlns="" Requires="p14">
       <p:transition spd="slow" p14:dur="2000"/>
     </mc:Choice>
-    <mc:Fallback xmlns="">
+    <mc:Fallback>
       <p:transition spd="slow"/>
     </mc:Fallback>
   </mc:AlternateContent>
@@ -13708,157 +15306,6 @@
 </file>
 
 <file path=ppt/slides/slide45.xml><?xml version="1.0" encoding="utf-8"?>
-<p:sld xmlns:a="http://schemas.openxmlformats.org/drawingml/2006/main" xmlns:r="http://schemas.openxmlformats.org/officeDocument/2006/relationships" xmlns:p="http://schemas.openxmlformats.org/presentationml/2006/main">
-  <p:cSld>
-    <p:spTree>
-      <p:nvGrpSpPr>
-        <p:cNvPr id="1" name=""/>
-        <p:cNvGrpSpPr/>
-        <p:nvPr/>
-      </p:nvGrpSpPr>
-      <p:grpSpPr>
-        <a:xfrm>
-          <a:off x="0" y="0"/>
-          <a:ext cx="0" cy="0"/>
-          <a:chOff x="0" y="0"/>
-          <a:chExt cx="0" cy="0"/>
-        </a:xfrm>
-      </p:grpSpPr>
-      <p:sp>
-        <p:nvSpPr>
-          <p:cNvPr id="2" name="Title 1"/>
-          <p:cNvSpPr>
-            <a:spLocks noGrp="1"/>
-          </p:cNvSpPr>
-          <p:nvPr>
-            <p:ph type="title"/>
-          </p:nvPr>
-        </p:nvSpPr>
-        <p:spPr/>
-        <p:txBody>
-          <a:bodyPr/>
-          <a:lstStyle/>
-          <a:p>
-            <a:r>
-              <a:rPr lang="en-GB" dirty="0" smtClean="0"/>
-              <a:t>…and the</a:t>
-            </a:r>
-            <a:r>
-              <a:rPr lang="en-GB" baseline="0" dirty="0" smtClean="0"/>
-              <a:t> server?</a:t>
-            </a:r>
-            <a:endParaRPr lang="en-GB" dirty="0"/>
-          </a:p>
-        </p:txBody>
-      </p:sp>
-      <p:sp>
-        <p:nvSpPr>
-          <p:cNvPr id="3" name="Content Placeholder 2"/>
-          <p:cNvSpPr>
-            <a:spLocks noGrp="1"/>
-          </p:cNvSpPr>
-          <p:nvPr>
-            <p:ph idx="1"/>
-          </p:nvPr>
-        </p:nvSpPr>
-        <p:spPr/>
-        <p:txBody>
-          <a:bodyPr>
-            <a:normAutofit fontScale="85000" lnSpcReduction="10000"/>
-          </a:bodyPr>
-          <a:lstStyle/>
-          <a:p>
-            <a:r>
-              <a:rPr lang="en-GB" dirty="0" smtClean="0"/>
-              <a:t>1996 – </a:t>
-            </a:r>
-            <a:r>
-              <a:rPr lang="en-GB" dirty="0" err="1" smtClean="0"/>
-              <a:t>LiveWire</a:t>
-            </a:r>
-            <a:r>
-              <a:rPr lang="en-GB" dirty="0" smtClean="0"/>
-              <a:t> is part of Netscape</a:t>
-            </a:r>
-            <a:r>
-              <a:rPr lang="en-GB" baseline="0" dirty="0" smtClean="0"/>
-              <a:t> Enterprise Server 2.0</a:t>
-            </a:r>
-          </a:p>
-          <a:p>
-            <a:r>
-              <a:rPr lang="en-GB" baseline="0" dirty="0" smtClean="0"/>
-              <a:t>1997 – IIS 3.0 introduces ASP and </a:t>
-            </a:r>
-            <a:r>
-              <a:rPr lang="en-GB" baseline="0" dirty="0" err="1" smtClean="0"/>
-              <a:t>JScript</a:t>
-            </a:r>
-            <a:r>
-              <a:rPr lang="en-GB" baseline="0" dirty="0" smtClean="0"/>
-              <a:t> to Windows NT 4.0</a:t>
-            </a:r>
-          </a:p>
-          <a:p>
-            <a:r>
-              <a:rPr lang="en-GB" baseline="0" dirty="0" smtClean="0"/>
-              <a:t>2002 – Microsoft .NET 1.0 includes JScript.NET 1.0</a:t>
-            </a:r>
-          </a:p>
-          <a:p>
-            <a:r>
-              <a:rPr lang="en-GB" baseline="0" dirty="0" smtClean="0"/>
-              <a:t>2003 - .NET 1.1. Last supported release of JScript.NET</a:t>
-            </a:r>
-          </a:p>
-          <a:p>
-            <a:endParaRPr lang="en-GB" baseline="0" dirty="0" smtClean="0"/>
-          </a:p>
-          <a:p>
-            <a:endParaRPr lang="en-GB" baseline="0" dirty="0" smtClean="0"/>
-          </a:p>
-          <a:p>
-            <a:r>
-              <a:rPr lang="en-GB" baseline="0" dirty="0" smtClean="0"/>
-              <a:t>big</a:t>
-            </a:r>
-          </a:p>
-          <a:p>
-            <a:r>
-              <a:rPr lang="en-GB" baseline="0" dirty="0" smtClean="0"/>
-              <a:t>gap</a:t>
-            </a:r>
-          </a:p>
-          <a:p>
-            <a:endParaRPr lang="en-GB" baseline="0" dirty="0" smtClean="0"/>
-          </a:p>
-          <a:p>
-            <a:endParaRPr lang="en-GB" baseline="0" dirty="0" smtClean="0"/>
-          </a:p>
-        </p:txBody>
-      </p:sp>
-    </p:spTree>
-    <p:extLst>
-      <p:ext uri="{BB962C8B-B14F-4D97-AF65-F5344CB8AC3E}">
-        <p14:creationId xmlns:p14="http://schemas.microsoft.com/office/powerpoint/2010/main" val="1216906223"/>
-      </p:ext>
-    </p:extLst>
-  </p:cSld>
-  <p:clrMapOvr>
-    <a:masterClrMapping/>
-  </p:clrMapOvr>
-  <mc:AlternateContent xmlns:mc="http://schemas.openxmlformats.org/markup-compatibility/2006" xmlns:p14="http://schemas.microsoft.com/office/powerpoint/2010/main">
-    <mc:Choice Requires="p14">
-      <p:transition spd="slow" p14:dur="2000"/>
-    </mc:Choice>
-    <mc:Fallback xmlns="">
-      <p:transition spd="slow"/>
-    </mc:Fallback>
-  </mc:AlternateContent>
-</p:sld>
-</file>
-
-<file path=ppt/slides/slide46.xml><?xml version="1.0" encoding="utf-8"?>
 <p:sld xmlns:a="http://schemas.openxmlformats.org/drawingml/2006/main" xmlns:r="http://schemas.openxmlformats.org/officeDocument/2006/relationships" xmlns:p="http://schemas.openxmlformats.org/presentationml/2006/main">
   <p:cSld>
     <p:bg>
@@ -14334,7 +15781,7 @@
     </p:spTree>
     <p:extLst>
       <p:ext uri="{BB962C8B-B14F-4D97-AF65-F5344CB8AC3E}">
-        <p14:creationId xmlns:p14="http://schemas.microsoft.com/office/powerpoint/2010/main" val="318162081"/>
+        <p14:creationId xmlns:p14="http://schemas.microsoft.com/office/powerpoint/2010/main" xmlns="" val="318162081"/>
       </p:ext>
     </p:extLst>
   </p:cSld>
@@ -14560,11 +16007,11 @@
   <p:clrMapOvr>
     <a:masterClrMapping/>
   </p:clrMapOvr>
-  <mc:AlternateContent xmlns:mc="http://schemas.openxmlformats.org/markup-compatibility/2006" xmlns:p14="http://schemas.microsoft.com/office/powerpoint/2010/main">
-    <mc:Choice Requires="p14">
+  <mc:AlternateContent xmlns:mc="http://schemas.openxmlformats.org/markup-compatibility/2006">
+    <mc:Choice xmlns:p14="http://schemas.microsoft.com/office/powerpoint/2010/main" xmlns="" Requires="p14">
       <p:transition spd="slow" p14:dur="2000"/>
     </mc:Choice>
-    <mc:Fallback xmlns="">
+    <mc:Fallback>
       <p:transition spd="slow"/>
     </mc:Fallback>
   </mc:AlternateContent>
@@ -15160,11 +16607,11 @@
   <p:clrMapOvr>
     <a:masterClrMapping/>
   </p:clrMapOvr>
-  <mc:AlternateContent xmlns:mc="http://schemas.openxmlformats.org/markup-compatibility/2006" xmlns:p14="http://schemas.microsoft.com/office/powerpoint/2010/main">
-    <mc:Choice Requires="p14">
+  <mc:AlternateContent xmlns:mc="http://schemas.openxmlformats.org/markup-compatibility/2006">
+    <mc:Choice xmlns:p14="http://schemas.microsoft.com/office/powerpoint/2010/main" xmlns="" Requires="p14">
       <p:transition spd="slow" p14:dur="2000"/>
     </mc:Choice>
-    <mc:Fallback xmlns="">
+    <mc:Fallback>
       <p:transition spd="slow"/>
     </mc:Fallback>
   </mc:AlternateContent>
@@ -15380,11 +16827,11 @@
   <p:clrMapOvr>
     <a:masterClrMapping/>
   </p:clrMapOvr>
-  <mc:AlternateContent xmlns:mc="http://schemas.openxmlformats.org/markup-compatibility/2006" xmlns:p14="http://schemas.microsoft.com/office/powerpoint/2010/main">
-    <mc:Choice Requires="p14">
+  <mc:AlternateContent xmlns:mc="http://schemas.openxmlformats.org/markup-compatibility/2006">
+    <mc:Choice xmlns:p14="http://schemas.microsoft.com/office/powerpoint/2010/main" xmlns="" Requires="p14">
       <p:transition spd="slow" p14:dur="2000"/>
     </mc:Choice>
-    <mc:Fallback xmlns="">
+    <mc:Fallback>
       <p:transition spd="slow"/>
     </mc:Fallback>
   </mc:AlternateContent>
@@ -15567,11 +17014,11 @@
   <p:clrMapOvr>
     <a:masterClrMapping/>
   </p:clrMapOvr>
-  <mc:AlternateContent xmlns:mc="http://schemas.openxmlformats.org/markup-compatibility/2006" xmlns:p14="http://schemas.microsoft.com/office/powerpoint/2010/main">
-    <mc:Choice Requires="p14">
+  <mc:AlternateContent xmlns:mc="http://schemas.openxmlformats.org/markup-compatibility/2006">
+    <mc:Choice xmlns:p14="http://schemas.microsoft.com/office/powerpoint/2010/main" xmlns="" Requires="p14">
       <p:transition spd="slow" p14:dur="2000"/>
     </mc:Choice>
-    <mc:Fallback xmlns="">
+    <mc:Fallback>
       <p:transition spd="slow"/>
     </mc:Fallback>
   </mc:AlternateContent>
@@ -16600,11 +18047,11 @@
   <p:clrMapOvr>
     <a:masterClrMapping/>
   </p:clrMapOvr>
-  <mc:AlternateContent xmlns:mc="http://schemas.openxmlformats.org/markup-compatibility/2006" xmlns:p14="http://schemas.microsoft.com/office/powerpoint/2010/main">
-    <mc:Choice Requires="p14">
+  <mc:AlternateContent xmlns:mc="http://schemas.openxmlformats.org/markup-compatibility/2006">
+    <mc:Choice xmlns:p14="http://schemas.microsoft.com/office/powerpoint/2010/main" xmlns="" Requires="p14">
       <p:transition spd="slow" p14:dur="2000"/>
     </mc:Choice>
-    <mc:Fallback xmlns="">
+    <mc:Fallback>
       <p:transition spd="slow"/>
     </mc:Fallback>
   </mc:AlternateContent>

--- a/Slides/So You Think You Know Javascript.pptx
+++ b/Slides/So You Think You Know Javascript.pptx
@@ -406,7 +406,7 @@
     </p:spTree>
     <p:extLst>
       <p:ext uri="{BB962C8B-B14F-4D97-AF65-F5344CB8AC3E}">
-        <p14:creationId xmlns:p14="http://schemas.microsoft.com/office/powerpoint/2010/main" xmlns="" val="610612025"/>
+        <p14:creationId xmlns:p14="http://schemas.microsoft.com/office/powerpoint/2010/main" val="610612025"/>
       </p:ext>
     </p:extLst>
   </p:cSld>
@@ -556,7 +556,11 @@
             </a:r>
             <a:r>
               <a:rPr lang="en-GB" baseline="0" dirty="0" smtClean="0"/>
-              <a:t> is to modern software what the electric guitar is to modern music. Versatile, accessible, purists hate it, beginners love it, and it’s absolutely bloody everywhere – for better or for worse.</a:t>
+              <a:t> is to modern software what the electric guitar is to modern music. Versatile, accessible, purists hate it, beginners love it, </a:t>
+            </a:r>
+            <a:r>
+              <a:rPr lang="en-GB" baseline="0" dirty="0" smtClean="0"/>
+              <a:t>but it’s had such a profound and widespread impact that you really can’t ignore it. </a:t>
             </a:r>
           </a:p>
           <a:p>
@@ -564,13 +568,27 @@
           </a:p>
           <a:p>
             <a:r>
-              <a:rPr lang="en-GB" baseline="0" dirty="0" err="1" smtClean="0"/>
-              <a:t>Javascript</a:t>
-            </a:r>
-            <a:r>
               <a:rPr lang="en-GB" baseline="0" dirty="0" smtClean="0"/>
-              <a:t> has been called the “world’s most misunderstood programming language”, and tonight I’m hoping to clear up some of that misunderstanding, to explore how – and why – JS has ended up being so misunderstood, and to show you some of the amazing work that people are doing with this remarkable language.</a:t>
-            </a:r>
+              <a:t>It’s been </a:t>
+            </a:r>
+            <a:r>
+              <a:rPr lang="en-GB" baseline="0" dirty="0" smtClean="0"/>
+              <a:t>called the “world’s most misunderstood programming language”, and tonight I’m hoping to clear up some of that misunderstanding, to explore how – and why – JS has ended up being so misunderstood, and to show you some of the amazing work that people are doing with this remarkable language</a:t>
+            </a:r>
+            <a:r>
+              <a:rPr lang="en-GB" baseline="0" dirty="0" smtClean="0"/>
+              <a:t>.</a:t>
+            </a:r>
+          </a:p>
+          <a:p>
+            <a:endParaRPr lang="en-GB" baseline="0" dirty="0" smtClean="0"/>
+          </a:p>
+          <a:p>
+            <a:r>
+              <a:rPr lang="en-GB" baseline="0" dirty="0" smtClean="0"/>
+              <a:t>First, though we’re going to play a game – make sure everybody’s awake. It’s time to play… NAME THAT LANGUAGE!</a:t>
+            </a:r>
+            <a:endParaRPr lang="en-GB" baseline="0" dirty="0" smtClean="0"/>
           </a:p>
           <a:p>
             <a:endParaRPr lang="en-GB" baseline="0" dirty="0" smtClean="0"/>
@@ -607,7 +625,7 @@
     </p:spTree>
     <p:extLst>
       <p:ext uri="{BB962C8B-B14F-4D97-AF65-F5344CB8AC3E}">
-        <p14:creationId xmlns:p14="http://schemas.microsoft.com/office/powerpoint/2010/main" xmlns="" val="2826732040"/>
+        <p14:creationId xmlns:p14="http://schemas.microsoft.com/office/powerpoint/2010/main" val="2826732040"/>
       </p:ext>
     </p:extLst>
   </p:cSld>
@@ -668,11 +686,15 @@
             </a:r>
             <a:r>
               <a:rPr lang="en-GB" baseline="0" dirty="0" smtClean="0"/>
-              <a:t> – Princeton :</a:t>
-            </a:r>
-            <a:r>
-              <a:rPr lang="en-GB" dirty="0" smtClean="0"/>
-              <a:t> after a long correspondence with Kurt</a:t>
+              <a:t> – </a:t>
+            </a:r>
+            <a:r>
+              <a:rPr lang="en-GB" baseline="0" dirty="0" smtClean="0"/>
+              <a:t>Princeton. Picture a scene something like Indiana Jones’ office in Raiders of the Lost Ark – wood-panelled studies, Gothic buildings and leafy campus lawns. Computers don’t exist yet and computability is still somewhere between mathematics and philosophy. Following long correspondence with </a:t>
+            </a:r>
+            <a:r>
+              <a:rPr lang="en-GB" dirty="0" smtClean="0"/>
+              <a:t>Kurt</a:t>
             </a:r>
             <a:r>
               <a:rPr lang="en-GB" baseline="0" dirty="0" smtClean="0"/>
@@ -692,7 +714,23 @@
             </a:r>
             <a:r>
               <a:rPr lang="en-GB" baseline="0" dirty="0" smtClean="0"/>
-              <a:t> mathematician Alonzo Church introduces a formal notation for studying the definition and application of functions. Remember – computers don’t exist yet and computability is still somewhere between mathematics and philosophy. Church chooses the </a:t>
+              <a:t> mathematician Alonzo Church </a:t>
+            </a:r>
+            <a:r>
+              <a:rPr lang="en-GB" baseline="0" dirty="0" smtClean="0"/>
+              <a:t>creates a </a:t>
+            </a:r>
+            <a:r>
+              <a:rPr lang="en-GB" baseline="0" dirty="0" smtClean="0"/>
+              <a:t>formal notation for studying the definition and application of functions. </a:t>
+            </a:r>
+            <a:r>
+              <a:rPr lang="en-GB" baseline="0" dirty="0" smtClean="0"/>
+              <a:t>Church </a:t>
+            </a:r>
+            <a:r>
+              <a:rPr lang="en-GB" baseline="0" dirty="0" smtClean="0"/>
+              <a:t>chooses the </a:t>
             </a:r>
             <a:r>
               <a:rPr lang="en-GB" baseline="0" dirty="0" err="1" smtClean="0"/>
@@ -755,7 +793,7 @@
     </p:spTree>
     <p:extLst>
       <p:ext uri="{BB962C8B-B14F-4D97-AF65-F5344CB8AC3E}">
-        <p14:creationId xmlns:p14="http://schemas.microsoft.com/office/powerpoint/2010/main" xmlns="" val="1081184773"/>
+        <p14:creationId xmlns:p14="http://schemas.microsoft.com/office/powerpoint/2010/main" val="1081184773"/>
       </p:ext>
     </p:extLst>
   </p:cSld>
@@ -811,14 +849,53 @@
           <a:p>
             <a:r>
               <a:rPr lang="en-GB" dirty="0" smtClean="0"/>
-              <a:t>1958 – John McCarthy joins MIT and starts the MIT AI Project</a:t>
-            </a:r>
-          </a:p>
-          <a:p>
-            <a:r>
-              <a:rPr lang="en-GB" dirty="0" smtClean="0"/>
-              <a:t>1960 – John McCarthy publishes his design for Lisp in Communications of the Association for Computing Machinery (ACM)</a:t>
-            </a:r>
+              <a:t>Twenty-odd</a:t>
+            </a:r>
+            <a:r>
+              <a:rPr lang="en-GB" baseline="0" dirty="0" smtClean="0"/>
+              <a:t> years later, this man - </a:t>
+            </a:r>
+            <a:r>
+              <a:rPr lang="en-GB" dirty="0" smtClean="0"/>
+              <a:t>John </a:t>
+            </a:r>
+            <a:r>
+              <a:rPr lang="en-GB" dirty="0" smtClean="0"/>
+              <a:t>McCarthy </a:t>
+            </a:r>
+            <a:r>
+              <a:rPr lang="en-GB" dirty="0" smtClean="0"/>
+              <a:t>- joins </a:t>
+            </a:r>
+            <a:r>
+              <a:rPr lang="en-GB" dirty="0" smtClean="0"/>
+              <a:t>MIT and starts the MIT AI </a:t>
+            </a:r>
+            <a:r>
+              <a:rPr lang="en-GB" dirty="0" smtClean="0"/>
+              <a:t>Project. In 1960, he John </a:t>
+            </a:r>
+            <a:r>
+              <a:rPr lang="en-GB" dirty="0" smtClean="0"/>
+              <a:t>McCarthy publishes his design for </a:t>
+            </a:r>
+            <a:r>
+              <a:rPr lang="en-GB" dirty="0" smtClean="0"/>
+              <a:t>a new language,</a:t>
+            </a:r>
+            <a:r>
+              <a:rPr lang="en-GB" baseline="0" dirty="0" smtClean="0"/>
+              <a:t> based on lists of symbols – he calls the language “Lisp”, short for “list processing”, and one of the key features of his theoretical language design is a routine called </a:t>
+            </a:r>
+            <a:r>
+              <a:rPr lang="en-GB" i="1" baseline="0" dirty="0" err="1" smtClean="0"/>
+              <a:t>eval</a:t>
+            </a:r>
+            <a:r>
+              <a:rPr lang="en-GB" i="0" baseline="0" dirty="0" smtClean="0"/>
+              <a:t>.</a:t>
+            </a:r>
+            <a:endParaRPr lang="en-GB" baseline="0" dirty="0" smtClean="0"/>
           </a:p>
           <a:p>
             <a:endParaRPr lang="en-GB" dirty="0" smtClean="0"/>
@@ -826,7 +903,19 @@
           <a:p>
             <a:r>
               <a:rPr lang="en-GB" dirty="0" smtClean="0"/>
-              <a:t>Steve Russell realizes that the </a:t>
+              <a:t>One</a:t>
+            </a:r>
+            <a:r>
+              <a:rPr lang="en-GB" baseline="0" dirty="0" smtClean="0"/>
+              <a:t> of his grad students, </a:t>
+            </a:r>
+            <a:r>
+              <a:rPr lang="en-GB" dirty="0" smtClean="0"/>
+              <a:t>Steve Russell, </a:t>
+            </a:r>
+            <a:r>
+              <a:rPr lang="en-GB" dirty="0" smtClean="0"/>
+              <a:t>realizes that the </a:t>
             </a:r>
             <a:r>
               <a:rPr lang="en-GB" i="1" dirty="0" err="1" smtClean="0"/>
@@ -842,10 +931,24 @@
             </a:r>
             <a:r>
               <a:rPr lang="en-GB" dirty="0" smtClean="0"/>
-              <a:t>Lisp exists. </a:t>
-            </a:r>
-          </a:p>
-          <a:p>
+              <a:t>Lisp exists</a:t>
+            </a:r>
+            <a:r>
+              <a:rPr lang="en-GB" dirty="0" smtClean="0"/>
+              <a:t>.</a:t>
+            </a:r>
+            <a:r>
+              <a:rPr lang="en-GB" baseline="0" dirty="0" smtClean="0"/>
+              <a:t> Steve Russell goes on to make computer history by writing </a:t>
+            </a:r>
+            <a:r>
+              <a:rPr lang="en-GB" baseline="0" dirty="0" err="1" smtClean="0"/>
+              <a:t>Spacewar</a:t>
+            </a:r>
+            <a:r>
+              <a:rPr lang="en-GB" baseline="0" dirty="0" smtClean="0"/>
+              <a:t>! for the PDP10 minicomputer – one of the first computer games ever created – and Lisp proves so successful that it’s still in use today.</a:t>
+            </a:r>
             <a:endParaRPr lang="en-GB" dirty="0" smtClean="0"/>
           </a:p>
           <a:p>
@@ -880,7 +983,7 @@
     </p:spTree>
     <p:extLst>
       <p:ext uri="{BB962C8B-B14F-4D97-AF65-F5344CB8AC3E}">
-        <p14:creationId xmlns:p14="http://schemas.microsoft.com/office/powerpoint/2010/main" xmlns="" val="233567828"/>
+        <p14:creationId xmlns:p14="http://schemas.microsoft.com/office/powerpoint/2010/main" val="233567828"/>
       </p:ext>
     </p:extLst>
   </p:cSld>
@@ -936,33 +1039,59 @@
           <a:p>
             <a:r>
               <a:rPr lang="en-GB" dirty="0" smtClean="0"/>
-              <a:t>A minimalist dialect of Lisp (c.f. Common Lisp)</a:t>
-            </a:r>
-          </a:p>
-          <a:p>
-            <a:endParaRPr lang="en-GB" dirty="0" smtClean="0"/>
-          </a:p>
-          <a:p>
-            <a:r>
-              <a:rPr lang="en-GB" dirty="0" smtClean="0"/>
-              <a:t>Developed by Guy L Steele (GLS) and Gerald Jay </a:t>
-            </a:r>
-            <a:r>
-              <a:rPr lang="en-GB" dirty="0" err="1" smtClean="0"/>
+              <a:t>The next step on the road to</a:t>
+            </a:r>
+            <a:r>
+              <a:rPr lang="en-GB" baseline="0" dirty="0" smtClean="0"/>
+              <a:t> </a:t>
+            </a:r>
+            <a:r>
+              <a:rPr lang="en-GB" baseline="0" dirty="0" err="1" smtClean="0"/>
+              <a:t>Javascript</a:t>
+            </a:r>
+            <a:r>
+              <a:rPr lang="en-GB" baseline="0" dirty="0" smtClean="0"/>
+              <a:t> takes place around 1975. Guy L Steele – famous as the GLS who edited the Hackers Jargon File for most of the 1980s – and his colleague Gerald Jay </a:t>
+            </a:r>
+            <a:r>
+              <a:rPr lang="en-GB" baseline="0" dirty="0" err="1" smtClean="0"/>
               <a:t>Sussman</a:t>
             </a:r>
             <a:r>
-              <a:rPr lang="en-GB" dirty="0" smtClean="0"/>
-              <a:t> between 1975 - 1980</a:t>
-            </a:r>
-          </a:p>
-          <a:p>
-            <a:endParaRPr lang="en-GB" dirty="0" smtClean="0"/>
-          </a:p>
-          <a:p>
-            <a:r>
-              <a:rPr lang="en-GB" dirty="0" smtClean="0"/>
-              <a:t>Very closely based on the lambda calculus. Originally a derivation of an earlier programming language called Planner – they dubbed it Schemer, but the PDP-10 had a 6-character limit on the ITS file-system, hence SCHEME.</a:t>
+              <a:rPr lang="en-GB" baseline="0" dirty="0" smtClean="0"/>
+              <a:t> set out to create a </a:t>
+            </a:r>
+            <a:r>
+              <a:rPr lang="en-GB" dirty="0" smtClean="0"/>
+              <a:t>“minimalist dialect” </a:t>
+            </a:r>
+            <a:r>
+              <a:rPr lang="en-GB" dirty="0" smtClean="0"/>
+              <a:t>of Lisp (c.f. Common Lisp</a:t>
+            </a:r>
+            <a:r>
+              <a:rPr lang="en-GB" dirty="0" smtClean="0"/>
+              <a:t>). In</a:t>
+            </a:r>
+            <a:r>
+              <a:rPr lang="en-GB" baseline="0" dirty="0" smtClean="0"/>
+              <a:t> a series of publications known as the “lambda papers”, they develop a new dialect of Lisp, very </a:t>
+            </a:r>
+            <a:r>
+              <a:rPr lang="en-GB" dirty="0" smtClean="0"/>
+              <a:t>closely </a:t>
+            </a:r>
+            <a:r>
+              <a:rPr lang="en-GB" dirty="0" smtClean="0"/>
+              <a:t>based on </a:t>
+            </a:r>
+            <a:r>
+              <a:rPr lang="en-GB" dirty="0" smtClean="0"/>
+              <a:t>Alonzo Church’s original lambda </a:t>
+            </a:r>
+            <a:r>
+              <a:rPr lang="en-GB" dirty="0" smtClean="0"/>
+              <a:t>calculus. Originally a derivation of an earlier programming language called Planner – they dubbed it Schemer, but the PDP-10 had a 6-character limit on the ITS file-system, hence SCHEME.</a:t>
             </a:r>
           </a:p>
           <a:p>
@@ -1030,7 +1159,7 @@
     </p:spTree>
     <p:extLst>
       <p:ext uri="{BB962C8B-B14F-4D97-AF65-F5344CB8AC3E}">
-        <p14:creationId xmlns:p14="http://schemas.microsoft.com/office/powerpoint/2010/main" xmlns="" val="2125697358"/>
+        <p14:creationId xmlns:p14="http://schemas.microsoft.com/office/powerpoint/2010/main" val="2125697358"/>
       </p:ext>
     </p:extLst>
   </p:cSld>
@@ -1086,7 +1215,32 @@
           <a:p>
             <a:r>
               <a:rPr lang="en-GB" dirty="0" smtClean="0"/>
-              <a:t>May 1995 – Brendan </a:t>
+              <a:t>The next milestone is the bit no-one’s ever heard</a:t>
+            </a:r>
+            <a:r>
+              <a:rPr lang="en-GB" baseline="0" dirty="0" smtClean="0"/>
+              <a:t> of – an “extreme object-oriented language” called Self, developed at Xerox </a:t>
+            </a:r>
+            <a:r>
+              <a:rPr lang="en-GB" baseline="0" dirty="0" err="1" smtClean="0"/>
+              <a:t>Parc</a:t>
+            </a:r>
+            <a:r>
+              <a:rPr lang="en-GB" baseline="0" dirty="0" smtClean="0"/>
+              <a:t> in the 1980s. Self is notable because it was the first language to introduce prototyped inheritance – something we’ll be discussing quite a lot in the next hour or so – but other than that, the language is so obscure I couldn’t even find a factorial example to use in the Name That Language game earlier.</a:t>
+            </a:r>
+          </a:p>
+          <a:p>
+            <a:endParaRPr lang="en-GB" baseline="0" dirty="0" smtClean="0"/>
+          </a:p>
+          <a:p>
+            <a:r>
+              <a:rPr lang="en-GB" baseline="0" dirty="0" smtClean="0"/>
+              <a:t>Anyway. Let’s fast-forward to April 1995. Netscape are gearing up for their big dot-com-bubble IPO, and someone decides their new browser should have some sort of programming language in it. </a:t>
+            </a:r>
+            <a:r>
+              <a:rPr lang="en-GB" dirty="0" smtClean="0"/>
+              <a:t>They call Brendan </a:t>
             </a:r>
             <a:r>
               <a:rPr lang="en-GB" dirty="0" err="1" smtClean="0"/>
@@ -1094,8 +1248,24 @@
             </a:r>
             <a:r>
               <a:rPr lang="en-GB" dirty="0" smtClean="0"/>
-              <a:t> is recruited to Netscape with “the promise of doing Scheme in a browser” </a:t>
-            </a:r>
+              <a:t>, an engineer who cut his teeth writing operating systems for Silicon Graphics, and ask if he wants to come over and “implement Scheme </a:t>
+            </a:r>
+            <a:r>
+              <a:rPr lang="en-GB" dirty="0" smtClean="0"/>
+              <a:t>in </a:t>
+            </a:r>
+            <a:r>
+              <a:rPr lang="en-GB" dirty="0" smtClean="0"/>
+              <a:t>their </a:t>
+            </a:r>
+            <a:r>
+              <a:rPr lang="en-GB" dirty="0" smtClean="0"/>
+              <a:t>browser” </a:t>
+            </a:r>
+            <a:endParaRPr lang="en-GB" dirty="0" smtClean="0"/>
+          </a:p>
+          <a:p>
+            <a:endParaRPr lang="en-GB" dirty="0" smtClean="0"/>
           </a:p>
           <a:p>
             <a:r>
@@ -1143,7 +1313,11 @@
             </a:r>
             <a:r>
               <a:rPr lang="en-GB" baseline="0" dirty="0" smtClean="0"/>
-              <a:t> ends up – like all of us have – stuck between a wealth of industry knowledge and best practise on one hand, and crazy marketing pressure on the other. </a:t>
+              <a:t> </a:t>
+            </a:r>
+            <a:r>
+              <a:rPr lang="en-GB" baseline="0" dirty="0" smtClean="0"/>
+              <a:t>ends up – like all of us have – stuck between a wealth of industry knowledge and best practise on one hand, and crazy marketing pressure on the other. </a:t>
             </a:r>
             <a:r>
               <a:rPr lang="en-GB" dirty="0" smtClean="0"/>
@@ -1163,8 +1337,39 @@
             </a:r>
             <a:r>
               <a:rPr lang="en-GB" dirty="0" smtClean="0"/>
-              <a:t> the idea of a light-weight scripting language as a companion to full-blown compiled Java applets. Netscape upper management said the language “must look like Java” and there was a general consensus that it had to run in the browser, in source form – no linkers, no compilers.</a:t>
-            </a:r>
+              <a:t> the idea of a light-weight scripting language as a companion to full-blown compiled Java applets. Netscape upper management said the language “must look like Java” and there was a general consensus that it had to run in the browser, in source form – no linkers, no </a:t>
+            </a:r>
+            <a:r>
+              <a:rPr lang="en-GB" dirty="0" smtClean="0"/>
+              <a:t>compilers.</a:t>
+            </a:r>
+            <a:r>
+              <a:rPr lang="en-GB" baseline="0" dirty="0" smtClean="0"/>
+              <a:t> He’s said </a:t>
+            </a:r>
+            <a:r>
+              <a:rPr lang="en-GB" sz="1200" b="0" i="0" kern="1200" dirty="0" smtClean="0">
+                <a:solidFill>
+                  <a:schemeClr val="tx1"/>
+                </a:solidFill>
+                <a:effectLst/>
+                <a:latin typeface="+mn-lt"/>
+                <a:ea typeface="+mn-ea"/>
+                <a:cs typeface="+mn-cs"/>
+              </a:rPr>
+              <a:t>"JS had to “look like Java” only less so, be Java’s dumb kid brother or boy-hostage sidekick. Plus, I had to be done in ten days or something worse than JS would have happened“ (</a:t>
+            </a:r>
+            <a:r>
+              <a:rPr lang="en-GB" dirty="0" smtClean="0">
+                <a:hlinkClick r:id="rId4"/>
+              </a:rPr>
+              <a:t>http://en.wikipedia.org/wiki/Brendan_Eich</a:t>
+            </a:r>
+            <a:r>
+              <a:rPr lang="en-GB" dirty="0" smtClean="0"/>
+              <a:t>)</a:t>
+            </a:r>
+            <a:endParaRPr lang="en-GB" dirty="0" smtClean="0"/>
           </a:p>
           <a:p>
             <a:endParaRPr lang="en-GB" dirty="0" smtClean="0"/>
@@ -1343,7 +1548,7 @@
     </p:spTree>
     <p:extLst>
       <p:ext uri="{BB962C8B-B14F-4D97-AF65-F5344CB8AC3E}">
-        <p14:creationId xmlns:p14="http://schemas.microsoft.com/office/powerpoint/2010/main" xmlns="" val="2417948286"/>
+        <p14:creationId xmlns:p14="http://schemas.microsoft.com/office/powerpoint/2010/main" val="2417948286"/>
       </p:ext>
     </p:extLst>
   </p:cSld>
@@ -1399,20 +1604,19 @@
           <a:p>
             <a:r>
               <a:rPr lang="en-GB" dirty="0" smtClean="0"/>
-              <a:t>Microsoft’s clone of Netscape JavaScript</a:t>
-            </a:r>
-          </a:p>
-          <a:p>
-            <a:r>
-              <a:rPr lang="en-GB" dirty="0" smtClean="0"/>
-              <a:t>Aug 1996 – Internet Explorer 3.0</a:t>
-            </a:r>
-          </a:p>
-          <a:p>
-            <a:pPr lvl="1"/>
-            <a:r>
-              <a:rPr lang="en-GB" dirty="0" smtClean="0"/>
-              <a:t>support almost everything… except the </a:t>
+              <a:t>That summer, Microsoft bring out Internet </a:t>
+            </a:r>
+            <a:r>
+              <a:rPr lang="en-GB" dirty="0" smtClean="0"/>
+              <a:t>Explorer </a:t>
+            </a:r>
+            <a:r>
+              <a:rPr lang="en-GB" dirty="0" smtClean="0"/>
+              <a:t>3.0, which supports almost </a:t>
+            </a:r>
+            <a:r>
+              <a:rPr lang="en-GB" dirty="0" smtClean="0"/>
+              <a:t>everything… except the </a:t>
             </a:r>
             <a:r>
               <a:rPr lang="en-GB" dirty="0" err="1" smtClean="0"/>
@@ -1420,13 +1624,40 @@
             </a:r>
             <a:r>
               <a:rPr lang="en-GB" dirty="0" smtClean="0"/>
-              <a:t> array</a:t>
-            </a:r>
-          </a:p>
-          <a:p>
-            <a:r>
-              <a:rPr lang="en-GB" dirty="0" smtClean="0"/>
-              <a:t>Jan 1997 – IIS 3.0 –</a:t>
+              <a:t> </a:t>
+            </a:r>
+            <a:r>
+              <a:rPr lang="en-GB" dirty="0" smtClean="0"/>
+              <a:t>array. Hands</a:t>
+            </a:r>
+            <a:r>
+              <a:rPr lang="en-GB" baseline="0" dirty="0" smtClean="0"/>
+              <a:t> up anyone who was writing </a:t>
+            </a:r>
+            <a:r>
+              <a:rPr lang="en-GB" baseline="0" dirty="0" err="1" smtClean="0"/>
+              <a:t>Javascript</a:t>
+            </a:r>
+            <a:r>
+              <a:rPr lang="en-GB" baseline="0" dirty="0" smtClean="0"/>
+              <a:t> in 1996. What were you doing with it? Fancy image roll-overs? Yeah, me too.</a:t>
+            </a:r>
+          </a:p>
+          <a:p>
+            <a:endParaRPr lang="en-GB" dirty="0" smtClean="0"/>
+          </a:p>
+          <a:p>
+            <a:r>
+              <a:rPr lang="en-GB" dirty="0" smtClean="0"/>
+              <a:t>Interesting</a:t>
+            </a:r>
+            <a:r>
+              <a:rPr lang="en-GB" baseline="0" dirty="0" smtClean="0"/>
+              <a:t> to note that in </a:t>
+            </a:r>
+            <a:r>
+              <a:rPr lang="en-GB" dirty="0" smtClean="0"/>
+              <a:t>IIS 3.0 –</a:t>
             </a:r>
             <a:r>
               <a:rPr lang="en-GB" baseline="0" dirty="0" smtClean="0"/>
@@ -1438,27 +1669,57 @@
             </a:r>
             <a:r>
               <a:rPr lang="en-GB" baseline="0" dirty="0" smtClean="0"/>
-              <a:t> on the server.</a:t>
-            </a:r>
-          </a:p>
-          <a:p>
+              <a:t> on the server, which (along with Netscape’s </a:t>
+            </a:r>
+            <a:r>
+              <a:rPr lang="en-GB" baseline="0" dirty="0" err="1" smtClean="0"/>
+              <a:t>LiveWire</a:t>
+            </a:r>
             <a:r>
               <a:rPr lang="en-GB" baseline="0" dirty="0" smtClean="0"/>
-              <a:t>Netscape could probably have sued – or *something* - but instead, they decided to make their language an open standard.</a:t>
-            </a:r>
+              <a:t> server) meant there were two competing implementations of server-side </a:t>
+            </a:r>
+            <a:r>
+              <a:rPr lang="en-GB" baseline="0" dirty="0" err="1" smtClean="0"/>
+              <a:t>Javascript</a:t>
+            </a:r>
+            <a:r>
+              <a:rPr lang="en-GB" baseline="0" dirty="0" smtClean="0"/>
+              <a:t> as far back as 1997. </a:t>
+            </a:r>
+          </a:p>
+          <a:p>
+            <a:endParaRPr lang="en-GB" baseline="0" dirty="0" smtClean="0"/>
+          </a:p>
+          <a:p>
+            <a:r>
+              <a:rPr lang="en-GB" baseline="0" dirty="0" smtClean="0"/>
+              <a:t>Netscape </a:t>
+            </a:r>
+            <a:r>
+              <a:rPr lang="en-GB" baseline="0" dirty="0" smtClean="0"/>
+              <a:t>could probably have sued – or *something* - but instead, they decided to make their language an open standard</a:t>
+            </a:r>
+            <a:r>
+              <a:rPr lang="en-GB" baseline="0" dirty="0" smtClean="0"/>
+              <a:t>.</a:t>
+            </a:r>
+          </a:p>
+          <a:p>
             <a:endParaRPr lang="en-GB" dirty="0" smtClean="0"/>
           </a:p>
           <a:p>
             <a:r>
               <a:rPr lang="en-GB" dirty="0" smtClean="0"/>
-              <a:t>JavaScript submitted to ECMA in Nov 1996</a:t>
-            </a:r>
-          </a:p>
-          <a:p>
-            <a:pPr lvl="1"/>
-            <a:r>
-              <a:rPr lang="en-GB" dirty="0" smtClean="0"/>
-              <a:t>concerned that </a:t>
+              <a:t>JavaScript submitted to ECMA in Nov </a:t>
+            </a:r>
+            <a:r>
+              <a:rPr lang="en-GB" dirty="0" smtClean="0"/>
+              <a:t>1996, concerned </a:t>
+            </a:r>
+            <a:r>
+              <a:rPr lang="en-GB" dirty="0" smtClean="0"/>
+              <a:t>that </a:t>
             </a:r>
             <a:r>
               <a:rPr lang="en-GB" dirty="0" err="1" smtClean="0"/>
@@ -1474,8 +1735,15 @@
             </a:r>
             <a:r>
               <a:rPr lang="en-GB" dirty="0" smtClean="0"/>
-              <a:t> lack of support in IE3) was necessary for widespread adoption</a:t>
-            </a:r>
+              <a:t> lack of support in IE3) was necessary for widespread </a:t>
+            </a:r>
+            <a:r>
+              <a:rPr lang="en-GB" dirty="0" smtClean="0"/>
+              <a:t>adoption</a:t>
+            </a:r>
+          </a:p>
+          <a:p>
+            <a:endParaRPr lang="en-GB" dirty="0" smtClean="0"/>
           </a:p>
           <a:p>
             <a:r>
@@ -1524,7 +1792,7 @@
     </p:spTree>
     <p:extLst>
       <p:ext uri="{BB962C8B-B14F-4D97-AF65-F5344CB8AC3E}">
-        <p14:creationId xmlns:p14="http://schemas.microsoft.com/office/powerpoint/2010/main" xmlns="" val="3266073170"/>
+        <p14:creationId xmlns:p14="http://schemas.microsoft.com/office/powerpoint/2010/main" val="3266073170"/>
       </p:ext>
     </p:extLst>
   </p:cSld>
@@ -1985,7 +2253,7 @@
     </p:spTree>
     <p:extLst>
       <p:ext uri="{BB962C8B-B14F-4D97-AF65-F5344CB8AC3E}">
-        <p14:creationId xmlns:p14="http://schemas.microsoft.com/office/powerpoint/2010/main" xmlns="" val="3972150295"/>
+        <p14:creationId xmlns:p14="http://schemas.microsoft.com/office/powerpoint/2010/main" val="3972150295"/>
       </p:ext>
     </p:extLst>
   </p:cSld>
@@ -2067,11 +2335,7 @@
           <a:p>
             <a:r>
               <a:rPr lang="en-GB" dirty="0" smtClean="0"/>
-              <a:t>August </a:t>
-            </a:r>
-            <a:r>
-              <a:rPr lang="en-GB" dirty="0" smtClean="0"/>
-              <a:t>2006 – John</a:t>
+              <a:t>August 2006 – John</a:t>
             </a:r>
             <a:r>
               <a:rPr lang="en-GB" baseline="0" dirty="0" smtClean="0"/>
@@ -2091,11 +2355,7 @@
             </a:r>
             <a:r>
               <a:rPr lang="en-GB" dirty="0" smtClean="0"/>
-              <a:t> </a:t>
-            </a:r>
-            <a:r>
-              <a:rPr lang="en-GB" dirty="0" smtClean="0"/>
-              <a:t>1.0</a:t>
+              <a:t> 1.0</a:t>
             </a:r>
           </a:p>
           <a:p>
@@ -2178,11 +2438,7 @@
           <a:p>
             <a:r>
               <a:rPr lang="en-GB" dirty="0" smtClean="0"/>
-              <a:t>June </a:t>
-            </a:r>
-            <a:r>
-              <a:rPr lang="en-GB" dirty="0" smtClean="0"/>
-              <a:t>2007 – iPhone</a:t>
+              <a:t>June 2007 – iPhone</a:t>
             </a:r>
             <a:r>
               <a:rPr lang="en-GB" baseline="0" dirty="0" smtClean="0"/>
@@ -2368,7 +2624,7 @@
     </p:spTree>
     <p:extLst>
       <p:ext uri="{BB962C8B-B14F-4D97-AF65-F5344CB8AC3E}">
-        <p14:creationId xmlns:p14="http://schemas.microsoft.com/office/powerpoint/2010/main" xmlns="" val="4126551459"/>
+        <p14:creationId xmlns:p14="http://schemas.microsoft.com/office/powerpoint/2010/main" val="4126551459"/>
       </p:ext>
     </p:extLst>
   </p:cSld>
@@ -2492,7 +2748,7 @@
     </p:spTree>
     <p:extLst>
       <p:ext uri="{BB962C8B-B14F-4D97-AF65-F5344CB8AC3E}">
-        <p14:creationId xmlns:p14="http://schemas.microsoft.com/office/powerpoint/2010/main" xmlns="" val="3726384715"/>
+        <p14:creationId xmlns:p14="http://schemas.microsoft.com/office/powerpoint/2010/main" val="3726384715"/>
       </p:ext>
     </p:extLst>
   </p:cSld>
@@ -2577,7 +2833,7 @@
     </p:spTree>
     <p:extLst>
       <p:ext uri="{BB962C8B-B14F-4D97-AF65-F5344CB8AC3E}">
-        <p14:creationId xmlns:p14="http://schemas.microsoft.com/office/powerpoint/2010/main" xmlns="" val="130714547"/>
+        <p14:creationId xmlns:p14="http://schemas.microsoft.com/office/powerpoint/2010/main" val="130714547"/>
       </p:ext>
     </p:extLst>
   </p:cSld>
@@ -2736,7 +2992,7 @@
     </p:spTree>
     <p:extLst>
       <p:ext uri="{BB962C8B-B14F-4D97-AF65-F5344CB8AC3E}">
-        <p14:creationId xmlns:p14="http://schemas.microsoft.com/office/powerpoint/2010/main" xmlns="" val="2139152777"/>
+        <p14:creationId xmlns:p14="http://schemas.microsoft.com/office/powerpoint/2010/main" val="2139152777"/>
       </p:ext>
     </p:extLst>
   </p:cSld>
@@ -2835,7 +3091,7 @@
     </p:spTree>
     <p:extLst>
       <p:ext uri="{BB962C8B-B14F-4D97-AF65-F5344CB8AC3E}">
-        <p14:creationId xmlns:p14="http://schemas.microsoft.com/office/powerpoint/2010/main" xmlns="" val="601231661"/>
+        <p14:creationId xmlns:p14="http://schemas.microsoft.com/office/powerpoint/2010/main" val="601231661"/>
       </p:ext>
     </p:extLst>
   </p:cSld>
@@ -3677,7 +3933,15 @@
             </a:r>
             <a:r>
               <a:rPr lang="en-GB" baseline="0" dirty="0" smtClean="0"/>
-              <a:t> took static scoping and its’ functional programming style.</a:t>
+              <a:t> took static scoping and </a:t>
+            </a:r>
+            <a:r>
+              <a:rPr lang="en-GB" baseline="0" dirty="0" smtClean="0"/>
+              <a:t>its </a:t>
+            </a:r>
+            <a:r>
+              <a:rPr lang="en-GB" baseline="0" dirty="0" smtClean="0"/>
+              <a:t>functional programming style.</a:t>
             </a:r>
             <a:endParaRPr lang="en-GB" dirty="0"/>
           </a:p>
@@ -3710,7 +3974,7 @@
     </p:spTree>
     <p:extLst>
       <p:ext uri="{BB962C8B-B14F-4D97-AF65-F5344CB8AC3E}">
-        <p14:creationId xmlns:p14="http://schemas.microsoft.com/office/powerpoint/2010/main" xmlns="" val="1031692254"/>
+        <p14:creationId xmlns:p14="http://schemas.microsoft.com/office/powerpoint/2010/main" val="1031692254"/>
       </p:ext>
     </p:extLst>
   </p:cSld>
@@ -3799,7 +4063,7 @@
     </p:spTree>
     <p:extLst>
       <p:ext uri="{BB962C8B-B14F-4D97-AF65-F5344CB8AC3E}">
-        <p14:creationId xmlns:p14="http://schemas.microsoft.com/office/powerpoint/2010/main" xmlns="" val="355567362"/>
+        <p14:creationId xmlns:p14="http://schemas.microsoft.com/office/powerpoint/2010/main" val="355567362"/>
       </p:ext>
     </p:extLst>
   </p:cSld>
@@ -3892,7 +4156,7 @@
     </p:spTree>
     <p:extLst>
       <p:ext uri="{BB962C8B-B14F-4D97-AF65-F5344CB8AC3E}">
-        <p14:creationId xmlns:p14="http://schemas.microsoft.com/office/powerpoint/2010/main" xmlns="" val="4045155336"/>
+        <p14:creationId xmlns:p14="http://schemas.microsoft.com/office/powerpoint/2010/main" val="4045155336"/>
       </p:ext>
     </p:extLst>
   </p:cSld>
@@ -3981,7 +4245,7 @@
     </p:spTree>
     <p:extLst>
       <p:ext uri="{BB962C8B-B14F-4D97-AF65-F5344CB8AC3E}">
-        <p14:creationId xmlns:p14="http://schemas.microsoft.com/office/powerpoint/2010/main" xmlns="" val="3296244990"/>
+        <p14:creationId xmlns:p14="http://schemas.microsoft.com/office/powerpoint/2010/main" val="3296244990"/>
       </p:ext>
     </p:extLst>
   </p:cSld>
@@ -4074,7 +4338,7 @@
     </p:spTree>
     <p:extLst>
       <p:ext uri="{BB962C8B-B14F-4D97-AF65-F5344CB8AC3E}">
-        <p14:creationId xmlns:p14="http://schemas.microsoft.com/office/powerpoint/2010/main" xmlns="" val="1000632246"/>
+        <p14:creationId xmlns:p14="http://schemas.microsoft.com/office/powerpoint/2010/main" val="1000632246"/>
       </p:ext>
     </p:extLst>
   </p:cSld>
@@ -4167,7 +4431,7 @@
     </p:spTree>
     <p:extLst>
       <p:ext uri="{BB962C8B-B14F-4D97-AF65-F5344CB8AC3E}">
-        <p14:creationId xmlns:p14="http://schemas.microsoft.com/office/powerpoint/2010/main" xmlns="" val="182042685"/>
+        <p14:creationId xmlns:p14="http://schemas.microsoft.com/office/powerpoint/2010/main" val="182042685"/>
       </p:ext>
     </p:extLst>
   </p:cSld>
@@ -4268,7 +4532,7 @@
     </p:spTree>
     <p:extLst>
       <p:ext uri="{BB962C8B-B14F-4D97-AF65-F5344CB8AC3E}">
-        <p14:creationId xmlns:p14="http://schemas.microsoft.com/office/powerpoint/2010/main" xmlns="" val="2946709928"/>
+        <p14:creationId xmlns:p14="http://schemas.microsoft.com/office/powerpoint/2010/main" val="2946709928"/>
       </p:ext>
     </p:extLst>
   </p:cSld>
@@ -4512,7 +4776,7 @@
     </p:spTree>
     <p:extLst>
       <p:ext uri="{BB962C8B-B14F-4D97-AF65-F5344CB8AC3E}">
-        <p14:creationId xmlns:p14="http://schemas.microsoft.com/office/powerpoint/2010/main" xmlns="" val="2758244230"/>
+        <p14:creationId xmlns:p14="http://schemas.microsoft.com/office/powerpoint/2010/main" val="2758244230"/>
       </p:ext>
     </p:extLst>
   </p:cSld>
@@ -4684,7 +4948,7 @@
     </p:spTree>
     <p:extLst>
       <p:ext uri="{BB962C8B-B14F-4D97-AF65-F5344CB8AC3E}">
-        <p14:creationId xmlns:p14="http://schemas.microsoft.com/office/powerpoint/2010/main" xmlns="" val="3574220041"/>
+        <p14:creationId xmlns:p14="http://schemas.microsoft.com/office/powerpoint/2010/main" val="3574220041"/>
       </p:ext>
     </p:extLst>
   </p:cSld>
@@ -4866,7 +5130,7 @@
     </p:spTree>
     <p:extLst>
       <p:ext uri="{BB962C8B-B14F-4D97-AF65-F5344CB8AC3E}">
-        <p14:creationId xmlns:p14="http://schemas.microsoft.com/office/powerpoint/2010/main" xmlns="" val="3659696286"/>
+        <p14:creationId xmlns:p14="http://schemas.microsoft.com/office/powerpoint/2010/main" val="3659696286"/>
       </p:ext>
     </p:extLst>
   </p:cSld>
@@ -5038,7 +5302,7 @@
     </p:spTree>
     <p:extLst>
       <p:ext uri="{BB962C8B-B14F-4D97-AF65-F5344CB8AC3E}">
-        <p14:creationId xmlns:p14="http://schemas.microsoft.com/office/powerpoint/2010/main" xmlns="" val="4195198214"/>
+        <p14:creationId xmlns:p14="http://schemas.microsoft.com/office/powerpoint/2010/main" val="4195198214"/>
       </p:ext>
     </p:extLst>
   </p:cSld>
@@ -5286,7 +5550,7 @@
     </p:spTree>
     <p:extLst>
       <p:ext uri="{BB962C8B-B14F-4D97-AF65-F5344CB8AC3E}">
-        <p14:creationId xmlns:p14="http://schemas.microsoft.com/office/powerpoint/2010/main" xmlns="" val="2354423350"/>
+        <p14:creationId xmlns:p14="http://schemas.microsoft.com/office/powerpoint/2010/main" val="2354423350"/>
       </p:ext>
     </p:extLst>
   </p:cSld>
@@ -5576,7 +5840,7 @@
     </p:spTree>
     <p:extLst>
       <p:ext uri="{BB962C8B-B14F-4D97-AF65-F5344CB8AC3E}">
-        <p14:creationId xmlns:p14="http://schemas.microsoft.com/office/powerpoint/2010/main" xmlns="" val="547036700"/>
+        <p14:creationId xmlns:p14="http://schemas.microsoft.com/office/powerpoint/2010/main" val="547036700"/>
       </p:ext>
     </p:extLst>
   </p:cSld>
@@ -6000,7 +6264,7 @@
     </p:spTree>
     <p:extLst>
       <p:ext uri="{BB962C8B-B14F-4D97-AF65-F5344CB8AC3E}">
-        <p14:creationId xmlns:p14="http://schemas.microsoft.com/office/powerpoint/2010/main" xmlns="" val="2138923743"/>
+        <p14:creationId xmlns:p14="http://schemas.microsoft.com/office/powerpoint/2010/main" val="2138923743"/>
       </p:ext>
     </p:extLst>
   </p:cSld>
@@ -6120,7 +6384,7 @@
     </p:spTree>
     <p:extLst>
       <p:ext uri="{BB962C8B-B14F-4D97-AF65-F5344CB8AC3E}">
-        <p14:creationId xmlns:p14="http://schemas.microsoft.com/office/powerpoint/2010/main" xmlns="" val="3597451202"/>
+        <p14:creationId xmlns:p14="http://schemas.microsoft.com/office/powerpoint/2010/main" val="3597451202"/>
       </p:ext>
     </p:extLst>
   </p:cSld>
@@ -6217,7 +6481,7 @@
     </p:spTree>
     <p:extLst>
       <p:ext uri="{BB962C8B-B14F-4D97-AF65-F5344CB8AC3E}">
-        <p14:creationId xmlns:p14="http://schemas.microsoft.com/office/powerpoint/2010/main" xmlns="" val="2630420917"/>
+        <p14:creationId xmlns:p14="http://schemas.microsoft.com/office/powerpoint/2010/main" val="2630420917"/>
       </p:ext>
     </p:extLst>
   </p:cSld>
@@ -6496,7 +6760,7 @@
     </p:spTree>
     <p:extLst>
       <p:ext uri="{BB962C8B-B14F-4D97-AF65-F5344CB8AC3E}">
-        <p14:creationId xmlns:p14="http://schemas.microsoft.com/office/powerpoint/2010/main" xmlns="" val="448021710"/>
+        <p14:creationId xmlns:p14="http://schemas.microsoft.com/office/powerpoint/2010/main" val="448021710"/>
       </p:ext>
     </p:extLst>
   </p:cSld>
@@ -6751,7 +7015,7 @@
     </p:spTree>
     <p:extLst>
       <p:ext uri="{BB962C8B-B14F-4D97-AF65-F5344CB8AC3E}">
-        <p14:creationId xmlns:p14="http://schemas.microsoft.com/office/powerpoint/2010/main" xmlns="" val="2487262328"/>
+        <p14:creationId xmlns:p14="http://schemas.microsoft.com/office/powerpoint/2010/main" val="2487262328"/>
       </p:ext>
     </p:extLst>
   </p:cSld>
@@ -7002,7 +7266,7 @@
     </p:spTree>
     <p:extLst>
       <p:ext uri="{BB962C8B-B14F-4D97-AF65-F5344CB8AC3E}">
-        <p14:creationId xmlns:p14="http://schemas.microsoft.com/office/powerpoint/2010/main" xmlns="" val="2538704773"/>
+        <p14:creationId xmlns:p14="http://schemas.microsoft.com/office/powerpoint/2010/main" val="2538704773"/>
       </p:ext>
     </p:extLst>
   </p:cSld>
@@ -7310,8 +7574,8 @@
         </p:nvSpPr>
         <p:spPr>
           <a:xfrm>
-            <a:off x="0" y="0"/>
-            <a:ext cx="8964488" cy="6858000"/>
+            <a:off x="170366" y="188640"/>
+            <a:ext cx="8794122" cy="6408712"/>
           </a:xfrm>
         </p:spPr>
         <p:txBody>
@@ -7329,7 +7593,7 @@
             <a:r>
               <a:rPr lang="en-GB" sz="1800" b="1" dirty="0">
                 <a:solidFill>
-                  <a:srgbClr val="00FF00"/>
+                  <a:schemeClr val="bg1"/>
                 </a:solidFill>
                 <a:latin typeface="Consolas" pitchFamily="49" charset="0"/>
                 <a:cs typeface="Consolas" pitchFamily="49" charset="0"/>
@@ -7339,544 +7603,617 @@
             <a:r>
               <a:rPr lang="en-GB" sz="1800" b="1" dirty="0" smtClean="0">
                 <a:solidFill>
-                  <a:srgbClr val="00FF00"/>
+                  <a:schemeClr val="bg1"/>
                 </a:solidFill>
                 <a:latin typeface="Consolas" pitchFamily="49" charset="0"/>
                 <a:cs typeface="Consolas" pitchFamily="49" charset="0"/>
               </a:rPr>
               <a:t>OK</a:t>
             </a:r>
-            <a:br>
+          </a:p>
+          <a:p>
+            <a:pPr marL="0" indent="0">
+              <a:lnSpc>
+                <a:spcPct val="150000"/>
+              </a:lnSpc>
+              <a:buNone/>
+            </a:pPr>
+            <a:r>
               <a:rPr lang="en-GB" sz="1800" b="1" dirty="0" smtClean="0">
                 <a:solidFill>
-                  <a:srgbClr val="00FF00"/>
-                </a:solidFill>
-                <a:latin typeface="Consolas" pitchFamily="49" charset="0"/>
-                <a:cs typeface="Consolas" pitchFamily="49" charset="0"/>
-              </a:rPr>
-            </a:br>
+                  <a:schemeClr val="bg1"/>
+                </a:solidFill>
+                <a:latin typeface="Consolas" pitchFamily="49" charset="0"/>
+                <a:cs typeface="Consolas" pitchFamily="49" charset="0"/>
+              </a:rPr>
+              <a:t>Server</a:t>
+            </a:r>
             <a:r>
               <a:rPr lang="en-GB" sz="1800" b="1" dirty="0" smtClean="0">
                 <a:solidFill>
-                  <a:srgbClr val="00FF00"/>
-                </a:solidFill>
-                <a:latin typeface="Consolas" pitchFamily="49" charset="0"/>
-                <a:cs typeface="Consolas" pitchFamily="49" charset="0"/>
-              </a:rPr>
-              <a:t>Server: 		</a:t>
+                  <a:schemeClr val="bg1"/>
+                </a:solidFill>
+                <a:latin typeface="Consolas" pitchFamily="49" charset="0"/>
+                <a:cs typeface="Consolas" pitchFamily="49" charset="0"/>
+              </a:rPr>
+              <a:t>: 		</a:t>
             </a:r>
             <a:r>
               <a:rPr lang="en-GB" sz="1800" dirty="0" smtClean="0">
                 <a:solidFill>
-                  <a:srgbClr val="00FF00"/>
+                  <a:schemeClr val="bg1"/>
                 </a:solidFill>
                 <a:latin typeface="Consolas" pitchFamily="49" charset="0"/>
                 <a:cs typeface="Consolas" pitchFamily="49" charset="0"/>
               </a:rPr>
               <a:t>skillsmatter.com</a:t>
             </a:r>
-            <a:br>
+          </a:p>
+          <a:p>
+            <a:pPr marL="0" indent="0">
+              <a:lnSpc>
+                <a:spcPct val="150000"/>
+              </a:lnSpc>
+              <a:buNone/>
+            </a:pPr>
+            <a:r>
+              <a:rPr lang="en-GB" sz="1800" b="1" dirty="0" smtClean="0">
+                <a:solidFill>
+                  <a:schemeClr val="bg1"/>
+                </a:solidFill>
+                <a:latin typeface="Consolas" pitchFamily="49" charset="0"/>
+                <a:cs typeface="Consolas" pitchFamily="49" charset="0"/>
+              </a:rPr>
+              <a:t>Content-Type</a:t>
+            </a:r>
+            <a:r>
+              <a:rPr lang="en-GB" sz="1800" b="1" dirty="0" smtClean="0">
+                <a:solidFill>
+                  <a:schemeClr val="bg1"/>
+                </a:solidFill>
+                <a:latin typeface="Consolas" pitchFamily="49" charset="0"/>
+                <a:cs typeface="Consolas" pitchFamily="49" charset="0"/>
+              </a:rPr>
+              <a:t>:</a:t>
+            </a:r>
+            <a:r>
               <a:rPr lang="en-GB" sz="1800" dirty="0" smtClean="0">
                 <a:solidFill>
-                  <a:srgbClr val="00FF00"/>
-                </a:solidFill>
-                <a:latin typeface="Consolas" pitchFamily="49" charset="0"/>
-                <a:cs typeface="Consolas" pitchFamily="49" charset="0"/>
-              </a:rPr>
-            </a:br>
+                  <a:schemeClr val="bg1"/>
+                </a:solidFill>
+                <a:latin typeface="Consolas" pitchFamily="49" charset="0"/>
+                <a:cs typeface="Consolas" pitchFamily="49" charset="0"/>
+              </a:rPr>
+              <a:t> 		</a:t>
+            </a:r>
+            <a:r>
+              <a:rPr lang="en-GB" sz="1800" dirty="0" smtClean="0">
+                <a:solidFill>
+                  <a:schemeClr val="bg1"/>
+                </a:solidFill>
+                <a:latin typeface="Consolas" pitchFamily="49" charset="0"/>
+                <a:cs typeface="Consolas" pitchFamily="49" charset="0"/>
+              </a:rPr>
+              <a:t>application/x-slides-and-code-and-crap-jokes</a:t>
+            </a:r>
+          </a:p>
+          <a:p>
+            <a:pPr marL="0" indent="0">
+              <a:lnSpc>
+                <a:spcPct val="150000"/>
+              </a:lnSpc>
+              <a:buNone/>
+            </a:pPr>
             <a:r>
               <a:rPr lang="en-GB" sz="1800" b="1" dirty="0" smtClean="0">
                 <a:solidFill>
-                  <a:srgbClr val="00FF00"/>
-                </a:solidFill>
-                <a:latin typeface="Consolas" pitchFamily="49" charset="0"/>
-                <a:cs typeface="Consolas" pitchFamily="49" charset="0"/>
-              </a:rPr>
-              <a:t>Content-Type:</a:t>
+                  <a:schemeClr val="bg1"/>
+                </a:solidFill>
+                <a:latin typeface="Consolas" pitchFamily="49" charset="0"/>
+                <a:cs typeface="Consolas" pitchFamily="49" charset="0"/>
+              </a:rPr>
+              <a:t>Cache-Control</a:t>
+            </a:r>
+            <a:r>
+              <a:rPr lang="en-GB" sz="1800" b="1" dirty="0">
+                <a:solidFill>
+                  <a:schemeClr val="bg1"/>
+                </a:solidFill>
+                <a:latin typeface="Consolas" pitchFamily="49" charset="0"/>
+                <a:cs typeface="Consolas" pitchFamily="49" charset="0"/>
+              </a:rPr>
+              <a:t>: </a:t>
+            </a:r>
+            <a:r>
+              <a:rPr lang="en-GB" sz="1800" b="1" dirty="0" smtClean="0">
+                <a:solidFill>
+                  <a:schemeClr val="bg1"/>
+                </a:solidFill>
+                <a:latin typeface="Consolas" pitchFamily="49" charset="0"/>
+                <a:cs typeface="Consolas" pitchFamily="49" charset="0"/>
+              </a:rPr>
+              <a:t>	</a:t>
             </a:r>
             <a:r>
               <a:rPr lang="en-GB" sz="1800" dirty="0" smtClean="0">
                 <a:solidFill>
-                  <a:srgbClr val="00FF00"/>
-                </a:solidFill>
-                <a:latin typeface="Consolas" pitchFamily="49" charset="0"/>
-                <a:cs typeface="Consolas" pitchFamily="49" charset="0"/>
-              </a:rPr>
-              <a:t> 		application/x-slides-and-code-and-crap-jokes</a:t>
-            </a:r>
-            <a:br>
+                  <a:schemeClr val="bg1"/>
+                </a:solidFill>
+                <a:latin typeface="Consolas" pitchFamily="49" charset="0"/>
+                <a:cs typeface="Consolas" pitchFamily="49" charset="0"/>
+              </a:rPr>
+              <a:t>remember, share, </a:t>
+            </a:r>
+            <a:r>
               <a:rPr lang="en-GB" sz="1800" dirty="0" smtClean="0">
                 <a:solidFill>
-                  <a:srgbClr val="00FF00"/>
-                </a:solidFill>
-                <a:latin typeface="Consolas" pitchFamily="49" charset="0"/>
-                <a:cs typeface="Consolas" pitchFamily="49" charset="0"/>
-              </a:rPr>
-            </a:br>
+                  <a:schemeClr val="bg1"/>
+                </a:solidFill>
+                <a:latin typeface="Consolas" pitchFamily="49" charset="0"/>
+                <a:cs typeface="Consolas" pitchFamily="49" charset="0"/>
+              </a:rPr>
+              <a:t>tell-your-friends</a:t>
+            </a:r>
+          </a:p>
+          <a:p>
+            <a:pPr marL="0" indent="0">
+              <a:lnSpc>
+                <a:spcPct val="150000"/>
+              </a:lnSpc>
+              <a:buNone/>
+            </a:pPr>
             <a:r>
               <a:rPr lang="en-GB" sz="1800" b="1" dirty="0" smtClean="0">
                 <a:solidFill>
-                  <a:srgbClr val="00FF00"/>
-                </a:solidFill>
-                <a:latin typeface="Consolas" pitchFamily="49" charset="0"/>
-                <a:cs typeface="Consolas" pitchFamily="49" charset="0"/>
-              </a:rPr>
-              <a:t>Content-Encoding:</a:t>
+                  <a:schemeClr val="bg1"/>
+                </a:solidFill>
+                <a:latin typeface="Consolas" pitchFamily="49" charset="0"/>
+                <a:cs typeface="Consolas" pitchFamily="49" charset="0"/>
+              </a:rPr>
+              <a:t>Content-Length</a:t>
+            </a:r>
+            <a:r>
+              <a:rPr lang="en-GB" sz="1800" b="1" dirty="0">
+                <a:solidFill>
+                  <a:schemeClr val="bg1"/>
+                </a:solidFill>
+                <a:latin typeface="Consolas" pitchFamily="49" charset="0"/>
+                <a:cs typeface="Consolas" pitchFamily="49" charset="0"/>
+              </a:rPr>
+              <a:t>:</a:t>
+            </a:r>
+            <a:r>
+              <a:rPr lang="en-GB" sz="1800" dirty="0">
+                <a:solidFill>
+                  <a:schemeClr val="bg1"/>
+                </a:solidFill>
+                <a:latin typeface="Consolas" pitchFamily="49" charset="0"/>
+                <a:cs typeface="Consolas" pitchFamily="49" charset="0"/>
+              </a:rPr>
+              <a:t> </a:t>
             </a:r>
             <a:r>
               <a:rPr lang="en-GB" sz="1800" dirty="0" smtClean="0">
                 <a:solidFill>
-                  <a:srgbClr val="00FF00"/>
-                </a:solidFill>
-                <a:latin typeface="Consolas" pitchFamily="49" charset="0"/>
-                <a:cs typeface="Consolas" pitchFamily="49" charset="0"/>
-              </a:rPr>
-              <a:t> 	text/</a:t>
+                  <a:schemeClr val="bg1"/>
+                </a:solidFill>
+                <a:latin typeface="Consolas" pitchFamily="49" charset="0"/>
+                <a:cs typeface="Consolas" pitchFamily="49" charset="0"/>
+              </a:rPr>
+              <a:t>	about-1½-</a:t>
+            </a:r>
+            <a:r>
+              <a:rPr lang="en-GB" sz="1800" dirty="0" smtClean="0">
+                <a:solidFill>
+                  <a:schemeClr val="bg1"/>
+                </a:solidFill>
+                <a:latin typeface="Consolas" pitchFamily="49" charset="0"/>
+                <a:cs typeface="Consolas" pitchFamily="49" charset="0"/>
+              </a:rPr>
+              <a:t>hours</a:t>
+            </a:r>
+          </a:p>
+          <a:p>
+            <a:pPr marL="0" indent="0">
+              <a:lnSpc>
+                <a:spcPct val="150000"/>
+              </a:lnSpc>
+              <a:buNone/>
+            </a:pPr>
+            <a:r>
+              <a:rPr lang="en-GB" sz="1800" b="1" dirty="0" smtClean="0">
+                <a:solidFill>
+                  <a:schemeClr val="bg1"/>
+                </a:solidFill>
+                <a:latin typeface="Consolas" pitchFamily="49" charset="0"/>
+                <a:cs typeface="Consolas" pitchFamily="49" charset="0"/>
+              </a:rPr>
+              <a:t>Date</a:t>
+            </a:r>
+            <a:r>
+              <a:rPr lang="en-GB" sz="1800" b="1" dirty="0">
+                <a:solidFill>
+                  <a:schemeClr val="bg1"/>
+                </a:solidFill>
+                <a:latin typeface="Consolas" pitchFamily="49" charset="0"/>
+                <a:cs typeface="Consolas" pitchFamily="49" charset="0"/>
+              </a:rPr>
+              <a:t>: </a:t>
+            </a:r>
+            <a:r>
+              <a:rPr lang="en-GB" sz="1800" b="1" dirty="0" smtClean="0">
+                <a:solidFill>
+                  <a:schemeClr val="bg1"/>
+                </a:solidFill>
+                <a:latin typeface="Consolas" pitchFamily="49" charset="0"/>
+                <a:cs typeface="Consolas" pitchFamily="49" charset="0"/>
+              </a:rPr>
+              <a:t>			</a:t>
+            </a:r>
+            <a:r>
+              <a:rPr lang="en-GB" sz="1800" dirty="0" smtClean="0">
+                <a:solidFill>
+                  <a:schemeClr val="bg1"/>
+                </a:solidFill>
+                <a:latin typeface="Consolas" pitchFamily="49" charset="0"/>
+                <a:cs typeface="Consolas" pitchFamily="49" charset="0"/>
+              </a:rPr>
+              <a:t>Tue, 05 </a:t>
+            </a:r>
+            <a:r>
+              <a:rPr lang="en-GB" sz="1800" dirty="0">
+                <a:solidFill>
+                  <a:schemeClr val="bg1"/>
+                </a:solidFill>
+                <a:latin typeface="Consolas" pitchFamily="49" charset="0"/>
+                <a:cs typeface="Consolas" pitchFamily="49" charset="0"/>
+              </a:rPr>
+              <a:t>Apr 2011 </a:t>
+            </a:r>
+            <a:r>
+              <a:rPr lang="en-GB" sz="1800" dirty="0" smtClean="0">
+                <a:solidFill>
+                  <a:schemeClr val="bg1"/>
+                </a:solidFill>
+                <a:latin typeface="Consolas" pitchFamily="49" charset="0"/>
+                <a:cs typeface="Consolas" pitchFamily="49" charset="0"/>
+              </a:rPr>
+              <a:t>18:30:00 BST </a:t>
+            </a:r>
+            <a:endParaRPr lang="en-GB" sz="1800" dirty="0" smtClean="0">
+              <a:solidFill>
+                <a:schemeClr val="bg1"/>
+              </a:solidFill>
+              <a:latin typeface="Consolas" pitchFamily="49" charset="0"/>
+              <a:cs typeface="Consolas" pitchFamily="49" charset="0"/>
+            </a:endParaRPr>
+          </a:p>
+          <a:p>
+            <a:pPr marL="0" indent="0">
+              <a:lnSpc>
+                <a:spcPct val="150000"/>
+              </a:lnSpc>
+              <a:buNone/>
+            </a:pPr>
+            <a:r>
+              <a:rPr lang="en-GB" sz="1800" b="1" dirty="0" smtClean="0">
+                <a:solidFill>
+                  <a:schemeClr val="bg1"/>
+                </a:solidFill>
+                <a:latin typeface="Consolas" pitchFamily="49" charset="0"/>
+                <a:cs typeface="Consolas" pitchFamily="49" charset="0"/>
+              </a:rPr>
+              <a:t>Set-Cookie</a:t>
+            </a:r>
+            <a:r>
+              <a:rPr lang="en-GB" sz="1800" b="1" dirty="0" smtClean="0">
+                <a:solidFill>
+                  <a:schemeClr val="bg1"/>
+                </a:solidFill>
+                <a:latin typeface="Consolas" pitchFamily="49" charset="0"/>
+                <a:cs typeface="Consolas" pitchFamily="49" charset="0"/>
+              </a:rPr>
+              <a:t>:</a:t>
+            </a:r>
+            <a:r>
+              <a:rPr lang="en-GB" sz="1800" dirty="0" smtClean="0">
+                <a:solidFill>
+                  <a:schemeClr val="bg1"/>
+                </a:solidFill>
+                <a:latin typeface="Consolas" pitchFamily="49" charset="0"/>
+                <a:cs typeface="Consolas" pitchFamily="49" charset="0"/>
+              </a:rPr>
+              <a:t> 		flavour=</a:t>
             </a:r>
             <a:r>
               <a:rPr lang="en-GB" sz="1800" dirty="0" err="1" smtClean="0">
                 <a:solidFill>
-                  <a:srgbClr val="00FF00"/>
-                </a:solidFill>
-                <a:latin typeface="Consolas" pitchFamily="49" charset="0"/>
-                <a:cs typeface="Consolas" pitchFamily="49" charset="0"/>
-              </a:rPr>
-              <a:t>javascript</a:t>
+                  <a:schemeClr val="bg1"/>
+                </a:solidFill>
+                <a:latin typeface="Consolas" pitchFamily="49" charset="0"/>
+                <a:cs typeface="Consolas" pitchFamily="49" charset="0"/>
+              </a:rPr>
+              <a:t>chocolate_chip</a:t>
             </a:r>
             <a:r>
               <a:rPr lang="en-GB" sz="1800" dirty="0" smtClean="0">
                 <a:solidFill>
-                  <a:srgbClr val="00FF00"/>
-                </a:solidFill>
-                <a:latin typeface="Consolas" pitchFamily="49" charset="0"/>
-                <a:cs typeface="Consolas" pitchFamily="49" charset="0"/>
-              </a:rPr>
-              <a:t>, text/</a:t>
+                  <a:schemeClr val="bg1"/>
+                </a:solidFill>
+                <a:latin typeface="Consolas" pitchFamily="49" charset="0"/>
+                <a:cs typeface="Consolas" pitchFamily="49" charset="0"/>
+              </a:rPr>
+              <a:t>; path</a:t>
+            </a:r>
+            <a:r>
+              <a:rPr lang="en-GB" sz="1800" dirty="0" smtClean="0">
+                <a:solidFill>
+                  <a:schemeClr val="bg1"/>
+                </a:solidFill>
+                <a:latin typeface="Consolas" pitchFamily="49" charset="0"/>
+                <a:cs typeface="Consolas" pitchFamily="49" charset="0"/>
+              </a:rPr>
+              <a:t>=/;</a:t>
+            </a:r>
+          </a:p>
+          <a:p>
+            <a:pPr marL="0" indent="0">
+              <a:lnSpc>
+                <a:spcPct val="150000"/>
+              </a:lnSpc>
+              <a:buNone/>
+            </a:pPr>
+            <a:r>
+              <a:rPr lang="en-GB" sz="1800" b="1" dirty="0" smtClean="0">
+                <a:solidFill>
+                  <a:schemeClr val="bg1"/>
+                </a:solidFill>
+                <a:latin typeface="Consolas" pitchFamily="49" charset="0"/>
+                <a:cs typeface="Consolas" pitchFamily="49" charset="0"/>
+              </a:rPr>
+              <a:t>X-Subject</a:t>
+            </a:r>
+            <a:r>
+              <a:rPr lang="en-GB" sz="1800" b="1" dirty="0" smtClean="0">
+                <a:solidFill>
+                  <a:schemeClr val="bg1"/>
+                </a:solidFill>
+                <a:latin typeface="Consolas" pitchFamily="49" charset="0"/>
+                <a:cs typeface="Consolas" pitchFamily="49" charset="0"/>
+              </a:rPr>
+              <a:t>: 		</a:t>
+            </a:r>
+            <a:r>
+              <a:rPr lang="en-GB" sz="1800" dirty="0" smtClean="0">
+                <a:solidFill>
+                  <a:schemeClr val="bg1"/>
+                </a:solidFill>
+                <a:latin typeface="Consolas" pitchFamily="49" charset="0"/>
+                <a:cs typeface="Consolas" pitchFamily="49" charset="0"/>
+              </a:rPr>
+              <a:t>JavaScript</a:t>
+            </a:r>
+          </a:p>
+          <a:p>
+            <a:pPr marL="0" indent="0">
+              <a:lnSpc>
+                <a:spcPct val="150000"/>
+              </a:lnSpc>
+              <a:buNone/>
+            </a:pPr>
+            <a:r>
+              <a:rPr lang="en-GB" sz="1800" b="1" dirty="0" smtClean="0">
+                <a:solidFill>
+                  <a:schemeClr val="bg1"/>
+                </a:solidFill>
+                <a:latin typeface="Consolas" pitchFamily="49" charset="0"/>
+                <a:cs typeface="Consolas" pitchFamily="49" charset="0"/>
+              </a:rPr>
+              <a:t>X-Powered-By</a:t>
+            </a:r>
+            <a:r>
+              <a:rPr lang="en-GB" sz="1800" b="1" dirty="0" smtClean="0">
+                <a:solidFill>
+                  <a:schemeClr val="bg1"/>
+                </a:solidFill>
+                <a:latin typeface="Consolas" pitchFamily="49" charset="0"/>
+                <a:cs typeface="Consolas" pitchFamily="49" charset="0"/>
+              </a:rPr>
+              <a:t>: 		</a:t>
+            </a:r>
+            <a:r>
+              <a:rPr lang="en-GB" sz="1800" dirty="0" smtClean="0">
+                <a:solidFill>
+                  <a:schemeClr val="bg1"/>
+                </a:solidFill>
+                <a:latin typeface="Consolas" pitchFamily="49" charset="0"/>
+                <a:cs typeface="Consolas" pitchFamily="49" charset="0"/>
+              </a:rPr>
+              <a:t>monmouth-coffee-and-80s-music</a:t>
+            </a:r>
+          </a:p>
+          <a:p>
+            <a:pPr marL="0" indent="0">
+              <a:lnSpc>
+                <a:spcPct val="150000"/>
+              </a:lnSpc>
+              <a:buNone/>
+            </a:pPr>
+            <a:r>
+              <a:rPr lang="en-GB" sz="1800" b="1" dirty="0" smtClean="0">
+                <a:solidFill>
+                  <a:schemeClr val="bg1"/>
+                </a:solidFill>
+                <a:latin typeface="Consolas" pitchFamily="49" charset="0"/>
+                <a:cs typeface="Consolas" pitchFamily="49" charset="0"/>
+              </a:rPr>
+              <a:t>X-Speaker-Name</a:t>
+            </a:r>
+            <a:r>
+              <a:rPr lang="en-GB" sz="1800" b="1" dirty="0" smtClean="0">
+                <a:solidFill>
+                  <a:schemeClr val="bg1"/>
+                </a:solidFill>
+                <a:latin typeface="Consolas" pitchFamily="49" charset="0"/>
+                <a:cs typeface="Consolas" pitchFamily="49" charset="0"/>
+              </a:rPr>
+              <a:t>: 	</a:t>
+            </a:r>
+            <a:r>
+              <a:rPr lang="en-GB" sz="1800" dirty="0" smtClean="0">
+                <a:solidFill>
+                  <a:schemeClr val="bg1"/>
+                </a:solidFill>
+                <a:latin typeface="Consolas" pitchFamily="49" charset="0"/>
+                <a:cs typeface="Consolas" pitchFamily="49" charset="0"/>
+              </a:rPr>
+              <a:t>Dylan </a:t>
+            </a:r>
+            <a:r>
+              <a:rPr lang="en-GB" sz="1800" dirty="0" smtClean="0">
+                <a:solidFill>
+                  <a:schemeClr val="bg1"/>
+                </a:solidFill>
+                <a:latin typeface="Consolas" pitchFamily="49" charset="0"/>
+                <a:cs typeface="Consolas" pitchFamily="49" charset="0"/>
+              </a:rPr>
+              <a:t>Beattie</a:t>
+            </a:r>
+          </a:p>
+          <a:p>
+            <a:pPr marL="0" indent="0">
+              <a:lnSpc>
+                <a:spcPct val="150000"/>
+              </a:lnSpc>
+              <a:buNone/>
+            </a:pPr>
+            <a:r>
+              <a:rPr lang="en-GB" sz="1800" b="1" dirty="0" smtClean="0">
+                <a:solidFill>
+                  <a:schemeClr val="bg1"/>
+                </a:solidFill>
+                <a:latin typeface="Consolas" pitchFamily="49" charset="0"/>
+                <a:cs typeface="Consolas" pitchFamily="49" charset="0"/>
+              </a:rPr>
+              <a:t>X-Speaker-Email</a:t>
+            </a:r>
+            <a:r>
+              <a:rPr lang="en-GB" sz="1800" b="1" dirty="0" smtClean="0">
+                <a:solidFill>
+                  <a:schemeClr val="bg1"/>
+                </a:solidFill>
+                <a:latin typeface="Consolas" pitchFamily="49" charset="0"/>
+                <a:cs typeface="Consolas" pitchFamily="49" charset="0"/>
+              </a:rPr>
+              <a:t>: 	</a:t>
+            </a:r>
+            <a:r>
+              <a:rPr lang="en-GB" sz="1800" dirty="0" smtClean="0">
+                <a:solidFill>
+                  <a:schemeClr val="bg1"/>
+                </a:solidFill>
+                <a:latin typeface="Consolas" pitchFamily="49" charset="0"/>
+                <a:cs typeface="Consolas" pitchFamily="49" charset="0"/>
+              </a:rPr>
+              <a:t>dylan@dylanbeattie.net</a:t>
+            </a:r>
+          </a:p>
+          <a:p>
+            <a:pPr marL="0" indent="0">
+              <a:lnSpc>
+                <a:spcPct val="150000"/>
+              </a:lnSpc>
+              <a:buNone/>
+            </a:pPr>
+            <a:r>
+              <a:rPr lang="en-GB" sz="1800" b="1" dirty="0">
+                <a:solidFill>
+                  <a:schemeClr val="bg1"/>
+                </a:solidFill>
+                <a:latin typeface="Consolas" pitchFamily="49" charset="0"/>
+                <a:cs typeface="Consolas" pitchFamily="49" charset="0"/>
+              </a:rPr>
+              <a:t>#</a:t>
+            </a:r>
+            <a:r>
+              <a:rPr lang="en-GB" sz="1800" b="1" dirty="0" smtClean="0">
+                <a:solidFill>
+                  <a:schemeClr val="bg1"/>
+                </a:solidFill>
+                <a:latin typeface="Consolas" pitchFamily="49" charset="0"/>
+                <a:cs typeface="Consolas" pitchFamily="49" charset="0"/>
+              </a:rPr>
+              <a:t>X-Speaker-Twitter</a:t>
+            </a:r>
+            <a:r>
+              <a:rPr lang="en-GB" sz="1800" b="1" dirty="0" smtClean="0">
+                <a:solidFill>
+                  <a:schemeClr val="bg1"/>
+                </a:solidFill>
+                <a:latin typeface="Consolas" pitchFamily="49" charset="0"/>
+                <a:cs typeface="Consolas" pitchFamily="49" charset="0"/>
+              </a:rPr>
+              <a:t>: 	</a:t>
+            </a:r>
+            <a:r>
+              <a:rPr lang="en-GB" sz="1800" dirty="0" smtClean="0">
+                <a:solidFill>
+                  <a:schemeClr val="bg1"/>
+                </a:solidFill>
+                <a:latin typeface="Consolas" pitchFamily="49" charset="0"/>
+                <a:cs typeface="Consolas" pitchFamily="49" charset="0"/>
+              </a:rPr>
+              <a:t>@</a:t>
             </a:r>
             <a:r>
               <a:rPr lang="en-GB" sz="1800" dirty="0" err="1" smtClean="0">
                 <a:solidFill>
-                  <a:srgbClr val="00FF00"/>
-                </a:solidFill>
-                <a:latin typeface="Consolas" pitchFamily="49" charset="0"/>
-                <a:cs typeface="Consolas" pitchFamily="49" charset="0"/>
-              </a:rPr>
-              <a:t>css</a:t>
+                  <a:schemeClr val="bg1"/>
+                </a:solidFill>
+                <a:latin typeface="Consolas" pitchFamily="49" charset="0"/>
+                <a:cs typeface="Consolas" pitchFamily="49" charset="0"/>
+              </a:rPr>
+              <a:t>dylanbeattie</a:t>
+            </a:r>
+            <a:endParaRPr lang="en-GB" sz="1800" dirty="0" smtClean="0">
+              <a:solidFill>
+                <a:schemeClr val="bg1"/>
+              </a:solidFill>
+              <a:latin typeface="Consolas" pitchFamily="49" charset="0"/>
+              <a:cs typeface="Consolas" pitchFamily="49" charset="0"/>
+            </a:endParaRPr>
+          </a:p>
+          <a:p>
+            <a:pPr marL="0" indent="0">
+              <a:lnSpc>
+                <a:spcPct val="150000"/>
+              </a:lnSpc>
+              <a:buNone/>
+            </a:pPr>
+            <a:r>
+              <a:rPr lang="en-GB" sz="1800" b="1" dirty="0" smtClean="0">
+                <a:solidFill>
+                  <a:schemeClr val="bg1"/>
+                </a:solidFill>
+                <a:latin typeface="Consolas" pitchFamily="49" charset="0"/>
+                <a:cs typeface="Consolas" pitchFamily="49" charset="0"/>
+              </a:rPr>
+              <a:t>X-Speaker-Website</a:t>
+            </a:r>
+            <a:r>
+              <a:rPr lang="en-GB" sz="1800" b="1" dirty="0" smtClean="0">
+                <a:solidFill>
+                  <a:schemeClr val="bg1"/>
+                </a:solidFill>
+                <a:latin typeface="Consolas" pitchFamily="49" charset="0"/>
+                <a:cs typeface="Consolas" pitchFamily="49" charset="0"/>
+              </a:rPr>
+              <a:t>: 	</a:t>
             </a:r>
             <a:r>
               <a:rPr lang="en-GB" sz="1800" dirty="0" smtClean="0">
                 <a:solidFill>
-                  <a:srgbClr val="00FF00"/>
-                </a:solidFill>
-                <a:latin typeface="Consolas" pitchFamily="49" charset="0"/>
-                <a:cs typeface="Consolas" pitchFamily="49" charset="0"/>
-              </a:rPr>
-              <a:t>, text/html</a:t>
-            </a:r>
-            <a:br>
-              <a:rPr lang="en-GB" sz="1800" dirty="0" smtClean="0">
-                <a:solidFill>
-                  <a:srgbClr val="00FF00"/>
-                </a:solidFill>
-                <a:latin typeface="Consolas" pitchFamily="49" charset="0"/>
-                <a:cs typeface="Consolas" pitchFamily="49" charset="0"/>
-              </a:rPr>
-            </a:br>
-            <a:r>
-              <a:rPr lang="en-GB" sz="1800" b="1" dirty="0" smtClean="0">
-                <a:solidFill>
-                  <a:srgbClr val="00FF00"/>
-                </a:solidFill>
-                <a:latin typeface="Consolas" pitchFamily="49" charset="0"/>
-                <a:cs typeface="Consolas" pitchFamily="49" charset="0"/>
-              </a:rPr>
-              <a:t>Cache-Control</a:t>
-            </a:r>
-            <a:r>
-              <a:rPr lang="en-GB" sz="1800" b="1" dirty="0">
-                <a:solidFill>
-                  <a:srgbClr val="00FF00"/>
-                </a:solidFill>
-                <a:latin typeface="Consolas" pitchFamily="49" charset="0"/>
-                <a:cs typeface="Consolas" pitchFamily="49" charset="0"/>
-              </a:rPr>
-              <a:t>: </a:t>
-            </a:r>
-            <a:r>
-              <a:rPr lang="en-GB" sz="1800" b="1" dirty="0" smtClean="0">
-                <a:solidFill>
-                  <a:srgbClr val="00FF00"/>
-                </a:solidFill>
-                <a:latin typeface="Consolas" pitchFamily="49" charset="0"/>
-                <a:cs typeface="Consolas" pitchFamily="49" charset="0"/>
-              </a:rPr>
-              <a:t>	</a:t>
-            </a:r>
-            <a:r>
-              <a:rPr lang="en-GB" sz="1800" dirty="0" smtClean="0">
-                <a:solidFill>
-                  <a:srgbClr val="00FF00"/>
-                </a:solidFill>
-                <a:latin typeface="Consolas" pitchFamily="49" charset="0"/>
-                <a:cs typeface="Consolas" pitchFamily="49" charset="0"/>
-              </a:rPr>
-              <a:t>remember, share, tell-your-friends</a:t>
-            </a:r>
-            <a:br>
-              <a:rPr lang="en-GB" sz="1800" dirty="0" smtClean="0">
-                <a:solidFill>
-                  <a:srgbClr val="00FF00"/>
-                </a:solidFill>
-                <a:latin typeface="Consolas" pitchFamily="49" charset="0"/>
-                <a:cs typeface="Consolas" pitchFamily="49" charset="0"/>
-              </a:rPr>
-            </a:br>
-            <a:r>
-              <a:rPr lang="en-GB" sz="1800" b="1" dirty="0" smtClean="0">
-                <a:solidFill>
-                  <a:srgbClr val="00FF00"/>
-                </a:solidFill>
-                <a:latin typeface="Consolas" pitchFamily="49" charset="0"/>
-                <a:cs typeface="Consolas" pitchFamily="49" charset="0"/>
-              </a:rPr>
-              <a:t>Content-Length</a:t>
-            </a:r>
-            <a:r>
-              <a:rPr lang="en-GB" sz="1800" b="1" dirty="0">
-                <a:solidFill>
-                  <a:srgbClr val="00FF00"/>
-                </a:solidFill>
-                <a:latin typeface="Consolas" pitchFamily="49" charset="0"/>
-                <a:cs typeface="Consolas" pitchFamily="49" charset="0"/>
-              </a:rPr>
-              <a:t>:</a:t>
-            </a:r>
-            <a:r>
-              <a:rPr lang="en-GB" sz="1800" dirty="0">
-                <a:solidFill>
-                  <a:srgbClr val="00FF00"/>
-                </a:solidFill>
-                <a:latin typeface="Consolas" pitchFamily="49" charset="0"/>
-                <a:cs typeface="Consolas" pitchFamily="49" charset="0"/>
-              </a:rPr>
-              <a:t> </a:t>
-            </a:r>
-            <a:r>
-              <a:rPr lang="en-GB" sz="1800" dirty="0" smtClean="0">
-                <a:solidFill>
-                  <a:srgbClr val="00FF00"/>
-                </a:solidFill>
-                <a:latin typeface="Consolas" pitchFamily="49" charset="0"/>
-                <a:cs typeface="Consolas" pitchFamily="49" charset="0"/>
-              </a:rPr>
-              <a:t>	about-1½-hours</a:t>
-            </a:r>
-            <a:br>
-              <a:rPr lang="en-GB" sz="1800" dirty="0" smtClean="0">
-                <a:solidFill>
-                  <a:srgbClr val="00FF00"/>
-                </a:solidFill>
-                <a:latin typeface="Consolas" pitchFamily="49" charset="0"/>
-                <a:cs typeface="Consolas" pitchFamily="49" charset="0"/>
-              </a:rPr>
-            </a:br>
-            <a:r>
-              <a:rPr lang="en-GB" sz="1800" b="1" dirty="0" smtClean="0">
-                <a:solidFill>
-                  <a:srgbClr val="00FF00"/>
-                </a:solidFill>
-                <a:latin typeface="Consolas" pitchFamily="49" charset="0"/>
-                <a:cs typeface="Consolas" pitchFamily="49" charset="0"/>
-              </a:rPr>
-              <a:t>Date</a:t>
-            </a:r>
-            <a:r>
-              <a:rPr lang="en-GB" sz="1800" b="1" dirty="0">
-                <a:solidFill>
-                  <a:srgbClr val="00FF00"/>
-                </a:solidFill>
-                <a:latin typeface="Consolas" pitchFamily="49" charset="0"/>
-                <a:cs typeface="Consolas" pitchFamily="49" charset="0"/>
-              </a:rPr>
-              <a:t>: </a:t>
-            </a:r>
-            <a:r>
-              <a:rPr lang="en-GB" sz="1800" b="1" dirty="0" smtClean="0">
-                <a:solidFill>
-                  <a:srgbClr val="00FF00"/>
-                </a:solidFill>
-                <a:latin typeface="Consolas" pitchFamily="49" charset="0"/>
-                <a:cs typeface="Consolas" pitchFamily="49" charset="0"/>
-              </a:rPr>
-              <a:t>			</a:t>
-            </a:r>
-            <a:r>
-              <a:rPr lang="en-GB" sz="1800" dirty="0" smtClean="0">
-                <a:solidFill>
-                  <a:srgbClr val="00FF00"/>
-                </a:solidFill>
-                <a:latin typeface="Consolas" pitchFamily="49" charset="0"/>
-                <a:cs typeface="Consolas" pitchFamily="49" charset="0"/>
-              </a:rPr>
-              <a:t>Tue, 05 </a:t>
-            </a:r>
-            <a:r>
-              <a:rPr lang="en-GB" sz="1800" dirty="0">
-                <a:solidFill>
-                  <a:srgbClr val="00FF00"/>
-                </a:solidFill>
-                <a:latin typeface="Consolas" pitchFamily="49" charset="0"/>
-                <a:cs typeface="Consolas" pitchFamily="49" charset="0"/>
-              </a:rPr>
-              <a:t>Apr 2011 </a:t>
-            </a:r>
-            <a:r>
-              <a:rPr lang="en-GB" sz="1800" dirty="0" smtClean="0">
-                <a:solidFill>
-                  <a:srgbClr val="00FF00"/>
-                </a:solidFill>
-                <a:latin typeface="Consolas" pitchFamily="49" charset="0"/>
-                <a:cs typeface="Consolas" pitchFamily="49" charset="0"/>
-              </a:rPr>
-              <a:t>18:30:00 BST </a:t>
-            </a:r>
-            <a:br>
-              <a:rPr lang="en-GB" sz="1800" dirty="0" smtClean="0">
-                <a:solidFill>
-                  <a:srgbClr val="00FF00"/>
-                </a:solidFill>
-                <a:latin typeface="Consolas" pitchFamily="49" charset="0"/>
-                <a:cs typeface="Consolas" pitchFamily="49" charset="0"/>
-              </a:rPr>
-            </a:br>
-            <a:r>
-              <a:rPr lang="en-GB" sz="1800" b="1" dirty="0" smtClean="0">
-                <a:solidFill>
-                  <a:srgbClr val="00FF00"/>
-                </a:solidFill>
-                <a:latin typeface="Consolas" pitchFamily="49" charset="0"/>
-                <a:cs typeface="Consolas" pitchFamily="49" charset="0"/>
-              </a:rPr>
-              <a:t>Set-Cookie:</a:t>
-            </a:r>
-            <a:r>
-              <a:rPr lang="en-GB" sz="1800" dirty="0" smtClean="0">
-                <a:solidFill>
-                  <a:srgbClr val="00FF00"/>
-                </a:solidFill>
-                <a:latin typeface="Consolas" pitchFamily="49" charset="0"/>
-                <a:cs typeface="Consolas" pitchFamily="49" charset="0"/>
-              </a:rPr>
-              <a:t> 		flavour=</a:t>
-            </a:r>
-            <a:r>
-              <a:rPr lang="en-GB" sz="1800" dirty="0" err="1" smtClean="0">
-                <a:solidFill>
-                  <a:srgbClr val="00FF00"/>
-                </a:solidFill>
-                <a:latin typeface="Consolas" pitchFamily="49" charset="0"/>
-                <a:cs typeface="Consolas" pitchFamily="49" charset="0"/>
-              </a:rPr>
-              <a:t>chocolate_chip</a:t>
-            </a:r>
-            <a:r>
-              <a:rPr lang="en-GB" sz="1800" dirty="0" smtClean="0">
-                <a:solidFill>
-                  <a:srgbClr val="00FF00"/>
-                </a:solidFill>
-                <a:latin typeface="Consolas" pitchFamily="49" charset="0"/>
-                <a:cs typeface="Consolas" pitchFamily="49" charset="0"/>
-              </a:rPr>
-              <a:t>; path=/;</a:t>
-            </a:r>
-            <a:br>
-              <a:rPr lang="en-GB" sz="1800" dirty="0" smtClean="0">
-                <a:solidFill>
-                  <a:srgbClr val="00FF00"/>
-                </a:solidFill>
-                <a:latin typeface="Consolas" pitchFamily="49" charset="0"/>
-                <a:cs typeface="Consolas" pitchFamily="49" charset="0"/>
-              </a:rPr>
-            </a:br>
-            <a:r>
-              <a:rPr lang="en-GB" sz="1800" b="1" dirty="0" smtClean="0">
-                <a:solidFill>
-                  <a:srgbClr val="00FF00"/>
-                </a:solidFill>
-                <a:latin typeface="Consolas" pitchFamily="49" charset="0"/>
-                <a:cs typeface="Consolas" pitchFamily="49" charset="0"/>
-              </a:rPr>
-              <a:t>X-Subject: 		</a:t>
-            </a:r>
-            <a:r>
-              <a:rPr lang="en-GB" sz="1800" dirty="0" smtClean="0">
-                <a:solidFill>
-                  <a:srgbClr val="00FF00"/>
-                </a:solidFill>
-                <a:latin typeface="Consolas" pitchFamily="49" charset="0"/>
-                <a:cs typeface="Consolas" pitchFamily="49" charset="0"/>
-              </a:rPr>
-              <a:t>JavaScript</a:t>
-            </a:r>
-            <a:br>
-              <a:rPr lang="en-GB" sz="1800" dirty="0" smtClean="0">
-                <a:solidFill>
-                  <a:srgbClr val="00FF00"/>
-                </a:solidFill>
-                <a:latin typeface="Consolas" pitchFamily="49" charset="0"/>
-                <a:cs typeface="Consolas" pitchFamily="49" charset="0"/>
-              </a:rPr>
-            </a:br>
-            <a:r>
-              <a:rPr lang="en-GB" sz="1800" b="1" dirty="0" smtClean="0">
-                <a:solidFill>
-                  <a:srgbClr val="00FF00"/>
-                </a:solidFill>
-                <a:latin typeface="Consolas" pitchFamily="49" charset="0"/>
-                <a:cs typeface="Consolas" pitchFamily="49" charset="0"/>
-              </a:rPr>
-              <a:t>X-Powered-By: 		</a:t>
-            </a:r>
-            <a:r>
-              <a:rPr lang="en-GB" sz="1800" dirty="0" smtClean="0">
-                <a:solidFill>
-                  <a:srgbClr val="00FF00"/>
-                </a:solidFill>
-                <a:latin typeface="Consolas" pitchFamily="49" charset="0"/>
-                <a:cs typeface="Consolas" pitchFamily="49" charset="0"/>
-              </a:rPr>
-              <a:t>monmouth-coffee-and-80s-music</a:t>
-            </a:r>
-            <a:br>
-              <a:rPr lang="en-GB" sz="1800" dirty="0" smtClean="0">
-                <a:solidFill>
-                  <a:srgbClr val="00FF00"/>
-                </a:solidFill>
-                <a:latin typeface="Consolas" pitchFamily="49" charset="0"/>
-                <a:cs typeface="Consolas" pitchFamily="49" charset="0"/>
-              </a:rPr>
-            </a:br>
-            <a:r>
-              <a:rPr lang="en-GB" sz="1800" b="1" dirty="0" smtClean="0">
-                <a:solidFill>
-                  <a:srgbClr val="00FF00"/>
-                </a:solidFill>
-                <a:latin typeface="Consolas" pitchFamily="49" charset="0"/>
-                <a:cs typeface="Consolas" pitchFamily="49" charset="0"/>
-              </a:rPr>
-              <a:t>X-Speaker-Name: 	</a:t>
-            </a:r>
-            <a:r>
-              <a:rPr lang="en-GB" sz="1800" dirty="0" smtClean="0">
-                <a:solidFill>
-                  <a:srgbClr val="00FF00"/>
-                </a:solidFill>
-                <a:latin typeface="Consolas" pitchFamily="49" charset="0"/>
-                <a:cs typeface="Consolas" pitchFamily="49" charset="0"/>
-              </a:rPr>
-              <a:t>Dylan Beattie</a:t>
-            </a:r>
-            <a:br>
-              <a:rPr lang="en-GB" sz="1800" dirty="0" smtClean="0">
-                <a:solidFill>
-                  <a:srgbClr val="00FF00"/>
-                </a:solidFill>
-                <a:latin typeface="Consolas" pitchFamily="49" charset="0"/>
-                <a:cs typeface="Consolas" pitchFamily="49" charset="0"/>
-              </a:rPr>
-            </a:br>
-            <a:r>
-              <a:rPr lang="en-GB" sz="1800" b="1" dirty="0" smtClean="0">
-                <a:solidFill>
-                  <a:srgbClr val="00FF00"/>
-                </a:solidFill>
-                <a:latin typeface="Consolas" pitchFamily="49" charset="0"/>
-                <a:cs typeface="Consolas" pitchFamily="49" charset="0"/>
-              </a:rPr>
-              <a:t>X-Speaker-Email: 	</a:t>
-            </a:r>
-            <a:r>
-              <a:rPr lang="en-GB" sz="1800" dirty="0" smtClean="0">
-                <a:solidFill>
-                  <a:srgbClr val="00FF00"/>
-                </a:solidFill>
-                <a:latin typeface="Consolas" pitchFamily="49" charset="0"/>
-                <a:cs typeface="Consolas" pitchFamily="49" charset="0"/>
-              </a:rPr>
-              <a:t>dylan@dylanbeattie.net</a:t>
-            </a:r>
-            <a:br>
-              <a:rPr lang="en-GB" sz="1800" dirty="0" smtClean="0">
-                <a:solidFill>
-                  <a:srgbClr val="00FF00"/>
-                </a:solidFill>
-                <a:latin typeface="Consolas" pitchFamily="49" charset="0"/>
-                <a:cs typeface="Consolas" pitchFamily="49" charset="0"/>
-              </a:rPr>
-            </a:br>
-            <a:r>
-              <a:rPr lang="en-GB" sz="1800" b="1" dirty="0" smtClean="0">
-                <a:solidFill>
-                  <a:srgbClr val="00FF00"/>
-                </a:solidFill>
-                <a:latin typeface="Consolas" pitchFamily="49" charset="0"/>
-                <a:cs typeface="Consolas" pitchFamily="49" charset="0"/>
-              </a:rPr>
-              <a:t>X-Speaker-Twitter: 	</a:t>
-            </a:r>
-            <a:r>
-              <a:rPr lang="en-GB" sz="1800" dirty="0" smtClean="0">
-                <a:solidFill>
-                  <a:srgbClr val="00FF00"/>
-                </a:solidFill>
-                <a:latin typeface="Consolas" pitchFamily="49" charset="0"/>
-                <a:cs typeface="Consolas" pitchFamily="49" charset="0"/>
-              </a:rPr>
-              <a:t>@</a:t>
-            </a:r>
-            <a:r>
-              <a:rPr lang="en-GB" sz="1800" dirty="0" err="1" smtClean="0">
-                <a:solidFill>
-                  <a:srgbClr val="00FF00"/>
-                </a:solidFill>
-                <a:latin typeface="Consolas" pitchFamily="49" charset="0"/>
-                <a:cs typeface="Consolas" pitchFamily="49" charset="0"/>
-              </a:rPr>
-              <a:t>dylanbeattie</a:t>
-            </a:r>
-            <a:r>
-              <a:rPr lang="en-GB" sz="1800" dirty="0" smtClean="0">
-                <a:solidFill>
-                  <a:srgbClr val="00FF00"/>
-                </a:solidFill>
-                <a:latin typeface="Consolas" pitchFamily="49" charset="0"/>
-                <a:cs typeface="Consolas" pitchFamily="49" charset="0"/>
-              </a:rPr>
-              <a:t/>
-            </a:r>
-            <a:br>
-              <a:rPr lang="en-GB" sz="1800" dirty="0" smtClean="0">
-                <a:solidFill>
-                  <a:srgbClr val="00FF00"/>
-                </a:solidFill>
-                <a:latin typeface="Consolas" pitchFamily="49" charset="0"/>
-                <a:cs typeface="Consolas" pitchFamily="49" charset="0"/>
-              </a:rPr>
-            </a:br>
-            <a:r>
-              <a:rPr lang="en-GB" sz="1800" b="1" dirty="0" smtClean="0">
-                <a:solidFill>
-                  <a:srgbClr val="00FF00"/>
-                </a:solidFill>
-                <a:latin typeface="Consolas" pitchFamily="49" charset="0"/>
-                <a:cs typeface="Consolas" pitchFamily="49" charset="0"/>
-              </a:rPr>
-              <a:t>X-Speaker-Website: 	</a:t>
-            </a:r>
-            <a:r>
-              <a:rPr lang="en-GB" sz="1800" dirty="0" smtClean="0">
-                <a:solidFill>
-                  <a:srgbClr val="00FF00"/>
+                  <a:schemeClr val="bg1"/>
                 </a:solidFill>
                 <a:latin typeface="Consolas" pitchFamily="49" charset="0"/>
                 <a:cs typeface="Consolas" pitchFamily="49" charset="0"/>
@@ -7889,7 +8226,7 @@
     </p:spTree>
     <p:extLst>
       <p:ext uri="{BB962C8B-B14F-4D97-AF65-F5344CB8AC3E}">
-        <p14:creationId xmlns:p14="http://schemas.microsoft.com/office/powerpoint/2010/main" xmlns="" val="3533413541"/>
+        <p14:creationId xmlns:p14="http://schemas.microsoft.com/office/powerpoint/2010/main" val="3533413541"/>
       </p:ext>
     </p:extLst>
   </p:cSld>
@@ -7899,9 +8236,828 @@
   <p:timing>
     <p:tnLst>
       <p:par>
-        <p:cTn id="1" dur="indefinite" restart="never" nodeType="tmRoot"/>
+        <p:cTn id="1" dur="indefinite" restart="never" nodeType="tmRoot">
+          <p:childTnLst>
+            <p:seq concurrent="1" nextAc="seek">
+              <p:cTn id="2" dur="indefinite" nodeType="mainSeq">
+                <p:childTnLst>
+                  <p:par>
+                    <p:cTn id="3" fill="hold">
+                      <p:stCondLst>
+                        <p:cond delay="indefinite"/>
+                      </p:stCondLst>
+                      <p:childTnLst>
+                        <p:par>
+                          <p:cTn id="4" fill="hold">
+                            <p:stCondLst>
+                              <p:cond delay="0"/>
+                            </p:stCondLst>
+                            <p:childTnLst>
+                              <p:par>
+                                <p:cTn id="5" presetID="22" presetClass="entr" presetSubtype="8" fill="hold" grpId="0" nodeType="clickEffect">
+                                  <p:stCondLst>
+                                    <p:cond delay="10000"/>
+                                  </p:stCondLst>
+                                  <p:childTnLst>
+                                    <p:set>
+                                      <p:cBhvr>
+                                        <p:cTn id="6" dur="1" fill="hold">
+                                          <p:stCondLst>
+                                            <p:cond delay="0"/>
+                                          </p:stCondLst>
+                                        </p:cTn>
+                                        <p:tgtEl>
+                                          <p:spTgt spid="4">
+                                            <p:txEl>
+                                              <p:pRg st="0" end="0"/>
+                                            </p:txEl>
+                                          </p:spTgt>
+                                        </p:tgtEl>
+                                        <p:attrNameLst>
+                                          <p:attrName>style.visibility</p:attrName>
+                                        </p:attrNameLst>
+                                      </p:cBhvr>
+                                      <p:to>
+                                        <p:strVal val="visible"/>
+                                      </p:to>
+                                    </p:set>
+                                    <p:animEffect transition="in" filter="wipe(left)">
+                                      <p:cBhvr>
+                                        <p:cTn id="7" dur="1000"/>
+                                        <p:tgtEl>
+                                          <p:spTgt spid="4">
+                                            <p:txEl>
+                                              <p:pRg st="0" end="0"/>
+                                            </p:txEl>
+                                          </p:spTgt>
+                                        </p:tgtEl>
+                                      </p:cBhvr>
+                                    </p:animEffect>
+                                  </p:childTnLst>
+                                </p:cTn>
+                              </p:par>
+                            </p:childTnLst>
+                          </p:cTn>
+                        </p:par>
+                      </p:childTnLst>
+                    </p:cTn>
+                  </p:par>
+                  <p:par>
+                    <p:cTn id="8" fill="hold">
+                      <p:stCondLst>
+                        <p:cond delay="indefinite"/>
+                      </p:stCondLst>
+                      <p:childTnLst>
+                        <p:par>
+                          <p:cTn id="9" fill="hold">
+                            <p:stCondLst>
+                              <p:cond delay="0"/>
+                            </p:stCondLst>
+                            <p:childTnLst>
+                              <p:par>
+                                <p:cTn id="10" presetID="22" presetClass="entr" presetSubtype="8" fill="hold" grpId="0" nodeType="clickEffect">
+                                  <p:stCondLst>
+                                    <p:cond delay="10000"/>
+                                  </p:stCondLst>
+                                  <p:childTnLst>
+                                    <p:set>
+                                      <p:cBhvr>
+                                        <p:cTn id="11" dur="1" fill="hold">
+                                          <p:stCondLst>
+                                            <p:cond delay="0"/>
+                                          </p:stCondLst>
+                                        </p:cTn>
+                                        <p:tgtEl>
+                                          <p:spTgt spid="4">
+                                            <p:txEl>
+                                              <p:pRg st="1" end="1"/>
+                                            </p:txEl>
+                                          </p:spTgt>
+                                        </p:tgtEl>
+                                        <p:attrNameLst>
+                                          <p:attrName>style.visibility</p:attrName>
+                                        </p:attrNameLst>
+                                      </p:cBhvr>
+                                      <p:to>
+                                        <p:strVal val="visible"/>
+                                      </p:to>
+                                    </p:set>
+                                    <p:animEffect transition="in" filter="wipe(left)">
+                                      <p:cBhvr>
+                                        <p:cTn id="12" dur="1000"/>
+                                        <p:tgtEl>
+                                          <p:spTgt spid="4">
+                                            <p:txEl>
+                                              <p:pRg st="1" end="1"/>
+                                            </p:txEl>
+                                          </p:spTgt>
+                                        </p:tgtEl>
+                                      </p:cBhvr>
+                                    </p:animEffect>
+                                  </p:childTnLst>
+                                </p:cTn>
+                              </p:par>
+                            </p:childTnLst>
+                          </p:cTn>
+                        </p:par>
+                      </p:childTnLst>
+                    </p:cTn>
+                  </p:par>
+                  <p:par>
+                    <p:cTn id="13" fill="hold">
+                      <p:stCondLst>
+                        <p:cond delay="indefinite"/>
+                      </p:stCondLst>
+                      <p:childTnLst>
+                        <p:par>
+                          <p:cTn id="14" fill="hold">
+                            <p:stCondLst>
+                              <p:cond delay="0"/>
+                            </p:stCondLst>
+                            <p:childTnLst>
+                              <p:par>
+                                <p:cTn id="15" presetID="22" presetClass="entr" presetSubtype="8" fill="hold" grpId="0" nodeType="clickEffect">
+                                  <p:stCondLst>
+                                    <p:cond delay="10000"/>
+                                  </p:stCondLst>
+                                  <p:childTnLst>
+                                    <p:set>
+                                      <p:cBhvr>
+                                        <p:cTn id="16" dur="1" fill="hold">
+                                          <p:stCondLst>
+                                            <p:cond delay="0"/>
+                                          </p:stCondLst>
+                                        </p:cTn>
+                                        <p:tgtEl>
+                                          <p:spTgt spid="4">
+                                            <p:txEl>
+                                              <p:pRg st="2" end="2"/>
+                                            </p:txEl>
+                                          </p:spTgt>
+                                        </p:tgtEl>
+                                        <p:attrNameLst>
+                                          <p:attrName>style.visibility</p:attrName>
+                                        </p:attrNameLst>
+                                      </p:cBhvr>
+                                      <p:to>
+                                        <p:strVal val="visible"/>
+                                      </p:to>
+                                    </p:set>
+                                    <p:animEffect transition="in" filter="wipe(left)">
+                                      <p:cBhvr>
+                                        <p:cTn id="17" dur="1000"/>
+                                        <p:tgtEl>
+                                          <p:spTgt spid="4">
+                                            <p:txEl>
+                                              <p:pRg st="2" end="2"/>
+                                            </p:txEl>
+                                          </p:spTgt>
+                                        </p:tgtEl>
+                                      </p:cBhvr>
+                                    </p:animEffect>
+                                  </p:childTnLst>
+                                </p:cTn>
+                              </p:par>
+                            </p:childTnLst>
+                          </p:cTn>
+                        </p:par>
+                      </p:childTnLst>
+                    </p:cTn>
+                  </p:par>
+                  <p:par>
+                    <p:cTn id="18" fill="hold">
+                      <p:stCondLst>
+                        <p:cond delay="indefinite"/>
+                      </p:stCondLst>
+                      <p:childTnLst>
+                        <p:par>
+                          <p:cTn id="19" fill="hold">
+                            <p:stCondLst>
+                              <p:cond delay="0"/>
+                            </p:stCondLst>
+                            <p:childTnLst>
+                              <p:par>
+                                <p:cTn id="20" presetID="22" presetClass="entr" presetSubtype="8" fill="hold" grpId="0" nodeType="clickEffect">
+                                  <p:stCondLst>
+                                    <p:cond delay="10000"/>
+                                  </p:stCondLst>
+                                  <p:childTnLst>
+                                    <p:set>
+                                      <p:cBhvr>
+                                        <p:cTn id="21" dur="1" fill="hold">
+                                          <p:stCondLst>
+                                            <p:cond delay="0"/>
+                                          </p:stCondLst>
+                                        </p:cTn>
+                                        <p:tgtEl>
+                                          <p:spTgt spid="4">
+                                            <p:txEl>
+                                              <p:pRg st="3" end="3"/>
+                                            </p:txEl>
+                                          </p:spTgt>
+                                        </p:tgtEl>
+                                        <p:attrNameLst>
+                                          <p:attrName>style.visibility</p:attrName>
+                                        </p:attrNameLst>
+                                      </p:cBhvr>
+                                      <p:to>
+                                        <p:strVal val="visible"/>
+                                      </p:to>
+                                    </p:set>
+                                    <p:animEffect transition="in" filter="wipe(left)">
+                                      <p:cBhvr>
+                                        <p:cTn id="22" dur="1000"/>
+                                        <p:tgtEl>
+                                          <p:spTgt spid="4">
+                                            <p:txEl>
+                                              <p:pRg st="3" end="3"/>
+                                            </p:txEl>
+                                          </p:spTgt>
+                                        </p:tgtEl>
+                                      </p:cBhvr>
+                                    </p:animEffect>
+                                  </p:childTnLst>
+                                </p:cTn>
+                              </p:par>
+                            </p:childTnLst>
+                          </p:cTn>
+                        </p:par>
+                      </p:childTnLst>
+                    </p:cTn>
+                  </p:par>
+                  <p:par>
+                    <p:cTn id="23" fill="hold">
+                      <p:stCondLst>
+                        <p:cond delay="indefinite"/>
+                      </p:stCondLst>
+                      <p:childTnLst>
+                        <p:par>
+                          <p:cTn id="24" fill="hold">
+                            <p:stCondLst>
+                              <p:cond delay="0"/>
+                            </p:stCondLst>
+                            <p:childTnLst>
+                              <p:par>
+                                <p:cTn id="25" presetID="22" presetClass="entr" presetSubtype="8" fill="hold" grpId="0" nodeType="clickEffect">
+                                  <p:stCondLst>
+                                    <p:cond delay="10000"/>
+                                  </p:stCondLst>
+                                  <p:childTnLst>
+                                    <p:set>
+                                      <p:cBhvr>
+                                        <p:cTn id="26" dur="1" fill="hold">
+                                          <p:stCondLst>
+                                            <p:cond delay="0"/>
+                                          </p:stCondLst>
+                                        </p:cTn>
+                                        <p:tgtEl>
+                                          <p:spTgt spid="4">
+                                            <p:txEl>
+                                              <p:pRg st="4" end="4"/>
+                                            </p:txEl>
+                                          </p:spTgt>
+                                        </p:tgtEl>
+                                        <p:attrNameLst>
+                                          <p:attrName>style.visibility</p:attrName>
+                                        </p:attrNameLst>
+                                      </p:cBhvr>
+                                      <p:to>
+                                        <p:strVal val="visible"/>
+                                      </p:to>
+                                    </p:set>
+                                    <p:animEffect transition="in" filter="wipe(left)">
+                                      <p:cBhvr>
+                                        <p:cTn id="27" dur="1000"/>
+                                        <p:tgtEl>
+                                          <p:spTgt spid="4">
+                                            <p:txEl>
+                                              <p:pRg st="4" end="4"/>
+                                            </p:txEl>
+                                          </p:spTgt>
+                                        </p:tgtEl>
+                                      </p:cBhvr>
+                                    </p:animEffect>
+                                  </p:childTnLst>
+                                </p:cTn>
+                              </p:par>
+                            </p:childTnLst>
+                          </p:cTn>
+                        </p:par>
+                      </p:childTnLst>
+                    </p:cTn>
+                  </p:par>
+                  <p:par>
+                    <p:cTn id="28" fill="hold">
+                      <p:stCondLst>
+                        <p:cond delay="indefinite"/>
+                      </p:stCondLst>
+                      <p:childTnLst>
+                        <p:par>
+                          <p:cTn id="29" fill="hold">
+                            <p:stCondLst>
+                              <p:cond delay="0"/>
+                            </p:stCondLst>
+                            <p:childTnLst>
+                              <p:par>
+                                <p:cTn id="30" presetID="22" presetClass="entr" presetSubtype="8" fill="hold" grpId="0" nodeType="clickEffect">
+                                  <p:stCondLst>
+                                    <p:cond delay="10000"/>
+                                  </p:stCondLst>
+                                  <p:childTnLst>
+                                    <p:set>
+                                      <p:cBhvr>
+                                        <p:cTn id="31" dur="1" fill="hold">
+                                          <p:stCondLst>
+                                            <p:cond delay="0"/>
+                                          </p:stCondLst>
+                                        </p:cTn>
+                                        <p:tgtEl>
+                                          <p:spTgt spid="4">
+                                            <p:txEl>
+                                              <p:pRg st="5" end="5"/>
+                                            </p:txEl>
+                                          </p:spTgt>
+                                        </p:tgtEl>
+                                        <p:attrNameLst>
+                                          <p:attrName>style.visibility</p:attrName>
+                                        </p:attrNameLst>
+                                      </p:cBhvr>
+                                      <p:to>
+                                        <p:strVal val="visible"/>
+                                      </p:to>
+                                    </p:set>
+                                    <p:animEffect transition="in" filter="wipe(left)">
+                                      <p:cBhvr>
+                                        <p:cTn id="32" dur="1000"/>
+                                        <p:tgtEl>
+                                          <p:spTgt spid="4">
+                                            <p:txEl>
+                                              <p:pRg st="5" end="5"/>
+                                            </p:txEl>
+                                          </p:spTgt>
+                                        </p:tgtEl>
+                                      </p:cBhvr>
+                                    </p:animEffect>
+                                  </p:childTnLst>
+                                </p:cTn>
+                              </p:par>
+                            </p:childTnLst>
+                          </p:cTn>
+                        </p:par>
+                      </p:childTnLst>
+                    </p:cTn>
+                  </p:par>
+                  <p:par>
+                    <p:cTn id="33" fill="hold">
+                      <p:stCondLst>
+                        <p:cond delay="indefinite"/>
+                      </p:stCondLst>
+                      <p:childTnLst>
+                        <p:par>
+                          <p:cTn id="34" fill="hold">
+                            <p:stCondLst>
+                              <p:cond delay="0"/>
+                            </p:stCondLst>
+                            <p:childTnLst>
+                              <p:par>
+                                <p:cTn id="35" presetID="22" presetClass="entr" presetSubtype="8" fill="hold" grpId="0" nodeType="clickEffect">
+                                  <p:stCondLst>
+                                    <p:cond delay="10000"/>
+                                  </p:stCondLst>
+                                  <p:childTnLst>
+                                    <p:set>
+                                      <p:cBhvr>
+                                        <p:cTn id="36" dur="1" fill="hold">
+                                          <p:stCondLst>
+                                            <p:cond delay="0"/>
+                                          </p:stCondLst>
+                                        </p:cTn>
+                                        <p:tgtEl>
+                                          <p:spTgt spid="4">
+                                            <p:txEl>
+                                              <p:pRg st="6" end="6"/>
+                                            </p:txEl>
+                                          </p:spTgt>
+                                        </p:tgtEl>
+                                        <p:attrNameLst>
+                                          <p:attrName>style.visibility</p:attrName>
+                                        </p:attrNameLst>
+                                      </p:cBhvr>
+                                      <p:to>
+                                        <p:strVal val="visible"/>
+                                      </p:to>
+                                    </p:set>
+                                    <p:animEffect transition="in" filter="wipe(left)">
+                                      <p:cBhvr>
+                                        <p:cTn id="37" dur="1000"/>
+                                        <p:tgtEl>
+                                          <p:spTgt spid="4">
+                                            <p:txEl>
+                                              <p:pRg st="6" end="6"/>
+                                            </p:txEl>
+                                          </p:spTgt>
+                                        </p:tgtEl>
+                                      </p:cBhvr>
+                                    </p:animEffect>
+                                  </p:childTnLst>
+                                </p:cTn>
+                              </p:par>
+                            </p:childTnLst>
+                          </p:cTn>
+                        </p:par>
+                      </p:childTnLst>
+                    </p:cTn>
+                  </p:par>
+                  <p:par>
+                    <p:cTn id="38" fill="hold">
+                      <p:stCondLst>
+                        <p:cond delay="indefinite"/>
+                      </p:stCondLst>
+                      <p:childTnLst>
+                        <p:par>
+                          <p:cTn id="39" fill="hold">
+                            <p:stCondLst>
+                              <p:cond delay="0"/>
+                            </p:stCondLst>
+                            <p:childTnLst>
+                              <p:par>
+                                <p:cTn id="40" presetID="22" presetClass="entr" presetSubtype="8" fill="hold" grpId="0" nodeType="clickEffect">
+                                  <p:stCondLst>
+                                    <p:cond delay="10000"/>
+                                  </p:stCondLst>
+                                  <p:childTnLst>
+                                    <p:set>
+                                      <p:cBhvr>
+                                        <p:cTn id="41" dur="1" fill="hold">
+                                          <p:stCondLst>
+                                            <p:cond delay="0"/>
+                                          </p:stCondLst>
+                                        </p:cTn>
+                                        <p:tgtEl>
+                                          <p:spTgt spid="4">
+                                            <p:txEl>
+                                              <p:pRg st="7" end="7"/>
+                                            </p:txEl>
+                                          </p:spTgt>
+                                        </p:tgtEl>
+                                        <p:attrNameLst>
+                                          <p:attrName>style.visibility</p:attrName>
+                                        </p:attrNameLst>
+                                      </p:cBhvr>
+                                      <p:to>
+                                        <p:strVal val="visible"/>
+                                      </p:to>
+                                    </p:set>
+                                    <p:animEffect transition="in" filter="wipe(left)">
+                                      <p:cBhvr>
+                                        <p:cTn id="42" dur="1000"/>
+                                        <p:tgtEl>
+                                          <p:spTgt spid="4">
+                                            <p:txEl>
+                                              <p:pRg st="7" end="7"/>
+                                            </p:txEl>
+                                          </p:spTgt>
+                                        </p:tgtEl>
+                                      </p:cBhvr>
+                                    </p:animEffect>
+                                  </p:childTnLst>
+                                </p:cTn>
+                              </p:par>
+                            </p:childTnLst>
+                          </p:cTn>
+                        </p:par>
+                      </p:childTnLst>
+                    </p:cTn>
+                  </p:par>
+                  <p:par>
+                    <p:cTn id="43" fill="hold">
+                      <p:stCondLst>
+                        <p:cond delay="indefinite"/>
+                      </p:stCondLst>
+                      <p:childTnLst>
+                        <p:par>
+                          <p:cTn id="44" fill="hold">
+                            <p:stCondLst>
+                              <p:cond delay="0"/>
+                            </p:stCondLst>
+                            <p:childTnLst>
+                              <p:par>
+                                <p:cTn id="45" presetID="22" presetClass="entr" presetSubtype="8" fill="hold" grpId="0" nodeType="clickEffect">
+                                  <p:stCondLst>
+                                    <p:cond delay="10000"/>
+                                  </p:stCondLst>
+                                  <p:childTnLst>
+                                    <p:set>
+                                      <p:cBhvr>
+                                        <p:cTn id="46" dur="1" fill="hold">
+                                          <p:stCondLst>
+                                            <p:cond delay="0"/>
+                                          </p:stCondLst>
+                                        </p:cTn>
+                                        <p:tgtEl>
+                                          <p:spTgt spid="4">
+                                            <p:txEl>
+                                              <p:pRg st="8" end="8"/>
+                                            </p:txEl>
+                                          </p:spTgt>
+                                        </p:tgtEl>
+                                        <p:attrNameLst>
+                                          <p:attrName>style.visibility</p:attrName>
+                                        </p:attrNameLst>
+                                      </p:cBhvr>
+                                      <p:to>
+                                        <p:strVal val="visible"/>
+                                      </p:to>
+                                    </p:set>
+                                    <p:animEffect transition="in" filter="wipe(left)">
+                                      <p:cBhvr>
+                                        <p:cTn id="47" dur="1000"/>
+                                        <p:tgtEl>
+                                          <p:spTgt spid="4">
+                                            <p:txEl>
+                                              <p:pRg st="8" end="8"/>
+                                            </p:txEl>
+                                          </p:spTgt>
+                                        </p:tgtEl>
+                                      </p:cBhvr>
+                                    </p:animEffect>
+                                  </p:childTnLst>
+                                </p:cTn>
+                              </p:par>
+                            </p:childTnLst>
+                          </p:cTn>
+                        </p:par>
+                      </p:childTnLst>
+                    </p:cTn>
+                  </p:par>
+                  <p:par>
+                    <p:cTn id="48" fill="hold">
+                      <p:stCondLst>
+                        <p:cond delay="indefinite"/>
+                      </p:stCondLst>
+                      <p:childTnLst>
+                        <p:par>
+                          <p:cTn id="49" fill="hold">
+                            <p:stCondLst>
+                              <p:cond delay="0"/>
+                            </p:stCondLst>
+                            <p:childTnLst>
+                              <p:par>
+                                <p:cTn id="50" presetID="22" presetClass="entr" presetSubtype="8" fill="hold" grpId="0" nodeType="clickEffect">
+                                  <p:stCondLst>
+                                    <p:cond delay="10000"/>
+                                  </p:stCondLst>
+                                  <p:childTnLst>
+                                    <p:set>
+                                      <p:cBhvr>
+                                        <p:cTn id="51" dur="1" fill="hold">
+                                          <p:stCondLst>
+                                            <p:cond delay="0"/>
+                                          </p:stCondLst>
+                                        </p:cTn>
+                                        <p:tgtEl>
+                                          <p:spTgt spid="4">
+                                            <p:txEl>
+                                              <p:pRg st="9" end="9"/>
+                                            </p:txEl>
+                                          </p:spTgt>
+                                        </p:tgtEl>
+                                        <p:attrNameLst>
+                                          <p:attrName>style.visibility</p:attrName>
+                                        </p:attrNameLst>
+                                      </p:cBhvr>
+                                      <p:to>
+                                        <p:strVal val="visible"/>
+                                      </p:to>
+                                    </p:set>
+                                    <p:animEffect transition="in" filter="wipe(left)">
+                                      <p:cBhvr>
+                                        <p:cTn id="52" dur="1000"/>
+                                        <p:tgtEl>
+                                          <p:spTgt spid="4">
+                                            <p:txEl>
+                                              <p:pRg st="9" end="9"/>
+                                            </p:txEl>
+                                          </p:spTgt>
+                                        </p:tgtEl>
+                                      </p:cBhvr>
+                                    </p:animEffect>
+                                  </p:childTnLst>
+                                </p:cTn>
+                              </p:par>
+                            </p:childTnLst>
+                          </p:cTn>
+                        </p:par>
+                      </p:childTnLst>
+                    </p:cTn>
+                  </p:par>
+                  <p:par>
+                    <p:cTn id="53" fill="hold">
+                      <p:stCondLst>
+                        <p:cond delay="indefinite"/>
+                      </p:stCondLst>
+                      <p:childTnLst>
+                        <p:par>
+                          <p:cTn id="54" fill="hold">
+                            <p:stCondLst>
+                              <p:cond delay="0"/>
+                            </p:stCondLst>
+                            <p:childTnLst>
+                              <p:par>
+                                <p:cTn id="55" presetID="22" presetClass="entr" presetSubtype="8" fill="hold" grpId="0" nodeType="clickEffect">
+                                  <p:stCondLst>
+                                    <p:cond delay="10000"/>
+                                  </p:stCondLst>
+                                  <p:childTnLst>
+                                    <p:set>
+                                      <p:cBhvr>
+                                        <p:cTn id="56" dur="1" fill="hold">
+                                          <p:stCondLst>
+                                            <p:cond delay="0"/>
+                                          </p:stCondLst>
+                                        </p:cTn>
+                                        <p:tgtEl>
+                                          <p:spTgt spid="4">
+                                            <p:txEl>
+                                              <p:pRg st="10" end="10"/>
+                                            </p:txEl>
+                                          </p:spTgt>
+                                        </p:tgtEl>
+                                        <p:attrNameLst>
+                                          <p:attrName>style.visibility</p:attrName>
+                                        </p:attrNameLst>
+                                      </p:cBhvr>
+                                      <p:to>
+                                        <p:strVal val="visible"/>
+                                      </p:to>
+                                    </p:set>
+                                    <p:animEffect transition="in" filter="wipe(left)">
+                                      <p:cBhvr>
+                                        <p:cTn id="57" dur="1000"/>
+                                        <p:tgtEl>
+                                          <p:spTgt spid="4">
+                                            <p:txEl>
+                                              <p:pRg st="10" end="10"/>
+                                            </p:txEl>
+                                          </p:spTgt>
+                                        </p:tgtEl>
+                                      </p:cBhvr>
+                                    </p:animEffect>
+                                  </p:childTnLst>
+                                </p:cTn>
+                              </p:par>
+                            </p:childTnLst>
+                          </p:cTn>
+                        </p:par>
+                      </p:childTnLst>
+                    </p:cTn>
+                  </p:par>
+                  <p:par>
+                    <p:cTn id="58" fill="hold">
+                      <p:stCondLst>
+                        <p:cond delay="indefinite"/>
+                      </p:stCondLst>
+                      <p:childTnLst>
+                        <p:par>
+                          <p:cTn id="59" fill="hold">
+                            <p:stCondLst>
+                              <p:cond delay="0"/>
+                            </p:stCondLst>
+                            <p:childTnLst>
+                              <p:par>
+                                <p:cTn id="60" presetID="22" presetClass="entr" presetSubtype="8" fill="hold" grpId="0" nodeType="clickEffect">
+                                  <p:stCondLst>
+                                    <p:cond delay="10000"/>
+                                  </p:stCondLst>
+                                  <p:childTnLst>
+                                    <p:set>
+                                      <p:cBhvr>
+                                        <p:cTn id="61" dur="1" fill="hold">
+                                          <p:stCondLst>
+                                            <p:cond delay="0"/>
+                                          </p:stCondLst>
+                                        </p:cTn>
+                                        <p:tgtEl>
+                                          <p:spTgt spid="4">
+                                            <p:txEl>
+                                              <p:pRg st="11" end="11"/>
+                                            </p:txEl>
+                                          </p:spTgt>
+                                        </p:tgtEl>
+                                        <p:attrNameLst>
+                                          <p:attrName>style.visibility</p:attrName>
+                                        </p:attrNameLst>
+                                      </p:cBhvr>
+                                      <p:to>
+                                        <p:strVal val="visible"/>
+                                      </p:to>
+                                    </p:set>
+                                    <p:animEffect transition="in" filter="wipe(left)">
+                                      <p:cBhvr>
+                                        <p:cTn id="62" dur="1000"/>
+                                        <p:tgtEl>
+                                          <p:spTgt spid="4">
+                                            <p:txEl>
+                                              <p:pRg st="11" end="11"/>
+                                            </p:txEl>
+                                          </p:spTgt>
+                                        </p:tgtEl>
+                                      </p:cBhvr>
+                                    </p:animEffect>
+                                  </p:childTnLst>
+                                </p:cTn>
+                              </p:par>
+                            </p:childTnLst>
+                          </p:cTn>
+                        </p:par>
+                      </p:childTnLst>
+                    </p:cTn>
+                  </p:par>
+                  <p:par>
+                    <p:cTn id="63" fill="hold">
+                      <p:stCondLst>
+                        <p:cond delay="indefinite"/>
+                      </p:stCondLst>
+                      <p:childTnLst>
+                        <p:par>
+                          <p:cTn id="64" fill="hold">
+                            <p:stCondLst>
+                              <p:cond delay="0"/>
+                            </p:stCondLst>
+                            <p:childTnLst>
+                              <p:par>
+                                <p:cTn id="65" presetID="22" presetClass="entr" presetSubtype="8" fill="hold" grpId="0" nodeType="clickEffect">
+                                  <p:stCondLst>
+                                    <p:cond delay="10000"/>
+                                  </p:stCondLst>
+                                  <p:childTnLst>
+                                    <p:set>
+                                      <p:cBhvr>
+                                        <p:cTn id="66" dur="1" fill="hold">
+                                          <p:stCondLst>
+                                            <p:cond delay="0"/>
+                                          </p:stCondLst>
+                                        </p:cTn>
+                                        <p:tgtEl>
+                                          <p:spTgt spid="4">
+                                            <p:txEl>
+                                              <p:pRg st="12" end="12"/>
+                                            </p:txEl>
+                                          </p:spTgt>
+                                        </p:tgtEl>
+                                        <p:attrNameLst>
+                                          <p:attrName>style.visibility</p:attrName>
+                                        </p:attrNameLst>
+                                      </p:cBhvr>
+                                      <p:to>
+                                        <p:strVal val="visible"/>
+                                      </p:to>
+                                    </p:set>
+                                    <p:animEffect transition="in" filter="wipe(left)">
+                                      <p:cBhvr>
+                                        <p:cTn id="67" dur="1000"/>
+                                        <p:tgtEl>
+                                          <p:spTgt spid="4">
+                                            <p:txEl>
+                                              <p:pRg st="12" end="12"/>
+                                            </p:txEl>
+                                          </p:spTgt>
+                                        </p:tgtEl>
+                                      </p:cBhvr>
+                                    </p:animEffect>
+                                  </p:childTnLst>
+                                </p:cTn>
+                              </p:par>
+                            </p:childTnLst>
+                          </p:cTn>
+                        </p:par>
+                      </p:childTnLst>
+                    </p:cTn>
+                  </p:par>
+                </p:childTnLst>
+              </p:cTn>
+              <p:prevCondLst>
+                <p:cond evt="onPrev" delay="0">
+                  <p:tgtEl>
+                    <p:sldTgt/>
+                  </p:tgtEl>
+                </p:cond>
+              </p:prevCondLst>
+              <p:nextCondLst>
+                <p:cond evt="onNext" delay="0">
+                  <p:tgtEl>
+                    <p:sldTgt/>
+                  </p:tgtEl>
+                </p:cond>
+              </p:nextCondLst>
+            </p:seq>
+          </p:childTnLst>
+        </p:cTn>
       </p:par>
     </p:tnLst>
+    <p:bldLst>
+      <p:bldP spid="4" grpId="0" build="p"/>
+    </p:bldLst>
   </p:timing>
 </p:sld>
 </file>
@@ -8224,14 +9380,21 @@
   <p:clrMapOvr>
     <a:masterClrMapping/>
   </p:clrMapOvr>
-  <mc:AlternateContent xmlns:mc="http://schemas.openxmlformats.org/markup-compatibility/2006">
-    <mc:Choice xmlns:p14="http://schemas.microsoft.com/office/powerpoint/2010/main" xmlns="" Requires="p14">
+  <mc:AlternateContent xmlns:mc="http://schemas.openxmlformats.org/markup-compatibility/2006" xmlns:p14="http://schemas.microsoft.com/office/powerpoint/2010/main">
+    <mc:Choice Requires="p14">
       <p:transition spd="slow" p14:dur="2000"/>
     </mc:Choice>
-    <mc:Fallback>
+    <mc:Fallback xmlns="">
       <p:transition spd="slow"/>
     </mc:Fallback>
   </mc:AlternateContent>
+  <p:timing>
+    <p:tnLst>
+      <p:par>
+        <p:cTn id="1" dur="indefinite" restart="never" nodeType="tmRoot"/>
+      </p:par>
+    </p:tnLst>
+  </p:timing>
 </p:sld>
 </file>
 
@@ -8252,47 +9415,6 @@
           <a:chExt cx="0" cy="0"/>
         </a:xfrm>
       </p:grpSpPr>
-      <p:pic>
-        <p:nvPicPr>
-          <p:cNvPr id="2050" name="Picture 2" descr="http://upload.wikimedia.org/wikipedia/en/thumb/a/a6/Alonzo_Church.jpg/225px-Alonzo_Church.jpg"/>
-          <p:cNvPicPr>
-            <a:picLocks noChangeAspect="1" noChangeArrowheads="1"/>
-          </p:cNvPicPr>
-          <p:nvPr/>
-        </p:nvPicPr>
-        <p:blipFill>
-          <a:blip r:embed="rId3" cstate="print">
-            <a:extLst>
-              <a:ext uri="{28A0092B-C50C-407E-A947-70E740481C1C}">
-                <a14:useLocalDpi xmlns:a14="http://schemas.microsoft.com/office/drawing/2010/main" xmlns="" val="0"/>
-              </a:ext>
-            </a:extLst>
-          </a:blip>
-          <a:srcRect/>
-          <a:stretch>
-            <a:fillRect/>
-          </a:stretch>
-        </p:blipFill>
-        <p:spPr bwMode="auto">
-          <a:xfrm>
-            <a:off x="107504" y="162157"/>
-            <a:ext cx="1116124" cy="1493126"/>
-          </a:xfrm>
-          <a:prstGeom prst="rect">
-            <a:avLst/>
-          </a:prstGeom>
-          <a:noFill/>
-          <a:extLst>
-            <a:ext uri="{909E8E84-426E-40DD-AFC4-6F175D3DCCD1}">
-              <a14:hiddenFill xmlns:a14="http://schemas.microsoft.com/office/drawing/2010/main" xmlns="">
-                <a:solidFill>
-                  <a:srgbClr val="FFFFFF"/>
-                </a:solidFill>
-              </a14:hiddenFill>
-            </a:ext>
-          </a:extLst>
-        </p:spPr>
-      </p:pic>
       <p:sp>
         <p:nvSpPr>
           <p:cNvPr id="5" name="Rectangle 4"/>
@@ -8317,82 +9439,42 @@
           <a:p>
             <a:pPr algn="ctr"/>
             <a:r>
-              <a:rPr lang="el-GR" sz="30000" b="1" spc="300" dirty="0">
-                <a:ln w="11430" cmpd="sng">
+              <a:rPr lang="el-GR" sz="30000" dirty="0">
+                <a:ln w="18415" cmpd="sng">
                   <a:solidFill>
-                    <a:schemeClr val="accent1">
-                      <a:tint val="10000"/>
-                    </a:schemeClr>
+                    <a:srgbClr val="FFFFFF"/>
                   </a:solidFill>
                   <a:prstDash val="solid"/>
-                  <a:miter lim="800000"/>
                 </a:ln>
-                <a:gradFill>
-                  <a:gsLst>
-                    <a:gs pos="10000">
-                      <a:schemeClr val="accent1">
-                        <a:tint val="83000"/>
-                        <a:shade val="100000"/>
-                        <a:satMod val="200000"/>
-                      </a:schemeClr>
-                    </a:gs>
-                    <a:gs pos="75000">
-                      <a:schemeClr val="accent1">
-                        <a:tint val="100000"/>
-                        <a:shade val="50000"/>
-                        <a:satMod val="150000"/>
-                      </a:schemeClr>
-                    </a:gs>
-                  </a:gsLst>
-                  <a:lin ang="5400000"/>
-                </a:gradFill>
+                <a:solidFill>
+                  <a:srgbClr val="FFFFFF"/>
+                </a:solidFill>
                 <a:effectLst>
-                  <a:glow rad="45500">
-                    <a:schemeClr val="accent1">
-                      <a:satMod val="220000"/>
-                      <a:alpha val="35000"/>
-                    </a:schemeClr>
-                  </a:glow>
+                  <a:outerShdw blurRad="63500" dir="3600000" algn="tl" rotWithShape="0">
+                    <a:srgbClr val="000000">
+                      <a:alpha val="70000"/>
+                    </a:srgbClr>
+                  </a:outerShdw>
                 </a:effectLst>
               </a:rPr>
               <a:t>λ</a:t>
             </a:r>
-            <a:endParaRPr lang="en-GB" sz="30000" b="1" spc="300" dirty="0">
-              <a:ln w="11430" cmpd="sng">
-                <a:solidFill>
-                  <a:schemeClr val="accent1">
-                    <a:tint val="10000"/>
-                  </a:schemeClr>
+            <a:endParaRPr lang="en-GB" sz="30000" dirty="0">
+              <a:ln w="18415" cmpd="sng">
+                <a:solidFill>
+                  <a:srgbClr val="FFFFFF"/>
                 </a:solidFill>
                 <a:prstDash val="solid"/>
-                <a:miter lim="800000"/>
               </a:ln>
-              <a:gradFill>
-                <a:gsLst>
-                  <a:gs pos="10000">
-                    <a:schemeClr val="accent1">
-                      <a:tint val="83000"/>
-                      <a:shade val="100000"/>
-                      <a:satMod val="200000"/>
-                    </a:schemeClr>
-                  </a:gs>
-                  <a:gs pos="75000">
-                    <a:schemeClr val="accent1">
-                      <a:tint val="100000"/>
-                      <a:shade val="50000"/>
-                      <a:satMod val="150000"/>
-                    </a:schemeClr>
-                  </a:gs>
-                </a:gsLst>
-                <a:lin ang="5400000"/>
-              </a:gradFill>
+              <a:solidFill>
+                <a:srgbClr val="FFFFFF"/>
+              </a:solidFill>
               <a:effectLst>
-                <a:glow rad="45500">
-                  <a:schemeClr val="accent1">
-                    <a:satMod val="220000"/>
-                    <a:alpha val="35000"/>
-                  </a:schemeClr>
-                </a:glow>
+                <a:outerShdw blurRad="63500" dir="3600000" algn="tl" rotWithShape="0">
+                  <a:srgbClr val="000000">
+                    <a:alpha val="70000"/>
+                  </a:srgbClr>
+                </a:outerShdw>
               </a:effectLst>
             </a:endParaRPr>
           </a:p>
@@ -8400,17 +9482,17 @@
       </p:sp>
       <p:pic>
         <p:nvPicPr>
-          <p:cNvPr id="2052" name="Picture 4" descr="http://www.thocp.net/biographies/pictures/turing_alan2.gif"/>
+          <p:cNvPr id="6" name="Picture 2" descr="http://upload.wikimedia.org/wikipedia/en/thumb/a/a6/Alonzo_Church.jpg/225px-Alonzo_Church.jpg"/>
           <p:cNvPicPr>
             <a:picLocks noChangeAspect="1" noChangeArrowheads="1"/>
           </p:cNvPicPr>
           <p:nvPr/>
         </p:nvPicPr>
         <p:blipFill>
-          <a:blip r:embed="rId4" cstate="print">
+          <a:blip r:embed="rId3" cstate="print">
             <a:extLst>
               <a:ext uri="{28A0092B-C50C-407E-A947-70E740481C1C}">
-                <a14:useLocalDpi xmlns:a14="http://schemas.microsoft.com/office/drawing/2010/main" xmlns="" val="0"/>
+                <a14:useLocalDpi xmlns:a14="http://schemas.microsoft.com/office/drawing/2010/main" val="0"/>
               </a:ext>
             </a:extLst>
           </a:blip>
@@ -8421,8 +9503,8 @@
         </p:blipFill>
         <p:spPr bwMode="auto">
           <a:xfrm>
-            <a:off x="1331640" y="162157"/>
-            <a:ext cx="1102605" cy="1497788"/>
+            <a:off x="105541" y="154811"/>
+            <a:ext cx="1036149" cy="1386152"/>
           </a:xfrm>
           <a:prstGeom prst="rect">
             <a:avLst/>
@@ -8430,7 +9512,48 @@
           <a:noFill/>
           <a:extLst>
             <a:ext uri="{909E8E84-426E-40DD-AFC4-6F175D3DCCD1}">
-              <a14:hiddenFill xmlns:a14="http://schemas.microsoft.com/office/drawing/2010/main" xmlns="">
+              <a14:hiddenFill xmlns:a14="http://schemas.microsoft.com/office/drawing/2010/main">
+                <a:solidFill>
+                  <a:srgbClr val="FFFFFF"/>
+                </a:solidFill>
+              </a14:hiddenFill>
+            </a:ext>
+          </a:extLst>
+        </p:spPr>
+      </p:pic>
+      <p:pic>
+        <p:nvPicPr>
+          <p:cNvPr id="7" name="Picture 4" descr="http://www.thocp.net/biographies/pictures/turing_alan2.gif"/>
+          <p:cNvPicPr>
+            <a:picLocks noChangeAspect="1" noChangeArrowheads="1"/>
+          </p:cNvPicPr>
+          <p:nvPr/>
+        </p:nvPicPr>
+        <p:blipFill>
+          <a:blip r:embed="rId4" cstate="print">
+            <a:extLst>
+              <a:ext uri="{28A0092B-C50C-407E-A947-70E740481C1C}">
+                <a14:useLocalDpi xmlns:a14="http://schemas.microsoft.com/office/drawing/2010/main" val="0"/>
+              </a:ext>
+            </a:extLst>
+          </a:blip>
+          <a:srcRect/>
+          <a:stretch>
+            <a:fillRect/>
+          </a:stretch>
+        </p:blipFill>
+        <p:spPr bwMode="auto">
+          <a:xfrm>
+            <a:off x="1218530" y="154811"/>
+            <a:ext cx="1020439" cy="1386152"/>
+          </a:xfrm>
+          <a:prstGeom prst="rect">
+            <a:avLst/>
+          </a:prstGeom>
+          <a:noFill/>
+          <a:extLst>
+            <a:ext uri="{909E8E84-426E-40DD-AFC4-6F175D3DCCD1}">
+              <a14:hiddenFill xmlns:a14="http://schemas.microsoft.com/office/drawing/2010/main">
                 <a:solidFill>
                   <a:srgbClr val="FFFFFF"/>
                 </a:solidFill>
@@ -8444,14 +9567,150 @@
   <p:clrMapOvr>
     <a:masterClrMapping/>
   </p:clrMapOvr>
-  <mc:AlternateContent xmlns:mc="http://schemas.openxmlformats.org/markup-compatibility/2006">
-    <mc:Choice xmlns:p14="http://schemas.microsoft.com/office/powerpoint/2010/main" xmlns="" Requires="p14">
+  <mc:AlternateContent xmlns:mc="http://schemas.openxmlformats.org/markup-compatibility/2006" xmlns:p14="http://schemas.microsoft.com/office/powerpoint/2010/main">
+    <mc:Choice Requires="p14">
       <p:transition spd="slow" p14:dur="2000"/>
     </mc:Choice>
-    <mc:Fallback>
+    <mc:Fallback xmlns="">
       <p:transition spd="slow"/>
     </mc:Fallback>
   </mc:AlternateContent>
+  <p:timing>
+    <p:tnLst>
+      <p:par>
+        <p:cTn id="1" dur="indefinite" restart="never" nodeType="tmRoot">
+          <p:childTnLst>
+            <p:seq concurrent="1" nextAc="seek">
+              <p:cTn id="2" dur="indefinite" nodeType="mainSeq">
+                <p:childTnLst>
+                  <p:par>
+                    <p:cTn id="3" fill="hold">
+                      <p:stCondLst>
+                        <p:cond delay="indefinite"/>
+                      </p:stCondLst>
+                      <p:childTnLst>
+                        <p:par>
+                          <p:cTn id="4" fill="hold">
+                            <p:stCondLst>
+                              <p:cond delay="0"/>
+                            </p:stCondLst>
+                            <p:childTnLst>
+                              <p:par>
+                                <p:cTn id="5" presetID="10" presetClass="entr" presetSubtype="0" fill="hold" nodeType="clickEffect">
+                                  <p:stCondLst>
+                                    <p:cond delay="0"/>
+                                  </p:stCondLst>
+                                  <p:childTnLst>
+                                    <p:set>
+                                      <p:cBhvr>
+                                        <p:cTn id="6" dur="1" fill="hold">
+                                          <p:stCondLst>
+                                            <p:cond delay="0"/>
+                                          </p:stCondLst>
+                                        </p:cTn>
+                                        <p:tgtEl>
+                                          <p:spTgt spid="6"/>
+                                        </p:tgtEl>
+                                        <p:attrNameLst>
+                                          <p:attrName>style.visibility</p:attrName>
+                                        </p:attrNameLst>
+                                      </p:cBhvr>
+                                      <p:to>
+                                        <p:strVal val="visible"/>
+                                      </p:to>
+                                    </p:set>
+                                    <p:animEffect transition="in" filter="fade">
+                                      <p:cBhvr>
+                                        <p:cTn id="7" dur="500"/>
+                                        <p:tgtEl>
+                                          <p:spTgt spid="6"/>
+                                        </p:tgtEl>
+                                      </p:cBhvr>
+                                    </p:animEffect>
+                                  </p:childTnLst>
+                                </p:cTn>
+                              </p:par>
+                            </p:childTnLst>
+                          </p:cTn>
+                        </p:par>
+                      </p:childTnLst>
+                    </p:cTn>
+                  </p:par>
+                  <p:par>
+                    <p:cTn id="8" fill="hold">
+                      <p:stCondLst>
+                        <p:cond delay="indefinite"/>
+                      </p:stCondLst>
+                      <p:childTnLst>
+                        <p:par>
+                          <p:cTn id="9" fill="hold">
+                            <p:stCondLst>
+                              <p:cond delay="0"/>
+                            </p:stCondLst>
+                            <p:childTnLst>
+                              <p:par>
+                                <p:cTn id="10" presetID="10" presetClass="entr" presetSubtype="0" fill="hold" nodeType="clickEffect">
+                                  <p:stCondLst>
+                                    <p:cond delay="0"/>
+                                  </p:stCondLst>
+                                  <p:childTnLst>
+                                    <p:set>
+                                      <p:cBhvr>
+                                        <p:cTn id="11" dur="1" fill="hold">
+                                          <p:stCondLst>
+                                            <p:cond delay="0"/>
+                                          </p:stCondLst>
+                                        </p:cTn>
+                                        <p:tgtEl>
+                                          <p:spTgt spid="7"/>
+                                        </p:tgtEl>
+                                        <p:attrNameLst>
+                                          <p:attrName>style.visibility</p:attrName>
+                                        </p:attrNameLst>
+                                      </p:cBhvr>
+                                      <p:to>
+                                        <p:strVal val="visible"/>
+                                      </p:to>
+                                    </p:set>
+                                    <p:animEffect transition="in" filter="fade">
+                                      <p:cBhvr>
+                                        <p:cTn id="12" dur="500"/>
+                                        <p:tgtEl>
+                                          <p:spTgt spid="7"/>
+                                        </p:tgtEl>
+                                      </p:cBhvr>
+                                    </p:animEffect>
+                                  </p:childTnLst>
+                                </p:cTn>
+                              </p:par>
+                            </p:childTnLst>
+                          </p:cTn>
+                        </p:par>
+                      </p:childTnLst>
+                    </p:cTn>
+                  </p:par>
+                </p:childTnLst>
+              </p:cTn>
+              <p:prevCondLst>
+                <p:cond evt="onPrev" delay="0">
+                  <p:tgtEl>
+                    <p:sldTgt/>
+                  </p:tgtEl>
+                </p:cond>
+              </p:prevCondLst>
+              <p:nextCondLst>
+                <p:cond evt="onNext" delay="0">
+                  <p:tgtEl>
+                    <p:sldTgt/>
+                  </p:tgtEl>
+                </p:cond>
+              </p:nextCondLst>
+            </p:seq>
+          </p:childTnLst>
+        </p:cTn>
+      </p:par>
+    </p:tnLst>
+  </p:timing>
 </p:sld>
 </file>
 
@@ -8472,47 +9731,6 @@
           <a:chExt cx="0" cy="0"/>
         </a:xfrm>
       </p:grpSpPr>
-      <p:pic>
-        <p:nvPicPr>
-          <p:cNvPr id="5" name="Picture 2" descr="http://upload.wikimedia.org/wikipedia/en/thumb/a/a6/Alonzo_Church.jpg/225px-Alonzo_Church.jpg"/>
-          <p:cNvPicPr>
-            <a:picLocks noChangeAspect="1" noChangeArrowheads="1"/>
-          </p:cNvPicPr>
-          <p:nvPr/>
-        </p:nvPicPr>
-        <p:blipFill>
-          <a:blip r:embed="rId3" cstate="print">
-            <a:extLst>
-              <a:ext uri="{28A0092B-C50C-407E-A947-70E740481C1C}">
-                <a14:useLocalDpi xmlns:a14="http://schemas.microsoft.com/office/drawing/2010/main" xmlns="" val="0"/>
-              </a:ext>
-            </a:extLst>
-          </a:blip>
-          <a:srcRect/>
-          <a:stretch>
-            <a:fillRect/>
-          </a:stretch>
-        </p:blipFill>
-        <p:spPr bwMode="auto">
-          <a:xfrm>
-            <a:off x="107504" y="162157"/>
-            <a:ext cx="1116124" cy="1493126"/>
-          </a:xfrm>
-          <a:prstGeom prst="rect">
-            <a:avLst/>
-          </a:prstGeom>
-          <a:noFill/>
-          <a:extLst>
-            <a:ext uri="{909E8E84-426E-40DD-AFC4-6F175D3DCCD1}">
-              <a14:hiddenFill xmlns:a14="http://schemas.microsoft.com/office/drawing/2010/main" xmlns="">
-                <a:solidFill>
-                  <a:srgbClr val="FFFFFF"/>
-                </a:solidFill>
-              </a14:hiddenFill>
-            </a:ext>
-          </a:extLst>
-        </p:spPr>
-      </p:pic>
       <p:sp>
         <p:nvSpPr>
           <p:cNvPr id="6" name="Rectangle 5"/>
@@ -8620,17 +9838,17 @@
       </p:sp>
       <p:pic>
         <p:nvPicPr>
-          <p:cNvPr id="7" name="Picture 4" descr="http://www.thocp.net/biographies/pictures/turing_alan2.gif"/>
+          <p:cNvPr id="8" name="Picture 2" descr="http://upload.wikimedia.org/wikipedia/en/thumb/a/a6/Alonzo_Church.jpg/225px-Alonzo_Church.jpg"/>
           <p:cNvPicPr>
             <a:picLocks noChangeAspect="1" noChangeArrowheads="1"/>
           </p:cNvPicPr>
           <p:nvPr/>
         </p:nvPicPr>
         <p:blipFill>
-          <a:blip r:embed="rId4" cstate="print">
+          <a:blip r:embed="rId3" cstate="print">
             <a:extLst>
               <a:ext uri="{28A0092B-C50C-407E-A947-70E740481C1C}">
-                <a14:useLocalDpi xmlns:a14="http://schemas.microsoft.com/office/drawing/2010/main" xmlns="" val="0"/>
+                <a14:useLocalDpi xmlns:a14="http://schemas.microsoft.com/office/drawing/2010/main" val="0"/>
               </a:ext>
             </a:extLst>
           </a:blip>
@@ -8641,8 +9859,8 @@
         </p:blipFill>
         <p:spPr bwMode="auto">
           <a:xfrm>
-            <a:off x="1331640" y="162157"/>
-            <a:ext cx="1102605" cy="1497788"/>
+            <a:off x="105541" y="154811"/>
+            <a:ext cx="1036149" cy="1386152"/>
           </a:xfrm>
           <a:prstGeom prst="rect">
             <a:avLst/>
@@ -8650,7 +9868,7 @@
           <a:noFill/>
           <a:extLst>
             <a:ext uri="{909E8E84-426E-40DD-AFC4-6F175D3DCCD1}">
-              <a14:hiddenFill xmlns:a14="http://schemas.microsoft.com/office/drawing/2010/main" xmlns="">
+              <a14:hiddenFill xmlns:a14="http://schemas.microsoft.com/office/drawing/2010/main">
                 <a:solidFill>
                   <a:srgbClr val="FFFFFF"/>
                 </a:solidFill>
@@ -8661,17 +9879,17 @@
       </p:pic>
       <p:pic>
         <p:nvPicPr>
-          <p:cNvPr id="3074" name="Picture 2" descr="http://www-formal.stanford.edu/jmc/jmcbw.jpg"/>
+          <p:cNvPr id="9" name="Picture 4" descr="http://www.thocp.net/biographies/pictures/turing_alan2.gif"/>
           <p:cNvPicPr>
             <a:picLocks noChangeAspect="1" noChangeArrowheads="1"/>
           </p:cNvPicPr>
           <p:nvPr/>
         </p:nvPicPr>
         <p:blipFill>
-          <a:blip r:embed="rId5" cstate="print">
+          <a:blip r:embed="rId4" cstate="print">
             <a:extLst>
               <a:ext uri="{28A0092B-C50C-407E-A947-70E740481C1C}">
-                <a14:useLocalDpi xmlns:a14="http://schemas.microsoft.com/office/drawing/2010/main" xmlns="" val="0"/>
+                <a14:useLocalDpi xmlns:a14="http://schemas.microsoft.com/office/drawing/2010/main" val="0"/>
               </a:ext>
             </a:extLst>
           </a:blip>
@@ -8682,8 +9900,8 @@
         </p:blipFill>
         <p:spPr bwMode="auto">
           <a:xfrm>
-            <a:off x="2555777" y="162157"/>
-            <a:ext cx="1060139" cy="1493126"/>
+            <a:off x="1218530" y="154811"/>
+            <a:ext cx="1020439" cy="1386152"/>
           </a:xfrm>
           <a:prstGeom prst="rect">
             <a:avLst/>
@@ -8691,7 +9909,276 @@
           <a:noFill/>
           <a:extLst>
             <a:ext uri="{909E8E84-426E-40DD-AFC4-6F175D3DCCD1}">
-              <a14:hiddenFill xmlns:a14="http://schemas.microsoft.com/office/drawing/2010/main" xmlns="">
+              <a14:hiddenFill xmlns:a14="http://schemas.microsoft.com/office/drawing/2010/main">
+                <a:solidFill>
+                  <a:srgbClr val="FFFFFF"/>
+                </a:solidFill>
+              </a14:hiddenFill>
+            </a:ext>
+          </a:extLst>
+        </p:spPr>
+      </p:pic>
+      <p:pic>
+        <p:nvPicPr>
+          <p:cNvPr id="10" name="Picture 2" descr="http://www-formal.stanford.edu/jmc/jmcbw.jpg"/>
+          <p:cNvPicPr>
+            <a:picLocks noChangeAspect="1" noChangeArrowheads="1"/>
+          </p:cNvPicPr>
+          <p:nvPr/>
+        </p:nvPicPr>
+        <p:blipFill>
+          <a:blip r:embed="rId5" cstate="print">
+            <a:extLst>
+              <a:ext uri="{28A0092B-C50C-407E-A947-70E740481C1C}">
+                <a14:useLocalDpi xmlns:a14="http://schemas.microsoft.com/office/drawing/2010/main" val="0"/>
+              </a:ext>
+            </a:extLst>
+          </a:blip>
+          <a:srcRect/>
+          <a:stretch>
+            <a:fillRect/>
+          </a:stretch>
+        </p:blipFill>
+        <p:spPr bwMode="auto">
+          <a:xfrm>
+            <a:off x="2326700" y="154811"/>
+            <a:ext cx="984169" cy="1386152"/>
+          </a:xfrm>
+          <a:prstGeom prst="rect">
+            <a:avLst/>
+          </a:prstGeom>
+          <a:noFill/>
+          <a:extLst>
+            <a:ext uri="{909E8E84-426E-40DD-AFC4-6F175D3DCCD1}">
+              <a14:hiddenFill xmlns:a14="http://schemas.microsoft.com/office/drawing/2010/main">
+                <a:solidFill>
+                  <a:srgbClr val="FFFFFF"/>
+                </a:solidFill>
+              </a14:hiddenFill>
+            </a:ext>
+          </a:extLst>
+        </p:spPr>
+      </p:pic>
+      <p:pic>
+        <p:nvPicPr>
+          <p:cNvPr id="11" name="Picture 2" descr="http://www2.computer.org/portal/image/image_gallery?uuid=81490020-c983-4a03-b690-2cac0d496bb2&amp;groupId=1464074&amp;t=1251382395933"/>
+          <p:cNvPicPr>
+            <a:picLocks noChangeAspect="1" noChangeArrowheads="1"/>
+          </p:cNvPicPr>
+          <p:nvPr/>
+        </p:nvPicPr>
+        <p:blipFill>
+          <a:blip r:embed="rId6" cstate="print">
+            <a:extLst>
+              <a:ext uri="{28A0092B-C50C-407E-A947-70E740481C1C}">
+                <a14:useLocalDpi xmlns:a14="http://schemas.microsoft.com/office/drawing/2010/main" val="0"/>
+              </a:ext>
+            </a:extLst>
+          </a:blip>
+          <a:srcRect/>
+          <a:stretch>
+            <a:fillRect/>
+          </a:stretch>
+        </p:blipFill>
+        <p:spPr bwMode="auto">
+          <a:xfrm>
+            <a:off x="3366714" y="154810"/>
+            <a:ext cx="1090361" cy="1386151"/>
+          </a:xfrm>
+          <a:prstGeom prst="rect">
+            <a:avLst/>
+          </a:prstGeom>
+          <a:noFill/>
+          <a:extLst>
+            <a:ext uri="{909E8E84-426E-40DD-AFC4-6F175D3DCCD1}">
+              <a14:hiddenFill xmlns:a14="http://schemas.microsoft.com/office/drawing/2010/main">
+                <a:solidFill>
+                  <a:srgbClr val="FFFFFF"/>
+                </a:solidFill>
+              </a14:hiddenFill>
+            </a:ext>
+          </a:extLst>
+        </p:spPr>
+      </p:pic>
+      <p:pic>
+        <p:nvPicPr>
+          <p:cNvPr id="12" name="Picture 4" descr="http://upload.wikimedia.org/wikipedia/commons/thumb/0/0e/Jerry_Sussman.jpg/197px-Jerry_Sussman.jpg"/>
+          <p:cNvPicPr>
+            <a:picLocks noChangeAspect="1" noChangeArrowheads="1"/>
+          </p:cNvPicPr>
+          <p:nvPr/>
+        </p:nvPicPr>
+        <p:blipFill>
+          <a:blip r:embed="rId7" cstate="print">
+            <a:extLst>
+              <a:ext uri="{28A0092B-C50C-407E-A947-70E740481C1C}">
+                <a14:useLocalDpi xmlns:a14="http://schemas.microsoft.com/office/drawing/2010/main" val="0"/>
+              </a:ext>
+            </a:extLst>
+          </a:blip>
+          <a:srcRect/>
+          <a:stretch>
+            <a:fillRect/>
+          </a:stretch>
+        </p:blipFill>
+        <p:spPr bwMode="auto">
+          <a:xfrm>
+            <a:off x="4554622" y="154811"/>
+            <a:ext cx="951478" cy="1386152"/>
+          </a:xfrm>
+          <a:prstGeom prst="rect">
+            <a:avLst/>
+          </a:prstGeom>
+          <a:noFill/>
+          <a:extLst>
+            <a:ext uri="{909E8E84-426E-40DD-AFC4-6F175D3DCCD1}">
+              <a14:hiddenFill xmlns:a14="http://schemas.microsoft.com/office/drawing/2010/main">
+                <a:solidFill>
+                  <a:srgbClr val="FFFFFF"/>
+                </a:solidFill>
+              </a14:hiddenFill>
+            </a:ext>
+          </a:extLst>
+        </p:spPr>
+      </p:pic>
+      <p:pic>
+        <p:nvPicPr>
+          <p:cNvPr id="13" name="Picture 2" descr="http://www.sdtimes.com/blog/image.axd?picture=2009%2F4%2Fbrendaneich.jpg"/>
+          <p:cNvPicPr>
+            <a:picLocks noChangeAspect="1" noChangeArrowheads="1"/>
+          </p:cNvPicPr>
+          <p:nvPr/>
+        </p:nvPicPr>
+        <p:blipFill>
+          <a:blip r:embed="rId8" cstate="print">
+            <a:extLst>
+              <a:ext uri="{28A0092B-C50C-407E-A947-70E740481C1C}">
+                <a14:useLocalDpi xmlns:a14="http://schemas.microsoft.com/office/drawing/2010/main" val="0"/>
+              </a:ext>
+            </a:extLst>
+          </a:blip>
+          <a:srcRect/>
+          <a:stretch>
+            <a:fillRect/>
+          </a:stretch>
+        </p:blipFill>
+        <p:spPr bwMode="auto">
+          <a:xfrm>
+            <a:off x="5559597" y="154811"/>
+            <a:ext cx="1098179" cy="1386152"/>
+          </a:xfrm>
+          <a:prstGeom prst="rect">
+            <a:avLst/>
+          </a:prstGeom>
+          <a:noFill/>
+          <a:extLst>
+            <a:ext uri="{909E8E84-426E-40DD-AFC4-6F175D3DCCD1}">
+              <a14:hiddenFill xmlns:a14="http://schemas.microsoft.com/office/drawing/2010/main">
+                <a:solidFill>
+                  <a:srgbClr val="FFFFFF"/>
+                </a:solidFill>
+              </a14:hiddenFill>
+            </a:ext>
+          </a:extLst>
+        </p:spPr>
+      </p:pic>
+      <p:pic>
+        <p:nvPicPr>
+          <p:cNvPr id="14" name="Picture 2"/>
+          <p:cNvPicPr>
+            <a:picLocks noChangeAspect="1" noChangeArrowheads="1"/>
+          </p:cNvPicPr>
+          <p:nvPr/>
+        </p:nvPicPr>
+        <p:blipFill>
+          <a:blip r:embed="rId9" cstate="print">
+            <a:extLst>
+              <a:ext uri="{28A0092B-C50C-407E-A947-70E740481C1C}">
+                <a14:useLocalDpi xmlns:a14="http://schemas.microsoft.com/office/drawing/2010/main" val="0"/>
+              </a:ext>
+            </a:extLst>
+          </a:blip>
+          <a:srcRect/>
+          <a:stretch>
+            <a:fillRect/>
+          </a:stretch>
+        </p:blipFill>
+        <p:spPr bwMode="auto">
+          <a:xfrm>
+            <a:off x="6692299" y="154810"/>
+            <a:ext cx="1161370" cy="1386151"/>
+          </a:xfrm>
+          <a:prstGeom prst="rect">
+            <a:avLst/>
+          </a:prstGeom>
+          <a:noFill/>
+          <a:ln>
+            <a:noFill/>
+          </a:ln>
+          <a:effectLst/>
+          <a:extLst>
+            <a:ext uri="{909E8E84-426E-40DD-AFC4-6F175D3DCCD1}">
+              <a14:hiddenFill xmlns:a14="http://schemas.microsoft.com/office/drawing/2010/main">
+                <a:solidFill>
+                  <a:schemeClr val="accent1"/>
+                </a:solidFill>
+              </a14:hiddenFill>
+            </a:ext>
+            <a:ext uri="{91240B29-F687-4F45-9708-019B960494DF}">
+              <a14:hiddenLine xmlns:a14="http://schemas.microsoft.com/office/drawing/2010/main" w="9525">
+                <a:solidFill>
+                  <a:schemeClr val="tx1"/>
+                </a:solidFill>
+                <a:miter lim="800000"/>
+                <a:headEnd/>
+                <a:tailEnd/>
+              </a14:hiddenLine>
+            </a:ext>
+            <a:ext uri="{AF507438-7753-43E0-B8FC-AC1667EBCBE1}">
+              <a14:hiddenEffects xmlns:a14="http://schemas.microsoft.com/office/drawing/2010/main">
+                <a:effectLst>
+                  <a:outerShdw dist="35921" dir="2700000" algn="ctr" rotWithShape="0">
+                    <a:schemeClr val="bg2"/>
+                  </a:outerShdw>
+                </a:effectLst>
+              </a14:hiddenEffects>
+            </a:ext>
+          </a:extLst>
+        </p:spPr>
+      </p:pic>
+      <p:pic>
+        <p:nvPicPr>
+          <p:cNvPr id="15" name="Picture 2" descr="good news today, jQuery 1.44 RC2 has been released today, minor fixes, guess you could step up now. second - if you&amp;#8217;re still interested in what John Resig is/was up to when he started building jQuery you might be interested in &amp;#8220;This Developer&amp;#8217;s Life&amp;#8221; episode called &amp;#8220;Audacity&amp;#8221;, had fun 15min"/>
+          <p:cNvPicPr>
+            <a:picLocks noChangeAspect="1" noChangeArrowheads="1"/>
+          </p:cNvPicPr>
+          <p:nvPr/>
+        </p:nvPicPr>
+        <p:blipFill>
+          <a:blip r:embed="rId10" cstate="print">
+            <a:extLst>
+              <a:ext uri="{28A0092B-C50C-407E-A947-70E740481C1C}">
+                <a14:useLocalDpi xmlns:a14="http://schemas.microsoft.com/office/drawing/2010/main" val="0"/>
+              </a:ext>
+            </a:extLst>
+          </a:blip>
+          <a:srcRect/>
+          <a:stretch>
+            <a:fillRect/>
+          </a:stretch>
+        </p:blipFill>
+        <p:spPr bwMode="auto">
+          <a:xfrm>
+            <a:off x="7957897" y="154811"/>
+            <a:ext cx="929235" cy="1386152"/>
+          </a:xfrm>
+          <a:prstGeom prst="rect">
+            <a:avLst/>
+          </a:prstGeom>
+          <a:noFill/>
+          <a:extLst>
+            <a:ext uri="{909E8E84-426E-40DD-AFC4-6F175D3DCCD1}">
+              <a14:hiddenFill xmlns:a14="http://schemas.microsoft.com/office/drawing/2010/main">
                 <a:solidFill>
                   <a:srgbClr val="FFFFFF"/>
                 </a:solidFill>
@@ -8703,21 +10190,28 @@
     </p:spTree>
     <p:extLst>
       <p:ext uri="{BB962C8B-B14F-4D97-AF65-F5344CB8AC3E}">
-        <p14:creationId xmlns:p14="http://schemas.microsoft.com/office/powerpoint/2010/main" xmlns="" val="910850063"/>
+        <p14:creationId xmlns:p14="http://schemas.microsoft.com/office/powerpoint/2010/main" val="910850063"/>
       </p:ext>
     </p:extLst>
   </p:cSld>
   <p:clrMapOvr>
     <a:masterClrMapping/>
   </p:clrMapOvr>
-  <mc:AlternateContent xmlns:mc="http://schemas.openxmlformats.org/markup-compatibility/2006">
-    <mc:Choice xmlns:p14="http://schemas.microsoft.com/office/powerpoint/2010/main" xmlns="" Requires="p14">
+  <mc:AlternateContent xmlns:mc="http://schemas.openxmlformats.org/markup-compatibility/2006" xmlns:p14="http://schemas.microsoft.com/office/powerpoint/2010/main">
+    <mc:Choice Requires="p14">
       <p:transition spd="slow" p14:dur="2000"/>
     </mc:Choice>
-    <mc:Fallback>
+    <mc:Fallback xmlns="">
       <p:transition spd="slow"/>
     </mc:Fallback>
   </mc:AlternateContent>
+  <p:timing>
+    <p:tnLst>
+      <p:par>
+        <p:cTn id="1" dur="indefinite" restart="never" nodeType="tmRoot"/>
+      </p:par>
+    </p:tnLst>
+  </p:timing>
 </p:sld>
 </file>
 
@@ -8738,47 +10232,6 @@
           <a:chExt cx="0" cy="0"/>
         </a:xfrm>
       </p:grpSpPr>
-      <p:pic>
-        <p:nvPicPr>
-          <p:cNvPr id="2" name="Picture 2" descr="http://upload.wikimedia.org/wikipedia/en/thumb/a/a6/Alonzo_Church.jpg/225px-Alonzo_Church.jpg"/>
-          <p:cNvPicPr>
-            <a:picLocks noChangeAspect="1" noChangeArrowheads="1"/>
-          </p:cNvPicPr>
-          <p:nvPr/>
-        </p:nvPicPr>
-        <p:blipFill>
-          <a:blip r:embed="rId3" cstate="print">
-            <a:extLst>
-              <a:ext uri="{28A0092B-C50C-407E-A947-70E740481C1C}">
-                <a14:useLocalDpi xmlns:a14="http://schemas.microsoft.com/office/drawing/2010/main" xmlns="" val="0"/>
-              </a:ext>
-            </a:extLst>
-          </a:blip>
-          <a:srcRect/>
-          <a:stretch>
-            <a:fillRect/>
-          </a:stretch>
-        </p:blipFill>
-        <p:spPr bwMode="auto">
-          <a:xfrm>
-            <a:off x="107504" y="162157"/>
-            <a:ext cx="1116124" cy="1493126"/>
-          </a:xfrm>
-          <a:prstGeom prst="rect">
-            <a:avLst/>
-          </a:prstGeom>
-          <a:noFill/>
-          <a:extLst>
-            <a:ext uri="{909E8E84-426E-40DD-AFC4-6F175D3DCCD1}">
-              <a14:hiddenFill xmlns:a14="http://schemas.microsoft.com/office/drawing/2010/main" xmlns="">
-                <a:solidFill>
-                  <a:srgbClr val="FFFFFF"/>
-                </a:solidFill>
-              </a14:hiddenFill>
-            </a:ext>
-          </a:extLst>
-        </p:spPr>
-      </p:pic>
       <p:sp>
         <p:nvSpPr>
           <p:cNvPr id="3" name="Rectangle 2"/>
@@ -8927,17 +10380,17 @@
       </p:sp>
       <p:pic>
         <p:nvPicPr>
-          <p:cNvPr id="4" name="Picture 4" descr="http://www.thocp.net/biographies/pictures/turing_alan2.gif"/>
+          <p:cNvPr id="8" name="Picture 2" descr="http://upload.wikimedia.org/wikipedia/en/thumb/a/a6/Alonzo_Church.jpg/225px-Alonzo_Church.jpg"/>
           <p:cNvPicPr>
             <a:picLocks noChangeAspect="1" noChangeArrowheads="1"/>
           </p:cNvPicPr>
           <p:nvPr/>
         </p:nvPicPr>
         <p:blipFill>
-          <a:blip r:embed="rId4" cstate="print">
+          <a:blip r:embed="rId3" cstate="print">
             <a:extLst>
               <a:ext uri="{28A0092B-C50C-407E-A947-70E740481C1C}">
-                <a14:useLocalDpi xmlns:a14="http://schemas.microsoft.com/office/drawing/2010/main" xmlns="" val="0"/>
+                <a14:useLocalDpi xmlns:a14="http://schemas.microsoft.com/office/drawing/2010/main" val="0"/>
               </a:ext>
             </a:extLst>
           </a:blip>
@@ -8948,8 +10401,8 @@
         </p:blipFill>
         <p:spPr bwMode="auto">
           <a:xfrm>
-            <a:off x="1331640" y="162157"/>
-            <a:ext cx="1102605" cy="1497788"/>
+            <a:off x="105541" y="154811"/>
+            <a:ext cx="1036149" cy="1386152"/>
           </a:xfrm>
           <a:prstGeom prst="rect">
             <a:avLst/>
@@ -8957,7 +10410,7 @@
           <a:noFill/>
           <a:extLst>
             <a:ext uri="{909E8E84-426E-40DD-AFC4-6F175D3DCCD1}">
-              <a14:hiddenFill xmlns:a14="http://schemas.microsoft.com/office/drawing/2010/main" xmlns="">
+              <a14:hiddenFill xmlns:a14="http://schemas.microsoft.com/office/drawing/2010/main">
                 <a:solidFill>
                   <a:srgbClr val="FFFFFF"/>
                 </a:solidFill>
@@ -8968,17 +10421,17 @@
       </p:pic>
       <p:pic>
         <p:nvPicPr>
-          <p:cNvPr id="5" name="Picture 2" descr="http://www-formal.stanford.edu/jmc/jmcbw.jpg"/>
+          <p:cNvPr id="9" name="Picture 4" descr="http://www.thocp.net/biographies/pictures/turing_alan2.gif"/>
           <p:cNvPicPr>
             <a:picLocks noChangeAspect="1" noChangeArrowheads="1"/>
           </p:cNvPicPr>
           <p:nvPr/>
         </p:nvPicPr>
         <p:blipFill>
-          <a:blip r:embed="rId5" cstate="print">
+          <a:blip r:embed="rId4" cstate="print">
             <a:extLst>
               <a:ext uri="{28A0092B-C50C-407E-A947-70E740481C1C}">
-                <a14:useLocalDpi xmlns:a14="http://schemas.microsoft.com/office/drawing/2010/main" xmlns="" val="0"/>
+                <a14:useLocalDpi xmlns:a14="http://schemas.microsoft.com/office/drawing/2010/main" val="0"/>
               </a:ext>
             </a:extLst>
           </a:blip>
@@ -8989,8 +10442,8 @@
         </p:blipFill>
         <p:spPr bwMode="auto">
           <a:xfrm>
-            <a:off x="2555777" y="162157"/>
-            <a:ext cx="1060139" cy="1493126"/>
+            <a:off x="1218530" y="154811"/>
+            <a:ext cx="1020439" cy="1386152"/>
           </a:xfrm>
           <a:prstGeom prst="rect">
             <a:avLst/>
@@ -8998,7 +10451,7 @@
           <a:noFill/>
           <a:extLst>
             <a:ext uri="{909E8E84-426E-40DD-AFC4-6F175D3DCCD1}">
-              <a14:hiddenFill xmlns:a14="http://schemas.microsoft.com/office/drawing/2010/main" xmlns="">
+              <a14:hiddenFill xmlns:a14="http://schemas.microsoft.com/office/drawing/2010/main">
                 <a:solidFill>
                   <a:srgbClr val="FFFFFF"/>
                 </a:solidFill>
@@ -9009,17 +10462,17 @@
       </p:pic>
       <p:pic>
         <p:nvPicPr>
-          <p:cNvPr id="4098" name="Picture 2" descr="http://www2.computer.org/portal/image/image_gallery?uuid=81490020-c983-4a03-b690-2cac0d496bb2&amp;groupId=1464074&amp;t=1251382395933"/>
+          <p:cNvPr id="10" name="Picture 2" descr="http://www-formal.stanford.edu/jmc/jmcbw.jpg"/>
           <p:cNvPicPr>
             <a:picLocks noChangeAspect="1" noChangeArrowheads="1"/>
           </p:cNvPicPr>
           <p:nvPr/>
         </p:nvPicPr>
         <p:blipFill>
-          <a:blip r:embed="rId6" cstate="print">
+          <a:blip r:embed="rId5" cstate="print">
             <a:extLst>
               <a:ext uri="{28A0092B-C50C-407E-A947-70E740481C1C}">
-                <a14:useLocalDpi xmlns:a14="http://schemas.microsoft.com/office/drawing/2010/main" xmlns="" val="0"/>
+                <a14:useLocalDpi xmlns:a14="http://schemas.microsoft.com/office/drawing/2010/main" val="0"/>
               </a:ext>
             </a:extLst>
           </a:blip>
@@ -9030,8 +10483,8 @@
         </p:blipFill>
         <p:spPr bwMode="auto">
           <a:xfrm>
-            <a:off x="3707904" y="147470"/>
-            <a:ext cx="1176337" cy="1495424"/>
+            <a:off x="2326700" y="154811"/>
+            <a:ext cx="984169" cy="1386152"/>
           </a:xfrm>
           <a:prstGeom prst="rect">
             <a:avLst/>
@@ -9039,7 +10492,7 @@
           <a:noFill/>
           <a:extLst>
             <a:ext uri="{909E8E84-426E-40DD-AFC4-6F175D3DCCD1}">
-              <a14:hiddenFill xmlns:a14="http://schemas.microsoft.com/office/drawing/2010/main" xmlns="">
+              <a14:hiddenFill xmlns:a14="http://schemas.microsoft.com/office/drawing/2010/main">
                 <a:solidFill>
                   <a:srgbClr val="FFFFFF"/>
                 </a:solidFill>
@@ -9050,17 +10503,17 @@
       </p:pic>
       <p:pic>
         <p:nvPicPr>
-          <p:cNvPr id="4100" name="Picture 4" descr="http://upload.wikimedia.org/wikipedia/commons/thumb/0/0e/Jerry_Sussman.jpg/197px-Jerry_Sussman.jpg"/>
+          <p:cNvPr id="11" name="Picture 2" descr="http://www2.computer.org/portal/image/image_gallery?uuid=81490020-c983-4a03-b690-2cac0d496bb2&amp;groupId=1464074&amp;t=1251382395933"/>
           <p:cNvPicPr>
             <a:picLocks noChangeAspect="1" noChangeArrowheads="1"/>
           </p:cNvPicPr>
           <p:nvPr/>
         </p:nvPicPr>
         <p:blipFill>
-          <a:blip r:embed="rId7" cstate="print">
+          <a:blip r:embed="rId6" cstate="print">
             <a:extLst>
               <a:ext uri="{28A0092B-C50C-407E-A947-70E740481C1C}">
-                <a14:useLocalDpi xmlns:a14="http://schemas.microsoft.com/office/drawing/2010/main" xmlns="" val="0"/>
+                <a14:useLocalDpi xmlns:a14="http://schemas.microsoft.com/office/drawing/2010/main" val="0"/>
               </a:ext>
             </a:extLst>
           </a:blip>
@@ -9071,8 +10524,8 @@
         </p:blipFill>
         <p:spPr bwMode="auto">
           <a:xfrm>
-            <a:off x="5004049" y="162157"/>
-            <a:ext cx="1028098" cy="1497788"/>
+            <a:off x="3366714" y="154810"/>
+            <a:ext cx="1090361" cy="1386151"/>
           </a:xfrm>
           <a:prstGeom prst="rect">
             <a:avLst/>
@@ -9080,7 +10533,194 @@
           <a:noFill/>
           <a:extLst>
             <a:ext uri="{909E8E84-426E-40DD-AFC4-6F175D3DCCD1}">
-              <a14:hiddenFill xmlns:a14="http://schemas.microsoft.com/office/drawing/2010/main" xmlns="">
+              <a14:hiddenFill xmlns:a14="http://schemas.microsoft.com/office/drawing/2010/main">
+                <a:solidFill>
+                  <a:srgbClr val="FFFFFF"/>
+                </a:solidFill>
+              </a14:hiddenFill>
+            </a:ext>
+          </a:extLst>
+        </p:spPr>
+      </p:pic>
+      <p:pic>
+        <p:nvPicPr>
+          <p:cNvPr id="12" name="Picture 4" descr="http://upload.wikimedia.org/wikipedia/commons/thumb/0/0e/Jerry_Sussman.jpg/197px-Jerry_Sussman.jpg"/>
+          <p:cNvPicPr>
+            <a:picLocks noChangeAspect="1" noChangeArrowheads="1"/>
+          </p:cNvPicPr>
+          <p:nvPr/>
+        </p:nvPicPr>
+        <p:blipFill>
+          <a:blip r:embed="rId7" cstate="print">
+            <a:extLst>
+              <a:ext uri="{28A0092B-C50C-407E-A947-70E740481C1C}">
+                <a14:useLocalDpi xmlns:a14="http://schemas.microsoft.com/office/drawing/2010/main" val="0"/>
+              </a:ext>
+            </a:extLst>
+          </a:blip>
+          <a:srcRect/>
+          <a:stretch>
+            <a:fillRect/>
+          </a:stretch>
+        </p:blipFill>
+        <p:spPr bwMode="auto">
+          <a:xfrm>
+            <a:off x="4554622" y="154811"/>
+            <a:ext cx="951478" cy="1386152"/>
+          </a:xfrm>
+          <a:prstGeom prst="rect">
+            <a:avLst/>
+          </a:prstGeom>
+          <a:noFill/>
+          <a:extLst>
+            <a:ext uri="{909E8E84-426E-40DD-AFC4-6F175D3DCCD1}">
+              <a14:hiddenFill xmlns:a14="http://schemas.microsoft.com/office/drawing/2010/main">
+                <a:solidFill>
+                  <a:srgbClr val="FFFFFF"/>
+                </a:solidFill>
+              </a14:hiddenFill>
+            </a:ext>
+          </a:extLst>
+        </p:spPr>
+      </p:pic>
+      <p:pic>
+        <p:nvPicPr>
+          <p:cNvPr id="13" name="Picture 2" descr="http://www.sdtimes.com/blog/image.axd?picture=2009%2F4%2Fbrendaneich.jpg"/>
+          <p:cNvPicPr>
+            <a:picLocks noChangeAspect="1" noChangeArrowheads="1"/>
+          </p:cNvPicPr>
+          <p:nvPr/>
+        </p:nvPicPr>
+        <p:blipFill>
+          <a:blip r:embed="rId8" cstate="print">
+            <a:extLst>
+              <a:ext uri="{28A0092B-C50C-407E-A947-70E740481C1C}">
+                <a14:useLocalDpi xmlns:a14="http://schemas.microsoft.com/office/drawing/2010/main" val="0"/>
+              </a:ext>
+            </a:extLst>
+          </a:blip>
+          <a:srcRect/>
+          <a:stretch>
+            <a:fillRect/>
+          </a:stretch>
+        </p:blipFill>
+        <p:spPr bwMode="auto">
+          <a:xfrm>
+            <a:off x="5559597" y="154811"/>
+            <a:ext cx="1098179" cy="1386152"/>
+          </a:xfrm>
+          <a:prstGeom prst="rect">
+            <a:avLst/>
+          </a:prstGeom>
+          <a:noFill/>
+          <a:extLst>
+            <a:ext uri="{909E8E84-426E-40DD-AFC4-6F175D3DCCD1}">
+              <a14:hiddenFill xmlns:a14="http://schemas.microsoft.com/office/drawing/2010/main">
+                <a:solidFill>
+                  <a:srgbClr val="FFFFFF"/>
+                </a:solidFill>
+              </a14:hiddenFill>
+            </a:ext>
+          </a:extLst>
+        </p:spPr>
+      </p:pic>
+      <p:pic>
+        <p:nvPicPr>
+          <p:cNvPr id="14" name="Picture 2"/>
+          <p:cNvPicPr>
+            <a:picLocks noChangeAspect="1" noChangeArrowheads="1"/>
+          </p:cNvPicPr>
+          <p:nvPr/>
+        </p:nvPicPr>
+        <p:blipFill>
+          <a:blip r:embed="rId9" cstate="print">
+            <a:extLst>
+              <a:ext uri="{28A0092B-C50C-407E-A947-70E740481C1C}">
+                <a14:useLocalDpi xmlns:a14="http://schemas.microsoft.com/office/drawing/2010/main" val="0"/>
+              </a:ext>
+            </a:extLst>
+          </a:blip>
+          <a:srcRect/>
+          <a:stretch>
+            <a:fillRect/>
+          </a:stretch>
+        </p:blipFill>
+        <p:spPr bwMode="auto">
+          <a:xfrm>
+            <a:off x="6692299" y="154810"/>
+            <a:ext cx="1161370" cy="1386151"/>
+          </a:xfrm>
+          <a:prstGeom prst="rect">
+            <a:avLst/>
+          </a:prstGeom>
+          <a:noFill/>
+          <a:ln>
+            <a:noFill/>
+          </a:ln>
+          <a:effectLst/>
+          <a:extLst>
+            <a:ext uri="{909E8E84-426E-40DD-AFC4-6F175D3DCCD1}">
+              <a14:hiddenFill xmlns:a14="http://schemas.microsoft.com/office/drawing/2010/main">
+                <a:solidFill>
+                  <a:schemeClr val="accent1"/>
+                </a:solidFill>
+              </a14:hiddenFill>
+            </a:ext>
+            <a:ext uri="{91240B29-F687-4F45-9708-019B960494DF}">
+              <a14:hiddenLine xmlns:a14="http://schemas.microsoft.com/office/drawing/2010/main" w="9525">
+                <a:solidFill>
+                  <a:schemeClr val="tx1"/>
+                </a:solidFill>
+                <a:miter lim="800000"/>
+                <a:headEnd/>
+                <a:tailEnd/>
+              </a14:hiddenLine>
+            </a:ext>
+            <a:ext uri="{AF507438-7753-43E0-B8FC-AC1667EBCBE1}">
+              <a14:hiddenEffects xmlns:a14="http://schemas.microsoft.com/office/drawing/2010/main">
+                <a:effectLst>
+                  <a:outerShdw dist="35921" dir="2700000" algn="ctr" rotWithShape="0">
+                    <a:schemeClr val="bg2"/>
+                  </a:outerShdw>
+                </a:effectLst>
+              </a14:hiddenEffects>
+            </a:ext>
+          </a:extLst>
+        </p:spPr>
+      </p:pic>
+      <p:pic>
+        <p:nvPicPr>
+          <p:cNvPr id="15" name="Picture 2" descr="good news today, jQuery 1.44 RC2 has been released today, minor fixes, guess you could step up now. second - if you&amp;#8217;re still interested in what John Resig is/was up to when he started building jQuery you might be interested in &amp;#8220;This Developer&amp;#8217;s Life&amp;#8221; episode called &amp;#8220;Audacity&amp;#8221;, had fun 15min"/>
+          <p:cNvPicPr>
+            <a:picLocks noChangeAspect="1" noChangeArrowheads="1"/>
+          </p:cNvPicPr>
+          <p:nvPr/>
+        </p:nvPicPr>
+        <p:blipFill>
+          <a:blip r:embed="rId10" cstate="print">
+            <a:extLst>
+              <a:ext uri="{28A0092B-C50C-407E-A947-70E740481C1C}">
+                <a14:useLocalDpi xmlns:a14="http://schemas.microsoft.com/office/drawing/2010/main" val="0"/>
+              </a:ext>
+            </a:extLst>
+          </a:blip>
+          <a:srcRect/>
+          <a:stretch>
+            <a:fillRect/>
+          </a:stretch>
+        </p:blipFill>
+        <p:spPr bwMode="auto">
+          <a:xfrm>
+            <a:off x="7957897" y="154811"/>
+            <a:ext cx="929235" cy="1386152"/>
+          </a:xfrm>
+          <a:prstGeom prst="rect">
+            <a:avLst/>
+          </a:prstGeom>
+          <a:noFill/>
+          <a:extLst>
+            <a:ext uri="{909E8E84-426E-40DD-AFC4-6F175D3DCCD1}">
+              <a14:hiddenFill xmlns:a14="http://schemas.microsoft.com/office/drawing/2010/main">
                 <a:solidFill>
                   <a:srgbClr val="FFFFFF"/>
                 </a:solidFill>
@@ -9092,13 +10732,20 @@
     </p:spTree>
     <p:extLst>
       <p:ext uri="{BB962C8B-B14F-4D97-AF65-F5344CB8AC3E}">
-        <p14:creationId xmlns:p14="http://schemas.microsoft.com/office/powerpoint/2010/main" xmlns="" val="1673023839"/>
+        <p14:creationId xmlns:p14="http://schemas.microsoft.com/office/powerpoint/2010/main" val="1673023839"/>
       </p:ext>
     </p:extLst>
   </p:cSld>
   <p:clrMapOvr>
     <a:masterClrMapping/>
   </p:clrMapOvr>
+  <p:timing>
+    <p:tnLst>
+      <p:par>
+        <p:cTn id="1" dur="indefinite" restart="never" nodeType="tmRoot"/>
+      </p:par>
+    </p:tnLst>
+  </p:timing>
 </p:sld>
 </file>
 
@@ -9121,7 +10768,7 @@
       </p:grpSpPr>
       <p:pic>
         <p:nvPicPr>
-          <p:cNvPr id="10" name="Picture 2" descr="http://upload.wikimedia.org/wikipedia/en/thumb/a/a6/Alonzo_Church.jpg/225px-Alonzo_Church.jpg"/>
+          <p:cNvPr id="5126" name="Picture 6" descr="http://www.notebookreview.com/assets/7038.gif"/>
           <p:cNvPicPr>
             <a:picLocks noChangeAspect="1" noChangeArrowheads="1"/>
           </p:cNvPicPr>
@@ -9131,253 +10778,7 @@
           <a:blip r:embed="rId3" cstate="print">
             <a:extLst>
               <a:ext uri="{28A0092B-C50C-407E-A947-70E740481C1C}">
-                <a14:useLocalDpi xmlns:a14="http://schemas.microsoft.com/office/drawing/2010/main" xmlns="" val="0"/>
-              </a:ext>
-            </a:extLst>
-          </a:blip>
-          <a:srcRect/>
-          <a:stretch>
-            <a:fillRect/>
-          </a:stretch>
-        </p:blipFill>
-        <p:spPr bwMode="auto">
-          <a:xfrm>
-            <a:off x="107504" y="154813"/>
-            <a:ext cx="1157130" cy="1548000"/>
-          </a:xfrm>
-          <a:prstGeom prst="rect">
-            <a:avLst/>
-          </a:prstGeom>
-          <a:noFill/>
-          <a:extLst>
-            <a:ext uri="{909E8E84-426E-40DD-AFC4-6F175D3DCCD1}">
-              <a14:hiddenFill xmlns:a14="http://schemas.microsoft.com/office/drawing/2010/main" xmlns="">
-                <a:solidFill>
-                  <a:srgbClr val="FFFFFF"/>
-                </a:solidFill>
-              </a14:hiddenFill>
-            </a:ext>
-          </a:extLst>
-        </p:spPr>
-      </p:pic>
-      <p:pic>
-        <p:nvPicPr>
-          <p:cNvPr id="12" name="Picture 4" descr="http://www.thocp.net/biographies/pictures/turing_alan2.gif"/>
-          <p:cNvPicPr>
-            <a:picLocks noChangeAspect="1" noChangeArrowheads="1"/>
-          </p:cNvPicPr>
-          <p:nvPr/>
-        </p:nvPicPr>
-        <p:blipFill>
-          <a:blip r:embed="rId4" cstate="print">
-            <a:extLst>
-              <a:ext uri="{28A0092B-C50C-407E-A947-70E740481C1C}">
-                <a14:useLocalDpi xmlns:a14="http://schemas.microsoft.com/office/drawing/2010/main" xmlns="" val="0"/>
-              </a:ext>
-            </a:extLst>
-          </a:blip>
-          <a:srcRect/>
-          <a:stretch>
-            <a:fillRect/>
-          </a:stretch>
-        </p:blipFill>
-        <p:spPr bwMode="auto">
-          <a:xfrm>
-            <a:off x="1324754" y="154813"/>
-            <a:ext cx="1139586" cy="1548000"/>
-          </a:xfrm>
-          <a:prstGeom prst="rect">
-            <a:avLst/>
-          </a:prstGeom>
-          <a:noFill/>
-          <a:extLst>
-            <a:ext uri="{909E8E84-426E-40DD-AFC4-6F175D3DCCD1}">
-              <a14:hiddenFill xmlns:a14="http://schemas.microsoft.com/office/drawing/2010/main" xmlns="">
-                <a:solidFill>
-                  <a:srgbClr val="FFFFFF"/>
-                </a:solidFill>
-              </a14:hiddenFill>
-            </a:ext>
-          </a:extLst>
-        </p:spPr>
-      </p:pic>
-      <p:pic>
-        <p:nvPicPr>
-          <p:cNvPr id="13" name="Picture 2" descr="http://www-formal.stanford.edu/jmc/jmcbw.jpg"/>
-          <p:cNvPicPr>
-            <a:picLocks noChangeAspect="1" noChangeArrowheads="1"/>
-          </p:cNvPicPr>
-          <p:nvPr/>
-        </p:nvPicPr>
-        <p:blipFill>
-          <a:blip r:embed="rId5" cstate="print">
-            <a:extLst>
-              <a:ext uri="{28A0092B-C50C-407E-A947-70E740481C1C}">
-                <a14:useLocalDpi xmlns:a14="http://schemas.microsoft.com/office/drawing/2010/main" xmlns="" val="0"/>
-              </a:ext>
-            </a:extLst>
-          </a:blip>
-          <a:srcRect/>
-          <a:stretch>
-            <a:fillRect/>
-          </a:stretch>
-        </p:blipFill>
-        <p:spPr bwMode="auto">
-          <a:xfrm>
-            <a:off x="2524460" y="154813"/>
-            <a:ext cx="1099080" cy="1548000"/>
-          </a:xfrm>
-          <a:prstGeom prst="rect">
-            <a:avLst/>
-          </a:prstGeom>
-          <a:noFill/>
-          <a:extLst>
-            <a:ext uri="{909E8E84-426E-40DD-AFC4-6F175D3DCCD1}">
-              <a14:hiddenFill xmlns:a14="http://schemas.microsoft.com/office/drawing/2010/main" xmlns="">
-                <a:solidFill>
-                  <a:srgbClr val="FFFFFF"/>
-                </a:solidFill>
-              </a14:hiddenFill>
-            </a:ext>
-          </a:extLst>
-        </p:spPr>
-      </p:pic>
-      <p:pic>
-        <p:nvPicPr>
-          <p:cNvPr id="14" name="Picture 2" descr="http://www2.computer.org/portal/image/image_gallery?uuid=81490020-c983-4a03-b690-2cac0d496bb2&amp;groupId=1464074&amp;t=1251382395933"/>
-          <p:cNvPicPr>
-            <a:picLocks noChangeAspect="1" noChangeArrowheads="1"/>
-          </p:cNvPicPr>
-          <p:nvPr/>
-        </p:nvPicPr>
-        <p:blipFill>
-          <a:blip r:embed="rId6" cstate="print">
-            <a:extLst>
-              <a:ext uri="{28A0092B-C50C-407E-A947-70E740481C1C}">
-                <a14:useLocalDpi xmlns:a14="http://schemas.microsoft.com/office/drawing/2010/main" xmlns="" val="0"/>
-              </a:ext>
-            </a:extLst>
-          </a:blip>
-          <a:srcRect/>
-          <a:stretch>
-            <a:fillRect/>
-          </a:stretch>
-        </p:blipFill>
-        <p:spPr bwMode="auto">
-          <a:xfrm>
-            <a:off x="3683660" y="154813"/>
-            <a:ext cx="1217674" cy="1548000"/>
-          </a:xfrm>
-          <a:prstGeom prst="rect">
-            <a:avLst/>
-          </a:prstGeom>
-          <a:noFill/>
-          <a:extLst>
-            <a:ext uri="{909E8E84-426E-40DD-AFC4-6F175D3DCCD1}">
-              <a14:hiddenFill xmlns:a14="http://schemas.microsoft.com/office/drawing/2010/main" xmlns="">
-                <a:solidFill>
-                  <a:srgbClr val="FFFFFF"/>
-                </a:solidFill>
-              </a14:hiddenFill>
-            </a:ext>
-          </a:extLst>
-        </p:spPr>
-      </p:pic>
-      <p:pic>
-        <p:nvPicPr>
-          <p:cNvPr id="15" name="Picture 4" descr="http://upload.wikimedia.org/wikipedia/commons/thumb/0/0e/Jerry_Sussman.jpg/197px-Jerry_Sussman.jpg"/>
-          <p:cNvPicPr>
-            <a:picLocks noChangeAspect="1" noChangeArrowheads="1"/>
-          </p:cNvPicPr>
-          <p:nvPr/>
-        </p:nvPicPr>
-        <p:blipFill>
-          <a:blip r:embed="rId7" cstate="print">
-            <a:extLst>
-              <a:ext uri="{28A0092B-C50C-407E-A947-70E740481C1C}">
-                <a14:useLocalDpi xmlns:a14="http://schemas.microsoft.com/office/drawing/2010/main" xmlns="" val="0"/>
-              </a:ext>
-            </a:extLst>
-          </a:blip>
-          <a:srcRect/>
-          <a:stretch>
-            <a:fillRect/>
-          </a:stretch>
-        </p:blipFill>
-        <p:spPr bwMode="auto">
-          <a:xfrm>
-            <a:off x="4961454" y="154813"/>
-            <a:ext cx="1062573" cy="1548000"/>
-          </a:xfrm>
-          <a:prstGeom prst="rect">
-            <a:avLst/>
-          </a:prstGeom>
-          <a:noFill/>
-          <a:extLst>
-            <a:ext uri="{909E8E84-426E-40DD-AFC4-6F175D3DCCD1}">
-              <a14:hiddenFill xmlns:a14="http://schemas.microsoft.com/office/drawing/2010/main" xmlns="">
-                <a:solidFill>
-                  <a:srgbClr val="FFFFFF"/>
-                </a:solidFill>
-              </a14:hiddenFill>
-            </a:ext>
-          </a:extLst>
-        </p:spPr>
-      </p:pic>
-      <p:pic>
-        <p:nvPicPr>
-          <p:cNvPr id="5122" name="Picture 2" descr="http://www.sdtimes.com/blog/image.axd?picture=2009%2F4%2Fbrendaneich.jpg"/>
-          <p:cNvPicPr>
-            <a:picLocks noChangeAspect="1" noChangeArrowheads="1"/>
-          </p:cNvPicPr>
-          <p:nvPr/>
-        </p:nvPicPr>
-        <p:blipFill>
-          <a:blip r:embed="rId8" cstate="print">
-            <a:extLst>
-              <a:ext uri="{28A0092B-C50C-407E-A947-70E740481C1C}">
-                <a14:useLocalDpi xmlns:a14="http://schemas.microsoft.com/office/drawing/2010/main" xmlns="" val="0"/>
-              </a:ext>
-            </a:extLst>
-          </a:blip>
-          <a:srcRect/>
-          <a:stretch>
-            <a:fillRect/>
-          </a:stretch>
-        </p:blipFill>
-        <p:spPr bwMode="auto">
-          <a:xfrm>
-            <a:off x="6084149" y="154813"/>
-            <a:ext cx="1226403" cy="1548000"/>
-          </a:xfrm>
-          <a:prstGeom prst="rect">
-            <a:avLst/>
-          </a:prstGeom>
-          <a:noFill/>
-          <a:extLst>
-            <a:ext uri="{909E8E84-426E-40DD-AFC4-6F175D3DCCD1}">
-              <a14:hiddenFill xmlns:a14="http://schemas.microsoft.com/office/drawing/2010/main" xmlns="">
-                <a:solidFill>
-                  <a:srgbClr val="FFFFFF"/>
-                </a:solidFill>
-              </a14:hiddenFill>
-            </a:ext>
-          </a:extLst>
-        </p:spPr>
-      </p:pic>
-      <p:pic>
-        <p:nvPicPr>
-          <p:cNvPr id="5126" name="Picture 6" descr="http://www.notebookreview.com/assets/7038.gif"/>
-          <p:cNvPicPr>
-            <a:picLocks noChangeAspect="1" noChangeArrowheads="1"/>
-          </p:cNvPicPr>
-          <p:nvPr/>
-        </p:nvPicPr>
-        <p:blipFill>
-          <a:blip r:embed="rId9" cstate="print">
-            <a:extLst>
-              <a:ext uri="{28A0092B-C50C-407E-A947-70E740481C1C}">
-                <a14:useLocalDpi xmlns:a14="http://schemas.microsoft.com/office/drawing/2010/main" xmlns="" val="0"/>
+                <a14:useLocalDpi xmlns:a14="http://schemas.microsoft.com/office/drawing/2010/main" val="0"/>
               </a:ext>
             </a:extLst>
           </a:blip>
@@ -9397,7 +10798,358 @@
           <a:noFill/>
           <a:extLst>
             <a:ext uri="{909E8E84-426E-40DD-AFC4-6F175D3DCCD1}">
-              <a14:hiddenFill xmlns:a14="http://schemas.microsoft.com/office/drawing/2010/main" xmlns="">
+              <a14:hiddenFill xmlns:a14="http://schemas.microsoft.com/office/drawing/2010/main">
+                <a:solidFill>
+                  <a:srgbClr val="FFFFFF"/>
+                </a:solidFill>
+              </a14:hiddenFill>
+            </a:ext>
+          </a:extLst>
+        </p:spPr>
+      </p:pic>
+      <p:pic>
+        <p:nvPicPr>
+          <p:cNvPr id="9" name="Picture 2" descr="http://upload.wikimedia.org/wikipedia/en/thumb/a/a6/Alonzo_Church.jpg/225px-Alonzo_Church.jpg"/>
+          <p:cNvPicPr>
+            <a:picLocks noChangeAspect="1" noChangeArrowheads="1"/>
+          </p:cNvPicPr>
+          <p:nvPr/>
+        </p:nvPicPr>
+        <p:blipFill>
+          <a:blip r:embed="rId4" cstate="print">
+            <a:extLst>
+              <a:ext uri="{28A0092B-C50C-407E-A947-70E740481C1C}">
+                <a14:useLocalDpi xmlns:a14="http://schemas.microsoft.com/office/drawing/2010/main" val="0"/>
+              </a:ext>
+            </a:extLst>
+          </a:blip>
+          <a:srcRect/>
+          <a:stretch>
+            <a:fillRect/>
+          </a:stretch>
+        </p:blipFill>
+        <p:spPr bwMode="auto">
+          <a:xfrm>
+            <a:off x="105541" y="154811"/>
+            <a:ext cx="1036149" cy="1386152"/>
+          </a:xfrm>
+          <a:prstGeom prst="rect">
+            <a:avLst/>
+          </a:prstGeom>
+          <a:noFill/>
+          <a:extLst>
+            <a:ext uri="{909E8E84-426E-40DD-AFC4-6F175D3DCCD1}">
+              <a14:hiddenFill xmlns:a14="http://schemas.microsoft.com/office/drawing/2010/main">
+                <a:solidFill>
+                  <a:srgbClr val="FFFFFF"/>
+                </a:solidFill>
+              </a14:hiddenFill>
+            </a:ext>
+          </a:extLst>
+        </p:spPr>
+      </p:pic>
+      <p:pic>
+        <p:nvPicPr>
+          <p:cNvPr id="11" name="Picture 4" descr="http://www.thocp.net/biographies/pictures/turing_alan2.gif"/>
+          <p:cNvPicPr>
+            <a:picLocks noChangeAspect="1" noChangeArrowheads="1"/>
+          </p:cNvPicPr>
+          <p:nvPr/>
+        </p:nvPicPr>
+        <p:blipFill>
+          <a:blip r:embed="rId5" cstate="print">
+            <a:extLst>
+              <a:ext uri="{28A0092B-C50C-407E-A947-70E740481C1C}">
+                <a14:useLocalDpi xmlns:a14="http://schemas.microsoft.com/office/drawing/2010/main" val="0"/>
+              </a:ext>
+            </a:extLst>
+          </a:blip>
+          <a:srcRect/>
+          <a:stretch>
+            <a:fillRect/>
+          </a:stretch>
+        </p:blipFill>
+        <p:spPr bwMode="auto">
+          <a:xfrm>
+            <a:off x="1218530" y="154811"/>
+            <a:ext cx="1020439" cy="1386152"/>
+          </a:xfrm>
+          <a:prstGeom prst="rect">
+            <a:avLst/>
+          </a:prstGeom>
+          <a:noFill/>
+          <a:extLst>
+            <a:ext uri="{909E8E84-426E-40DD-AFC4-6F175D3DCCD1}">
+              <a14:hiddenFill xmlns:a14="http://schemas.microsoft.com/office/drawing/2010/main">
+                <a:solidFill>
+                  <a:srgbClr val="FFFFFF"/>
+                </a:solidFill>
+              </a14:hiddenFill>
+            </a:ext>
+          </a:extLst>
+        </p:spPr>
+      </p:pic>
+      <p:pic>
+        <p:nvPicPr>
+          <p:cNvPr id="16" name="Picture 2" descr="http://www-formal.stanford.edu/jmc/jmcbw.jpg"/>
+          <p:cNvPicPr>
+            <a:picLocks noChangeAspect="1" noChangeArrowheads="1"/>
+          </p:cNvPicPr>
+          <p:nvPr/>
+        </p:nvPicPr>
+        <p:blipFill>
+          <a:blip r:embed="rId6" cstate="print">
+            <a:extLst>
+              <a:ext uri="{28A0092B-C50C-407E-A947-70E740481C1C}">
+                <a14:useLocalDpi xmlns:a14="http://schemas.microsoft.com/office/drawing/2010/main" val="0"/>
+              </a:ext>
+            </a:extLst>
+          </a:blip>
+          <a:srcRect/>
+          <a:stretch>
+            <a:fillRect/>
+          </a:stretch>
+        </p:blipFill>
+        <p:spPr bwMode="auto">
+          <a:xfrm>
+            <a:off x="2326700" y="154811"/>
+            <a:ext cx="984169" cy="1386152"/>
+          </a:xfrm>
+          <a:prstGeom prst="rect">
+            <a:avLst/>
+          </a:prstGeom>
+          <a:noFill/>
+          <a:extLst>
+            <a:ext uri="{909E8E84-426E-40DD-AFC4-6F175D3DCCD1}">
+              <a14:hiddenFill xmlns:a14="http://schemas.microsoft.com/office/drawing/2010/main">
+                <a:solidFill>
+                  <a:srgbClr val="FFFFFF"/>
+                </a:solidFill>
+              </a14:hiddenFill>
+            </a:ext>
+          </a:extLst>
+        </p:spPr>
+      </p:pic>
+      <p:pic>
+        <p:nvPicPr>
+          <p:cNvPr id="17" name="Picture 2" descr="http://www2.computer.org/portal/image/image_gallery?uuid=81490020-c983-4a03-b690-2cac0d496bb2&amp;groupId=1464074&amp;t=1251382395933"/>
+          <p:cNvPicPr>
+            <a:picLocks noChangeAspect="1" noChangeArrowheads="1"/>
+          </p:cNvPicPr>
+          <p:nvPr/>
+        </p:nvPicPr>
+        <p:blipFill>
+          <a:blip r:embed="rId7" cstate="print">
+            <a:extLst>
+              <a:ext uri="{28A0092B-C50C-407E-A947-70E740481C1C}">
+                <a14:useLocalDpi xmlns:a14="http://schemas.microsoft.com/office/drawing/2010/main" val="0"/>
+              </a:ext>
+            </a:extLst>
+          </a:blip>
+          <a:srcRect/>
+          <a:stretch>
+            <a:fillRect/>
+          </a:stretch>
+        </p:blipFill>
+        <p:spPr bwMode="auto">
+          <a:xfrm>
+            <a:off x="3366714" y="154810"/>
+            <a:ext cx="1090361" cy="1386151"/>
+          </a:xfrm>
+          <a:prstGeom prst="rect">
+            <a:avLst/>
+          </a:prstGeom>
+          <a:noFill/>
+          <a:extLst>
+            <a:ext uri="{909E8E84-426E-40DD-AFC4-6F175D3DCCD1}">
+              <a14:hiddenFill xmlns:a14="http://schemas.microsoft.com/office/drawing/2010/main">
+                <a:solidFill>
+                  <a:srgbClr val="FFFFFF"/>
+                </a:solidFill>
+              </a14:hiddenFill>
+            </a:ext>
+          </a:extLst>
+        </p:spPr>
+      </p:pic>
+      <p:pic>
+        <p:nvPicPr>
+          <p:cNvPr id="18" name="Picture 4" descr="http://upload.wikimedia.org/wikipedia/commons/thumb/0/0e/Jerry_Sussman.jpg/197px-Jerry_Sussman.jpg"/>
+          <p:cNvPicPr>
+            <a:picLocks noChangeAspect="1" noChangeArrowheads="1"/>
+          </p:cNvPicPr>
+          <p:nvPr/>
+        </p:nvPicPr>
+        <p:blipFill>
+          <a:blip r:embed="rId8" cstate="print">
+            <a:extLst>
+              <a:ext uri="{28A0092B-C50C-407E-A947-70E740481C1C}">
+                <a14:useLocalDpi xmlns:a14="http://schemas.microsoft.com/office/drawing/2010/main" val="0"/>
+              </a:ext>
+            </a:extLst>
+          </a:blip>
+          <a:srcRect/>
+          <a:stretch>
+            <a:fillRect/>
+          </a:stretch>
+        </p:blipFill>
+        <p:spPr bwMode="auto">
+          <a:xfrm>
+            <a:off x="4554622" y="154811"/>
+            <a:ext cx="951478" cy="1386152"/>
+          </a:xfrm>
+          <a:prstGeom prst="rect">
+            <a:avLst/>
+          </a:prstGeom>
+          <a:noFill/>
+          <a:extLst>
+            <a:ext uri="{909E8E84-426E-40DD-AFC4-6F175D3DCCD1}">
+              <a14:hiddenFill xmlns:a14="http://schemas.microsoft.com/office/drawing/2010/main">
+                <a:solidFill>
+                  <a:srgbClr val="FFFFFF"/>
+                </a:solidFill>
+              </a14:hiddenFill>
+            </a:ext>
+          </a:extLst>
+        </p:spPr>
+      </p:pic>
+      <p:pic>
+        <p:nvPicPr>
+          <p:cNvPr id="19" name="Picture 2" descr="http://www.sdtimes.com/blog/image.axd?picture=2009%2F4%2Fbrendaneich.jpg"/>
+          <p:cNvPicPr>
+            <a:picLocks noChangeAspect="1" noChangeArrowheads="1"/>
+          </p:cNvPicPr>
+          <p:nvPr/>
+        </p:nvPicPr>
+        <p:blipFill>
+          <a:blip r:embed="rId9" cstate="print">
+            <a:extLst>
+              <a:ext uri="{28A0092B-C50C-407E-A947-70E740481C1C}">
+                <a14:useLocalDpi xmlns:a14="http://schemas.microsoft.com/office/drawing/2010/main" val="0"/>
+              </a:ext>
+            </a:extLst>
+          </a:blip>
+          <a:srcRect/>
+          <a:stretch>
+            <a:fillRect/>
+          </a:stretch>
+        </p:blipFill>
+        <p:spPr bwMode="auto">
+          <a:xfrm>
+            <a:off x="5559597" y="154811"/>
+            <a:ext cx="1098179" cy="1386152"/>
+          </a:xfrm>
+          <a:prstGeom prst="rect">
+            <a:avLst/>
+          </a:prstGeom>
+          <a:noFill/>
+          <a:extLst>
+            <a:ext uri="{909E8E84-426E-40DD-AFC4-6F175D3DCCD1}">
+              <a14:hiddenFill xmlns:a14="http://schemas.microsoft.com/office/drawing/2010/main">
+                <a:solidFill>
+                  <a:srgbClr val="FFFFFF"/>
+                </a:solidFill>
+              </a14:hiddenFill>
+            </a:ext>
+          </a:extLst>
+        </p:spPr>
+      </p:pic>
+      <p:pic>
+        <p:nvPicPr>
+          <p:cNvPr id="20" name="Picture 2"/>
+          <p:cNvPicPr>
+            <a:picLocks noChangeAspect="1" noChangeArrowheads="1"/>
+          </p:cNvPicPr>
+          <p:nvPr/>
+        </p:nvPicPr>
+        <p:blipFill>
+          <a:blip r:embed="rId10" cstate="print">
+            <a:extLst>
+              <a:ext uri="{28A0092B-C50C-407E-A947-70E740481C1C}">
+                <a14:useLocalDpi xmlns:a14="http://schemas.microsoft.com/office/drawing/2010/main" val="0"/>
+              </a:ext>
+            </a:extLst>
+          </a:blip>
+          <a:srcRect/>
+          <a:stretch>
+            <a:fillRect/>
+          </a:stretch>
+        </p:blipFill>
+        <p:spPr bwMode="auto">
+          <a:xfrm>
+            <a:off x="6692299" y="154810"/>
+            <a:ext cx="1161370" cy="1386151"/>
+          </a:xfrm>
+          <a:prstGeom prst="rect">
+            <a:avLst/>
+          </a:prstGeom>
+          <a:noFill/>
+          <a:ln>
+            <a:noFill/>
+          </a:ln>
+          <a:effectLst/>
+          <a:extLst>
+            <a:ext uri="{909E8E84-426E-40DD-AFC4-6F175D3DCCD1}">
+              <a14:hiddenFill xmlns:a14="http://schemas.microsoft.com/office/drawing/2010/main">
+                <a:solidFill>
+                  <a:schemeClr val="accent1"/>
+                </a:solidFill>
+              </a14:hiddenFill>
+            </a:ext>
+            <a:ext uri="{91240B29-F687-4F45-9708-019B960494DF}">
+              <a14:hiddenLine xmlns:a14="http://schemas.microsoft.com/office/drawing/2010/main" w="9525">
+                <a:solidFill>
+                  <a:schemeClr val="tx1"/>
+                </a:solidFill>
+                <a:miter lim="800000"/>
+                <a:headEnd/>
+                <a:tailEnd/>
+              </a14:hiddenLine>
+            </a:ext>
+            <a:ext uri="{AF507438-7753-43E0-B8FC-AC1667EBCBE1}">
+              <a14:hiddenEffects xmlns:a14="http://schemas.microsoft.com/office/drawing/2010/main">
+                <a:effectLst>
+                  <a:outerShdw dist="35921" dir="2700000" algn="ctr" rotWithShape="0">
+                    <a:schemeClr val="bg2"/>
+                  </a:outerShdw>
+                </a:effectLst>
+              </a14:hiddenEffects>
+            </a:ext>
+          </a:extLst>
+        </p:spPr>
+      </p:pic>
+      <p:pic>
+        <p:nvPicPr>
+          <p:cNvPr id="21" name="Picture 2" descr="good news today, jQuery 1.44 RC2 has been released today, minor fixes, guess you could step up now. second - if you&amp;#8217;re still interested in what John Resig is/was up to when he started building jQuery you might be interested in &amp;#8220;This Developer&amp;#8217;s Life&amp;#8221; episode called &amp;#8220;Audacity&amp;#8221;, had fun 15min"/>
+          <p:cNvPicPr>
+            <a:picLocks noChangeAspect="1" noChangeArrowheads="1"/>
+          </p:cNvPicPr>
+          <p:nvPr/>
+        </p:nvPicPr>
+        <p:blipFill>
+          <a:blip r:embed="rId11" cstate="print">
+            <a:extLst>
+              <a:ext uri="{28A0092B-C50C-407E-A947-70E740481C1C}">
+                <a14:useLocalDpi xmlns:a14="http://schemas.microsoft.com/office/drawing/2010/main" val="0"/>
+              </a:ext>
+            </a:extLst>
+          </a:blip>
+          <a:srcRect/>
+          <a:stretch>
+            <a:fillRect/>
+          </a:stretch>
+        </p:blipFill>
+        <p:spPr bwMode="auto">
+          <a:xfrm>
+            <a:off x="7957897" y="154811"/>
+            <a:ext cx="929235" cy="1386152"/>
+          </a:xfrm>
+          <a:prstGeom prst="rect">
+            <a:avLst/>
+          </a:prstGeom>
+          <a:noFill/>
+          <a:extLst>
+            <a:ext uri="{909E8E84-426E-40DD-AFC4-6F175D3DCCD1}">
+              <a14:hiddenFill xmlns:a14="http://schemas.microsoft.com/office/drawing/2010/main">
                 <a:solidFill>
                   <a:srgbClr val="FFFFFF"/>
                 </a:solidFill>
@@ -9409,21 +11161,28 @@
     </p:spTree>
     <p:extLst>
       <p:ext uri="{BB962C8B-B14F-4D97-AF65-F5344CB8AC3E}">
-        <p14:creationId xmlns:p14="http://schemas.microsoft.com/office/powerpoint/2010/main" xmlns="" val="837701220"/>
+        <p14:creationId xmlns:p14="http://schemas.microsoft.com/office/powerpoint/2010/main" val="837701220"/>
       </p:ext>
     </p:extLst>
   </p:cSld>
   <p:clrMapOvr>
     <a:masterClrMapping/>
   </p:clrMapOvr>
-  <mc:AlternateContent xmlns:mc="http://schemas.openxmlformats.org/markup-compatibility/2006">
-    <mc:Choice xmlns:p14="http://schemas.microsoft.com/office/powerpoint/2010/main" xmlns="" Requires="p14">
+  <mc:AlternateContent xmlns:mc="http://schemas.openxmlformats.org/markup-compatibility/2006" xmlns:p14="http://schemas.microsoft.com/office/powerpoint/2010/main">
+    <mc:Choice Requires="p14">
       <p:transition spd="slow" p14:dur="2000"/>
     </mc:Choice>
-    <mc:Fallback>
+    <mc:Fallback xmlns="">
       <p:transition spd="slow"/>
     </mc:Fallback>
   </mc:AlternateContent>
+  <p:timing>
+    <p:tnLst>
+      <p:par>
+        <p:cTn id="1" dur="indefinite" restart="never" nodeType="tmRoot"/>
+      </p:par>
+    </p:tnLst>
+  </p:timing>
 </p:sld>
 </file>
 
@@ -9444,28 +11203,9 @@
           <a:chExt cx="0" cy="0"/>
         </a:xfrm>
       </p:grpSpPr>
-      <p:sp>
-        <p:nvSpPr>
-          <p:cNvPr id="13" name="Title 12"/>
-          <p:cNvSpPr>
-            <a:spLocks noGrp="1"/>
-          </p:cNvSpPr>
-          <p:nvPr>
-            <p:ph type="title"/>
-          </p:nvPr>
-        </p:nvSpPr>
-        <p:spPr/>
-        <p:txBody>
-          <a:bodyPr/>
-          <a:lstStyle/>
-          <a:p>
-            <a:endParaRPr lang="en-GB"/>
-          </a:p>
-        </p:txBody>
-      </p:sp>
       <p:pic>
         <p:nvPicPr>
-          <p:cNvPr id="15" name="Picture 2" descr="http://upload.wikimedia.org/wikipedia/en/thumb/a/a6/Alonzo_Church.jpg/225px-Alonzo_Church.jpg"/>
+          <p:cNvPr id="6148" name="Picture 4" descr="http://res1.windows.microsoft.com/resbox/en/Windows%207/main/4/7/471b4a5f-32fb-4fd2-a4ed-e05e87f490c9/471b4a5f-32fb-4fd2-a4ed-e05e87f490c9.jpg"/>
           <p:cNvPicPr>
             <a:picLocks noChangeAspect="1" noChangeArrowheads="1"/>
           </p:cNvPicPr>
@@ -9475,253 +11215,7 @@
           <a:blip r:embed="rId3" cstate="print">
             <a:extLst>
               <a:ext uri="{28A0092B-C50C-407E-A947-70E740481C1C}">
-                <a14:useLocalDpi xmlns:a14="http://schemas.microsoft.com/office/drawing/2010/main" xmlns="" val="0"/>
-              </a:ext>
-            </a:extLst>
-          </a:blip>
-          <a:srcRect/>
-          <a:stretch>
-            <a:fillRect/>
-          </a:stretch>
-        </p:blipFill>
-        <p:spPr bwMode="auto">
-          <a:xfrm>
-            <a:off x="107504" y="154813"/>
-            <a:ext cx="1157130" cy="1548000"/>
-          </a:xfrm>
-          <a:prstGeom prst="rect">
-            <a:avLst/>
-          </a:prstGeom>
-          <a:noFill/>
-          <a:extLst>
-            <a:ext uri="{909E8E84-426E-40DD-AFC4-6F175D3DCCD1}">
-              <a14:hiddenFill xmlns:a14="http://schemas.microsoft.com/office/drawing/2010/main" xmlns="">
-                <a:solidFill>
-                  <a:srgbClr val="FFFFFF"/>
-                </a:solidFill>
-              </a14:hiddenFill>
-            </a:ext>
-          </a:extLst>
-        </p:spPr>
-      </p:pic>
-      <p:pic>
-        <p:nvPicPr>
-          <p:cNvPr id="16" name="Picture 4" descr="http://www.thocp.net/biographies/pictures/turing_alan2.gif"/>
-          <p:cNvPicPr>
-            <a:picLocks noChangeAspect="1" noChangeArrowheads="1"/>
-          </p:cNvPicPr>
-          <p:nvPr/>
-        </p:nvPicPr>
-        <p:blipFill>
-          <a:blip r:embed="rId4" cstate="print">
-            <a:extLst>
-              <a:ext uri="{28A0092B-C50C-407E-A947-70E740481C1C}">
-                <a14:useLocalDpi xmlns:a14="http://schemas.microsoft.com/office/drawing/2010/main" xmlns="" val="0"/>
-              </a:ext>
-            </a:extLst>
-          </a:blip>
-          <a:srcRect/>
-          <a:stretch>
-            <a:fillRect/>
-          </a:stretch>
-        </p:blipFill>
-        <p:spPr bwMode="auto">
-          <a:xfrm>
-            <a:off x="1324754" y="154813"/>
-            <a:ext cx="1139586" cy="1548000"/>
-          </a:xfrm>
-          <a:prstGeom prst="rect">
-            <a:avLst/>
-          </a:prstGeom>
-          <a:noFill/>
-          <a:extLst>
-            <a:ext uri="{909E8E84-426E-40DD-AFC4-6F175D3DCCD1}">
-              <a14:hiddenFill xmlns:a14="http://schemas.microsoft.com/office/drawing/2010/main" xmlns="">
-                <a:solidFill>
-                  <a:srgbClr val="FFFFFF"/>
-                </a:solidFill>
-              </a14:hiddenFill>
-            </a:ext>
-          </a:extLst>
-        </p:spPr>
-      </p:pic>
-      <p:pic>
-        <p:nvPicPr>
-          <p:cNvPr id="17" name="Picture 2" descr="http://www-formal.stanford.edu/jmc/jmcbw.jpg"/>
-          <p:cNvPicPr>
-            <a:picLocks noChangeAspect="1" noChangeArrowheads="1"/>
-          </p:cNvPicPr>
-          <p:nvPr/>
-        </p:nvPicPr>
-        <p:blipFill>
-          <a:blip r:embed="rId5" cstate="print">
-            <a:extLst>
-              <a:ext uri="{28A0092B-C50C-407E-A947-70E740481C1C}">
-                <a14:useLocalDpi xmlns:a14="http://schemas.microsoft.com/office/drawing/2010/main" xmlns="" val="0"/>
-              </a:ext>
-            </a:extLst>
-          </a:blip>
-          <a:srcRect/>
-          <a:stretch>
-            <a:fillRect/>
-          </a:stretch>
-        </p:blipFill>
-        <p:spPr bwMode="auto">
-          <a:xfrm>
-            <a:off x="2524460" y="154813"/>
-            <a:ext cx="1099080" cy="1548000"/>
-          </a:xfrm>
-          <a:prstGeom prst="rect">
-            <a:avLst/>
-          </a:prstGeom>
-          <a:noFill/>
-          <a:extLst>
-            <a:ext uri="{909E8E84-426E-40DD-AFC4-6F175D3DCCD1}">
-              <a14:hiddenFill xmlns:a14="http://schemas.microsoft.com/office/drawing/2010/main" xmlns="">
-                <a:solidFill>
-                  <a:srgbClr val="FFFFFF"/>
-                </a:solidFill>
-              </a14:hiddenFill>
-            </a:ext>
-          </a:extLst>
-        </p:spPr>
-      </p:pic>
-      <p:pic>
-        <p:nvPicPr>
-          <p:cNvPr id="18" name="Picture 2" descr="http://www2.computer.org/portal/image/image_gallery?uuid=81490020-c983-4a03-b690-2cac0d496bb2&amp;groupId=1464074&amp;t=1251382395933"/>
-          <p:cNvPicPr>
-            <a:picLocks noChangeAspect="1" noChangeArrowheads="1"/>
-          </p:cNvPicPr>
-          <p:nvPr/>
-        </p:nvPicPr>
-        <p:blipFill>
-          <a:blip r:embed="rId6" cstate="print">
-            <a:extLst>
-              <a:ext uri="{28A0092B-C50C-407E-A947-70E740481C1C}">
-                <a14:useLocalDpi xmlns:a14="http://schemas.microsoft.com/office/drawing/2010/main" xmlns="" val="0"/>
-              </a:ext>
-            </a:extLst>
-          </a:blip>
-          <a:srcRect/>
-          <a:stretch>
-            <a:fillRect/>
-          </a:stretch>
-        </p:blipFill>
-        <p:spPr bwMode="auto">
-          <a:xfrm>
-            <a:off x="3683660" y="154813"/>
-            <a:ext cx="1217674" cy="1548000"/>
-          </a:xfrm>
-          <a:prstGeom prst="rect">
-            <a:avLst/>
-          </a:prstGeom>
-          <a:noFill/>
-          <a:extLst>
-            <a:ext uri="{909E8E84-426E-40DD-AFC4-6F175D3DCCD1}">
-              <a14:hiddenFill xmlns:a14="http://schemas.microsoft.com/office/drawing/2010/main" xmlns="">
-                <a:solidFill>
-                  <a:srgbClr val="FFFFFF"/>
-                </a:solidFill>
-              </a14:hiddenFill>
-            </a:ext>
-          </a:extLst>
-        </p:spPr>
-      </p:pic>
-      <p:pic>
-        <p:nvPicPr>
-          <p:cNvPr id="19" name="Picture 4" descr="http://upload.wikimedia.org/wikipedia/commons/thumb/0/0e/Jerry_Sussman.jpg/197px-Jerry_Sussman.jpg"/>
-          <p:cNvPicPr>
-            <a:picLocks noChangeAspect="1" noChangeArrowheads="1"/>
-          </p:cNvPicPr>
-          <p:nvPr/>
-        </p:nvPicPr>
-        <p:blipFill>
-          <a:blip r:embed="rId7" cstate="print">
-            <a:extLst>
-              <a:ext uri="{28A0092B-C50C-407E-A947-70E740481C1C}">
-                <a14:useLocalDpi xmlns:a14="http://schemas.microsoft.com/office/drawing/2010/main" xmlns="" val="0"/>
-              </a:ext>
-            </a:extLst>
-          </a:blip>
-          <a:srcRect/>
-          <a:stretch>
-            <a:fillRect/>
-          </a:stretch>
-        </p:blipFill>
-        <p:spPr bwMode="auto">
-          <a:xfrm>
-            <a:off x="4961454" y="154813"/>
-            <a:ext cx="1062573" cy="1548000"/>
-          </a:xfrm>
-          <a:prstGeom prst="rect">
-            <a:avLst/>
-          </a:prstGeom>
-          <a:noFill/>
-          <a:extLst>
-            <a:ext uri="{909E8E84-426E-40DD-AFC4-6F175D3DCCD1}">
-              <a14:hiddenFill xmlns:a14="http://schemas.microsoft.com/office/drawing/2010/main" xmlns="">
-                <a:solidFill>
-                  <a:srgbClr val="FFFFFF"/>
-                </a:solidFill>
-              </a14:hiddenFill>
-            </a:ext>
-          </a:extLst>
-        </p:spPr>
-      </p:pic>
-      <p:pic>
-        <p:nvPicPr>
-          <p:cNvPr id="20" name="Picture 2" descr="http://www.sdtimes.com/blog/image.axd?picture=2009%2F4%2Fbrendaneich.jpg"/>
-          <p:cNvPicPr>
-            <a:picLocks noChangeAspect="1" noChangeArrowheads="1"/>
-          </p:cNvPicPr>
-          <p:nvPr/>
-        </p:nvPicPr>
-        <p:blipFill>
-          <a:blip r:embed="rId8" cstate="print">
-            <a:extLst>
-              <a:ext uri="{28A0092B-C50C-407E-A947-70E740481C1C}">
-                <a14:useLocalDpi xmlns:a14="http://schemas.microsoft.com/office/drawing/2010/main" xmlns="" val="0"/>
-              </a:ext>
-            </a:extLst>
-          </a:blip>
-          <a:srcRect/>
-          <a:stretch>
-            <a:fillRect/>
-          </a:stretch>
-        </p:blipFill>
-        <p:spPr bwMode="auto">
-          <a:xfrm>
-            <a:off x="6084149" y="154813"/>
-            <a:ext cx="1226403" cy="1548000"/>
-          </a:xfrm>
-          <a:prstGeom prst="rect">
-            <a:avLst/>
-          </a:prstGeom>
-          <a:noFill/>
-          <a:extLst>
-            <a:ext uri="{909E8E84-426E-40DD-AFC4-6F175D3DCCD1}">
-              <a14:hiddenFill xmlns:a14="http://schemas.microsoft.com/office/drawing/2010/main" xmlns="">
-                <a:solidFill>
-                  <a:srgbClr val="FFFFFF"/>
-                </a:solidFill>
-              </a14:hiddenFill>
-            </a:ext>
-          </a:extLst>
-        </p:spPr>
-      </p:pic>
-      <p:pic>
-        <p:nvPicPr>
-          <p:cNvPr id="6148" name="Picture 4" descr="http://res1.windows.microsoft.com/resbox/en/Windows%207/main/4/7/471b4a5f-32fb-4fd2-a4ed-e05e87f490c9/471b4a5f-32fb-4fd2-a4ed-e05e87f490c9.jpg"/>
-          <p:cNvPicPr>
-            <a:picLocks noChangeAspect="1" noChangeArrowheads="1"/>
-          </p:cNvPicPr>
-          <p:nvPr/>
-        </p:nvPicPr>
-        <p:blipFill>
-          <a:blip r:embed="rId9" cstate="print">
-            <a:extLst>
-              <a:ext uri="{28A0092B-C50C-407E-A947-70E740481C1C}">
-                <a14:useLocalDpi xmlns:a14="http://schemas.microsoft.com/office/drawing/2010/main" xmlns="" val="0"/>
+                <a14:useLocalDpi xmlns:a14="http://schemas.microsoft.com/office/drawing/2010/main" val="0"/>
               </a:ext>
             </a:extLst>
           </a:blip>
@@ -9741,7 +11235,358 @@
           <a:noFill/>
           <a:extLst>
             <a:ext uri="{909E8E84-426E-40DD-AFC4-6F175D3DCCD1}">
-              <a14:hiddenFill xmlns:a14="http://schemas.microsoft.com/office/drawing/2010/main" xmlns="">
+              <a14:hiddenFill xmlns:a14="http://schemas.microsoft.com/office/drawing/2010/main">
+                <a:solidFill>
+                  <a:srgbClr val="FFFFFF"/>
+                </a:solidFill>
+              </a14:hiddenFill>
+            </a:ext>
+          </a:extLst>
+        </p:spPr>
+      </p:pic>
+      <p:pic>
+        <p:nvPicPr>
+          <p:cNvPr id="10" name="Picture 2" descr="http://upload.wikimedia.org/wikipedia/en/thumb/a/a6/Alonzo_Church.jpg/225px-Alonzo_Church.jpg"/>
+          <p:cNvPicPr>
+            <a:picLocks noChangeAspect="1" noChangeArrowheads="1"/>
+          </p:cNvPicPr>
+          <p:nvPr/>
+        </p:nvPicPr>
+        <p:blipFill>
+          <a:blip r:embed="rId4" cstate="print">
+            <a:extLst>
+              <a:ext uri="{28A0092B-C50C-407E-A947-70E740481C1C}">
+                <a14:useLocalDpi xmlns:a14="http://schemas.microsoft.com/office/drawing/2010/main" val="0"/>
+              </a:ext>
+            </a:extLst>
+          </a:blip>
+          <a:srcRect/>
+          <a:stretch>
+            <a:fillRect/>
+          </a:stretch>
+        </p:blipFill>
+        <p:spPr bwMode="auto">
+          <a:xfrm>
+            <a:off x="105541" y="154811"/>
+            <a:ext cx="1036149" cy="1386152"/>
+          </a:xfrm>
+          <a:prstGeom prst="rect">
+            <a:avLst/>
+          </a:prstGeom>
+          <a:noFill/>
+          <a:extLst>
+            <a:ext uri="{909E8E84-426E-40DD-AFC4-6F175D3DCCD1}">
+              <a14:hiddenFill xmlns:a14="http://schemas.microsoft.com/office/drawing/2010/main">
+                <a:solidFill>
+                  <a:srgbClr val="FFFFFF"/>
+                </a:solidFill>
+              </a14:hiddenFill>
+            </a:ext>
+          </a:extLst>
+        </p:spPr>
+      </p:pic>
+      <p:pic>
+        <p:nvPicPr>
+          <p:cNvPr id="11" name="Picture 4" descr="http://www.thocp.net/biographies/pictures/turing_alan2.gif"/>
+          <p:cNvPicPr>
+            <a:picLocks noChangeAspect="1" noChangeArrowheads="1"/>
+          </p:cNvPicPr>
+          <p:nvPr/>
+        </p:nvPicPr>
+        <p:blipFill>
+          <a:blip r:embed="rId5" cstate="print">
+            <a:extLst>
+              <a:ext uri="{28A0092B-C50C-407E-A947-70E740481C1C}">
+                <a14:useLocalDpi xmlns:a14="http://schemas.microsoft.com/office/drawing/2010/main" val="0"/>
+              </a:ext>
+            </a:extLst>
+          </a:blip>
+          <a:srcRect/>
+          <a:stretch>
+            <a:fillRect/>
+          </a:stretch>
+        </p:blipFill>
+        <p:spPr bwMode="auto">
+          <a:xfrm>
+            <a:off x="1218530" y="154811"/>
+            <a:ext cx="1020439" cy="1386152"/>
+          </a:xfrm>
+          <a:prstGeom prst="rect">
+            <a:avLst/>
+          </a:prstGeom>
+          <a:noFill/>
+          <a:extLst>
+            <a:ext uri="{909E8E84-426E-40DD-AFC4-6F175D3DCCD1}">
+              <a14:hiddenFill xmlns:a14="http://schemas.microsoft.com/office/drawing/2010/main">
+                <a:solidFill>
+                  <a:srgbClr val="FFFFFF"/>
+                </a:solidFill>
+              </a14:hiddenFill>
+            </a:ext>
+          </a:extLst>
+        </p:spPr>
+      </p:pic>
+      <p:pic>
+        <p:nvPicPr>
+          <p:cNvPr id="12" name="Picture 2" descr="http://www-formal.stanford.edu/jmc/jmcbw.jpg"/>
+          <p:cNvPicPr>
+            <a:picLocks noChangeAspect="1" noChangeArrowheads="1"/>
+          </p:cNvPicPr>
+          <p:nvPr/>
+        </p:nvPicPr>
+        <p:blipFill>
+          <a:blip r:embed="rId6" cstate="print">
+            <a:extLst>
+              <a:ext uri="{28A0092B-C50C-407E-A947-70E740481C1C}">
+                <a14:useLocalDpi xmlns:a14="http://schemas.microsoft.com/office/drawing/2010/main" val="0"/>
+              </a:ext>
+            </a:extLst>
+          </a:blip>
+          <a:srcRect/>
+          <a:stretch>
+            <a:fillRect/>
+          </a:stretch>
+        </p:blipFill>
+        <p:spPr bwMode="auto">
+          <a:xfrm>
+            <a:off x="2326700" y="154811"/>
+            <a:ext cx="984169" cy="1386152"/>
+          </a:xfrm>
+          <a:prstGeom prst="rect">
+            <a:avLst/>
+          </a:prstGeom>
+          <a:noFill/>
+          <a:extLst>
+            <a:ext uri="{909E8E84-426E-40DD-AFC4-6F175D3DCCD1}">
+              <a14:hiddenFill xmlns:a14="http://schemas.microsoft.com/office/drawing/2010/main">
+                <a:solidFill>
+                  <a:srgbClr val="FFFFFF"/>
+                </a:solidFill>
+              </a14:hiddenFill>
+            </a:ext>
+          </a:extLst>
+        </p:spPr>
+      </p:pic>
+      <p:pic>
+        <p:nvPicPr>
+          <p:cNvPr id="14" name="Picture 2" descr="http://www2.computer.org/portal/image/image_gallery?uuid=81490020-c983-4a03-b690-2cac0d496bb2&amp;groupId=1464074&amp;t=1251382395933"/>
+          <p:cNvPicPr>
+            <a:picLocks noChangeAspect="1" noChangeArrowheads="1"/>
+          </p:cNvPicPr>
+          <p:nvPr/>
+        </p:nvPicPr>
+        <p:blipFill>
+          <a:blip r:embed="rId7" cstate="print">
+            <a:extLst>
+              <a:ext uri="{28A0092B-C50C-407E-A947-70E740481C1C}">
+                <a14:useLocalDpi xmlns:a14="http://schemas.microsoft.com/office/drawing/2010/main" val="0"/>
+              </a:ext>
+            </a:extLst>
+          </a:blip>
+          <a:srcRect/>
+          <a:stretch>
+            <a:fillRect/>
+          </a:stretch>
+        </p:blipFill>
+        <p:spPr bwMode="auto">
+          <a:xfrm>
+            <a:off x="3366714" y="154810"/>
+            <a:ext cx="1090361" cy="1386151"/>
+          </a:xfrm>
+          <a:prstGeom prst="rect">
+            <a:avLst/>
+          </a:prstGeom>
+          <a:noFill/>
+          <a:extLst>
+            <a:ext uri="{909E8E84-426E-40DD-AFC4-6F175D3DCCD1}">
+              <a14:hiddenFill xmlns:a14="http://schemas.microsoft.com/office/drawing/2010/main">
+                <a:solidFill>
+                  <a:srgbClr val="FFFFFF"/>
+                </a:solidFill>
+              </a14:hiddenFill>
+            </a:ext>
+          </a:extLst>
+        </p:spPr>
+      </p:pic>
+      <p:pic>
+        <p:nvPicPr>
+          <p:cNvPr id="21" name="Picture 4" descr="http://upload.wikimedia.org/wikipedia/commons/thumb/0/0e/Jerry_Sussman.jpg/197px-Jerry_Sussman.jpg"/>
+          <p:cNvPicPr>
+            <a:picLocks noChangeAspect="1" noChangeArrowheads="1"/>
+          </p:cNvPicPr>
+          <p:nvPr/>
+        </p:nvPicPr>
+        <p:blipFill>
+          <a:blip r:embed="rId8" cstate="print">
+            <a:extLst>
+              <a:ext uri="{28A0092B-C50C-407E-A947-70E740481C1C}">
+                <a14:useLocalDpi xmlns:a14="http://schemas.microsoft.com/office/drawing/2010/main" val="0"/>
+              </a:ext>
+            </a:extLst>
+          </a:blip>
+          <a:srcRect/>
+          <a:stretch>
+            <a:fillRect/>
+          </a:stretch>
+        </p:blipFill>
+        <p:spPr bwMode="auto">
+          <a:xfrm>
+            <a:off x="4554622" y="154811"/>
+            <a:ext cx="951478" cy="1386152"/>
+          </a:xfrm>
+          <a:prstGeom prst="rect">
+            <a:avLst/>
+          </a:prstGeom>
+          <a:noFill/>
+          <a:extLst>
+            <a:ext uri="{909E8E84-426E-40DD-AFC4-6F175D3DCCD1}">
+              <a14:hiddenFill xmlns:a14="http://schemas.microsoft.com/office/drawing/2010/main">
+                <a:solidFill>
+                  <a:srgbClr val="FFFFFF"/>
+                </a:solidFill>
+              </a14:hiddenFill>
+            </a:ext>
+          </a:extLst>
+        </p:spPr>
+      </p:pic>
+      <p:pic>
+        <p:nvPicPr>
+          <p:cNvPr id="22" name="Picture 2" descr="http://www.sdtimes.com/blog/image.axd?picture=2009%2F4%2Fbrendaneich.jpg"/>
+          <p:cNvPicPr>
+            <a:picLocks noChangeAspect="1" noChangeArrowheads="1"/>
+          </p:cNvPicPr>
+          <p:nvPr/>
+        </p:nvPicPr>
+        <p:blipFill>
+          <a:blip r:embed="rId9" cstate="print">
+            <a:extLst>
+              <a:ext uri="{28A0092B-C50C-407E-A947-70E740481C1C}">
+                <a14:useLocalDpi xmlns:a14="http://schemas.microsoft.com/office/drawing/2010/main" val="0"/>
+              </a:ext>
+            </a:extLst>
+          </a:blip>
+          <a:srcRect/>
+          <a:stretch>
+            <a:fillRect/>
+          </a:stretch>
+        </p:blipFill>
+        <p:spPr bwMode="auto">
+          <a:xfrm>
+            <a:off x="5559597" y="154811"/>
+            <a:ext cx="1098179" cy="1386152"/>
+          </a:xfrm>
+          <a:prstGeom prst="rect">
+            <a:avLst/>
+          </a:prstGeom>
+          <a:noFill/>
+          <a:extLst>
+            <a:ext uri="{909E8E84-426E-40DD-AFC4-6F175D3DCCD1}">
+              <a14:hiddenFill xmlns:a14="http://schemas.microsoft.com/office/drawing/2010/main">
+                <a:solidFill>
+                  <a:srgbClr val="FFFFFF"/>
+                </a:solidFill>
+              </a14:hiddenFill>
+            </a:ext>
+          </a:extLst>
+        </p:spPr>
+      </p:pic>
+      <p:pic>
+        <p:nvPicPr>
+          <p:cNvPr id="23" name="Picture 2"/>
+          <p:cNvPicPr>
+            <a:picLocks noChangeAspect="1" noChangeArrowheads="1"/>
+          </p:cNvPicPr>
+          <p:nvPr/>
+        </p:nvPicPr>
+        <p:blipFill>
+          <a:blip r:embed="rId10" cstate="print">
+            <a:extLst>
+              <a:ext uri="{28A0092B-C50C-407E-A947-70E740481C1C}">
+                <a14:useLocalDpi xmlns:a14="http://schemas.microsoft.com/office/drawing/2010/main" val="0"/>
+              </a:ext>
+            </a:extLst>
+          </a:blip>
+          <a:srcRect/>
+          <a:stretch>
+            <a:fillRect/>
+          </a:stretch>
+        </p:blipFill>
+        <p:spPr bwMode="auto">
+          <a:xfrm>
+            <a:off x="6692299" y="154810"/>
+            <a:ext cx="1161370" cy="1386151"/>
+          </a:xfrm>
+          <a:prstGeom prst="rect">
+            <a:avLst/>
+          </a:prstGeom>
+          <a:noFill/>
+          <a:ln>
+            <a:noFill/>
+          </a:ln>
+          <a:effectLst/>
+          <a:extLst>
+            <a:ext uri="{909E8E84-426E-40DD-AFC4-6F175D3DCCD1}">
+              <a14:hiddenFill xmlns:a14="http://schemas.microsoft.com/office/drawing/2010/main">
+                <a:solidFill>
+                  <a:schemeClr val="accent1"/>
+                </a:solidFill>
+              </a14:hiddenFill>
+            </a:ext>
+            <a:ext uri="{91240B29-F687-4F45-9708-019B960494DF}">
+              <a14:hiddenLine xmlns:a14="http://schemas.microsoft.com/office/drawing/2010/main" w="9525">
+                <a:solidFill>
+                  <a:schemeClr val="tx1"/>
+                </a:solidFill>
+                <a:miter lim="800000"/>
+                <a:headEnd/>
+                <a:tailEnd/>
+              </a14:hiddenLine>
+            </a:ext>
+            <a:ext uri="{AF507438-7753-43E0-B8FC-AC1667EBCBE1}">
+              <a14:hiddenEffects xmlns:a14="http://schemas.microsoft.com/office/drawing/2010/main">
+                <a:effectLst>
+                  <a:outerShdw dist="35921" dir="2700000" algn="ctr" rotWithShape="0">
+                    <a:schemeClr val="bg2"/>
+                  </a:outerShdw>
+                </a:effectLst>
+              </a14:hiddenEffects>
+            </a:ext>
+          </a:extLst>
+        </p:spPr>
+      </p:pic>
+      <p:pic>
+        <p:nvPicPr>
+          <p:cNvPr id="24" name="Picture 2" descr="good news today, jQuery 1.44 RC2 has been released today, minor fixes, guess you could step up now. second - if you&amp;#8217;re still interested in what John Resig is/was up to when he started building jQuery you might be interested in &amp;#8220;This Developer&amp;#8217;s Life&amp;#8221; episode called &amp;#8220;Audacity&amp;#8221;, had fun 15min"/>
+          <p:cNvPicPr>
+            <a:picLocks noChangeAspect="1" noChangeArrowheads="1"/>
+          </p:cNvPicPr>
+          <p:nvPr/>
+        </p:nvPicPr>
+        <p:blipFill>
+          <a:blip r:embed="rId11" cstate="print">
+            <a:extLst>
+              <a:ext uri="{28A0092B-C50C-407E-A947-70E740481C1C}">
+                <a14:useLocalDpi xmlns:a14="http://schemas.microsoft.com/office/drawing/2010/main" val="0"/>
+              </a:ext>
+            </a:extLst>
+          </a:blip>
+          <a:srcRect/>
+          <a:stretch>
+            <a:fillRect/>
+          </a:stretch>
+        </p:blipFill>
+        <p:spPr bwMode="auto">
+          <a:xfrm>
+            <a:off x="7957897" y="154811"/>
+            <a:ext cx="929235" cy="1386152"/>
+          </a:xfrm>
+          <a:prstGeom prst="rect">
+            <a:avLst/>
+          </a:prstGeom>
+          <a:noFill/>
+          <a:extLst>
+            <a:ext uri="{909E8E84-426E-40DD-AFC4-6F175D3DCCD1}">
+              <a14:hiddenFill xmlns:a14="http://schemas.microsoft.com/office/drawing/2010/main">
                 <a:solidFill>
                   <a:srgbClr val="FFFFFF"/>
                 </a:solidFill>
@@ -9753,21 +11598,28 @@
     </p:spTree>
     <p:extLst>
       <p:ext uri="{BB962C8B-B14F-4D97-AF65-F5344CB8AC3E}">
-        <p14:creationId xmlns:p14="http://schemas.microsoft.com/office/powerpoint/2010/main" xmlns="" val="1937642497"/>
+        <p14:creationId xmlns:p14="http://schemas.microsoft.com/office/powerpoint/2010/main" val="1937642497"/>
       </p:ext>
     </p:extLst>
   </p:cSld>
   <p:clrMapOvr>
     <a:masterClrMapping/>
   </p:clrMapOvr>
-  <mc:AlternateContent xmlns:mc="http://schemas.openxmlformats.org/markup-compatibility/2006">
-    <mc:Choice xmlns:p14="http://schemas.microsoft.com/office/powerpoint/2010/main" xmlns="" Requires="p14">
+  <mc:AlternateContent xmlns:mc="http://schemas.openxmlformats.org/markup-compatibility/2006" xmlns:p14="http://schemas.microsoft.com/office/powerpoint/2010/main">
+    <mc:Choice Requires="p14">
       <p:transition spd="slow" p14:dur="2000"/>
     </mc:Choice>
-    <mc:Fallback>
+    <mc:Fallback xmlns="">
       <p:transition spd="slow"/>
     </mc:Fallback>
   </mc:AlternateContent>
+  <p:timing>
+    <p:tnLst>
+      <p:par>
+        <p:cTn id="1" dur="indefinite" restart="never" nodeType="tmRoot"/>
+      </p:par>
+    </p:tnLst>
+  </p:timing>
 </p:sld>
 </file>
 
@@ -9800,7 +11652,7 @@
           <a:blip r:embed="rId3" cstate="print">
             <a:extLst>
               <a:ext uri="{28A0092B-C50C-407E-A947-70E740481C1C}">
-                <a14:useLocalDpi xmlns:a14="http://schemas.microsoft.com/office/drawing/2010/main" xmlns="" val="0"/>
+                <a14:useLocalDpi xmlns:a14="http://schemas.microsoft.com/office/drawing/2010/main" val="0"/>
               </a:ext>
             </a:extLst>
           </a:blip>
@@ -9824,14 +11676,14 @@
           <a:effectLst/>
           <a:extLst>
             <a:ext uri="{909E8E84-426E-40DD-AFC4-6F175D3DCCD1}">
-              <a14:hiddenFill xmlns:a14="http://schemas.microsoft.com/office/drawing/2010/main" xmlns="">
+              <a14:hiddenFill xmlns:a14="http://schemas.microsoft.com/office/drawing/2010/main">
                 <a:solidFill>
                   <a:schemeClr val="accent1"/>
                 </a:solidFill>
               </a14:hiddenFill>
             </a:ext>
             <a:ext uri="{91240B29-F687-4F45-9708-019B960494DF}">
-              <a14:hiddenLine xmlns:a14="http://schemas.microsoft.com/office/drawing/2010/main" xmlns="" w="9525">
+              <a14:hiddenLine xmlns:a14="http://schemas.microsoft.com/office/drawing/2010/main" w="9525">
                 <a:solidFill>
                   <a:schemeClr val="tx1"/>
                 </a:solidFill>
@@ -9841,7 +11693,7 @@
               </a14:hiddenLine>
             </a:ext>
             <a:ext uri="{AF507438-7753-43E0-B8FC-AC1667EBCBE1}">
-              <a14:hiddenEffects xmlns:a14="http://schemas.microsoft.com/office/drawing/2010/main" xmlns="">
+              <a14:hiddenEffects xmlns:a14="http://schemas.microsoft.com/office/drawing/2010/main">
                 <a:effectLst>
                   <a:outerShdw dist="35921" dir="2700000" algn="ctr" rotWithShape="0">
                     <a:schemeClr val="bg2"/>
@@ -9852,28 +11704,9 @@
           </a:extLst>
         </p:spPr>
       </p:pic>
-      <p:sp>
-        <p:nvSpPr>
-          <p:cNvPr id="5" name="Title 4"/>
-          <p:cNvSpPr>
-            <a:spLocks noGrp="1"/>
-          </p:cNvSpPr>
-          <p:nvPr>
-            <p:ph type="title"/>
-          </p:nvPr>
-        </p:nvSpPr>
-        <p:spPr/>
-        <p:txBody>
-          <a:bodyPr/>
-          <a:lstStyle/>
-          <a:p>
-            <a:endParaRPr lang="en-GB"/>
-          </a:p>
-        </p:txBody>
-      </p:sp>
       <p:pic>
         <p:nvPicPr>
-          <p:cNvPr id="6" name="Picture 2" descr="http://upload.wikimedia.org/wikipedia/en/thumb/a/a6/Alonzo_Church.jpg/225px-Alonzo_Church.jpg"/>
+          <p:cNvPr id="12" name="Picture 2" descr="http://upload.wikimedia.org/wikipedia/en/thumb/a/a6/Alonzo_Church.jpg/225px-Alonzo_Church.jpg"/>
           <p:cNvPicPr>
             <a:picLocks noChangeAspect="1" noChangeArrowheads="1"/>
           </p:cNvPicPr>
@@ -9883,7 +11716,7 @@
           <a:blip r:embed="rId4" cstate="print">
             <a:extLst>
               <a:ext uri="{28A0092B-C50C-407E-A947-70E740481C1C}">
-                <a14:useLocalDpi xmlns:a14="http://schemas.microsoft.com/office/drawing/2010/main" xmlns="" val="0"/>
+                <a14:useLocalDpi xmlns:a14="http://schemas.microsoft.com/office/drawing/2010/main" val="0"/>
               </a:ext>
             </a:extLst>
           </a:blip>
@@ -9894,8 +11727,8 @@
         </p:blipFill>
         <p:spPr bwMode="auto">
           <a:xfrm>
-            <a:off x="107504" y="154813"/>
-            <a:ext cx="1157130" cy="1548000"/>
+            <a:off x="105541" y="154811"/>
+            <a:ext cx="1036149" cy="1386152"/>
           </a:xfrm>
           <a:prstGeom prst="rect">
             <a:avLst/>
@@ -9903,7 +11736,7 @@
           <a:noFill/>
           <a:extLst>
             <a:ext uri="{909E8E84-426E-40DD-AFC4-6F175D3DCCD1}">
-              <a14:hiddenFill xmlns:a14="http://schemas.microsoft.com/office/drawing/2010/main" xmlns="">
+              <a14:hiddenFill xmlns:a14="http://schemas.microsoft.com/office/drawing/2010/main">
                 <a:solidFill>
                   <a:srgbClr val="FFFFFF"/>
                 </a:solidFill>
@@ -9914,7 +11747,7 @@
       </p:pic>
       <p:pic>
         <p:nvPicPr>
-          <p:cNvPr id="7" name="Picture 4" descr="http://www.thocp.net/biographies/pictures/turing_alan2.gif"/>
+          <p:cNvPr id="13" name="Picture 4" descr="http://www.thocp.net/biographies/pictures/turing_alan2.gif"/>
           <p:cNvPicPr>
             <a:picLocks noChangeAspect="1" noChangeArrowheads="1"/>
           </p:cNvPicPr>
@@ -9924,7 +11757,7 @@
           <a:blip r:embed="rId5" cstate="print">
             <a:extLst>
               <a:ext uri="{28A0092B-C50C-407E-A947-70E740481C1C}">
-                <a14:useLocalDpi xmlns:a14="http://schemas.microsoft.com/office/drawing/2010/main" xmlns="" val="0"/>
+                <a14:useLocalDpi xmlns:a14="http://schemas.microsoft.com/office/drawing/2010/main" val="0"/>
               </a:ext>
             </a:extLst>
           </a:blip>
@@ -9935,8 +11768,8 @@
         </p:blipFill>
         <p:spPr bwMode="auto">
           <a:xfrm>
-            <a:off x="1324754" y="154813"/>
-            <a:ext cx="1139586" cy="1548000"/>
+            <a:off x="1218530" y="154811"/>
+            <a:ext cx="1020439" cy="1386152"/>
           </a:xfrm>
           <a:prstGeom prst="rect">
             <a:avLst/>
@@ -9944,7 +11777,7 @@
           <a:noFill/>
           <a:extLst>
             <a:ext uri="{909E8E84-426E-40DD-AFC4-6F175D3DCCD1}">
-              <a14:hiddenFill xmlns:a14="http://schemas.microsoft.com/office/drawing/2010/main" xmlns="">
+              <a14:hiddenFill xmlns:a14="http://schemas.microsoft.com/office/drawing/2010/main">
                 <a:solidFill>
                   <a:srgbClr val="FFFFFF"/>
                 </a:solidFill>
@@ -9955,7 +11788,7 @@
       </p:pic>
       <p:pic>
         <p:nvPicPr>
-          <p:cNvPr id="8" name="Picture 2" descr="http://www-formal.stanford.edu/jmc/jmcbw.jpg"/>
+          <p:cNvPr id="14" name="Picture 2" descr="http://www-formal.stanford.edu/jmc/jmcbw.jpg"/>
           <p:cNvPicPr>
             <a:picLocks noChangeAspect="1" noChangeArrowheads="1"/>
           </p:cNvPicPr>
@@ -9965,7 +11798,7 @@
           <a:blip r:embed="rId6" cstate="print">
             <a:extLst>
               <a:ext uri="{28A0092B-C50C-407E-A947-70E740481C1C}">
-                <a14:useLocalDpi xmlns:a14="http://schemas.microsoft.com/office/drawing/2010/main" xmlns="" val="0"/>
+                <a14:useLocalDpi xmlns:a14="http://schemas.microsoft.com/office/drawing/2010/main" val="0"/>
               </a:ext>
             </a:extLst>
           </a:blip>
@@ -9976,8 +11809,8 @@
         </p:blipFill>
         <p:spPr bwMode="auto">
           <a:xfrm>
-            <a:off x="2524460" y="154813"/>
-            <a:ext cx="1099080" cy="1548000"/>
+            <a:off x="2326700" y="154811"/>
+            <a:ext cx="984169" cy="1386152"/>
           </a:xfrm>
           <a:prstGeom prst="rect">
             <a:avLst/>
@@ -9985,7 +11818,7 @@
           <a:noFill/>
           <a:extLst>
             <a:ext uri="{909E8E84-426E-40DD-AFC4-6F175D3DCCD1}">
-              <a14:hiddenFill xmlns:a14="http://schemas.microsoft.com/office/drawing/2010/main" xmlns="">
+              <a14:hiddenFill xmlns:a14="http://schemas.microsoft.com/office/drawing/2010/main">
                 <a:solidFill>
                   <a:srgbClr val="FFFFFF"/>
                 </a:solidFill>
@@ -9996,7 +11829,7 @@
       </p:pic>
       <p:pic>
         <p:nvPicPr>
-          <p:cNvPr id="9" name="Picture 2" descr="http://www2.computer.org/portal/image/image_gallery?uuid=81490020-c983-4a03-b690-2cac0d496bb2&amp;groupId=1464074&amp;t=1251382395933"/>
+          <p:cNvPr id="15" name="Picture 2" descr="http://www2.computer.org/portal/image/image_gallery?uuid=81490020-c983-4a03-b690-2cac0d496bb2&amp;groupId=1464074&amp;t=1251382395933"/>
           <p:cNvPicPr>
             <a:picLocks noChangeAspect="1" noChangeArrowheads="1"/>
           </p:cNvPicPr>
@@ -10006,7 +11839,7 @@
           <a:blip r:embed="rId7" cstate="print">
             <a:extLst>
               <a:ext uri="{28A0092B-C50C-407E-A947-70E740481C1C}">
-                <a14:useLocalDpi xmlns:a14="http://schemas.microsoft.com/office/drawing/2010/main" xmlns="" val="0"/>
+                <a14:useLocalDpi xmlns:a14="http://schemas.microsoft.com/office/drawing/2010/main" val="0"/>
               </a:ext>
             </a:extLst>
           </a:blip>
@@ -10017,8 +11850,8 @@
         </p:blipFill>
         <p:spPr bwMode="auto">
           <a:xfrm>
-            <a:off x="3683660" y="154813"/>
-            <a:ext cx="1217674" cy="1548000"/>
+            <a:off x="3366714" y="154810"/>
+            <a:ext cx="1090361" cy="1386151"/>
           </a:xfrm>
           <a:prstGeom prst="rect">
             <a:avLst/>
@@ -10026,7 +11859,7 @@
           <a:noFill/>
           <a:extLst>
             <a:ext uri="{909E8E84-426E-40DD-AFC4-6F175D3DCCD1}">
-              <a14:hiddenFill xmlns:a14="http://schemas.microsoft.com/office/drawing/2010/main" xmlns="">
+              <a14:hiddenFill xmlns:a14="http://schemas.microsoft.com/office/drawing/2010/main">
                 <a:solidFill>
                   <a:srgbClr val="FFFFFF"/>
                 </a:solidFill>
@@ -10037,7 +11870,7 @@
       </p:pic>
       <p:pic>
         <p:nvPicPr>
-          <p:cNvPr id="10" name="Picture 4" descr="http://upload.wikimedia.org/wikipedia/commons/thumb/0/0e/Jerry_Sussman.jpg/197px-Jerry_Sussman.jpg"/>
+          <p:cNvPr id="16" name="Picture 4" descr="http://upload.wikimedia.org/wikipedia/commons/thumb/0/0e/Jerry_Sussman.jpg/197px-Jerry_Sussman.jpg"/>
           <p:cNvPicPr>
             <a:picLocks noChangeAspect="1" noChangeArrowheads="1"/>
           </p:cNvPicPr>
@@ -10047,7 +11880,7 @@
           <a:blip r:embed="rId8" cstate="print">
             <a:extLst>
               <a:ext uri="{28A0092B-C50C-407E-A947-70E740481C1C}">
-                <a14:useLocalDpi xmlns:a14="http://schemas.microsoft.com/office/drawing/2010/main" xmlns="" val="0"/>
+                <a14:useLocalDpi xmlns:a14="http://schemas.microsoft.com/office/drawing/2010/main" val="0"/>
               </a:ext>
             </a:extLst>
           </a:blip>
@@ -10058,8 +11891,8 @@
         </p:blipFill>
         <p:spPr bwMode="auto">
           <a:xfrm>
-            <a:off x="4961454" y="154813"/>
-            <a:ext cx="1062573" cy="1548000"/>
+            <a:off x="4554622" y="154811"/>
+            <a:ext cx="951478" cy="1386152"/>
           </a:xfrm>
           <a:prstGeom prst="rect">
             <a:avLst/>
@@ -10067,7 +11900,7 @@
           <a:noFill/>
           <a:extLst>
             <a:ext uri="{909E8E84-426E-40DD-AFC4-6F175D3DCCD1}">
-              <a14:hiddenFill xmlns:a14="http://schemas.microsoft.com/office/drawing/2010/main" xmlns="">
+              <a14:hiddenFill xmlns:a14="http://schemas.microsoft.com/office/drawing/2010/main">
                 <a:solidFill>
                   <a:srgbClr val="FFFFFF"/>
                 </a:solidFill>
@@ -10078,7 +11911,7 @@
       </p:pic>
       <p:pic>
         <p:nvPicPr>
-          <p:cNvPr id="11" name="Picture 2" descr="http://www.sdtimes.com/blog/image.axd?picture=2009%2F4%2Fbrendaneich.jpg"/>
+          <p:cNvPr id="17" name="Picture 2" descr="http://www.sdtimes.com/blog/image.axd?picture=2009%2F4%2Fbrendaneich.jpg"/>
           <p:cNvPicPr>
             <a:picLocks noChangeAspect="1" noChangeArrowheads="1"/>
           </p:cNvPicPr>
@@ -10088,7 +11921,7 @@
           <a:blip r:embed="rId9" cstate="print">
             <a:extLst>
               <a:ext uri="{28A0092B-C50C-407E-A947-70E740481C1C}">
-                <a14:useLocalDpi xmlns:a14="http://schemas.microsoft.com/office/drawing/2010/main" xmlns="" val="0"/>
+                <a14:useLocalDpi xmlns:a14="http://schemas.microsoft.com/office/drawing/2010/main" val="0"/>
               </a:ext>
             </a:extLst>
           </a:blip>
@@ -10099,8 +11932,8 @@
         </p:blipFill>
         <p:spPr bwMode="auto">
           <a:xfrm>
-            <a:off x="6084149" y="154813"/>
-            <a:ext cx="1226403" cy="1548000"/>
+            <a:off x="5559597" y="154811"/>
+            <a:ext cx="1098179" cy="1386152"/>
           </a:xfrm>
           <a:prstGeom prst="rect">
             <a:avLst/>
@@ -10108,7 +11941,7 @@
           <a:noFill/>
           <a:extLst>
             <a:ext uri="{909E8E84-426E-40DD-AFC4-6F175D3DCCD1}">
-              <a14:hiddenFill xmlns:a14="http://schemas.microsoft.com/office/drawing/2010/main" xmlns="">
+              <a14:hiddenFill xmlns:a14="http://schemas.microsoft.com/office/drawing/2010/main">
                 <a:solidFill>
                   <a:srgbClr val="FFFFFF"/>
                 </a:solidFill>
@@ -10119,7 +11952,7 @@
       </p:pic>
       <p:pic>
         <p:nvPicPr>
-          <p:cNvPr id="7170" name="Picture 2"/>
+          <p:cNvPr id="18" name="Picture 2"/>
           <p:cNvPicPr>
             <a:picLocks noChangeAspect="1" noChangeArrowheads="1"/>
           </p:cNvPicPr>
@@ -10129,7 +11962,7 @@
           <a:blip r:embed="rId10" cstate="print">
             <a:extLst>
               <a:ext uri="{28A0092B-C50C-407E-A947-70E740481C1C}">
-                <a14:useLocalDpi xmlns:a14="http://schemas.microsoft.com/office/drawing/2010/main" xmlns="" val="0"/>
+                <a14:useLocalDpi xmlns:a14="http://schemas.microsoft.com/office/drawing/2010/main" val="0"/>
               </a:ext>
             </a:extLst>
           </a:blip>
@@ -10140,8 +11973,8 @@
         </p:blipFill>
         <p:spPr bwMode="auto">
           <a:xfrm>
-            <a:off x="7380312" y="154813"/>
-            <a:ext cx="1296973" cy="1548000"/>
+            <a:off x="6692299" y="154810"/>
+            <a:ext cx="1161370" cy="1386151"/>
           </a:xfrm>
           <a:prstGeom prst="rect">
             <a:avLst/>
@@ -10153,14 +11986,14 @@
           <a:effectLst/>
           <a:extLst>
             <a:ext uri="{909E8E84-426E-40DD-AFC4-6F175D3DCCD1}">
-              <a14:hiddenFill xmlns:a14="http://schemas.microsoft.com/office/drawing/2010/main" xmlns="">
+              <a14:hiddenFill xmlns:a14="http://schemas.microsoft.com/office/drawing/2010/main">
                 <a:solidFill>
                   <a:schemeClr val="accent1"/>
                 </a:solidFill>
               </a14:hiddenFill>
             </a:ext>
             <a:ext uri="{91240B29-F687-4F45-9708-019B960494DF}">
-              <a14:hiddenLine xmlns:a14="http://schemas.microsoft.com/office/drawing/2010/main" xmlns="" w="9525">
+              <a14:hiddenLine xmlns:a14="http://schemas.microsoft.com/office/drawing/2010/main" w="9525">
                 <a:solidFill>
                   <a:schemeClr val="tx1"/>
                 </a:solidFill>
@@ -10170,7 +12003,7 @@
               </a14:hiddenLine>
             </a:ext>
             <a:ext uri="{AF507438-7753-43E0-B8FC-AC1667EBCBE1}">
-              <a14:hiddenEffects xmlns:a14="http://schemas.microsoft.com/office/drawing/2010/main" xmlns="">
+              <a14:hiddenEffects xmlns:a14="http://schemas.microsoft.com/office/drawing/2010/main">
                 <a:effectLst>
                   <a:outerShdw dist="35921" dir="2700000" algn="ctr" rotWithShape="0">
                     <a:schemeClr val="bg2"/>
@@ -10181,24 +12014,72 @@
           </a:extLst>
         </p:spPr>
       </p:pic>
+      <p:pic>
+        <p:nvPicPr>
+          <p:cNvPr id="19" name="Picture 2" descr="good news today, jQuery 1.44 RC2 has been released today, minor fixes, guess you could step up now. second - if you&amp;#8217;re still interested in what John Resig is/was up to when he started building jQuery you might be interested in &amp;#8220;This Developer&amp;#8217;s Life&amp;#8221; episode called &amp;#8220;Audacity&amp;#8221;, had fun 15min"/>
+          <p:cNvPicPr>
+            <a:picLocks noChangeAspect="1" noChangeArrowheads="1"/>
+          </p:cNvPicPr>
+          <p:nvPr/>
+        </p:nvPicPr>
+        <p:blipFill>
+          <a:blip r:embed="rId11" cstate="print">
+            <a:extLst>
+              <a:ext uri="{28A0092B-C50C-407E-A947-70E740481C1C}">
+                <a14:useLocalDpi xmlns:a14="http://schemas.microsoft.com/office/drawing/2010/main" val="0"/>
+              </a:ext>
+            </a:extLst>
+          </a:blip>
+          <a:srcRect/>
+          <a:stretch>
+            <a:fillRect/>
+          </a:stretch>
+        </p:blipFill>
+        <p:spPr bwMode="auto">
+          <a:xfrm>
+            <a:off x="7957897" y="154811"/>
+            <a:ext cx="929235" cy="1386152"/>
+          </a:xfrm>
+          <a:prstGeom prst="rect">
+            <a:avLst/>
+          </a:prstGeom>
+          <a:noFill/>
+          <a:extLst>
+            <a:ext uri="{909E8E84-426E-40DD-AFC4-6F175D3DCCD1}">
+              <a14:hiddenFill xmlns:a14="http://schemas.microsoft.com/office/drawing/2010/main">
+                <a:solidFill>
+                  <a:srgbClr val="FFFFFF"/>
+                </a:solidFill>
+              </a14:hiddenFill>
+            </a:ext>
+          </a:extLst>
+        </p:spPr>
+      </p:pic>
     </p:spTree>
     <p:extLst>
       <p:ext uri="{BB962C8B-B14F-4D97-AF65-F5344CB8AC3E}">
-        <p14:creationId xmlns:p14="http://schemas.microsoft.com/office/powerpoint/2010/main" xmlns="" val="265185508"/>
+        <p14:creationId xmlns:p14="http://schemas.microsoft.com/office/powerpoint/2010/main" val="265185508"/>
       </p:ext>
     </p:extLst>
   </p:cSld>
   <p:clrMapOvr>
     <a:masterClrMapping/>
   </p:clrMapOvr>
-  <mc:AlternateContent xmlns:mc="http://schemas.openxmlformats.org/markup-compatibility/2006">
-    <mc:Choice xmlns:p14="http://schemas.microsoft.com/office/powerpoint/2010/main" xmlns="" Requires="p14">
+  <mc:AlternateContent xmlns:mc="http://schemas.openxmlformats.org/markup-compatibility/2006" xmlns:p14="http://schemas.microsoft.com/office/powerpoint/2010/main">
+    <mc:Choice Requires="p14">
       <p:transition spd="slow" p14:dur="2000"/>
     </mc:Choice>
-    <mc:Fallback>
+    <mc:Fallback xmlns="">
       <p:transition spd="slow"/>
     </mc:Fallback>
   </mc:AlternateContent>
+  <p:timing>
+    <p:tnLst>
+      <p:par>
+        <p:cTn id="1" dur="indefinite" restart="never" nodeType="tmRoot"/>
+      </p:par>
+    </p:tnLst>
+  </p:timing>
 </p:sld>
 </file>
 
@@ -10231,7 +12112,7 @@
           <a:blip r:embed="rId3" cstate="print">
             <a:extLst>
               <a:ext uri="{28A0092B-C50C-407E-A947-70E740481C1C}">
-                <a14:useLocalDpi xmlns:a14="http://schemas.microsoft.com/office/drawing/2010/main" xmlns="" val="0"/>
+                <a14:useLocalDpi xmlns:a14="http://schemas.microsoft.com/office/drawing/2010/main" val="0"/>
               </a:ext>
             </a:extLst>
           </a:blip>
@@ -10242,8 +12123,8 @@
         </p:blipFill>
         <p:spPr bwMode="auto">
           <a:xfrm>
-            <a:off x="260725" y="154813"/>
-            <a:ext cx="725023" cy="969930"/>
+            <a:off x="105541" y="154811"/>
+            <a:ext cx="1036149" cy="1386152"/>
           </a:xfrm>
           <a:prstGeom prst="rect">
             <a:avLst/>
@@ -10251,7 +12132,7 @@
           <a:noFill/>
           <a:extLst>
             <a:ext uri="{909E8E84-426E-40DD-AFC4-6F175D3DCCD1}">
-              <a14:hiddenFill xmlns:a14="http://schemas.microsoft.com/office/drawing/2010/main" xmlns="">
+              <a14:hiddenFill xmlns:a14="http://schemas.microsoft.com/office/drawing/2010/main">
                 <a:solidFill>
                   <a:srgbClr val="FFFFFF"/>
                 </a:solidFill>
@@ -10272,7 +12153,7 @@
           <a:blip r:embed="rId4" cstate="print">
             <a:extLst>
               <a:ext uri="{28A0092B-C50C-407E-A947-70E740481C1C}">
-                <a14:useLocalDpi xmlns:a14="http://schemas.microsoft.com/office/drawing/2010/main" xmlns="" val="0"/>
+                <a14:useLocalDpi xmlns:a14="http://schemas.microsoft.com/office/drawing/2010/main" val="0"/>
               </a:ext>
             </a:extLst>
           </a:blip>
@@ -10283,8 +12164,8 @@
         </p:blipFill>
         <p:spPr bwMode="auto">
           <a:xfrm>
-            <a:off x="1368997" y="154813"/>
-            <a:ext cx="714030" cy="969930"/>
+            <a:off x="1218530" y="154811"/>
+            <a:ext cx="1020439" cy="1386152"/>
           </a:xfrm>
           <a:prstGeom prst="rect">
             <a:avLst/>
@@ -10292,7 +12173,7 @@
           <a:noFill/>
           <a:extLst>
             <a:ext uri="{909E8E84-426E-40DD-AFC4-6F175D3DCCD1}">
-              <a14:hiddenFill xmlns:a14="http://schemas.microsoft.com/office/drawing/2010/main" xmlns="">
+              <a14:hiddenFill xmlns:a14="http://schemas.microsoft.com/office/drawing/2010/main">
                 <a:solidFill>
                   <a:srgbClr val="FFFFFF"/>
                 </a:solidFill>
@@ -10313,7 +12194,7 @@
           <a:blip r:embed="rId5" cstate="print">
             <a:extLst>
               <a:ext uri="{28A0092B-C50C-407E-A947-70E740481C1C}">
-                <a14:useLocalDpi xmlns:a14="http://schemas.microsoft.com/office/drawing/2010/main" xmlns="" val="0"/>
+                <a14:useLocalDpi xmlns:a14="http://schemas.microsoft.com/office/drawing/2010/main" val="0"/>
               </a:ext>
             </a:extLst>
           </a:blip>
@@ -10324,8 +12205,8 @@
         </p:blipFill>
         <p:spPr bwMode="auto">
           <a:xfrm>
-            <a:off x="2466276" y="154813"/>
-            <a:ext cx="688651" cy="969930"/>
+            <a:off x="2326700" y="154811"/>
+            <a:ext cx="984169" cy="1386152"/>
           </a:xfrm>
           <a:prstGeom prst="rect">
             <a:avLst/>
@@ -10333,7 +12214,7 @@
           <a:noFill/>
           <a:extLst>
             <a:ext uri="{909E8E84-426E-40DD-AFC4-6F175D3DCCD1}">
-              <a14:hiddenFill xmlns:a14="http://schemas.microsoft.com/office/drawing/2010/main" xmlns="">
+              <a14:hiddenFill xmlns:a14="http://schemas.microsoft.com/office/drawing/2010/main">
                 <a:solidFill>
                   <a:srgbClr val="FFFFFF"/>
                 </a:solidFill>
@@ -10354,7 +12235,7 @@
           <a:blip r:embed="rId6" cstate="print">
             <a:extLst>
               <a:ext uri="{28A0092B-C50C-407E-A947-70E740481C1C}">
-                <a14:useLocalDpi xmlns:a14="http://schemas.microsoft.com/office/drawing/2010/main" xmlns="" val="0"/>
+                <a14:useLocalDpi xmlns:a14="http://schemas.microsoft.com/office/drawing/2010/main" val="0"/>
               </a:ext>
             </a:extLst>
           </a:blip>
@@ -10365,8 +12246,8 @@
         </p:blipFill>
         <p:spPr bwMode="auto">
           <a:xfrm>
-            <a:off x="3538176" y="154813"/>
-            <a:ext cx="762957" cy="969930"/>
+            <a:off x="3366714" y="154810"/>
+            <a:ext cx="1090361" cy="1386151"/>
           </a:xfrm>
           <a:prstGeom prst="rect">
             <a:avLst/>
@@ -10374,7 +12255,7 @@
           <a:noFill/>
           <a:extLst>
             <a:ext uri="{909E8E84-426E-40DD-AFC4-6F175D3DCCD1}">
-              <a14:hiddenFill xmlns:a14="http://schemas.microsoft.com/office/drawing/2010/main" xmlns="">
+              <a14:hiddenFill xmlns:a14="http://schemas.microsoft.com/office/drawing/2010/main">
                 <a:solidFill>
                   <a:srgbClr val="FFFFFF"/>
                 </a:solidFill>
@@ -10395,7 +12276,7 @@
           <a:blip r:embed="rId7" cstate="print">
             <a:extLst>
               <a:ext uri="{28A0092B-C50C-407E-A947-70E740481C1C}">
-                <a14:useLocalDpi xmlns:a14="http://schemas.microsoft.com/office/drawing/2010/main" xmlns="" val="0"/>
+                <a14:useLocalDpi xmlns:a14="http://schemas.microsoft.com/office/drawing/2010/main" val="0"/>
               </a:ext>
             </a:extLst>
           </a:blip>
@@ -10406,8 +12287,8 @@
         </p:blipFill>
         <p:spPr bwMode="auto">
           <a:xfrm>
-            <a:off x="4684382" y="154813"/>
-            <a:ext cx="665776" cy="969930"/>
+            <a:off x="4554622" y="154811"/>
+            <a:ext cx="951478" cy="1386152"/>
           </a:xfrm>
           <a:prstGeom prst="rect">
             <a:avLst/>
@@ -10415,7 +12296,7 @@
           <a:noFill/>
           <a:extLst>
             <a:ext uri="{909E8E84-426E-40DD-AFC4-6F175D3DCCD1}">
-              <a14:hiddenFill xmlns:a14="http://schemas.microsoft.com/office/drawing/2010/main" xmlns="">
+              <a14:hiddenFill xmlns:a14="http://schemas.microsoft.com/office/drawing/2010/main">
                 <a:solidFill>
                   <a:srgbClr val="FFFFFF"/>
                 </a:solidFill>
@@ -10436,7 +12317,7 @@
           <a:blip r:embed="rId8" cstate="print">
             <a:extLst>
               <a:ext uri="{28A0092B-C50C-407E-A947-70E740481C1C}">
-                <a14:useLocalDpi xmlns:a14="http://schemas.microsoft.com/office/drawing/2010/main" xmlns="" val="0"/>
+                <a14:useLocalDpi xmlns:a14="http://schemas.microsoft.com/office/drawing/2010/main" val="0"/>
               </a:ext>
             </a:extLst>
           </a:blip>
@@ -10447,8 +12328,8 @@
         </p:blipFill>
         <p:spPr bwMode="auto">
           <a:xfrm>
-            <a:off x="5733407" y="154813"/>
-            <a:ext cx="768427" cy="969930"/>
+            <a:off x="5559597" y="154811"/>
+            <a:ext cx="1098179" cy="1386152"/>
           </a:xfrm>
           <a:prstGeom prst="rect">
             <a:avLst/>
@@ -10456,7 +12337,7 @@
           <a:noFill/>
           <a:extLst>
             <a:ext uri="{909E8E84-426E-40DD-AFC4-6F175D3DCCD1}">
-              <a14:hiddenFill xmlns:a14="http://schemas.microsoft.com/office/drawing/2010/main" xmlns="">
+              <a14:hiddenFill xmlns:a14="http://schemas.microsoft.com/office/drawing/2010/main">
                 <a:solidFill>
                   <a:srgbClr val="FFFFFF"/>
                 </a:solidFill>
@@ -10477,7 +12358,7 @@
           <a:blip r:embed="rId9" cstate="print">
             <a:extLst>
               <a:ext uri="{28A0092B-C50C-407E-A947-70E740481C1C}">
-                <a14:useLocalDpi xmlns:a14="http://schemas.microsoft.com/office/drawing/2010/main" xmlns="" val="0"/>
+                <a14:useLocalDpi xmlns:a14="http://schemas.microsoft.com/office/drawing/2010/main" val="0"/>
               </a:ext>
             </a:extLst>
           </a:blip>
@@ -10488,8 +12369,8 @@
         </p:blipFill>
         <p:spPr bwMode="auto">
           <a:xfrm>
-            <a:off x="6885083" y="154813"/>
-            <a:ext cx="812644" cy="969930"/>
+            <a:off x="6692299" y="154810"/>
+            <a:ext cx="1161370" cy="1386151"/>
           </a:xfrm>
           <a:prstGeom prst="rect">
             <a:avLst/>
@@ -10501,14 +12382,14 @@
           <a:effectLst/>
           <a:extLst>
             <a:ext uri="{909E8E84-426E-40DD-AFC4-6F175D3DCCD1}">
-              <a14:hiddenFill xmlns:a14="http://schemas.microsoft.com/office/drawing/2010/main" xmlns="">
+              <a14:hiddenFill xmlns:a14="http://schemas.microsoft.com/office/drawing/2010/main">
                 <a:solidFill>
                   <a:schemeClr val="accent1"/>
                 </a:solidFill>
               </a14:hiddenFill>
             </a:ext>
             <a:ext uri="{91240B29-F687-4F45-9708-019B960494DF}">
-              <a14:hiddenLine xmlns:a14="http://schemas.microsoft.com/office/drawing/2010/main" xmlns="" w="9525">
+              <a14:hiddenLine xmlns:a14="http://schemas.microsoft.com/office/drawing/2010/main" w="9525">
                 <a:solidFill>
                   <a:schemeClr val="tx1"/>
                 </a:solidFill>
@@ -10518,7 +12399,7 @@
               </a14:hiddenLine>
             </a:ext>
             <a:ext uri="{AF507438-7753-43E0-B8FC-AC1667EBCBE1}">
-              <a14:hiddenEffects xmlns:a14="http://schemas.microsoft.com/office/drawing/2010/main" xmlns="">
+              <a14:hiddenEffects xmlns:a14="http://schemas.microsoft.com/office/drawing/2010/main">
                 <a:effectLst>
                   <a:outerShdw dist="35921" dir="2700000" algn="ctr" rotWithShape="0">
                     <a:schemeClr val="bg2"/>
@@ -10541,7 +12422,7 @@
           <a:blip r:embed="rId10" cstate="print">
             <a:extLst>
               <a:ext uri="{28A0092B-C50C-407E-A947-70E740481C1C}">
-                <a14:useLocalDpi xmlns:a14="http://schemas.microsoft.com/office/drawing/2010/main" xmlns="" val="0"/>
+                <a14:useLocalDpi xmlns:a14="http://schemas.microsoft.com/office/drawing/2010/main" val="0"/>
               </a:ext>
             </a:extLst>
           </a:blip>
@@ -10552,8 +12433,8 @@
         </p:blipFill>
         <p:spPr bwMode="auto">
           <a:xfrm>
-            <a:off x="8080978" y="154813"/>
-            <a:ext cx="650212" cy="969930"/>
+            <a:off x="7957897" y="154811"/>
+            <a:ext cx="929235" cy="1386152"/>
           </a:xfrm>
           <a:prstGeom prst="rect">
             <a:avLst/>
@@ -10561,7 +12442,7 @@
           <a:noFill/>
           <a:extLst>
             <a:ext uri="{909E8E84-426E-40DD-AFC4-6F175D3DCCD1}">
-              <a14:hiddenFill xmlns:a14="http://schemas.microsoft.com/office/drawing/2010/main" xmlns="">
+              <a14:hiddenFill xmlns:a14="http://schemas.microsoft.com/office/drawing/2010/main">
                 <a:solidFill>
                   <a:srgbClr val="FFFFFF"/>
                 </a:solidFill>
@@ -10582,7 +12463,7 @@
           <a:blip r:embed="rId11" cstate="print">
             <a:extLst>
               <a:ext uri="{28A0092B-C50C-407E-A947-70E740481C1C}">
-                <a14:useLocalDpi xmlns:a14="http://schemas.microsoft.com/office/drawing/2010/main" xmlns="" val="0"/>
+                <a14:useLocalDpi xmlns:a14="http://schemas.microsoft.com/office/drawing/2010/main" val="0"/>
               </a:ext>
             </a:extLst>
           </a:blip>
@@ -10593,7 +12474,7 @@
         </p:blipFill>
         <p:spPr bwMode="auto">
           <a:xfrm>
-            <a:off x="2452935" y="1762207"/>
+            <a:off x="2514473" y="1974265"/>
             <a:ext cx="3446226" cy="847509"/>
           </a:xfrm>
           <a:prstGeom prst="rect">
@@ -10602,7 +12483,7 @@
           <a:noFill/>
           <a:extLst>
             <a:ext uri="{909E8E84-426E-40DD-AFC4-6F175D3DCCD1}">
-              <a14:hiddenFill xmlns:a14="http://schemas.microsoft.com/office/drawing/2010/main" xmlns="">
+              <a14:hiddenFill xmlns:a14="http://schemas.microsoft.com/office/drawing/2010/main">
                 <a:solidFill>
                   <a:srgbClr val="FFFFFF"/>
                 </a:solidFill>
@@ -10623,7 +12504,7 @@
           <a:blip r:embed="rId12" cstate="print">
             <a:extLst>
               <a:ext uri="{28A0092B-C50C-407E-A947-70E740481C1C}">
-                <a14:useLocalDpi xmlns:a14="http://schemas.microsoft.com/office/drawing/2010/main" xmlns="" val="0"/>
+                <a14:useLocalDpi xmlns:a14="http://schemas.microsoft.com/office/drawing/2010/main" val="0"/>
               </a:ext>
             </a:extLst>
           </a:blip>
@@ -10684,7 +12565,7 @@
           <a:blip r:embed="rId13" cstate="print">
             <a:extLst>
               <a:ext uri="{28A0092B-C50C-407E-A947-70E740481C1C}">
-                <a14:useLocalDpi xmlns:a14="http://schemas.microsoft.com/office/drawing/2010/main" xmlns="" val="0"/>
+                <a14:useLocalDpi xmlns:a14="http://schemas.microsoft.com/office/drawing/2010/main" val="0"/>
               </a:ext>
             </a:extLst>
           </a:blip>
@@ -10704,7 +12585,7 @@
           <a:noFill/>
           <a:extLst>
             <a:ext uri="{909E8E84-426E-40DD-AFC4-6F175D3DCCD1}">
-              <a14:hiddenFill xmlns:a14="http://schemas.microsoft.com/office/drawing/2010/main" xmlns="">
+              <a14:hiddenFill xmlns:a14="http://schemas.microsoft.com/office/drawing/2010/main">
                 <a:solidFill>
                   <a:srgbClr val="FFFFFF"/>
                 </a:solidFill>
@@ -10725,7 +12606,7 @@
           <a:blip r:embed="rId14" cstate="print">
             <a:extLst>
               <a:ext uri="{28A0092B-C50C-407E-A947-70E740481C1C}">
-                <a14:useLocalDpi xmlns:a14="http://schemas.microsoft.com/office/drawing/2010/main" xmlns="" val="0"/>
+                <a14:useLocalDpi xmlns:a14="http://schemas.microsoft.com/office/drawing/2010/main" val="0"/>
               </a:ext>
             </a:extLst>
           </a:blip>
@@ -10755,7 +12636,7 @@
           <a:blip r:embed="rId15" cstate="print">
             <a:extLst>
               <a:ext uri="{28A0092B-C50C-407E-A947-70E740481C1C}">
-                <a14:useLocalDpi xmlns:a14="http://schemas.microsoft.com/office/drawing/2010/main" xmlns="" val="0"/>
+                <a14:useLocalDpi xmlns:a14="http://schemas.microsoft.com/office/drawing/2010/main" val="0"/>
               </a:ext>
             </a:extLst>
           </a:blip>
@@ -10784,7 +12665,7 @@
           <a:blip r:embed="rId16" cstate="print">
             <a:extLst>
               <a:ext uri="{28A0092B-C50C-407E-A947-70E740481C1C}">
-                <a14:useLocalDpi xmlns:a14="http://schemas.microsoft.com/office/drawing/2010/main" xmlns="" val="0"/>
+                <a14:useLocalDpi xmlns:a14="http://schemas.microsoft.com/office/drawing/2010/main" val="0"/>
               </a:ext>
             </a:extLst>
           </a:blip>
@@ -10805,21 +12686,28 @@
     </p:spTree>
     <p:extLst>
       <p:ext uri="{BB962C8B-B14F-4D97-AF65-F5344CB8AC3E}">
-        <p14:creationId xmlns:p14="http://schemas.microsoft.com/office/powerpoint/2010/main" xmlns="" val="1183496477"/>
+        <p14:creationId xmlns:p14="http://schemas.microsoft.com/office/powerpoint/2010/main" val="1183496477"/>
       </p:ext>
     </p:extLst>
   </p:cSld>
   <p:clrMapOvr>
     <a:masterClrMapping/>
   </p:clrMapOvr>
-  <mc:AlternateContent xmlns:mc="http://schemas.openxmlformats.org/markup-compatibility/2006">
-    <mc:Choice xmlns:p14="http://schemas.microsoft.com/office/powerpoint/2010/main" xmlns="" Requires="p14">
+  <mc:AlternateContent xmlns:mc="http://schemas.openxmlformats.org/markup-compatibility/2006" xmlns:p14="http://schemas.microsoft.com/office/powerpoint/2010/main">
+    <mc:Choice Requires="p14">
       <p:transition spd="slow" p14:dur="2000"/>
     </mc:Choice>
-    <mc:Fallback>
+    <mc:Fallback xmlns="">
       <p:transition spd="slow"/>
     </mc:Fallback>
   </mc:AlternateContent>
+  <p:timing>
+    <p:tnLst>
+      <p:par>
+        <p:cTn id="1" dur="indefinite" restart="never" nodeType="tmRoot"/>
+      </p:par>
+    </p:tnLst>
+  </p:timing>
 </p:sld>
 </file>
 
@@ -10852,7 +12740,7 @@
           <a:blip r:embed="rId3" cstate="print">
             <a:extLst>
               <a:ext uri="{28A0092B-C50C-407E-A947-70E740481C1C}">
-                <a14:useLocalDpi xmlns:a14="http://schemas.microsoft.com/office/drawing/2010/main" xmlns="" val="0"/>
+                <a14:useLocalDpi xmlns:a14="http://schemas.microsoft.com/office/drawing/2010/main" val="0"/>
               </a:ext>
             </a:extLst>
           </a:blip>
@@ -10870,7 +12758,7 @@
           <a:noFill/>
           <a:extLst>
             <a:ext uri="{909E8E84-426E-40DD-AFC4-6F175D3DCCD1}">
-              <a14:hiddenFill xmlns:a14="http://schemas.microsoft.com/office/drawing/2010/main" xmlns="">
+              <a14:hiddenFill xmlns:a14="http://schemas.microsoft.com/office/drawing/2010/main">
                 <a:solidFill>
                   <a:srgbClr val="FFFFFF"/>
                 </a:solidFill>
@@ -10882,18 +12770,18 @@
     </p:spTree>
     <p:extLst>
       <p:ext uri="{BB962C8B-B14F-4D97-AF65-F5344CB8AC3E}">
-        <p14:creationId xmlns:p14="http://schemas.microsoft.com/office/powerpoint/2010/main" xmlns="" val="2221834488"/>
+        <p14:creationId xmlns:p14="http://schemas.microsoft.com/office/powerpoint/2010/main" val="2221834488"/>
       </p:ext>
     </p:extLst>
   </p:cSld>
   <p:clrMapOvr>
     <a:masterClrMapping/>
   </p:clrMapOvr>
-  <mc:AlternateContent xmlns:mc="http://schemas.openxmlformats.org/markup-compatibility/2006">
-    <mc:Choice xmlns:p14="http://schemas.microsoft.com/office/powerpoint/2010/main" xmlns="" Requires="p14">
+  <mc:AlternateContent xmlns:mc="http://schemas.openxmlformats.org/markup-compatibility/2006" xmlns:p14="http://schemas.microsoft.com/office/powerpoint/2010/main">
+    <mc:Choice Requires="p14">
       <p:transition spd="slow" p14:dur="2000"/>
     </mc:Choice>
-    <mc:Fallback>
+    <mc:Fallback xmlns="">
       <p:transition spd="slow"/>
     </mc:Fallback>
   </mc:AlternateContent>
@@ -11214,18 +13102,18 @@
     </p:spTree>
     <p:extLst>
       <p:ext uri="{BB962C8B-B14F-4D97-AF65-F5344CB8AC3E}">
-        <p14:creationId xmlns:p14="http://schemas.microsoft.com/office/powerpoint/2010/main" xmlns="" val="1423979825"/>
+        <p14:creationId xmlns:p14="http://schemas.microsoft.com/office/powerpoint/2010/main" val="1423979825"/>
       </p:ext>
     </p:extLst>
   </p:cSld>
   <p:clrMapOvr>
     <a:masterClrMapping/>
   </p:clrMapOvr>
-  <mc:AlternateContent xmlns:mc="http://schemas.openxmlformats.org/markup-compatibility/2006">
-    <mc:Choice xmlns:p14="http://schemas.microsoft.com/office/powerpoint/2010/main" xmlns="" Requires="p14">
+  <mc:AlternateContent xmlns:mc="http://schemas.openxmlformats.org/markup-compatibility/2006" xmlns:p14="http://schemas.microsoft.com/office/powerpoint/2010/main">
+    <mc:Choice Requires="p14">
       <p:transition spd="slow" p14:dur="2000"/>
     </mc:Choice>
-    <mc:Fallback>
+    <mc:Fallback xmlns="">
       <p:transition spd="slow"/>
     </mc:Fallback>
   </mc:AlternateContent>
@@ -11308,11 +13196,11 @@
   <p:clrMapOvr>
     <a:masterClrMapping/>
   </p:clrMapOvr>
-  <mc:AlternateContent xmlns:mc="http://schemas.openxmlformats.org/markup-compatibility/2006">
-    <mc:Choice xmlns:p14="http://schemas.microsoft.com/office/powerpoint/2010/main" xmlns="" Requires="p14">
+  <mc:AlternateContent xmlns:mc="http://schemas.openxmlformats.org/markup-compatibility/2006" xmlns:p14="http://schemas.microsoft.com/office/powerpoint/2010/main">
+    <mc:Choice Requires="p14">
       <p:transition spd="slow" p14:dur="2000"/>
     </mc:Choice>
-    <mc:Fallback>
+    <mc:Fallback xmlns="">
       <p:transition spd="slow"/>
     </mc:Fallback>
   </mc:AlternateContent>
@@ -11578,18 +13466,18 @@
     </p:spTree>
     <p:extLst>
       <p:ext uri="{BB962C8B-B14F-4D97-AF65-F5344CB8AC3E}">
-        <p14:creationId xmlns:p14="http://schemas.microsoft.com/office/powerpoint/2010/main" xmlns="" val="636125739"/>
+        <p14:creationId xmlns:p14="http://schemas.microsoft.com/office/powerpoint/2010/main" val="636125739"/>
       </p:ext>
     </p:extLst>
   </p:cSld>
   <p:clrMapOvr>
     <a:masterClrMapping/>
   </p:clrMapOvr>
-  <mc:AlternateContent xmlns:mc="http://schemas.openxmlformats.org/markup-compatibility/2006">
-    <mc:Choice xmlns:p14="http://schemas.microsoft.com/office/powerpoint/2010/main" xmlns="" Requires="p14">
+  <mc:AlternateContent xmlns:mc="http://schemas.openxmlformats.org/markup-compatibility/2006" xmlns:p14="http://schemas.microsoft.com/office/powerpoint/2010/main">
+    <mc:Choice Requires="p14">
       <p:transition spd="slow" p14:dur="2000"/>
     </mc:Choice>
-    <mc:Fallback>
+    <mc:Fallback xmlns="">
       <p:transition spd="slow"/>
     </mc:Fallback>
   </mc:AlternateContent>
@@ -11658,18 +13546,18 @@
     </p:spTree>
     <p:extLst>
       <p:ext uri="{BB962C8B-B14F-4D97-AF65-F5344CB8AC3E}">
-        <p14:creationId xmlns:p14="http://schemas.microsoft.com/office/powerpoint/2010/main" xmlns="" val="565444107"/>
+        <p14:creationId xmlns:p14="http://schemas.microsoft.com/office/powerpoint/2010/main" val="565444107"/>
       </p:ext>
     </p:extLst>
   </p:cSld>
   <p:clrMapOvr>
     <a:masterClrMapping/>
   </p:clrMapOvr>
-  <mc:AlternateContent xmlns:mc="http://schemas.openxmlformats.org/markup-compatibility/2006">
-    <mc:Choice xmlns:p14="http://schemas.microsoft.com/office/powerpoint/2010/main" xmlns="" Requires="p14">
+  <mc:AlternateContent xmlns:mc="http://schemas.openxmlformats.org/markup-compatibility/2006" xmlns:p14="http://schemas.microsoft.com/office/powerpoint/2010/main">
+    <mc:Choice Requires="p14">
       <p:transition spd="slow" p14:dur="2000"/>
     </mc:Choice>
-    <mc:Fallback>
+    <mc:Fallback xmlns="">
       <p:transition spd="slow"/>
     </mc:Fallback>
   </mc:AlternateContent>
@@ -11840,18 +13728,18 @@
     </p:spTree>
     <p:extLst>
       <p:ext uri="{BB962C8B-B14F-4D97-AF65-F5344CB8AC3E}">
-        <p14:creationId xmlns:p14="http://schemas.microsoft.com/office/powerpoint/2010/main" xmlns="" val="1345058122"/>
+        <p14:creationId xmlns:p14="http://schemas.microsoft.com/office/powerpoint/2010/main" val="1345058122"/>
       </p:ext>
     </p:extLst>
   </p:cSld>
   <p:clrMapOvr>
     <a:masterClrMapping/>
   </p:clrMapOvr>
-  <mc:AlternateContent xmlns:mc="http://schemas.openxmlformats.org/markup-compatibility/2006">
-    <mc:Choice xmlns:p14="http://schemas.microsoft.com/office/powerpoint/2010/main" xmlns="" Requires="p14">
+  <mc:AlternateContent xmlns:mc="http://schemas.openxmlformats.org/markup-compatibility/2006" xmlns:p14="http://schemas.microsoft.com/office/powerpoint/2010/main">
+    <mc:Choice Requires="p14">
       <p:transition spd="slow" p14:dur="2000"/>
     </mc:Choice>
-    <mc:Fallback>
+    <mc:Fallback xmlns="">
       <p:transition spd="slow"/>
     </mc:Fallback>
   </mc:AlternateContent>
@@ -11979,18 +13867,18 @@
     </p:spTree>
     <p:extLst>
       <p:ext uri="{BB962C8B-B14F-4D97-AF65-F5344CB8AC3E}">
-        <p14:creationId xmlns:p14="http://schemas.microsoft.com/office/powerpoint/2010/main" xmlns="" val="3852315355"/>
+        <p14:creationId xmlns:p14="http://schemas.microsoft.com/office/powerpoint/2010/main" val="3852315355"/>
       </p:ext>
     </p:extLst>
   </p:cSld>
   <p:clrMapOvr>
     <a:masterClrMapping/>
   </p:clrMapOvr>
-  <mc:AlternateContent xmlns:mc="http://schemas.openxmlformats.org/markup-compatibility/2006">
-    <mc:Choice xmlns:p14="http://schemas.microsoft.com/office/powerpoint/2010/main" xmlns="" Requires="p14">
+  <mc:AlternateContent xmlns:mc="http://schemas.openxmlformats.org/markup-compatibility/2006" xmlns:p14="http://schemas.microsoft.com/office/powerpoint/2010/main">
+    <mc:Choice Requires="p14">
       <p:transition spd="slow" p14:dur="2000"/>
     </mc:Choice>
-    <mc:Fallback>
+    <mc:Fallback xmlns="">
       <p:transition spd="slow"/>
     </mc:Fallback>
   </mc:AlternateContent>
@@ -12059,18 +13947,18 @@
     </p:spTree>
     <p:extLst>
       <p:ext uri="{BB962C8B-B14F-4D97-AF65-F5344CB8AC3E}">
-        <p14:creationId xmlns:p14="http://schemas.microsoft.com/office/powerpoint/2010/main" xmlns="" val="2823881731"/>
+        <p14:creationId xmlns:p14="http://schemas.microsoft.com/office/powerpoint/2010/main" val="2823881731"/>
       </p:ext>
     </p:extLst>
   </p:cSld>
   <p:clrMapOvr>
     <a:masterClrMapping/>
   </p:clrMapOvr>
-  <mc:AlternateContent xmlns:mc="http://schemas.openxmlformats.org/markup-compatibility/2006">
-    <mc:Choice xmlns:p14="http://schemas.microsoft.com/office/powerpoint/2010/main" xmlns="" Requires="p14">
+  <mc:AlternateContent xmlns:mc="http://schemas.openxmlformats.org/markup-compatibility/2006" xmlns:p14="http://schemas.microsoft.com/office/powerpoint/2010/main">
+    <mc:Choice Requires="p14">
       <p:transition spd="slow" p14:dur="2000"/>
     </mc:Choice>
-    <mc:Fallback>
+    <mc:Fallback xmlns="">
       <p:transition spd="slow"/>
     </mc:Fallback>
   </mc:AlternateContent>
@@ -12139,18 +14027,18 @@
     </p:spTree>
     <p:extLst>
       <p:ext uri="{BB962C8B-B14F-4D97-AF65-F5344CB8AC3E}">
-        <p14:creationId xmlns:p14="http://schemas.microsoft.com/office/powerpoint/2010/main" xmlns="" val="2746586850"/>
+        <p14:creationId xmlns:p14="http://schemas.microsoft.com/office/powerpoint/2010/main" val="2746586850"/>
       </p:ext>
     </p:extLst>
   </p:cSld>
   <p:clrMapOvr>
     <a:masterClrMapping/>
   </p:clrMapOvr>
-  <mc:AlternateContent xmlns:mc="http://schemas.openxmlformats.org/markup-compatibility/2006">
-    <mc:Choice xmlns:p14="http://schemas.microsoft.com/office/powerpoint/2010/main" xmlns="" Requires="p14">
+  <mc:AlternateContent xmlns:mc="http://schemas.openxmlformats.org/markup-compatibility/2006" xmlns:p14="http://schemas.microsoft.com/office/powerpoint/2010/main">
+    <mc:Choice Requires="p14">
       <p:transition spd="slow" p14:dur="2000"/>
     </mc:Choice>
-    <mc:Fallback>
+    <mc:Fallback xmlns="">
       <p:transition spd="slow"/>
     </mc:Fallback>
   </mc:AlternateContent>
@@ -12223,18 +14111,18 @@
     </p:spTree>
     <p:extLst>
       <p:ext uri="{BB962C8B-B14F-4D97-AF65-F5344CB8AC3E}">
-        <p14:creationId xmlns:p14="http://schemas.microsoft.com/office/powerpoint/2010/main" xmlns="" val="218911309"/>
+        <p14:creationId xmlns:p14="http://schemas.microsoft.com/office/powerpoint/2010/main" val="218911309"/>
       </p:ext>
     </p:extLst>
   </p:cSld>
   <p:clrMapOvr>
     <a:masterClrMapping/>
   </p:clrMapOvr>
-  <mc:AlternateContent xmlns:mc="http://schemas.openxmlformats.org/markup-compatibility/2006">
-    <mc:Choice xmlns:p14="http://schemas.microsoft.com/office/powerpoint/2010/main" xmlns="" Requires="p14">
+  <mc:AlternateContent xmlns:mc="http://schemas.openxmlformats.org/markup-compatibility/2006" xmlns:p14="http://schemas.microsoft.com/office/powerpoint/2010/main">
+    <mc:Choice Requires="p14">
       <p:transition spd="slow" p14:dur="2000"/>
     </mc:Choice>
-    <mc:Fallback>
+    <mc:Fallback xmlns="">
       <p:transition spd="slow"/>
     </mc:Fallback>
   </mc:AlternateContent>
@@ -12307,18 +14195,18 @@
     </p:spTree>
     <p:extLst>
       <p:ext uri="{BB962C8B-B14F-4D97-AF65-F5344CB8AC3E}">
-        <p14:creationId xmlns:p14="http://schemas.microsoft.com/office/powerpoint/2010/main" xmlns="" val="1792698592"/>
+        <p14:creationId xmlns:p14="http://schemas.microsoft.com/office/powerpoint/2010/main" val="1792698592"/>
       </p:ext>
     </p:extLst>
   </p:cSld>
   <p:clrMapOvr>
     <a:masterClrMapping/>
   </p:clrMapOvr>
-  <mc:AlternateContent xmlns:mc="http://schemas.openxmlformats.org/markup-compatibility/2006">
-    <mc:Choice xmlns:p14="http://schemas.microsoft.com/office/powerpoint/2010/main" xmlns="" Requires="p14">
+  <mc:AlternateContent xmlns:mc="http://schemas.openxmlformats.org/markup-compatibility/2006" xmlns:p14="http://schemas.microsoft.com/office/powerpoint/2010/main">
+    <mc:Choice Requires="p14">
       <p:transition spd="slow" p14:dur="2000"/>
     </mc:Choice>
-    <mc:Fallback>
+    <mc:Fallback xmlns="">
       <p:transition spd="slow"/>
     </mc:Fallback>
   </mc:AlternateContent>
@@ -12584,18 +14472,18 @@
     </p:spTree>
     <p:extLst>
       <p:ext uri="{BB962C8B-B14F-4D97-AF65-F5344CB8AC3E}">
-        <p14:creationId xmlns:p14="http://schemas.microsoft.com/office/powerpoint/2010/main" xmlns="" val="2170781727"/>
+        <p14:creationId xmlns:p14="http://schemas.microsoft.com/office/powerpoint/2010/main" val="2170781727"/>
       </p:ext>
     </p:extLst>
   </p:cSld>
   <p:clrMapOvr>
     <a:masterClrMapping/>
   </p:clrMapOvr>
-  <mc:AlternateContent xmlns:mc="http://schemas.openxmlformats.org/markup-compatibility/2006">
-    <mc:Choice xmlns:p14="http://schemas.microsoft.com/office/powerpoint/2010/main" xmlns="" Requires="p14">
+  <mc:AlternateContent xmlns:mc="http://schemas.openxmlformats.org/markup-compatibility/2006" xmlns:p14="http://schemas.microsoft.com/office/powerpoint/2010/main">
+    <mc:Choice Requires="p14">
       <p:transition spd="slow" p14:dur="2000"/>
     </mc:Choice>
-    <mc:Fallback>
+    <mc:Fallback xmlns="">
       <p:transition spd="slow"/>
     </mc:Fallback>
   </mc:AlternateContent>
@@ -12668,13 +14556,8 @@
             </a:r>
             <a:r>
               <a:rPr lang="en-GB" dirty="0" smtClean="0"/>
-              <a:t> alerts = </a:t>
-            </a:r>
-            <a:r>
-              <a:rPr lang="en-GB" dirty="0" smtClean="0"/>
-              <a:t>[];</a:t>
-            </a:r>
-            <a:endParaRPr lang="en-GB" dirty="0" smtClean="0"/>
+              <a:t> alerts = [];</a:t>
+            </a:r>
           </a:p>
           <a:p>
             <a:pPr>
@@ -12711,11 +14594,7 @@
             </a:r>
             <a:r>
               <a:rPr lang="en-GB" dirty="0" smtClean="0"/>
-              <a:t> </a:t>
-            </a:r>
-            <a:r>
-              <a:rPr lang="en-GB" dirty="0" smtClean="0"/>
-              <a:t>= 0; </a:t>
+              <a:t> = 0; </a:t>
             </a:r>
             <a:r>
               <a:rPr lang="en-GB" dirty="0" err="1" smtClean="0"/>
@@ -12742,11 +14621,7 @@
             </a:r>
             <a:r>
               <a:rPr lang="en-GB" dirty="0" smtClean="0"/>
-              <a:t>(function</a:t>
-            </a:r>
-            <a:r>
-              <a:rPr lang="en-GB" dirty="0" smtClean="0"/>
-              <a:t>() { </a:t>
+              <a:t>(function() { </a:t>
             </a:r>
             <a:r>
               <a:rPr lang="en-GB" dirty="0" err="1" smtClean="0"/>
@@ -12762,11 +14637,7 @@
             </a:r>
             <a:r>
               <a:rPr lang="en-GB" dirty="0" smtClean="0"/>
-              <a:t> + ', '); </a:t>
-            </a:r>
-            <a:r>
-              <a:rPr lang="en-GB" dirty="0" smtClean="0"/>
-              <a:t>});</a:t>
+              <a:t> + ', '); });</a:t>
             </a:r>
           </a:p>
           <a:p>
@@ -12784,11 +14655,7 @@
             </a:pPr>
             <a:r>
               <a:rPr lang="en-GB" dirty="0" smtClean="0"/>
-              <a:t>for (j </a:t>
-            </a:r>
-            <a:r>
-              <a:rPr lang="en-GB" dirty="0" smtClean="0"/>
-              <a:t>= 0; j &lt; 3; j++) {</a:t>
+              <a:t>for (j = 0; j &lt; 3; j++) {</a:t>
             </a:r>
             <a:br>
               <a:rPr lang="en-GB" dirty="0" smtClean="0"/>
@@ -12821,11 +14688,7 @@
             </a:r>
             <a:r>
               <a:rPr lang="en-GB" dirty="0" smtClean="0"/>
-              <a:t> </a:t>
-            </a:r>
-            <a:r>
-              <a:rPr lang="en-GB" dirty="0" smtClean="0"/>
-              <a:t>= 0; </a:t>
+              <a:t> = 0; </a:t>
             </a:r>
             <a:r>
               <a:rPr lang="en-GB" dirty="0" err="1" smtClean="0"/>
@@ -12841,11 +14704,7 @@
             </a:r>
             <a:r>
               <a:rPr lang="en-GB" dirty="0" smtClean="0"/>
-              <a:t>++) </a:t>
-            </a:r>
-            <a:r>
-              <a:rPr lang="en-GB" dirty="0" smtClean="0"/>
-              <a:t>{</a:t>
+              <a:t>++) {</a:t>
             </a:r>
           </a:p>
           <a:p>
@@ -12854,11 +14713,7 @@
             </a:pPr>
             <a:r>
               <a:rPr lang="en-GB" dirty="0" smtClean="0"/>
-              <a:t>	</a:t>
-            </a:r>
-            <a:r>
-              <a:rPr lang="en-GB" dirty="0" smtClean="0"/>
-              <a:t>alerts[</a:t>
+              <a:t>	alerts[</a:t>
             </a:r>
             <a:r>
               <a:rPr lang="en-GB" dirty="0" err="1" smtClean="0"/>
@@ -12887,18 +14742,18 @@
     </p:spTree>
     <p:extLst>
       <p:ext uri="{BB962C8B-B14F-4D97-AF65-F5344CB8AC3E}">
-        <p14:creationId xmlns:p14="http://schemas.microsoft.com/office/powerpoint/2010/main" xmlns="" val="2170781727"/>
+        <p14:creationId xmlns:p14="http://schemas.microsoft.com/office/powerpoint/2010/main" val="2170781727"/>
       </p:ext>
     </p:extLst>
   </p:cSld>
   <p:clrMapOvr>
     <a:masterClrMapping/>
   </p:clrMapOvr>
-  <mc:AlternateContent xmlns:mc="http://schemas.openxmlformats.org/markup-compatibility/2006">
-    <mc:Choice xmlns:p14="http://schemas.microsoft.com/office/powerpoint/2010/main" xmlns="" Requires="p14">
+  <mc:AlternateContent xmlns:mc="http://schemas.openxmlformats.org/markup-compatibility/2006" xmlns:p14="http://schemas.microsoft.com/office/powerpoint/2010/main">
+    <mc:Choice Requires="p14">
       <p:transition spd="slow" p14:dur="2000"/>
     </mc:Choice>
-    <mc:Fallback>
+    <mc:Fallback xmlns="">
       <p:transition spd="slow"/>
     </mc:Fallback>
   </mc:AlternateContent>
@@ -13114,14 +14969,21 @@
   <p:clrMapOvr>
     <a:masterClrMapping/>
   </p:clrMapOvr>
-  <mc:AlternateContent xmlns:mc="http://schemas.openxmlformats.org/markup-compatibility/2006">
-    <mc:Choice xmlns:p14="http://schemas.microsoft.com/office/powerpoint/2010/main" xmlns="" Requires="p14">
+  <mc:AlternateContent xmlns:mc="http://schemas.openxmlformats.org/markup-compatibility/2006" xmlns:p14="http://schemas.microsoft.com/office/powerpoint/2010/main">
+    <mc:Choice Requires="p14">
       <p:transition spd="slow" p14:dur="2000"/>
     </mc:Choice>
-    <mc:Fallback>
+    <mc:Fallback xmlns="">
       <p:transition spd="slow"/>
     </mc:Fallback>
   </mc:AlternateContent>
+  <p:timing>
+    <p:tnLst>
+      <p:par>
+        <p:cTn id="1" dur="indefinite" restart="never" nodeType="tmRoot"/>
+      </p:par>
+    </p:tnLst>
+  </p:timing>
 </p:sld>
 </file>
 
@@ -13327,7 +15189,6 @@
               <a:rPr lang="en-GB" dirty="0" smtClean="0"/>
               <a:t>([])</a:t>
             </a:r>
-            <a:endParaRPr lang="en-GB" dirty="0" smtClean="0"/>
           </a:p>
           <a:p>
             <a:pPr algn="ctr">
@@ -13349,18 +15210,18 @@
     </p:spTree>
     <p:extLst>
       <p:ext uri="{BB962C8B-B14F-4D97-AF65-F5344CB8AC3E}">
-        <p14:creationId xmlns:p14="http://schemas.microsoft.com/office/powerpoint/2010/main" xmlns="" val="3191141142"/>
+        <p14:creationId xmlns:p14="http://schemas.microsoft.com/office/powerpoint/2010/main" val="3191141142"/>
       </p:ext>
     </p:extLst>
   </p:cSld>
   <p:clrMapOvr>
     <a:masterClrMapping/>
   </p:clrMapOvr>
-  <mc:AlternateContent xmlns:mc="http://schemas.openxmlformats.org/markup-compatibility/2006">
-    <mc:Choice xmlns:p14="http://schemas.microsoft.com/office/powerpoint/2010/main" xmlns="" Requires="p14">
+  <mc:AlternateContent xmlns:mc="http://schemas.openxmlformats.org/markup-compatibility/2006" xmlns:p14="http://schemas.microsoft.com/office/powerpoint/2010/main">
+    <mc:Choice Requires="p14">
       <p:transition spd="slow" p14:dur="2000"/>
     </mc:Choice>
-    <mc:Fallback>
+    <mc:Fallback xmlns="">
       <p:transition spd="slow"/>
     </mc:Fallback>
   </mc:AlternateContent>
@@ -13433,18 +15294,18 @@
     </p:spTree>
     <p:extLst>
       <p:ext uri="{BB962C8B-B14F-4D97-AF65-F5344CB8AC3E}">
-        <p14:creationId xmlns:p14="http://schemas.microsoft.com/office/powerpoint/2010/main" xmlns="" val="259883720"/>
+        <p14:creationId xmlns:p14="http://schemas.microsoft.com/office/powerpoint/2010/main" val="259883720"/>
       </p:ext>
     </p:extLst>
   </p:cSld>
   <p:clrMapOvr>
     <a:masterClrMapping/>
   </p:clrMapOvr>
-  <mc:AlternateContent xmlns:mc="http://schemas.openxmlformats.org/markup-compatibility/2006">
-    <mc:Choice xmlns:p14="http://schemas.microsoft.com/office/powerpoint/2010/main" xmlns="" Requires="p14">
+  <mc:AlternateContent xmlns:mc="http://schemas.openxmlformats.org/markup-compatibility/2006" xmlns:p14="http://schemas.microsoft.com/office/powerpoint/2010/main">
+    <mc:Choice Requires="p14">
       <p:transition spd="slow" p14:dur="2000"/>
     </mc:Choice>
-    <mc:Fallback>
+    <mc:Fallback xmlns="">
       <p:transition spd="slow"/>
     </mc:Fallback>
   </mc:AlternateContent>
@@ -13522,18 +15383,18 @@
     </p:spTree>
     <p:extLst>
       <p:ext uri="{BB962C8B-B14F-4D97-AF65-F5344CB8AC3E}">
-        <p14:creationId xmlns:p14="http://schemas.microsoft.com/office/powerpoint/2010/main" xmlns="" val="3140080712"/>
+        <p14:creationId xmlns:p14="http://schemas.microsoft.com/office/powerpoint/2010/main" val="3140080712"/>
       </p:ext>
     </p:extLst>
   </p:cSld>
   <p:clrMapOvr>
     <a:masterClrMapping/>
   </p:clrMapOvr>
-  <mc:AlternateContent xmlns:mc="http://schemas.openxmlformats.org/markup-compatibility/2006">
-    <mc:Choice xmlns:p14="http://schemas.microsoft.com/office/powerpoint/2010/main" xmlns="" Requires="p14">
+  <mc:AlternateContent xmlns:mc="http://schemas.openxmlformats.org/markup-compatibility/2006" xmlns:p14="http://schemas.microsoft.com/office/powerpoint/2010/main">
+    <mc:Choice Requires="p14">
       <p:transition spd="slow" p14:dur="2000"/>
     </mc:Choice>
-    <mc:Fallback>
+    <mc:Fallback xmlns="">
       <p:transition spd="slow"/>
     </mc:Fallback>
   </mc:AlternateContent>
@@ -13603,18 +15464,18 @@
     </p:spTree>
     <p:extLst>
       <p:ext uri="{BB962C8B-B14F-4D97-AF65-F5344CB8AC3E}">
-        <p14:creationId xmlns:p14="http://schemas.microsoft.com/office/powerpoint/2010/main" xmlns="" val="649950254"/>
+        <p14:creationId xmlns:p14="http://schemas.microsoft.com/office/powerpoint/2010/main" val="649950254"/>
       </p:ext>
     </p:extLst>
   </p:cSld>
   <p:clrMapOvr>
     <a:masterClrMapping/>
   </p:clrMapOvr>
-  <mc:AlternateContent xmlns:mc="http://schemas.openxmlformats.org/markup-compatibility/2006">
-    <mc:Choice xmlns:p14="http://schemas.microsoft.com/office/powerpoint/2010/main" xmlns="" Requires="p14">
+  <mc:AlternateContent xmlns:mc="http://schemas.openxmlformats.org/markup-compatibility/2006" xmlns:p14="http://schemas.microsoft.com/office/powerpoint/2010/main">
+    <mc:Choice Requires="p14">
       <p:transition spd="slow" p14:dur="2000"/>
     </mc:Choice>
-    <mc:Fallback>
+    <mc:Fallback xmlns="">
       <p:transition spd="slow"/>
     </mc:Fallback>
   </mc:AlternateContent>
@@ -13704,18 +15565,18 @@
     </p:spTree>
     <p:extLst>
       <p:ext uri="{BB962C8B-B14F-4D97-AF65-F5344CB8AC3E}">
-        <p14:creationId xmlns:p14="http://schemas.microsoft.com/office/powerpoint/2010/main" xmlns="" val="4251563071"/>
+        <p14:creationId xmlns:p14="http://schemas.microsoft.com/office/powerpoint/2010/main" val="4251563071"/>
       </p:ext>
     </p:extLst>
   </p:cSld>
   <p:clrMapOvr>
     <a:masterClrMapping/>
   </p:clrMapOvr>
-  <mc:AlternateContent xmlns:mc="http://schemas.openxmlformats.org/markup-compatibility/2006">
-    <mc:Choice xmlns:p14="http://schemas.microsoft.com/office/powerpoint/2010/main" xmlns="" Requires="p14">
+  <mc:AlternateContent xmlns:mc="http://schemas.openxmlformats.org/markup-compatibility/2006" xmlns:p14="http://schemas.microsoft.com/office/powerpoint/2010/main">
+    <mc:Choice Requires="p14">
       <p:transition spd="slow" p14:dur="2000"/>
     </mc:Choice>
-    <mc:Fallback>
+    <mc:Fallback xmlns="">
       <p:transition spd="slow"/>
     </mc:Fallback>
   </mc:AlternateContent>
@@ -13768,18 +15629,18 @@
     </p:spTree>
     <p:extLst>
       <p:ext uri="{BB962C8B-B14F-4D97-AF65-F5344CB8AC3E}">
-        <p14:creationId xmlns:p14="http://schemas.microsoft.com/office/powerpoint/2010/main" xmlns="" val="2598950759"/>
+        <p14:creationId xmlns:p14="http://schemas.microsoft.com/office/powerpoint/2010/main" val="2598950759"/>
       </p:ext>
     </p:extLst>
   </p:cSld>
   <p:clrMapOvr>
     <a:masterClrMapping/>
   </p:clrMapOvr>
-  <mc:AlternateContent xmlns:mc="http://schemas.openxmlformats.org/markup-compatibility/2006">
-    <mc:Choice xmlns:p14="http://schemas.microsoft.com/office/powerpoint/2010/main" xmlns="" Requires="p14">
+  <mc:AlternateContent xmlns:mc="http://schemas.openxmlformats.org/markup-compatibility/2006" xmlns:p14="http://schemas.microsoft.com/office/powerpoint/2010/main">
+    <mc:Choice Requires="p14">
       <p:transition spd="slow" p14:dur="2000"/>
     </mc:Choice>
-    <mc:Fallback>
+    <mc:Fallback xmlns="">
       <p:transition spd="slow"/>
     </mc:Fallback>
   </mc:AlternateContent>
@@ -13852,18 +15713,18 @@
     </p:spTree>
     <p:extLst>
       <p:ext uri="{BB962C8B-B14F-4D97-AF65-F5344CB8AC3E}">
-        <p14:creationId xmlns:p14="http://schemas.microsoft.com/office/powerpoint/2010/main" xmlns="" val="3398446601"/>
+        <p14:creationId xmlns:p14="http://schemas.microsoft.com/office/powerpoint/2010/main" val="3398446601"/>
       </p:ext>
     </p:extLst>
   </p:cSld>
   <p:clrMapOvr>
     <a:masterClrMapping/>
   </p:clrMapOvr>
-  <mc:AlternateContent xmlns:mc="http://schemas.openxmlformats.org/markup-compatibility/2006">
-    <mc:Choice xmlns:p14="http://schemas.microsoft.com/office/powerpoint/2010/main" xmlns="" Requires="p14">
+  <mc:AlternateContent xmlns:mc="http://schemas.openxmlformats.org/markup-compatibility/2006" xmlns:p14="http://schemas.microsoft.com/office/powerpoint/2010/main">
+    <mc:Choice Requires="p14">
       <p:transition spd="slow" p14:dur="2000"/>
     </mc:Choice>
-    <mc:Fallback>
+    <mc:Fallback xmlns="">
       <p:transition spd="slow"/>
     </mc:Fallback>
   </mc:AlternateContent>
@@ -14181,11 +16042,11 @@
   <p:clrMapOvr>
     <a:masterClrMapping/>
   </p:clrMapOvr>
-  <mc:AlternateContent xmlns:mc="http://schemas.openxmlformats.org/markup-compatibility/2006">
-    <mc:Choice xmlns:p14="http://schemas.microsoft.com/office/powerpoint/2010/main" xmlns="" Requires="p14">
+  <mc:AlternateContent xmlns:mc="http://schemas.openxmlformats.org/markup-compatibility/2006" xmlns:p14="http://schemas.microsoft.com/office/powerpoint/2010/main">
+    <mc:Choice Requires="p14">
       <p:transition spd="slow" p14:dur="2000"/>
     </mc:Choice>
-    <mc:Fallback>
+    <mc:Fallback xmlns="">
       <p:transition spd="slow"/>
     </mc:Fallback>
   </mc:AlternateContent>
@@ -14254,18 +16115,18 @@
     </p:spTree>
     <p:extLst>
       <p:ext uri="{BB962C8B-B14F-4D97-AF65-F5344CB8AC3E}">
-        <p14:creationId xmlns:p14="http://schemas.microsoft.com/office/powerpoint/2010/main" xmlns="" val="177327435"/>
+        <p14:creationId xmlns:p14="http://schemas.microsoft.com/office/powerpoint/2010/main" val="177327435"/>
       </p:ext>
     </p:extLst>
   </p:cSld>
   <p:clrMapOvr>
     <a:masterClrMapping/>
   </p:clrMapOvr>
-  <mc:AlternateContent xmlns:mc="http://schemas.openxmlformats.org/markup-compatibility/2006">
-    <mc:Choice xmlns:p14="http://schemas.microsoft.com/office/powerpoint/2010/main" xmlns="" Requires="p14">
+  <mc:AlternateContent xmlns:mc="http://schemas.openxmlformats.org/markup-compatibility/2006" xmlns:p14="http://schemas.microsoft.com/office/powerpoint/2010/main">
+    <mc:Choice Requires="p14">
       <p:transition spd="slow" p14:dur="2000"/>
     </mc:Choice>
-    <mc:Fallback>
+    <mc:Fallback xmlns="">
       <p:transition spd="slow"/>
     </mc:Fallback>
   </mc:AlternateContent>
@@ -14627,11 +16488,11 @@
   <p:clrMapOvr>
     <a:masterClrMapping/>
   </p:clrMapOvr>
-  <mc:AlternateContent xmlns:mc="http://schemas.openxmlformats.org/markup-compatibility/2006">
-    <mc:Choice xmlns:p14="http://schemas.microsoft.com/office/powerpoint/2010/main" xmlns="" Requires="p14">
+  <mc:AlternateContent xmlns:mc="http://schemas.openxmlformats.org/markup-compatibility/2006" xmlns:p14="http://schemas.microsoft.com/office/powerpoint/2010/main">
+    <mc:Choice Requires="p14">
       <p:transition spd="slow" p14:dur="2000"/>
     </mc:Choice>
-    <mc:Fallback>
+    <mc:Fallback xmlns="">
       <p:transition spd="slow"/>
     </mc:Fallback>
   </mc:AlternateContent>
@@ -14809,14 +16670,21 @@
   <p:clrMapOvr>
     <a:masterClrMapping/>
   </p:clrMapOvr>
-  <mc:AlternateContent xmlns:mc="http://schemas.openxmlformats.org/markup-compatibility/2006">
-    <mc:Choice xmlns:p14="http://schemas.microsoft.com/office/powerpoint/2010/main" xmlns="" Requires="p14">
+  <mc:AlternateContent xmlns:mc="http://schemas.openxmlformats.org/markup-compatibility/2006" xmlns:p14="http://schemas.microsoft.com/office/powerpoint/2010/main">
+    <mc:Choice Requires="p14">
       <p:transition spd="slow" p14:dur="2000"/>
     </mc:Choice>
-    <mc:Fallback>
+    <mc:Fallback xmlns="">
       <p:transition spd="slow"/>
     </mc:Fallback>
   </mc:AlternateContent>
+  <p:timing>
+    <p:tnLst>
+      <p:par>
+        <p:cTn id="1" dur="indefinite" restart="never" nodeType="tmRoot"/>
+      </p:par>
+    </p:tnLst>
+  </p:timing>
 </p:sld>
 </file>
 
@@ -14947,11 +16815,11 @@
   <p:clrMapOvr>
     <a:masterClrMapping/>
   </p:clrMapOvr>
-  <mc:AlternateContent xmlns:mc="http://schemas.openxmlformats.org/markup-compatibility/2006">
-    <mc:Choice xmlns:p14="http://schemas.microsoft.com/office/powerpoint/2010/main" xmlns="" Requires="p14">
+  <mc:AlternateContent xmlns:mc="http://schemas.openxmlformats.org/markup-compatibility/2006" xmlns:p14="http://schemas.microsoft.com/office/powerpoint/2010/main">
+    <mc:Choice Requires="p14">
       <p:transition spd="slow" p14:dur="2000"/>
     </mc:Choice>
-    <mc:Fallback>
+    <mc:Fallback xmlns="">
       <p:transition spd="slow"/>
     </mc:Fallback>
   </mc:AlternateContent>
@@ -14994,19 +16862,11 @@
           <a:p>
             <a:r>
               <a:rPr lang="en-GB" dirty="0" smtClean="0"/>
-              <a:t>Layout Engines </a:t>
-            </a:r>
-            <a:r>
-              <a:rPr lang="en-GB" dirty="0" smtClean="0"/>
-              <a:t>(</a:t>
+              <a:t>Layout Engines (</a:t>
             </a:r>
             <a:r>
               <a:rPr lang="en-GB" baseline="0" dirty="0" smtClean="0"/>
-              <a:t>Tempo</a:t>
-            </a:r>
-            <a:r>
-              <a:rPr lang="en-GB" baseline="0" dirty="0" smtClean="0"/>
-              <a:t>)</a:t>
+              <a:t>Tempo)</a:t>
             </a:r>
             <a:endParaRPr lang="en-GB" dirty="0"/>
           </a:p>
@@ -15034,18 +16894,18 @@
     </p:spTree>
     <p:extLst>
       <p:ext uri="{BB962C8B-B14F-4D97-AF65-F5344CB8AC3E}">
-        <p14:creationId xmlns:p14="http://schemas.microsoft.com/office/powerpoint/2010/main" xmlns="" val="2936035119"/>
+        <p14:creationId xmlns:p14="http://schemas.microsoft.com/office/powerpoint/2010/main" val="2936035119"/>
       </p:ext>
     </p:extLst>
   </p:cSld>
   <p:clrMapOvr>
     <a:masterClrMapping/>
   </p:clrMapOvr>
-  <mc:AlternateContent xmlns:mc="http://schemas.openxmlformats.org/markup-compatibility/2006">
-    <mc:Choice xmlns:p14="http://schemas.microsoft.com/office/powerpoint/2010/main" xmlns="" Requires="p14">
+  <mc:AlternateContent xmlns:mc="http://schemas.openxmlformats.org/markup-compatibility/2006" xmlns:p14="http://schemas.microsoft.com/office/powerpoint/2010/main">
+    <mc:Choice Requires="p14">
       <p:transition spd="slow" p14:dur="2000"/>
     </mc:Choice>
-    <mc:Fallback>
+    <mc:Fallback xmlns="">
       <p:transition spd="slow"/>
     </mc:Fallback>
   </mc:AlternateContent>
@@ -15127,18 +16987,18 @@
     </p:spTree>
     <p:extLst>
       <p:ext uri="{BB962C8B-B14F-4D97-AF65-F5344CB8AC3E}">
-        <p14:creationId xmlns:p14="http://schemas.microsoft.com/office/powerpoint/2010/main" xmlns="" val="2582581476"/>
+        <p14:creationId xmlns:p14="http://schemas.microsoft.com/office/powerpoint/2010/main" val="2582581476"/>
       </p:ext>
     </p:extLst>
   </p:cSld>
   <p:clrMapOvr>
     <a:masterClrMapping/>
   </p:clrMapOvr>
-  <mc:AlternateContent xmlns:mc="http://schemas.openxmlformats.org/markup-compatibility/2006">
-    <mc:Choice xmlns:p14="http://schemas.microsoft.com/office/powerpoint/2010/main" xmlns="" Requires="p14">
+  <mc:AlternateContent xmlns:mc="http://schemas.openxmlformats.org/markup-compatibility/2006" xmlns:p14="http://schemas.microsoft.com/office/powerpoint/2010/main">
+    <mc:Choice Requires="p14">
       <p:transition spd="slow" p14:dur="2000"/>
     </mc:Choice>
-    <mc:Fallback>
+    <mc:Fallback xmlns="">
       <p:transition spd="slow"/>
     </mc:Fallback>
   </mc:AlternateContent>
@@ -15207,18 +17067,18 @@
     </p:spTree>
     <p:extLst>
       <p:ext uri="{BB962C8B-B14F-4D97-AF65-F5344CB8AC3E}">
-        <p14:creationId xmlns:p14="http://schemas.microsoft.com/office/powerpoint/2010/main" xmlns="" val="1630902965"/>
+        <p14:creationId xmlns:p14="http://schemas.microsoft.com/office/powerpoint/2010/main" val="1630902965"/>
       </p:ext>
     </p:extLst>
   </p:cSld>
   <p:clrMapOvr>
     <a:masterClrMapping/>
   </p:clrMapOvr>
-  <mc:AlternateContent xmlns:mc="http://schemas.openxmlformats.org/markup-compatibility/2006">
-    <mc:Choice xmlns:p14="http://schemas.microsoft.com/office/powerpoint/2010/main" xmlns="" Requires="p14">
+  <mc:AlternateContent xmlns:mc="http://schemas.openxmlformats.org/markup-compatibility/2006" xmlns:p14="http://schemas.microsoft.com/office/powerpoint/2010/main">
+    <mc:Choice Requires="p14">
       <p:transition spd="slow" p14:dur="2000"/>
     </mc:Choice>
-    <mc:Fallback>
+    <mc:Fallback xmlns="">
       <p:transition spd="slow"/>
     </mc:Fallback>
   </mc:AlternateContent>
@@ -15287,18 +17147,18 @@
     </p:spTree>
     <p:extLst>
       <p:ext uri="{BB962C8B-B14F-4D97-AF65-F5344CB8AC3E}">
-        <p14:creationId xmlns:p14="http://schemas.microsoft.com/office/powerpoint/2010/main" xmlns="" val="1630902965"/>
+        <p14:creationId xmlns:p14="http://schemas.microsoft.com/office/powerpoint/2010/main" val="1630902965"/>
       </p:ext>
     </p:extLst>
   </p:cSld>
   <p:clrMapOvr>
     <a:masterClrMapping/>
   </p:clrMapOvr>
-  <mc:AlternateContent xmlns:mc="http://schemas.openxmlformats.org/markup-compatibility/2006">
-    <mc:Choice xmlns:p14="http://schemas.microsoft.com/office/powerpoint/2010/main" xmlns="" Requires="p14">
+  <mc:AlternateContent xmlns:mc="http://schemas.openxmlformats.org/markup-compatibility/2006" xmlns:p14="http://schemas.microsoft.com/office/powerpoint/2010/main">
+    <mc:Choice Requires="p14">
       <p:transition spd="slow" p14:dur="2000"/>
     </mc:Choice>
-    <mc:Fallback>
+    <mc:Fallback xmlns="">
       <p:transition spd="slow"/>
     </mc:Fallback>
   </mc:AlternateContent>
@@ -15781,7 +17641,7 @@
     </p:spTree>
     <p:extLst>
       <p:ext uri="{BB962C8B-B14F-4D97-AF65-F5344CB8AC3E}">
-        <p14:creationId xmlns:p14="http://schemas.microsoft.com/office/powerpoint/2010/main" xmlns="" val="318162081"/>
+        <p14:creationId xmlns:p14="http://schemas.microsoft.com/office/powerpoint/2010/main" val="318162081"/>
       </p:ext>
     </p:extLst>
   </p:cSld>
@@ -16007,14 +17867,21 @@
   <p:clrMapOvr>
     <a:masterClrMapping/>
   </p:clrMapOvr>
-  <mc:AlternateContent xmlns:mc="http://schemas.openxmlformats.org/markup-compatibility/2006">
-    <mc:Choice xmlns:p14="http://schemas.microsoft.com/office/powerpoint/2010/main" xmlns="" Requires="p14">
+  <mc:AlternateContent xmlns:mc="http://schemas.openxmlformats.org/markup-compatibility/2006" xmlns:p14="http://schemas.microsoft.com/office/powerpoint/2010/main">
+    <mc:Choice Requires="p14">
       <p:transition spd="slow" p14:dur="2000"/>
     </mc:Choice>
-    <mc:Fallback>
+    <mc:Fallback xmlns="">
       <p:transition spd="slow"/>
     </mc:Fallback>
   </mc:AlternateContent>
+  <p:timing>
+    <p:tnLst>
+      <p:par>
+        <p:cTn id="1" dur="indefinite" restart="never" nodeType="tmRoot"/>
+      </p:par>
+    </p:tnLst>
+  </p:timing>
 </p:sld>
 </file>
 
@@ -16607,14 +18474,21 @@
   <p:clrMapOvr>
     <a:masterClrMapping/>
   </p:clrMapOvr>
-  <mc:AlternateContent xmlns:mc="http://schemas.openxmlformats.org/markup-compatibility/2006">
-    <mc:Choice xmlns:p14="http://schemas.microsoft.com/office/powerpoint/2010/main" xmlns="" Requires="p14">
+  <mc:AlternateContent xmlns:mc="http://schemas.openxmlformats.org/markup-compatibility/2006" xmlns:p14="http://schemas.microsoft.com/office/powerpoint/2010/main">
+    <mc:Choice Requires="p14">
       <p:transition spd="slow" p14:dur="2000"/>
     </mc:Choice>
-    <mc:Fallback>
+    <mc:Fallback xmlns="">
       <p:transition spd="slow"/>
     </mc:Fallback>
   </mc:AlternateContent>
+  <p:timing>
+    <p:tnLst>
+      <p:par>
+        <p:cTn id="1" dur="indefinite" restart="never" nodeType="tmRoot"/>
+      </p:par>
+    </p:tnLst>
+  </p:timing>
 </p:sld>
 </file>
 
@@ -16827,14 +18701,21 @@
   <p:clrMapOvr>
     <a:masterClrMapping/>
   </p:clrMapOvr>
-  <mc:AlternateContent xmlns:mc="http://schemas.openxmlformats.org/markup-compatibility/2006">
-    <mc:Choice xmlns:p14="http://schemas.microsoft.com/office/powerpoint/2010/main" xmlns="" Requires="p14">
+  <mc:AlternateContent xmlns:mc="http://schemas.openxmlformats.org/markup-compatibility/2006" xmlns:p14="http://schemas.microsoft.com/office/powerpoint/2010/main">
+    <mc:Choice Requires="p14">
       <p:transition spd="slow" p14:dur="2000"/>
     </mc:Choice>
-    <mc:Fallback>
+    <mc:Fallback xmlns="">
       <p:transition spd="slow"/>
     </mc:Fallback>
   </mc:AlternateContent>
+  <p:timing>
+    <p:tnLst>
+      <p:par>
+        <p:cTn id="1" dur="indefinite" restart="never" nodeType="tmRoot"/>
+      </p:par>
+    </p:tnLst>
+  </p:timing>
 </p:sld>
 </file>
 
@@ -17014,14 +18895,21 @@
   <p:clrMapOvr>
     <a:masterClrMapping/>
   </p:clrMapOvr>
-  <mc:AlternateContent xmlns:mc="http://schemas.openxmlformats.org/markup-compatibility/2006">
-    <mc:Choice xmlns:p14="http://schemas.microsoft.com/office/powerpoint/2010/main" xmlns="" Requires="p14">
+  <mc:AlternateContent xmlns:mc="http://schemas.openxmlformats.org/markup-compatibility/2006" xmlns:p14="http://schemas.microsoft.com/office/powerpoint/2010/main">
+    <mc:Choice Requires="p14">
       <p:transition spd="slow" p14:dur="2000"/>
     </mc:Choice>
-    <mc:Fallback>
+    <mc:Fallback xmlns="">
       <p:transition spd="slow"/>
     </mc:Fallback>
   </mc:AlternateContent>
+  <p:timing>
+    <p:tnLst>
+      <p:par>
+        <p:cTn id="1" dur="indefinite" restart="never" nodeType="tmRoot"/>
+      </p:par>
+    </p:tnLst>
+  </p:timing>
 </p:sld>
 </file>
 
@@ -18047,14 +19935,21 @@
   <p:clrMapOvr>
     <a:masterClrMapping/>
   </p:clrMapOvr>
-  <mc:AlternateContent xmlns:mc="http://schemas.openxmlformats.org/markup-compatibility/2006">
-    <mc:Choice xmlns:p14="http://schemas.microsoft.com/office/powerpoint/2010/main" xmlns="" Requires="p14">
+  <mc:AlternateContent xmlns:mc="http://schemas.openxmlformats.org/markup-compatibility/2006" xmlns:p14="http://schemas.microsoft.com/office/powerpoint/2010/main">
+    <mc:Choice Requires="p14">
       <p:transition spd="slow" p14:dur="2000"/>
     </mc:Choice>
-    <mc:Fallback>
+    <mc:Fallback xmlns="">
       <p:transition spd="slow"/>
     </mc:Fallback>
   </mc:AlternateContent>
+  <p:timing>
+    <p:tnLst>
+      <p:par>
+        <p:cTn id="1" dur="indefinite" restart="never" nodeType="tmRoot"/>
+      </p:par>
+    </p:tnLst>
+  </p:timing>
 </p:sld>
 </file>
 
